--- a/2023-06-01 Dealing with Concurrency - Multi-Threading in Dotnet/Dotnet-Multi-Threading.pptx
+++ b/2023-06-01 Dealing with Concurrency - Multi-Threading in Dotnet/Dotnet-Multi-Threading.pptx
@@ -4727,15 +4727,22 @@
           <a:lstStyle/>
           <a:p>
             <a:r>
-              <a:rPr lang="en-US" b="1" dirty="0">
+              <a:rPr lang="tr-TR" b="1" dirty="0">
                 <a:solidFill>
                   <a:srgbClr val="292D33"/>
                 </a:solidFill>
                 <a:latin typeface="Euclid Circular B" panose="020B0504000000000000" pitchFamily="34" charset="0"/>
                 <a:ea typeface="Euclid Circular B" panose="020B0504000000000000" pitchFamily="34" charset="0"/>
               </a:rPr>
-              <a:t>Topic title</a:t>
-            </a:r>
+              <a:t>What is Multi-Threading?</a:t>
+            </a:r>
+            <a:endParaRPr lang="en-US" b="1" dirty="0">
+              <a:solidFill>
+                <a:srgbClr val="292D33"/>
+              </a:solidFill>
+              <a:latin typeface="Euclid Circular B" panose="020B0504000000000000" pitchFamily="34" charset="0"/>
+              <a:ea typeface="Euclid Circular B" panose="020B0504000000000000" pitchFamily="34" charset="0"/>
+            </a:endParaRPr>
           </a:p>
         </p:txBody>
       </p:sp>
@@ -4760,13 +4767,132 @@
           <a:bodyPr/>
           <a:lstStyle/>
           <a:p>
+            <a:pPr marL="0" indent="0">
+              <a:buNone/>
+            </a:pPr>
             <a:r>
               <a:rPr lang="en-US" dirty="0">
                 <a:latin typeface="Euclid Circular B" panose="020B0504000000000000" pitchFamily="34" charset="0"/>
                 <a:ea typeface="Euclid Circular B" panose="020B0504000000000000" pitchFamily="34" charset="0"/>
               </a:rPr>
-              <a:t>Content</a:t>
-            </a:r>
+              <a:t>Multithreading is a CPU feature that allows two or more instruction threads to </a:t>
+            </a:r>
+            <a:r>
+              <a:rPr lang="en-US" b="1" dirty="0">
+                <a:latin typeface="Euclid Circular B" panose="020B0504000000000000" pitchFamily="34" charset="0"/>
+                <a:ea typeface="Euclid Circular B" panose="020B0504000000000000" pitchFamily="34" charset="0"/>
+              </a:rPr>
+              <a:t>execute independently </a:t>
+            </a:r>
+            <a:r>
+              <a:rPr lang="en-US" dirty="0">
+                <a:latin typeface="Euclid Circular B" panose="020B0504000000000000" pitchFamily="34" charset="0"/>
+                <a:ea typeface="Euclid Circular B" panose="020B0504000000000000" pitchFamily="34" charset="0"/>
+              </a:rPr>
+              <a:t>while sharing the </a:t>
+            </a:r>
+            <a:r>
+              <a:rPr lang="en-US" b="1" dirty="0">
+                <a:latin typeface="Euclid Circular B" panose="020B0504000000000000" pitchFamily="34" charset="0"/>
+                <a:ea typeface="Euclid Circular B" panose="020B0504000000000000" pitchFamily="34" charset="0"/>
+              </a:rPr>
+              <a:t>same process resources</a:t>
+            </a:r>
+            <a:r>
+              <a:rPr lang="en-US" dirty="0">
+                <a:latin typeface="Euclid Circular B" panose="020B0504000000000000" pitchFamily="34" charset="0"/>
+                <a:ea typeface="Euclid Circular B" panose="020B0504000000000000" pitchFamily="34" charset="0"/>
+              </a:rPr>
+              <a:t>.</a:t>
+            </a:r>
+          </a:p>
+          <a:p>
+            <a:pPr marL="0" indent="0">
+              <a:buNone/>
+            </a:pPr>
+            <a:r>
+              <a:rPr lang="en-US" dirty="0">
+                <a:latin typeface="Euclid Circular B" panose="020B0504000000000000" pitchFamily="34" charset="0"/>
+                <a:ea typeface="Euclid Circular B" panose="020B0504000000000000" pitchFamily="34" charset="0"/>
+              </a:rPr>
+              <a:t>A thread is a self-contained sequence of instructions that can </a:t>
+            </a:r>
+            <a:r>
+              <a:rPr lang="en-US" b="1" dirty="0">
+                <a:latin typeface="Euclid Circular B" panose="020B0504000000000000" pitchFamily="34" charset="0"/>
+                <a:ea typeface="Euclid Circular B" panose="020B0504000000000000" pitchFamily="34" charset="0"/>
+              </a:rPr>
+              <a:t>execute in parallel </a:t>
+            </a:r>
+            <a:r>
+              <a:rPr lang="en-US" dirty="0">
+                <a:latin typeface="Euclid Circular B" panose="020B0504000000000000" pitchFamily="34" charset="0"/>
+                <a:ea typeface="Euclid Circular B" panose="020B0504000000000000" pitchFamily="34" charset="0"/>
+              </a:rPr>
+              <a:t>with other threads that are part of the same root process.</a:t>
+            </a:r>
+            <a:endParaRPr lang="tr-TR" dirty="0">
+              <a:latin typeface="Euclid Circular B" panose="020B0504000000000000" pitchFamily="34" charset="0"/>
+              <a:ea typeface="Euclid Circular B" panose="020B0504000000000000" pitchFamily="34" charset="0"/>
+            </a:endParaRPr>
+          </a:p>
+          <a:p>
+            <a:pPr marL="0" indent="0">
+              <a:buNone/>
+            </a:pPr>
+            <a:endParaRPr lang="tr-TR" dirty="0">
+              <a:latin typeface="Euclid Circular B" panose="020B0504000000000000" pitchFamily="34" charset="0"/>
+              <a:ea typeface="Euclid Circular B" panose="020B0504000000000000" pitchFamily="34" charset="0"/>
+            </a:endParaRPr>
+          </a:p>
+          <a:p>
+            <a:pPr marL="0" indent="0">
+              <a:buNone/>
+            </a:pPr>
+            <a:endParaRPr lang="tr-TR" dirty="0">
+              <a:latin typeface="Euclid Circular B" panose="020B0504000000000000" pitchFamily="34" charset="0"/>
+              <a:ea typeface="Euclid Circular B" panose="020B0504000000000000" pitchFamily="34" charset="0"/>
+            </a:endParaRPr>
+          </a:p>
+          <a:p>
+            <a:pPr marL="0" indent="0">
+              <a:buNone/>
+            </a:pPr>
+            <a:endParaRPr lang="tr-TR" dirty="0">
+              <a:latin typeface="Euclid Circular B" panose="020B0504000000000000" pitchFamily="34" charset="0"/>
+              <a:ea typeface="Euclid Circular B" panose="020B0504000000000000" pitchFamily="34" charset="0"/>
+            </a:endParaRPr>
+          </a:p>
+          <a:p>
+            <a:pPr marL="0" indent="0">
+              <a:buNone/>
+            </a:pPr>
+            <a:r>
+              <a:rPr lang="tr-TR" sz="1600" i="1" dirty="0">
+                <a:latin typeface="Euclid Circular B" panose="020B0504000000000000" pitchFamily="34" charset="0"/>
+                <a:ea typeface="Euclid Circular B" panose="020B0504000000000000" pitchFamily="34" charset="0"/>
+              </a:rPr>
+              <a:t>Source: </a:t>
+            </a:r>
+            <a:r>
+              <a:rPr lang="tr-TR" sz="1600" i="1" dirty="0">
+                <a:latin typeface="Euclid Circular B" panose="020B0504000000000000" pitchFamily="34" charset="0"/>
+                <a:ea typeface="Euclid Circular B" panose="020B0504000000000000" pitchFamily="34" charset="0"/>
+                <a:hlinkClick r:id="rId3"/>
+              </a:rPr>
+              <a:t>https://www.techopedia.com/definition/24297/multithreading-computer-architecture</a:t>
+            </a:r>
+            <a:r>
+              <a:rPr lang="tr-TR" sz="1600" i="1" dirty="0">
+                <a:latin typeface="Euclid Circular B" panose="020B0504000000000000" pitchFamily="34" charset="0"/>
+                <a:ea typeface="Euclid Circular B" panose="020B0504000000000000" pitchFamily="34" charset="0"/>
+              </a:rPr>
+              <a:t> </a:t>
+            </a:r>
+            <a:endParaRPr lang="en-US" sz="1600" i="1" dirty="0">
+              <a:latin typeface="Euclid Circular B" panose="020B0504000000000000" pitchFamily="34" charset="0"/>
+              <a:ea typeface="Euclid Circular B" panose="020B0504000000000000" pitchFamily="34" charset="0"/>
+            </a:endParaRPr>
           </a:p>
         </p:txBody>
       </p:sp>
@@ -4843,7 +4969,7 @@
                 <a:latin typeface="Euclid Circular B" panose="020B0504000000000000" pitchFamily="34" charset="0"/>
                 <a:ea typeface="Euclid Circular B" panose="020B0504000000000000" pitchFamily="34" charset="0"/>
               </a:rPr>
-              <a:t>Topic title</a:t>
+              <a:t>Multithreading vs. Multiprocessing</a:t>
             </a:r>
           </a:p>
         </p:txBody>

--- a/2023-06-01 Dealing with Concurrency - Multi-Threading in Dotnet/Dotnet-Multi-Threading.pptx
+++ b/2023-06-01 Dealing with Concurrency - Multi-Threading in Dotnet/Dotnet-Multi-Threading.pptx
@@ -6,24 +6,25 @@
   </p:sldMasterIdLst>
   <p:sldIdLst>
     <p:sldId id="256" r:id="rId2"/>
-    <p:sldId id="287" r:id="rId3"/>
-    <p:sldId id="291" r:id="rId4"/>
-    <p:sldId id="292" r:id="rId5"/>
-    <p:sldId id="293" r:id="rId6"/>
-    <p:sldId id="294" r:id="rId7"/>
-    <p:sldId id="295" r:id="rId8"/>
-    <p:sldId id="296" r:id="rId9"/>
-    <p:sldId id="297" r:id="rId10"/>
-    <p:sldId id="298" r:id="rId11"/>
-    <p:sldId id="299" r:id="rId12"/>
-    <p:sldId id="300" r:id="rId13"/>
-    <p:sldId id="301" r:id="rId14"/>
-    <p:sldId id="302" r:id="rId15"/>
-    <p:sldId id="303" r:id="rId16"/>
-    <p:sldId id="304" r:id="rId17"/>
-    <p:sldId id="305" r:id="rId18"/>
-    <p:sldId id="289" r:id="rId19"/>
-    <p:sldId id="290" r:id="rId20"/>
+    <p:sldId id="293" r:id="rId3"/>
+    <p:sldId id="294" r:id="rId4"/>
+    <p:sldId id="291" r:id="rId5"/>
+    <p:sldId id="306" r:id="rId6"/>
+    <p:sldId id="307" r:id="rId7"/>
+    <p:sldId id="292" r:id="rId8"/>
+    <p:sldId id="295" r:id="rId9"/>
+    <p:sldId id="296" r:id="rId10"/>
+    <p:sldId id="297" r:id="rId11"/>
+    <p:sldId id="298" r:id="rId12"/>
+    <p:sldId id="299" r:id="rId13"/>
+    <p:sldId id="300" r:id="rId14"/>
+    <p:sldId id="301" r:id="rId15"/>
+    <p:sldId id="302" r:id="rId16"/>
+    <p:sldId id="303" r:id="rId17"/>
+    <p:sldId id="304" r:id="rId18"/>
+    <p:sldId id="305" r:id="rId19"/>
+    <p:sldId id="289" r:id="rId20"/>
+    <p:sldId id="290" r:id="rId21"/>
   </p:sldIdLst>
   <p:sldSz cx="12192000" cy="6858000"/>
   <p:notesSz cx="6858000" cy="9144000"/>
@@ -277,7 +278,7 @@
           <a:p>
             <a:fld id="{2A14C9FE-EBC3-45D3-899C-58AAF4F8AF71}" type="datetimeFigureOut">
               <a:rPr lang="en-US" smtClean="0"/>
-              <a:t>4/4/2023</a:t>
+              <a:t>5/14/2023</a:t>
             </a:fld>
             <a:endParaRPr lang="en-US"/>
           </a:p>
@@ -475,7 +476,7 @@
           <a:p>
             <a:fld id="{2A14C9FE-EBC3-45D3-899C-58AAF4F8AF71}" type="datetimeFigureOut">
               <a:rPr lang="en-US" smtClean="0"/>
-              <a:t>4/4/2023</a:t>
+              <a:t>5/14/2023</a:t>
             </a:fld>
             <a:endParaRPr lang="en-US"/>
           </a:p>
@@ -683,7 +684,7 @@
           <a:p>
             <a:fld id="{2A14C9FE-EBC3-45D3-899C-58AAF4F8AF71}" type="datetimeFigureOut">
               <a:rPr lang="en-US" smtClean="0"/>
-              <a:t>4/4/2023</a:t>
+              <a:t>5/14/2023</a:t>
             </a:fld>
             <a:endParaRPr lang="en-US"/>
           </a:p>
@@ -881,7 +882,7 @@
           <a:p>
             <a:fld id="{2A14C9FE-EBC3-45D3-899C-58AAF4F8AF71}" type="datetimeFigureOut">
               <a:rPr lang="en-US" smtClean="0"/>
-              <a:t>4/4/2023</a:t>
+              <a:t>5/14/2023</a:t>
             </a:fld>
             <a:endParaRPr lang="en-US"/>
           </a:p>
@@ -1156,7 +1157,7 @@
           <a:p>
             <a:fld id="{2A14C9FE-EBC3-45D3-899C-58AAF4F8AF71}" type="datetimeFigureOut">
               <a:rPr lang="en-US" smtClean="0"/>
-              <a:t>4/4/2023</a:t>
+              <a:t>5/14/2023</a:t>
             </a:fld>
             <a:endParaRPr lang="en-US"/>
           </a:p>
@@ -1421,7 +1422,7 @@
           <a:p>
             <a:fld id="{2A14C9FE-EBC3-45D3-899C-58AAF4F8AF71}" type="datetimeFigureOut">
               <a:rPr lang="en-US" smtClean="0"/>
-              <a:t>4/4/2023</a:t>
+              <a:t>5/14/2023</a:t>
             </a:fld>
             <a:endParaRPr lang="en-US"/>
           </a:p>
@@ -1833,7 +1834,7 @@
           <a:p>
             <a:fld id="{2A14C9FE-EBC3-45D3-899C-58AAF4F8AF71}" type="datetimeFigureOut">
               <a:rPr lang="en-US" smtClean="0"/>
-              <a:t>4/4/2023</a:t>
+              <a:t>5/14/2023</a:t>
             </a:fld>
             <a:endParaRPr lang="en-US"/>
           </a:p>
@@ -1974,7 +1975,7 @@
           <a:p>
             <a:fld id="{2A14C9FE-EBC3-45D3-899C-58AAF4F8AF71}" type="datetimeFigureOut">
               <a:rPr lang="en-US" smtClean="0"/>
-              <a:t>4/4/2023</a:t>
+              <a:t>5/14/2023</a:t>
             </a:fld>
             <a:endParaRPr lang="en-US"/>
           </a:p>
@@ -2087,7 +2088,7 @@
           <a:p>
             <a:fld id="{2A14C9FE-EBC3-45D3-899C-58AAF4F8AF71}" type="datetimeFigureOut">
               <a:rPr lang="en-US" smtClean="0"/>
-              <a:t>4/4/2023</a:t>
+              <a:t>5/14/2023</a:t>
             </a:fld>
             <a:endParaRPr lang="en-US"/>
           </a:p>
@@ -2398,7 +2399,7 @@
           <a:p>
             <a:fld id="{2A14C9FE-EBC3-45D3-899C-58AAF4F8AF71}" type="datetimeFigureOut">
               <a:rPr lang="en-US" smtClean="0"/>
-              <a:t>4/4/2023</a:t>
+              <a:t>5/14/2023</a:t>
             </a:fld>
             <a:endParaRPr lang="en-US"/>
           </a:p>
@@ -2686,7 +2687,7 @@
           <a:p>
             <a:fld id="{2A14C9FE-EBC3-45D3-899C-58AAF4F8AF71}" type="datetimeFigureOut">
               <a:rPr lang="en-US" smtClean="0"/>
-              <a:t>4/4/2023</a:t>
+              <a:t>5/14/2023</a:t>
             </a:fld>
             <a:endParaRPr lang="en-US"/>
           </a:p>
@@ -2927,7 +2928,7 @@
           <a:p>
             <a:fld id="{2A14C9FE-EBC3-45D3-899C-58AAF4F8AF71}" type="datetimeFigureOut">
               <a:rPr lang="en-US" smtClean="0"/>
-              <a:t>4/4/2023</a:t>
+              <a:t>5/14/2023</a:t>
             </a:fld>
             <a:endParaRPr lang="en-US"/>
           </a:p>
@@ -3562,7 +3563,7 @@
     </p:spTree>
     <p:extLst>
       <p:ext uri="{BB962C8B-B14F-4D97-AF65-F5344CB8AC3E}">
-        <p14:creationId xmlns:p14="http://schemas.microsoft.com/office/powerpoint/2010/main" val="909213116"/>
+        <p14:creationId xmlns:p14="http://schemas.microsoft.com/office/powerpoint/2010/main" val="1870262939"/>
       </p:ext>
     </p:extLst>
   </p:cSld>
@@ -3671,7 +3672,7 @@
     </p:spTree>
     <p:extLst>
       <p:ext uri="{BB962C8B-B14F-4D97-AF65-F5344CB8AC3E}">
-        <p14:creationId xmlns:p14="http://schemas.microsoft.com/office/powerpoint/2010/main" val="250564633"/>
+        <p14:creationId xmlns:p14="http://schemas.microsoft.com/office/powerpoint/2010/main" val="909213116"/>
       </p:ext>
     </p:extLst>
   </p:cSld>
@@ -3780,7 +3781,7 @@
     </p:spTree>
     <p:extLst>
       <p:ext uri="{BB962C8B-B14F-4D97-AF65-F5344CB8AC3E}">
-        <p14:creationId xmlns:p14="http://schemas.microsoft.com/office/powerpoint/2010/main" val="936238712"/>
+        <p14:creationId xmlns:p14="http://schemas.microsoft.com/office/powerpoint/2010/main" val="250564633"/>
       </p:ext>
     </p:extLst>
   </p:cSld>
@@ -3889,7 +3890,7 @@
     </p:spTree>
     <p:extLst>
       <p:ext uri="{BB962C8B-B14F-4D97-AF65-F5344CB8AC3E}">
-        <p14:creationId xmlns:p14="http://schemas.microsoft.com/office/powerpoint/2010/main" val="650589519"/>
+        <p14:creationId xmlns:p14="http://schemas.microsoft.com/office/powerpoint/2010/main" val="936238712"/>
       </p:ext>
     </p:extLst>
   </p:cSld>
@@ -3998,7 +3999,7 @@
     </p:spTree>
     <p:extLst>
       <p:ext uri="{BB962C8B-B14F-4D97-AF65-F5344CB8AC3E}">
-        <p14:creationId xmlns:p14="http://schemas.microsoft.com/office/powerpoint/2010/main" val="3240347231"/>
+        <p14:creationId xmlns:p14="http://schemas.microsoft.com/office/powerpoint/2010/main" val="650589519"/>
       </p:ext>
     </p:extLst>
   </p:cSld>
@@ -4107,7 +4108,7 @@
     </p:spTree>
     <p:extLst>
       <p:ext uri="{BB962C8B-B14F-4D97-AF65-F5344CB8AC3E}">
-        <p14:creationId xmlns:p14="http://schemas.microsoft.com/office/powerpoint/2010/main" val="1760477952"/>
+        <p14:creationId xmlns:p14="http://schemas.microsoft.com/office/powerpoint/2010/main" val="3240347231"/>
       </p:ext>
     </p:extLst>
   </p:cSld>
@@ -4216,7 +4217,7 @@
     </p:spTree>
     <p:extLst>
       <p:ext uri="{BB962C8B-B14F-4D97-AF65-F5344CB8AC3E}">
-        <p14:creationId xmlns:p14="http://schemas.microsoft.com/office/powerpoint/2010/main" val="2730902364"/>
+        <p14:creationId xmlns:p14="http://schemas.microsoft.com/office/powerpoint/2010/main" val="1760477952"/>
       </p:ext>
     </p:extLst>
   </p:cSld>
@@ -4325,7 +4326,7 @@
     </p:spTree>
     <p:extLst>
       <p:ext uri="{BB962C8B-B14F-4D97-AF65-F5344CB8AC3E}">
-        <p14:creationId xmlns:p14="http://schemas.microsoft.com/office/powerpoint/2010/main" val="2007334137"/>
+        <p14:creationId xmlns:p14="http://schemas.microsoft.com/office/powerpoint/2010/main" val="2730902364"/>
       </p:ext>
     </p:extLst>
   </p:cSld>
@@ -4395,7 +4396,7 @@
                 <a:latin typeface="Euclid Circular B" panose="020B0504000000000000" pitchFamily="34" charset="0"/>
                 <a:ea typeface="Euclid Circular B" panose="020B0504000000000000" pitchFamily="34" charset="0"/>
               </a:rPr>
-              <a:t>Thanks!</a:t>
+              <a:t>Topic title</a:t>
             </a:r>
           </a:p>
         </p:txBody>
@@ -4416,146 +4417,25 @@
             <p:ph idx="1"/>
           </p:nvPr>
         </p:nvSpPr>
-        <p:spPr>
-          <a:xfrm>
-            <a:off x="838200" y="1825625"/>
-            <a:ext cx="10515600" cy="4667250"/>
-          </a:xfrm>
-        </p:spPr>
-        <p:txBody>
-          <a:bodyPr>
-            <a:normAutofit/>
-          </a:bodyPr>
-          <a:lstStyle/>
-          <a:p>
-            <a:pPr marL="0" indent="0">
-              <a:buNone/>
-            </a:pPr>
-            <a:r>
-              <a:rPr lang="en-US" sz="2600" b="1" dirty="0">
+        <p:spPr/>
+        <p:txBody>
+          <a:bodyPr/>
+          <a:lstStyle/>
+          <a:p>
+            <a:r>
+              <a:rPr lang="en-US" dirty="0">
                 <a:latin typeface="Euclid Circular B" panose="020B0504000000000000" pitchFamily="34" charset="0"/>
                 <a:ea typeface="Euclid Circular B" panose="020B0504000000000000" pitchFamily="34" charset="0"/>
               </a:rPr>
-              <a:t>Get This Presentation</a:t>
-            </a:r>
-          </a:p>
-          <a:p>
-            <a:pPr marL="0" indent="0">
-              <a:buNone/>
-            </a:pPr>
-            <a:r>
-              <a:rPr lang="en-US" sz="1400" dirty="0">
-                <a:latin typeface="Euclid Circular B" panose="020B0504000000000000" pitchFamily="34" charset="0"/>
-                <a:ea typeface="Euclid Circular B" panose="020B0504000000000000" pitchFamily="34" charset="0"/>
-                <a:hlinkClick r:id="rId3"/>
-              </a:rPr>
-              <a:t>https://github.com/hikalkan/presentations</a:t>
-            </a:r>
-            <a:endParaRPr lang="en-US" sz="1400" dirty="0">
-              <a:latin typeface="Euclid Circular B" panose="020B0504000000000000" pitchFamily="34" charset="0"/>
-              <a:ea typeface="Euclid Circular B" panose="020B0504000000000000" pitchFamily="34" charset="0"/>
-            </a:endParaRPr>
-          </a:p>
-          <a:p>
-            <a:pPr marL="0" indent="0">
-              <a:buNone/>
-            </a:pPr>
-            <a:endParaRPr lang="en-US" sz="1000" dirty="0">
-              <a:latin typeface="Euclid Circular B" panose="020B0504000000000000" pitchFamily="34" charset="0"/>
-              <a:ea typeface="Euclid Circular B" panose="020B0504000000000000" pitchFamily="34" charset="0"/>
-            </a:endParaRPr>
-          </a:p>
-          <a:p>
-            <a:pPr marL="0" indent="0">
-              <a:buNone/>
-            </a:pPr>
-            <a:r>
-              <a:rPr lang="en-US" sz="2600" b="1" dirty="0">
-                <a:latin typeface="Euclid Circular B" panose="020B0504000000000000" pitchFamily="34" charset="0"/>
-                <a:ea typeface="Euclid Circular B" panose="020B0504000000000000" pitchFamily="34" charset="0"/>
-              </a:rPr>
-              <a:t>Contact Me</a:t>
-            </a:r>
-          </a:p>
-          <a:p>
-            <a:pPr marL="0" indent="0">
-              <a:buNone/>
-            </a:pPr>
-            <a:r>
-              <a:rPr lang="en-US" sz="1600" dirty="0">
-                <a:latin typeface="Euclid Circular B" panose="020B0504000000000000" pitchFamily="34" charset="0"/>
-                <a:ea typeface="Euclid Circular B" panose="020B0504000000000000" pitchFamily="34" charset="0"/>
-              </a:rPr>
-              <a:t>Home: </a:t>
-            </a:r>
-            <a:r>
-              <a:rPr lang="en-US" sz="1600" dirty="0">
-                <a:latin typeface="Euclid Circular B" panose="020B0504000000000000" pitchFamily="34" charset="0"/>
-                <a:ea typeface="Euclid Circular B" panose="020B0504000000000000" pitchFamily="34" charset="0"/>
-                <a:hlinkClick r:id="rId4"/>
-              </a:rPr>
-              <a:t>https://halilibrahimkalkan.com</a:t>
-            </a:r>
-            <a:r>
-              <a:rPr lang="en-US" sz="1600" dirty="0">
-                <a:latin typeface="Euclid Circular B" panose="020B0504000000000000" pitchFamily="34" charset="0"/>
-                <a:ea typeface="Euclid Circular B" panose="020B0504000000000000" pitchFamily="34" charset="0"/>
-              </a:rPr>
-              <a:t> </a:t>
-            </a:r>
-          </a:p>
-          <a:p>
-            <a:pPr marL="0" indent="0">
-              <a:buNone/>
-            </a:pPr>
-            <a:r>
-              <a:rPr lang="en-US" sz="1600" dirty="0">
-                <a:latin typeface="Euclid Circular B" panose="020B0504000000000000" pitchFamily="34" charset="0"/>
-                <a:ea typeface="Euclid Circular B" panose="020B0504000000000000" pitchFamily="34" charset="0"/>
-              </a:rPr>
-              <a:t>GitHub: @hikalkan | Twitter: @hibrahimkalkan</a:t>
-            </a:r>
-          </a:p>
-          <a:p>
-            <a:pPr marL="0" indent="0">
-              <a:buNone/>
-            </a:pPr>
-            <a:endParaRPr lang="en-US" sz="1000" dirty="0">
-              <a:latin typeface="Euclid Circular B" panose="020B0504000000000000" pitchFamily="34" charset="0"/>
-              <a:ea typeface="Euclid Circular B" panose="020B0504000000000000" pitchFamily="34" charset="0"/>
-            </a:endParaRPr>
-          </a:p>
-          <a:p>
-            <a:pPr marL="0" indent="0">
-              <a:buNone/>
-            </a:pPr>
-            <a:r>
-              <a:rPr lang="en-US" sz="2600" b="1" dirty="0">
-                <a:latin typeface="Euclid Circular B" panose="020B0504000000000000" pitchFamily="34" charset="0"/>
-                <a:ea typeface="Euclid Circular B" panose="020B0504000000000000" pitchFamily="34" charset="0"/>
-              </a:rPr>
-              <a:t>References</a:t>
-            </a:r>
-          </a:p>
-          <a:p>
-            <a:r>
-              <a:rPr lang="tr-TR" sz="1600" dirty="0">
-                <a:latin typeface="Euclid Circular B" panose="020B0504000000000000" pitchFamily="34" charset="0"/>
-                <a:ea typeface="Euclid Circular B" panose="020B0504000000000000" pitchFamily="34" charset="0"/>
-              </a:rPr>
-              <a:t>TODO</a:t>
-            </a:r>
-            <a:endParaRPr lang="en-US" sz="1400" dirty="0">
-              <a:latin typeface="Euclid Circular B" panose="020B0504000000000000" pitchFamily="34" charset="0"/>
-              <a:ea typeface="Euclid Circular B" panose="020B0504000000000000" pitchFamily="34" charset="0"/>
-            </a:endParaRPr>
+              <a:t>Content</a:t>
+            </a:r>
           </a:p>
         </p:txBody>
       </p:sp>
     </p:spTree>
     <p:extLst>
       <p:ext uri="{BB962C8B-B14F-4D97-AF65-F5344CB8AC3E}">
-        <p14:creationId xmlns:p14="http://schemas.microsoft.com/office/powerpoint/2010/main" val="1625585404"/>
+        <p14:creationId xmlns:p14="http://schemas.microsoft.com/office/powerpoint/2010/main" val="2007334137"/>
       </p:ext>
     </p:extLst>
   </p:cSld>
@@ -4625,7 +4505,7 @@
                 <a:latin typeface="Euclid Circular B" panose="020B0504000000000000" pitchFamily="34" charset="0"/>
                 <a:ea typeface="Euclid Circular B" panose="020B0504000000000000" pitchFamily="34" charset="0"/>
               </a:rPr>
-              <a:t>Topic title</a:t>
+              <a:t>Thanks!</a:t>
             </a:r>
           </a:p>
         </p:txBody>
@@ -4646,25 +4526,146 @@
             <p:ph idx="1"/>
           </p:nvPr>
         </p:nvSpPr>
-        <p:spPr/>
-        <p:txBody>
-          <a:bodyPr/>
-          <a:lstStyle/>
-          <a:p>
-            <a:r>
-              <a:rPr lang="en-US" dirty="0">
+        <p:spPr>
+          <a:xfrm>
+            <a:off x="838200" y="1825625"/>
+            <a:ext cx="10515600" cy="4667250"/>
+          </a:xfrm>
+        </p:spPr>
+        <p:txBody>
+          <a:bodyPr>
+            <a:normAutofit/>
+          </a:bodyPr>
+          <a:lstStyle/>
+          <a:p>
+            <a:pPr marL="0" indent="0">
+              <a:buNone/>
+            </a:pPr>
+            <a:r>
+              <a:rPr lang="en-US" sz="2600" b="1" dirty="0">
                 <a:latin typeface="Euclid Circular B" panose="020B0504000000000000" pitchFamily="34" charset="0"/>
                 <a:ea typeface="Euclid Circular B" panose="020B0504000000000000" pitchFamily="34" charset="0"/>
               </a:rPr>
-              <a:t>Content</a:t>
-            </a:r>
+              <a:t>Get This Presentation</a:t>
+            </a:r>
+          </a:p>
+          <a:p>
+            <a:pPr marL="0" indent="0">
+              <a:buNone/>
+            </a:pPr>
+            <a:r>
+              <a:rPr lang="en-US" sz="1400" dirty="0">
+                <a:latin typeface="Euclid Circular B" panose="020B0504000000000000" pitchFamily="34" charset="0"/>
+                <a:ea typeface="Euclid Circular B" panose="020B0504000000000000" pitchFamily="34" charset="0"/>
+                <a:hlinkClick r:id="rId3"/>
+              </a:rPr>
+              <a:t>https://github.com/hikalkan/presentations</a:t>
+            </a:r>
+            <a:endParaRPr lang="en-US" sz="1400" dirty="0">
+              <a:latin typeface="Euclid Circular B" panose="020B0504000000000000" pitchFamily="34" charset="0"/>
+              <a:ea typeface="Euclid Circular B" panose="020B0504000000000000" pitchFamily="34" charset="0"/>
+            </a:endParaRPr>
+          </a:p>
+          <a:p>
+            <a:pPr marL="0" indent="0">
+              <a:buNone/>
+            </a:pPr>
+            <a:endParaRPr lang="en-US" sz="1000" dirty="0">
+              <a:latin typeface="Euclid Circular B" panose="020B0504000000000000" pitchFamily="34" charset="0"/>
+              <a:ea typeface="Euclid Circular B" panose="020B0504000000000000" pitchFamily="34" charset="0"/>
+            </a:endParaRPr>
+          </a:p>
+          <a:p>
+            <a:pPr marL="0" indent="0">
+              <a:buNone/>
+            </a:pPr>
+            <a:r>
+              <a:rPr lang="en-US" sz="2600" b="1" dirty="0">
+                <a:latin typeface="Euclid Circular B" panose="020B0504000000000000" pitchFamily="34" charset="0"/>
+                <a:ea typeface="Euclid Circular B" panose="020B0504000000000000" pitchFamily="34" charset="0"/>
+              </a:rPr>
+              <a:t>Contact Me</a:t>
+            </a:r>
+          </a:p>
+          <a:p>
+            <a:pPr marL="0" indent="0">
+              <a:buNone/>
+            </a:pPr>
+            <a:r>
+              <a:rPr lang="en-US" sz="1600" dirty="0">
+                <a:latin typeface="Euclid Circular B" panose="020B0504000000000000" pitchFamily="34" charset="0"/>
+                <a:ea typeface="Euclid Circular B" panose="020B0504000000000000" pitchFamily="34" charset="0"/>
+              </a:rPr>
+              <a:t>Home: </a:t>
+            </a:r>
+            <a:r>
+              <a:rPr lang="en-US" sz="1600" dirty="0">
+                <a:latin typeface="Euclid Circular B" panose="020B0504000000000000" pitchFamily="34" charset="0"/>
+                <a:ea typeface="Euclid Circular B" panose="020B0504000000000000" pitchFamily="34" charset="0"/>
+                <a:hlinkClick r:id="rId4"/>
+              </a:rPr>
+              <a:t>https://halilibrahimkalkan.com</a:t>
+            </a:r>
+            <a:r>
+              <a:rPr lang="en-US" sz="1600" dirty="0">
+                <a:latin typeface="Euclid Circular B" panose="020B0504000000000000" pitchFamily="34" charset="0"/>
+                <a:ea typeface="Euclid Circular B" panose="020B0504000000000000" pitchFamily="34" charset="0"/>
+              </a:rPr>
+              <a:t> </a:t>
+            </a:r>
+          </a:p>
+          <a:p>
+            <a:pPr marL="0" indent="0">
+              <a:buNone/>
+            </a:pPr>
+            <a:r>
+              <a:rPr lang="en-US" sz="1600" dirty="0">
+                <a:latin typeface="Euclid Circular B" panose="020B0504000000000000" pitchFamily="34" charset="0"/>
+                <a:ea typeface="Euclid Circular B" panose="020B0504000000000000" pitchFamily="34" charset="0"/>
+              </a:rPr>
+              <a:t>GitHub: @hikalkan | Twitter: @hibrahimkalkan</a:t>
+            </a:r>
+          </a:p>
+          <a:p>
+            <a:pPr marL="0" indent="0">
+              <a:buNone/>
+            </a:pPr>
+            <a:endParaRPr lang="en-US" sz="1000" dirty="0">
+              <a:latin typeface="Euclid Circular B" panose="020B0504000000000000" pitchFamily="34" charset="0"/>
+              <a:ea typeface="Euclid Circular B" panose="020B0504000000000000" pitchFamily="34" charset="0"/>
+            </a:endParaRPr>
+          </a:p>
+          <a:p>
+            <a:pPr marL="0" indent="0">
+              <a:buNone/>
+            </a:pPr>
+            <a:r>
+              <a:rPr lang="en-US" sz="2600" b="1" dirty="0">
+                <a:latin typeface="Euclid Circular B" panose="020B0504000000000000" pitchFamily="34" charset="0"/>
+                <a:ea typeface="Euclid Circular B" panose="020B0504000000000000" pitchFamily="34" charset="0"/>
+              </a:rPr>
+              <a:t>References</a:t>
+            </a:r>
+          </a:p>
+          <a:p>
+            <a:r>
+              <a:rPr lang="tr-TR" sz="1600" dirty="0">
+                <a:latin typeface="Euclid Circular B" panose="020B0504000000000000" pitchFamily="34" charset="0"/>
+                <a:ea typeface="Euclid Circular B" panose="020B0504000000000000" pitchFamily="34" charset="0"/>
+              </a:rPr>
+              <a:t>TODO</a:t>
+            </a:r>
+            <a:endParaRPr lang="en-US" sz="1400" dirty="0">
+              <a:latin typeface="Euclid Circular B" panose="020B0504000000000000" pitchFamily="34" charset="0"/>
+              <a:ea typeface="Euclid Circular B" panose="020B0504000000000000" pitchFamily="34" charset="0"/>
+            </a:endParaRPr>
           </a:p>
         </p:txBody>
       </p:sp>
     </p:spTree>
     <p:extLst>
       <p:ext uri="{BB962C8B-B14F-4D97-AF65-F5344CB8AC3E}">
-        <p14:creationId xmlns:p14="http://schemas.microsoft.com/office/powerpoint/2010/main" val="480853512"/>
+        <p14:creationId xmlns:p14="http://schemas.microsoft.com/office/powerpoint/2010/main" val="1625585404"/>
       </p:ext>
     </p:extLst>
   </p:cSld>
@@ -4764,142 +4765,187 @@
         </p:nvSpPr>
         <p:spPr/>
         <p:txBody>
-          <a:bodyPr/>
-          <a:lstStyle/>
-          <a:p>
-            <a:pPr marL="0" indent="0">
+          <a:bodyPr>
+            <a:normAutofit/>
+          </a:bodyPr>
+          <a:lstStyle/>
+          <a:p>
+            <a:pPr marL="0" indent="0" algn="ctr">
               <a:buNone/>
             </a:pPr>
+            <a:endParaRPr lang="tr-TR" sz="3600" dirty="0">
+              <a:latin typeface="Euclid Circular B" panose="020B0504000000000000" pitchFamily="34" charset="0"/>
+              <a:ea typeface="Euclid Circular B" panose="020B0504000000000000" pitchFamily="34" charset="0"/>
+            </a:endParaRPr>
+          </a:p>
+          <a:p>
+            <a:pPr marL="0" indent="0" algn="ctr">
+              <a:buNone/>
+            </a:pPr>
+            <a:endParaRPr lang="tr-TR" sz="3600" dirty="0">
+              <a:latin typeface="Euclid Circular B" panose="020B0504000000000000" pitchFamily="34" charset="0"/>
+              <a:ea typeface="Euclid Circular B" panose="020B0504000000000000" pitchFamily="34" charset="0"/>
+            </a:endParaRPr>
+          </a:p>
+          <a:p>
+            <a:pPr marL="0" indent="0" algn="ctr">
+              <a:buNone/>
+            </a:pPr>
+            <a:r>
+              <a:rPr lang="tr-TR" sz="3600" dirty="0">
+                <a:latin typeface="Euclid Circular B" panose="020B0504000000000000" pitchFamily="34" charset="0"/>
+                <a:ea typeface="Euclid Circular B" panose="020B0504000000000000" pitchFamily="34" charset="0"/>
+              </a:rPr>
+              <a:t>Executing </a:t>
+            </a:r>
+            <a:r>
+              <a:rPr lang="tr-TR" sz="3600" b="1" dirty="0">
+                <a:latin typeface="Euclid Circular B" panose="020B0504000000000000" pitchFamily="34" charset="0"/>
+                <a:ea typeface="Euclid Circular B" panose="020B0504000000000000" pitchFamily="34" charset="0"/>
+              </a:rPr>
+              <a:t>different parts </a:t>
+            </a:r>
+            <a:r>
+              <a:rPr lang="tr-TR" sz="3600" dirty="0">
+                <a:latin typeface="Euclid Circular B" panose="020B0504000000000000" pitchFamily="34" charset="0"/>
+                <a:ea typeface="Euclid Circular B" panose="020B0504000000000000" pitchFamily="34" charset="0"/>
+              </a:rPr>
+              <a:t>of your application code </a:t>
+            </a:r>
+            <a:r>
+              <a:rPr lang="tr-TR" sz="3600" b="1" dirty="0">
+                <a:latin typeface="Euclid Circular B" panose="020B0504000000000000" pitchFamily="34" charset="0"/>
+                <a:ea typeface="Euclid Circular B" panose="020B0504000000000000" pitchFamily="34" charset="0"/>
+              </a:rPr>
+              <a:t>simultaneously</a:t>
+            </a:r>
+            <a:r>
+              <a:rPr lang="tr-TR" sz="3600" dirty="0">
+                <a:latin typeface="Euclid Circular B" panose="020B0504000000000000" pitchFamily="34" charset="0"/>
+                <a:ea typeface="Euclid Circular B" panose="020B0504000000000000" pitchFamily="34" charset="0"/>
+              </a:rPr>
+              <a:t>.</a:t>
+            </a:r>
+            <a:endParaRPr lang="en-US" sz="3600" dirty="0">
+              <a:latin typeface="Euclid Circular B" panose="020B0504000000000000" pitchFamily="34" charset="0"/>
+              <a:ea typeface="Euclid Circular B" panose="020B0504000000000000" pitchFamily="34" charset="0"/>
+            </a:endParaRPr>
+          </a:p>
+        </p:txBody>
+      </p:sp>
+    </p:spTree>
+    <p:extLst>
+      <p:ext uri="{BB962C8B-B14F-4D97-AF65-F5344CB8AC3E}">
+        <p14:creationId xmlns:p14="http://schemas.microsoft.com/office/powerpoint/2010/main" val="3116958821"/>
+      </p:ext>
+    </p:extLst>
+  </p:cSld>
+  <p:clrMapOvr>
+    <a:masterClrMapping/>
+  </p:clrMapOvr>
+</p:sld>
+</file>
+
+<file path=ppt/slides/slide20.xml><?xml version="1.0" encoding="utf-8"?>
+<p:sld xmlns:a="http://schemas.openxmlformats.org/drawingml/2006/main" xmlns:r="http://schemas.openxmlformats.org/officeDocument/2006/relationships" xmlns:p="http://schemas.openxmlformats.org/presentationml/2006/main">
+  <p:cSld>
+    <p:bg>
+      <p:bgPr>
+        <a:blipFill dpi="0" rotWithShape="1">
+          <a:blip r:embed="rId2">
+            <a:lum/>
+          </a:blip>
+          <a:srcRect/>
+          <a:stretch>
+            <a:fillRect/>
+          </a:stretch>
+        </a:blipFill>
+        <a:effectLst/>
+      </p:bgPr>
+    </p:bg>
+    <p:spTree>
+      <p:nvGrpSpPr>
+        <p:cNvPr id="1" name=""/>
+        <p:cNvGrpSpPr/>
+        <p:nvPr/>
+      </p:nvGrpSpPr>
+      <p:grpSpPr>
+        <a:xfrm>
+          <a:off x="0" y="0"/>
+          <a:ext cx="0" cy="0"/>
+          <a:chOff x="0" y="0"/>
+          <a:chExt cx="0" cy="0"/>
+        </a:xfrm>
+      </p:grpSpPr>
+      <p:sp>
+        <p:nvSpPr>
+          <p:cNvPr id="2" name="Title 1">
+            <a:extLst>
+              <a:ext uri="{FF2B5EF4-FFF2-40B4-BE49-F238E27FC236}">
+                <a16:creationId xmlns:a16="http://schemas.microsoft.com/office/drawing/2014/main" id="{55E11F08-6CA0-48F1-AD67-97430DDA07F0}"/>
+              </a:ext>
+            </a:extLst>
+          </p:cNvPr>
+          <p:cNvSpPr>
+            <a:spLocks noGrp="1"/>
+          </p:cNvSpPr>
+          <p:nvPr>
+            <p:ph type="title"/>
+          </p:nvPr>
+        </p:nvSpPr>
+        <p:spPr/>
+        <p:txBody>
+          <a:bodyPr/>
+          <a:lstStyle/>
+          <a:p>
+            <a:r>
+              <a:rPr lang="en-US" b="1" dirty="0">
+                <a:solidFill>
+                  <a:srgbClr val="292D33"/>
+                </a:solidFill>
+                <a:latin typeface="Euclid Circular B" panose="020B0504000000000000" pitchFamily="34" charset="0"/>
+                <a:ea typeface="Euclid Circular B" panose="020B0504000000000000" pitchFamily="34" charset="0"/>
+              </a:rPr>
+              <a:t>Topic title</a:t>
+            </a:r>
+          </a:p>
+        </p:txBody>
+      </p:sp>
+      <p:sp>
+        <p:nvSpPr>
+          <p:cNvPr id="3" name="Content Placeholder 2">
+            <a:extLst>
+              <a:ext uri="{FF2B5EF4-FFF2-40B4-BE49-F238E27FC236}">
+                <a16:creationId xmlns:a16="http://schemas.microsoft.com/office/drawing/2014/main" id="{891C7693-D3DF-4635-96F4-97F3B4136FDF}"/>
+              </a:ext>
+            </a:extLst>
+          </p:cNvPr>
+          <p:cNvSpPr>
+            <a:spLocks noGrp="1"/>
+          </p:cNvSpPr>
+          <p:nvPr>
+            <p:ph idx="1"/>
+          </p:nvPr>
+        </p:nvSpPr>
+        <p:spPr/>
+        <p:txBody>
+          <a:bodyPr/>
+          <a:lstStyle/>
+          <a:p>
             <a:r>
               <a:rPr lang="en-US" dirty="0">
                 <a:latin typeface="Euclid Circular B" panose="020B0504000000000000" pitchFamily="34" charset="0"/>
                 <a:ea typeface="Euclid Circular B" panose="020B0504000000000000" pitchFamily="34" charset="0"/>
               </a:rPr>
-              <a:t>Multithreading is a CPU feature that allows two or more instruction threads to </a:t>
-            </a:r>
-            <a:r>
-              <a:rPr lang="en-US" b="1" dirty="0">
-                <a:latin typeface="Euclid Circular B" panose="020B0504000000000000" pitchFamily="34" charset="0"/>
-                <a:ea typeface="Euclid Circular B" panose="020B0504000000000000" pitchFamily="34" charset="0"/>
-              </a:rPr>
-              <a:t>execute independently </a:t>
-            </a:r>
-            <a:r>
-              <a:rPr lang="en-US" dirty="0">
-                <a:latin typeface="Euclid Circular B" panose="020B0504000000000000" pitchFamily="34" charset="0"/>
-                <a:ea typeface="Euclid Circular B" panose="020B0504000000000000" pitchFamily="34" charset="0"/>
-              </a:rPr>
-              <a:t>while sharing the </a:t>
-            </a:r>
-            <a:r>
-              <a:rPr lang="en-US" b="1" dirty="0">
-                <a:latin typeface="Euclid Circular B" panose="020B0504000000000000" pitchFamily="34" charset="0"/>
-                <a:ea typeface="Euclid Circular B" panose="020B0504000000000000" pitchFamily="34" charset="0"/>
-              </a:rPr>
-              <a:t>same process resources</a:t>
-            </a:r>
-            <a:r>
-              <a:rPr lang="en-US" dirty="0">
-                <a:latin typeface="Euclid Circular B" panose="020B0504000000000000" pitchFamily="34" charset="0"/>
-                <a:ea typeface="Euclid Circular B" panose="020B0504000000000000" pitchFamily="34" charset="0"/>
-              </a:rPr>
-              <a:t>.</a:t>
-            </a:r>
-          </a:p>
-          <a:p>
-            <a:pPr marL="0" indent="0">
-              <a:buNone/>
-            </a:pPr>
-            <a:r>
-              <a:rPr lang="en-US" dirty="0">
-                <a:latin typeface="Euclid Circular B" panose="020B0504000000000000" pitchFamily="34" charset="0"/>
-                <a:ea typeface="Euclid Circular B" panose="020B0504000000000000" pitchFamily="34" charset="0"/>
-              </a:rPr>
-              <a:t>A thread is a self-contained sequence of instructions that can </a:t>
-            </a:r>
-            <a:r>
-              <a:rPr lang="en-US" b="1" dirty="0">
-                <a:latin typeface="Euclid Circular B" panose="020B0504000000000000" pitchFamily="34" charset="0"/>
-                <a:ea typeface="Euclid Circular B" panose="020B0504000000000000" pitchFamily="34" charset="0"/>
-              </a:rPr>
-              <a:t>execute in parallel </a:t>
-            </a:r>
-            <a:r>
-              <a:rPr lang="en-US" dirty="0">
-                <a:latin typeface="Euclid Circular B" panose="020B0504000000000000" pitchFamily="34" charset="0"/>
-                <a:ea typeface="Euclid Circular B" panose="020B0504000000000000" pitchFamily="34" charset="0"/>
-              </a:rPr>
-              <a:t>with other threads that are part of the same root process.</a:t>
-            </a:r>
-            <a:endParaRPr lang="tr-TR" dirty="0">
-              <a:latin typeface="Euclid Circular B" panose="020B0504000000000000" pitchFamily="34" charset="0"/>
-              <a:ea typeface="Euclid Circular B" panose="020B0504000000000000" pitchFamily="34" charset="0"/>
-            </a:endParaRPr>
-          </a:p>
-          <a:p>
-            <a:pPr marL="0" indent="0">
-              <a:buNone/>
-            </a:pPr>
-            <a:endParaRPr lang="tr-TR" dirty="0">
-              <a:latin typeface="Euclid Circular B" panose="020B0504000000000000" pitchFamily="34" charset="0"/>
-              <a:ea typeface="Euclid Circular B" panose="020B0504000000000000" pitchFamily="34" charset="0"/>
-            </a:endParaRPr>
-          </a:p>
-          <a:p>
-            <a:pPr marL="0" indent="0">
-              <a:buNone/>
-            </a:pPr>
-            <a:endParaRPr lang="tr-TR" dirty="0">
-              <a:latin typeface="Euclid Circular B" panose="020B0504000000000000" pitchFamily="34" charset="0"/>
-              <a:ea typeface="Euclid Circular B" panose="020B0504000000000000" pitchFamily="34" charset="0"/>
-            </a:endParaRPr>
-          </a:p>
-          <a:p>
-            <a:pPr marL="0" indent="0">
-              <a:buNone/>
-            </a:pPr>
-            <a:endParaRPr lang="tr-TR" dirty="0">
-              <a:latin typeface="Euclid Circular B" panose="020B0504000000000000" pitchFamily="34" charset="0"/>
-              <a:ea typeface="Euclid Circular B" panose="020B0504000000000000" pitchFamily="34" charset="0"/>
-            </a:endParaRPr>
-          </a:p>
-          <a:p>
-            <a:pPr marL="0" indent="0">
-              <a:buNone/>
-            </a:pPr>
-            <a:r>
-              <a:rPr lang="tr-TR" sz="1600" i="1" dirty="0">
-                <a:latin typeface="Euclid Circular B" panose="020B0504000000000000" pitchFamily="34" charset="0"/>
-                <a:ea typeface="Euclid Circular B" panose="020B0504000000000000" pitchFamily="34" charset="0"/>
-              </a:rPr>
-              <a:t>Source: </a:t>
-            </a:r>
-            <a:r>
-              <a:rPr lang="tr-TR" sz="1600" i="1" dirty="0">
-                <a:latin typeface="Euclid Circular B" panose="020B0504000000000000" pitchFamily="34" charset="0"/>
-                <a:ea typeface="Euclid Circular B" panose="020B0504000000000000" pitchFamily="34" charset="0"/>
-                <a:hlinkClick r:id="rId3"/>
-              </a:rPr>
-              <a:t>https://www.techopedia.com/definition/24297/multithreading-computer-architecture</a:t>
-            </a:r>
-            <a:r>
-              <a:rPr lang="tr-TR" sz="1600" i="1" dirty="0">
-                <a:latin typeface="Euclid Circular B" panose="020B0504000000000000" pitchFamily="34" charset="0"/>
-                <a:ea typeface="Euclid Circular B" panose="020B0504000000000000" pitchFamily="34" charset="0"/>
-              </a:rPr>
-              <a:t> </a:t>
-            </a:r>
-            <a:endParaRPr lang="en-US" sz="1600" i="1" dirty="0">
-              <a:latin typeface="Euclid Circular B" panose="020B0504000000000000" pitchFamily="34" charset="0"/>
-              <a:ea typeface="Euclid Circular B" panose="020B0504000000000000" pitchFamily="34" charset="0"/>
-            </a:endParaRPr>
+              <a:t>Content</a:t>
+            </a:r>
           </a:p>
         </p:txBody>
       </p:sp>
     </p:spTree>
     <p:extLst>
       <p:ext uri="{BB962C8B-B14F-4D97-AF65-F5344CB8AC3E}">
-        <p14:creationId xmlns:p14="http://schemas.microsoft.com/office/powerpoint/2010/main" val="3118168783"/>
+        <p14:creationId xmlns:p14="http://schemas.microsoft.com/office/powerpoint/2010/main" val="480853512"/>
       </p:ext>
     </p:extLst>
   </p:cSld>
@@ -4962,15 +5008,22 @@
           <a:lstStyle/>
           <a:p>
             <a:r>
-              <a:rPr lang="en-US" b="1" dirty="0">
+              <a:rPr lang="tr-TR" b="1" dirty="0">
                 <a:solidFill>
                   <a:srgbClr val="292D33"/>
                 </a:solidFill>
                 <a:latin typeface="Euclid Circular B" panose="020B0504000000000000" pitchFamily="34" charset="0"/>
                 <a:ea typeface="Euclid Circular B" panose="020B0504000000000000" pitchFamily="34" charset="0"/>
               </a:rPr>
-              <a:t>Multithreading vs. Multiprocessing</a:t>
-            </a:r>
+              <a:t>Why Multi-Threading?</a:t>
+            </a:r>
+            <a:endParaRPr lang="en-US" b="1" dirty="0">
+              <a:solidFill>
+                <a:srgbClr val="292D33"/>
+              </a:solidFill>
+              <a:latin typeface="Euclid Circular B" panose="020B0504000000000000" pitchFamily="34" charset="0"/>
+              <a:ea typeface="Euclid Circular B" panose="020B0504000000000000" pitchFamily="34" charset="0"/>
+            </a:endParaRPr>
           </a:p>
         </p:txBody>
       </p:sp>
@@ -4996,19 +5049,118 @@
           <a:lstStyle/>
           <a:p>
             <a:r>
-              <a:rPr lang="en-US" dirty="0">
+              <a:rPr lang="tr-TR" b="1" dirty="0">
                 <a:latin typeface="Euclid Circular B" panose="020B0504000000000000" pitchFamily="34" charset="0"/>
                 <a:ea typeface="Euclid Circular B" panose="020B0504000000000000" pitchFamily="34" charset="0"/>
               </a:rPr>
-              <a:t>Content</a:t>
-            </a:r>
+              <a:t>Utilizing </a:t>
+            </a:r>
+            <a:r>
+              <a:rPr lang="tr-TR" dirty="0">
+                <a:latin typeface="Euclid Circular B" panose="020B0504000000000000" pitchFamily="34" charset="0"/>
+                <a:ea typeface="Euclid Circular B" panose="020B0504000000000000" pitchFamily="34" charset="0"/>
+              </a:rPr>
+              <a:t>power of </a:t>
+            </a:r>
+            <a:r>
+              <a:rPr lang="tr-TR" b="1" dirty="0">
+                <a:latin typeface="Euclid Circular B" panose="020B0504000000000000" pitchFamily="34" charset="0"/>
+                <a:ea typeface="Euclid Circular B" panose="020B0504000000000000" pitchFamily="34" charset="0"/>
+              </a:rPr>
+              <a:t>multi-core </a:t>
+            </a:r>
+            <a:r>
+              <a:rPr lang="tr-TR" dirty="0">
+                <a:latin typeface="Euclid Circular B" panose="020B0504000000000000" pitchFamily="34" charset="0"/>
+                <a:ea typeface="Euclid Circular B" panose="020B0504000000000000" pitchFamily="34" charset="0"/>
+              </a:rPr>
+              <a:t>processors by </a:t>
+            </a:r>
+            <a:r>
+              <a:rPr lang="tr-TR" b="1" dirty="0">
+                <a:latin typeface="Euclid Circular B" panose="020B0504000000000000" pitchFamily="34" charset="0"/>
+                <a:ea typeface="Euclid Circular B" panose="020B0504000000000000" pitchFamily="34" charset="0"/>
+              </a:rPr>
+              <a:t>parallelizing </a:t>
+            </a:r>
+            <a:r>
+              <a:rPr lang="tr-TR" dirty="0">
+                <a:latin typeface="Euclid Circular B" panose="020B0504000000000000" pitchFamily="34" charset="0"/>
+                <a:ea typeface="Euclid Circular B" panose="020B0504000000000000" pitchFamily="34" charset="0"/>
+              </a:rPr>
+              <a:t>CPU-bound tasks.</a:t>
+            </a:r>
+          </a:p>
+          <a:p>
+            <a:r>
+              <a:rPr lang="tr-TR" dirty="0">
+                <a:latin typeface="Euclid Circular B" panose="020B0504000000000000" pitchFamily="34" charset="0"/>
+                <a:ea typeface="Euclid Circular B" panose="020B0504000000000000" pitchFamily="34" charset="0"/>
+              </a:rPr>
+              <a:t>Responding </a:t>
+            </a:r>
+            <a:r>
+              <a:rPr lang="tr-TR" b="1" dirty="0">
+                <a:latin typeface="Euclid Circular B" panose="020B0504000000000000" pitchFamily="34" charset="0"/>
+                <a:ea typeface="Euclid Circular B" panose="020B0504000000000000" pitchFamily="34" charset="0"/>
+              </a:rPr>
+              <a:t>multiple clients </a:t>
+            </a:r>
+            <a:r>
+              <a:rPr lang="tr-TR" dirty="0">
+                <a:latin typeface="Euclid Circular B" panose="020B0504000000000000" pitchFamily="34" charset="0"/>
+                <a:ea typeface="Euclid Circular B" panose="020B0504000000000000" pitchFamily="34" charset="0"/>
+              </a:rPr>
+              <a:t>concurrently.</a:t>
+            </a:r>
+          </a:p>
+          <a:p>
+            <a:r>
+              <a:rPr lang="tr-TR" dirty="0">
+                <a:latin typeface="Euclid Circular B" panose="020B0504000000000000" pitchFamily="34" charset="0"/>
+                <a:ea typeface="Euclid Circular B" panose="020B0504000000000000" pitchFamily="34" charset="0"/>
+              </a:rPr>
+              <a:t>Running long tasks in </a:t>
+            </a:r>
+            <a:r>
+              <a:rPr lang="tr-TR" b="1" dirty="0">
+                <a:latin typeface="Euclid Circular B" panose="020B0504000000000000" pitchFamily="34" charset="0"/>
+                <a:ea typeface="Euclid Circular B" panose="020B0504000000000000" pitchFamily="34" charset="0"/>
+              </a:rPr>
+              <a:t>background </a:t>
+            </a:r>
+            <a:r>
+              <a:rPr lang="tr-TR" dirty="0">
+                <a:latin typeface="Euclid Circular B" panose="020B0504000000000000" pitchFamily="34" charset="0"/>
+                <a:ea typeface="Euclid Circular B" panose="020B0504000000000000" pitchFamily="34" charset="0"/>
+              </a:rPr>
+              <a:t>to increase </a:t>
+            </a:r>
+            <a:r>
+              <a:rPr lang="tr-TR" b="1" dirty="0">
+                <a:latin typeface="Euclid Circular B" panose="020B0504000000000000" pitchFamily="34" charset="0"/>
+                <a:ea typeface="Euclid Circular B" panose="020B0504000000000000" pitchFamily="34" charset="0"/>
+              </a:rPr>
+              <a:t>responsiveness</a:t>
+            </a:r>
+            <a:r>
+              <a:rPr lang="tr-TR" dirty="0">
+                <a:latin typeface="Euclid Circular B" panose="020B0504000000000000" pitchFamily="34" charset="0"/>
+                <a:ea typeface="Euclid Circular B" panose="020B0504000000000000" pitchFamily="34" charset="0"/>
+              </a:rPr>
+              <a:t>.</a:t>
+            </a:r>
+            <a:endParaRPr lang="en-US" dirty="0">
+              <a:latin typeface="Euclid Circular B" panose="020B0504000000000000" pitchFamily="34" charset="0"/>
+              <a:ea typeface="Euclid Circular B" panose="020B0504000000000000" pitchFamily="34" charset="0"/>
+            </a:endParaRPr>
           </a:p>
         </p:txBody>
       </p:sp>
     </p:spTree>
     <p:extLst>
       <p:ext uri="{BB962C8B-B14F-4D97-AF65-F5344CB8AC3E}">
-        <p14:creationId xmlns:p14="http://schemas.microsoft.com/office/powerpoint/2010/main" val="2022254466"/>
+        <p14:creationId xmlns:p14="http://schemas.microsoft.com/office/powerpoint/2010/main" val="337604935"/>
       </p:ext>
     </p:extLst>
   </p:cSld>
@@ -5051,6 +5203,58 @@
       </p:grpSpPr>
       <p:sp>
         <p:nvSpPr>
+          <p:cNvPr id="14" name="Rectangle 13">
+            <a:extLst>
+              <a:ext uri="{FF2B5EF4-FFF2-40B4-BE49-F238E27FC236}">
+                <a16:creationId xmlns:a16="http://schemas.microsoft.com/office/drawing/2014/main" id="{0B2950FD-E99B-FC4D-1938-A2A38670FEB2}"/>
+              </a:ext>
+            </a:extLst>
+          </p:cNvPr>
+          <p:cNvSpPr/>
+          <p:nvPr/>
+        </p:nvSpPr>
+        <p:spPr>
+          <a:xfrm>
+            <a:off x="10421538" y="2513754"/>
+            <a:ext cx="446201" cy="575034"/>
+          </a:xfrm>
+          <a:prstGeom prst="rect">
+            <a:avLst/>
+          </a:prstGeom>
+          <a:noFill/>
+          <a:ln w="25400">
+            <a:solidFill>
+              <a:srgbClr val="FF0000"/>
+            </a:solidFill>
+          </a:ln>
+        </p:spPr>
+        <p:style>
+          <a:lnRef idx="2">
+            <a:schemeClr val="accent6">
+              <a:shade val="50000"/>
+            </a:schemeClr>
+          </a:lnRef>
+          <a:fillRef idx="1">
+            <a:schemeClr val="accent6"/>
+          </a:fillRef>
+          <a:effectRef idx="0">
+            <a:schemeClr val="accent6"/>
+          </a:effectRef>
+          <a:fontRef idx="minor">
+            <a:schemeClr val="lt1"/>
+          </a:fontRef>
+        </p:style>
+        <p:txBody>
+          <a:bodyPr rtlCol="0" anchor="ctr"/>
+          <a:lstStyle/>
+          <a:p>
+            <a:pPr algn="ctr"/>
+            <a:endParaRPr lang="en-US"/>
+          </a:p>
+        </p:txBody>
+      </p:sp>
+      <p:sp>
+        <p:nvSpPr>
           <p:cNvPr id="2" name="Title 1">
             <a:extLst>
               <a:ext uri="{FF2B5EF4-FFF2-40B4-BE49-F238E27FC236}">
@@ -5071,53 +5275,1357 @@
           <a:lstStyle/>
           <a:p>
             <a:r>
-              <a:rPr lang="en-US" b="1" dirty="0">
+              <a:rPr lang="tr-TR" b="1" dirty="0">
                 <a:solidFill>
                   <a:srgbClr val="292D33"/>
                 </a:solidFill>
                 <a:latin typeface="Euclid Circular B" panose="020B0504000000000000" pitchFamily="34" charset="0"/>
                 <a:ea typeface="Euclid Circular B" panose="020B0504000000000000" pitchFamily="34" charset="0"/>
               </a:rPr>
-              <a:t>Topic title</a:t>
-            </a:r>
-          </a:p>
-        </p:txBody>
-      </p:sp>
-      <p:sp>
-        <p:nvSpPr>
-          <p:cNvPr id="3" name="Content Placeholder 2">
-            <a:extLst>
-              <a:ext uri="{FF2B5EF4-FFF2-40B4-BE49-F238E27FC236}">
-                <a16:creationId xmlns:a16="http://schemas.microsoft.com/office/drawing/2014/main" id="{891C7693-D3DF-4635-96F4-97F3B4136FDF}"/>
-              </a:ext>
-            </a:extLst>
-          </p:cNvPr>
-          <p:cNvSpPr>
-            <a:spLocks noGrp="1"/>
-          </p:cNvSpPr>
-          <p:nvPr>
-            <p:ph idx="1"/>
-          </p:nvPr>
-        </p:nvSpPr>
-        <p:spPr/>
-        <p:txBody>
-          <a:bodyPr/>
-          <a:lstStyle/>
-          <a:p>
-            <a:r>
-              <a:rPr lang="en-US" dirty="0">
-                <a:latin typeface="Euclid Circular B" panose="020B0504000000000000" pitchFamily="34" charset="0"/>
-                <a:ea typeface="Euclid Circular B" panose="020B0504000000000000" pitchFamily="34" charset="0"/>
+              <a:t>Single Core / Process Execution</a:t>
+            </a:r>
+            <a:endParaRPr lang="en-US" b="1" dirty="0">
+              <a:solidFill>
+                <a:srgbClr val="292D33"/>
+              </a:solidFill>
+              <a:latin typeface="Euclid Circular B" panose="020B0504000000000000" pitchFamily="34" charset="0"/>
+              <a:ea typeface="Euclid Circular B" panose="020B0504000000000000" pitchFamily="34" charset="0"/>
+            </a:endParaRPr>
+          </a:p>
+        </p:txBody>
+      </p:sp>
+      <p:sp>
+        <p:nvSpPr>
+          <p:cNvPr id="6" name="Rectangle 5">
+            <a:extLst>
+              <a:ext uri="{FF2B5EF4-FFF2-40B4-BE49-F238E27FC236}">
+                <a16:creationId xmlns:a16="http://schemas.microsoft.com/office/drawing/2014/main" id="{537C57FB-FB6B-9ADF-44EF-6004E9A953B7}"/>
+              </a:ext>
+            </a:extLst>
+          </p:cNvPr>
+          <p:cNvSpPr/>
+          <p:nvPr/>
+        </p:nvSpPr>
+        <p:spPr>
+          <a:xfrm>
+            <a:off x="7478763" y="2570312"/>
+            <a:ext cx="334691" cy="461914"/>
+          </a:xfrm>
+          <a:prstGeom prst="rect">
+            <a:avLst/>
+          </a:prstGeom>
+        </p:spPr>
+        <p:style>
+          <a:lnRef idx="2">
+            <a:schemeClr val="accent1">
+              <a:shade val="50000"/>
+            </a:schemeClr>
+          </a:lnRef>
+          <a:fillRef idx="1">
+            <a:schemeClr val="accent1"/>
+          </a:fillRef>
+          <a:effectRef idx="0">
+            <a:schemeClr val="accent1"/>
+          </a:effectRef>
+          <a:fontRef idx="minor">
+            <a:schemeClr val="lt1"/>
+          </a:fontRef>
+        </p:style>
+        <p:txBody>
+          <a:bodyPr lIns="0" tIns="0" rIns="0" bIns="0" rtlCol="0" anchor="ctr"/>
+          <a:lstStyle/>
+          <a:p>
+            <a:pPr algn="ctr"/>
+            <a:r>
+              <a:rPr lang="tr-TR" sz="2400" dirty="0"/>
+              <a:t>S</a:t>
+            </a:r>
+            <a:r>
+              <a:rPr lang="tr-TR" sz="2400" baseline="-25000" dirty="0"/>
+              <a:t>8</a:t>
+            </a:r>
+            <a:endParaRPr lang="en-US" sz="2400" baseline="-25000" dirty="0"/>
+          </a:p>
+        </p:txBody>
+      </p:sp>
+      <p:sp>
+        <p:nvSpPr>
+          <p:cNvPr id="7" name="Rectangle 6">
+            <a:extLst>
+              <a:ext uri="{FF2B5EF4-FFF2-40B4-BE49-F238E27FC236}">
+                <a16:creationId xmlns:a16="http://schemas.microsoft.com/office/drawing/2014/main" id="{080863B3-75B9-6846-1D65-36CA454DCD10}"/>
+              </a:ext>
+            </a:extLst>
+          </p:cNvPr>
+          <p:cNvSpPr/>
+          <p:nvPr/>
+        </p:nvSpPr>
+        <p:spPr>
+          <a:xfrm>
+            <a:off x="7904541" y="2570312"/>
+            <a:ext cx="334691" cy="461914"/>
+          </a:xfrm>
+          <a:prstGeom prst="rect">
+            <a:avLst/>
+          </a:prstGeom>
+        </p:spPr>
+        <p:style>
+          <a:lnRef idx="2">
+            <a:schemeClr val="accent1">
+              <a:shade val="50000"/>
+            </a:schemeClr>
+          </a:lnRef>
+          <a:fillRef idx="1">
+            <a:schemeClr val="accent1"/>
+          </a:fillRef>
+          <a:effectRef idx="0">
+            <a:schemeClr val="accent1"/>
+          </a:effectRef>
+          <a:fontRef idx="minor">
+            <a:schemeClr val="lt1"/>
+          </a:fontRef>
+        </p:style>
+        <p:txBody>
+          <a:bodyPr lIns="0" tIns="0" rIns="0" bIns="0" rtlCol="0" anchor="ctr"/>
+          <a:lstStyle/>
+          <a:p>
+            <a:pPr algn="ctr"/>
+            <a:r>
+              <a:rPr lang="tr-TR" sz="2400" dirty="0"/>
+              <a:t>S</a:t>
+            </a:r>
+            <a:r>
+              <a:rPr lang="tr-TR" sz="2400" baseline="-25000" dirty="0"/>
+              <a:t>7</a:t>
+            </a:r>
+            <a:endParaRPr lang="en-US" sz="2400" baseline="-25000" dirty="0"/>
+          </a:p>
+        </p:txBody>
+      </p:sp>
+      <p:sp>
+        <p:nvSpPr>
+          <p:cNvPr id="8" name="Rectangle 7">
+            <a:extLst>
+              <a:ext uri="{FF2B5EF4-FFF2-40B4-BE49-F238E27FC236}">
+                <a16:creationId xmlns:a16="http://schemas.microsoft.com/office/drawing/2014/main" id="{8FB26CB2-B3B5-263B-D348-8F3CFA5DC699}"/>
+              </a:ext>
+            </a:extLst>
+          </p:cNvPr>
+          <p:cNvSpPr/>
+          <p:nvPr/>
+        </p:nvSpPr>
+        <p:spPr>
+          <a:xfrm>
+            <a:off x="8338173" y="2570312"/>
+            <a:ext cx="334691" cy="461914"/>
+          </a:xfrm>
+          <a:prstGeom prst="rect">
+            <a:avLst/>
+          </a:prstGeom>
+        </p:spPr>
+        <p:style>
+          <a:lnRef idx="2">
+            <a:schemeClr val="accent1">
+              <a:shade val="50000"/>
+            </a:schemeClr>
+          </a:lnRef>
+          <a:fillRef idx="1">
+            <a:schemeClr val="accent1"/>
+          </a:fillRef>
+          <a:effectRef idx="0">
+            <a:schemeClr val="accent1"/>
+          </a:effectRef>
+          <a:fontRef idx="minor">
+            <a:schemeClr val="lt1"/>
+          </a:fontRef>
+        </p:style>
+        <p:txBody>
+          <a:bodyPr lIns="0" tIns="0" rIns="0" bIns="0" rtlCol="0" anchor="ctr"/>
+          <a:lstStyle/>
+          <a:p>
+            <a:pPr algn="ctr"/>
+            <a:r>
+              <a:rPr lang="tr-TR" sz="2400" dirty="0"/>
+              <a:t>S</a:t>
+            </a:r>
+            <a:r>
+              <a:rPr lang="tr-TR" sz="2400" baseline="-25000" dirty="0"/>
+              <a:t>6</a:t>
+            </a:r>
+            <a:endParaRPr lang="en-US" sz="2400" baseline="-25000" dirty="0"/>
+          </a:p>
+        </p:txBody>
+      </p:sp>
+      <p:sp>
+        <p:nvSpPr>
+          <p:cNvPr id="9" name="Rectangle 8">
+            <a:extLst>
+              <a:ext uri="{FF2B5EF4-FFF2-40B4-BE49-F238E27FC236}">
+                <a16:creationId xmlns:a16="http://schemas.microsoft.com/office/drawing/2014/main" id="{8F9CEF9C-943D-D662-DEA8-DC79135802F9}"/>
+              </a:ext>
+            </a:extLst>
+          </p:cNvPr>
+          <p:cNvSpPr/>
+          <p:nvPr/>
+        </p:nvSpPr>
+        <p:spPr>
+          <a:xfrm>
+            <a:off x="8763951" y="2570312"/>
+            <a:ext cx="334691" cy="461914"/>
+          </a:xfrm>
+          <a:prstGeom prst="rect">
+            <a:avLst/>
+          </a:prstGeom>
+        </p:spPr>
+        <p:style>
+          <a:lnRef idx="2">
+            <a:schemeClr val="accent1">
+              <a:shade val="50000"/>
+            </a:schemeClr>
+          </a:lnRef>
+          <a:fillRef idx="1">
+            <a:schemeClr val="accent1"/>
+          </a:fillRef>
+          <a:effectRef idx="0">
+            <a:schemeClr val="accent1"/>
+          </a:effectRef>
+          <a:fontRef idx="minor">
+            <a:schemeClr val="lt1"/>
+          </a:fontRef>
+        </p:style>
+        <p:txBody>
+          <a:bodyPr lIns="0" tIns="0" rIns="0" bIns="0" rtlCol="0" anchor="ctr"/>
+          <a:lstStyle/>
+          <a:p>
+            <a:pPr algn="ctr"/>
+            <a:r>
+              <a:rPr lang="tr-TR" sz="2400" dirty="0"/>
+              <a:t>S</a:t>
+            </a:r>
+            <a:r>
+              <a:rPr lang="tr-TR" sz="2400" baseline="-25000" dirty="0"/>
+              <a:t>5</a:t>
+            </a:r>
+            <a:endParaRPr lang="en-US" sz="2400" baseline="-25000" dirty="0"/>
+          </a:p>
+        </p:txBody>
+      </p:sp>
+      <p:sp>
+        <p:nvSpPr>
+          <p:cNvPr id="10" name="Rectangle 9">
+            <a:extLst>
+              <a:ext uri="{FF2B5EF4-FFF2-40B4-BE49-F238E27FC236}">
+                <a16:creationId xmlns:a16="http://schemas.microsoft.com/office/drawing/2014/main" id="{208F4610-ED08-B87C-B13C-F634AF4CE6B1}"/>
+              </a:ext>
+            </a:extLst>
+          </p:cNvPr>
+          <p:cNvSpPr/>
+          <p:nvPr/>
+        </p:nvSpPr>
+        <p:spPr>
+          <a:xfrm>
+            <a:off x="9189729" y="2570312"/>
+            <a:ext cx="334691" cy="461914"/>
+          </a:xfrm>
+          <a:prstGeom prst="rect">
+            <a:avLst/>
+          </a:prstGeom>
+        </p:spPr>
+        <p:style>
+          <a:lnRef idx="2">
+            <a:schemeClr val="accent1">
+              <a:shade val="50000"/>
+            </a:schemeClr>
+          </a:lnRef>
+          <a:fillRef idx="1">
+            <a:schemeClr val="accent1"/>
+          </a:fillRef>
+          <a:effectRef idx="0">
+            <a:schemeClr val="accent1"/>
+          </a:effectRef>
+          <a:fontRef idx="minor">
+            <a:schemeClr val="lt1"/>
+          </a:fontRef>
+        </p:style>
+        <p:txBody>
+          <a:bodyPr lIns="0" tIns="0" rIns="0" bIns="0" rtlCol="0" anchor="ctr"/>
+          <a:lstStyle/>
+          <a:p>
+            <a:pPr algn="ctr"/>
+            <a:r>
+              <a:rPr lang="tr-TR" sz="2400" dirty="0"/>
+              <a:t>S</a:t>
+            </a:r>
+            <a:r>
+              <a:rPr lang="tr-TR" sz="2400" baseline="-25000" dirty="0"/>
+              <a:t>4</a:t>
+            </a:r>
+            <a:endParaRPr lang="en-US" sz="2400" baseline="-25000" dirty="0"/>
+          </a:p>
+        </p:txBody>
+      </p:sp>
+      <p:sp>
+        <p:nvSpPr>
+          <p:cNvPr id="11" name="Rectangle 10">
+            <a:extLst>
+              <a:ext uri="{FF2B5EF4-FFF2-40B4-BE49-F238E27FC236}">
+                <a16:creationId xmlns:a16="http://schemas.microsoft.com/office/drawing/2014/main" id="{B99B0BC9-6F85-804F-DB5F-2B5DEB493D37}"/>
+              </a:ext>
+            </a:extLst>
+          </p:cNvPr>
+          <p:cNvSpPr/>
+          <p:nvPr/>
+        </p:nvSpPr>
+        <p:spPr>
+          <a:xfrm>
+            <a:off x="9615507" y="2570312"/>
+            <a:ext cx="334691" cy="461914"/>
+          </a:xfrm>
+          <a:prstGeom prst="rect">
+            <a:avLst/>
+          </a:prstGeom>
+        </p:spPr>
+        <p:style>
+          <a:lnRef idx="2">
+            <a:schemeClr val="accent1">
+              <a:shade val="50000"/>
+            </a:schemeClr>
+          </a:lnRef>
+          <a:fillRef idx="1">
+            <a:schemeClr val="accent1"/>
+          </a:fillRef>
+          <a:effectRef idx="0">
+            <a:schemeClr val="accent1"/>
+          </a:effectRef>
+          <a:fontRef idx="minor">
+            <a:schemeClr val="lt1"/>
+          </a:fontRef>
+        </p:style>
+        <p:txBody>
+          <a:bodyPr lIns="0" tIns="0" rIns="0" bIns="0" rtlCol="0" anchor="ctr"/>
+          <a:lstStyle/>
+          <a:p>
+            <a:pPr algn="ctr"/>
+            <a:r>
+              <a:rPr lang="tr-TR" sz="2400" dirty="0"/>
+              <a:t>S</a:t>
+            </a:r>
+            <a:r>
+              <a:rPr lang="tr-TR" sz="2400" baseline="-25000" dirty="0"/>
+              <a:t>3</a:t>
+            </a:r>
+            <a:endParaRPr lang="en-US" sz="2400" baseline="-25000" dirty="0"/>
+          </a:p>
+        </p:txBody>
+      </p:sp>
+      <p:sp>
+        <p:nvSpPr>
+          <p:cNvPr id="12" name="Rectangle 11">
+            <a:extLst>
+              <a:ext uri="{FF2B5EF4-FFF2-40B4-BE49-F238E27FC236}">
+                <a16:creationId xmlns:a16="http://schemas.microsoft.com/office/drawing/2014/main" id="{C2CEDA4D-4377-F966-F1AA-56FE9F69A06E}"/>
+              </a:ext>
+            </a:extLst>
+          </p:cNvPr>
+          <p:cNvSpPr/>
+          <p:nvPr/>
+        </p:nvSpPr>
+        <p:spPr>
+          <a:xfrm>
+            <a:off x="10049139" y="2570312"/>
+            <a:ext cx="334691" cy="461914"/>
+          </a:xfrm>
+          <a:prstGeom prst="rect">
+            <a:avLst/>
+          </a:prstGeom>
+        </p:spPr>
+        <p:style>
+          <a:lnRef idx="2">
+            <a:schemeClr val="accent1">
+              <a:shade val="50000"/>
+            </a:schemeClr>
+          </a:lnRef>
+          <a:fillRef idx="1">
+            <a:schemeClr val="accent1"/>
+          </a:fillRef>
+          <a:effectRef idx="0">
+            <a:schemeClr val="accent1"/>
+          </a:effectRef>
+          <a:fontRef idx="minor">
+            <a:schemeClr val="lt1"/>
+          </a:fontRef>
+        </p:style>
+        <p:txBody>
+          <a:bodyPr lIns="0" tIns="0" rIns="0" bIns="0" rtlCol="0" anchor="ctr"/>
+          <a:lstStyle/>
+          <a:p>
+            <a:pPr algn="ctr"/>
+            <a:r>
+              <a:rPr lang="tr-TR" sz="2400" dirty="0"/>
+              <a:t>S</a:t>
+            </a:r>
+            <a:r>
+              <a:rPr lang="tr-TR" sz="2400" baseline="-25000" dirty="0"/>
+              <a:t>2</a:t>
+            </a:r>
+            <a:endParaRPr lang="en-US" sz="2400" baseline="-25000" dirty="0"/>
+          </a:p>
+        </p:txBody>
+      </p:sp>
+      <p:sp>
+        <p:nvSpPr>
+          <p:cNvPr id="13" name="Rectangle 12">
+            <a:extLst>
+              <a:ext uri="{FF2B5EF4-FFF2-40B4-BE49-F238E27FC236}">
+                <a16:creationId xmlns:a16="http://schemas.microsoft.com/office/drawing/2014/main" id="{2E2A3445-63AB-1B1F-E8D8-2AC478A02886}"/>
+              </a:ext>
+            </a:extLst>
+          </p:cNvPr>
+          <p:cNvSpPr/>
+          <p:nvPr/>
+        </p:nvSpPr>
+        <p:spPr>
+          <a:xfrm>
+            <a:off x="10474917" y="2570312"/>
+            <a:ext cx="334691" cy="461914"/>
+          </a:xfrm>
+          <a:prstGeom prst="rect">
+            <a:avLst/>
+          </a:prstGeom>
+        </p:spPr>
+        <p:style>
+          <a:lnRef idx="2">
+            <a:schemeClr val="accent1">
+              <a:shade val="50000"/>
+            </a:schemeClr>
+          </a:lnRef>
+          <a:fillRef idx="1">
+            <a:schemeClr val="accent1"/>
+          </a:fillRef>
+          <a:effectRef idx="0">
+            <a:schemeClr val="accent1"/>
+          </a:effectRef>
+          <a:fontRef idx="minor">
+            <a:schemeClr val="lt1"/>
+          </a:fontRef>
+        </p:style>
+        <p:txBody>
+          <a:bodyPr lIns="0" tIns="0" rIns="0" bIns="0" rtlCol="0" anchor="ctr"/>
+          <a:lstStyle/>
+          <a:p>
+            <a:pPr algn="ctr"/>
+            <a:r>
+              <a:rPr lang="tr-TR" sz="2400" dirty="0"/>
+              <a:t>S</a:t>
+            </a:r>
+            <a:r>
+              <a:rPr lang="tr-TR" sz="2400" baseline="-25000" dirty="0"/>
+              <a:t>1</a:t>
+            </a:r>
+            <a:endParaRPr lang="en-US" sz="2400" baseline="-25000" dirty="0"/>
+          </a:p>
+        </p:txBody>
+      </p:sp>
+      <p:sp>
+        <p:nvSpPr>
+          <p:cNvPr id="15" name="TextBox 14">
+            <a:extLst>
+              <a:ext uri="{FF2B5EF4-FFF2-40B4-BE49-F238E27FC236}">
+                <a16:creationId xmlns:a16="http://schemas.microsoft.com/office/drawing/2014/main" id="{E8765B12-EFC6-F5B8-9550-72B5021E8C75}"/>
+              </a:ext>
+            </a:extLst>
+          </p:cNvPr>
+          <p:cNvSpPr txBox="1"/>
+          <p:nvPr/>
+        </p:nvSpPr>
+        <p:spPr>
+          <a:xfrm>
+            <a:off x="10332694" y="3430774"/>
+            <a:ext cx="623889" cy="400110"/>
+          </a:xfrm>
+          <a:prstGeom prst="rect">
+            <a:avLst/>
+          </a:prstGeom>
+          <a:solidFill>
+            <a:schemeClr val="accent4">
+              <a:lumMod val="20000"/>
+              <a:lumOff val="80000"/>
+            </a:schemeClr>
+          </a:solidFill>
+        </p:spPr>
+        <p:txBody>
+          <a:bodyPr wrap="none" rtlCol="0">
+            <a:spAutoFit/>
+          </a:bodyPr>
+          <a:lstStyle/>
+          <a:p>
+            <a:r>
+              <a:rPr lang="tr-TR" sz="2000" b="1" dirty="0">
+                <a:solidFill>
+                  <a:srgbClr val="FF0000"/>
+                </a:solidFill>
               </a:rPr>
-              <a:t>Content</a:t>
-            </a:r>
+              <a:t>CPU</a:t>
+            </a:r>
+            <a:endParaRPr lang="en-US" sz="2000" b="1" dirty="0">
+              <a:solidFill>
+                <a:srgbClr val="FF0000"/>
+              </a:solidFill>
+            </a:endParaRPr>
+          </a:p>
+        </p:txBody>
+      </p:sp>
+      <p:cxnSp>
+        <p:nvCxnSpPr>
+          <p:cNvPr id="17" name="Straight Arrow Connector 16">
+            <a:extLst>
+              <a:ext uri="{FF2B5EF4-FFF2-40B4-BE49-F238E27FC236}">
+                <a16:creationId xmlns:a16="http://schemas.microsoft.com/office/drawing/2014/main" id="{39C75593-C895-3156-0875-64AB81124BED}"/>
+              </a:ext>
+            </a:extLst>
+          </p:cNvPr>
+          <p:cNvCxnSpPr>
+            <a:cxnSpLocks/>
+            <a:stCxn id="15" idx="0"/>
+            <a:endCxn id="14" idx="2"/>
+          </p:cNvCxnSpPr>
+          <p:nvPr/>
+        </p:nvCxnSpPr>
+        <p:spPr>
+          <a:xfrm flipV="1">
+            <a:off x="10644639" y="3088788"/>
+            <a:ext cx="0" cy="341986"/>
+          </a:xfrm>
+          <a:prstGeom prst="straightConnector1">
+            <a:avLst/>
+          </a:prstGeom>
+          <a:ln w="25400">
+            <a:solidFill>
+              <a:srgbClr val="FF0000"/>
+            </a:solidFill>
+            <a:tailEnd type="triangle"/>
+          </a:ln>
+        </p:spPr>
+        <p:style>
+          <a:lnRef idx="1">
+            <a:schemeClr val="accent1"/>
+          </a:lnRef>
+          <a:fillRef idx="0">
+            <a:schemeClr val="accent1"/>
+          </a:fillRef>
+          <a:effectRef idx="0">
+            <a:schemeClr val="accent1"/>
+          </a:effectRef>
+          <a:fontRef idx="minor">
+            <a:schemeClr val="tx1"/>
+          </a:fontRef>
+        </p:style>
+      </p:cxnSp>
+      <p:cxnSp>
+        <p:nvCxnSpPr>
+          <p:cNvPr id="48" name="Straight Arrow Connector 47">
+            <a:extLst>
+              <a:ext uri="{FF2B5EF4-FFF2-40B4-BE49-F238E27FC236}">
+                <a16:creationId xmlns:a16="http://schemas.microsoft.com/office/drawing/2014/main" id="{1CD85698-E94F-E4E4-4307-AC963E19B7DE}"/>
+              </a:ext>
+            </a:extLst>
+          </p:cNvPr>
+          <p:cNvCxnSpPr>
+            <a:cxnSpLocks/>
+            <a:stCxn id="15" idx="1"/>
+          </p:cNvCxnSpPr>
+          <p:nvPr/>
+        </p:nvCxnSpPr>
+        <p:spPr>
+          <a:xfrm flipH="1">
+            <a:off x="9293463" y="3630829"/>
+            <a:ext cx="1039231" cy="0"/>
+          </a:xfrm>
+          <a:prstGeom prst="straightConnector1">
+            <a:avLst/>
+          </a:prstGeom>
+          <a:ln w="38100">
+            <a:solidFill>
+              <a:srgbClr val="FF0000"/>
+            </a:solidFill>
+            <a:tailEnd type="triangle"/>
+          </a:ln>
+        </p:spPr>
+        <p:style>
+          <a:lnRef idx="1">
+            <a:schemeClr val="accent1"/>
+          </a:lnRef>
+          <a:fillRef idx="0">
+            <a:schemeClr val="accent1"/>
+          </a:fillRef>
+          <a:effectRef idx="0">
+            <a:schemeClr val="accent1"/>
+          </a:effectRef>
+          <a:fontRef idx="minor">
+            <a:schemeClr val="tx1"/>
+          </a:fontRef>
+        </p:style>
+      </p:cxnSp>
+      <p:sp>
+        <p:nvSpPr>
+          <p:cNvPr id="52" name="TextBox 51">
+            <a:extLst>
+              <a:ext uri="{FF2B5EF4-FFF2-40B4-BE49-F238E27FC236}">
+                <a16:creationId xmlns:a16="http://schemas.microsoft.com/office/drawing/2014/main" id="{3EEC8CFB-457F-43B4-B695-A7E403956508}"/>
+              </a:ext>
+            </a:extLst>
+          </p:cNvPr>
+          <p:cNvSpPr txBox="1"/>
+          <p:nvPr/>
+        </p:nvSpPr>
+        <p:spPr>
+          <a:xfrm>
+            <a:off x="7478763" y="2015400"/>
+            <a:ext cx="3330845" cy="369332"/>
+          </a:xfrm>
+          <a:prstGeom prst="rect">
+            <a:avLst/>
+          </a:prstGeom>
+          <a:noFill/>
+        </p:spPr>
+        <p:txBody>
+          <a:bodyPr wrap="square" rtlCol="0">
+            <a:spAutoFit/>
+          </a:bodyPr>
+          <a:lstStyle/>
+          <a:p>
+            <a:pPr algn="ctr"/>
+            <a:r>
+              <a:rPr lang="tr-TR" b="1" u="sng" dirty="0"/>
+              <a:t>P R O C E S S</a:t>
+            </a:r>
+            <a:endParaRPr lang="en-US" b="1" u="sng" dirty="0"/>
+          </a:p>
+        </p:txBody>
+      </p:sp>
+      <p:pic>
+        <p:nvPicPr>
+          <p:cNvPr id="54" name="Picture 53">
+            <a:extLst>
+              <a:ext uri="{FF2B5EF4-FFF2-40B4-BE49-F238E27FC236}">
+                <a16:creationId xmlns:a16="http://schemas.microsoft.com/office/drawing/2014/main" id="{118C573F-71AF-ACEF-C6BD-9036F9CE659D}"/>
+              </a:ext>
+            </a:extLst>
+          </p:cNvPr>
+          <p:cNvPicPr>
+            <a:picLocks noChangeAspect="1"/>
+          </p:cNvPicPr>
+          <p:nvPr/>
+        </p:nvPicPr>
+        <p:blipFill>
+          <a:blip r:embed="rId3"/>
+          <a:stretch>
+            <a:fillRect/>
+          </a:stretch>
+        </p:blipFill>
+        <p:spPr>
+          <a:xfrm>
+            <a:off x="865241" y="2481821"/>
+            <a:ext cx="3153554" cy="3034999"/>
+          </a:xfrm>
+          <a:prstGeom prst="rect">
+            <a:avLst/>
+          </a:prstGeom>
+        </p:spPr>
+      </p:pic>
+      <p:sp>
+        <p:nvSpPr>
+          <p:cNvPr id="55" name="Rectangle 54">
+            <a:extLst>
+              <a:ext uri="{FF2B5EF4-FFF2-40B4-BE49-F238E27FC236}">
+                <a16:creationId xmlns:a16="http://schemas.microsoft.com/office/drawing/2014/main" id="{63B2E546-9834-A082-D28C-F9F099F01EC6}"/>
+              </a:ext>
+            </a:extLst>
+          </p:cNvPr>
+          <p:cNvSpPr/>
+          <p:nvPr/>
+        </p:nvSpPr>
+        <p:spPr>
+          <a:xfrm>
+            <a:off x="4112782" y="2439984"/>
+            <a:ext cx="334691" cy="461914"/>
+          </a:xfrm>
+          <a:prstGeom prst="rect">
+            <a:avLst/>
+          </a:prstGeom>
+          <a:noFill/>
+          <a:ln>
+            <a:noFill/>
+          </a:ln>
+        </p:spPr>
+        <p:style>
+          <a:lnRef idx="2">
+            <a:schemeClr val="accent1">
+              <a:shade val="50000"/>
+            </a:schemeClr>
+          </a:lnRef>
+          <a:fillRef idx="1">
+            <a:schemeClr val="accent1"/>
+          </a:fillRef>
+          <a:effectRef idx="0">
+            <a:schemeClr val="accent1"/>
+          </a:effectRef>
+          <a:fontRef idx="minor">
+            <a:schemeClr val="lt1"/>
+          </a:fontRef>
+        </p:style>
+        <p:txBody>
+          <a:bodyPr lIns="0" tIns="0" rIns="0" bIns="0" rtlCol="0" anchor="ctr"/>
+          <a:lstStyle/>
+          <a:p>
+            <a:pPr algn="ctr"/>
+            <a:r>
+              <a:rPr lang="tr-TR" sz="2400" dirty="0">
+                <a:solidFill>
+                  <a:schemeClr val="accent1"/>
+                </a:solidFill>
+              </a:rPr>
+              <a:t>S</a:t>
+            </a:r>
+            <a:r>
+              <a:rPr lang="tr-TR" sz="2400" baseline="-25000" dirty="0">
+                <a:solidFill>
+                  <a:schemeClr val="accent1"/>
+                </a:solidFill>
+              </a:rPr>
+              <a:t>1</a:t>
+            </a:r>
+            <a:endParaRPr lang="en-US" sz="2400" baseline="-25000" dirty="0">
+              <a:solidFill>
+                <a:schemeClr val="accent1"/>
+              </a:solidFill>
+            </a:endParaRPr>
+          </a:p>
+        </p:txBody>
+      </p:sp>
+      <p:sp>
+        <p:nvSpPr>
+          <p:cNvPr id="56" name="Rectangle 55">
+            <a:extLst>
+              <a:ext uri="{FF2B5EF4-FFF2-40B4-BE49-F238E27FC236}">
+                <a16:creationId xmlns:a16="http://schemas.microsoft.com/office/drawing/2014/main" id="{EA32878E-1EC8-317B-4619-0A20400C48A7}"/>
+              </a:ext>
+            </a:extLst>
+          </p:cNvPr>
+          <p:cNvSpPr/>
+          <p:nvPr/>
+        </p:nvSpPr>
+        <p:spPr>
+          <a:xfrm>
+            <a:off x="4112781" y="2819661"/>
+            <a:ext cx="334691" cy="461914"/>
+          </a:xfrm>
+          <a:prstGeom prst="rect">
+            <a:avLst/>
+          </a:prstGeom>
+          <a:noFill/>
+          <a:ln>
+            <a:noFill/>
+          </a:ln>
+        </p:spPr>
+        <p:style>
+          <a:lnRef idx="2">
+            <a:schemeClr val="accent1">
+              <a:shade val="50000"/>
+            </a:schemeClr>
+          </a:lnRef>
+          <a:fillRef idx="1">
+            <a:schemeClr val="accent1"/>
+          </a:fillRef>
+          <a:effectRef idx="0">
+            <a:schemeClr val="accent1"/>
+          </a:effectRef>
+          <a:fontRef idx="minor">
+            <a:schemeClr val="lt1"/>
+          </a:fontRef>
+        </p:style>
+        <p:txBody>
+          <a:bodyPr lIns="0" tIns="0" rIns="0" bIns="0" rtlCol="0" anchor="ctr"/>
+          <a:lstStyle/>
+          <a:p>
+            <a:pPr algn="ctr"/>
+            <a:r>
+              <a:rPr lang="tr-TR" sz="2400" dirty="0">
+                <a:solidFill>
+                  <a:schemeClr val="accent1"/>
+                </a:solidFill>
+              </a:rPr>
+              <a:t>S</a:t>
+            </a:r>
+            <a:r>
+              <a:rPr lang="tr-TR" sz="2400" baseline="-25000" dirty="0">
+                <a:solidFill>
+                  <a:schemeClr val="accent1"/>
+                </a:solidFill>
+              </a:rPr>
+              <a:t>2</a:t>
+            </a:r>
+            <a:endParaRPr lang="en-US" sz="2400" baseline="-25000" dirty="0">
+              <a:solidFill>
+                <a:schemeClr val="accent1"/>
+              </a:solidFill>
+            </a:endParaRPr>
+          </a:p>
+        </p:txBody>
+      </p:sp>
+      <p:sp>
+        <p:nvSpPr>
+          <p:cNvPr id="57" name="Rectangle 56">
+            <a:extLst>
+              <a:ext uri="{FF2B5EF4-FFF2-40B4-BE49-F238E27FC236}">
+                <a16:creationId xmlns:a16="http://schemas.microsoft.com/office/drawing/2014/main" id="{8EB0B0C8-5D11-7360-5891-883E8B315E5B}"/>
+              </a:ext>
+            </a:extLst>
+          </p:cNvPr>
+          <p:cNvSpPr/>
+          <p:nvPr/>
+        </p:nvSpPr>
+        <p:spPr>
+          <a:xfrm>
+            <a:off x="4117737" y="3189410"/>
+            <a:ext cx="334691" cy="461914"/>
+          </a:xfrm>
+          <a:prstGeom prst="rect">
+            <a:avLst/>
+          </a:prstGeom>
+          <a:noFill/>
+          <a:ln>
+            <a:noFill/>
+          </a:ln>
+        </p:spPr>
+        <p:style>
+          <a:lnRef idx="2">
+            <a:schemeClr val="accent1">
+              <a:shade val="50000"/>
+            </a:schemeClr>
+          </a:lnRef>
+          <a:fillRef idx="1">
+            <a:schemeClr val="accent1"/>
+          </a:fillRef>
+          <a:effectRef idx="0">
+            <a:schemeClr val="accent1"/>
+          </a:effectRef>
+          <a:fontRef idx="minor">
+            <a:schemeClr val="lt1"/>
+          </a:fontRef>
+        </p:style>
+        <p:txBody>
+          <a:bodyPr lIns="0" tIns="0" rIns="0" bIns="0" rtlCol="0" anchor="ctr"/>
+          <a:lstStyle/>
+          <a:p>
+            <a:pPr algn="ctr"/>
+            <a:r>
+              <a:rPr lang="tr-TR" sz="2400" dirty="0">
+                <a:solidFill>
+                  <a:schemeClr val="accent1"/>
+                </a:solidFill>
+              </a:rPr>
+              <a:t>S</a:t>
+            </a:r>
+            <a:r>
+              <a:rPr lang="tr-TR" sz="2400" baseline="-25000" dirty="0">
+                <a:solidFill>
+                  <a:schemeClr val="accent1"/>
+                </a:solidFill>
+              </a:rPr>
+              <a:t>3</a:t>
+            </a:r>
+            <a:endParaRPr lang="en-US" sz="2400" baseline="-25000" dirty="0">
+              <a:solidFill>
+                <a:schemeClr val="accent1"/>
+              </a:solidFill>
+            </a:endParaRPr>
+          </a:p>
+        </p:txBody>
+      </p:sp>
+      <p:sp>
+        <p:nvSpPr>
+          <p:cNvPr id="58" name="Rectangle 57">
+            <a:extLst>
+              <a:ext uri="{FF2B5EF4-FFF2-40B4-BE49-F238E27FC236}">
+                <a16:creationId xmlns:a16="http://schemas.microsoft.com/office/drawing/2014/main" id="{45FF1370-80EA-8ABD-97B2-DE2BFFEC6943}"/>
+              </a:ext>
+            </a:extLst>
+          </p:cNvPr>
+          <p:cNvSpPr/>
+          <p:nvPr/>
+        </p:nvSpPr>
+        <p:spPr>
+          <a:xfrm>
+            <a:off x="4117736" y="3540809"/>
+            <a:ext cx="334691" cy="461914"/>
+          </a:xfrm>
+          <a:prstGeom prst="rect">
+            <a:avLst/>
+          </a:prstGeom>
+          <a:noFill/>
+          <a:ln>
+            <a:noFill/>
+          </a:ln>
+        </p:spPr>
+        <p:style>
+          <a:lnRef idx="2">
+            <a:schemeClr val="accent1">
+              <a:shade val="50000"/>
+            </a:schemeClr>
+          </a:lnRef>
+          <a:fillRef idx="1">
+            <a:schemeClr val="accent1"/>
+          </a:fillRef>
+          <a:effectRef idx="0">
+            <a:schemeClr val="accent1"/>
+          </a:effectRef>
+          <a:fontRef idx="minor">
+            <a:schemeClr val="lt1"/>
+          </a:fontRef>
+        </p:style>
+        <p:txBody>
+          <a:bodyPr lIns="0" tIns="0" rIns="0" bIns="0" rtlCol="0" anchor="ctr"/>
+          <a:lstStyle/>
+          <a:p>
+            <a:pPr algn="ctr"/>
+            <a:r>
+              <a:rPr lang="tr-TR" sz="2400" dirty="0">
+                <a:solidFill>
+                  <a:schemeClr val="accent1"/>
+                </a:solidFill>
+              </a:rPr>
+              <a:t>S</a:t>
+            </a:r>
+            <a:r>
+              <a:rPr lang="tr-TR" sz="2400" baseline="-25000" dirty="0">
+                <a:solidFill>
+                  <a:schemeClr val="accent1"/>
+                </a:solidFill>
+              </a:rPr>
+              <a:t>4</a:t>
+            </a:r>
+            <a:endParaRPr lang="en-US" sz="2400" baseline="-25000" dirty="0">
+              <a:solidFill>
+                <a:schemeClr val="accent1"/>
+              </a:solidFill>
+            </a:endParaRPr>
+          </a:p>
+        </p:txBody>
+      </p:sp>
+      <p:sp>
+        <p:nvSpPr>
+          <p:cNvPr id="59" name="Rectangle 58">
+            <a:extLst>
+              <a:ext uri="{FF2B5EF4-FFF2-40B4-BE49-F238E27FC236}">
+                <a16:creationId xmlns:a16="http://schemas.microsoft.com/office/drawing/2014/main" id="{1987D61D-9499-A692-846D-621E29DE65E3}"/>
+              </a:ext>
+            </a:extLst>
+          </p:cNvPr>
+          <p:cNvSpPr/>
+          <p:nvPr/>
+        </p:nvSpPr>
+        <p:spPr>
+          <a:xfrm>
+            <a:off x="4107827" y="3852161"/>
+            <a:ext cx="334691" cy="461914"/>
+          </a:xfrm>
+          <a:prstGeom prst="rect">
+            <a:avLst/>
+          </a:prstGeom>
+          <a:noFill/>
+          <a:ln>
+            <a:noFill/>
+          </a:ln>
+        </p:spPr>
+        <p:style>
+          <a:lnRef idx="2">
+            <a:schemeClr val="accent1">
+              <a:shade val="50000"/>
+            </a:schemeClr>
+          </a:lnRef>
+          <a:fillRef idx="1">
+            <a:schemeClr val="accent1"/>
+          </a:fillRef>
+          <a:effectRef idx="0">
+            <a:schemeClr val="accent1"/>
+          </a:effectRef>
+          <a:fontRef idx="minor">
+            <a:schemeClr val="lt1"/>
+          </a:fontRef>
+        </p:style>
+        <p:txBody>
+          <a:bodyPr lIns="0" tIns="0" rIns="0" bIns="0" rtlCol="0" anchor="ctr"/>
+          <a:lstStyle/>
+          <a:p>
+            <a:pPr algn="ctr"/>
+            <a:r>
+              <a:rPr lang="tr-TR" sz="2400" dirty="0">
+                <a:solidFill>
+                  <a:schemeClr val="accent1"/>
+                </a:solidFill>
+              </a:rPr>
+              <a:t>S</a:t>
+            </a:r>
+            <a:r>
+              <a:rPr lang="tr-TR" sz="2400" baseline="-25000" dirty="0">
+                <a:solidFill>
+                  <a:schemeClr val="accent1"/>
+                </a:solidFill>
+              </a:rPr>
+              <a:t>5</a:t>
+            </a:r>
+            <a:endParaRPr lang="en-US" sz="2400" baseline="-25000" dirty="0">
+              <a:solidFill>
+                <a:schemeClr val="accent1"/>
+              </a:solidFill>
+            </a:endParaRPr>
+          </a:p>
+        </p:txBody>
+      </p:sp>
+      <p:sp>
+        <p:nvSpPr>
+          <p:cNvPr id="60" name="Rectangle 59">
+            <a:extLst>
+              <a:ext uri="{FF2B5EF4-FFF2-40B4-BE49-F238E27FC236}">
+                <a16:creationId xmlns:a16="http://schemas.microsoft.com/office/drawing/2014/main" id="{A109B62F-4DFB-8F8A-F74A-847131972725}"/>
+              </a:ext>
+            </a:extLst>
+          </p:cNvPr>
+          <p:cNvSpPr/>
+          <p:nvPr/>
+        </p:nvSpPr>
+        <p:spPr>
+          <a:xfrm>
+            <a:off x="4107826" y="4231838"/>
+            <a:ext cx="334691" cy="461914"/>
+          </a:xfrm>
+          <a:prstGeom prst="rect">
+            <a:avLst/>
+          </a:prstGeom>
+          <a:noFill/>
+          <a:ln>
+            <a:noFill/>
+          </a:ln>
+        </p:spPr>
+        <p:style>
+          <a:lnRef idx="2">
+            <a:schemeClr val="accent1">
+              <a:shade val="50000"/>
+            </a:schemeClr>
+          </a:lnRef>
+          <a:fillRef idx="1">
+            <a:schemeClr val="accent1"/>
+          </a:fillRef>
+          <a:effectRef idx="0">
+            <a:schemeClr val="accent1"/>
+          </a:effectRef>
+          <a:fontRef idx="minor">
+            <a:schemeClr val="lt1"/>
+          </a:fontRef>
+        </p:style>
+        <p:txBody>
+          <a:bodyPr lIns="0" tIns="0" rIns="0" bIns="0" rtlCol="0" anchor="ctr"/>
+          <a:lstStyle/>
+          <a:p>
+            <a:pPr algn="ctr"/>
+            <a:r>
+              <a:rPr lang="tr-TR" sz="2400" dirty="0">
+                <a:solidFill>
+                  <a:schemeClr val="accent1"/>
+                </a:solidFill>
+              </a:rPr>
+              <a:t>S</a:t>
+            </a:r>
+            <a:r>
+              <a:rPr lang="tr-TR" sz="2400" baseline="-25000" dirty="0">
+                <a:solidFill>
+                  <a:schemeClr val="accent1"/>
+                </a:solidFill>
+              </a:rPr>
+              <a:t>6</a:t>
+            </a:r>
+            <a:endParaRPr lang="en-US" sz="2400" baseline="-25000" dirty="0">
+              <a:solidFill>
+                <a:schemeClr val="accent1"/>
+              </a:solidFill>
+            </a:endParaRPr>
+          </a:p>
+        </p:txBody>
+      </p:sp>
+      <p:sp>
+        <p:nvSpPr>
+          <p:cNvPr id="61" name="Rectangle 60">
+            <a:extLst>
+              <a:ext uri="{FF2B5EF4-FFF2-40B4-BE49-F238E27FC236}">
+                <a16:creationId xmlns:a16="http://schemas.microsoft.com/office/drawing/2014/main" id="{F1B969A9-953F-98E4-79DC-984B7F8C6E23}"/>
+              </a:ext>
+            </a:extLst>
+          </p:cNvPr>
+          <p:cNvSpPr/>
+          <p:nvPr/>
+        </p:nvSpPr>
+        <p:spPr>
+          <a:xfrm>
+            <a:off x="4112782" y="4601587"/>
+            <a:ext cx="334691" cy="461914"/>
+          </a:xfrm>
+          <a:prstGeom prst="rect">
+            <a:avLst/>
+          </a:prstGeom>
+          <a:noFill/>
+          <a:ln>
+            <a:noFill/>
+          </a:ln>
+        </p:spPr>
+        <p:style>
+          <a:lnRef idx="2">
+            <a:schemeClr val="accent1">
+              <a:shade val="50000"/>
+            </a:schemeClr>
+          </a:lnRef>
+          <a:fillRef idx="1">
+            <a:schemeClr val="accent1"/>
+          </a:fillRef>
+          <a:effectRef idx="0">
+            <a:schemeClr val="accent1"/>
+          </a:effectRef>
+          <a:fontRef idx="minor">
+            <a:schemeClr val="lt1"/>
+          </a:fontRef>
+        </p:style>
+        <p:txBody>
+          <a:bodyPr lIns="0" tIns="0" rIns="0" bIns="0" rtlCol="0" anchor="ctr"/>
+          <a:lstStyle/>
+          <a:p>
+            <a:pPr algn="ctr"/>
+            <a:r>
+              <a:rPr lang="tr-TR" sz="2400" dirty="0">
+                <a:solidFill>
+                  <a:schemeClr val="accent1"/>
+                </a:solidFill>
+              </a:rPr>
+              <a:t>S</a:t>
+            </a:r>
+            <a:r>
+              <a:rPr lang="tr-TR" sz="2400" baseline="-25000" dirty="0">
+                <a:solidFill>
+                  <a:schemeClr val="accent1"/>
+                </a:solidFill>
+              </a:rPr>
+              <a:t>7</a:t>
+            </a:r>
+            <a:endParaRPr lang="en-US" sz="2400" baseline="-25000" dirty="0">
+              <a:solidFill>
+                <a:schemeClr val="accent1"/>
+              </a:solidFill>
+            </a:endParaRPr>
+          </a:p>
+        </p:txBody>
+      </p:sp>
+      <p:sp>
+        <p:nvSpPr>
+          <p:cNvPr id="62" name="Rectangle 61">
+            <a:extLst>
+              <a:ext uri="{FF2B5EF4-FFF2-40B4-BE49-F238E27FC236}">
+                <a16:creationId xmlns:a16="http://schemas.microsoft.com/office/drawing/2014/main" id="{70C54CE0-5FA6-0ACC-4223-AD456BA58A2A}"/>
+              </a:ext>
+            </a:extLst>
+          </p:cNvPr>
+          <p:cNvSpPr/>
+          <p:nvPr/>
+        </p:nvSpPr>
+        <p:spPr>
+          <a:xfrm>
+            <a:off x="4112781" y="4952986"/>
+            <a:ext cx="334691" cy="461914"/>
+          </a:xfrm>
+          <a:prstGeom prst="rect">
+            <a:avLst/>
+          </a:prstGeom>
+          <a:noFill/>
+          <a:ln>
+            <a:noFill/>
+          </a:ln>
+        </p:spPr>
+        <p:style>
+          <a:lnRef idx="2">
+            <a:schemeClr val="accent1">
+              <a:shade val="50000"/>
+            </a:schemeClr>
+          </a:lnRef>
+          <a:fillRef idx="1">
+            <a:schemeClr val="accent1"/>
+          </a:fillRef>
+          <a:effectRef idx="0">
+            <a:schemeClr val="accent1"/>
+          </a:effectRef>
+          <a:fontRef idx="minor">
+            <a:schemeClr val="lt1"/>
+          </a:fontRef>
+        </p:style>
+        <p:txBody>
+          <a:bodyPr lIns="0" tIns="0" rIns="0" bIns="0" rtlCol="0" anchor="ctr"/>
+          <a:lstStyle/>
+          <a:p>
+            <a:pPr algn="ctr"/>
+            <a:r>
+              <a:rPr lang="tr-TR" sz="2400" dirty="0">
+                <a:solidFill>
+                  <a:schemeClr val="accent1"/>
+                </a:solidFill>
+              </a:rPr>
+              <a:t>S</a:t>
+            </a:r>
+            <a:r>
+              <a:rPr lang="tr-TR" sz="2400" baseline="-25000" dirty="0">
+                <a:solidFill>
+                  <a:schemeClr val="accent1"/>
+                </a:solidFill>
+              </a:rPr>
+              <a:t>8</a:t>
+            </a:r>
+            <a:endParaRPr lang="en-US" sz="2400" baseline="-25000" dirty="0">
+              <a:solidFill>
+                <a:schemeClr val="accent1"/>
+              </a:solidFill>
+            </a:endParaRPr>
+          </a:p>
+        </p:txBody>
+      </p:sp>
+      <p:sp>
+        <p:nvSpPr>
+          <p:cNvPr id="63" name="TextBox 62">
+            <a:extLst>
+              <a:ext uri="{FF2B5EF4-FFF2-40B4-BE49-F238E27FC236}">
+                <a16:creationId xmlns:a16="http://schemas.microsoft.com/office/drawing/2014/main" id="{7BFF67EC-81EC-9AC6-815D-A7BA1AB1351D}"/>
+              </a:ext>
+            </a:extLst>
+          </p:cNvPr>
+          <p:cNvSpPr txBox="1"/>
+          <p:nvPr/>
+        </p:nvSpPr>
+        <p:spPr>
+          <a:xfrm>
+            <a:off x="687950" y="2015400"/>
+            <a:ext cx="3330845" cy="369332"/>
+          </a:xfrm>
+          <a:prstGeom prst="rect">
+            <a:avLst/>
+          </a:prstGeom>
+          <a:noFill/>
+        </p:spPr>
+        <p:txBody>
+          <a:bodyPr wrap="square" rtlCol="0">
+            <a:spAutoFit/>
+          </a:bodyPr>
+          <a:lstStyle/>
+          <a:p>
+            <a:pPr algn="ctr"/>
+            <a:r>
+              <a:rPr lang="tr-TR" b="1" u="sng" dirty="0"/>
+              <a:t>SOURCE CODE</a:t>
+            </a:r>
+            <a:endParaRPr lang="en-US" b="1" u="sng" dirty="0"/>
+          </a:p>
+        </p:txBody>
+      </p:sp>
+      <p:cxnSp>
+        <p:nvCxnSpPr>
+          <p:cNvPr id="65" name="Straight Arrow Connector 64">
+            <a:extLst>
+              <a:ext uri="{FF2B5EF4-FFF2-40B4-BE49-F238E27FC236}">
+                <a16:creationId xmlns:a16="http://schemas.microsoft.com/office/drawing/2014/main" id="{238B2638-CD8D-424A-EA35-2DF6A59A322D}"/>
+              </a:ext>
+            </a:extLst>
+          </p:cNvPr>
+          <p:cNvCxnSpPr>
+            <a:cxnSpLocks/>
+            <a:stCxn id="52" idx="1"/>
+            <a:endCxn id="63" idx="3"/>
+          </p:cNvCxnSpPr>
+          <p:nvPr/>
+        </p:nvCxnSpPr>
+        <p:spPr>
+          <a:xfrm flipH="1">
+            <a:off x="4018795" y="2200066"/>
+            <a:ext cx="3459968" cy="0"/>
+          </a:xfrm>
+          <a:prstGeom prst="straightConnector1">
+            <a:avLst/>
+          </a:prstGeom>
+          <a:ln w="38100">
+            <a:solidFill>
+              <a:schemeClr val="accent3"/>
+            </a:solidFill>
+            <a:headEnd type="triangle"/>
+            <a:tailEnd type="none"/>
+          </a:ln>
+        </p:spPr>
+        <p:style>
+          <a:lnRef idx="1">
+            <a:schemeClr val="accent1"/>
+          </a:lnRef>
+          <a:fillRef idx="0">
+            <a:schemeClr val="accent1"/>
+          </a:fillRef>
+          <a:effectRef idx="0">
+            <a:schemeClr val="accent1"/>
+          </a:effectRef>
+          <a:fontRef idx="minor">
+            <a:schemeClr val="tx1"/>
+          </a:fontRef>
+        </p:style>
+      </p:cxnSp>
+      <p:sp>
+        <p:nvSpPr>
+          <p:cNvPr id="68" name="TextBox 67">
+            <a:extLst>
+              <a:ext uri="{FF2B5EF4-FFF2-40B4-BE49-F238E27FC236}">
+                <a16:creationId xmlns:a16="http://schemas.microsoft.com/office/drawing/2014/main" id="{5E3D525A-A503-F13E-792F-7BAE4352993D}"/>
+              </a:ext>
+            </a:extLst>
+          </p:cNvPr>
+          <p:cNvSpPr txBox="1"/>
+          <p:nvPr/>
+        </p:nvSpPr>
+        <p:spPr>
+          <a:xfrm>
+            <a:off x="4089787" y="2198966"/>
+            <a:ext cx="3330845" cy="369332"/>
+          </a:xfrm>
+          <a:prstGeom prst="rect">
+            <a:avLst/>
+          </a:prstGeom>
+          <a:noFill/>
+        </p:spPr>
+        <p:txBody>
+          <a:bodyPr wrap="square" rtlCol="0">
+            <a:spAutoFit/>
+          </a:bodyPr>
+          <a:lstStyle/>
+          <a:p>
+            <a:pPr algn="ctr"/>
+            <a:r>
+              <a:rPr lang="tr-TR" b="1" dirty="0">
+                <a:solidFill>
+                  <a:schemeClr val="accent3"/>
+                </a:solidFill>
+              </a:rPr>
+              <a:t>EXECUTE</a:t>
+            </a:r>
+            <a:endParaRPr lang="en-US" b="1" dirty="0">
+              <a:solidFill>
+                <a:schemeClr val="accent3"/>
+              </a:solidFill>
+            </a:endParaRPr>
           </a:p>
         </p:txBody>
       </p:sp>
     </p:spTree>
     <p:extLst>
       <p:ext uri="{BB962C8B-B14F-4D97-AF65-F5344CB8AC3E}">
-        <p14:creationId xmlns:p14="http://schemas.microsoft.com/office/powerpoint/2010/main" val="3766783700"/>
+        <p14:creationId xmlns:p14="http://schemas.microsoft.com/office/powerpoint/2010/main" val="2022254466"/>
       </p:ext>
     </p:extLst>
   </p:cSld>
@@ -5180,53 +6688,2196 @@
           <a:lstStyle/>
           <a:p>
             <a:r>
-              <a:rPr lang="en-US" b="1" dirty="0">
+              <a:rPr lang="tr-TR" b="1" dirty="0">
                 <a:solidFill>
                   <a:srgbClr val="292D33"/>
                 </a:solidFill>
                 <a:latin typeface="Euclid Circular B" panose="020B0504000000000000" pitchFamily="34" charset="0"/>
                 <a:ea typeface="Euclid Circular B" panose="020B0504000000000000" pitchFamily="34" charset="0"/>
               </a:rPr>
-              <a:t>Topic title</a:t>
-            </a:r>
-          </a:p>
-        </p:txBody>
-      </p:sp>
-      <p:sp>
-        <p:nvSpPr>
-          <p:cNvPr id="3" name="Content Placeholder 2">
-            <a:extLst>
-              <a:ext uri="{FF2B5EF4-FFF2-40B4-BE49-F238E27FC236}">
-                <a16:creationId xmlns:a16="http://schemas.microsoft.com/office/drawing/2014/main" id="{891C7693-D3DF-4635-96F4-97F3B4136FDF}"/>
-              </a:ext>
-            </a:extLst>
-          </p:cNvPr>
-          <p:cNvSpPr>
-            <a:spLocks noGrp="1"/>
-          </p:cNvSpPr>
-          <p:nvPr>
-            <p:ph idx="1"/>
-          </p:nvPr>
-        </p:nvSpPr>
-        <p:spPr/>
-        <p:txBody>
-          <a:bodyPr/>
-          <a:lstStyle/>
-          <a:p>
-            <a:r>
-              <a:rPr lang="en-US" dirty="0">
-                <a:latin typeface="Euclid Circular B" panose="020B0504000000000000" pitchFamily="34" charset="0"/>
-                <a:ea typeface="Euclid Circular B" panose="020B0504000000000000" pitchFamily="34" charset="0"/>
+              <a:t>Single-Core / Single-Processing</a:t>
+            </a:r>
+            <a:endParaRPr lang="en-US" b="1" dirty="0">
+              <a:solidFill>
+                <a:srgbClr val="292D33"/>
+              </a:solidFill>
+              <a:latin typeface="Euclid Circular B" panose="020B0504000000000000" pitchFamily="34" charset="0"/>
+              <a:ea typeface="Euclid Circular B" panose="020B0504000000000000" pitchFamily="34" charset="0"/>
+            </a:endParaRPr>
+          </a:p>
+        </p:txBody>
+      </p:sp>
+      <p:sp>
+        <p:nvSpPr>
+          <p:cNvPr id="6" name="Rectangle 5">
+            <a:extLst>
+              <a:ext uri="{FF2B5EF4-FFF2-40B4-BE49-F238E27FC236}">
+                <a16:creationId xmlns:a16="http://schemas.microsoft.com/office/drawing/2014/main" id="{537C57FB-FB6B-9ADF-44EF-6004E9A953B7}"/>
+              </a:ext>
+            </a:extLst>
+          </p:cNvPr>
+          <p:cNvSpPr/>
+          <p:nvPr/>
+        </p:nvSpPr>
+        <p:spPr>
+          <a:xfrm>
+            <a:off x="6735411" y="2413261"/>
+            <a:ext cx="334691" cy="461914"/>
+          </a:xfrm>
+          <a:prstGeom prst="rect">
+            <a:avLst/>
+          </a:prstGeom>
+        </p:spPr>
+        <p:style>
+          <a:lnRef idx="2">
+            <a:schemeClr val="accent1">
+              <a:shade val="50000"/>
+            </a:schemeClr>
+          </a:lnRef>
+          <a:fillRef idx="1">
+            <a:schemeClr val="accent1"/>
+          </a:fillRef>
+          <a:effectRef idx="0">
+            <a:schemeClr val="accent1"/>
+          </a:effectRef>
+          <a:fontRef idx="minor">
+            <a:schemeClr val="lt1"/>
+          </a:fontRef>
+        </p:style>
+        <p:txBody>
+          <a:bodyPr lIns="0" tIns="0" rIns="0" bIns="0" rtlCol="0" anchor="ctr"/>
+          <a:lstStyle/>
+          <a:p>
+            <a:pPr algn="ctr"/>
+            <a:r>
+              <a:rPr lang="tr-TR" sz="2400" dirty="0"/>
+              <a:t>S</a:t>
+            </a:r>
+            <a:r>
+              <a:rPr lang="tr-TR" sz="2400" baseline="-25000" dirty="0"/>
+              <a:t>8</a:t>
+            </a:r>
+            <a:endParaRPr lang="en-US" sz="2400" baseline="-25000" dirty="0"/>
+          </a:p>
+        </p:txBody>
+      </p:sp>
+      <p:sp>
+        <p:nvSpPr>
+          <p:cNvPr id="7" name="Rectangle 6">
+            <a:extLst>
+              <a:ext uri="{FF2B5EF4-FFF2-40B4-BE49-F238E27FC236}">
+                <a16:creationId xmlns:a16="http://schemas.microsoft.com/office/drawing/2014/main" id="{080863B3-75B9-6846-1D65-36CA454DCD10}"/>
+              </a:ext>
+            </a:extLst>
+          </p:cNvPr>
+          <p:cNvSpPr/>
+          <p:nvPr/>
+        </p:nvSpPr>
+        <p:spPr>
+          <a:xfrm>
+            <a:off x="7161189" y="2413261"/>
+            <a:ext cx="334691" cy="461914"/>
+          </a:xfrm>
+          <a:prstGeom prst="rect">
+            <a:avLst/>
+          </a:prstGeom>
+        </p:spPr>
+        <p:style>
+          <a:lnRef idx="2">
+            <a:schemeClr val="accent1">
+              <a:shade val="50000"/>
+            </a:schemeClr>
+          </a:lnRef>
+          <a:fillRef idx="1">
+            <a:schemeClr val="accent1"/>
+          </a:fillRef>
+          <a:effectRef idx="0">
+            <a:schemeClr val="accent1"/>
+          </a:effectRef>
+          <a:fontRef idx="minor">
+            <a:schemeClr val="lt1"/>
+          </a:fontRef>
+        </p:style>
+        <p:txBody>
+          <a:bodyPr lIns="0" tIns="0" rIns="0" bIns="0" rtlCol="0" anchor="ctr"/>
+          <a:lstStyle/>
+          <a:p>
+            <a:pPr algn="ctr"/>
+            <a:r>
+              <a:rPr lang="tr-TR" sz="2400" dirty="0"/>
+              <a:t>S</a:t>
+            </a:r>
+            <a:r>
+              <a:rPr lang="tr-TR" sz="2400" baseline="-25000" dirty="0"/>
+              <a:t>7</a:t>
+            </a:r>
+            <a:endParaRPr lang="en-US" sz="2400" baseline="-25000" dirty="0"/>
+          </a:p>
+        </p:txBody>
+      </p:sp>
+      <p:sp>
+        <p:nvSpPr>
+          <p:cNvPr id="8" name="Rectangle 7">
+            <a:extLst>
+              <a:ext uri="{FF2B5EF4-FFF2-40B4-BE49-F238E27FC236}">
+                <a16:creationId xmlns:a16="http://schemas.microsoft.com/office/drawing/2014/main" id="{8FB26CB2-B3B5-263B-D348-8F3CFA5DC699}"/>
+              </a:ext>
+            </a:extLst>
+          </p:cNvPr>
+          <p:cNvSpPr/>
+          <p:nvPr/>
+        </p:nvSpPr>
+        <p:spPr>
+          <a:xfrm>
+            <a:off x="7594821" y="2413261"/>
+            <a:ext cx="334691" cy="461914"/>
+          </a:xfrm>
+          <a:prstGeom prst="rect">
+            <a:avLst/>
+          </a:prstGeom>
+        </p:spPr>
+        <p:style>
+          <a:lnRef idx="2">
+            <a:schemeClr val="accent1">
+              <a:shade val="50000"/>
+            </a:schemeClr>
+          </a:lnRef>
+          <a:fillRef idx="1">
+            <a:schemeClr val="accent1"/>
+          </a:fillRef>
+          <a:effectRef idx="0">
+            <a:schemeClr val="accent1"/>
+          </a:effectRef>
+          <a:fontRef idx="minor">
+            <a:schemeClr val="lt1"/>
+          </a:fontRef>
+        </p:style>
+        <p:txBody>
+          <a:bodyPr lIns="0" tIns="0" rIns="0" bIns="0" rtlCol="0" anchor="ctr"/>
+          <a:lstStyle/>
+          <a:p>
+            <a:pPr algn="ctr"/>
+            <a:r>
+              <a:rPr lang="tr-TR" sz="2400" dirty="0"/>
+              <a:t>S</a:t>
+            </a:r>
+            <a:r>
+              <a:rPr lang="tr-TR" sz="2400" baseline="-25000" dirty="0"/>
+              <a:t>6</a:t>
+            </a:r>
+            <a:endParaRPr lang="en-US" sz="2400" baseline="-25000" dirty="0"/>
+          </a:p>
+        </p:txBody>
+      </p:sp>
+      <p:sp>
+        <p:nvSpPr>
+          <p:cNvPr id="9" name="Rectangle 8">
+            <a:extLst>
+              <a:ext uri="{FF2B5EF4-FFF2-40B4-BE49-F238E27FC236}">
+                <a16:creationId xmlns:a16="http://schemas.microsoft.com/office/drawing/2014/main" id="{8F9CEF9C-943D-D662-DEA8-DC79135802F9}"/>
+              </a:ext>
+            </a:extLst>
+          </p:cNvPr>
+          <p:cNvSpPr/>
+          <p:nvPr/>
+        </p:nvSpPr>
+        <p:spPr>
+          <a:xfrm>
+            <a:off x="8020599" y="2413261"/>
+            <a:ext cx="334691" cy="461914"/>
+          </a:xfrm>
+          <a:prstGeom prst="rect">
+            <a:avLst/>
+          </a:prstGeom>
+        </p:spPr>
+        <p:style>
+          <a:lnRef idx="2">
+            <a:schemeClr val="accent1">
+              <a:shade val="50000"/>
+            </a:schemeClr>
+          </a:lnRef>
+          <a:fillRef idx="1">
+            <a:schemeClr val="accent1"/>
+          </a:fillRef>
+          <a:effectRef idx="0">
+            <a:schemeClr val="accent1"/>
+          </a:effectRef>
+          <a:fontRef idx="minor">
+            <a:schemeClr val="lt1"/>
+          </a:fontRef>
+        </p:style>
+        <p:txBody>
+          <a:bodyPr lIns="0" tIns="0" rIns="0" bIns="0" rtlCol="0" anchor="ctr"/>
+          <a:lstStyle/>
+          <a:p>
+            <a:pPr algn="ctr"/>
+            <a:r>
+              <a:rPr lang="tr-TR" sz="2400" dirty="0"/>
+              <a:t>S</a:t>
+            </a:r>
+            <a:r>
+              <a:rPr lang="tr-TR" sz="2400" baseline="-25000" dirty="0"/>
+              <a:t>5</a:t>
+            </a:r>
+            <a:endParaRPr lang="en-US" sz="2400" baseline="-25000" dirty="0"/>
+          </a:p>
+        </p:txBody>
+      </p:sp>
+      <p:sp>
+        <p:nvSpPr>
+          <p:cNvPr id="10" name="Rectangle 9">
+            <a:extLst>
+              <a:ext uri="{FF2B5EF4-FFF2-40B4-BE49-F238E27FC236}">
+                <a16:creationId xmlns:a16="http://schemas.microsoft.com/office/drawing/2014/main" id="{208F4610-ED08-B87C-B13C-F634AF4CE6B1}"/>
+              </a:ext>
+            </a:extLst>
+          </p:cNvPr>
+          <p:cNvSpPr/>
+          <p:nvPr/>
+        </p:nvSpPr>
+        <p:spPr>
+          <a:xfrm>
+            <a:off x="8446377" y="2413261"/>
+            <a:ext cx="334691" cy="461914"/>
+          </a:xfrm>
+          <a:prstGeom prst="rect">
+            <a:avLst/>
+          </a:prstGeom>
+        </p:spPr>
+        <p:style>
+          <a:lnRef idx="2">
+            <a:schemeClr val="accent1">
+              <a:shade val="50000"/>
+            </a:schemeClr>
+          </a:lnRef>
+          <a:fillRef idx="1">
+            <a:schemeClr val="accent1"/>
+          </a:fillRef>
+          <a:effectRef idx="0">
+            <a:schemeClr val="accent1"/>
+          </a:effectRef>
+          <a:fontRef idx="minor">
+            <a:schemeClr val="lt1"/>
+          </a:fontRef>
+        </p:style>
+        <p:txBody>
+          <a:bodyPr lIns="0" tIns="0" rIns="0" bIns="0" rtlCol="0" anchor="ctr"/>
+          <a:lstStyle/>
+          <a:p>
+            <a:pPr algn="ctr"/>
+            <a:r>
+              <a:rPr lang="tr-TR" sz="2400" dirty="0"/>
+              <a:t>S</a:t>
+            </a:r>
+            <a:r>
+              <a:rPr lang="tr-TR" sz="2400" baseline="-25000" dirty="0"/>
+              <a:t>4</a:t>
+            </a:r>
+            <a:endParaRPr lang="en-US" sz="2400" baseline="-25000" dirty="0"/>
+          </a:p>
+        </p:txBody>
+      </p:sp>
+      <p:sp>
+        <p:nvSpPr>
+          <p:cNvPr id="11" name="Rectangle 10">
+            <a:extLst>
+              <a:ext uri="{FF2B5EF4-FFF2-40B4-BE49-F238E27FC236}">
+                <a16:creationId xmlns:a16="http://schemas.microsoft.com/office/drawing/2014/main" id="{B99B0BC9-6F85-804F-DB5F-2B5DEB493D37}"/>
+              </a:ext>
+            </a:extLst>
+          </p:cNvPr>
+          <p:cNvSpPr/>
+          <p:nvPr/>
+        </p:nvSpPr>
+        <p:spPr>
+          <a:xfrm>
+            <a:off x="8872155" y="2413261"/>
+            <a:ext cx="334691" cy="461914"/>
+          </a:xfrm>
+          <a:prstGeom prst="rect">
+            <a:avLst/>
+          </a:prstGeom>
+        </p:spPr>
+        <p:style>
+          <a:lnRef idx="2">
+            <a:schemeClr val="accent1">
+              <a:shade val="50000"/>
+            </a:schemeClr>
+          </a:lnRef>
+          <a:fillRef idx="1">
+            <a:schemeClr val="accent1"/>
+          </a:fillRef>
+          <a:effectRef idx="0">
+            <a:schemeClr val="accent1"/>
+          </a:effectRef>
+          <a:fontRef idx="minor">
+            <a:schemeClr val="lt1"/>
+          </a:fontRef>
+        </p:style>
+        <p:txBody>
+          <a:bodyPr lIns="0" tIns="0" rIns="0" bIns="0" rtlCol="0" anchor="ctr"/>
+          <a:lstStyle/>
+          <a:p>
+            <a:pPr algn="ctr"/>
+            <a:r>
+              <a:rPr lang="tr-TR" sz="2400" dirty="0"/>
+              <a:t>S</a:t>
+            </a:r>
+            <a:r>
+              <a:rPr lang="tr-TR" sz="2400" baseline="-25000" dirty="0"/>
+              <a:t>3</a:t>
+            </a:r>
+            <a:endParaRPr lang="en-US" sz="2400" baseline="-25000" dirty="0"/>
+          </a:p>
+        </p:txBody>
+      </p:sp>
+      <p:sp>
+        <p:nvSpPr>
+          <p:cNvPr id="12" name="Rectangle 11">
+            <a:extLst>
+              <a:ext uri="{FF2B5EF4-FFF2-40B4-BE49-F238E27FC236}">
+                <a16:creationId xmlns:a16="http://schemas.microsoft.com/office/drawing/2014/main" id="{C2CEDA4D-4377-F966-F1AA-56FE9F69A06E}"/>
+              </a:ext>
+            </a:extLst>
+          </p:cNvPr>
+          <p:cNvSpPr/>
+          <p:nvPr/>
+        </p:nvSpPr>
+        <p:spPr>
+          <a:xfrm>
+            <a:off x="9305787" y="2413261"/>
+            <a:ext cx="334691" cy="461914"/>
+          </a:xfrm>
+          <a:prstGeom prst="rect">
+            <a:avLst/>
+          </a:prstGeom>
+        </p:spPr>
+        <p:style>
+          <a:lnRef idx="2">
+            <a:schemeClr val="accent1">
+              <a:shade val="50000"/>
+            </a:schemeClr>
+          </a:lnRef>
+          <a:fillRef idx="1">
+            <a:schemeClr val="accent1"/>
+          </a:fillRef>
+          <a:effectRef idx="0">
+            <a:schemeClr val="accent1"/>
+          </a:effectRef>
+          <a:fontRef idx="minor">
+            <a:schemeClr val="lt1"/>
+          </a:fontRef>
+        </p:style>
+        <p:txBody>
+          <a:bodyPr lIns="0" tIns="0" rIns="0" bIns="0" rtlCol="0" anchor="ctr"/>
+          <a:lstStyle/>
+          <a:p>
+            <a:pPr algn="ctr"/>
+            <a:r>
+              <a:rPr lang="tr-TR" sz="2400" dirty="0"/>
+              <a:t>S</a:t>
+            </a:r>
+            <a:r>
+              <a:rPr lang="tr-TR" sz="2400" baseline="-25000" dirty="0"/>
+              <a:t>2</a:t>
+            </a:r>
+            <a:endParaRPr lang="en-US" sz="2400" baseline="-25000" dirty="0"/>
+          </a:p>
+        </p:txBody>
+      </p:sp>
+      <p:sp>
+        <p:nvSpPr>
+          <p:cNvPr id="13" name="Rectangle 12">
+            <a:extLst>
+              <a:ext uri="{FF2B5EF4-FFF2-40B4-BE49-F238E27FC236}">
+                <a16:creationId xmlns:a16="http://schemas.microsoft.com/office/drawing/2014/main" id="{2E2A3445-63AB-1B1F-E8D8-2AC478A02886}"/>
+              </a:ext>
+            </a:extLst>
+          </p:cNvPr>
+          <p:cNvSpPr/>
+          <p:nvPr/>
+        </p:nvSpPr>
+        <p:spPr>
+          <a:xfrm>
+            <a:off x="9731565" y="2413261"/>
+            <a:ext cx="334691" cy="461914"/>
+          </a:xfrm>
+          <a:prstGeom prst="rect">
+            <a:avLst/>
+          </a:prstGeom>
+        </p:spPr>
+        <p:style>
+          <a:lnRef idx="2">
+            <a:schemeClr val="accent1">
+              <a:shade val="50000"/>
+            </a:schemeClr>
+          </a:lnRef>
+          <a:fillRef idx="1">
+            <a:schemeClr val="accent1"/>
+          </a:fillRef>
+          <a:effectRef idx="0">
+            <a:schemeClr val="accent1"/>
+          </a:effectRef>
+          <a:fontRef idx="minor">
+            <a:schemeClr val="lt1"/>
+          </a:fontRef>
+        </p:style>
+        <p:txBody>
+          <a:bodyPr lIns="0" tIns="0" rIns="0" bIns="0" rtlCol="0" anchor="ctr"/>
+          <a:lstStyle/>
+          <a:p>
+            <a:pPr algn="ctr"/>
+            <a:r>
+              <a:rPr lang="tr-TR" sz="2400" dirty="0"/>
+              <a:t>S</a:t>
+            </a:r>
+            <a:r>
+              <a:rPr lang="tr-TR" sz="2400" baseline="-25000" dirty="0"/>
+              <a:t>1</a:t>
+            </a:r>
+            <a:endParaRPr lang="en-US" sz="2400" baseline="-25000" dirty="0"/>
+          </a:p>
+        </p:txBody>
+      </p:sp>
+      <p:sp>
+        <p:nvSpPr>
+          <p:cNvPr id="21" name="Rectangle 20">
+            <a:extLst>
+              <a:ext uri="{FF2B5EF4-FFF2-40B4-BE49-F238E27FC236}">
+                <a16:creationId xmlns:a16="http://schemas.microsoft.com/office/drawing/2014/main" id="{13C905F6-3206-EABE-1B5C-FDC278BA0FEA}"/>
+              </a:ext>
+            </a:extLst>
+          </p:cNvPr>
+          <p:cNvSpPr/>
+          <p:nvPr/>
+        </p:nvSpPr>
+        <p:spPr>
+          <a:xfrm>
+            <a:off x="1495758" y="2413261"/>
+            <a:ext cx="334691" cy="461914"/>
+          </a:xfrm>
+          <a:prstGeom prst="rect">
+            <a:avLst/>
+          </a:prstGeom>
+        </p:spPr>
+        <p:style>
+          <a:lnRef idx="2">
+            <a:schemeClr val="accent6">
+              <a:shade val="50000"/>
+            </a:schemeClr>
+          </a:lnRef>
+          <a:fillRef idx="1">
+            <a:schemeClr val="accent6"/>
+          </a:fillRef>
+          <a:effectRef idx="0">
+            <a:schemeClr val="accent6"/>
+          </a:effectRef>
+          <a:fontRef idx="minor">
+            <a:schemeClr val="lt1"/>
+          </a:fontRef>
+        </p:style>
+        <p:txBody>
+          <a:bodyPr lIns="0" tIns="0" rIns="0" bIns="0" rtlCol="0" anchor="ctr"/>
+          <a:lstStyle/>
+          <a:p>
+            <a:pPr algn="ctr"/>
+            <a:r>
+              <a:rPr lang="tr-TR" sz="2400" dirty="0"/>
+              <a:t>S</a:t>
+            </a:r>
+            <a:r>
+              <a:rPr lang="tr-TR" sz="2400" baseline="-25000" dirty="0"/>
+              <a:t>8</a:t>
+            </a:r>
+            <a:endParaRPr lang="en-US" sz="2400" baseline="-25000" dirty="0"/>
+          </a:p>
+        </p:txBody>
+      </p:sp>
+      <p:sp>
+        <p:nvSpPr>
+          <p:cNvPr id="22" name="Rectangle 21">
+            <a:extLst>
+              <a:ext uri="{FF2B5EF4-FFF2-40B4-BE49-F238E27FC236}">
+                <a16:creationId xmlns:a16="http://schemas.microsoft.com/office/drawing/2014/main" id="{0C0DBF36-8DD0-A03D-CBF5-433C383E0220}"/>
+              </a:ext>
+            </a:extLst>
+          </p:cNvPr>
+          <p:cNvSpPr/>
+          <p:nvPr/>
+        </p:nvSpPr>
+        <p:spPr>
+          <a:xfrm>
+            <a:off x="1921536" y="2413261"/>
+            <a:ext cx="334691" cy="461914"/>
+          </a:xfrm>
+          <a:prstGeom prst="rect">
+            <a:avLst/>
+          </a:prstGeom>
+        </p:spPr>
+        <p:style>
+          <a:lnRef idx="2">
+            <a:schemeClr val="accent6">
+              <a:shade val="50000"/>
+            </a:schemeClr>
+          </a:lnRef>
+          <a:fillRef idx="1">
+            <a:schemeClr val="accent6"/>
+          </a:fillRef>
+          <a:effectRef idx="0">
+            <a:schemeClr val="accent6"/>
+          </a:effectRef>
+          <a:fontRef idx="minor">
+            <a:schemeClr val="lt1"/>
+          </a:fontRef>
+        </p:style>
+        <p:txBody>
+          <a:bodyPr lIns="0" tIns="0" rIns="0" bIns="0" rtlCol="0" anchor="ctr"/>
+          <a:lstStyle/>
+          <a:p>
+            <a:pPr algn="ctr"/>
+            <a:r>
+              <a:rPr lang="tr-TR" sz="2400" dirty="0"/>
+              <a:t>S</a:t>
+            </a:r>
+            <a:r>
+              <a:rPr lang="tr-TR" sz="2400" baseline="-25000" dirty="0"/>
+              <a:t>7</a:t>
+            </a:r>
+            <a:endParaRPr lang="en-US" sz="2400" baseline="-25000" dirty="0"/>
+          </a:p>
+        </p:txBody>
+      </p:sp>
+      <p:sp>
+        <p:nvSpPr>
+          <p:cNvPr id="23" name="Rectangle 22">
+            <a:extLst>
+              <a:ext uri="{FF2B5EF4-FFF2-40B4-BE49-F238E27FC236}">
+                <a16:creationId xmlns:a16="http://schemas.microsoft.com/office/drawing/2014/main" id="{C1BE6FBC-2CEC-ED50-C006-5D1DCA0F9B45}"/>
+              </a:ext>
+            </a:extLst>
+          </p:cNvPr>
+          <p:cNvSpPr/>
+          <p:nvPr/>
+        </p:nvSpPr>
+        <p:spPr>
+          <a:xfrm>
+            <a:off x="2355168" y="2413261"/>
+            <a:ext cx="334691" cy="461914"/>
+          </a:xfrm>
+          <a:prstGeom prst="rect">
+            <a:avLst/>
+          </a:prstGeom>
+        </p:spPr>
+        <p:style>
+          <a:lnRef idx="2">
+            <a:schemeClr val="accent6">
+              <a:shade val="50000"/>
+            </a:schemeClr>
+          </a:lnRef>
+          <a:fillRef idx="1">
+            <a:schemeClr val="accent6"/>
+          </a:fillRef>
+          <a:effectRef idx="0">
+            <a:schemeClr val="accent6"/>
+          </a:effectRef>
+          <a:fontRef idx="minor">
+            <a:schemeClr val="lt1"/>
+          </a:fontRef>
+        </p:style>
+        <p:txBody>
+          <a:bodyPr lIns="0" tIns="0" rIns="0" bIns="0" rtlCol="0" anchor="ctr"/>
+          <a:lstStyle/>
+          <a:p>
+            <a:pPr algn="ctr"/>
+            <a:r>
+              <a:rPr lang="tr-TR" sz="2400" dirty="0"/>
+              <a:t>S</a:t>
+            </a:r>
+            <a:r>
+              <a:rPr lang="tr-TR" sz="2400" baseline="-25000" dirty="0"/>
+              <a:t>6</a:t>
+            </a:r>
+            <a:endParaRPr lang="en-US" sz="2400" baseline="-25000" dirty="0"/>
+          </a:p>
+        </p:txBody>
+      </p:sp>
+      <p:sp>
+        <p:nvSpPr>
+          <p:cNvPr id="24" name="Rectangle 23">
+            <a:extLst>
+              <a:ext uri="{FF2B5EF4-FFF2-40B4-BE49-F238E27FC236}">
+                <a16:creationId xmlns:a16="http://schemas.microsoft.com/office/drawing/2014/main" id="{71827F5F-D028-628F-3D43-35662355E4EE}"/>
+              </a:ext>
+            </a:extLst>
+          </p:cNvPr>
+          <p:cNvSpPr/>
+          <p:nvPr/>
+        </p:nvSpPr>
+        <p:spPr>
+          <a:xfrm>
+            <a:off x="2780946" y="2413261"/>
+            <a:ext cx="334691" cy="461914"/>
+          </a:xfrm>
+          <a:prstGeom prst="rect">
+            <a:avLst/>
+          </a:prstGeom>
+        </p:spPr>
+        <p:style>
+          <a:lnRef idx="2">
+            <a:schemeClr val="accent6">
+              <a:shade val="50000"/>
+            </a:schemeClr>
+          </a:lnRef>
+          <a:fillRef idx="1">
+            <a:schemeClr val="accent6"/>
+          </a:fillRef>
+          <a:effectRef idx="0">
+            <a:schemeClr val="accent6"/>
+          </a:effectRef>
+          <a:fontRef idx="minor">
+            <a:schemeClr val="lt1"/>
+          </a:fontRef>
+        </p:style>
+        <p:txBody>
+          <a:bodyPr lIns="0" tIns="0" rIns="0" bIns="0" rtlCol="0" anchor="ctr"/>
+          <a:lstStyle/>
+          <a:p>
+            <a:pPr algn="ctr"/>
+            <a:r>
+              <a:rPr lang="tr-TR" sz="2400" dirty="0"/>
+              <a:t>S</a:t>
+            </a:r>
+            <a:r>
+              <a:rPr lang="tr-TR" sz="2400" baseline="-25000" dirty="0"/>
+              <a:t>5</a:t>
+            </a:r>
+            <a:endParaRPr lang="en-US" sz="2400" baseline="-25000" dirty="0"/>
+          </a:p>
+        </p:txBody>
+      </p:sp>
+      <p:sp>
+        <p:nvSpPr>
+          <p:cNvPr id="25" name="Rectangle 24">
+            <a:extLst>
+              <a:ext uri="{FF2B5EF4-FFF2-40B4-BE49-F238E27FC236}">
+                <a16:creationId xmlns:a16="http://schemas.microsoft.com/office/drawing/2014/main" id="{E32D6099-FA6C-E845-668B-44EB35FE3D49}"/>
+              </a:ext>
+            </a:extLst>
+          </p:cNvPr>
+          <p:cNvSpPr/>
+          <p:nvPr/>
+        </p:nvSpPr>
+        <p:spPr>
+          <a:xfrm>
+            <a:off x="3206724" y="2413261"/>
+            <a:ext cx="334691" cy="461914"/>
+          </a:xfrm>
+          <a:prstGeom prst="rect">
+            <a:avLst/>
+          </a:prstGeom>
+        </p:spPr>
+        <p:style>
+          <a:lnRef idx="2">
+            <a:schemeClr val="accent6">
+              <a:shade val="50000"/>
+            </a:schemeClr>
+          </a:lnRef>
+          <a:fillRef idx="1">
+            <a:schemeClr val="accent6"/>
+          </a:fillRef>
+          <a:effectRef idx="0">
+            <a:schemeClr val="accent6"/>
+          </a:effectRef>
+          <a:fontRef idx="minor">
+            <a:schemeClr val="lt1"/>
+          </a:fontRef>
+        </p:style>
+        <p:txBody>
+          <a:bodyPr lIns="0" tIns="0" rIns="0" bIns="0" rtlCol="0" anchor="ctr"/>
+          <a:lstStyle/>
+          <a:p>
+            <a:pPr algn="ctr"/>
+            <a:r>
+              <a:rPr lang="tr-TR" sz="2400" dirty="0"/>
+              <a:t>S</a:t>
+            </a:r>
+            <a:r>
+              <a:rPr lang="tr-TR" sz="2400" baseline="-25000" dirty="0"/>
+              <a:t>4</a:t>
+            </a:r>
+            <a:endParaRPr lang="en-US" sz="2400" baseline="-25000" dirty="0"/>
+          </a:p>
+        </p:txBody>
+      </p:sp>
+      <p:sp>
+        <p:nvSpPr>
+          <p:cNvPr id="26" name="Rectangle 25">
+            <a:extLst>
+              <a:ext uri="{FF2B5EF4-FFF2-40B4-BE49-F238E27FC236}">
+                <a16:creationId xmlns:a16="http://schemas.microsoft.com/office/drawing/2014/main" id="{84A84157-55DC-8635-9830-43611AC7FBDF}"/>
+              </a:ext>
+            </a:extLst>
+          </p:cNvPr>
+          <p:cNvSpPr/>
+          <p:nvPr/>
+        </p:nvSpPr>
+        <p:spPr>
+          <a:xfrm>
+            <a:off x="3632502" y="2413261"/>
+            <a:ext cx="334691" cy="461914"/>
+          </a:xfrm>
+          <a:prstGeom prst="rect">
+            <a:avLst/>
+          </a:prstGeom>
+        </p:spPr>
+        <p:style>
+          <a:lnRef idx="2">
+            <a:schemeClr val="accent6">
+              <a:shade val="50000"/>
+            </a:schemeClr>
+          </a:lnRef>
+          <a:fillRef idx="1">
+            <a:schemeClr val="accent6"/>
+          </a:fillRef>
+          <a:effectRef idx="0">
+            <a:schemeClr val="accent6"/>
+          </a:effectRef>
+          <a:fontRef idx="minor">
+            <a:schemeClr val="lt1"/>
+          </a:fontRef>
+        </p:style>
+        <p:txBody>
+          <a:bodyPr lIns="0" tIns="0" rIns="0" bIns="0" rtlCol="0" anchor="ctr"/>
+          <a:lstStyle/>
+          <a:p>
+            <a:pPr algn="ctr"/>
+            <a:r>
+              <a:rPr lang="tr-TR" sz="2400" dirty="0"/>
+              <a:t>S</a:t>
+            </a:r>
+            <a:r>
+              <a:rPr lang="tr-TR" sz="2400" baseline="-25000" dirty="0"/>
+              <a:t>3</a:t>
+            </a:r>
+            <a:endParaRPr lang="en-US" sz="2400" baseline="-25000" dirty="0"/>
+          </a:p>
+        </p:txBody>
+      </p:sp>
+      <p:sp>
+        <p:nvSpPr>
+          <p:cNvPr id="27" name="Rectangle 26">
+            <a:extLst>
+              <a:ext uri="{FF2B5EF4-FFF2-40B4-BE49-F238E27FC236}">
+                <a16:creationId xmlns:a16="http://schemas.microsoft.com/office/drawing/2014/main" id="{F86A895B-152E-7552-812F-E69D7BF1FFE3}"/>
+              </a:ext>
+            </a:extLst>
+          </p:cNvPr>
+          <p:cNvSpPr/>
+          <p:nvPr/>
+        </p:nvSpPr>
+        <p:spPr>
+          <a:xfrm>
+            <a:off x="4066134" y="2413261"/>
+            <a:ext cx="334691" cy="461914"/>
+          </a:xfrm>
+          <a:prstGeom prst="rect">
+            <a:avLst/>
+          </a:prstGeom>
+        </p:spPr>
+        <p:style>
+          <a:lnRef idx="2">
+            <a:schemeClr val="accent6">
+              <a:shade val="50000"/>
+            </a:schemeClr>
+          </a:lnRef>
+          <a:fillRef idx="1">
+            <a:schemeClr val="accent6"/>
+          </a:fillRef>
+          <a:effectRef idx="0">
+            <a:schemeClr val="accent6"/>
+          </a:effectRef>
+          <a:fontRef idx="minor">
+            <a:schemeClr val="lt1"/>
+          </a:fontRef>
+        </p:style>
+        <p:txBody>
+          <a:bodyPr lIns="0" tIns="0" rIns="0" bIns="0" rtlCol="0" anchor="ctr"/>
+          <a:lstStyle/>
+          <a:p>
+            <a:pPr algn="ctr"/>
+            <a:r>
+              <a:rPr lang="tr-TR" sz="2400" dirty="0"/>
+              <a:t>S</a:t>
+            </a:r>
+            <a:r>
+              <a:rPr lang="tr-TR" sz="2400" baseline="-25000" dirty="0"/>
+              <a:t>2</a:t>
+            </a:r>
+            <a:endParaRPr lang="en-US" sz="2400" baseline="-25000" dirty="0"/>
+          </a:p>
+        </p:txBody>
+      </p:sp>
+      <p:sp>
+        <p:nvSpPr>
+          <p:cNvPr id="28" name="Rectangle 27">
+            <a:extLst>
+              <a:ext uri="{FF2B5EF4-FFF2-40B4-BE49-F238E27FC236}">
+                <a16:creationId xmlns:a16="http://schemas.microsoft.com/office/drawing/2014/main" id="{86E2FE1B-F3EF-4FD3-3BE1-159779DCD0AD}"/>
+              </a:ext>
+            </a:extLst>
+          </p:cNvPr>
+          <p:cNvSpPr/>
+          <p:nvPr/>
+        </p:nvSpPr>
+        <p:spPr>
+          <a:xfrm>
+            <a:off x="4491912" y="2413261"/>
+            <a:ext cx="334691" cy="461914"/>
+          </a:xfrm>
+          <a:prstGeom prst="rect">
+            <a:avLst/>
+          </a:prstGeom>
+        </p:spPr>
+        <p:style>
+          <a:lnRef idx="2">
+            <a:schemeClr val="accent6">
+              <a:shade val="50000"/>
+            </a:schemeClr>
+          </a:lnRef>
+          <a:fillRef idx="1">
+            <a:schemeClr val="accent6"/>
+          </a:fillRef>
+          <a:effectRef idx="0">
+            <a:schemeClr val="accent6"/>
+          </a:effectRef>
+          <a:fontRef idx="minor">
+            <a:schemeClr val="lt1"/>
+          </a:fontRef>
+        </p:style>
+        <p:txBody>
+          <a:bodyPr lIns="0" tIns="0" rIns="0" bIns="0" rtlCol="0" anchor="ctr"/>
+          <a:lstStyle/>
+          <a:p>
+            <a:pPr algn="ctr"/>
+            <a:r>
+              <a:rPr lang="tr-TR" sz="2400" dirty="0"/>
+              <a:t>S</a:t>
+            </a:r>
+            <a:r>
+              <a:rPr lang="tr-TR" sz="2400" baseline="-25000" dirty="0"/>
+              <a:t>1</a:t>
+            </a:r>
+            <a:endParaRPr lang="en-US" sz="2400" baseline="-25000" dirty="0"/>
+          </a:p>
+        </p:txBody>
+      </p:sp>
+      <p:sp>
+        <p:nvSpPr>
+          <p:cNvPr id="29" name="Rectangle 28">
+            <a:extLst>
+              <a:ext uri="{FF2B5EF4-FFF2-40B4-BE49-F238E27FC236}">
+                <a16:creationId xmlns:a16="http://schemas.microsoft.com/office/drawing/2014/main" id="{2288CE6E-E62F-B645-EFE2-069821227994}"/>
+              </a:ext>
+            </a:extLst>
+          </p:cNvPr>
+          <p:cNvSpPr/>
+          <p:nvPr/>
+        </p:nvSpPr>
+        <p:spPr>
+          <a:xfrm>
+            <a:off x="8628788" y="4694552"/>
+            <a:ext cx="446201" cy="575034"/>
+          </a:xfrm>
+          <a:prstGeom prst="rect">
+            <a:avLst/>
+          </a:prstGeom>
+          <a:noFill/>
+          <a:ln w="25400">
+            <a:solidFill>
+              <a:srgbClr val="FF0000"/>
+            </a:solidFill>
+          </a:ln>
+        </p:spPr>
+        <p:style>
+          <a:lnRef idx="2">
+            <a:schemeClr val="accent6">
+              <a:shade val="50000"/>
+            </a:schemeClr>
+          </a:lnRef>
+          <a:fillRef idx="1">
+            <a:schemeClr val="accent6"/>
+          </a:fillRef>
+          <a:effectRef idx="0">
+            <a:schemeClr val="accent6"/>
+          </a:effectRef>
+          <a:fontRef idx="minor">
+            <a:schemeClr val="lt1"/>
+          </a:fontRef>
+        </p:style>
+        <p:txBody>
+          <a:bodyPr rtlCol="0" anchor="ctr"/>
+          <a:lstStyle/>
+          <a:p>
+            <a:pPr algn="ctr"/>
+            <a:endParaRPr lang="en-US"/>
+          </a:p>
+        </p:txBody>
+      </p:sp>
+      <p:sp>
+        <p:nvSpPr>
+          <p:cNvPr id="30" name="Rectangle 29">
+            <a:extLst>
+              <a:ext uri="{FF2B5EF4-FFF2-40B4-BE49-F238E27FC236}">
+                <a16:creationId xmlns:a16="http://schemas.microsoft.com/office/drawing/2014/main" id="{6C5FE589-2821-BD96-96AD-848CBA033484}"/>
+              </a:ext>
+            </a:extLst>
+          </p:cNvPr>
+          <p:cNvSpPr/>
+          <p:nvPr/>
+        </p:nvSpPr>
+        <p:spPr>
+          <a:xfrm>
+            <a:off x="5686013" y="4751110"/>
+            <a:ext cx="334691" cy="461914"/>
+          </a:xfrm>
+          <a:prstGeom prst="rect">
+            <a:avLst/>
+          </a:prstGeom>
+        </p:spPr>
+        <p:style>
+          <a:lnRef idx="2">
+            <a:schemeClr val="accent1">
+              <a:shade val="50000"/>
+            </a:schemeClr>
+          </a:lnRef>
+          <a:fillRef idx="1">
+            <a:schemeClr val="accent1"/>
+          </a:fillRef>
+          <a:effectRef idx="0">
+            <a:schemeClr val="accent1"/>
+          </a:effectRef>
+          <a:fontRef idx="minor">
+            <a:schemeClr val="lt1"/>
+          </a:fontRef>
+        </p:style>
+        <p:txBody>
+          <a:bodyPr lIns="0" tIns="0" rIns="0" bIns="0" rtlCol="0" anchor="ctr"/>
+          <a:lstStyle/>
+          <a:p>
+            <a:pPr algn="ctr"/>
+            <a:r>
+              <a:rPr lang="tr-TR" sz="2400" dirty="0"/>
+              <a:t>S</a:t>
+            </a:r>
+            <a:r>
+              <a:rPr lang="tr-TR" sz="2400" baseline="-25000" dirty="0"/>
+              <a:t>8</a:t>
+            </a:r>
+            <a:endParaRPr lang="en-US" sz="2400" baseline="-25000" dirty="0"/>
+          </a:p>
+        </p:txBody>
+      </p:sp>
+      <p:sp>
+        <p:nvSpPr>
+          <p:cNvPr id="31" name="Rectangle 30">
+            <a:extLst>
+              <a:ext uri="{FF2B5EF4-FFF2-40B4-BE49-F238E27FC236}">
+                <a16:creationId xmlns:a16="http://schemas.microsoft.com/office/drawing/2014/main" id="{388932C5-98CA-696F-1F2C-72EA153126CD}"/>
+              </a:ext>
+            </a:extLst>
+          </p:cNvPr>
+          <p:cNvSpPr/>
+          <p:nvPr/>
+        </p:nvSpPr>
+        <p:spPr>
+          <a:xfrm>
+            <a:off x="6111791" y="4751110"/>
+            <a:ext cx="334691" cy="461914"/>
+          </a:xfrm>
+          <a:prstGeom prst="rect">
+            <a:avLst/>
+          </a:prstGeom>
+        </p:spPr>
+        <p:style>
+          <a:lnRef idx="2">
+            <a:schemeClr val="accent1">
+              <a:shade val="50000"/>
+            </a:schemeClr>
+          </a:lnRef>
+          <a:fillRef idx="1">
+            <a:schemeClr val="accent1"/>
+          </a:fillRef>
+          <a:effectRef idx="0">
+            <a:schemeClr val="accent1"/>
+          </a:effectRef>
+          <a:fontRef idx="minor">
+            <a:schemeClr val="lt1"/>
+          </a:fontRef>
+        </p:style>
+        <p:txBody>
+          <a:bodyPr lIns="0" tIns="0" rIns="0" bIns="0" rtlCol="0" anchor="ctr"/>
+          <a:lstStyle/>
+          <a:p>
+            <a:pPr algn="ctr"/>
+            <a:r>
+              <a:rPr lang="tr-TR" sz="2400" dirty="0"/>
+              <a:t>S</a:t>
+            </a:r>
+            <a:r>
+              <a:rPr lang="tr-TR" sz="2400" baseline="-25000" dirty="0"/>
+              <a:t>7</a:t>
+            </a:r>
+            <a:endParaRPr lang="en-US" sz="2400" baseline="-25000" dirty="0"/>
+          </a:p>
+        </p:txBody>
+      </p:sp>
+      <p:sp>
+        <p:nvSpPr>
+          <p:cNvPr id="32" name="Rectangle 31">
+            <a:extLst>
+              <a:ext uri="{FF2B5EF4-FFF2-40B4-BE49-F238E27FC236}">
+                <a16:creationId xmlns:a16="http://schemas.microsoft.com/office/drawing/2014/main" id="{7F42E894-83B8-EEE9-800E-CB4203AD8890}"/>
+              </a:ext>
+            </a:extLst>
+          </p:cNvPr>
+          <p:cNvSpPr/>
+          <p:nvPr/>
+        </p:nvSpPr>
+        <p:spPr>
+          <a:xfrm>
+            <a:off x="6545423" y="4751110"/>
+            <a:ext cx="334691" cy="461914"/>
+          </a:xfrm>
+          <a:prstGeom prst="rect">
+            <a:avLst/>
+          </a:prstGeom>
+        </p:spPr>
+        <p:style>
+          <a:lnRef idx="2">
+            <a:schemeClr val="accent1">
+              <a:shade val="50000"/>
+            </a:schemeClr>
+          </a:lnRef>
+          <a:fillRef idx="1">
+            <a:schemeClr val="accent1"/>
+          </a:fillRef>
+          <a:effectRef idx="0">
+            <a:schemeClr val="accent1"/>
+          </a:effectRef>
+          <a:fontRef idx="minor">
+            <a:schemeClr val="lt1"/>
+          </a:fontRef>
+        </p:style>
+        <p:txBody>
+          <a:bodyPr lIns="0" tIns="0" rIns="0" bIns="0" rtlCol="0" anchor="ctr"/>
+          <a:lstStyle/>
+          <a:p>
+            <a:pPr algn="ctr"/>
+            <a:r>
+              <a:rPr lang="tr-TR" sz="2400" dirty="0"/>
+              <a:t>S</a:t>
+            </a:r>
+            <a:r>
+              <a:rPr lang="tr-TR" sz="2400" baseline="-25000" dirty="0"/>
+              <a:t>6</a:t>
+            </a:r>
+            <a:endParaRPr lang="en-US" sz="2400" baseline="-25000" dirty="0"/>
+          </a:p>
+        </p:txBody>
+      </p:sp>
+      <p:sp>
+        <p:nvSpPr>
+          <p:cNvPr id="33" name="Rectangle 32">
+            <a:extLst>
+              <a:ext uri="{FF2B5EF4-FFF2-40B4-BE49-F238E27FC236}">
+                <a16:creationId xmlns:a16="http://schemas.microsoft.com/office/drawing/2014/main" id="{8CFDAD02-0263-38A7-8BCD-B21B5BFEB91B}"/>
+              </a:ext>
+            </a:extLst>
+          </p:cNvPr>
+          <p:cNvSpPr/>
+          <p:nvPr/>
+        </p:nvSpPr>
+        <p:spPr>
+          <a:xfrm>
+            <a:off x="6971201" y="4751110"/>
+            <a:ext cx="334691" cy="461914"/>
+          </a:xfrm>
+          <a:prstGeom prst="rect">
+            <a:avLst/>
+          </a:prstGeom>
+        </p:spPr>
+        <p:style>
+          <a:lnRef idx="2">
+            <a:schemeClr val="accent1">
+              <a:shade val="50000"/>
+            </a:schemeClr>
+          </a:lnRef>
+          <a:fillRef idx="1">
+            <a:schemeClr val="accent1"/>
+          </a:fillRef>
+          <a:effectRef idx="0">
+            <a:schemeClr val="accent1"/>
+          </a:effectRef>
+          <a:fontRef idx="minor">
+            <a:schemeClr val="lt1"/>
+          </a:fontRef>
+        </p:style>
+        <p:txBody>
+          <a:bodyPr lIns="0" tIns="0" rIns="0" bIns="0" rtlCol="0" anchor="ctr"/>
+          <a:lstStyle/>
+          <a:p>
+            <a:pPr algn="ctr"/>
+            <a:r>
+              <a:rPr lang="tr-TR" sz="2400" dirty="0"/>
+              <a:t>S</a:t>
+            </a:r>
+            <a:r>
+              <a:rPr lang="tr-TR" sz="2400" baseline="-25000" dirty="0"/>
+              <a:t>5</a:t>
+            </a:r>
+            <a:endParaRPr lang="en-US" sz="2400" baseline="-25000" dirty="0"/>
+          </a:p>
+        </p:txBody>
+      </p:sp>
+      <p:sp>
+        <p:nvSpPr>
+          <p:cNvPr id="34" name="Rectangle 33">
+            <a:extLst>
+              <a:ext uri="{FF2B5EF4-FFF2-40B4-BE49-F238E27FC236}">
+                <a16:creationId xmlns:a16="http://schemas.microsoft.com/office/drawing/2014/main" id="{9A034C9D-D81B-9277-2036-974C1C63DB56}"/>
+              </a:ext>
+            </a:extLst>
+          </p:cNvPr>
+          <p:cNvSpPr/>
+          <p:nvPr/>
+        </p:nvSpPr>
+        <p:spPr>
+          <a:xfrm>
+            <a:off x="7396979" y="4751110"/>
+            <a:ext cx="334691" cy="461914"/>
+          </a:xfrm>
+          <a:prstGeom prst="rect">
+            <a:avLst/>
+          </a:prstGeom>
+        </p:spPr>
+        <p:style>
+          <a:lnRef idx="2">
+            <a:schemeClr val="accent1">
+              <a:shade val="50000"/>
+            </a:schemeClr>
+          </a:lnRef>
+          <a:fillRef idx="1">
+            <a:schemeClr val="accent1"/>
+          </a:fillRef>
+          <a:effectRef idx="0">
+            <a:schemeClr val="accent1"/>
+          </a:effectRef>
+          <a:fontRef idx="minor">
+            <a:schemeClr val="lt1"/>
+          </a:fontRef>
+        </p:style>
+        <p:txBody>
+          <a:bodyPr lIns="0" tIns="0" rIns="0" bIns="0" rtlCol="0" anchor="ctr"/>
+          <a:lstStyle/>
+          <a:p>
+            <a:pPr algn="ctr"/>
+            <a:r>
+              <a:rPr lang="tr-TR" sz="2400" dirty="0"/>
+              <a:t>S</a:t>
+            </a:r>
+            <a:r>
+              <a:rPr lang="tr-TR" sz="2400" baseline="-25000" dirty="0"/>
+              <a:t>4</a:t>
+            </a:r>
+            <a:endParaRPr lang="en-US" sz="2400" baseline="-25000" dirty="0"/>
+          </a:p>
+        </p:txBody>
+      </p:sp>
+      <p:sp>
+        <p:nvSpPr>
+          <p:cNvPr id="35" name="Rectangle 34">
+            <a:extLst>
+              <a:ext uri="{FF2B5EF4-FFF2-40B4-BE49-F238E27FC236}">
+                <a16:creationId xmlns:a16="http://schemas.microsoft.com/office/drawing/2014/main" id="{3437485B-2725-64D8-3D4D-BFCD4574E712}"/>
+              </a:ext>
+            </a:extLst>
+          </p:cNvPr>
+          <p:cNvSpPr/>
+          <p:nvPr/>
+        </p:nvSpPr>
+        <p:spPr>
+          <a:xfrm>
+            <a:off x="7822757" y="4751110"/>
+            <a:ext cx="334691" cy="461914"/>
+          </a:xfrm>
+          <a:prstGeom prst="rect">
+            <a:avLst/>
+          </a:prstGeom>
+        </p:spPr>
+        <p:style>
+          <a:lnRef idx="2">
+            <a:schemeClr val="accent1">
+              <a:shade val="50000"/>
+            </a:schemeClr>
+          </a:lnRef>
+          <a:fillRef idx="1">
+            <a:schemeClr val="accent1"/>
+          </a:fillRef>
+          <a:effectRef idx="0">
+            <a:schemeClr val="accent1"/>
+          </a:effectRef>
+          <a:fontRef idx="minor">
+            <a:schemeClr val="lt1"/>
+          </a:fontRef>
+        </p:style>
+        <p:txBody>
+          <a:bodyPr lIns="0" tIns="0" rIns="0" bIns="0" rtlCol="0" anchor="ctr"/>
+          <a:lstStyle/>
+          <a:p>
+            <a:pPr algn="ctr"/>
+            <a:r>
+              <a:rPr lang="tr-TR" sz="2400" dirty="0"/>
+              <a:t>S</a:t>
+            </a:r>
+            <a:r>
+              <a:rPr lang="tr-TR" sz="2400" baseline="-25000" dirty="0"/>
+              <a:t>3</a:t>
+            </a:r>
+            <a:endParaRPr lang="en-US" sz="2400" baseline="-25000" dirty="0"/>
+          </a:p>
+        </p:txBody>
+      </p:sp>
+      <p:sp>
+        <p:nvSpPr>
+          <p:cNvPr id="36" name="Rectangle 35">
+            <a:extLst>
+              <a:ext uri="{FF2B5EF4-FFF2-40B4-BE49-F238E27FC236}">
+                <a16:creationId xmlns:a16="http://schemas.microsoft.com/office/drawing/2014/main" id="{F8315C02-0415-7153-BF65-17C10DF27499}"/>
+              </a:ext>
+            </a:extLst>
+          </p:cNvPr>
+          <p:cNvSpPr/>
+          <p:nvPr/>
+        </p:nvSpPr>
+        <p:spPr>
+          <a:xfrm>
+            <a:off x="8256389" y="4751110"/>
+            <a:ext cx="334691" cy="461914"/>
+          </a:xfrm>
+          <a:prstGeom prst="rect">
+            <a:avLst/>
+          </a:prstGeom>
+        </p:spPr>
+        <p:style>
+          <a:lnRef idx="2">
+            <a:schemeClr val="accent1">
+              <a:shade val="50000"/>
+            </a:schemeClr>
+          </a:lnRef>
+          <a:fillRef idx="1">
+            <a:schemeClr val="accent1"/>
+          </a:fillRef>
+          <a:effectRef idx="0">
+            <a:schemeClr val="accent1"/>
+          </a:effectRef>
+          <a:fontRef idx="minor">
+            <a:schemeClr val="lt1"/>
+          </a:fontRef>
+        </p:style>
+        <p:txBody>
+          <a:bodyPr lIns="0" tIns="0" rIns="0" bIns="0" rtlCol="0" anchor="ctr"/>
+          <a:lstStyle/>
+          <a:p>
+            <a:pPr algn="ctr"/>
+            <a:r>
+              <a:rPr lang="tr-TR" sz="2400" dirty="0"/>
+              <a:t>S</a:t>
+            </a:r>
+            <a:r>
+              <a:rPr lang="tr-TR" sz="2400" baseline="-25000" dirty="0"/>
+              <a:t>2</a:t>
+            </a:r>
+            <a:endParaRPr lang="en-US" sz="2400" baseline="-25000" dirty="0"/>
+          </a:p>
+        </p:txBody>
+      </p:sp>
+      <p:sp>
+        <p:nvSpPr>
+          <p:cNvPr id="37" name="Rectangle 36">
+            <a:extLst>
+              <a:ext uri="{FF2B5EF4-FFF2-40B4-BE49-F238E27FC236}">
+                <a16:creationId xmlns:a16="http://schemas.microsoft.com/office/drawing/2014/main" id="{2CF313D7-263C-D722-4482-09CBA0A4BFF0}"/>
+              </a:ext>
+            </a:extLst>
+          </p:cNvPr>
+          <p:cNvSpPr/>
+          <p:nvPr/>
+        </p:nvSpPr>
+        <p:spPr>
+          <a:xfrm>
+            <a:off x="8682167" y="4751110"/>
+            <a:ext cx="334691" cy="461914"/>
+          </a:xfrm>
+          <a:prstGeom prst="rect">
+            <a:avLst/>
+          </a:prstGeom>
+        </p:spPr>
+        <p:style>
+          <a:lnRef idx="2">
+            <a:schemeClr val="accent1">
+              <a:shade val="50000"/>
+            </a:schemeClr>
+          </a:lnRef>
+          <a:fillRef idx="1">
+            <a:schemeClr val="accent1"/>
+          </a:fillRef>
+          <a:effectRef idx="0">
+            <a:schemeClr val="accent1"/>
+          </a:effectRef>
+          <a:fontRef idx="minor">
+            <a:schemeClr val="lt1"/>
+          </a:fontRef>
+        </p:style>
+        <p:txBody>
+          <a:bodyPr lIns="0" tIns="0" rIns="0" bIns="0" rtlCol="0" anchor="ctr"/>
+          <a:lstStyle/>
+          <a:p>
+            <a:pPr algn="ctr"/>
+            <a:r>
+              <a:rPr lang="tr-TR" sz="2400" dirty="0"/>
+              <a:t>S</a:t>
+            </a:r>
+            <a:r>
+              <a:rPr lang="tr-TR" sz="2400" baseline="-25000" dirty="0"/>
+              <a:t>1</a:t>
+            </a:r>
+            <a:endParaRPr lang="en-US" sz="2400" baseline="-25000" dirty="0"/>
+          </a:p>
+        </p:txBody>
+      </p:sp>
+      <p:cxnSp>
+        <p:nvCxnSpPr>
+          <p:cNvPr id="39" name="Straight Arrow Connector 38">
+            <a:extLst>
+              <a:ext uri="{FF2B5EF4-FFF2-40B4-BE49-F238E27FC236}">
+                <a16:creationId xmlns:a16="http://schemas.microsoft.com/office/drawing/2014/main" id="{D4FDCD7F-6D9D-5AEA-5E54-94E7B64AA0B9}"/>
+              </a:ext>
+            </a:extLst>
+          </p:cNvPr>
+          <p:cNvCxnSpPr>
+            <a:cxnSpLocks/>
+            <a:endCxn id="29" idx="2"/>
+          </p:cNvCxnSpPr>
+          <p:nvPr/>
+        </p:nvCxnSpPr>
+        <p:spPr>
+          <a:xfrm flipV="1">
+            <a:off x="8851889" y="5269586"/>
+            <a:ext cx="0" cy="341986"/>
+          </a:xfrm>
+          <a:prstGeom prst="straightConnector1">
+            <a:avLst/>
+          </a:prstGeom>
+          <a:ln w="25400">
+            <a:solidFill>
+              <a:srgbClr val="FF0000"/>
+            </a:solidFill>
+            <a:tailEnd type="triangle"/>
+          </a:ln>
+        </p:spPr>
+        <p:style>
+          <a:lnRef idx="1">
+            <a:schemeClr val="accent1"/>
+          </a:lnRef>
+          <a:fillRef idx="0">
+            <a:schemeClr val="accent1"/>
+          </a:fillRef>
+          <a:effectRef idx="0">
+            <a:schemeClr val="accent1"/>
+          </a:effectRef>
+          <a:fontRef idx="minor">
+            <a:schemeClr val="tx1"/>
+          </a:fontRef>
+        </p:style>
+      </p:cxnSp>
+      <p:sp>
+        <p:nvSpPr>
+          <p:cNvPr id="40" name="Rectangle 39">
+            <a:extLst>
+              <a:ext uri="{FF2B5EF4-FFF2-40B4-BE49-F238E27FC236}">
+                <a16:creationId xmlns:a16="http://schemas.microsoft.com/office/drawing/2014/main" id="{98EA37CD-BF9A-B079-F211-36888D0CFA39}"/>
+              </a:ext>
+            </a:extLst>
+          </p:cNvPr>
+          <p:cNvSpPr/>
+          <p:nvPr/>
+        </p:nvSpPr>
+        <p:spPr>
+          <a:xfrm>
+            <a:off x="2256227" y="4751110"/>
+            <a:ext cx="334691" cy="461914"/>
+          </a:xfrm>
+          <a:prstGeom prst="rect">
+            <a:avLst/>
+          </a:prstGeom>
+        </p:spPr>
+        <p:style>
+          <a:lnRef idx="2">
+            <a:schemeClr val="accent6">
+              <a:shade val="50000"/>
+            </a:schemeClr>
+          </a:lnRef>
+          <a:fillRef idx="1">
+            <a:schemeClr val="accent6"/>
+          </a:fillRef>
+          <a:effectRef idx="0">
+            <a:schemeClr val="accent6"/>
+          </a:effectRef>
+          <a:fontRef idx="minor">
+            <a:schemeClr val="lt1"/>
+          </a:fontRef>
+        </p:style>
+        <p:txBody>
+          <a:bodyPr lIns="0" tIns="0" rIns="0" bIns="0" rtlCol="0" anchor="ctr"/>
+          <a:lstStyle/>
+          <a:p>
+            <a:pPr algn="ctr"/>
+            <a:r>
+              <a:rPr lang="tr-TR" sz="2400" dirty="0"/>
+              <a:t>S</a:t>
+            </a:r>
+            <a:r>
+              <a:rPr lang="tr-TR" sz="2400" baseline="-25000" dirty="0"/>
+              <a:t>8</a:t>
+            </a:r>
+            <a:endParaRPr lang="en-US" sz="2400" baseline="-25000" dirty="0"/>
+          </a:p>
+        </p:txBody>
+      </p:sp>
+      <p:sp>
+        <p:nvSpPr>
+          <p:cNvPr id="41" name="Rectangle 40">
+            <a:extLst>
+              <a:ext uri="{FF2B5EF4-FFF2-40B4-BE49-F238E27FC236}">
+                <a16:creationId xmlns:a16="http://schemas.microsoft.com/office/drawing/2014/main" id="{7D1106D6-E061-34E2-0EAD-F4B53E93C1E9}"/>
+              </a:ext>
+            </a:extLst>
+          </p:cNvPr>
+          <p:cNvSpPr/>
+          <p:nvPr/>
+        </p:nvSpPr>
+        <p:spPr>
+          <a:xfrm>
+            <a:off x="2682005" y="4751110"/>
+            <a:ext cx="334691" cy="461914"/>
+          </a:xfrm>
+          <a:prstGeom prst="rect">
+            <a:avLst/>
+          </a:prstGeom>
+        </p:spPr>
+        <p:style>
+          <a:lnRef idx="2">
+            <a:schemeClr val="accent6">
+              <a:shade val="50000"/>
+            </a:schemeClr>
+          </a:lnRef>
+          <a:fillRef idx="1">
+            <a:schemeClr val="accent6"/>
+          </a:fillRef>
+          <a:effectRef idx="0">
+            <a:schemeClr val="accent6"/>
+          </a:effectRef>
+          <a:fontRef idx="minor">
+            <a:schemeClr val="lt1"/>
+          </a:fontRef>
+        </p:style>
+        <p:txBody>
+          <a:bodyPr lIns="0" tIns="0" rIns="0" bIns="0" rtlCol="0" anchor="ctr"/>
+          <a:lstStyle/>
+          <a:p>
+            <a:pPr algn="ctr"/>
+            <a:r>
+              <a:rPr lang="tr-TR" sz="2400" dirty="0"/>
+              <a:t>S</a:t>
+            </a:r>
+            <a:r>
+              <a:rPr lang="tr-TR" sz="2400" baseline="-25000" dirty="0"/>
+              <a:t>7</a:t>
+            </a:r>
+            <a:endParaRPr lang="en-US" sz="2400" baseline="-25000" dirty="0"/>
+          </a:p>
+        </p:txBody>
+      </p:sp>
+      <p:sp>
+        <p:nvSpPr>
+          <p:cNvPr id="42" name="Rectangle 41">
+            <a:extLst>
+              <a:ext uri="{FF2B5EF4-FFF2-40B4-BE49-F238E27FC236}">
+                <a16:creationId xmlns:a16="http://schemas.microsoft.com/office/drawing/2014/main" id="{51B779BC-AA9B-AD72-09A0-E75DE0718DA7}"/>
+              </a:ext>
+            </a:extLst>
+          </p:cNvPr>
+          <p:cNvSpPr/>
+          <p:nvPr/>
+        </p:nvSpPr>
+        <p:spPr>
+          <a:xfrm>
+            <a:off x="3115637" y="4751110"/>
+            <a:ext cx="334691" cy="461914"/>
+          </a:xfrm>
+          <a:prstGeom prst="rect">
+            <a:avLst/>
+          </a:prstGeom>
+        </p:spPr>
+        <p:style>
+          <a:lnRef idx="2">
+            <a:schemeClr val="accent6">
+              <a:shade val="50000"/>
+            </a:schemeClr>
+          </a:lnRef>
+          <a:fillRef idx="1">
+            <a:schemeClr val="accent6"/>
+          </a:fillRef>
+          <a:effectRef idx="0">
+            <a:schemeClr val="accent6"/>
+          </a:effectRef>
+          <a:fontRef idx="minor">
+            <a:schemeClr val="lt1"/>
+          </a:fontRef>
+        </p:style>
+        <p:txBody>
+          <a:bodyPr lIns="0" tIns="0" rIns="0" bIns="0" rtlCol="0" anchor="ctr"/>
+          <a:lstStyle/>
+          <a:p>
+            <a:pPr algn="ctr"/>
+            <a:r>
+              <a:rPr lang="tr-TR" sz="2400" dirty="0"/>
+              <a:t>S</a:t>
+            </a:r>
+            <a:r>
+              <a:rPr lang="tr-TR" sz="2400" baseline="-25000" dirty="0"/>
+              <a:t>6</a:t>
+            </a:r>
+            <a:endParaRPr lang="en-US" sz="2400" baseline="-25000" dirty="0"/>
+          </a:p>
+        </p:txBody>
+      </p:sp>
+      <p:sp>
+        <p:nvSpPr>
+          <p:cNvPr id="43" name="Rectangle 42">
+            <a:extLst>
+              <a:ext uri="{FF2B5EF4-FFF2-40B4-BE49-F238E27FC236}">
+                <a16:creationId xmlns:a16="http://schemas.microsoft.com/office/drawing/2014/main" id="{9BF02BB3-23D7-65B0-920E-0AE1AE854B1C}"/>
+              </a:ext>
+            </a:extLst>
+          </p:cNvPr>
+          <p:cNvSpPr/>
+          <p:nvPr/>
+        </p:nvSpPr>
+        <p:spPr>
+          <a:xfrm>
+            <a:off x="3541415" y="4751110"/>
+            <a:ext cx="334691" cy="461914"/>
+          </a:xfrm>
+          <a:prstGeom prst="rect">
+            <a:avLst/>
+          </a:prstGeom>
+        </p:spPr>
+        <p:style>
+          <a:lnRef idx="2">
+            <a:schemeClr val="accent6">
+              <a:shade val="50000"/>
+            </a:schemeClr>
+          </a:lnRef>
+          <a:fillRef idx="1">
+            <a:schemeClr val="accent6"/>
+          </a:fillRef>
+          <a:effectRef idx="0">
+            <a:schemeClr val="accent6"/>
+          </a:effectRef>
+          <a:fontRef idx="minor">
+            <a:schemeClr val="lt1"/>
+          </a:fontRef>
+        </p:style>
+        <p:txBody>
+          <a:bodyPr lIns="0" tIns="0" rIns="0" bIns="0" rtlCol="0" anchor="ctr"/>
+          <a:lstStyle/>
+          <a:p>
+            <a:pPr algn="ctr"/>
+            <a:r>
+              <a:rPr lang="tr-TR" sz="2400" dirty="0"/>
+              <a:t>S</a:t>
+            </a:r>
+            <a:r>
+              <a:rPr lang="tr-TR" sz="2400" baseline="-25000" dirty="0"/>
+              <a:t>5</a:t>
+            </a:r>
+            <a:endParaRPr lang="en-US" sz="2400" baseline="-25000" dirty="0"/>
+          </a:p>
+        </p:txBody>
+      </p:sp>
+      <p:sp>
+        <p:nvSpPr>
+          <p:cNvPr id="44" name="Rectangle 43">
+            <a:extLst>
+              <a:ext uri="{FF2B5EF4-FFF2-40B4-BE49-F238E27FC236}">
+                <a16:creationId xmlns:a16="http://schemas.microsoft.com/office/drawing/2014/main" id="{FCFBD593-0260-CBA7-08F5-7FC8A18AA771}"/>
+              </a:ext>
+            </a:extLst>
+          </p:cNvPr>
+          <p:cNvSpPr/>
+          <p:nvPr/>
+        </p:nvSpPr>
+        <p:spPr>
+          <a:xfrm>
+            <a:off x="3967193" y="4751110"/>
+            <a:ext cx="334691" cy="461914"/>
+          </a:xfrm>
+          <a:prstGeom prst="rect">
+            <a:avLst/>
+          </a:prstGeom>
+        </p:spPr>
+        <p:style>
+          <a:lnRef idx="2">
+            <a:schemeClr val="accent6">
+              <a:shade val="50000"/>
+            </a:schemeClr>
+          </a:lnRef>
+          <a:fillRef idx="1">
+            <a:schemeClr val="accent6"/>
+          </a:fillRef>
+          <a:effectRef idx="0">
+            <a:schemeClr val="accent6"/>
+          </a:effectRef>
+          <a:fontRef idx="minor">
+            <a:schemeClr val="lt1"/>
+          </a:fontRef>
+        </p:style>
+        <p:txBody>
+          <a:bodyPr lIns="0" tIns="0" rIns="0" bIns="0" rtlCol="0" anchor="ctr"/>
+          <a:lstStyle/>
+          <a:p>
+            <a:pPr algn="ctr"/>
+            <a:r>
+              <a:rPr lang="tr-TR" sz="2400" dirty="0"/>
+              <a:t>S</a:t>
+            </a:r>
+            <a:r>
+              <a:rPr lang="tr-TR" sz="2400" baseline="-25000" dirty="0"/>
+              <a:t>4</a:t>
+            </a:r>
+            <a:endParaRPr lang="en-US" sz="2400" baseline="-25000" dirty="0"/>
+          </a:p>
+        </p:txBody>
+      </p:sp>
+      <p:sp>
+        <p:nvSpPr>
+          <p:cNvPr id="45" name="Rectangle 44">
+            <a:extLst>
+              <a:ext uri="{FF2B5EF4-FFF2-40B4-BE49-F238E27FC236}">
+                <a16:creationId xmlns:a16="http://schemas.microsoft.com/office/drawing/2014/main" id="{CDF2F909-B412-BE40-FD66-531E9F62A1E9}"/>
+              </a:ext>
+            </a:extLst>
+          </p:cNvPr>
+          <p:cNvSpPr/>
+          <p:nvPr/>
+        </p:nvSpPr>
+        <p:spPr>
+          <a:xfrm>
+            <a:off x="4392971" y="4751110"/>
+            <a:ext cx="334691" cy="461914"/>
+          </a:xfrm>
+          <a:prstGeom prst="rect">
+            <a:avLst/>
+          </a:prstGeom>
+        </p:spPr>
+        <p:style>
+          <a:lnRef idx="2">
+            <a:schemeClr val="accent6">
+              <a:shade val="50000"/>
+            </a:schemeClr>
+          </a:lnRef>
+          <a:fillRef idx="1">
+            <a:schemeClr val="accent6"/>
+          </a:fillRef>
+          <a:effectRef idx="0">
+            <a:schemeClr val="accent6"/>
+          </a:effectRef>
+          <a:fontRef idx="minor">
+            <a:schemeClr val="lt1"/>
+          </a:fontRef>
+        </p:style>
+        <p:txBody>
+          <a:bodyPr lIns="0" tIns="0" rIns="0" bIns="0" rtlCol="0" anchor="ctr"/>
+          <a:lstStyle/>
+          <a:p>
+            <a:pPr algn="ctr"/>
+            <a:r>
+              <a:rPr lang="tr-TR" sz="2400" dirty="0"/>
+              <a:t>S</a:t>
+            </a:r>
+            <a:r>
+              <a:rPr lang="tr-TR" sz="2400" baseline="-25000" dirty="0"/>
+              <a:t>3</a:t>
+            </a:r>
+            <a:endParaRPr lang="en-US" sz="2400" baseline="-25000" dirty="0"/>
+          </a:p>
+        </p:txBody>
+      </p:sp>
+      <p:sp>
+        <p:nvSpPr>
+          <p:cNvPr id="46" name="Rectangle 45">
+            <a:extLst>
+              <a:ext uri="{FF2B5EF4-FFF2-40B4-BE49-F238E27FC236}">
+                <a16:creationId xmlns:a16="http://schemas.microsoft.com/office/drawing/2014/main" id="{4EDCDDF4-1976-C110-3DD9-948105895093}"/>
+              </a:ext>
+            </a:extLst>
+          </p:cNvPr>
+          <p:cNvSpPr/>
+          <p:nvPr/>
+        </p:nvSpPr>
+        <p:spPr>
+          <a:xfrm>
+            <a:off x="4826603" y="4751110"/>
+            <a:ext cx="334691" cy="461914"/>
+          </a:xfrm>
+          <a:prstGeom prst="rect">
+            <a:avLst/>
+          </a:prstGeom>
+        </p:spPr>
+        <p:style>
+          <a:lnRef idx="2">
+            <a:schemeClr val="accent6">
+              <a:shade val="50000"/>
+            </a:schemeClr>
+          </a:lnRef>
+          <a:fillRef idx="1">
+            <a:schemeClr val="accent6"/>
+          </a:fillRef>
+          <a:effectRef idx="0">
+            <a:schemeClr val="accent6"/>
+          </a:effectRef>
+          <a:fontRef idx="minor">
+            <a:schemeClr val="lt1"/>
+          </a:fontRef>
+        </p:style>
+        <p:txBody>
+          <a:bodyPr lIns="0" tIns="0" rIns="0" bIns="0" rtlCol="0" anchor="ctr"/>
+          <a:lstStyle/>
+          <a:p>
+            <a:pPr algn="ctr"/>
+            <a:r>
+              <a:rPr lang="tr-TR" sz="2400" dirty="0"/>
+              <a:t>S</a:t>
+            </a:r>
+            <a:r>
+              <a:rPr lang="tr-TR" sz="2400" baseline="-25000" dirty="0"/>
+              <a:t>2</a:t>
+            </a:r>
+            <a:endParaRPr lang="en-US" sz="2400" baseline="-25000" dirty="0"/>
+          </a:p>
+        </p:txBody>
+      </p:sp>
+      <p:sp>
+        <p:nvSpPr>
+          <p:cNvPr id="47" name="Rectangle 46">
+            <a:extLst>
+              <a:ext uri="{FF2B5EF4-FFF2-40B4-BE49-F238E27FC236}">
+                <a16:creationId xmlns:a16="http://schemas.microsoft.com/office/drawing/2014/main" id="{3166960C-211A-1641-5E01-63819BF6F47A}"/>
+              </a:ext>
+            </a:extLst>
+          </p:cNvPr>
+          <p:cNvSpPr/>
+          <p:nvPr/>
+        </p:nvSpPr>
+        <p:spPr>
+          <a:xfrm>
+            <a:off x="5252381" y="4751110"/>
+            <a:ext cx="334691" cy="461914"/>
+          </a:xfrm>
+          <a:prstGeom prst="rect">
+            <a:avLst/>
+          </a:prstGeom>
+        </p:spPr>
+        <p:style>
+          <a:lnRef idx="2">
+            <a:schemeClr val="accent6">
+              <a:shade val="50000"/>
+            </a:schemeClr>
+          </a:lnRef>
+          <a:fillRef idx="1">
+            <a:schemeClr val="accent6"/>
+          </a:fillRef>
+          <a:effectRef idx="0">
+            <a:schemeClr val="accent6"/>
+          </a:effectRef>
+          <a:fontRef idx="minor">
+            <a:schemeClr val="lt1"/>
+          </a:fontRef>
+        </p:style>
+        <p:txBody>
+          <a:bodyPr lIns="0" tIns="0" rIns="0" bIns="0" rtlCol="0" anchor="ctr"/>
+          <a:lstStyle/>
+          <a:p>
+            <a:pPr algn="ctr"/>
+            <a:r>
+              <a:rPr lang="tr-TR" sz="2400" dirty="0"/>
+              <a:t>S</a:t>
+            </a:r>
+            <a:r>
+              <a:rPr lang="tr-TR" sz="2400" baseline="-25000" dirty="0"/>
+              <a:t>1</a:t>
+            </a:r>
+            <a:endParaRPr lang="en-US" sz="2400" baseline="-25000" dirty="0"/>
+          </a:p>
+        </p:txBody>
+      </p:sp>
+      <p:sp>
+        <p:nvSpPr>
+          <p:cNvPr id="4" name="TextBox 3">
+            <a:extLst>
+              <a:ext uri="{FF2B5EF4-FFF2-40B4-BE49-F238E27FC236}">
+                <a16:creationId xmlns:a16="http://schemas.microsoft.com/office/drawing/2014/main" id="{82A5ECF5-2F1F-DBD7-BBEA-F8210DD9DBE8}"/>
+              </a:ext>
+            </a:extLst>
+          </p:cNvPr>
+          <p:cNvSpPr txBox="1"/>
+          <p:nvPr/>
+        </p:nvSpPr>
+        <p:spPr>
+          <a:xfrm>
+            <a:off x="6793542" y="1775265"/>
+            <a:ext cx="3330845" cy="369332"/>
+          </a:xfrm>
+          <a:prstGeom prst="rect">
+            <a:avLst/>
+          </a:prstGeom>
+          <a:noFill/>
+        </p:spPr>
+        <p:txBody>
+          <a:bodyPr wrap="square" rtlCol="0">
+            <a:spAutoFit/>
+          </a:bodyPr>
+          <a:lstStyle/>
+          <a:p>
+            <a:pPr algn="ctr"/>
+            <a:r>
+              <a:rPr lang="tr-TR" b="1" u="sng" dirty="0"/>
+              <a:t>P R O C E S S   B</a:t>
+            </a:r>
+            <a:endParaRPr lang="en-US" b="1" u="sng" dirty="0"/>
+          </a:p>
+        </p:txBody>
+      </p:sp>
+      <p:sp>
+        <p:nvSpPr>
+          <p:cNvPr id="5" name="TextBox 4">
+            <a:extLst>
+              <a:ext uri="{FF2B5EF4-FFF2-40B4-BE49-F238E27FC236}">
+                <a16:creationId xmlns:a16="http://schemas.microsoft.com/office/drawing/2014/main" id="{F22EFE96-9A59-333C-9F94-BFEF659E6F74}"/>
+              </a:ext>
+            </a:extLst>
+          </p:cNvPr>
+          <p:cNvSpPr txBox="1"/>
+          <p:nvPr/>
+        </p:nvSpPr>
+        <p:spPr>
+          <a:xfrm>
+            <a:off x="1450214" y="1775265"/>
+            <a:ext cx="3330845" cy="369332"/>
+          </a:xfrm>
+          <a:prstGeom prst="rect">
+            <a:avLst/>
+          </a:prstGeom>
+          <a:noFill/>
+        </p:spPr>
+        <p:txBody>
+          <a:bodyPr wrap="square" rtlCol="0">
+            <a:spAutoFit/>
+          </a:bodyPr>
+          <a:lstStyle/>
+          <a:p>
+            <a:pPr algn="ctr"/>
+            <a:r>
+              <a:rPr lang="tr-TR" b="1" u="sng" dirty="0"/>
+              <a:t>P R O C E S S   A</a:t>
+            </a:r>
+            <a:endParaRPr lang="en-US" b="1" u="sng" dirty="0"/>
+          </a:p>
+        </p:txBody>
+      </p:sp>
+      <p:cxnSp>
+        <p:nvCxnSpPr>
+          <p:cNvPr id="18" name="Straight Arrow Connector 17">
+            <a:extLst>
+              <a:ext uri="{FF2B5EF4-FFF2-40B4-BE49-F238E27FC236}">
+                <a16:creationId xmlns:a16="http://schemas.microsoft.com/office/drawing/2014/main" id="{47251FFC-52FB-E27A-0ECC-3AF5ED1DEA98}"/>
+              </a:ext>
+            </a:extLst>
+          </p:cNvPr>
+          <p:cNvCxnSpPr/>
+          <p:nvPr/>
+        </p:nvCxnSpPr>
+        <p:spPr>
+          <a:xfrm flipH="1">
+            <a:off x="7495880" y="3110845"/>
+            <a:ext cx="433632" cy="1178351"/>
+          </a:xfrm>
+          <a:prstGeom prst="straightConnector1">
+            <a:avLst/>
+          </a:prstGeom>
+          <a:ln w="25400">
+            <a:solidFill>
+              <a:schemeClr val="accent3"/>
+            </a:solidFill>
+            <a:tailEnd type="triangle"/>
+          </a:ln>
+        </p:spPr>
+        <p:style>
+          <a:lnRef idx="1">
+            <a:schemeClr val="accent1"/>
+          </a:lnRef>
+          <a:fillRef idx="0">
+            <a:schemeClr val="accent1"/>
+          </a:fillRef>
+          <a:effectRef idx="0">
+            <a:schemeClr val="accent1"/>
+          </a:effectRef>
+          <a:fontRef idx="minor">
+            <a:schemeClr val="tx1"/>
+          </a:fontRef>
+        </p:style>
+      </p:cxnSp>
+      <p:cxnSp>
+        <p:nvCxnSpPr>
+          <p:cNvPr id="19" name="Straight Arrow Connector 18">
+            <a:extLst>
+              <a:ext uri="{FF2B5EF4-FFF2-40B4-BE49-F238E27FC236}">
+                <a16:creationId xmlns:a16="http://schemas.microsoft.com/office/drawing/2014/main" id="{608F7496-799D-2956-8781-5203F77119C8}"/>
+              </a:ext>
+            </a:extLst>
+          </p:cNvPr>
+          <p:cNvCxnSpPr>
+            <a:cxnSpLocks/>
+          </p:cNvCxnSpPr>
+          <p:nvPr/>
+        </p:nvCxnSpPr>
+        <p:spPr>
+          <a:xfrm>
+            <a:off x="3066166" y="3081142"/>
+            <a:ext cx="809940" cy="1216059"/>
+          </a:xfrm>
+          <a:prstGeom prst="straightConnector1">
+            <a:avLst/>
+          </a:prstGeom>
+          <a:ln w="25400">
+            <a:solidFill>
+              <a:schemeClr val="accent3"/>
+            </a:solidFill>
+            <a:tailEnd type="triangle"/>
+          </a:ln>
+        </p:spPr>
+        <p:style>
+          <a:lnRef idx="1">
+            <a:schemeClr val="accent1"/>
+          </a:lnRef>
+          <a:fillRef idx="0">
+            <a:schemeClr val="accent1"/>
+          </a:fillRef>
+          <a:effectRef idx="0">
+            <a:schemeClr val="accent1"/>
+          </a:effectRef>
+          <a:fontRef idx="minor">
+            <a:schemeClr val="tx1"/>
+          </a:fontRef>
+        </p:style>
+      </p:cxnSp>
+      <p:sp>
+        <p:nvSpPr>
+          <p:cNvPr id="48" name="TextBox 47">
+            <a:extLst>
+              <a:ext uri="{FF2B5EF4-FFF2-40B4-BE49-F238E27FC236}">
+                <a16:creationId xmlns:a16="http://schemas.microsoft.com/office/drawing/2014/main" id="{77B64B05-4B5E-44C7-2331-3CCC5CBCD40B}"/>
+              </a:ext>
+            </a:extLst>
+          </p:cNvPr>
+          <p:cNvSpPr txBox="1"/>
+          <p:nvPr/>
+        </p:nvSpPr>
+        <p:spPr>
+          <a:xfrm>
+            <a:off x="7767108" y="3515354"/>
+            <a:ext cx="915059" cy="369332"/>
+          </a:xfrm>
+          <a:prstGeom prst="rect">
+            <a:avLst/>
+          </a:prstGeom>
+          <a:noFill/>
+        </p:spPr>
+        <p:txBody>
+          <a:bodyPr wrap="none" rtlCol="0">
+            <a:spAutoFit/>
+          </a:bodyPr>
+          <a:lstStyle/>
+          <a:p>
+            <a:r>
+              <a:rPr lang="tr-TR" dirty="0">
+                <a:solidFill>
+                  <a:schemeClr val="accent3"/>
+                </a:solidFill>
               </a:rPr>
-              <a:t>Content</a:t>
-            </a:r>
-          </a:p>
-        </p:txBody>
-      </p:sp>
+              <a:t>Execute</a:t>
+            </a:r>
+            <a:endParaRPr lang="en-US" dirty="0">
+              <a:solidFill>
+                <a:schemeClr val="accent3"/>
+              </a:solidFill>
+            </a:endParaRPr>
+          </a:p>
+        </p:txBody>
+      </p:sp>
+      <p:sp>
+        <p:nvSpPr>
+          <p:cNvPr id="49" name="TextBox 48">
+            <a:extLst>
+              <a:ext uri="{FF2B5EF4-FFF2-40B4-BE49-F238E27FC236}">
+                <a16:creationId xmlns:a16="http://schemas.microsoft.com/office/drawing/2014/main" id="{3898102D-339D-AF85-AD11-2D4148784104}"/>
+              </a:ext>
+            </a:extLst>
+          </p:cNvPr>
+          <p:cNvSpPr txBox="1"/>
+          <p:nvPr/>
+        </p:nvSpPr>
+        <p:spPr>
+          <a:xfrm>
+            <a:off x="3509663" y="3515354"/>
+            <a:ext cx="915059" cy="369332"/>
+          </a:xfrm>
+          <a:prstGeom prst="rect">
+            <a:avLst/>
+          </a:prstGeom>
+          <a:noFill/>
+        </p:spPr>
+        <p:txBody>
+          <a:bodyPr wrap="none" rtlCol="0">
+            <a:spAutoFit/>
+          </a:bodyPr>
+          <a:lstStyle/>
+          <a:p>
+            <a:r>
+              <a:rPr lang="tr-TR" dirty="0">
+                <a:solidFill>
+                  <a:schemeClr val="accent3"/>
+                </a:solidFill>
+              </a:rPr>
+              <a:t>Execute</a:t>
+            </a:r>
+            <a:endParaRPr lang="en-US" dirty="0">
+              <a:solidFill>
+                <a:schemeClr val="accent3"/>
+              </a:solidFill>
+            </a:endParaRPr>
+          </a:p>
+        </p:txBody>
+      </p:sp>
+      <p:sp>
+        <p:nvSpPr>
+          <p:cNvPr id="50" name="TextBox 49">
+            <a:extLst>
+              <a:ext uri="{FF2B5EF4-FFF2-40B4-BE49-F238E27FC236}">
+                <a16:creationId xmlns:a16="http://schemas.microsoft.com/office/drawing/2014/main" id="{B393F4AC-632A-7EC0-6D17-AD78D1F01EF8}"/>
+              </a:ext>
+            </a:extLst>
+          </p:cNvPr>
+          <p:cNvSpPr txBox="1"/>
+          <p:nvPr/>
+        </p:nvSpPr>
+        <p:spPr>
+          <a:xfrm>
+            <a:off x="8539944" y="5611572"/>
+            <a:ext cx="623889" cy="400110"/>
+          </a:xfrm>
+          <a:prstGeom prst="rect">
+            <a:avLst/>
+          </a:prstGeom>
+          <a:solidFill>
+            <a:schemeClr val="accent4">
+              <a:lumMod val="20000"/>
+              <a:lumOff val="80000"/>
+            </a:schemeClr>
+          </a:solidFill>
+        </p:spPr>
+        <p:txBody>
+          <a:bodyPr wrap="none" rtlCol="0">
+            <a:spAutoFit/>
+          </a:bodyPr>
+          <a:lstStyle/>
+          <a:p>
+            <a:r>
+              <a:rPr lang="tr-TR" sz="2000" b="1" dirty="0">
+                <a:solidFill>
+                  <a:srgbClr val="FF0000"/>
+                </a:solidFill>
+              </a:rPr>
+              <a:t>CPU</a:t>
+            </a:r>
+            <a:endParaRPr lang="en-US" sz="2000" b="1" dirty="0">
+              <a:solidFill>
+                <a:srgbClr val="FF0000"/>
+              </a:solidFill>
+            </a:endParaRPr>
+          </a:p>
+        </p:txBody>
+      </p:sp>
+      <p:cxnSp>
+        <p:nvCxnSpPr>
+          <p:cNvPr id="51" name="Straight Arrow Connector 50">
+            <a:extLst>
+              <a:ext uri="{FF2B5EF4-FFF2-40B4-BE49-F238E27FC236}">
+                <a16:creationId xmlns:a16="http://schemas.microsoft.com/office/drawing/2014/main" id="{762607BC-D459-43BE-3E7A-8AE436FC41F5}"/>
+              </a:ext>
+            </a:extLst>
+          </p:cNvPr>
+          <p:cNvCxnSpPr>
+            <a:cxnSpLocks/>
+            <a:stCxn id="50" idx="1"/>
+          </p:cNvCxnSpPr>
+          <p:nvPr/>
+        </p:nvCxnSpPr>
+        <p:spPr>
+          <a:xfrm flipH="1">
+            <a:off x="7500713" y="5811627"/>
+            <a:ext cx="1039231" cy="0"/>
+          </a:xfrm>
+          <a:prstGeom prst="straightConnector1">
+            <a:avLst/>
+          </a:prstGeom>
+          <a:ln w="38100">
+            <a:solidFill>
+              <a:srgbClr val="FF0000"/>
+            </a:solidFill>
+            <a:tailEnd type="triangle"/>
+          </a:ln>
+        </p:spPr>
+        <p:style>
+          <a:lnRef idx="1">
+            <a:schemeClr val="accent1"/>
+          </a:lnRef>
+          <a:fillRef idx="0">
+            <a:schemeClr val="accent1"/>
+          </a:fillRef>
+          <a:effectRef idx="0">
+            <a:schemeClr val="accent1"/>
+          </a:effectRef>
+          <a:fontRef idx="minor">
+            <a:schemeClr val="tx1"/>
+          </a:fontRef>
+        </p:style>
+      </p:cxnSp>
     </p:spTree>
     <p:extLst>
       <p:ext uri="{BB962C8B-B14F-4D97-AF65-F5344CB8AC3E}">
-        <p14:creationId xmlns:p14="http://schemas.microsoft.com/office/powerpoint/2010/main" val="3116958821"/>
+        <p14:creationId xmlns:p14="http://schemas.microsoft.com/office/powerpoint/2010/main" val="3729108011"/>
       </p:ext>
     </p:extLst>
   </p:cSld>
@@ -5289,53 +8940,2196 @@
           <a:lstStyle/>
           <a:p>
             <a:r>
-              <a:rPr lang="en-US" b="1" dirty="0">
+              <a:rPr lang="tr-TR" b="1" dirty="0">
                 <a:solidFill>
                   <a:srgbClr val="292D33"/>
                 </a:solidFill>
                 <a:latin typeface="Euclid Circular B" panose="020B0504000000000000" pitchFamily="34" charset="0"/>
                 <a:ea typeface="Euclid Circular B" panose="020B0504000000000000" pitchFamily="34" charset="0"/>
               </a:rPr>
-              <a:t>Topic title</a:t>
-            </a:r>
-          </a:p>
-        </p:txBody>
-      </p:sp>
-      <p:sp>
-        <p:nvSpPr>
-          <p:cNvPr id="3" name="Content Placeholder 2">
-            <a:extLst>
-              <a:ext uri="{FF2B5EF4-FFF2-40B4-BE49-F238E27FC236}">
-                <a16:creationId xmlns:a16="http://schemas.microsoft.com/office/drawing/2014/main" id="{891C7693-D3DF-4635-96F4-97F3B4136FDF}"/>
-              </a:ext>
-            </a:extLst>
-          </p:cNvPr>
-          <p:cNvSpPr>
-            <a:spLocks noGrp="1"/>
-          </p:cNvSpPr>
-          <p:nvPr>
-            <p:ph idx="1"/>
-          </p:nvPr>
-        </p:nvSpPr>
-        <p:spPr/>
-        <p:txBody>
-          <a:bodyPr/>
-          <a:lstStyle/>
-          <a:p>
-            <a:r>
-              <a:rPr lang="en-US" dirty="0">
-                <a:latin typeface="Euclid Circular B" panose="020B0504000000000000" pitchFamily="34" charset="0"/>
-                <a:ea typeface="Euclid Circular B" panose="020B0504000000000000" pitchFamily="34" charset="0"/>
+              <a:t>Single-Core / Multi-Processing</a:t>
+            </a:r>
+            <a:endParaRPr lang="en-US" b="1" dirty="0">
+              <a:solidFill>
+                <a:srgbClr val="292D33"/>
+              </a:solidFill>
+              <a:latin typeface="Euclid Circular B" panose="020B0504000000000000" pitchFamily="34" charset="0"/>
+              <a:ea typeface="Euclid Circular B" panose="020B0504000000000000" pitchFamily="34" charset="0"/>
+            </a:endParaRPr>
+          </a:p>
+        </p:txBody>
+      </p:sp>
+      <p:sp>
+        <p:nvSpPr>
+          <p:cNvPr id="6" name="Rectangle 5">
+            <a:extLst>
+              <a:ext uri="{FF2B5EF4-FFF2-40B4-BE49-F238E27FC236}">
+                <a16:creationId xmlns:a16="http://schemas.microsoft.com/office/drawing/2014/main" id="{537C57FB-FB6B-9ADF-44EF-6004E9A953B7}"/>
+              </a:ext>
+            </a:extLst>
+          </p:cNvPr>
+          <p:cNvSpPr/>
+          <p:nvPr/>
+        </p:nvSpPr>
+        <p:spPr>
+          <a:xfrm>
+            <a:off x="6735411" y="2413261"/>
+            <a:ext cx="334691" cy="461914"/>
+          </a:xfrm>
+          <a:prstGeom prst="rect">
+            <a:avLst/>
+          </a:prstGeom>
+        </p:spPr>
+        <p:style>
+          <a:lnRef idx="2">
+            <a:schemeClr val="accent1">
+              <a:shade val="50000"/>
+            </a:schemeClr>
+          </a:lnRef>
+          <a:fillRef idx="1">
+            <a:schemeClr val="accent1"/>
+          </a:fillRef>
+          <a:effectRef idx="0">
+            <a:schemeClr val="accent1"/>
+          </a:effectRef>
+          <a:fontRef idx="minor">
+            <a:schemeClr val="lt1"/>
+          </a:fontRef>
+        </p:style>
+        <p:txBody>
+          <a:bodyPr lIns="0" tIns="0" rIns="0" bIns="0" rtlCol="0" anchor="ctr"/>
+          <a:lstStyle/>
+          <a:p>
+            <a:pPr algn="ctr"/>
+            <a:r>
+              <a:rPr lang="tr-TR" sz="2400" dirty="0"/>
+              <a:t>S</a:t>
+            </a:r>
+            <a:r>
+              <a:rPr lang="tr-TR" sz="2400" baseline="-25000" dirty="0"/>
+              <a:t>8</a:t>
+            </a:r>
+            <a:endParaRPr lang="en-US" sz="2400" baseline="-25000" dirty="0"/>
+          </a:p>
+        </p:txBody>
+      </p:sp>
+      <p:sp>
+        <p:nvSpPr>
+          <p:cNvPr id="7" name="Rectangle 6">
+            <a:extLst>
+              <a:ext uri="{FF2B5EF4-FFF2-40B4-BE49-F238E27FC236}">
+                <a16:creationId xmlns:a16="http://schemas.microsoft.com/office/drawing/2014/main" id="{080863B3-75B9-6846-1D65-36CA454DCD10}"/>
+              </a:ext>
+            </a:extLst>
+          </p:cNvPr>
+          <p:cNvSpPr/>
+          <p:nvPr/>
+        </p:nvSpPr>
+        <p:spPr>
+          <a:xfrm>
+            <a:off x="7161189" y="2413261"/>
+            <a:ext cx="334691" cy="461914"/>
+          </a:xfrm>
+          <a:prstGeom prst="rect">
+            <a:avLst/>
+          </a:prstGeom>
+        </p:spPr>
+        <p:style>
+          <a:lnRef idx="2">
+            <a:schemeClr val="accent1">
+              <a:shade val="50000"/>
+            </a:schemeClr>
+          </a:lnRef>
+          <a:fillRef idx="1">
+            <a:schemeClr val="accent1"/>
+          </a:fillRef>
+          <a:effectRef idx="0">
+            <a:schemeClr val="accent1"/>
+          </a:effectRef>
+          <a:fontRef idx="minor">
+            <a:schemeClr val="lt1"/>
+          </a:fontRef>
+        </p:style>
+        <p:txBody>
+          <a:bodyPr lIns="0" tIns="0" rIns="0" bIns="0" rtlCol="0" anchor="ctr"/>
+          <a:lstStyle/>
+          <a:p>
+            <a:pPr algn="ctr"/>
+            <a:r>
+              <a:rPr lang="tr-TR" sz="2400" dirty="0"/>
+              <a:t>S</a:t>
+            </a:r>
+            <a:r>
+              <a:rPr lang="tr-TR" sz="2400" baseline="-25000" dirty="0"/>
+              <a:t>7</a:t>
+            </a:r>
+            <a:endParaRPr lang="en-US" sz="2400" baseline="-25000" dirty="0"/>
+          </a:p>
+        </p:txBody>
+      </p:sp>
+      <p:sp>
+        <p:nvSpPr>
+          <p:cNvPr id="8" name="Rectangle 7">
+            <a:extLst>
+              <a:ext uri="{FF2B5EF4-FFF2-40B4-BE49-F238E27FC236}">
+                <a16:creationId xmlns:a16="http://schemas.microsoft.com/office/drawing/2014/main" id="{8FB26CB2-B3B5-263B-D348-8F3CFA5DC699}"/>
+              </a:ext>
+            </a:extLst>
+          </p:cNvPr>
+          <p:cNvSpPr/>
+          <p:nvPr/>
+        </p:nvSpPr>
+        <p:spPr>
+          <a:xfrm>
+            <a:off x="7594821" y="2413261"/>
+            <a:ext cx="334691" cy="461914"/>
+          </a:xfrm>
+          <a:prstGeom prst="rect">
+            <a:avLst/>
+          </a:prstGeom>
+        </p:spPr>
+        <p:style>
+          <a:lnRef idx="2">
+            <a:schemeClr val="accent1">
+              <a:shade val="50000"/>
+            </a:schemeClr>
+          </a:lnRef>
+          <a:fillRef idx="1">
+            <a:schemeClr val="accent1"/>
+          </a:fillRef>
+          <a:effectRef idx="0">
+            <a:schemeClr val="accent1"/>
+          </a:effectRef>
+          <a:fontRef idx="minor">
+            <a:schemeClr val="lt1"/>
+          </a:fontRef>
+        </p:style>
+        <p:txBody>
+          <a:bodyPr lIns="0" tIns="0" rIns="0" bIns="0" rtlCol="0" anchor="ctr"/>
+          <a:lstStyle/>
+          <a:p>
+            <a:pPr algn="ctr"/>
+            <a:r>
+              <a:rPr lang="tr-TR" sz="2400" dirty="0"/>
+              <a:t>S</a:t>
+            </a:r>
+            <a:r>
+              <a:rPr lang="tr-TR" sz="2400" baseline="-25000" dirty="0"/>
+              <a:t>6</a:t>
+            </a:r>
+            <a:endParaRPr lang="en-US" sz="2400" baseline="-25000" dirty="0"/>
+          </a:p>
+        </p:txBody>
+      </p:sp>
+      <p:sp>
+        <p:nvSpPr>
+          <p:cNvPr id="9" name="Rectangle 8">
+            <a:extLst>
+              <a:ext uri="{FF2B5EF4-FFF2-40B4-BE49-F238E27FC236}">
+                <a16:creationId xmlns:a16="http://schemas.microsoft.com/office/drawing/2014/main" id="{8F9CEF9C-943D-D662-DEA8-DC79135802F9}"/>
+              </a:ext>
+            </a:extLst>
+          </p:cNvPr>
+          <p:cNvSpPr/>
+          <p:nvPr/>
+        </p:nvSpPr>
+        <p:spPr>
+          <a:xfrm>
+            <a:off x="8020599" y="2413261"/>
+            <a:ext cx="334691" cy="461914"/>
+          </a:xfrm>
+          <a:prstGeom prst="rect">
+            <a:avLst/>
+          </a:prstGeom>
+        </p:spPr>
+        <p:style>
+          <a:lnRef idx="2">
+            <a:schemeClr val="accent1">
+              <a:shade val="50000"/>
+            </a:schemeClr>
+          </a:lnRef>
+          <a:fillRef idx="1">
+            <a:schemeClr val="accent1"/>
+          </a:fillRef>
+          <a:effectRef idx="0">
+            <a:schemeClr val="accent1"/>
+          </a:effectRef>
+          <a:fontRef idx="minor">
+            <a:schemeClr val="lt1"/>
+          </a:fontRef>
+        </p:style>
+        <p:txBody>
+          <a:bodyPr lIns="0" tIns="0" rIns="0" bIns="0" rtlCol="0" anchor="ctr"/>
+          <a:lstStyle/>
+          <a:p>
+            <a:pPr algn="ctr"/>
+            <a:r>
+              <a:rPr lang="tr-TR" sz="2400" dirty="0"/>
+              <a:t>S</a:t>
+            </a:r>
+            <a:r>
+              <a:rPr lang="tr-TR" sz="2400" baseline="-25000" dirty="0"/>
+              <a:t>5</a:t>
+            </a:r>
+            <a:endParaRPr lang="en-US" sz="2400" baseline="-25000" dirty="0"/>
+          </a:p>
+        </p:txBody>
+      </p:sp>
+      <p:sp>
+        <p:nvSpPr>
+          <p:cNvPr id="10" name="Rectangle 9">
+            <a:extLst>
+              <a:ext uri="{FF2B5EF4-FFF2-40B4-BE49-F238E27FC236}">
+                <a16:creationId xmlns:a16="http://schemas.microsoft.com/office/drawing/2014/main" id="{208F4610-ED08-B87C-B13C-F634AF4CE6B1}"/>
+              </a:ext>
+            </a:extLst>
+          </p:cNvPr>
+          <p:cNvSpPr/>
+          <p:nvPr/>
+        </p:nvSpPr>
+        <p:spPr>
+          <a:xfrm>
+            <a:off x="8446377" y="2413261"/>
+            <a:ext cx="334691" cy="461914"/>
+          </a:xfrm>
+          <a:prstGeom prst="rect">
+            <a:avLst/>
+          </a:prstGeom>
+        </p:spPr>
+        <p:style>
+          <a:lnRef idx="2">
+            <a:schemeClr val="accent1">
+              <a:shade val="50000"/>
+            </a:schemeClr>
+          </a:lnRef>
+          <a:fillRef idx="1">
+            <a:schemeClr val="accent1"/>
+          </a:fillRef>
+          <a:effectRef idx="0">
+            <a:schemeClr val="accent1"/>
+          </a:effectRef>
+          <a:fontRef idx="minor">
+            <a:schemeClr val="lt1"/>
+          </a:fontRef>
+        </p:style>
+        <p:txBody>
+          <a:bodyPr lIns="0" tIns="0" rIns="0" bIns="0" rtlCol="0" anchor="ctr"/>
+          <a:lstStyle/>
+          <a:p>
+            <a:pPr algn="ctr"/>
+            <a:r>
+              <a:rPr lang="tr-TR" sz="2400" dirty="0"/>
+              <a:t>S</a:t>
+            </a:r>
+            <a:r>
+              <a:rPr lang="tr-TR" sz="2400" baseline="-25000" dirty="0"/>
+              <a:t>4</a:t>
+            </a:r>
+            <a:endParaRPr lang="en-US" sz="2400" baseline="-25000" dirty="0"/>
+          </a:p>
+        </p:txBody>
+      </p:sp>
+      <p:sp>
+        <p:nvSpPr>
+          <p:cNvPr id="11" name="Rectangle 10">
+            <a:extLst>
+              <a:ext uri="{FF2B5EF4-FFF2-40B4-BE49-F238E27FC236}">
+                <a16:creationId xmlns:a16="http://schemas.microsoft.com/office/drawing/2014/main" id="{B99B0BC9-6F85-804F-DB5F-2B5DEB493D37}"/>
+              </a:ext>
+            </a:extLst>
+          </p:cNvPr>
+          <p:cNvSpPr/>
+          <p:nvPr/>
+        </p:nvSpPr>
+        <p:spPr>
+          <a:xfrm>
+            <a:off x="8872155" y="2413261"/>
+            <a:ext cx="334691" cy="461914"/>
+          </a:xfrm>
+          <a:prstGeom prst="rect">
+            <a:avLst/>
+          </a:prstGeom>
+        </p:spPr>
+        <p:style>
+          <a:lnRef idx="2">
+            <a:schemeClr val="accent1">
+              <a:shade val="50000"/>
+            </a:schemeClr>
+          </a:lnRef>
+          <a:fillRef idx="1">
+            <a:schemeClr val="accent1"/>
+          </a:fillRef>
+          <a:effectRef idx="0">
+            <a:schemeClr val="accent1"/>
+          </a:effectRef>
+          <a:fontRef idx="minor">
+            <a:schemeClr val="lt1"/>
+          </a:fontRef>
+        </p:style>
+        <p:txBody>
+          <a:bodyPr lIns="0" tIns="0" rIns="0" bIns="0" rtlCol="0" anchor="ctr"/>
+          <a:lstStyle/>
+          <a:p>
+            <a:pPr algn="ctr"/>
+            <a:r>
+              <a:rPr lang="tr-TR" sz="2400" dirty="0"/>
+              <a:t>S</a:t>
+            </a:r>
+            <a:r>
+              <a:rPr lang="tr-TR" sz="2400" baseline="-25000" dirty="0"/>
+              <a:t>3</a:t>
+            </a:r>
+            <a:endParaRPr lang="en-US" sz="2400" baseline="-25000" dirty="0"/>
+          </a:p>
+        </p:txBody>
+      </p:sp>
+      <p:sp>
+        <p:nvSpPr>
+          <p:cNvPr id="12" name="Rectangle 11">
+            <a:extLst>
+              <a:ext uri="{FF2B5EF4-FFF2-40B4-BE49-F238E27FC236}">
+                <a16:creationId xmlns:a16="http://schemas.microsoft.com/office/drawing/2014/main" id="{C2CEDA4D-4377-F966-F1AA-56FE9F69A06E}"/>
+              </a:ext>
+            </a:extLst>
+          </p:cNvPr>
+          <p:cNvSpPr/>
+          <p:nvPr/>
+        </p:nvSpPr>
+        <p:spPr>
+          <a:xfrm>
+            <a:off x="9305787" y="2413261"/>
+            <a:ext cx="334691" cy="461914"/>
+          </a:xfrm>
+          <a:prstGeom prst="rect">
+            <a:avLst/>
+          </a:prstGeom>
+        </p:spPr>
+        <p:style>
+          <a:lnRef idx="2">
+            <a:schemeClr val="accent1">
+              <a:shade val="50000"/>
+            </a:schemeClr>
+          </a:lnRef>
+          <a:fillRef idx="1">
+            <a:schemeClr val="accent1"/>
+          </a:fillRef>
+          <a:effectRef idx="0">
+            <a:schemeClr val="accent1"/>
+          </a:effectRef>
+          <a:fontRef idx="minor">
+            <a:schemeClr val="lt1"/>
+          </a:fontRef>
+        </p:style>
+        <p:txBody>
+          <a:bodyPr lIns="0" tIns="0" rIns="0" bIns="0" rtlCol="0" anchor="ctr"/>
+          <a:lstStyle/>
+          <a:p>
+            <a:pPr algn="ctr"/>
+            <a:r>
+              <a:rPr lang="tr-TR" sz="2400" dirty="0"/>
+              <a:t>S</a:t>
+            </a:r>
+            <a:r>
+              <a:rPr lang="tr-TR" sz="2400" baseline="-25000" dirty="0"/>
+              <a:t>2</a:t>
+            </a:r>
+            <a:endParaRPr lang="en-US" sz="2400" baseline="-25000" dirty="0"/>
+          </a:p>
+        </p:txBody>
+      </p:sp>
+      <p:sp>
+        <p:nvSpPr>
+          <p:cNvPr id="13" name="Rectangle 12">
+            <a:extLst>
+              <a:ext uri="{FF2B5EF4-FFF2-40B4-BE49-F238E27FC236}">
+                <a16:creationId xmlns:a16="http://schemas.microsoft.com/office/drawing/2014/main" id="{2E2A3445-63AB-1B1F-E8D8-2AC478A02886}"/>
+              </a:ext>
+            </a:extLst>
+          </p:cNvPr>
+          <p:cNvSpPr/>
+          <p:nvPr/>
+        </p:nvSpPr>
+        <p:spPr>
+          <a:xfrm>
+            <a:off x="9731565" y="2413261"/>
+            <a:ext cx="334691" cy="461914"/>
+          </a:xfrm>
+          <a:prstGeom prst="rect">
+            <a:avLst/>
+          </a:prstGeom>
+        </p:spPr>
+        <p:style>
+          <a:lnRef idx="2">
+            <a:schemeClr val="accent1">
+              <a:shade val="50000"/>
+            </a:schemeClr>
+          </a:lnRef>
+          <a:fillRef idx="1">
+            <a:schemeClr val="accent1"/>
+          </a:fillRef>
+          <a:effectRef idx="0">
+            <a:schemeClr val="accent1"/>
+          </a:effectRef>
+          <a:fontRef idx="minor">
+            <a:schemeClr val="lt1"/>
+          </a:fontRef>
+        </p:style>
+        <p:txBody>
+          <a:bodyPr lIns="0" tIns="0" rIns="0" bIns="0" rtlCol="0" anchor="ctr"/>
+          <a:lstStyle/>
+          <a:p>
+            <a:pPr algn="ctr"/>
+            <a:r>
+              <a:rPr lang="tr-TR" sz="2400" dirty="0"/>
+              <a:t>S</a:t>
+            </a:r>
+            <a:r>
+              <a:rPr lang="tr-TR" sz="2400" baseline="-25000" dirty="0"/>
+              <a:t>1</a:t>
+            </a:r>
+            <a:endParaRPr lang="en-US" sz="2400" baseline="-25000" dirty="0"/>
+          </a:p>
+        </p:txBody>
+      </p:sp>
+      <p:sp>
+        <p:nvSpPr>
+          <p:cNvPr id="21" name="Rectangle 20">
+            <a:extLst>
+              <a:ext uri="{FF2B5EF4-FFF2-40B4-BE49-F238E27FC236}">
+                <a16:creationId xmlns:a16="http://schemas.microsoft.com/office/drawing/2014/main" id="{13C905F6-3206-EABE-1B5C-FDC278BA0FEA}"/>
+              </a:ext>
+            </a:extLst>
+          </p:cNvPr>
+          <p:cNvSpPr/>
+          <p:nvPr/>
+        </p:nvSpPr>
+        <p:spPr>
+          <a:xfrm>
+            <a:off x="1495758" y="2413261"/>
+            <a:ext cx="334691" cy="461914"/>
+          </a:xfrm>
+          <a:prstGeom prst="rect">
+            <a:avLst/>
+          </a:prstGeom>
+        </p:spPr>
+        <p:style>
+          <a:lnRef idx="2">
+            <a:schemeClr val="accent6">
+              <a:shade val="50000"/>
+            </a:schemeClr>
+          </a:lnRef>
+          <a:fillRef idx="1">
+            <a:schemeClr val="accent6"/>
+          </a:fillRef>
+          <a:effectRef idx="0">
+            <a:schemeClr val="accent6"/>
+          </a:effectRef>
+          <a:fontRef idx="minor">
+            <a:schemeClr val="lt1"/>
+          </a:fontRef>
+        </p:style>
+        <p:txBody>
+          <a:bodyPr lIns="0" tIns="0" rIns="0" bIns="0" rtlCol="0" anchor="ctr"/>
+          <a:lstStyle/>
+          <a:p>
+            <a:pPr algn="ctr"/>
+            <a:r>
+              <a:rPr lang="tr-TR" sz="2400" dirty="0"/>
+              <a:t>S</a:t>
+            </a:r>
+            <a:r>
+              <a:rPr lang="tr-TR" sz="2400" baseline="-25000" dirty="0"/>
+              <a:t>8</a:t>
+            </a:r>
+            <a:endParaRPr lang="en-US" sz="2400" baseline="-25000" dirty="0"/>
+          </a:p>
+        </p:txBody>
+      </p:sp>
+      <p:sp>
+        <p:nvSpPr>
+          <p:cNvPr id="22" name="Rectangle 21">
+            <a:extLst>
+              <a:ext uri="{FF2B5EF4-FFF2-40B4-BE49-F238E27FC236}">
+                <a16:creationId xmlns:a16="http://schemas.microsoft.com/office/drawing/2014/main" id="{0C0DBF36-8DD0-A03D-CBF5-433C383E0220}"/>
+              </a:ext>
+            </a:extLst>
+          </p:cNvPr>
+          <p:cNvSpPr/>
+          <p:nvPr/>
+        </p:nvSpPr>
+        <p:spPr>
+          <a:xfrm>
+            <a:off x="1921536" y="2413261"/>
+            <a:ext cx="334691" cy="461914"/>
+          </a:xfrm>
+          <a:prstGeom prst="rect">
+            <a:avLst/>
+          </a:prstGeom>
+        </p:spPr>
+        <p:style>
+          <a:lnRef idx="2">
+            <a:schemeClr val="accent6">
+              <a:shade val="50000"/>
+            </a:schemeClr>
+          </a:lnRef>
+          <a:fillRef idx="1">
+            <a:schemeClr val="accent6"/>
+          </a:fillRef>
+          <a:effectRef idx="0">
+            <a:schemeClr val="accent6"/>
+          </a:effectRef>
+          <a:fontRef idx="minor">
+            <a:schemeClr val="lt1"/>
+          </a:fontRef>
+        </p:style>
+        <p:txBody>
+          <a:bodyPr lIns="0" tIns="0" rIns="0" bIns="0" rtlCol="0" anchor="ctr"/>
+          <a:lstStyle/>
+          <a:p>
+            <a:pPr algn="ctr"/>
+            <a:r>
+              <a:rPr lang="tr-TR" sz="2400" dirty="0"/>
+              <a:t>S</a:t>
+            </a:r>
+            <a:r>
+              <a:rPr lang="tr-TR" sz="2400" baseline="-25000" dirty="0"/>
+              <a:t>7</a:t>
+            </a:r>
+            <a:endParaRPr lang="en-US" sz="2400" baseline="-25000" dirty="0"/>
+          </a:p>
+        </p:txBody>
+      </p:sp>
+      <p:sp>
+        <p:nvSpPr>
+          <p:cNvPr id="23" name="Rectangle 22">
+            <a:extLst>
+              <a:ext uri="{FF2B5EF4-FFF2-40B4-BE49-F238E27FC236}">
+                <a16:creationId xmlns:a16="http://schemas.microsoft.com/office/drawing/2014/main" id="{C1BE6FBC-2CEC-ED50-C006-5D1DCA0F9B45}"/>
+              </a:ext>
+            </a:extLst>
+          </p:cNvPr>
+          <p:cNvSpPr/>
+          <p:nvPr/>
+        </p:nvSpPr>
+        <p:spPr>
+          <a:xfrm>
+            <a:off x="2355168" y="2413261"/>
+            <a:ext cx="334691" cy="461914"/>
+          </a:xfrm>
+          <a:prstGeom prst="rect">
+            <a:avLst/>
+          </a:prstGeom>
+        </p:spPr>
+        <p:style>
+          <a:lnRef idx="2">
+            <a:schemeClr val="accent6">
+              <a:shade val="50000"/>
+            </a:schemeClr>
+          </a:lnRef>
+          <a:fillRef idx="1">
+            <a:schemeClr val="accent6"/>
+          </a:fillRef>
+          <a:effectRef idx="0">
+            <a:schemeClr val="accent6"/>
+          </a:effectRef>
+          <a:fontRef idx="minor">
+            <a:schemeClr val="lt1"/>
+          </a:fontRef>
+        </p:style>
+        <p:txBody>
+          <a:bodyPr lIns="0" tIns="0" rIns="0" bIns="0" rtlCol="0" anchor="ctr"/>
+          <a:lstStyle/>
+          <a:p>
+            <a:pPr algn="ctr"/>
+            <a:r>
+              <a:rPr lang="tr-TR" sz="2400" dirty="0"/>
+              <a:t>S</a:t>
+            </a:r>
+            <a:r>
+              <a:rPr lang="tr-TR" sz="2400" baseline="-25000" dirty="0"/>
+              <a:t>6</a:t>
+            </a:r>
+            <a:endParaRPr lang="en-US" sz="2400" baseline="-25000" dirty="0"/>
+          </a:p>
+        </p:txBody>
+      </p:sp>
+      <p:sp>
+        <p:nvSpPr>
+          <p:cNvPr id="24" name="Rectangle 23">
+            <a:extLst>
+              <a:ext uri="{FF2B5EF4-FFF2-40B4-BE49-F238E27FC236}">
+                <a16:creationId xmlns:a16="http://schemas.microsoft.com/office/drawing/2014/main" id="{71827F5F-D028-628F-3D43-35662355E4EE}"/>
+              </a:ext>
+            </a:extLst>
+          </p:cNvPr>
+          <p:cNvSpPr/>
+          <p:nvPr/>
+        </p:nvSpPr>
+        <p:spPr>
+          <a:xfrm>
+            <a:off x="2780946" y="2413261"/>
+            <a:ext cx="334691" cy="461914"/>
+          </a:xfrm>
+          <a:prstGeom prst="rect">
+            <a:avLst/>
+          </a:prstGeom>
+        </p:spPr>
+        <p:style>
+          <a:lnRef idx="2">
+            <a:schemeClr val="accent6">
+              <a:shade val="50000"/>
+            </a:schemeClr>
+          </a:lnRef>
+          <a:fillRef idx="1">
+            <a:schemeClr val="accent6"/>
+          </a:fillRef>
+          <a:effectRef idx="0">
+            <a:schemeClr val="accent6"/>
+          </a:effectRef>
+          <a:fontRef idx="minor">
+            <a:schemeClr val="lt1"/>
+          </a:fontRef>
+        </p:style>
+        <p:txBody>
+          <a:bodyPr lIns="0" tIns="0" rIns="0" bIns="0" rtlCol="0" anchor="ctr"/>
+          <a:lstStyle/>
+          <a:p>
+            <a:pPr algn="ctr"/>
+            <a:r>
+              <a:rPr lang="tr-TR" sz="2400" dirty="0"/>
+              <a:t>S</a:t>
+            </a:r>
+            <a:r>
+              <a:rPr lang="tr-TR" sz="2400" baseline="-25000" dirty="0"/>
+              <a:t>5</a:t>
+            </a:r>
+            <a:endParaRPr lang="en-US" sz="2400" baseline="-25000" dirty="0"/>
+          </a:p>
+        </p:txBody>
+      </p:sp>
+      <p:sp>
+        <p:nvSpPr>
+          <p:cNvPr id="25" name="Rectangle 24">
+            <a:extLst>
+              <a:ext uri="{FF2B5EF4-FFF2-40B4-BE49-F238E27FC236}">
+                <a16:creationId xmlns:a16="http://schemas.microsoft.com/office/drawing/2014/main" id="{E32D6099-FA6C-E845-668B-44EB35FE3D49}"/>
+              </a:ext>
+            </a:extLst>
+          </p:cNvPr>
+          <p:cNvSpPr/>
+          <p:nvPr/>
+        </p:nvSpPr>
+        <p:spPr>
+          <a:xfrm>
+            <a:off x="3206724" y="2413261"/>
+            <a:ext cx="334691" cy="461914"/>
+          </a:xfrm>
+          <a:prstGeom prst="rect">
+            <a:avLst/>
+          </a:prstGeom>
+        </p:spPr>
+        <p:style>
+          <a:lnRef idx="2">
+            <a:schemeClr val="accent6">
+              <a:shade val="50000"/>
+            </a:schemeClr>
+          </a:lnRef>
+          <a:fillRef idx="1">
+            <a:schemeClr val="accent6"/>
+          </a:fillRef>
+          <a:effectRef idx="0">
+            <a:schemeClr val="accent6"/>
+          </a:effectRef>
+          <a:fontRef idx="minor">
+            <a:schemeClr val="lt1"/>
+          </a:fontRef>
+        </p:style>
+        <p:txBody>
+          <a:bodyPr lIns="0" tIns="0" rIns="0" bIns="0" rtlCol="0" anchor="ctr"/>
+          <a:lstStyle/>
+          <a:p>
+            <a:pPr algn="ctr"/>
+            <a:r>
+              <a:rPr lang="tr-TR" sz="2400" dirty="0"/>
+              <a:t>S</a:t>
+            </a:r>
+            <a:r>
+              <a:rPr lang="tr-TR" sz="2400" baseline="-25000" dirty="0"/>
+              <a:t>4</a:t>
+            </a:r>
+            <a:endParaRPr lang="en-US" sz="2400" baseline="-25000" dirty="0"/>
+          </a:p>
+        </p:txBody>
+      </p:sp>
+      <p:sp>
+        <p:nvSpPr>
+          <p:cNvPr id="26" name="Rectangle 25">
+            <a:extLst>
+              <a:ext uri="{FF2B5EF4-FFF2-40B4-BE49-F238E27FC236}">
+                <a16:creationId xmlns:a16="http://schemas.microsoft.com/office/drawing/2014/main" id="{84A84157-55DC-8635-9830-43611AC7FBDF}"/>
+              </a:ext>
+            </a:extLst>
+          </p:cNvPr>
+          <p:cNvSpPr/>
+          <p:nvPr/>
+        </p:nvSpPr>
+        <p:spPr>
+          <a:xfrm>
+            <a:off x="3632502" y="2413261"/>
+            <a:ext cx="334691" cy="461914"/>
+          </a:xfrm>
+          <a:prstGeom prst="rect">
+            <a:avLst/>
+          </a:prstGeom>
+        </p:spPr>
+        <p:style>
+          <a:lnRef idx="2">
+            <a:schemeClr val="accent6">
+              <a:shade val="50000"/>
+            </a:schemeClr>
+          </a:lnRef>
+          <a:fillRef idx="1">
+            <a:schemeClr val="accent6"/>
+          </a:fillRef>
+          <a:effectRef idx="0">
+            <a:schemeClr val="accent6"/>
+          </a:effectRef>
+          <a:fontRef idx="minor">
+            <a:schemeClr val="lt1"/>
+          </a:fontRef>
+        </p:style>
+        <p:txBody>
+          <a:bodyPr lIns="0" tIns="0" rIns="0" bIns="0" rtlCol="0" anchor="ctr"/>
+          <a:lstStyle/>
+          <a:p>
+            <a:pPr algn="ctr"/>
+            <a:r>
+              <a:rPr lang="tr-TR" sz="2400" dirty="0"/>
+              <a:t>S</a:t>
+            </a:r>
+            <a:r>
+              <a:rPr lang="tr-TR" sz="2400" baseline="-25000" dirty="0"/>
+              <a:t>3</a:t>
+            </a:r>
+            <a:endParaRPr lang="en-US" sz="2400" baseline="-25000" dirty="0"/>
+          </a:p>
+        </p:txBody>
+      </p:sp>
+      <p:sp>
+        <p:nvSpPr>
+          <p:cNvPr id="27" name="Rectangle 26">
+            <a:extLst>
+              <a:ext uri="{FF2B5EF4-FFF2-40B4-BE49-F238E27FC236}">
+                <a16:creationId xmlns:a16="http://schemas.microsoft.com/office/drawing/2014/main" id="{F86A895B-152E-7552-812F-E69D7BF1FFE3}"/>
+              </a:ext>
+            </a:extLst>
+          </p:cNvPr>
+          <p:cNvSpPr/>
+          <p:nvPr/>
+        </p:nvSpPr>
+        <p:spPr>
+          <a:xfrm>
+            <a:off x="4066134" y="2413261"/>
+            <a:ext cx="334691" cy="461914"/>
+          </a:xfrm>
+          <a:prstGeom prst="rect">
+            <a:avLst/>
+          </a:prstGeom>
+        </p:spPr>
+        <p:style>
+          <a:lnRef idx="2">
+            <a:schemeClr val="accent6">
+              <a:shade val="50000"/>
+            </a:schemeClr>
+          </a:lnRef>
+          <a:fillRef idx="1">
+            <a:schemeClr val="accent6"/>
+          </a:fillRef>
+          <a:effectRef idx="0">
+            <a:schemeClr val="accent6"/>
+          </a:effectRef>
+          <a:fontRef idx="minor">
+            <a:schemeClr val="lt1"/>
+          </a:fontRef>
+        </p:style>
+        <p:txBody>
+          <a:bodyPr lIns="0" tIns="0" rIns="0" bIns="0" rtlCol="0" anchor="ctr"/>
+          <a:lstStyle/>
+          <a:p>
+            <a:pPr algn="ctr"/>
+            <a:r>
+              <a:rPr lang="tr-TR" sz="2400" dirty="0"/>
+              <a:t>S</a:t>
+            </a:r>
+            <a:r>
+              <a:rPr lang="tr-TR" sz="2400" baseline="-25000" dirty="0"/>
+              <a:t>2</a:t>
+            </a:r>
+            <a:endParaRPr lang="en-US" sz="2400" baseline="-25000" dirty="0"/>
+          </a:p>
+        </p:txBody>
+      </p:sp>
+      <p:sp>
+        <p:nvSpPr>
+          <p:cNvPr id="28" name="Rectangle 27">
+            <a:extLst>
+              <a:ext uri="{FF2B5EF4-FFF2-40B4-BE49-F238E27FC236}">
+                <a16:creationId xmlns:a16="http://schemas.microsoft.com/office/drawing/2014/main" id="{86E2FE1B-F3EF-4FD3-3BE1-159779DCD0AD}"/>
+              </a:ext>
+            </a:extLst>
+          </p:cNvPr>
+          <p:cNvSpPr/>
+          <p:nvPr/>
+        </p:nvSpPr>
+        <p:spPr>
+          <a:xfrm>
+            <a:off x="4491912" y="2413261"/>
+            <a:ext cx="334691" cy="461914"/>
+          </a:xfrm>
+          <a:prstGeom prst="rect">
+            <a:avLst/>
+          </a:prstGeom>
+        </p:spPr>
+        <p:style>
+          <a:lnRef idx="2">
+            <a:schemeClr val="accent6">
+              <a:shade val="50000"/>
+            </a:schemeClr>
+          </a:lnRef>
+          <a:fillRef idx="1">
+            <a:schemeClr val="accent6"/>
+          </a:fillRef>
+          <a:effectRef idx="0">
+            <a:schemeClr val="accent6"/>
+          </a:effectRef>
+          <a:fontRef idx="minor">
+            <a:schemeClr val="lt1"/>
+          </a:fontRef>
+        </p:style>
+        <p:txBody>
+          <a:bodyPr lIns="0" tIns="0" rIns="0" bIns="0" rtlCol="0" anchor="ctr"/>
+          <a:lstStyle/>
+          <a:p>
+            <a:pPr algn="ctr"/>
+            <a:r>
+              <a:rPr lang="tr-TR" sz="2400" dirty="0"/>
+              <a:t>S</a:t>
+            </a:r>
+            <a:r>
+              <a:rPr lang="tr-TR" sz="2400" baseline="-25000" dirty="0"/>
+              <a:t>1</a:t>
+            </a:r>
+            <a:endParaRPr lang="en-US" sz="2400" baseline="-25000" dirty="0"/>
+          </a:p>
+        </p:txBody>
+      </p:sp>
+      <p:sp>
+        <p:nvSpPr>
+          <p:cNvPr id="29" name="Rectangle 28">
+            <a:extLst>
+              <a:ext uri="{FF2B5EF4-FFF2-40B4-BE49-F238E27FC236}">
+                <a16:creationId xmlns:a16="http://schemas.microsoft.com/office/drawing/2014/main" id="{2288CE6E-E62F-B645-EFE2-069821227994}"/>
+              </a:ext>
+            </a:extLst>
+          </p:cNvPr>
+          <p:cNvSpPr/>
+          <p:nvPr/>
+        </p:nvSpPr>
+        <p:spPr>
+          <a:xfrm>
+            <a:off x="8628788" y="4694552"/>
+            <a:ext cx="446201" cy="575034"/>
+          </a:xfrm>
+          <a:prstGeom prst="rect">
+            <a:avLst/>
+          </a:prstGeom>
+          <a:noFill/>
+          <a:ln w="25400">
+            <a:solidFill>
+              <a:srgbClr val="FF0000"/>
+            </a:solidFill>
+          </a:ln>
+        </p:spPr>
+        <p:style>
+          <a:lnRef idx="2">
+            <a:schemeClr val="accent6">
+              <a:shade val="50000"/>
+            </a:schemeClr>
+          </a:lnRef>
+          <a:fillRef idx="1">
+            <a:schemeClr val="accent6"/>
+          </a:fillRef>
+          <a:effectRef idx="0">
+            <a:schemeClr val="accent6"/>
+          </a:effectRef>
+          <a:fontRef idx="minor">
+            <a:schemeClr val="lt1"/>
+          </a:fontRef>
+        </p:style>
+        <p:txBody>
+          <a:bodyPr rtlCol="0" anchor="ctr"/>
+          <a:lstStyle/>
+          <a:p>
+            <a:pPr algn="ctr"/>
+            <a:endParaRPr lang="en-US"/>
+          </a:p>
+        </p:txBody>
+      </p:sp>
+      <p:sp>
+        <p:nvSpPr>
+          <p:cNvPr id="30" name="Rectangle 29">
+            <a:extLst>
+              <a:ext uri="{FF2B5EF4-FFF2-40B4-BE49-F238E27FC236}">
+                <a16:creationId xmlns:a16="http://schemas.microsoft.com/office/drawing/2014/main" id="{6C5FE589-2821-BD96-96AD-848CBA033484}"/>
+              </a:ext>
+            </a:extLst>
+          </p:cNvPr>
+          <p:cNvSpPr/>
+          <p:nvPr/>
+        </p:nvSpPr>
+        <p:spPr>
+          <a:xfrm>
+            <a:off x="2792459" y="4746399"/>
+            <a:ext cx="334691" cy="461914"/>
+          </a:xfrm>
+          <a:prstGeom prst="rect">
+            <a:avLst/>
+          </a:prstGeom>
+        </p:spPr>
+        <p:style>
+          <a:lnRef idx="2">
+            <a:schemeClr val="accent1">
+              <a:shade val="50000"/>
+            </a:schemeClr>
+          </a:lnRef>
+          <a:fillRef idx="1">
+            <a:schemeClr val="accent1"/>
+          </a:fillRef>
+          <a:effectRef idx="0">
+            <a:schemeClr val="accent1"/>
+          </a:effectRef>
+          <a:fontRef idx="minor">
+            <a:schemeClr val="lt1"/>
+          </a:fontRef>
+        </p:style>
+        <p:txBody>
+          <a:bodyPr lIns="0" tIns="0" rIns="0" bIns="0" rtlCol="0" anchor="ctr"/>
+          <a:lstStyle/>
+          <a:p>
+            <a:pPr algn="ctr"/>
+            <a:r>
+              <a:rPr lang="tr-TR" sz="2400" dirty="0"/>
+              <a:t>S</a:t>
+            </a:r>
+            <a:r>
+              <a:rPr lang="tr-TR" sz="2400" baseline="-25000" dirty="0"/>
+              <a:t>8</a:t>
+            </a:r>
+            <a:endParaRPr lang="en-US" sz="2400" baseline="-25000" dirty="0"/>
+          </a:p>
+        </p:txBody>
+      </p:sp>
+      <p:sp>
+        <p:nvSpPr>
+          <p:cNvPr id="31" name="Rectangle 30">
+            <a:extLst>
+              <a:ext uri="{FF2B5EF4-FFF2-40B4-BE49-F238E27FC236}">
+                <a16:creationId xmlns:a16="http://schemas.microsoft.com/office/drawing/2014/main" id="{388932C5-98CA-696F-1F2C-72EA153126CD}"/>
+              </a:ext>
+            </a:extLst>
+          </p:cNvPr>
+          <p:cNvSpPr/>
+          <p:nvPr/>
+        </p:nvSpPr>
+        <p:spPr>
+          <a:xfrm>
+            <a:off x="3189673" y="4746399"/>
+            <a:ext cx="334691" cy="461914"/>
+          </a:xfrm>
+          <a:prstGeom prst="rect">
+            <a:avLst/>
+          </a:prstGeom>
+        </p:spPr>
+        <p:style>
+          <a:lnRef idx="2">
+            <a:schemeClr val="accent1">
+              <a:shade val="50000"/>
+            </a:schemeClr>
+          </a:lnRef>
+          <a:fillRef idx="1">
+            <a:schemeClr val="accent1"/>
+          </a:fillRef>
+          <a:effectRef idx="0">
+            <a:schemeClr val="accent1"/>
+          </a:effectRef>
+          <a:fontRef idx="minor">
+            <a:schemeClr val="lt1"/>
+          </a:fontRef>
+        </p:style>
+        <p:txBody>
+          <a:bodyPr lIns="0" tIns="0" rIns="0" bIns="0" rtlCol="0" anchor="ctr"/>
+          <a:lstStyle/>
+          <a:p>
+            <a:pPr algn="ctr"/>
+            <a:r>
+              <a:rPr lang="tr-TR" sz="2400" dirty="0"/>
+              <a:t>S</a:t>
+            </a:r>
+            <a:r>
+              <a:rPr lang="tr-TR" sz="2400" baseline="-25000" dirty="0"/>
+              <a:t>7</a:t>
+            </a:r>
+            <a:endParaRPr lang="en-US" sz="2400" baseline="-25000" dirty="0"/>
+          </a:p>
+        </p:txBody>
+      </p:sp>
+      <p:sp>
+        <p:nvSpPr>
+          <p:cNvPr id="32" name="Rectangle 31">
+            <a:extLst>
+              <a:ext uri="{FF2B5EF4-FFF2-40B4-BE49-F238E27FC236}">
+                <a16:creationId xmlns:a16="http://schemas.microsoft.com/office/drawing/2014/main" id="{7F42E894-83B8-EEE9-800E-CB4203AD8890}"/>
+              </a:ext>
+            </a:extLst>
+          </p:cNvPr>
+          <p:cNvSpPr/>
+          <p:nvPr/>
+        </p:nvSpPr>
+        <p:spPr>
+          <a:xfrm>
+            <a:off x="4358171" y="4751115"/>
+            <a:ext cx="334691" cy="461914"/>
+          </a:xfrm>
+          <a:prstGeom prst="rect">
+            <a:avLst/>
+          </a:prstGeom>
+        </p:spPr>
+        <p:style>
+          <a:lnRef idx="2">
+            <a:schemeClr val="accent1">
+              <a:shade val="50000"/>
+            </a:schemeClr>
+          </a:lnRef>
+          <a:fillRef idx="1">
+            <a:schemeClr val="accent1"/>
+          </a:fillRef>
+          <a:effectRef idx="0">
+            <a:schemeClr val="accent1"/>
+          </a:effectRef>
+          <a:fontRef idx="minor">
+            <a:schemeClr val="lt1"/>
+          </a:fontRef>
+        </p:style>
+        <p:txBody>
+          <a:bodyPr lIns="0" tIns="0" rIns="0" bIns="0" rtlCol="0" anchor="ctr"/>
+          <a:lstStyle/>
+          <a:p>
+            <a:pPr algn="ctr"/>
+            <a:r>
+              <a:rPr lang="tr-TR" sz="2400" dirty="0"/>
+              <a:t>S</a:t>
+            </a:r>
+            <a:r>
+              <a:rPr lang="tr-TR" sz="2400" baseline="-25000" dirty="0"/>
+              <a:t>6</a:t>
+            </a:r>
+            <a:endParaRPr lang="en-US" sz="2400" baseline="-25000" dirty="0"/>
+          </a:p>
+        </p:txBody>
+      </p:sp>
+      <p:sp>
+        <p:nvSpPr>
+          <p:cNvPr id="33" name="Rectangle 32">
+            <a:extLst>
+              <a:ext uri="{FF2B5EF4-FFF2-40B4-BE49-F238E27FC236}">
+                <a16:creationId xmlns:a16="http://schemas.microsoft.com/office/drawing/2014/main" id="{8CFDAD02-0263-38A7-8BCD-B21B5BFEB91B}"/>
+              </a:ext>
+            </a:extLst>
+          </p:cNvPr>
+          <p:cNvSpPr/>
+          <p:nvPr/>
+        </p:nvSpPr>
+        <p:spPr>
+          <a:xfrm>
+            <a:off x="5914599" y="4746399"/>
+            <a:ext cx="334691" cy="461914"/>
+          </a:xfrm>
+          <a:prstGeom prst="rect">
+            <a:avLst/>
+          </a:prstGeom>
+        </p:spPr>
+        <p:style>
+          <a:lnRef idx="2">
+            <a:schemeClr val="accent1">
+              <a:shade val="50000"/>
+            </a:schemeClr>
+          </a:lnRef>
+          <a:fillRef idx="1">
+            <a:schemeClr val="accent1"/>
+          </a:fillRef>
+          <a:effectRef idx="0">
+            <a:schemeClr val="accent1"/>
+          </a:effectRef>
+          <a:fontRef idx="minor">
+            <a:schemeClr val="lt1"/>
+          </a:fontRef>
+        </p:style>
+        <p:txBody>
+          <a:bodyPr lIns="0" tIns="0" rIns="0" bIns="0" rtlCol="0" anchor="ctr"/>
+          <a:lstStyle/>
+          <a:p>
+            <a:pPr algn="ctr"/>
+            <a:r>
+              <a:rPr lang="tr-TR" sz="2400" dirty="0"/>
+              <a:t>S</a:t>
+            </a:r>
+            <a:r>
+              <a:rPr lang="tr-TR" sz="2400" baseline="-25000" dirty="0"/>
+              <a:t>5</a:t>
+            </a:r>
+            <a:endParaRPr lang="en-US" sz="2400" baseline="-25000" dirty="0"/>
+          </a:p>
+        </p:txBody>
+      </p:sp>
+      <p:sp>
+        <p:nvSpPr>
+          <p:cNvPr id="34" name="Rectangle 33">
+            <a:extLst>
+              <a:ext uri="{FF2B5EF4-FFF2-40B4-BE49-F238E27FC236}">
+                <a16:creationId xmlns:a16="http://schemas.microsoft.com/office/drawing/2014/main" id="{9A034C9D-D81B-9277-2036-974C1C63DB56}"/>
+              </a:ext>
+            </a:extLst>
+          </p:cNvPr>
+          <p:cNvSpPr/>
+          <p:nvPr/>
+        </p:nvSpPr>
+        <p:spPr>
+          <a:xfrm>
+            <a:off x="6700243" y="4746399"/>
+            <a:ext cx="334691" cy="461914"/>
+          </a:xfrm>
+          <a:prstGeom prst="rect">
+            <a:avLst/>
+          </a:prstGeom>
+        </p:spPr>
+        <p:style>
+          <a:lnRef idx="2">
+            <a:schemeClr val="accent1">
+              <a:shade val="50000"/>
+            </a:schemeClr>
+          </a:lnRef>
+          <a:fillRef idx="1">
+            <a:schemeClr val="accent1"/>
+          </a:fillRef>
+          <a:effectRef idx="0">
+            <a:schemeClr val="accent1"/>
+          </a:effectRef>
+          <a:fontRef idx="minor">
+            <a:schemeClr val="lt1"/>
+          </a:fontRef>
+        </p:style>
+        <p:txBody>
+          <a:bodyPr lIns="0" tIns="0" rIns="0" bIns="0" rtlCol="0" anchor="ctr"/>
+          <a:lstStyle/>
+          <a:p>
+            <a:pPr algn="ctr"/>
+            <a:r>
+              <a:rPr lang="tr-TR" sz="2400" dirty="0"/>
+              <a:t>S</a:t>
+            </a:r>
+            <a:r>
+              <a:rPr lang="tr-TR" sz="2400" baseline="-25000" dirty="0"/>
+              <a:t>4</a:t>
+            </a:r>
+            <a:endParaRPr lang="en-US" sz="2400" baseline="-25000" dirty="0"/>
+          </a:p>
+        </p:txBody>
+      </p:sp>
+      <p:sp>
+        <p:nvSpPr>
+          <p:cNvPr id="35" name="Rectangle 34">
+            <a:extLst>
+              <a:ext uri="{FF2B5EF4-FFF2-40B4-BE49-F238E27FC236}">
+                <a16:creationId xmlns:a16="http://schemas.microsoft.com/office/drawing/2014/main" id="{3437485B-2725-64D8-3D4D-BFCD4574E712}"/>
+              </a:ext>
+            </a:extLst>
+          </p:cNvPr>
+          <p:cNvSpPr/>
+          <p:nvPr/>
+        </p:nvSpPr>
+        <p:spPr>
+          <a:xfrm>
+            <a:off x="7093065" y="4746399"/>
+            <a:ext cx="334691" cy="461914"/>
+          </a:xfrm>
+          <a:prstGeom prst="rect">
+            <a:avLst/>
+          </a:prstGeom>
+        </p:spPr>
+        <p:style>
+          <a:lnRef idx="2">
+            <a:schemeClr val="accent1">
+              <a:shade val="50000"/>
+            </a:schemeClr>
+          </a:lnRef>
+          <a:fillRef idx="1">
+            <a:schemeClr val="accent1"/>
+          </a:fillRef>
+          <a:effectRef idx="0">
+            <a:schemeClr val="accent1"/>
+          </a:effectRef>
+          <a:fontRef idx="minor">
+            <a:schemeClr val="lt1"/>
+          </a:fontRef>
+        </p:style>
+        <p:txBody>
+          <a:bodyPr lIns="0" tIns="0" rIns="0" bIns="0" rtlCol="0" anchor="ctr"/>
+          <a:lstStyle/>
+          <a:p>
+            <a:pPr algn="ctr"/>
+            <a:r>
+              <a:rPr lang="tr-TR" sz="2400" dirty="0"/>
+              <a:t>S</a:t>
+            </a:r>
+            <a:r>
+              <a:rPr lang="tr-TR" sz="2400" baseline="-25000" dirty="0"/>
+              <a:t>3</a:t>
+            </a:r>
+            <a:endParaRPr lang="en-US" sz="2400" baseline="-25000" dirty="0"/>
+          </a:p>
+        </p:txBody>
+      </p:sp>
+      <p:sp>
+        <p:nvSpPr>
+          <p:cNvPr id="36" name="Rectangle 35">
+            <a:extLst>
+              <a:ext uri="{FF2B5EF4-FFF2-40B4-BE49-F238E27FC236}">
+                <a16:creationId xmlns:a16="http://schemas.microsoft.com/office/drawing/2014/main" id="{F8315C02-0415-7153-BF65-17C10DF27499}"/>
+              </a:ext>
+            </a:extLst>
+          </p:cNvPr>
+          <p:cNvSpPr/>
+          <p:nvPr/>
+        </p:nvSpPr>
+        <p:spPr>
+          <a:xfrm>
+            <a:off x="7852982" y="4746399"/>
+            <a:ext cx="334691" cy="461914"/>
+          </a:xfrm>
+          <a:prstGeom prst="rect">
+            <a:avLst/>
+          </a:prstGeom>
+        </p:spPr>
+        <p:style>
+          <a:lnRef idx="2">
+            <a:schemeClr val="accent1">
+              <a:shade val="50000"/>
+            </a:schemeClr>
+          </a:lnRef>
+          <a:fillRef idx="1">
+            <a:schemeClr val="accent1"/>
+          </a:fillRef>
+          <a:effectRef idx="0">
+            <a:schemeClr val="accent1"/>
+          </a:effectRef>
+          <a:fontRef idx="minor">
+            <a:schemeClr val="lt1"/>
+          </a:fontRef>
+        </p:style>
+        <p:txBody>
+          <a:bodyPr lIns="0" tIns="0" rIns="0" bIns="0" rtlCol="0" anchor="ctr"/>
+          <a:lstStyle/>
+          <a:p>
+            <a:pPr algn="ctr"/>
+            <a:r>
+              <a:rPr lang="tr-TR" sz="2400" dirty="0"/>
+              <a:t>S</a:t>
+            </a:r>
+            <a:r>
+              <a:rPr lang="tr-TR" sz="2400" baseline="-25000" dirty="0"/>
+              <a:t>2</a:t>
+            </a:r>
+            <a:endParaRPr lang="en-US" sz="2400" baseline="-25000" dirty="0"/>
+          </a:p>
+        </p:txBody>
+      </p:sp>
+      <p:sp>
+        <p:nvSpPr>
+          <p:cNvPr id="37" name="Rectangle 36">
+            <a:extLst>
+              <a:ext uri="{FF2B5EF4-FFF2-40B4-BE49-F238E27FC236}">
+                <a16:creationId xmlns:a16="http://schemas.microsoft.com/office/drawing/2014/main" id="{2CF313D7-263C-D722-4482-09CBA0A4BFF0}"/>
+              </a:ext>
+            </a:extLst>
+          </p:cNvPr>
+          <p:cNvSpPr/>
+          <p:nvPr/>
+        </p:nvSpPr>
+        <p:spPr>
+          <a:xfrm>
+            <a:off x="8682167" y="4751110"/>
+            <a:ext cx="334691" cy="461914"/>
+          </a:xfrm>
+          <a:prstGeom prst="rect">
+            <a:avLst/>
+          </a:prstGeom>
+        </p:spPr>
+        <p:style>
+          <a:lnRef idx="2">
+            <a:schemeClr val="accent1">
+              <a:shade val="50000"/>
+            </a:schemeClr>
+          </a:lnRef>
+          <a:fillRef idx="1">
+            <a:schemeClr val="accent1"/>
+          </a:fillRef>
+          <a:effectRef idx="0">
+            <a:schemeClr val="accent1"/>
+          </a:effectRef>
+          <a:fontRef idx="minor">
+            <a:schemeClr val="lt1"/>
+          </a:fontRef>
+        </p:style>
+        <p:txBody>
+          <a:bodyPr lIns="0" tIns="0" rIns="0" bIns="0" rtlCol="0" anchor="ctr"/>
+          <a:lstStyle/>
+          <a:p>
+            <a:pPr algn="ctr"/>
+            <a:r>
+              <a:rPr lang="tr-TR" sz="2400" dirty="0"/>
+              <a:t>S</a:t>
+            </a:r>
+            <a:r>
+              <a:rPr lang="tr-TR" sz="2400" baseline="-25000" dirty="0"/>
+              <a:t>1</a:t>
+            </a:r>
+            <a:endParaRPr lang="en-US" sz="2400" baseline="-25000" dirty="0"/>
+          </a:p>
+        </p:txBody>
+      </p:sp>
+      <p:cxnSp>
+        <p:nvCxnSpPr>
+          <p:cNvPr id="39" name="Straight Arrow Connector 38">
+            <a:extLst>
+              <a:ext uri="{FF2B5EF4-FFF2-40B4-BE49-F238E27FC236}">
+                <a16:creationId xmlns:a16="http://schemas.microsoft.com/office/drawing/2014/main" id="{D4FDCD7F-6D9D-5AEA-5E54-94E7B64AA0B9}"/>
+              </a:ext>
+            </a:extLst>
+          </p:cNvPr>
+          <p:cNvCxnSpPr>
+            <a:cxnSpLocks/>
+            <a:endCxn id="29" idx="2"/>
+          </p:cNvCxnSpPr>
+          <p:nvPr/>
+        </p:nvCxnSpPr>
+        <p:spPr>
+          <a:xfrm flipV="1">
+            <a:off x="8851889" y="5269586"/>
+            <a:ext cx="0" cy="341986"/>
+          </a:xfrm>
+          <a:prstGeom prst="straightConnector1">
+            <a:avLst/>
+          </a:prstGeom>
+          <a:ln w="25400">
+            <a:solidFill>
+              <a:srgbClr val="FF0000"/>
+            </a:solidFill>
+            <a:tailEnd type="triangle"/>
+          </a:ln>
+        </p:spPr>
+        <p:style>
+          <a:lnRef idx="1">
+            <a:schemeClr val="accent1"/>
+          </a:lnRef>
+          <a:fillRef idx="0">
+            <a:schemeClr val="accent1"/>
+          </a:fillRef>
+          <a:effectRef idx="0">
+            <a:schemeClr val="accent1"/>
+          </a:effectRef>
+          <a:fontRef idx="minor">
+            <a:schemeClr val="tx1"/>
+          </a:fontRef>
+        </p:style>
+      </p:cxnSp>
+      <p:sp>
+        <p:nvSpPr>
+          <p:cNvPr id="40" name="Rectangle 39">
+            <a:extLst>
+              <a:ext uri="{FF2B5EF4-FFF2-40B4-BE49-F238E27FC236}">
+                <a16:creationId xmlns:a16="http://schemas.microsoft.com/office/drawing/2014/main" id="{98EA37CD-BF9A-B079-F211-36888D0CFA39}"/>
+              </a:ext>
+            </a:extLst>
+          </p:cNvPr>
+          <p:cNvSpPr/>
+          <p:nvPr/>
+        </p:nvSpPr>
+        <p:spPr>
+          <a:xfrm>
+            <a:off x="3585391" y="4746399"/>
+            <a:ext cx="334691" cy="461914"/>
+          </a:xfrm>
+          <a:prstGeom prst="rect">
+            <a:avLst/>
+          </a:prstGeom>
+        </p:spPr>
+        <p:style>
+          <a:lnRef idx="2">
+            <a:schemeClr val="accent6">
+              <a:shade val="50000"/>
+            </a:schemeClr>
+          </a:lnRef>
+          <a:fillRef idx="1">
+            <a:schemeClr val="accent6"/>
+          </a:fillRef>
+          <a:effectRef idx="0">
+            <a:schemeClr val="accent6"/>
+          </a:effectRef>
+          <a:fontRef idx="minor">
+            <a:schemeClr val="lt1"/>
+          </a:fontRef>
+        </p:style>
+        <p:txBody>
+          <a:bodyPr lIns="0" tIns="0" rIns="0" bIns="0" rtlCol="0" anchor="ctr"/>
+          <a:lstStyle/>
+          <a:p>
+            <a:pPr algn="ctr"/>
+            <a:r>
+              <a:rPr lang="tr-TR" sz="2400" dirty="0"/>
+              <a:t>S</a:t>
+            </a:r>
+            <a:r>
+              <a:rPr lang="tr-TR" sz="2400" baseline="-25000" dirty="0"/>
+              <a:t>8</a:t>
+            </a:r>
+            <a:endParaRPr lang="en-US" sz="2400" baseline="-25000" dirty="0"/>
+          </a:p>
+        </p:txBody>
+      </p:sp>
+      <p:sp>
+        <p:nvSpPr>
+          <p:cNvPr id="41" name="Rectangle 40">
+            <a:extLst>
+              <a:ext uri="{FF2B5EF4-FFF2-40B4-BE49-F238E27FC236}">
+                <a16:creationId xmlns:a16="http://schemas.microsoft.com/office/drawing/2014/main" id="{7D1106D6-E061-34E2-0EAD-F4B53E93C1E9}"/>
+              </a:ext>
+            </a:extLst>
+          </p:cNvPr>
+          <p:cNvSpPr/>
+          <p:nvPr/>
+        </p:nvSpPr>
+        <p:spPr>
+          <a:xfrm>
+            <a:off x="3965772" y="4746399"/>
+            <a:ext cx="334691" cy="461914"/>
+          </a:xfrm>
+          <a:prstGeom prst="rect">
+            <a:avLst/>
+          </a:prstGeom>
+        </p:spPr>
+        <p:style>
+          <a:lnRef idx="2">
+            <a:schemeClr val="accent6">
+              <a:shade val="50000"/>
+            </a:schemeClr>
+          </a:lnRef>
+          <a:fillRef idx="1">
+            <a:schemeClr val="accent6"/>
+          </a:fillRef>
+          <a:effectRef idx="0">
+            <a:schemeClr val="accent6"/>
+          </a:effectRef>
+          <a:fontRef idx="minor">
+            <a:schemeClr val="lt1"/>
+          </a:fontRef>
+        </p:style>
+        <p:txBody>
+          <a:bodyPr lIns="0" tIns="0" rIns="0" bIns="0" rtlCol="0" anchor="ctr"/>
+          <a:lstStyle/>
+          <a:p>
+            <a:pPr algn="ctr"/>
+            <a:r>
+              <a:rPr lang="tr-TR" sz="2400" dirty="0"/>
+              <a:t>S</a:t>
+            </a:r>
+            <a:r>
+              <a:rPr lang="tr-TR" sz="2400" baseline="-25000" dirty="0"/>
+              <a:t>7</a:t>
+            </a:r>
+            <a:endParaRPr lang="en-US" sz="2400" baseline="-25000" dirty="0"/>
+          </a:p>
+        </p:txBody>
+      </p:sp>
+      <p:sp>
+        <p:nvSpPr>
+          <p:cNvPr id="42" name="Rectangle 41">
+            <a:extLst>
+              <a:ext uri="{FF2B5EF4-FFF2-40B4-BE49-F238E27FC236}">
+                <a16:creationId xmlns:a16="http://schemas.microsoft.com/office/drawing/2014/main" id="{51B779BC-AA9B-AD72-09A0-E75DE0718DA7}"/>
+              </a:ext>
+            </a:extLst>
+          </p:cNvPr>
+          <p:cNvSpPr/>
+          <p:nvPr/>
+        </p:nvSpPr>
+        <p:spPr>
+          <a:xfrm>
+            <a:off x="4738552" y="4746399"/>
+            <a:ext cx="334691" cy="461914"/>
+          </a:xfrm>
+          <a:prstGeom prst="rect">
+            <a:avLst/>
+          </a:prstGeom>
+        </p:spPr>
+        <p:style>
+          <a:lnRef idx="2">
+            <a:schemeClr val="accent6">
+              <a:shade val="50000"/>
+            </a:schemeClr>
+          </a:lnRef>
+          <a:fillRef idx="1">
+            <a:schemeClr val="accent6"/>
+          </a:fillRef>
+          <a:effectRef idx="0">
+            <a:schemeClr val="accent6"/>
+          </a:effectRef>
+          <a:fontRef idx="minor">
+            <a:schemeClr val="lt1"/>
+          </a:fontRef>
+        </p:style>
+        <p:txBody>
+          <a:bodyPr lIns="0" tIns="0" rIns="0" bIns="0" rtlCol="0" anchor="ctr"/>
+          <a:lstStyle/>
+          <a:p>
+            <a:pPr algn="ctr"/>
+            <a:r>
+              <a:rPr lang="tr-TR" sz="2400" dirty="0"/>
+              <a:t>S</a:t>
+            </a:r>
+            <a:r>
+              <a:rPr lang="tr-TR" sz="2400" baseline="-25000" dirty="0"/>
+              <a:t>6</a:t>
+            </a:r>
+            <a:endParaRPr lang="en-US" sz="2400" baseline="-25000" dirty="0"/>
+          </a:p>
+        </p:txBody>
+      </p:sp>
+      <p:sp>
+        <p:nvSpPr>
+          <p:cNvPr id="43" name="Rectangle 42">
+            <a:extLst>
+              <a:ext uri="{FF2B5EF4-FFF2-40B4-BE49-F238E27FC236}">
+                <a16:creationId xmlns:a16="http://schemas.microsoft.com/office/drawing/2014/main" id="{9BF02BB3-23D7-65B0-920E-0AE1AE854B1C}"/>
+              </a:ext>
+            </a:extLst>
+          </p:cNvPr>
+          <p:cNvSpPr/>
+          <p:nvPr/>
+        </p:nvSpPr>
+        <p:spPr>
+          <a:xfrm>
+            <a:off x="5126455" y="4746399"/>
+            <a:ext cx="334691" cy="461914"/>
+          </a:xfrm>
+          <a:prstGeom prst="rect">
+            <a:avLst/>
+          </a:prstGeom>
+        </p:spPr>
+        <p:style>
+          <a:lnRef idx="2">
+            <a:schemeClr val="accent6">
+              <a:shade val="50000"/>
+            </a:schemeClr>
+          </a:lnRef>
+          <a:fillRef idx="1">
+            <a:schemeClr val="accent6"/>
+          </a:fillRef>
+          <a:effectRef idx="0">
+            <a:schemeClr val="accent6"/>
+          </a:effectRef>
+          <a:fontRef idx="minor">
+            <a:schemeClr val="lt1"/>
+          </a:fontRef>
+        </p:style>
+        <p:txBody>
+          <a:bodyPr lIns="0" tIns="0" rIns="0" bIns="0" rtlCol="0" anchor="ctr"/>
+          <a:lstStyle/>
+          <a:p>
+            <a:pPr algn="ctr"/>
+            <a:r>
+              <a:rPr lang="tr-TR" sz="2400" dirty="0"/>
+              <a:t>S</a:t>
+            </a:r>
+            <a:r>
+              <a:rPr lang="tr-TR" sz="2400" baseline="-25000" dirty="0"/>
+              <a:t>5</a:t>
+            </a:r>
+            <a:endParaRPr lang="en-US" sz="2400" baseline="-25000" dirty="0"/>
+          </a:p>
+        </p:txBody>
+      </p:sp>
+      <p:sp>
+        <p:nvSpPr>
+          <p:cNvPr id="44" name="Rectangle 43">
+            <a:extLst>
+              <a:ext uri="{FF2B5EF4-FFF2-40B4-BE49-F238E27FC236}">
+                <a16:creationId xmlns:a16="http://schemas.microsoft.com/office/drawing/2014/main" id="{FCFBD593-0260-CBA7-08F5-7FC8A18AA771}"/>
+              </a:ext>
+            </a:extLst>
+          </p:cNvPr>
+          <p:cNvSpPr/>
+          <p:nvPr/>
+        </p:nvSpPr>
+        <p:spPr>
+          <a:xfrm>
+            <a:off x="5523669" y="4746399"/>
+            <a:ext cx="334691" cy="461914"/>
+          </a:xfrm>
+          <a:prstGeom prst="rect">
+            <a:avLst/>
+          </a:prstGeom>
+        </p:spPr>
+        <p:style>
+          <a:lnRef idx="2">
+            <a:schemeClr val="accent6">
+              <a:shade val="50000"/>
+            </a:schemeClr>
+          </a:lnRef>
+          <a:fillRef idx="1">
+            <a:schemeClr val="accent6"/>
+          </a:fillRef>
+          <a:effectRef idx="0">
+            <a:schemeClr val="accent6"/>
+          </a:effectRef>
+          <a:fontRef idx="minor">
+            <a:schemeClr val="lt1"/>
+          </a:fontRef>
+        </p:style>
+        <p:txBody>
+          <a:bodyPr lIns="0" tIns="0" rIns="0" bIns="0" rtlCol="0" anchor="ctr"/>
+          <a:lstStyle/>
+          <a:p>
+            <a:pPr algn="ctr"/>
+            <a:r>
+              <a:rPr lang="tr-TR" sz="2400" dirty="0"/>
+              <a:t>S</a:t>
+            </a:r>
+            <a:r>
+              <a:rPr lang="tr-TR" sz="2400" baseline="-25000" dirty="0"/>
+              <a:t>4</a:t>
+            </a:r>
+            <a:endParaRPr lang="en-US" sz="2400" baseline="-25000" dirty="0"/>
+          </a:p>
+        </p:txBody>
+      </p:sp>
+      <p:sp>
+        <p:nvSpPr>
+          <p:cNvPr id="45" name="Rectangle 44">
+            <a:extLst>
+              <a:ext uri="{FF2B5EF4-FFF2-40B4-BE49-F238E27FC236}">
+                <a16:creationId xmlns:a16="http://schemas.microsoft.com/office/drawing/2014/main" id="{CDF2F909-B412-BE40-FD66-531E9F62A1E9}"/>
+              </a:ext>
+            </a:extLst>
+          </p:cNvPr>
+          <p:cNvSpPr/>
+          <p:nvPr/>
+        </p:nvSpPr>
+        <p:spPr>
+          <a:xfrm>
+            <a:off x="6307421" y="4746399"/>
+            <a:ext cx="334691" cy="461914"/>
+          </a:xfrm>
+          <a:prstGeom prst="rect">
+            <a:avLst/>
+          </a:prstGeom>
+        </p:spPr>
+        <p:style>
+          <a:lnRef idx="2">
+            <a:schemeClr val="accent6">
+              <a:shade val="50000"/>
+            </a:schemeClr>
+          </a:lnRef>
+          <a:fillRef idx="1">
+            <a:schemeClr val="accent6"/>
+          </a:fillRef>
+          <a:effectRef idx="0">
+            <a:schemeClr val="accent6"/>
+          </a:effectRef>
+          <a:fontRef idx="minor">
+            <a:schemeClr val="lt1"/>
+          </a:fontRef>
+        </p:style>
+        <p:txBody>
+          <a:bodyPr lIns="0" tIns="0" rIns="0" bIns="0" rtlCol="0" anchor="ctr"/>
+          <a:lstStyle/>
+          <a:p>
+            <a:pPr algn="ctr"/>
+            <a:r>
+              <a:rPr lang="tr-TR" sz="2400" dirty="0"/>
+              <a:t>S</a:t>
+            </a:r>
+            <a:r>
+              <a:rPr lang="tr-TR" sz="2400" baseline="-25000" dirty="0"/>
+              <a:t>3</a:t>
+            </a:r>
+            <a:endParaRPr lang="en-US" sz="2400" baseline="-25000" dirty="0"/>
+          </a:p>
+        </p:txBody>
+      </p:sp>
+      <p:sp>
+        <p:nvSpPr>
+          <p:cNvPr id="46" name="Rectangle 45">
+            <a:extLst>
+              <a:ext uri="{FF2B5EF4-FFF2-40B4-BE49-F238E27FC236}">
+                <a16:creationId xmlns:a16="http://schemas.microsoft.com/office/drawing/2014/main" id="{4EDCDDF4-1976-C110-3DD9-948105895093}"/>
+              </a:ext>
+            </a:extLst>
+          </p:cNvPr>
+          <p:cNvSpPr/>
+          <p:nvPr/>
+        </p:nvSpPr>
+        <p:spPr>
+          <a:xfrm>
+            <a:off x="7472601" y="4751115"/>
+            <a:ext cx="334691" cy="461914"/>
+          </a:xfrm>
+          <a:prstGeom prst="rect">
+            <a:avLst/>
+          </a:prstGeom>
+        </p:spPr>
+        <p:style>
+          <a:lnRef idx="2">
+            <a:schemeClr val="accent6">
+              <a:shade val="50000"/>
+            </a:schemeClr>
+          </a:lnRef>
+          <a:fillRef idx="1">
+            <a:schemeClr val="accent6"/>
+          </a:fillRef>
+          <a:effectRef idx="0">
+            <a:schemeClr val="accent6"/>
+          </a:effectRef>
+          <a:fontRef idx="minor">
+            <a:schemeClr val="lt1"/>
+          </a:fontRef>
+        </p:style>
+        <p:txBody>
+          <a:bodyPr lIns="0" tIns="0" rIns="0" bIns="0" rtlCol="0" anchor="ctr"/>
+          <a:lstStyle/>
+          <a:p>
+            <a:pPr algn="ctr"/>
+            <a:r>
+              <a:rPr lang="tr-TR" sz="2400" dirty="0"/>
+              <a:t>S</a:t>
+            </a:r>
+            <a:r>
+              <a:rPr lang="tr-TR" sz="2400" baseline="-25000" dirty="0"/>
+              <a:t>2</a:t>
+            </a:r>
+            <a:endParaRPr lang="en-US" sz="2400" baseline="-25000" dirty="0"/>
+          </a:p>
+        </p:txBody>
+      </p:sp>
+      <p:sp>
+        <p:nvSpPr>
+          <p:cNvPr id="47" name="Rectangle 46">
+            <a:extLst>
+              <a:ext uri="{FF2B5EF4-FFF2-40B4-BE49-F238E27FC236}">
+                <a16:creationId xmlns:a16="http://schemas.microsoft.com/office/drawing/2014/main" id="{3166960C-211A-1641-5E01-63819BF6F47A}"/>
+              </a:ext>
+            </a:extLst>
+          </p:cNvPr>
+          <p:cNvSpPr/>
+          <p:nvPr/>
+        </p:nvSpPr>
+        <p:spPr>
+          <a:xfrm>
+            <a:off x="8235966" y="4746399"/>
+            <a:ext cx="334691" cy="461914"/>
+          </a:xfrm>
+          <a:prstGeom prst="rect">
+            <a:avLst/>
+          </a:prstGeom>
+        </p:spPr>
+        <p:style>
+          <a:lnRef idx="2">
+            <a:schemeClr val="accent6">
+              <a:shade val="50000"/>
+            </a:schemeClr>
+          </a:lnRef>
+          <a:fillRef idx="1">
+            <a:schemeClr val="accent6"/>
+          </a:fillRef>
+          <a:effectRef idx="0">
+            <a:schemeClr val="accent6"/>
+          </a:effectRef>
+          <a:fontRef idx="minor">
+            <a:schemeClr val="lt1"/>
+          </a:fontRef>
+        </p:style>
+        <p:txBody>
+          <a:bodyPr lIns="0" tIns="0" rIns="0" bIns="0" rtlCol="0" anchor="ctr"/>
+          <a:lstStyle/>
+          <a:p>
+            <a:pPr algn="ctr"/>
+            <a:r>
+              <a:rPr lang="tr-TR" sz="2400" dirty="0"/>
+              <a:t>S</a:t>
+            </a:r>
+            <a:r>
+              <a:rPr lang="tr-TR" sz="2400" baseline="-25000" dirty="0"/>
+              <a:t>1</a:t>
+            </a:r>
+            <a:endParaRPr lang="en-US" sz="2400" baseline="-25000" dirty="0"/>
+          </a:p>
+        </p:txBody>
+      </p:sp>
+      <p:sp>
+        <p:nvSpPr>
+          <p:cNvPr id="4" name="TextBox 3">
+            <a:extLst>
+              <a:ext uri="{FF2B5EF4-FFF2-40B4-BE49-F238E27FC236}">
+                <a16:creationId xmlns:a16="http://schemas.microsoft.com/office/drawing/2014/main" id="{82A5ECF5-2F1F-DBD7-BBEA-F8210DD9DBE8}"/>
+              </a:ext>
+            </a:extLst>
+          </p:cNvPr>
+          <p:cNvSpPr txBox="1"/>
+          <p:nvPr/>
+        </p:nvSpPr>
+        <p:spPr>
+          <a:xfrm>
+            <a:off x="6793542" y="1775265"/>
+            <a:ext cx="3330845" cy="369332"/>
+          </a:xfrm>
+          <a:prstGeom prst="rect">
+            <a:avLst/>
+          </a:prstGeom>
+          <a:noFill/>
+        </p:spPr>
+        <p:txBody>
+          <a:bodyPr wrap="square" rtlCol="0">
+            <a:spAutoFit/>
+          </a:bodyPr>
+          <a:lstStyle/>
+          <a:p>
+            <a:pPr algn="ctr"/>
+            <a:r>
+              <a:rPr lang="tr-TR" b="1" u="sng" dirty="0"/>
+              <a:t>P R O C E S S   B</a:t>
+            </a:r>
+            <a:endParaRPr lang="en-US" b="1" u="sng" dirty="0"/>
+          </a:p>
+        </p:txBody>
+      </p:sp>
+      <p:sp>
+        <p:nvSpPr>
+          <p:cNvPr id="5" name="TextBox 4">
+            <a:extLst>
+              <a:ext uri="{FF2B5EF4-FFF2-40B4-BE49-F238E27FC236}">
+                <a16:creationId xmlns:a16="http://schemas.microsoft.com/office/drawing/2014/main" id="{F22EFE96-9A59-333C-9F94-BFEF659E6F74}"/>
+              </a:ext>
+            </a:extLst>
+          </p:cNvPr>
+          <p:cNvSpPr txBox="1"/>
+          <p:nvPr/>
+        </p:nvSpPr>
+        <p:spPr>
+          <a:xfrm>
+            <a:off x="1450214" y="1775265"/>
+            <a:ext cx="3330845" cy="369332"/>
+          </a:xfrm>
+          <a:prstGeom prst="rect">
+            <a:avLst/>
+          </a:prstGeom>
+          <a:noFill/>
+        </p:spPr>
+        <p:txBody>
+          <a:bodyPr wrap="square" rtlCol="0">
+            <a:spAutoFit/>
+          </a:bodyPr>
+          <a:lstStyle/>
+          <a:p>
+            <a:pPr algn="ctr"/>
+            <a:r>
+              <a:rPr lang="tr-TR" b="1" u="sng" dirty="0"/>
+              <a:t>P R O C E S S   A</a:t>
+            </a:r>
+            <a:endParaRPr lang="en-US" b="1" u="sng" dirty="0"/>
+          </a:p>
+        </p:txBody>
+      </p:sp>
+      <p:cxnSp>
+        <p:nvCxnSpPr>
+          <p:cNvPr id="18" name="Straight Arrow Connector 17">
+            <a:extLst>
+              <a:ext uri="{FF2B5EF4-FFF2-40B4-BE49-F238E27FC236}">
+                <a16:creationId xmlns:a16="http://schemas.microsoft.com/office/drawing/2014/main" id="{47251FFC-52FB-E27A-0ECC-3AF5ED1DEA98}"/>
+              </a:ext>
+            </a:extLst>
+          </p:cNvPr>
+          <p:cNvCxnSpPr/>
+          <p:nvPr/>
+        </p:nvCxnSpPr>
+        <p:spPr>
+          <a:xfrm flipH="1">
+            <a:off x="7495880" y="3110845"/>
+            <a:ext cx="433632" cy="1178351"/>
+          </a:xfrm>
+          <a:prstGeom prst="straightConnector1">
+            <a:avLst/>
+          </a:prstGeom>
+          <a:ln w="25400">
+            <a:solidFill>
+              <a:schemeClr val="accent3"/>
+            </a:solidFill>
+            <a:tailEnd type="triangle"/>
+          </a:ln>
+        </p:spPr>
+        <p:style>
+          <a:lnRef idx="1">
+            <a:schemeClr val="accent1"/>
+          </a:lnRef>
+          <a:fillRef idx="0">
+            <a:schemeClr val="accent1"/>
+          </a:fillRef>
+          <a:effectRef idx="0">
+            <a:schemeClr val="accent1"/>
+          </a:effectRef>
+          <a:fontRef idx="minor">
+            <a:schemeClr val="tx1"/>
+          </a:fontRef>
+        </p:style>
+      </p:cxnSp>
+      <p:cxnSp>
+        <p:nvCxnSpPr>
+          <p:cNvPr id="19" name="Straight Arrow Connector 18">
+            <a:extLst>
+              <a:ext uri="{FF2B5EF4-FFF2-40B4-BE49-F238E27FC236}">
+                <a16:creationId xmlns:a16="http://schemas.microsoft.com/office/drawing/2014/main" id="{608F7496-799D-2956-8781-5203F77119C8}"/>
+              </a:ext>
+            </a:extLst>
+          </p:cNvPr>
+          <p:cNvCxnSpPr>
+            <a:cxnSpLocks/>
+          </p:cNvCxnSpPr>
+          <p:nvPr/>
+        </p:nvCxnSpPr>
+        <p:spPr>
+          <a:xfrm>
+            <a:off x="3066166" y="3081142"/>
+            <a:ext cx="809940" cy="1216059"/>
+          </a:xfrm>
+          <a:prstGeom prst="straightConnector1">
+            <a:avLst/>
+          </a:prstGeom>
+          <a:ln w="25400">
+            <a:solidFill>
+              <a:schemeClr val="accent3"/>
+            </a:solidFill>
+            <a:tailEnd type="triangle"/>
+          </a:ln>
+        </p:spPr>
+        <p:style>
+          <a:lnRef idx="1">
+            <a:schemeClr val="accent1"/>
+          </a:lnRef>
+          <a:fillRef idx="0">
+            <a:schemeClr val="accent1"/>
+          </a:fillRef>
+          <a:effectRef idx="0">
+            <a:schemeClr val="accent1"/>
+          </a:effectRef>
+          <a:fontRef idx="minor">
+            <a:schemeClr val="tx1"/>
+          </a:fontRef>
+        </p:style>
+      </p:cxnSp>
+      <p:sp>
+        <p:nvSpPr>
+          <p:cNvPr id="48" name="TextBox 47">
+            <a:extLst>
+              <a:ext uri="{FF2B5EF4-FFF2-40B4-BE49-F238E27FC236}">
+                <a16:creationId xmlns:a16="http://schemas.microsoft.com/office/drawing/2014/main" id="{77B64B05-4B5E-44C7-2331-3CCC5CBCD40B}"/>
+              </a:ext>
+            </a:extLst>
+          </p:cNvPr>
+          <p:cNvSpPr txBox="1"/>
+          <p:nvPr/>
+        </p:nvSpPr>
+        <p:spPr>
+          <a:xfrm>
+            <a:off x="7767108" y="3515354"/>
+            <a:ext cx="915059" cy="369332"/>
+          </a:xfrm>
+          <a:prstGeom prst="rect">
+            <a:avLst/>
+          </a:prstGeom>
+          <a:noFill/>
+        </p:spPr>
+        <p:txBody>
+          <a:bodyPr wrap="none" rtlCol="0">
+            <a:spAutoFit/>
+          </a:bodyPr>
+          <a:lstStyle/>
+          <a:p>
+            <a:r>
+              <a:rPr lang="tr-TR" dirty="0">
+                <a:solidFill>
+                  <a:schemeClr val="accent3"/>
+                </a:solidFill>
               </a:rPr>
-              <a:t>Content</a:t>
-            </a:r>
-          </a:p>
-        </p:txBody>
-      </p:sp>
+              <a:t>Execute</a:t>
+            </a:r>
+            <a:endParaRPr lang="en-US" dirty="0">
+              <a:solidFill>
+                <a:schemeClr val="accent3"/>
+              </a:solidFill>
+            </a:endParaRPr>
+          </a:p>
+        </p:txBody>
+      </p:sp>
+      <p:sp>
+        <p:nvSpPr>
+          <p:cNvPr id="49" name="TextBox 48">
+            <a:extLst>
+              <a:ext uri="{FF2B5EF4-FFF2-40B4-BE49-F238E27FC236}">
+                <a16:creationId xmlns:a16="http://schemas.microsoft.com/office/drawing/2014/main" id="{3898102D-339D-AF85-AD11-2D4148784104}"/>
+              </a:ext>
+            </a:extLst>
+          </p:cNvPr>
+          <p:cNvSpPr txBox="1"/>
+          <p:nvPr/>
+        </p:nvSpPr>
+        <p:spPr>
+          <a:xfrm>
+            <a:off x="3509663" y="3515354"/>
+            <a:ext cx="915059" cy="369332"/>
+          </a:xfrm>
+          <a:prstGeom prst="rect">
+            <a:avLst/>
+          </a:prstGeom>
+          <a:noFill/>
+        </p:spPr>
+        <p:txBody>
+          <a:bodyPr wrap="none" rtlCol="0">
+            <a:spAutoFit/>
+          </a:bodyPr>
+          <a:lstStyle/>
+          <a:p>
+            <a:r>
+              <a:rPr lang="tr-TR" dirty="0">
+                <a:solidFill>
+                  <a:schemeClr val="accent3"/>
+                </a:solidFill>
+              </a:rPr>
+              <a:t>Execute</a:t>
+            </a:r>
+            <a:endParaRPr lang="en-US" dirty="0">
+              <a:solidFill>
+                <a:schemeClr val="accent3"/>
+              </a:solidFill>
+            </a:endParaRPr>
+          </a:p>
+        </p:txBody>
+      </p:sp>
+      <p:sp>
+        <p:nvSpPr>
+          <p:cNvPr id="50" name="TextBox 49">
+            <a:extLst>
+              <a:ext uri="{FF2B5EF4-FFF2-40B4-BE49-F238E27FC236}">
+                <a16:creationId xmlns:a16="http://schemas.microsoft.com/office/drawing/2014/main" id="{B393F4AC-632A-7EC0-6D17-AD78D1F01EF8}"/>
+              </a:ext>
+            </a:extLst>
+          </p:cNvPr>
+          <p:cNvSpPr txBox="1"/>
+          <p:nvPr/>
+        </p:nvSpPr>
+        <p:spPr>
+          <a:xfrm>
+            <a:off x="8539944" y="5611572"/>
+            <a:ext cx="623889" cy="400110"/>
+          </a:xfrm>
+          <a:prstGeom prst="rect">
+            <a:avLst/>
+          </a:prstGeom>
+          <a:solidFill>
+            <a:schemeClr val="accent4">
+              <a:lumMod val="20000"/>
+              <a:lumOff val="80000"/>
+            </a:schemeClr>
+          </a:solidFill>
+        </p:spPr>
+        <p:txBody>
+          <a:bodyPr wrap="none" rtlCol="0">
+            <a:spAutoFit/>
+          </a:bodyPr>
+          <a:lstStyle/>
+          <a:p>
+            <a:r>
+              <a:rPr lang="tr-TR" sz="2000" b="1" dirty="0">
+                <a:solidFill>
+                  <a:srgbClr val="FF0000"/>
+                </a:solidFill>
+              </a:rPr>
+              <a:t>CPU</a:t>
+            </a:r>
+            <a:endParaRPr lang="en-US" sz="2000" b="1" dirty="0">
+              <a:solidFill>
+                <a:srgbClr val="FF0000"/>
+              </a:solidFill>
+            </a:endParaRPr>
+          </a:p>
+        </p:txBody>
+      </p:sp>
+      <p:cxnSp>
+        <p:nvCxnSpPr>
+          <p:cNvPr id="51" name="Straight Arrow Connector 50">
+            <a:extLst>
+              <a:ext uri="{FF2B5EF4-FFF2-40B4-BE49-F238E27FC236}">
+                <a16:creationId xmlns:a16="http://schemas.microsoft.com/office/drawing/2014/main" id="{762607BC-D459-43BE-3E7A-8AE436FC41F5}"/>
+              </a:ext>
+            </a:extLst>
+          </p:cNvPr>
+          <p:cNvCxnSpPr>
+            <a:cxnSpLocks/>
+            <a:stCxn id="50" idx="1"/>
+          </p:cNvCxnSpPr>
+          <p:nvPr/>
+        </p:nvCxnSpPr>
+        <p:spPr>
+          <a:xfrm flipH="1">
+            <a:off x="7500713" y="5811627"/>
+            <a:ext cx="1039231" cy="0"/>
+          </a:xfrm>
+          <a:prstGeom prst="straightConnector1">
+            <a:avLst/>
+          </a:prstGeom>
+          <a:ln w="38100">
+            <a:solidFill>
+              <a:srgbClr val="FF0000"/>
+            </a:solidFill>
+            <a:tailEnd type="triangle"/>
+          </a:ln>
+        </p:spPr>
+        <p:style>
+          <a:lnRef idx="1">
+            <a:schemeClr val="accent1"/>
+          </a:lnRef>
+          <a:fillRef idx="0">
+            <a:schemeClr val="accent1"/>
+          </a:fillRef>
+          <a:effectRef idx="0">
+            <a:schemeClr val="accent1"/>
+          </a:effectRef>
+          <a:fontRef idx="minor">
+            <a:schemeClr val="tx1"/>
+          </a:fontRef>
+        </p:style>
+      </p:cxnSp>
     </p:spTree>
     <p:extLst>
       <p:ext uri="{BB962C8B-B14F-4D97-AF65-F5344CB8AC3E}">
-        <p14:creationId xmlns:p14="http://schemas.microsoft.com/office/powerpoint/2010/main" val="337604935"/>
+        <p14:creationId xmlns:p14="http://schemas.microsoft.com/office/powerpoint/2010/main" val="4032296371"/>
       </p:ext>
     </p:extLst>
   </p:cSld>
@@ -5398,15 +11192,22 @@
           <a:lstStyle/>
           <a:p>
             <a:r>
-              <a:rPr lang="en-US" b="1" dirty="0">
+              <a:rPr lang="tr-TR" b="1" dirty="0">
                 <a:solidFill>
                   <a:srgbClr val="292D33"/>
                 </a:solidFill>
                 <a:latin typeface="Euclid Circular B" panose="020B0504000000000000" pitchFamily="34" charset="0"/>
                 <a:ea typeface="Euclid Circular B" panose="020B0504000000000000" pitchFamily="34" charset="0"/>
               </a:rPr>
-              <a:t>Topic title</a:t>
-            </a:r>
+              <a:t>Multi-Core / Multi-Processing</a:t>
+            </a:r>
+            <a:endParaRPr lang="en-US" b="1" dirty="0">
+              <a:solidFill>
+                <a:srgbClr val="292D33"/>
+              </a:solidFill>
+              <a:latin typeface="Euclid Circular B" panose="020B0504000000000000" pitchFamily="34" charset="0"/>
+              <a:ea typeface="Euclid Circular B" panose="020B0504000000000000" pitchFamily="34" charset="0"/>
+            </a:endParaRPr>
           </a:p>
         </p:txBody>
       </p:sp>
@@ -5432,19 +11233,23 @@
           <a:lstStyle/>
           <a:p>
             <a:r>
-              <a:rPr lang="en-US" dirty="0">
+              <a:rPr lang="tr-TR" dirty="0">
                 <a:latin typeface="Euclid Circular B" panose="020B0504000000000000" pitchFamily="34" charset="0"/>
                 <a:ea typeface="Euclid Circular B" panose="020B0504000000000000" pitchFamily="34" charset="0"/>
               </a:rPr>
-              <a:t>Content</a:t>
-            </a:r>
+              <a:t>TODO</a:t>
+            </a:r>
+            <a:endParaRPr lang="en-US" dirty="0">
+              <a:latin typeface="Euclid Circular B" panose="020B0504000000000000" pitchFamily="34" charset="0"/>
+              <a:ea typeface="Euclid Circular B" panose="020B0504000000000000" pitchFamily="34" charset="0"/>
+            </a:endParaRPr>
           </a:p>
         </p:txBody>
       </p:sp>
     </p:spTree>
     <p:extLst>
       <p:ext uri="{BB962C8B-B14F-4D97-AF65-F5344CB8AC3E}">
-        <p14:creationId xmlns:p14="http://schemas.microsoft.com/office/powerpoint/2010/main" val="2159165724"/>
+        <p14:creationId xmlns:p14="http://schemas.microsoft.com/office/powerpoint/2010/main" val="3766783700"/>
       </p:ext>
     </p:extLst>
   </p:cSld>
@@ -5553,7 +11358,7 @@
     </p:spTree>
     <p:extLst>
       <p:ext uri="{BB962C8B-B14F-4D97-AF65-F5344CB8AC3E}">
-        <p14:creationId xmlns:p14="http://schemas.microsoft.com/office/powerpoint/2010/main" val="463893482"/>
+        <p14:creationId xmlns:p14="http://schemas.microsoft.com/office/powerpoint/2010/main" val="2159165724"/>
       </p:ext>
     </p:extLst>
   </p:cSld>
@@ -5662,7 +11467,7 @@
     </p:spTree>
     <p:extLst>
       <p:ext uri="{BB962C8B-B14F-4D97-AF65-F5344CB8AC3E}">
-        <p14:creationId xmlns:p14="http://schemas.microsoft.com/office/powerpoint/2010/main" val="1870262939"/>
+        <p14:creationId xmlns:p14="http://schemas.microsoft.com/office/powerpoint/2010/main" val="463893482"/>
       </p:ext>
     </p:extLst>
   </p:cSld>

--- a/2023-06-01 Dealing with Concurrency - Multi-Threading in Dotnet/Dotnet-Multi-Threading.pptx
+++ b/2023-06-01 Dealing with Concurrency - Multi-Threading in Dotnet/Dotnet-Multi-Threading.pptx
@@ -11312,24 +11312,61 @@
           <a:lstStyle/>
           <a:p>
             <a:r>
-              <a:rPr lang="en-US" b="1" dirty="0">
+              <a:rPr lang="tr-TR" b="1" dirty="0">
                 <a:solidFill>
                   <a:srgbClr val="292D33"/>
                 </a:solidFill>
                 <a:latin typeface="Euclid Circular B" panose="020B0504000000000000" pitchFamily="34" charset="0"/>
                 <a:ea typeface="Euclid Circular B" panose="020B0504000000000000" pitchFamily="34" charset="0"/>
               </a:rPr>
-              <a:t>Topic title</a:t>
-            </a:r>
-          </a:p>
-        </p:txBody>
-      </p:sp>
-      <p:sp>
-        <p:nvSpPr>
-          <p:cNvPr id="3" name="Content Placeholder 2">
-            <a:extLst>
-              <a:ext uri="{FF2B5EF4-FFF2-40B4-BE49-F238E27FC236}">
-                <a16:creationId xmlns:a16="http://schemas.microsoft.com/office/drawing/2014/main" id="{891C7693-D3DF-4635-96F4-97F3B4136FDF}"/>
+              <a:t>Thread: Start / Join</a:t>
+            </a:r>
+            <a:endParaRPr lang="en-US" b="1" dirty="0">
+              <a:solidFill>
+                <a:srgbClr val="292D33"/>
+              </a:solidFill>
+              <a:latin typeface="Euclid Circular B" panose="020B0504000000000000" pitchFamily="34" charset="0"/>
+              <a:ea typeface="Euclid Circular B" panose="020B0504000000000000" pitchFamily="34" charset="0"/>
+            </a:endParaRPr>
+          </a:p>
+        </p:txBody>
+      </p:sp>
+      <p:pic>
+        <p:nvPicPr>
+          <p:cNvPr id="5" name="Picture 4">
+            <a:extLst>
+              <a:ext uri="{FF2B5EF4-FFF2-40B4-BE49-F238E27FC236}">
+                <a16:creationId xmlns:a16="http://schemas.microsoft.com/office/drawing/2014/main" id="{4F2327EC-D21E-344E-C841-BEDC270B79AC}"/>
+              </a:ext>
+            </a:extLst>
+          </p:cNvPr>
+          <p:cNvPicPr>
+            <a:picLocks noChangeAspect="1"/>
+          </p:cNvPicPr>
+          <p:nvPr/>
+        </p:nvPicPr>
+        <p:blipFill>
+          <a:blip r:embed="rId3"/>
+          <a:stretch>
+            <a:fillRect/>
+          </a:stretch>
+        </p:blipFill>
+        <p:spPr>
+          <a:xfrm>
+            <a:off x="838200" y="1690688"/>
+            <a:ext cx="4825337" cy="4034486"/>
+          </a:xfrm>
+          <a:prstGeom prst="rect">
+            <a:avLst/>
+          </a:prstGeom>
+        </p:spPr>
+      </p:pic>
+      <p:sp>
+        <p:nvSpPr>
+          <p:cNvPr id="8" name="Content Placeholder 2">
+            <a:extLst>
+              <a:ext uri="{FF2B5EF4-FFF2-40B4-BE49-F238E27FC236}">
+                <a16:creationId xmlns:a16="http://schemas.microsoft.com/office/drawing/2014/main" id="{5D7A3860-905D-819A-C350-9B550E2D2D60}"/>
               </a:ext>
             </a:extLst>
           </p:cNvPr>
@@ -11340,18 +11377,38 @@
             <p:ph idx="1"/>
           </p:nvPr>
         </p:nvSpPr>
-        <p:spPr/>
-        <p:txBody>
-          <a:bodyPr/>
-          <a:lstStyle/>
-          <a:p>
-            <a:r>
-              <a:rPr lang="en-US" dirty="0">
+        <p:spPr>
+          <a:xfrm>
+            <a:off x="6096000" y="1825625"/>
+            <a:ext cx="5257800" cy="3899549"/>
+          </a:xfrm>
+        </p:spPr>
+        <p:txBody>
+          <a:bodyPr anchor="ctr">
+            <a:normAutofit/>
+          </a:bodyPr>
+          <a:lstStyle/>
+          <a:p>
+            <a:pPr marL="0" indent="0" algn="ctr">
+              <a:buNone/>
+            </a:pPr>
+            <a:r>
+              <a:rPr lang="tr-TR" sz="8800" dirty="0">
+                <a:solidFill>
+                  <a:srgbClr val="FF0000"/>
+                </a:solidFill>
                 <a:latin typeface="Euclid Circular B" panose="020B0504000000000000" pitchFamily="34" charset="0"/>
                 <a:ea typeface="Euclid Circular B" panose="020B0504000000000000" pitchFamily="34" charset="0"/>
               </a:rPr>
-              <a:t>Content</a:t>
-            </a:r>
+              <a:t>DEMO</a:t>
+            </a:r>
+            <a:endParaRPr lang="en-US" sz="8800" dirty="0">
+              <a:solidFill>
+                <a:srgbClr val="FF0000"/>
+              </a:solidFill>
+              <a:latin typeface="Euclid Circular B" panose="020B0504000000000000" pitchFamily="34" charset="0"/>
+              <a:ea typeface="Euclid Circular B" panose="020B0504000000000000" pitchFamily="34" charset="0"/>
+            </a:endParaRPr>
           </a:p>
         </p:txBody>
       </p:sp>

--- a/2023-06-01 Dealing with Concurrency - Multi-Threading in Dotnet/Dotnet-Multi-Threading.pptx
+++ b/2023-06-01 Dealing with Concurrency - Multi-Threading in Dotnet/Dotnet-Multi-Threading.pptx
@@ -13,18 +13,19 @@
     <p:sldId id="307" r:id="rId7"/>
     <p:sldId id="292" r:id="rId8"/>
     <p:sldId id="295" r:id="rId9"/>
-    <p:sldId id="296" r:id="rId10"/>
-    <p:sldId id="297" r:id="rId11"/>
-    <p:sldId id="298" r:id="rId12"/>
-    <p:sldId id="299" r:id="rId13"/>
-    <p:sldId id="300" r:id="rId14"/>
-    <p:sldId id="301" r:id="rId15"/>
-    <p:sldId id="302" r:id="rId16"/>
-    <p:sldId id="303" r:id="rId17"/>
-    <p:sldId id="304" r:id="rId18"/>
-    <p:sldId id="305" r:id="rId19"/>
-    <p:sldId id="289" r:id="rId20"/>
-    <p:sldId id="290" r:id="rId21"/>
+    <p:sldId id="308" r:id="rId10"/>
+    <p:sldId id="296" r:id="rId11"/>
+    <p:sldId id="297" r:id="rId12"/>
+    <p:sldId id="298" r:id="rId13"/>
+    <p:sldId id="299" r:id="rId14"/>
+    <p:sldId id="300" r:id="rId15"/>
+    <p:sldId id="301" r:id="rId16"/>
+    <p:sldId id="302" r:id="rId17"/>
+    <p:sldId id="303" r:id="rId18"/>
+    <p:sldId id="304" r:id="rId19"/>
+    <p:sldId id="305" r:id="rId20"/>
+    <p:sldId id="289" r:id="rId21"/>
+    <p:sldId id="290" r:id="rId22"/>
   </p:sldIdLst>
   <p:sldSz cx="12192000" cy="6858000"/>
   <p:notesSz cx="6858000" cy="9144000"/>
@@ -3563,7 +3564,7 @@
     </p:spTree>
     <p:extLst>
       <p:ext uri="{BB962C8B-B14F-4D97-AF65-F5344CB8AC3E}">
-        <p14:creationId xmlns:p14="http://schemas.microsoft.com/office/powerpoint/2010/main" val="1870262939"/>
+        <p14:creationId xmlns:p14="http://schemas.microsoft.com/office/powerpoint/2010/main" val="463893482"/>
       </p:ext>
     </p:extLst>
   </p:cSld>
@@ -3672,7 +3673,7 @@
     </p:spTree>
     <p:extLst>
       <p:ext uri="{BB962C8B-B14F-4D97-AF65-F5344CB8AC3E}">
-        <p14:creationId xmlns:p14="http://schemas.microsoft.com/office/powerpoint/2010/main" val="909213116"/>
+        <p14:creationId xmlns:p14="http://schemas.microsoft.com/office/powerpoint/2010/main" val="1870262939"/>
       </p:ext>
     </p:extLst>
   </p:cSld>
@@ -3781,7 +3782,7 @@
     </p:spTree>
     <p:extLst>
       <p:ext uri="{BB962C8B-B14F-4D97-AF65-F5344CB8AC3E}">
-        <p14:creationId xmlns:p14="http://schemas.microsoft.com/office/powerpoint/2010/main" val="250564633"/>
+        <p14:creationId xmlns:p14="http://schemas.microsoft.com/office/powerpoint/2010/main" val="909213116"/>
       </p:ext>
     </p:extLst>
   </p:cSld>
@@ -3890,7 +3891,7 @@
     </p:spTree>
     <p:extLst>
       <p:ext uri="{BB962C8B-B14F-4D97-AF65-F5344CB8AC3E}">
-        <p14:creationId xmlns:p14="http://schemas.microsoft.com/office/powerpoint/2010/main" val="936238712"/>
+        <p14:creationId xmlns:p14="http://schemas.microsoft.com/office/powerpoint/2010/main" val="250564633"/>
       </p:ext>
     </p:extLst>
   </p:cSld>
@@ -3999,7 +4000,7 @@
     </p:spTree>
     <p:extLst>
       <p:ext uri="{BB962C8B-B14F-4D97-AF65-F5344CB8AC3E}">
-        <p14:creationId xmlns:p14="http://schemas.microsoft.com/office/powerpoint/2010/main" val="650589519"/>
+        <p14:creationId xmlns:p14="http://schemas.microsoft.com/office/powerpoint/2010/main" val="936238712"/>
       </p:ext>
     </p:extLst>
   </p:cSld>
@@ -4108,7 +4109,7 @@
     </p:spTree>
     <p:extLst>
       <p:ext uri="{BB962C8B-B14F-4D97-AF65-F5344CB8AC3E}">
-        <p14:creationId xmlns:p14="http://schemas.microsoft.com/office/powerpoint/2010/main" val="3240347231"/>
+        <p14:creationId xmlns:p14="http://schemas.microsoft.com/office/powerpoint/2010/main" val="650589519"/>
       </p:ext>
     </p:extLst>
   </p:cSld>
@@ -4217,7 +4218,7 @@
     </p:spTree>
     <p:extLst>
       <p:ext uri="{BB962C8B-B14F-4D97-AF65-F5344CB8AC3E}">
-        <p14:creationId xmlns:p14="http://schemas.microsoft.com/office/powerpoint/2010/main" val="1760477952"/>
+        <p14:creationId xmlns:p14="http://schemas.microsoft.com/office/powerpoint/2010/main" val="3240347231"/>
       </p:ext>
     </p:extLst>
   </p:cSld>
@@ -4326,7 +4327,7 @@
     </p:spTree>
     <p:extLst>
       <p:ext uri="{BB962C8B-B14F-4D97-AF65-F5344CB8AC3E}">
-        <p14:creationId xmlns:p14="http://schemas.microsoft.com/office/powerpoint/2010/main" val="2730902364"/>
+        <p14:creationId xmlns:p14="http://schemas.microsoft.com/office/powerpoint/2010/main" val="1760477952"/>
       </p:ext>
     </p:extLst>
   </p:cSld>
@@ -4435,7 +4436,7 @@
     </p:spTree>
     <p:extLst>
       <p:ext uri="{BB962C8B-B14F-4D97-AF65-F5344CB8AC3E}">
-        <p14:creationId xmlns:p14="http://schemas.microsoft.com/office/powerpoint/2010/main" val="2007334137"/>
+        <p14:creationId xmlns:p14="http://schemas.microsoft.com/office/powerpoint/2010/main" val="2730902364"/>
       </p:ext>
     </p:extLst>
   </p:cSld>
@@ -4505,7 +4506,7 @@
                 <a:latin typeface="Euclid Circular B" panose="020B0504000000000000" pitchFamily="34" charset="0"/>
                 <a:ea typeface="Euclid Circular B" panose="020B0504000000000000" pitchFamily="34" charset="0"/>
               </a:rPr>
-              <a:t>Thanks!</a:t>
+              <a:t>Topic title</a:t>
             </a:r>
           </a:p>
         </p:txBody>
@@ -4526,146 +4527,25 @@
             <p:ph idx="1"/>
           </p:nvPr>
         </p:nvSpPr>
-        <p:spPr>
-          <a:xfrm>
-            <a:off x="838200" y="1825625"/>
-            <a:ext cx="10515600" cy="4667250"/>
-          </a:xfrm>
-        </p:spPr>
-        <p:txBody>
-          <a:bodyPr>
-            <a:normAutofit/>
-          </a:bodyPr>
-          <a:lstStyle/>
-          <a:p>
-            <a:pPr marL="0" indent="0">
-              <a:buNone/>
-            </a:pPr>
-            <a:r>
-              <a:rPr lang="en-US" sz="2600" b="1" dirty="0">
+        <p:spPr/>
+        <p:txBody>
+          <a:bodyPr/>
+          <a:lstStyle/>
+          <a:p>
+            <a:r>
+              <a:rPr lang="en-US" dirty="0">
                 <a:latin typeface="Euclid Circular B" panose="020B0504000000000000" pitchFamily="34" charset="0"/>
                 <a:ea typeface="Euclid Circular B" panose="020B0504000000000000" pitchFamily="34" charset="0"/>
               </a:rPr>
-              <a:t>Get This Presentation</a:t>
-            </a:r>
-          </a:p>
-          <a:p>
-            <a:pPr marL="0" indent="0">
-              <a:buNone/>
-            </a:pPr>
-            <a:r>
-              <a:rPr lang="en-US" sz="1400" dirty="0">
-                <a:latin typeface="Euclid Circular B" panose="020B0504000000000000" pitchFamily="34" charset="0"/>
-                <a:ea typeface="Euclid Circular B" panose="020B0504000000000000" pitchFamily="34" charset="0"/>
-                <a:hlinkClick r:id="rId3"/>
-              </a:rPr>
-              <a:t>https://github.com/hikalkan/presentations</a:t>
-            </a:r>
-            <a:endParaRPr lang="en-US" sz="1400" dirty="0">
-              <a:latin typeface="Euclid Circular B" panose="020B0504000000000000" pitchFamily="34" charset="0"/>
-              <a:ea typeface="Euclid Circular B" panose="020B0504000000000000" pitchFamily="34" charset="0"/>
-            </a:endParaRPr>
-          </a:p>
-          <a:p>
-            <a:pPr marL="0" indent="0">
-              <a:buNone/>
-            </a:pPr>
-            <a:endParaRPr lang="en-US" sz="1000" dirty="0">
-              <a:latin typeface="Euclid Circular B" panose="020B0504000000000000" pitchFamily="34" charset="0"/>
-              <a:ea typeface="Euclid Circular B" panose="020B0504000000000000" pitchFamily="34" charset="0"/>
-            </a:endParaRPr>
-          </a:p>
-          <a:p>
-            <a:pPr marL="0" indent="0">
-              <a:buNone/>
-            </a:pPr>
-            <a:r>
-              <a:rPr lang="en-US" sz="2600" b="1" dirty="0">
-                <a:latin typeface="Euclid Circular B" panose="020B0504000000000000" pitchFamily="34" charset="0"/>
-                <a:ea typeface="Euclid Circular B" panose="020B0504000000000000" pitchFamily="34" charset="0"/>
-              </a:rPr>
-              <a:t>Contact Me</a:t>
-            </a:r>
-          </a:p>
-          <a:p>
-            <a:pPr marL="0" indent="0">
-              <a:buNone/>
-            </a:pPr>
-            <a:r>
-              <a:rPr lang="en-US" sz="1600" dirty="0">
-                <a:latin typeface="Euclid Circular B" panose="020B0504000000000000" pitchFamily="34" charset="0"/>
-                <a:ea typeface="Euclid Circular B" panose="020B0504000000000000" pitchFamily="34" charset="0"/>
-              </a:rPr>
-              <a:t>Home: </a:t>
-            </a:r>
-            <a:r>
-              <a:rPr lang="en-US" sz="1600" dirty="0">
-                <a:latin typeface="Euclid Circular B" panose="020B0504000000000000" pitchFamily="34" charset="0"/>
-                <a:ea typeface="Euclid Circular B" panose="020B0504000000000000" pitchFamily="34" charset="0"/>
-                <a:hlinkClick r:id="rId4"/>
-              </a:rPr>
-              <a:t>https://halilibrahimkalkan.com</a:t>
-            </a:r>
-            <a:r>
-              <a:rPr lang="en-US" sz="1600" dirty="0">
-                <a:latin typeface="Euclid Circular B" panose="020B0504000000000000" pitchFamily="34" charset="0"/>
-                <a:ea typeface="Euclid Circular B" panose="020B0504000000000000" pitchFamily="34" charset="0"/>
-              </a:rPr>
-              <a:t> </a:t>
-            </a:r>
-          </a:p>
-          <a:p>
-            <a:pPr marL="0" indent="0">
-              <a:buNone/>
-            </a:pPr>
-            <a:r>
-              <a:rPr lang="en-US" sz="1600" dirty="0">
-                <a:latin typeface="Euclid Circular B" panose="020B0504000000000000" pitchFamily="34" charset="0"/>
-                <a:ea typeface="Euclid Circular B" panose="020B0504000000000000" pitchFamily="34" charset="0"/>
-              </a:rPr>
-              <a:t>GitHub: @hikalkan | Twitter: @hibrahimkalkan</a:t>
-            </a:r>
-          </a:p>
-          <a:p>
-            <a:pPr marL="0" indent="0">
-              <a:buNone/>
-            </a:pPr>
-            <a:endParaRPr lang="en-US" sz="1000" dirty="0">
-              <a:latin typeface="Euclid Circular B" panose="020B0504000000000000" pitchFamily="34" charset="0"/>
-              <a:ea typeface="Euclid Circular B" panose="020B0504000000000000" pitchFamily="34" charset="0"/>
-            </a:endParaRPr>
-          </a:p>
-          <a:p>
-            <a:pPr marL="0" indent="0">
-              <a:buNone/>
-            </a:pPr>
-            <a:r>
-              <a:rPr lang="en-US" sz="2600" b="1" dirty="0">
-                <a:latin typeface="Euclid Circular B" panose="020B0504000000000000" pitchFamily="34" charset="0"/>
-                <a:ea typeface="Euclid Circular B" panose="020B0504000000000000" pitchFamily="34" charset="0"/>
-              </a:rPr>
-              <a:t>References</a:t>
-            </a:r>
-          </a:p>
-          <a:p>
-            <a:r>
-              <a:rPr lang="tr-TR" sz="1600" dirty="0">
-                <a:latin typeface="Euclid Circular B" panose="020B0504000000000000" pitchFamily="34" charset="0"/>
-                <a:ea typeface="Euclid Circular B" panose="020B0504000000000000" pitchFamily="34" charset="0"/>
-              </a:rPr>
-              <a:t>TODO</a:t>
-            </a:r>
-            <a:endParaRPr lang="en-US" sz="1400" dirty="0">
-              <a:latin typeface="Euclid Circular B" panose="020B0504000000000000" pitchFamily="34" charset="0"/>
-              <a:ea typeface="Euclid Circular B" panose="020B0504000000000000" pitchFamily="34" charset="0"/>
-            </a:endParaRPr>
+              <a:t>Content</a:t>
+            </a:r>
           </a:p>
         </p:txBody>
       </p:sp>
     </p:spTree>
     <p:extLst>
       <p:ext uri="{BB962C8B-B14F-4D97-AF65-F5344CB8AC3E}">
-        <p14:creationId xmlns:p14="http://schemas.microsoft.com/office/powerpoint/2010/main" val="1625585404"/>
+        <p14:creationId xmlns:p14="http://schemas.microsoft.com/office/powerpoint/2010/main" val="2007334137"/>
       </p:ext>
     </p:extLst>
   </p:cSld>
@@ -4847,6 +4727,236 @@
 </file>
 
 <file path=ppt/slides/slide20.xml><?xml version="1.0" encoding="utf-8"?>
+<p:sld xmlns:a="http://schemas.openxmlformats.org/drawingml/2006/main" xmlns:r="http://schemas.openxmlformats.org/officeDocument/2006/relationships" xmlns:p="http://schemas.openxmlformats.org/presentationml/2006/main">
+  <p:cSld>
+    <p:bg>
+      <p:bgPr>
+        <a:blipFill dpi="0" rotWithShape="1">
+          <a:blip r:embed="rId2">
+            <a:lum/>
+          </a:blip>
+          <a:srcRect/>
+          <a:stretch>
+            <a:fillRect/>
+          </a:stretch>
+        </a:blipFill>
+        <a:effectLst/>
+      </p:bgPr>
+    </p:bg>
+    <p:spTree>
+      <p:nvGrpSpPr>
+        <p:cNvPr id="1" name=""/>
+        <p:cNvGrpSpPr/>
+        <p:nvPr/>
+      </p:nvGrpSpPr>
+      <p:grpSpPr>
+        <a:xfrm>
+          <a:off x="0" y="0"/>
+          <a:ext cx="0" cy="0"/>
+          <a:chOff x="0" y="0"/>
+          <a:chExt cx="0" cy="0"/>
+        </a:xfrm>
+      </p:grpSpPr>
+      <p:sp>
+        <p:nvSpPr>
+          <p:cNvPr id="2" name="Title 1">
+            <a:extLst>
+              <a:ext uri="{FF2B5EF4-FFF2-40B4-BE49-F238E27FC236}">
+                <a16:creationId xmlns:a16="http://schemas.microsoft.com/office/drawing/2014/main" id="{55E11F08-6CA0-48F1-AD67-97430DDA07F0}"/>
+              </a:ext>
+            </a:extLst>
+          </p:cNvPr>
+          <p:cNvSpPr>
+            <a:spLocks noGrp="1"/>
+          </p:cNvSpPr>
+          <p:nvPr>
+            <p:ph type="title"/>
+          </p:nvPr>
+        </p:nvSpPr>
+        <p:spPr/>
+        <p:txBody>
+          <a:bodyPr/>
+          <a:lstStyle/>
+          <a:p>
+            <a:r>
+              <a:rPr lang="en-US" b="1" dirty="0">
+                <a:solidFill>
+                  <a:srgbClr val="292D33"/>
+                </a:solidFill>
+                <a:latin typeface="Euclid Circular B" panose="020B0504000000000000" pitchFamily="34" charset="0"/>
+                <a:ea typeface="Euclid Circular B" panose="020B0504000000000000" pitchFamily="34" charset="0"/>
+              </a:rPr>
+              <a:t>Thanks!</a:t>
+            </a:r>
+          </a:p>
+        </p:txBody>
+      </p:sp>
+      <p:sp>
+        <p:nvSpPr>
+          <p:cNvPr id="3" name="Content Placeholder 2">
+            <a:extLst>
+              <a:ext uri="{FF2B5EF4-FFF2-40B4-BE49-F238E27FC236}">
+                <a16:creationId xmlns:a16="http://schemas.microsoft.com/office/drawing/2014/main" id="{891C7693-D3DF-4635-96F4-97F3B4136FDF}"/>
+              </a:ext>
+            </a:extLst>
+          </p:cNvPr>
+          <p:cNvSpPr>
+            <a:spLocks noGrp="1"/>
+          </p:cNvSpPr>
+          <p:nvPr>
+            <p:ph idx="1"/>
+          </p:nvPr>
+        </p:nvSpPr>
+        <p:spPr>
+          <a:xfrm>
+            <a:off x="838200" y="1825625"/>
+            <a:ext cx="10515600" cy="4667250"/>
+          </a:xfrm>
+        </p:spPr>
+        <p:txBody>
+          <a:bodyPr>
+            <a:normAutofit/>
+          </a:bodyPr>
+          <a:lstStyle/>
+          <a:p>
+            <a:pPr marL="0" indent="0">
+              <a:buNone/>
+            </a:pPr>
+            <a:r>
+              <a:rPr lang="en-US" sz="2600" b="1" dirty="0">
+                <a:latin typeface="Euclid Circular B" panose="020B0504000000000000" pitchFamily="34" charset="0"/>
+                <a:ea typeface="Euclid Circular B" panose="020B0504000000000000" pitchFamily="34" charset="0"/>
+              </a:rPr>
+              <a:t>Get This Presentation</a:t>
+            </a:r>
+          </a:p>
+          <a:p>
+            <a:pPr marL="0" indent="0">
+              <a:buNone/>
+            </a:pPr>
+            <a:r>
+              <a:rPr lang="en-US" sz="1400" dirty="0">
+                <a:latin typeface="Euclid Circular B" panose="020B0504000000000000" pitchFamily="34" charset="0"/>
+                <a:ea typeface="Euclid Circular B" panose="020B0504000000000000" pitchFamily="34" charset="0"/>
+                <a:hlinkClick r:id="rId3"/>
+              </a:rPr>
+              <a:t>https://github.com/hikalkan/presentations</a:t>
+            </a:r>
+            <a:endParaRPr lang="en-US" sz="1400" dirty="0">
+              <a:latin typeface="Euclid Circular B" panose="020B0504000000000000" pitchFamily="34" charset="0"/>
+              <a:ea typeface="Euclid Circular B" panose="020B0504000000000000" pitchFamily="34" charset="0"/>
+            </a:endParaRPr>
+          </a:p>
+          <a:p>
+            <a:pPr marL="0" indent="0">
+              <a:buNone/>
+            </a:pPr>
+            <a:endParaRPr lang="en-US" sz="1000" dirty="0">
+              <a:latin typeface="Euclid Circular B" panose="020B0504000000000000" pitchFamily="34" charset="0"/>
+              <a:ea typeface="Euclid Circular B" panose="020B0504000000000000" pitchFamily="34" charset="0"/>
+            </a:endParaRPr>
+          </a:p>
+          <a:p>
+            <a:pPr marL="0" indent="0">
+              <a:buNone/>
+            </a:pPr>
+            <a:r>
+              <a:rPr lang="en-US" sz="2600" b="1" dirty="0">
+                <a:latin typeface="Euclid Circular B" panose="020B0504000000000000" pitchFamily="34" charset="0"/>
+                <a:ea typeface="Euclid Circular B" panose="020B0504000000000000" pitchFamily="34" charset="0"/>
+              </a:rPr>
+              <a:t>Contact Me</a:t>
+            </a:r>
+          </a:p>
+          <a:p>
+            <a:pPr marL="0" indent="0">
+              <a:buNone/>
+            </a:pPr>
+            <a:r>
+              <a:rPr lang="en-US" sz="1600" dirty="0">
+                <a:latin typeface="Euclid Circular B" panose="020B0504000000000000" pitchFamily="34" charset="0"/>
+                <a:ea typeface="Euclid Circular B" panose="020B0504000000000000" pitchFamily="34" charset="0"/>
+              </a:rPr>
+              <a:t>Home: </a:t>
+            </a:r>
+            <a:r>
+              <a:rPr lang="en-US" sz="1600" dirty="0">
+                <a:latin typeface="Euclid Circular B" panose="020B0504000000000000" pitchFamily="34" charset="0"/>
+                <a:ea typeface="Euclid Circular B" panose="020B0504000000000000" pitchFamily="34" charset="0"/>
+                <a:hlinkClick r:id="rId4"/>
+              </a:rPr>
+              <a:t>https://halilibrahimkalkan.com</a:t>
+            </a:r>
+            <a:r>
+              <a:rPr lang="en-US" sz="1600" dirty="0">
+                <a:latin typeface="Euclid Circular B" panose="020B0504000000000000" pitchFamily="34" charset="0"/>
+                <a:ea typeface="Euclid Circular B" panose="020B0504000000000000" pitchFamily="34" charset="0"/>
+              </a:rPr>
+              <a:t> </a:t>
+            </a:r>
+          </a:p>
+          <a:p>
+            <a:pPr marL="0" indent="0">
+              <a:buNone/>
+            </a:pPr>
+            <a:r>
+              <a:rPr lang="en-US" sz="1600" dirty="0">
+                <a:latin typeface="Euclid Circular B" panose="020B0504000000000000" pitchFamily="34" charset="0"/>
+                <a:ea typeface="Euclid Circular B" panose="020B0504000000000000" pitchFamily="34" charset="0"/>
+              </a:rPr>
+              <a:t>GitHub: @hikalkan | Twitter: @hibrahimkalkan</a:t>
+            </a:r>
+          </a:p>
+          <a:p>
+            <a:pPr marL="0" indent="0">
+              <a:buNone/>
+            </a:pPr>
+            <a:endParaRPr lang="en-US" sz="1000" dirty="0">
+              <a:latin typeface="Euclid Circular B" panose="020B0504000000000000" pitchFamily="34" charset="0"/>
+              <a:ea typeface="Euclid Circular B" panose="020B0504000000000000" pitchFamily="34" charset="0"/>
+            </a:endParaRPr>
+          </a:p>
+          <a:p>
+            <a:pPr marL="0" indent="0">
+              <a:buNone/>
+            </a:pPr>
+            <a:r>
+              <a:rPr lang="en-US" sz="2600" b="1" dirty="0">
+                <a:latin typeface="Euclid Circular B" panose="020B0504000000000000" pitchFamily="34" charset="0"/>
+                <a:ea typeface="Euclid Circular B" panose="020B0504000000000000" pitchFamily="34" charset="0"/>
+              </a:rPr>
+              <a:t>References</a:t>
+            </a:r>
+          </a:p>
+          <a:p>
+            <a:r>
+              <a:rPr lang="tr-TR" sz="1600" dirty="0">
+                <a:latin typeface="Euclid Circular B" panose="020B0504000000000000" pitchFamily="34" charset="0"/>
+                <a:ea typeface="Euclid Circular B" panose="020B0504000000000000" pitchFamily="34" charset="0"/>
+              </a:rPr>
+              <a:t>TODO</a:t>
+            </a:r>
+            <a:endParaRPr lang="en-US" sz="1400" dirty="0">
+              <a:latin typeface="Euclid Circular B" panose="020B0504000000000000" pitchFamily="34" charset="0"/>
+              <a:ea typeface="Euclid Circular B" panose="020B0504000000000000" pitchFamily="34" charset="0"/>
+            </a:endParaRPr>
+          </a:p>
+        </p:txBody>
+      </p:sp>
+    </p:spTree>
+    <p:extLst>
+      <p:ext uri="{BB962C8B-B14F-4D97-AF65-F5344CB8AC3E}">
+        <p14:creationId xmlns:p14="http://schemas.microsoft.com/office/powerpoint/2010/main" val="1625585404"/>
+      </p:ext>
+    </p:extLst>
+  </p:cSld>
+  <p:clrMapOvr>
+    <a:masterClrMapping/>
+  </p:clrMapOvr>
+</p:sld>
+</file>
+
+<file path=ppt/slides/slide21.xml><?xml version="1.0" encoding="utf-8"?>
 <p:sld xmlns:a="http://schemas.openxmlformats.org/drawingml/2006/main" xmlns:r="http://schemas.openxmlformats.org/officeDocument/2006/relationships" xmlns:p="http://schemas.openxmlformats.org/presentationml/2006/main">
   <p:cSld>
     <p:bg>
@@ -11379,8 +11489,8 @@
         </p:nvSpPr>
         <p:spPr>
           <a:xfrm>
-            <a:off x="6096000" y="1825625"/>
-            <a:ext cx="5257800" cy="3899549"/>
+            <a:off x="6096000" y="1690689"/>
+            <a:ext cx="5257800" cy="4034486"/>
           </a:xfrm>
         </p:spPr>
         <p:txBody>
@@ -11478,24 +11588,31 @@
           <a:lstStyle/>
           <a:p>
             <a:r>
-              <a:rPr lang="en-US" b="1" dirty="0">
+              <a:rPr lang="tr-TR" b="1" dirty="0">
                 <a:solidFill>
                   <a:srgbClr val="292D33"/>
                 </a:solidFill>
                 <a:latin typeface="Euclid Circular B" panose="020B0504000000000000" pitchFamily="34" charset="0"/>
                 <a:ea typeface="Euclid Circular B" panose="020B0504000000000000" pitchFamily="34" charset="0"/>
               </a:rPr>
-              <a:t>Topic title</a:t>
-            </a:r>
-          </a:p>
-        </p:txBody>
-      </p:sp>
-      <p:sp>
-        <p:nvSpPr>
-          <p:cNvPr id="3" name="Content Placeholder 2">
-            <a:extLst>
-              <a:ext uri="{FF2B5EF4-FFF2-40B4-BE49-F238E27FC236}">
-                <a16:creationId xmlns:a16="http://schemas.microsoft.com/office/drawing/2014/main" id="{891C7693-D3DF-4635-96F4-97F3B4136FDF}"/>
+              <a:t>Thread: Start / Join</a:t>
+            </a:r>
+            <a:endParaRPr lang="en-US" b="1" dirty="0">
+              <a:solidFill>
+                <a:srgbClr val="292D33"/>
+              </a:solidFill>
+              <a:latin typeface="Euclid Circular B" panose="020B0504000000000000" pitchFamily="34" charset="0"/>
+              <a:ea typeface="Euclid Circular B" panose="020B0504000000000000" pitchFamily="34" charset="0"/>
+            </a:endParaRPr>
+          </a:p>
+        </p:txBody>
+      </p:sp>
+      <p:sp>
+        <p:nvSpPr>
+          <p:cNvPr id="8" name="Content Placeholder 2">
+            <a:extLst>
+              <a:ext uri="{FF2B5EF4-FFF2-40B4-BE49-F238E27FC236}">
+                <a16:creationId xmlns:a16="http://schemas.microsoft.com/office/drawing/2014/main" id="{5D7A3860-905D-819A-C350-9B550E2D2D60}"/>
               </a:ext>
             </a:extLst>
           </p:cNvPr>
@@ -11506,25 +11623,75 @@
             <p:ph idx="1"/>
           </p:nvPr>
         </p:nvSpPr>
-        <p:spPr/>
-        <p:txBody>
-          <a:bodyPr/>
-          <a:lstStyle/>
-          <a:p>
-            <a:r>
-              <a:rPr lang="en-US" dirty="0">
+        <p:spPr>
+          <a:xfrm>
+            <a:off x="6096000" y="1690688"/>
+            <a:ext cx="5257800" cy="4615843"/>
+          </a:xfrm>
+        </p:spPr>
+        <p:txBody>
+          <a:bodyPr anchor="ctr">
+            <a:normAutofit/>
+          </a:bodyPr>
+          <a:lstStyle/>
+          <a:p>
+            <a:pPr marL="0" indent="0" algn="ctr">
+              <a:buNone/>
+            </a:pPr>
+            <a:r>
+              <a:rPr lang="tr-TR" sz="8800" dirty="0">
+                <a:solidFill>
+                  <a:srgbClr val="FF0000"/>
+                </a:solidFill>
                 <a:latin typeface="Euclid Circular B" panose="020B0504000000000000" pitchFamily="34" charset="0"/>
                 <a:ea typeface="Euclid Circular B" panose="020B0504000000000000" pitchFamily="34" charset="0"/>
               </a:rPr>
-              <a:t>Content</a:t>
-            </a:r>
-          </a:p>
-        </p:txBody>
-      </p:sp>
+              <a:t>DEMO</a:t>
+            </a:r>
+            <a:endParaRPr lang="en-US" sz="8800" dirty="0">
+              <a:solidFill>
+                <a:srgbClr val="FF0000"/>
+              </a:solidFill>
+              <a:latin typeface="Euclid Circular B" panose="020B0504000000000000" pitchFamily="34" charset="0"/>
+              <a:ea typeface="Euclid Circular B" panose="020B0504000000000000" pitchFamily="34" charset="0"/>
+            </a:endParaRPr>
+          </a:p>
+        </p:txBody>
+      </p:sp>
+      <p:pic>
+        <p:nvPicPr>
+          <p:cNvPr id="4" name="Picture 3">
+            <a:extLst>
+              <a:ext uri="{FF2B5EF4-FFF2-40B4-BE49-F238E27FC236}">
+                <a16:creationId xmlns:a16="http://schemas.microsoft.com/office/drawing/2014/main" id="{A891E595-3D05-22D6-EB9F-AA8D4FDEDC45}"/>
+              </a:ext>
+            </a:extLst>
+          </p:cNvPr>
+          <p:cNvPicPr>
+            <a:picLocks noChangeAspect="1"/>
+          </p:cNvPicPr>
+          <p:nvPr/>
+        </p:nvPicPr>
+        <p:blipFill>
+          <a:blip r:embed="rId3"/>
+          <a:stretch>
+            <a:fillRect/>
+          </a:stretch>
+        </p:blipFill>
+        <p:spPr>
+          <a:xfrm>
+            <a:off x="838200" y="1690688"/>
+            <a:ext cx="4801219" cy="4615844"/>
+          </a:xfrm>
+          <a:prstGeom prst="rect">
+            <a:avLst/>
+          </a:prstGeom>
+        </p:spPr>
+      </p:pic>
     </p:spTree>
     <p:extLst>
       <p:ext uri="{BB962C8B-B14F-4D97-AF65-F5344CB8AC3E}">
-        <p14:creationId xmlns:p14="http://schemas.microsoft.com/office/powerpoint/2010/main" val="463893482"/>
+        <p14:creationId xmlns:p14="http://schemas.microsoft.com/office/powerpoint/2010/main" val="3542777870"/>
       </p:ext>
     </p:extLst>
   </p:cSld>

--- a/2023-06-01 Dealing with Concurrency - Multi-Threading in Dotnet/Dotnet-Multi-Threading.pptx
+++ b/2023-06-01 Dealing with Concurrency - Multi-Threading in Dotnet/Dotnet-Multi-Threading.pptx
@@ -11,9 +11,9 @@
     <p:sldId id="291" r:id="rId5"/>
     <p:sldId id="306" r:id="rId6"/>
     <p:sldId id="307" r:id="rId7"/>
-    <p:sldId id="292" r:id="rId8"/>
-    <p:sldId id="295" r:id="rId9"/>
-    <p:sldId id="308" r:id="rId10"/>
+    <p:sldId id="295" r:id="rId8"/>
+    <p:sldId id="308" r:id="rId9"/>
+    <p:sldId id="309" r:id="rId10"/>
     <p:sldId id="296" r:id="rId11"/>
     <p:sldId id="297" r:id="rId12"/>
     <p:sldId id="298" r:id="rId13"/>
@@ -11309,7 +11309,7 @@
                 <a:latin typeface="Euclid Circular B" panose="020B0504000000000000" pitchFamily="34" charset="0"/>
                 <a:ea typeface="Euclid Circular B" panose="020B0504000000000000" pitchFamily="34" charset="0"/>
               </a:rPr>
-              <a:t>Multi-Core / Multi-Processing</a:t>
+              <a:t>Thread: Start / Join</a:t>
             </a:r>
             <a:endParaRPr lang="en-US" b="1" dirty="0">
               <a:solidFill>
@@ -11321,12 +11321,42 @@
           </a:p>
         </p:txBody>
       </p:sp>
-      <p:sp>
-        <p:nvSpPr>
-          <p:cNvPr id="3" name="Content Placeholder 2">
-            <a:extLst>
-              <a:ext uri="{FF2B5EF4-FFF2-40B4-BE49-F238E27FC236}">
-                <a16:creationId xmlns:a16="http://schemas.microsoft.com/office/drawing/2014/main" id="{891C7693-D3DF-4635-96F4-97F3B4136FDF}"/>
+      <p:pic>
+        <p:nvPicPr>
+          <p:cNvPr id="5" name="Picture 4">
+            <a:extLst>
+              <a:ext uri="{FF2B5EF4-FFF2-40B4-BE49-F238E27FC236}">
+                <a16:creationId xmlns:a16="http://schemas.microsoft.com/office/drawing/2014/main" id="{4F2327EC-D21E-344E-C841-BEDC270B79AC}"/>
+              </a:ext>
+            </a:extLst>
+          </p:cNvPr>
+          <p:cNvPicPr>
+            <a:picLocks noChangeAspect="1"/>
+          </p:cNvPicPr>
+          <p:nvPr/>
+        </p:nvPicPr>
+        <p:blipFill>
+          <a:blip r:embed="rId3"/>
+          <a:stretch>
+            <a:fillRect/>
+          </a:stretch>
+        </p:blipFill>
+        <p:spPr>
+          <a:xfrm>
+            <a:off x="838200" y="1690688"/>
+            <a:ext cx="4825337" cy="4034486"/>
+          </a:xfrm>
+          <a:prstGeom prst="rect">
+            <a:avLst/>
+          </a:prstGeom>
+        </p:spPr>
+      </p:pic>
+      <p:sp>
+        <p:nvSpPr>
+          <p:cNvPr id="8" name="Content Placeholder 2">
+            <a:extLst>
+              <a:ext uri="{FF2B5EF4-FFF2-40B4-BE49-F238E27FC236}">
+                <a16:creationId xmlns:a16="http://schemas.microsoft.com/office/drawing/2014/main" id="{5D7A3860-905D-819A-C350-9B550E2D2D60}"/>
               </a:ext>
             </a:extLst>
           </p:cNvPr>
@@ -11337,19 +11367,35 @@
             <p:ph idx="1"/>
           </p:nvPr>
         </p:nvSpPr>
-        <p:spPr/>
-        <p:txBody>
-          <a:bodyPr/>
-          <a:lstStyle/>
-          <a:p>
-            <a:r>
-              <a:rPr lang="tr-TR" dirty="0">
+        <p:spPr>
+          <a:xfrm>
+            <a:off x="6096000" y="1690689"/>
+            <a:ext cx="5257800" cy="4034486"/>
+          </a:xfrm>
+        </p:spPr>
+        <p:txBody>
+          <a:bodyPr anchor="ctr">
+            <a:normAutofit/>
+          </a:bodyPr>
+          <a:lstStyle/>
+          <a:p>
+            <a:pPr marL="0" indent="0" algn="ctr">
+              <a:buNone/>
+            </a:pPr>
+            <a:r>
+              <a:rPr lang="tr-TR" sz="8800" dirty="0">
+                <a:solidFill>
+                  <a:srgbClr val="FF0000"/>
+                </a:solidFill>
                 <a:latin typeface="Euclid Circular B" panose="020B0504000000000000" pitchFamily="34" charset="0"/>
                 <a:ea typeface="Euclid Circular B" panose="020B0504000000000000" pitchFamily="34" charset="0"/>
               </a:rPr>
-              <a:t>TODO</a:t>
-            </a:r>
-            <a:endParaRPr lang="en-US" dirty="0">
+              <a:t>DEMO</a:t>
+            </a:r>
+            <a:endParaRPr lang="en-US" sz="8800" dirty="0">
+              <a:solidFill>
+                <a:srgbClr val="FF0000"/>
+              </a:solidFill>
               <a:latin typeface="Euclid Circular B" panose="020B0504000000000000" pitchFamily="34" charset="0"/>
               <a:ea typeface="Euclid Circular B" panose="020B0504000000000000" pitchFamily="34" charset="0"/>
             </a:endParaRPr>
@@ -11359,7 +11405,7 @@
     </p:spTree>
     <p:extLst>
       <p:ext uri="{BB962C8B-B14F-4D97-AF65-F5344CB8AC3E}">
-        <p14:creationId xmlns:p14="http://schemas.microsoft.com/office/powerpoint/2010/main" val="3766783700"/>
+        <p14:creationId xmlns:p14="http://schemas.microsoft.com/office/powerpoint/2010/main" val="2159165724"/>
       </p:ext>
     </p:extLst>
   </p:cSld>
@@ -11429,7 +11475,7 @@
                 <a:latin typeface="Euclid Circular B" panose="020B0504000000000000" pitchFamily="34" charset="0"/>
                 <a:ea typeface="Euclid Circular B" panose="020B0504000000000000" pitchFamily="34" charset="0"/>
               </a:rPr>
-              <a:t>Thread: Start / Join</a:t>
+              <a:t>Multiple Thread: Start / Join</a:t>
             </a:r>
             <a:endParaRPr lang="en-US" b="1" dirty="0">
               <a:solidFill>
@@ -11441,12 +11487,63 @@
           </a:p>
         </p:txBody>
       </p:sp>
+      <p:sp>
+        <p:nvSpPr>
+          <p:cNvPr id="8" name="Content Placeholder 2">
+            <a:extLst>
+              <a:ext uri="{FF2B5EF4-FFF2-40B4-BE49-F238E27FC236}">
+                <a16:creationId xmlns:a16="http://schemas.microsoft.com/office/drawing/2014/main" id="{5D7A3860-905D-819A-C350-9B550E2D2D60}"/>
+              </a:ext>
+            </a:extLst>
+          </p:cNvPr>
+          <p:cNvSpPr>
+            <a:spLocks noGrp="1"/>
+          </p:cNvSpPr>
+          <p:nvPr>
+            <p:ph idx="1"/>
+          </p:nvPr>
+        </p:nvSpPr>
+        <p:spPr>
+          <a:xfrm>
+            <a:off x="6096000" y="1690688"/>
+            <a:ext cx="5257800" cy="4615843"/>
+          </a:xfrm>
+        </p:spPr>
+        <p:txBody>
+          <a:bodyPr anchor="ctr">
+            <a:normAutofit/>
+          </a:bodyPr>
+          <a:lstStyle/>
+          <a:p>
+            <a:pPr marL="0" indent="0" algn="ctr">
+              <a:buNone/>
+            </a:pPr>
+            <a:r>
+              <a:rPr lang="tr-TR" sz="8800" dirty="0">
+                <a:solidFill>
+                  <a:srgbClr val="FF0000"/>
+                </a:solidFill>
+                <a:latin typeface="Euclid Circular B" panose="020B0504000000000000" pitchFamily="34" charset="0"/>
+                <a:ea typeface="Euclid Circular B" panose="020B0504000000000000" pitchFamily="34" charset="0"/>
+              </a:rPr>
+              <a:t>DEMO</a:t>
+            </a:r>
+            <a:endParaRPr lang="en-US" sz="8800" dirty="0">
+              <a:solidFill>
+                <a:srgbClr val="FF0000"/>
+              </a:solidFill>
+              <a:latin typeface="Euclid Circular B" panose="020B0504000000000000" pitchFamily="34" charset="0"/>
+              <a:ea typeface="Euclid Circular B" panose="020B0504000000000000" pitchFamily="34" charset="0"/>
+            </a:endParaRPr>
+          </a:p>
+        </p:txBody>
+      </p:sp>
       <p:pic>
         <p:nvPicPr>
-          <p:cNvPr id="5" name="Picture 4">
-            <a:extLst>
-              <a:ext uri="{FF2B5EF4-FFF2-40B4-BE49-F238E27FC236}">
-                <a16:creationId xmlns:a16="http://schemas.microsoft.com/office/drawing/2014/main" id="{4F2327EC-D21E-344E-C841-BEDC270B79AC}"/>
+          <p:cNvPr id="4" name="Picture 3">
+            <a:extLst>
+              <a:ext uri="{FF2B5EF4-FFF2-40B4-BE49-F238E27FC236}">
+                <a16:creationId xmlns:a16="http://schemas.microsoft.com/office/drawing/2014/main" id="{A891E595-3D05-22D6-EB9F-AA8D4FDEDC45}"/>
               </a:ext>
             </a:extLst>
           </p:cNvPr>
@@ -11464,68 +11561,17 @@
         <p:spPr>
           <a:xfrm>
             <a:off x="838200" y="1690688"/>
-            <a:ext cx="4825337" cy="4034486"/>
+            <a:ext cx="4801219" cy="4615844"/>
           </a:xfrm>
           <a:prstGeom prst="rect">
             <a:avLst/>
           </a:prstGeom>
         </p:spPr>
       </p:pic>
-      <p:sp>
-        <p:nvSpPr>
-          <p:cNvPr id="8" name="Content Placeholder 2">
-            <a:extLst>
-              <a:ext uri="{FF2B5EF4-FFF2-40B4-BE49-F238E27FC236}">
-                <a16:creationId xmlns:a16="http://schemas.microsoft.com/office/drawing/2014/main" id="{5D7A3860-905D-819A-C350-9B550E2D2D60}"/>
-              </a:ext>
-            </a:extLst>
-          </p:cNvPr>
-          <p:cNvSpPr>
-            <a:spLocks noGrp="1"/>
-          </p:cNvSpPr>
-          <p:nvPr>
-            <p:ph idx="1"/>
-          </p:nvPr>
-        </p:nvSpPr>
-        <p:spPr>
-          <a:xfrm>
-            <a:off x="6096000" y="1690689"/>
-            <a:ext cx="5257800" cy="4034486"/>
-          </a:xfrm>
-        </p:spPr>
-        <p:txBody>
-          <a:bodyPr anchor="ctr">
-            <a:normAutofit/>
-          </a:bodyPr>
-          <a:lstStyle/>
-          <a:p>
-            <a:pPr marL="0" indent="0" algn="ctr">
-              <a:buNone/>
-            </a:pPr>
-            <a:r>
-              <a:rPr lang="tr-TR" sz="8800" dirty="0">
-                <a:solidFill>
-                  <a:srgbClr val="FF0000"/>
-                </a:solidFill>
-                <a:latin typeface="Euclid Circular B" panose="020B0504000000000000" pitchFamily="34" charset="0"/>
-                <a:ea typeface="Euclid Circular B" panose="020B0504000000000000" pitchFamily="34" charset="0"/>
-              </a:rPr>
-              <a:t>DEMO</a:t>
-            </a:r>
-            <a:endParaRPr lang="en-US" sz="8800" dirty="0">
-              <a:solidFill>
-                <a:srgbClr val="FF0000"/>
-              </a:solidFill>
-              <a:latin typeface="Euclid Circular B" panose="020B0504000000000000" pitchFamily="34" charset="0"/>
-              <a:ea typeface="Euclid Circular B" panose="020B0504000000000000" pitchFamily="34" charset="0"/>
-            </a:endParaRPr>
-          </a:p>
-        </p:txBody>
-      </p:sp>
     </p:spTree>
     <p:extLst>
       <p:ext uri="{BB962C8B-B14F-4D97-AF65-F5344CB8AC3E}">
-        <p14:creationId xmlns:p14="http://schemas.microsoft.com/office/powerpoint/2010/main" val="2159165724"/>
+        <p14:creationId xmlns:p14="http://schemas.microsoft.com/office/powerpoint/2010/main" val="3542777870"/>
       </p:ext>
     </p:extLst>
   </p:cSld>
@@ -11595,7 +11641,7 @@
                 <a:latin typeface="Euclid Circular B" panose="020B0504000000000000" pitchFamily="34" charset="0"/>
                 <a:ea typeface="Euclid Circular B" panose="020B0504000000000000" pitchFamily="34" charset="0"/>
               </a:rPr>
-              <a:t>Thread: Start / Join</a:t>
+              <a:t>Parameterized Thread: Start / Join</a:t>
             </a:r>
             <a:endParaRPr lang="en-US" b="1" dirty="0">
               <a:solidFill>
@@ -11625,8 +11671,8 @@
         </p:nvSpPr>
         <p:spPr>
           <a:xfrm>
-            <a:off x="6096000" y="1690688"/>
-            <a:ext cx="5257800" cy="4615843"/>
+            <a:off x="7617350" y="1690688"/>
+            <a:ext cx="3736449" cy="4741917"/>
           </a:xfrm>
         </p:spPr>
         <p:txBody>
@@ -11660,10 +11706,10 @@
       </p:sp>
       <p:pic>
         <p:nvPicPr>
-          <p:cNvPr id="4" name="Picture 3">
-            <a:extLst>
-              <a:ext uri="{FF2B5EF4-FFF2-40B4-BE49-F238E27FC236}">
-                <a16:creationId xmlns:a16="http://schemas.microsoft.com/office/drawing/2014/main" id="{A891E595-3D05-22D6-EB9F-AA8D4FDEDC45}"/>
+          <p:cNvPr id="5" name="Picture 4">
+            <a:extLst>
+              <a:ext uri="{FF2B5EF4-FFF2-40B4-BE49-F238E27FC236}">
+                <a16:creationId xmlns:a16="http://schemas.microsoft.com/office/drawing/2014/main" id="{57A76572-96FB-8C39-87DA-72A522E912B1}"/>
               </a:ext>
             </a:extLst>
           </p:cNvPr>
@@ -11681,7 +11727,7 @@
         <p:spPr>
           <a:xfrm>
             <a:off x="838200" y="1690688"/>
-            <a:ext cx="4801219" cy="4615844"/>
+            <a:ext cx="6584747" cy="4741917"/>
           </a:xfrm>
           <a:prstGeom prst="rect">
             <a:avLst/>
@@ -11691,7 +11737,7 @@
     </p:spTree>
     <p:extLst>
       <p:ext uri="{BB962C8B-B14F-4D97-AF65-F5344CB8AC3E}">
-        <p14:creationId xmlns:p14="http://schemas.microsoft.com/office/powerpoint/2010/main" val="3542777870"/>
+        <p14:creationId xmlns:p14="http://schemas.microsoft.com/office/powerpoint/2010/main" val="892078038"/>
       </p:ext>
     </p:extLst>
   </p:cSld>

--- a/2023-06-01 Dealing with Concurrency - Multi-Threading in Dotnet/Dotnet-Multi-Threading.pptx
+++ b/2023-06-01 Dealing with Concurrency - Multi-Threading in Dotnet/Dotnet-Multi-Threading.pptx
@@ -279,7 +279,7 @@
           <a:p>
             <a:fld id="{2A14C9FE-EBC3-45D3-899C-58AAF4F8AF71}" type="datetimeFigureOut">
               <a:rPr lang="en-US" smtClean="0"/>
-              <a:t>5/14/2023</a:t>
+              <a:t>15-May-23</a:t>
             </a:fld>
             <a:endParaRPr lang="en-US"/>
           </a:p>
@@ -477,7 +477,7 @@
           <a:p>
             <a:fld id="{2A14C9FE-EBC3-45D3-899C-58AAF4F8AF71}" type="datetimeFigureOut">
               <a:rPr lang="en-US" smtClean="0"/>
-              <a:t>5/14/2023</a:t>
+              <a:t>15-May-23</a:t>
             </a:fld>
             <a:endParaRPr lang="en-US"/>
           </a:p>
@@ -685,7 +685,7 @@
           <a:p>
             <a:fld id="{2A14C9FE-EBC3-45D3-899C-58AAF4F8AF71}" type="datetimeFigureOut">
               <a:rPr lang="en-US" smtClean="0"/>
-              <a:t>5/14/2023</a:t>
+              <a:t>15-May-23</a:t>
             </a:fld>
             <a:endParaRPr lang="en-US"/>
           </a:p>
@@ -883,7 +883,7 @@
           <a:p>
             <a:fld id="{2A14C9FE-EBC3-45D3-899C-58AAF4F8AF71}" type="datetimeFigureOut">
               <a:rPr lang="en-US" smtClean="0"/>
-              <a:t>5/14/2023</a:t>
+              <a:t>15-May-23</a:t>
             </a:fld>
             <a:endParaRPr lang="en-US"/>
           </a:p>
@@ -1158,7 +1158,7 @@
           <a:p>
             <a:fld id="{2A14C9FE-EBC3-45D3-899C-58AAF4F8AF71}" type="datetimeFigureOut">
               <a:rPr lang="en-US" smtClean="0"/>
-              <a:t>5/14/2023</a:t>
+              <a:t>15-May-23</a:t>
             </a:fld>
             <a:endParaRPr lang="en-US"/>
           </a:p>
@@ -1423,7 +1423,7 @@
           <a:p>
             <a:fld id="{2A14C9FE-EBC3-45D3-899C-58AAF4F8AF71}" type="datetimeFigureOut">
               <a:rPr lang="en-US" smtClean="0"/>
-              <a:t>5/14/2023</a:t>
+              <a:t>15-May-23</a:t>
             </a:fld>
             <a:endParaRPr lang="en-US"/>
           </a:p>
@@ -1835,7 +1835,7 @@
           <a:p>
             <a:fld id="{2A14C9FE-EBC3-45D3-899C-58AAF4F8AF71}" type="datetimeFigureOut">
               <a:rPr lang="en-US" smtClean="0"/>
-              <a:t>5/14/2023</a:t>
+              <a:t>15-May-23</a:t>
             </a:fld>
             <a:endParaRPr lang="en-US"/>
           </a:p>
@@ -1976,7 +1976,7 @@
           <a:p>
             <a:fld id="{2A14C9FE-EBC3-45D3-899C-58AAF4F8AF71}" type="datetimeFigureOut">
               <a:rPr lang="en-US" smtClean="0"/>
-              <a:t>5/14/2023</a:t>
+              <a:t>15-May-23</a:t>
             </a:fld>
             <a:endParaRPr lang="en-US"/>
           </a:p>
@@ -2089,7 +2089,7 @@
           <a:p>
             <a:fld id="{2A14C9FE-EBC3-45D3-899C-58AAF4F8AF71}" type="datetimeFigureOut">
               <a:rPr lang="en-US" smtClean="0"/>
-              <a:t>5/14/2023</a:t>
+              <a:t>15-May-23</a:t>
             </a:fld>
             <a:endParaRPr lang="en-US"/>
           </a:p>
@@ -2400,7 +2400,7 @@
           <a:p>
             <a:fld id="{2A14C9FE-EBC3-45D3-899C-58AAF4F8AF71}" type="datetimeFigureOut">
               <a:rPr lang="en-US" smtClean="0"/>
-              <a:t>5/14/2023</a:t>
+              <a:t>15-May-23</a:t>
             </a:fld>
             <a:endParaRPr lang="en-US"/>
           </a:p>
@@ -2688,7 +2688,7 @@
           <a:p>
             <a:fld id="{2A14C9FE-EBC3-45D3-899C-58AAF4F8AF71}" type="datetimeFigureOut">
               <a:rPr lang="en-US" smtClean="0"/>
-              <a:t>5/14/2023</a:t>
+              <a:t>15-May-23</a:t>
             </a:fld>
             <a:endParaRPr lang="en-US"/>
           </a:p>
@@ -2929,7 +2929,7 @@
           <a:p>
             <a:fld id="{2A14C9FE-EBC3-45D3-899C-58AAF4F8AF71}" type="datetimeFigureOut">
               <a:rPr lang="en-US" smtClean="0"/>
-              <a:t>5/14/2023</a:t>
+              <a:t>15-May-23</a:t>
             </a:fld>
             <a:endParaRPr lang="en-US"/>
           </a:p>
@@ -3525,7 +3525,7 @@
                 <a:latin typeface="Euclid Circular B" panose="020B0504000000000000" pitchFamily="34" charset="0"/>
                 <a:ea typeface="Euclid Circular B" panose="020B0504000000000000" pitchFamily="34" charset="0"/>
               </a:rPr>
-              <a:t>Topic title</a:t>
+              <a:t>Sharing State Between Threads</a:t>
             </a:r>
           </a:p>
         </p:txBody>
@@ -3546,7 +3546,12 @@
             <p:ph idx="1"/>
           </p:nvPr>
         </p:nvSpPr>
-        <p:spPr/>
+        <p:spPr>
+          <a:xfrm>
+            <a:off x="838200" y="1825625"/>
+            <a:ext cx="10515600" cy="1856578"/>
+          </a:xfrm>
+        </p:spPr>
         <p:txBody>
           <a:bodyPr/>
           <a:lstStyle/>
@@ -3556,8 +3561,312 @@
                 <a:latin typeface="Euclid Circular B" panose="020B0504000000000000" pitchFamily="34" charset="0"/>
                 <a:ea typeface="Euclid Circular B" panose="020B0504000000000000" pitchFamily="34" charset="0"/>
               </a:rPr>
-              <a:t>Content</a:t>
-            </a:r>
+              <a:t>All threads in a process </a:t>
+            </a:r>
+            <a:r>
+              <a:rPr lang="en-US" b="1" dirty="0">
+                <a:latin typeface="Euclid Circular B" panose="020B0504000000000000" pitchFamily="34" charset="0"/>
+                <a:ea typeface="Euclid Circular B" panose="020B0504000000000000" pitchFamily="34" charset="0"/>
+              </a:rPr>
+              <a:t>share </a:t>
+            </a:r>
+            <a:r>
+              <a:rPr lang="en-US" dirty="0">
+                <a:latin typeface="Euclid Circular B" panose="020B0504000000000000" pitchFamily="34" charset="0"/>
+                <a:ea typeface="Euclid Circular B" panose="020B0504000000000000" pitchFamily="34" charset="0"/>
+              </a:rPr>
+              <a:t>the same application </a:t>
+            </a:r>
+            <a:r>
+              <a:rPr lang="en-US" b="1" dirty="0">
+                <a:latin typeface="Euclid Circular B" panose="020B0504000000000000" pitchFamily="34" charset="0"/>
+                <a:ea typeface="Euclid Circular B" panose="020B0504000000000000" pitchFamily="34" charset="0"/>
+              </a:rPr>
+              <a:t>state</a:t>
+            </a:r>
+            <a:r>
+              <a:rPr lang="en-US" dirty="0">
+                <a:latin typeface="Euclid Circular B" panose="020B0504000000000000" pitchFamily="34" charset="0"/>
+                <a:ea typeface="Euclid Circular B" panose="020B0504000000000000" pitchFamily="34" charset="0"/>
+              </a:rPr>
+              <a:t>.</a:t>
+            </a:r>
+          </a:p>
+          <a:p>
+            <a:r>
+              <a:rPr lang="en-US" dirty="0">
+                <a:latin typeface="Euclid Circular B" panose="020B0504000000000000" pitchFamily="34" charset="0"/>
+                <a:ea typeface="Euclid Circular B" panose="020B0504000000000000" pitchFamily="34" charset="0"/>
+              </a:rPr>
+              <a:t>Should </a:t>
+            </a:r>
+            <a:r>
+              <a:rPr lang="en-US" b="1" dirty="0">
+                <a:latin typeface="Euclid Circular B" panose="020B0504000000000000" pitchFamily="34" charset="0"/>
+                <a:ea typeface="Euclid Circular B" panose="020B0504000000000000" pitchFamily="34" charset="0"/>
+              </a:rPr>
+              <a:t>care </a:t>
+            </a:r>
+            <a:r>
+              <a:rPr lang="en-US" dirty="0">
+                <a:latin typeface="Euclid Circular B" panose="020B0504000000000000" pitchFamily="34" charset="0"/>
+                <a:ea typeface="Euclid Circular B" panose="020B0504000000000000" pitchFamily="34" charset="0"/>
+              </a:rPr>
+              <a:t>while accessing a </a:t>
+            </a:r>
+            <a:r>
+              <a:rPr lang="en-US" b="1" dirty="0">
+                <a:latin typeface="Euclid Circular B" panose="020B0504000000000000" pitchFamily="34" charset="0"/>
+                <a:ea typeface="Euclid Circular B" panose="020B0504000000000000" pitchFamily="34" charset="0"/>
+              </a:rPr>
+              <a:t>shared state</a:t>
+            </a:r>
+            <a:r>
+              <a:rPr lang="en-US" dirty="0">
+                <a:latin typeface="Euclid Circular B" panose="020B0504000000000000" pitchFamily="34" charset="0"/>
+                <a:ea typeface="Euclid Circular B" panose="020B0504000000000000" pitchFamily="34" charset="0"/>
+              </a:rPr>
+              <a:t>/variable/field.</a:t>
+            </a:r>
+          </a:p>
+          <a:p>
+            <a:r>
+              <a:rPr lang="en-US" dirty="0">
+                <a:latin typeface="Euclid Circular B" panose="020B0504000000000000" pitchFamily="34" charset="0"/>
+                <a:ea typeface="Euclid Circular B" panose="020B0504000000000000" pitchFamily="34" charset="0"/>
+              </a:rPr>
+              <a:t>Can use </a:t>
+            </a:r>
+            <a:r>
+              <a:rPr lang="en-US" b="1" dirty="0">
+                <a:latin typeface="Euclid Circular B" panose="020B0504000000000000" pitchFamily="34" charset="0"/>
+                <a:ea typeface="Euclid Circular B" panose="020B0504000000000000" pitchFamily="34" charset="0"/>
+              </a:rPr>
+              <a:t>exclusive locks </a:t>
+            </a:r>
+            <a:r>
+              <a:rPr lang="en-US" dirty="0">
+                <a:latin typeface="Euclid Circular B" panose="020B0504000000000000" pitchFamily="34" charset="0"/>
+                <a:ea typeface="Euclid Circular B" panose="020B0504000000000000" pitchFamily="34" charset="0"/>
+              </a:rPr>
+              <a:t>to regulate concurrent access</a:t>
+            </a:r>
+          </a:p>
+        </p:txBody>
+      </p:sp>
+      <p:sp>
+        <p:nvSpPr>
+          <p:cNvPr id="4" name="Content Placeholder 2">
+            <a:extLst>
+              <a:ext uri="{FF2B5EF4-FFF2-40B4-BE49-F238E27FC236}">
+                <a16:creationId xmlns:a16="http://schemas.microsoft.com/office/drawing/2014/main" id="{3780E134-2315-442C-D3DC-DA11CFC7D305}"/>
+              </a:ext>
+            </a:extLst>
+          </p:cNvPr>
+          <p:cNvSpPr txBox="1">
+            <a:spLocks/>
+          </p:cNvSpPr>
+          <p:nvPr/>
+        </p:nvSpPr>
+        <p:spPr>
+          <a:xfrm>
+            <a:off x="838200" y="3473080"/>
+            <a:ext cx="10515600" cy="2959525"/>
+          </a:xfrm>
+          <a:prstGeom prst="rect">
+            <a:avLst/>
+          </a:prstGeom>
+        </p:spPr>
+        <p:txBody>
+          <a:bodyPr vert="horz" lIns="91440" tIns="45720" rIns="91440" bIns="45720" rtlCol="0" anchor="ctr">
+            <a:normAutofit/>
+          </a:bodyPr>
+          <a:lstStyle>
+            <a:lvl1pPr marL="228600" indent="-228600" algn="l" defTabSz="914400" rtl="0" eaLnBrk="1" latinLnBrk="0" hangingPunct="1">
+              <a:lnSpc>
+                <a:spcPct val="90000"/>
+              </a:lnSpc>
+              <a:spcBef>
+                <a:spcPts val="1000"/>
+              </a:spcBef>
+              <a:buFont typeface="Arial" panose="020B0604020202020204" pitchFamily="34" charset="0"/>
+              <a:buChar char="•"/>
+              <a:defRPr sz="2800" kern="1200">
+                <a:solidFill>
+                  <a:schemeClr val="tx1"/>
+                </a:solidFill>
+                <a:latin typeface="+mn-lt"/>
+                <a:ea typeface="+mn-ea"/>
+                <a:cs typeface="+mn-cs"/>
+              </a:defRPr>
+            </a:lvl1pPr>
+            <a:lvl2pPr marL="685800" indent="-228600" algn="l" defTabSz="914400" rtl="0" eaLnBrk="1" latinLnBrk="0" hangingPunct="1">
+              <a:lnSpc>
+                <a:spcPct val="90000"/>
+              </a:lnSpc>
+              <a:spcBef>
+                <a:spcPts val="500"/>
+              </a:spcBef>
+              <a:buFont typeface="Arial" panose="020B0604020202020204" pitchFamily="34" charset="0"/>
+              <a:buChar char="•"/>
+              <a:defRPr sz="2400" kern="1200">
+                <a:solidFill>
+                  <a:schemeClr val="tx1"/>
+                </a:solidFill>
+                <a:latin typeface="+mn-lt"/>
+                <a:ea typeface="+mn-ea"/>
+                <a:cs typeface="+mn-cs"/>
+              </a:defRPr>
+            </a:lvl2pPr>
+            <a:lvl3pPr marL="1143000" indent="-228600" algn="l" defTabSz="914400" rtl="0" eaLnBrk="1" latinLnBrk="0" hangingPunct="1">
+              <a:lnSpc>
+                <a:spcPct val="90000"/>
+              </a:lnSpc>
+              <a:spcBef>
+                <a:spcPts val="500"/>
+              </a:spcBef>
+              <a:buFont typeface="Arial" panose="020B0604020202020204" pitchFamily="34" charset="0"/>
+              <a:buChar char="•"/>
+              <a:defRPr sz="2000" kern="1200">
+                <a:solidFill>
+                  <a:schemeClr val="tx1"/>
+                </a:solidFill>
+                <a:latin typeface="+mn-lt"/>
+                <a:ea typeface="+mn-ea"/>
+                <a:cs typeface="+mn-cs"/>
+              </a:defRPr>
+            </a:lvl3pPr>
+            <a:lvl4pPr marL="1600200" indent="-228600" algn="l" defTabSz="914400" rtl="0" eaLnBrk="1" latinLnBrk="0" hangingPunct="1">
+              <a:lnSpc>
+                <a:spcPct val="90000"/>
+              </a:lnSpc>
+              <a:spcBef>
+                <a:spcPts val="500"/>
+              </a:spcBef>
+              <a:buFont typeface="Arial" panose="020B0604020202020204" pitchFamily="34" charset="0"/>
+              <a:buChar char="•"/>
+              <a:defRPr sz="1800" kern="1200">
+                <a:solidFill>
+                  <a:schemeClr val="tx1"/>
+                </a:solidFill>
+                <a:latin typeface="+mn-lt"/>
+                <a:ea typeface="+mn-ea"/>
+                <a:cs typeface="+mn-cs"/>
+              </a:defRPr>
+            </a:lvl4pPr>
+            <a:lvl5pPr marL="2057400" indent="-228600" algn="l" defTabSz="914400" rtl="0" eaLnBrk="1" latinLnBrk="0" hangingPunct="1">
+              <a:lnSpc>
+                <a:spcPct val="90000"/>
+              </a:lnSpc>
+              <a:spcBef>
+                <a:spcPts val="500"/>
+              </a:spcBef>
+              <a:buFont typeface="Arial" panose="020B0604020202020204" pitchFamily="34" charset="0"/>
+              <a:buChar char="•"/>
+              <a:defRPr sz="1800" kern="1200">
+                <a:solidFill>
+                  <a:schemeClr val="tx1"/>
+                </a:solidFill>
+                <a:latin typeface="+mn-lt"/>
+                <a:ea typeface="+mn-ea"/>
+                <a:cs typeface="+mn-cs"/>
+              </a:defRPr>
+            </a:lvl5pPr>
+            <a:lvl6pPr marL="2514600" indent="-228600" algn="l" defTabSz="914400" rtl="0" eaLnBrk="1" latinLnBrk="0" hangingPunct="1">
+              <a:lnSpc>
+                <a:spcPct val="90000"/>
+              </a:lnSpc>
+              <a:spcBef>
+                <a:spcPts val="500"/>
+              </a:spcBef>
+              <a:buFont typeface="Arial" panose="020B0604020202020204" pitchFamily="34" charset="0"/>
+              <a:buChar char="•"/>
+              <a:defRPr sz="1800" kern="1200">
+                <a:solidFill>
+                  <a:schemeClr val="tx1"/>
+                </a:solidFill>
+                <a:latin typeface="+mn-lt"/>
+                <a:ea typeface="+mn-ea"/>
+                <a:cs typeface="+mn-cs"/>
+              </a:defRPr>
+            </a:lvl6pPr>
+            <a:lvl7pPr marL="2971800" indent="-228600" algn="l" defTabSz="914400" rtl="0" eaLnBrk="1" latinLnBrk="0" hangingPunct="1">
+              <a:lnSpc>
+                <a:spcPct val="90000"/>
+              </a:lnSpc>
+              <a:spcBef>
+                <a:spcPts val="500"/>
+              </a:spcBef>
+              <a:buFont typeface="Arial" panose="020B0604020202020204" pitchFamily="34" charset="0"/>
+              <a:buChar char="•"/>
+              <a:defRPr sz="1800" kern="1200">
+                <a:solidFill>
+                  <a:schemeClr val="tx1"/>
+                </a:solidFill>
+                <a:latin typeface="+mn-lt"/>
+                <a:ea typeface="+mn-ea"/>
+                <a:cs typeface="+mn-cs"/>
+              </a:defRPr>
+            </a:lvl7pPr>
+            <a:lvl8pPr marL="3429000" indent="-228600" algn="l" defTabSz="914400" rtl="0" eaLnBrk="1" latinLnBrk="0" hangingPunct="1">
+              <a:lnSpc>
+                <a:spcPct val="90000"/>
+              </a:lnSpc>
+              <a:spcBef>
+                <a:spcPts val="500"/>
+              </a:spcBef>
+              <a:buFont typeface="Arial" panose="020B0604020202020204" pitchFamily="34" charset="0"/>
+              <a:buChar char="•"/>
+              <a:defRPr sz="1800" kern="1200">
+                <a:solidFill>
+                  <a:schemeClr val="tx1"/>
+                </a:solidFill>
+                <a:latin typeface="+mn-lt"/>
+                <a:ea typeface="+mn-ea"/>
+                <a:cs typeface="+mn-cs"/>
+              </a:defRPr>
+            </a:lvl8pPr>
+            <a:lvl9pPr marL="3886200" indent="-228600" algn="l" defTabSz="914400" rtl="0" eaLnBrk="1" latinLnBrk="0" hangingPunct="1">
+              <a:lnSpc>
+                <a:spcPct val="90000"/>
+              </a:lnSpc>
+              <a:spcBef>
+                <a:spcPts val="500"/>
+              </a:spcBef>
+              <a:buFont typeface="Arial" panose="020B0604020202020204" pitchFamily="34" charset="0"/>
+              <a:buChar char="•"/>
+              <a:defRPr sz="1800" kern="1200">
+                <a:solidFill>
+                  <a:schemeClr val="tx1"/>
+                </a:solidFill>
+                <a:latin typeface="+mn-lt"/>
+                <a:ea typeface="+mn-ea"/>
+                <a:cs typeface="+mn-cs"/>
+              </a:defRPr>
+            </a:lvl9pPr>
+          </a:lstStyle>
+          <a:p>
+            <a:pPr marL="0" indent="0" algn="ctr">
+              <a:buFont typeface="Arial" panose="020B0604020202020204" pitchFamily="34" charset="0"/>
+              <a:buNone/>
+            </a:pPr>
+            <a:r>
+              <a:rPr lang="tr-TR" sz="8800">
+                <a:solidFill>
+                  <a:srgbClr val="FF0000"/>
+                </a:solidFill>
+                <a:latin typeface="Euclid Circular B" panose="020B0504000000000000" pitchFamily="34" charset="0"/>
+                <a:ea typeface="Euclid Circular B" panose="020B0504000000000000" pitchFamily="34" charset="0"/>
+              </a:rPr>
+              <a:t>DEMO</a:t>
+            </a:r>
+            <a:endParaRPr lang="en-US" sz="8800" dirty="0">
+              <a:solidFill>
+                <a:srgbClr val="FF0000"/>
+              </a:solidFill>
+              <a:latin typeface="Euclid Circular B" panose="020B0504000000000000" pitchFamily="34" charset="0"/>
+              <a:ea typeface="Euclid Circular B" panose="020B0504000000000000" pitchFamily="34" charset="0"/>
+            </a:endParaRPr>
           </a:p>
         </p:txBody>
       </p:sp>

--- a/2023-06-01 Dealing with Concurrency - Multi-Threading in Dotnet/Dotnet-Multi-Threading.pptx
+++ b/2023-06-01 Dealing with Concurrency - Multi-Threading in Dotnet/Dotnet-Multi-Threading.pptx
@@ -3943,17 +3943,121 @@
                 <a:latin typeface="Euclid Circular B" panose="020B0504000000000000" pitchFamily="34" charset="0"/>
                 <a:ea typeface="Euclid Circular B" panose="020B0504000000000000" pitchFamily="34" charset="0"/>
               </a:rPr>
-              <a:t>Topic title</a:t>
-            </a:r>
-          </a:p>
-        </p:txBody>
-      </p:sp>
-      <p:sp>
-        <p:nvSpPr>
-          <p:cNvPr id="3" name="Content Placeholder 2">
-            <a:extLst>
-              <a:ext uri="{FF2B5EF4-FFF2-40B4-BE49-F238E27FC236}">
-                <a16:creationId xmlns:a16="http://schemas.microsoft.com/office/drawing/2014/main" id="{891C7693-D3DF-4635-96F4-97F3B4136FDF}"/>
+              <a:t>The Monitor Class</a:t>
+            </a:r>
+          </a:p>
+        </p:txBody>
+      </p:sp>
+      <p:pic>
+        <p:nvPicPr>
+          <p:cNvPr id="7" name="Picture 6">
+            <a:extLst>
+              <a:ext uri="{FF2B5EF4-FFF2-40B4-BE49-F238E27FC236}">
+                <a16:creationId xmlns:a16="http://schemas.microsoft.com/office/drawing/2014/main" id="{34AAF4D9-010F-5C25-5D63-241F90ED12A5}"/>
+              </a:ext>
+            </a:extLst>
+          </p:cNvPr>
+          <p:cNvPicPr>
+            <a:picLocks noChangeAspect="1"/>
+          </p:cNvPicPr>
+          <p:nvPr/>
+        </p:nvPicPr>
+        <p:blipFill>
+          <a:blip r:embed="rId3"/>
+          <a:stretch>
+            <a:fillRect/>
+          </a:stretch>
+        </p:blipFill>
+        <p:spPr>
+          <a:xfrm>
+            <a:off x="765075" y="1690688"/>
+            <a:ext cx="2347678" cy="1487194"/>
+          </a:xfrm>
+          <a:prstGeom prst="rect">
+            <a:avLst/>
+          </a:prstGeom>
+        </p:spPr>
+      </p:pic>
+      <p:pic>
+        <p:nvPicPr>
+          <p:cNvPr id="9" name="Picture 8">
+            <a:extLst>
+              <a:ext uri="{FF2B5EF4-FFF2-40B4-BE49-F238E27FC236}">
+                <a16:creationId xmlns:a16="http://schemas.microsoft.com/office/drawing/2014/main" id="{341B1769-7F0F-5576-A76D-1FC037B36144}"/>
+              </a:ext>
+            </a:extLst>
+          </p:cNvPr>
+          <p:cNvPicPr>
+            <a:picLocks noChangeAspect="1"/>
+          </p:cNvPicPr>
+          <p:nvPr/>
+        </p:nvPicPr>
+        <p:blipFill>
+          <a:blip r:embed="rId4"/>
+          <a:stretch>
+            <a:fillRect/>
+          </a:stretch>
+        </p:blipFill>
+        <p:spPr>
+          <a:xfrm>
+            <a:off x="7464405" y="1690688"/>
+            <a:ext cx="3889395" cy="2942819"/>
+          </a:xfrm>
+          <a:prstGeom prst="rect">
+            <a:avLst/>
+          </a:prstGeom>
+        </p:spPr>
+      </p:pic>
+      <p:cxnSp>
+        <p:nvCxnSpPr>
+          <p:cNvPr id="11" name="Straight Arrow Connector 10">
+            <a:extLst>
+              <a:ext uri="{FF2B5EF4-FFF2-40B4-BE49-F238E27FC236}">
+                <a16:creationId xmlns:a16="http://schemas.microsoft.com/office/drawing/2014/main" id="{26A26533-BDBA-7D41-35BD-E75EB415C59A}"/>
+              </a:ext>
+            </a:extLst>
+          </p:cNvPr>
+          <p:cNvCxnSpPr>
+            <a:cxnSpLocks/>
+          </p:cNvCxnSpPr>
+          <p:nvPr/>
+        </p:nvCxnSpPr>
+        <p:spPr>
+          <a:xfrm>
+            <a:off x="3580263" y="1942231"/>
+            <a:ext cx="3361898" cy="0"/>
+          </a:xfrm>
+          <a:prstGeom prst="straightConnector1">
+            <a:avLst/>
+          </a:prstGeom>
+          <a:ln w="88900">
+            <a:solidFill>
+              <a:srgbClr val="0070C0"/>
+            </a:solidFill>
+            <a:tailEnd type="triangle"/>
+          </a:ln>
+        </p:spPr>
+        <p:style>
+          <a:lnRef idx="1">
+            <a:schemeClr val="accent1"/>
+          </a:lnRef>
+          <a:fillRef idx="0">
+            <a:schemeClr val="accent1"/>
+          </a:fillRef>
+          <a:effectRef idx="0">
+            <a:schemeClr val="accent1"/>
+          </a:effectRef>
+          <a:fontRef idx="minor">
+            <a:schemeClr val="tx1"/>
+          </a:fontRef>
+        </p:style>
+      </p:cxnSp>
+      <p:sp>
+        <p:nvSpPr>
+          <p:cNvPr id="14" name="Content Placeholder 2">
+            <a:extLst>
+              <a:ext uri="{FF2B5EF4-FFF2-40B4-BE49-F238E27FC236}">
+                <a16:creationId xmlns:a16="http://schemas.microsoft.com/office/drawing/2014/main" id="{1C218BF1-D621-2C2A-0ADC-CAE25B75E1A2}"/>
               </a:ext>
             </a:extLst>
           </p:cNvPr>
@@ -3964,17 +4068,158 @@
             <p:ph idx="1"/>
           </p:nvPr>
         </p:nvSpPr>
-        <p:spPr/>
-        <p:txBody>
-          <a:bodyPr/>
-          <a:lstStyle/>
-          <a:p>
-            <a:r>
-              <a:rPr lang="en-US" dirty="0">
+        <p:spPr>
+          <a:xfrm>
+            <a:off x="765075" y="3616657"/>
+            <a:ext cx="6572871" cy="2692594"/>
+          </a:xfrm>
+        </p:spPr>
+        <p:txBody>
+          <a:bodyPr>
+            <a:normAutofit/>
+          </a:bodyPr>
+          <a:lstStyle/>
+          <a:p>
+            <a:r>
+              <a:rPr lang="en-US" sz="2400" dirty="0" err="1">
                 <a:latin typeface="Euclid Circular B" panose="020B0504000000000000" pitchFamily="34" charset="0"/>
                 <a:ea typeface="Euclid Circular B" panose="020B0504000000000000" pitchFamily="34" charset="0"/>
               </a:rPr>
-              <a:t>Content</a:t>
+              <a:t>Monitor.</a:t>
+            </a:r>
+            <a:r>
+              <a:rPr lang="en-US" sz="2400" b="1" dirty="0" err="1">
+                <a:latin typeface="Euclid Circular B" panose="020B0504000000000000" pitchFamily="34" charset="0"/>
+                <a:ea typeface="Euclid Circular B" panose="020B0504000000000000" pitchFamily="34" charset="0"/>
+              </a:rPr>
+              <a:t>Enter</a:t>
+            </a:r>
+            <a:r>
+              <a:rPr lang="en-US" sz="2400" b="1" dirty="0">
+                <a:latin typeface="Euclid Circular B" panose="020B0504000000000000" pitchFamily="34" charset="0"/>
+                <a:ea typeface="Euclid Circular B" panose="020B0504000000000000" pitchFamily="34" charset="0"/>
+              </a:rPr>
+              <a:t>()</a:t>
+            </a:r>
+            <a:r>
+              <a:rPr lang="en-US" sz="2400" dirty="0">
+                <a:latin typeface="Euclid Circular B" panose="020B0504000000000000" pitchFamily="34" charset="0"/>
+                <a:ea typeface="Euclid Circular B" panose="020B0504000000000000" pitchFamily="34" charset="0"/>
+              </a:rPr>
+              <a:t> / </a:t>
+            </a:r>
+            <a:r>
+              <a:rPr lang="en-US" sz="2400" dirty="0" err="1">
+                <a:latin typeface="Euclid Circular B" panose="020B0504000000000000" pitchFamily="34" charset="0"/>
+                <a:ea typeface="Euclid Circular B" panose="020B0504000000000000" pitchFamily="34" charset="0"/>
+              </a:rPr>
+              <a:t>Monitor.</a:t>
+            </a:r>
+            <a:r>
+              <a:rPr lang="en-US" sz="2400" b="1" dirty="0" err="1">
+                <a:latin typeface="Euclid Circular B" panose="020B0504000000000000" pitchFamily="34" charset="0"/>
+                <a:ea typeface="Euclid Circular B" panose="020B0504000000000000" pitchFamily="34" charset="0"/>
+              </a:rPr>
+              <a:t>TryEnter</a:t>
+            </a:r>
+            <a:r>
+              <a:rPr lang="en-US" sz="2400" b="1" dirty="0">
+                <a:latin typeface="Euclid Circular B" panose="020B0504000000000000" pitchFamily="34" charset="0"/>
+                <a:ea typeface="Euclid Circular B" panose="020B0504000000000000" pitchFamily="34" charset="0"/>
+              </a:rPr>
+              <a:t>()</a:t>
+            </a:r>
+          </a:p>
+          <a:p>
+            <a:r>
+              <a:rPr lang="en-US" sz="2400" dirty="0" err="1">
+                <a:latin typeface="Euclid Circular B" panose="020B0504000000000000" pitchFamily="34" charset="0"/>
+                <a:ea typeface="Euclid Circular B" panose="020B0504000000000000" pitchFamily="34" charset="0"/>
+              </a:rPr>
+              <a:t>Monitor.</a:t>
+            </a:r>
+            <a:r>
+              <a:rPr lang="en-US" sz="2400" b="1" dirty="0" err="1">
+                <a:latin typeface="Euclid Circular B" panose="020B0504000000000000" pitchFamily="34" charset="0"/>
+                <a:ea typeface="Euclid Circular B" panose="020B0504000000000000" pitchFamily="34" charset="0"/>
+              </a:rPr>
+              <a:t>Exit</a:t>
+            </a:r>
+            <a:r>
+              <a:rPr lang="en-US" sz="2400" b="1" dirty="0">
+                <a:latin typeface="Euclid Circular B" panose="020B0504000000000000" pitchFamily="34" charset="0"/>
+                <a:ea typeface="Euclid Circular B" panose="020B0504000000000000" pitchFamily="34" charset="0"/>
+              </a:rPr>
+              <a:t>()</a:t>
+            </a:r>
+          </a:p>
+          <a:p>
+            <a:r>
+              <a:rPr lang="en-US" sz="2400" dirty="0" err="1">
+                <a:latin typeface="Euclid Circular B" panose="020B0504000000000000" pitchFamily="34" charset="0"/>
+                <a:ea typeface="Euclid Circular B" panose="020B0504000000000000" pitchFamily="34" charset="0"/>
+              </a:rPr>
+              <a:t>Monitor.</a:t>
+            </a:r>
+            <a:r>
+              <a:rPr lang="en-US" sz="2400" b="1" dirty="0" err="1">
+                <a:latin typeface="Euclid Circular B" panose="020B0504000000000000" pitchFamily="34" charset="0"/>
+                <a:ea typeface="Euclid Circular B" panose="020B0504000000000000" pitchFamily="34" charset="0"/>
+              </a:rPr>
+              <a:t>Wait</a:t>
+            </a:r>
+            <a:r>
+              <a:rPr lang="en-US" sz="2400" b="1" dirty="0">
+                <a:latin typeface="Euclid Circular B" panose="020B0504000000000000" pitchFamily="34" charset="0"/>
+                <a:ea typeface="Euclid Circular B" panose="020B0504000000000000" pitchFamily="34" charset="0"/>
+              </a:rPr>
+              <a:t>()</a:t>
+            </a:r>
+          </a:p>
+          <a:p>
+            <a:r>
+              <a:rPr lang="en-US" sz="2400" dirty="0" err="1">
+                <a:latin typeface="Euclid Circular B" panose="020B0504000000000000" pitchFamily="34" charset="0"/>
+                <a:ea typeface="Euclid Circular B" panose="020B0504000000000000" pitchFamily="34" charset="0"/>
+              </a:rPr>
+              <a:t>Monitor.</a:t>
+            </a:r>
+            <a:r>
+              <a:rPr lang="en-US" sz="2400" b="1" dirty="0" err="1">
+                <a:latin typeface="Euclid Circular B" panose="020B0504000000000000" pitchFamily="34" charset="0"/>
+                <a:ea typeface="Euclid Circular B" panose="020B0504000000000000" pitchFamily="34" charset="0"/>
+              </a:rPr>
+              <a:t>Pulse</a:t>
+            </a:r>
+            <a:r>
+              <a:rPr lang="en-US" sz="2400" b="1" dirty="0">
+                <a:latin typeface="Euclid Circular B" panose="020B0504000000000000" pitchFamily="34" charset="0"/>
+                <a:ea typeface="Euclid Circular B" panose="020B0504000000000000" pitchFamily="34" charset="0"/>
+              </a:rPr>
+              <a:t>()</a:t>
+            </a:r>
+          </a:p>
+          <a:p>
+            <a:r>
+              <a:rPr lang="en-US" sz="2400" dirty="0" err="1">
+                <a:latin typeface="Euclid Circular B" panose="020B0504000000000000" pitchFamily="34" charset="0"/>
+                <a:ea typeface="Euclid Circular B" panose="020B0504000000000000" pitchFamily="34" charset="0"/>
+              </a:rPr>
+              <a:t>Monitor.</a:t>
+            </a:r>
+            <a:r>
+              <a:rPr lang="en-US" sz="2400" b="1" dirty="0" err="1">
+                <a:latin typeface="Euclid Circular B" panose="020B0504000000000000" pitchFamily="34" charset="0"/>
+                <a:ea typeface="Euclid Circular B" panose="020B0504000000000000" pitchFamily="34" charset="0"/>
+              </a:rPr>
+              <a:t>PulseAll</a:t>
+            </a:r>
+            <a:r>
+              <a:rPr lang="en-US" sz="2400" b="1" dirty="0">
+                <a:latin typeface="Euclid Circular B" panose="020B0504000000000000" pitchFamily="34" charset="0"/>
+                <a:ea typeface="Euclid Circular B" panose="020B0504000000000000" pitchFamily="34" charset="0"/>
+              </a:rPr>
+              <a:t>()</a:t>
             </a:r>
           </a:p>
         </p:txBody>

--- a/2023-06-01 Dealing with Concurrency - Multi-Threading in Dotnet/Dotnet-Multi-Threading.pptx
+++ b/2023-06-01 Dealing with Concurrency - Multi-Threading in Dotnet/Dotnet-Multi-Threading.pptx
@@ -4198,8 +4198,13 @@
               </a:rPr>
               <a:t>()</a:t>
             </a:r>
-          </a:p>
-          <a:p>
+            <a:r>
+              <a:rPr lang="en-US" sz="2400" dirty="0">
+                <a:latin typeface="Euclid Circular B" panose="020B0504000000000000" pitchFamily="34" charset="0"/>
+                <a:ea typeface="Euclid Circular B" panose="020B0504000000000000" pitchFamily="34" charset="0"/>
+              </a:rPr>
+              <a:t> / </a:t>
+            </a:r>
             <a:r>
               <a:rPr lang="en-US" sz="2400" dirty="0" err="1">
                 <a:latin typeface="Euclid Circular B" panose="020B0504000000000000" pitchFamily="34" charset="0"/>
@@ -4297,17 +4302,64 @@
                 <a:latin typeface="Euclid Circular B" panose="020B0504000000000000" pitchFamily="34" charset="0"/>
                 <a:ea typeface="Euclid Circular B" panose="020B0504000000000000" pitchFamily="34" charset="0"/>
               </a:rPr>
-              <a:t>Topic title</a:t>
-            </a:r>
-          </a:p>
-        </p:txBody>
-      </p:sp>
-      <p:sp>
-        <p:nvSpPr>
-          <p:cNvPr id="3" name="Content Placeholder 2">
-            <a:extLst>
-              <a:ext uri="{FF2B5EF4-FFF2-40B4-BE49-F238E27FC236}">
-                <a16:creationId xmlns:a16="http://schemas.microsoft.com/office/drawing/2014/main" id="{891C7693-D3DF-4635-96F4-97F3B4136FDF}"/>
+              <a:t>Producer-Consumer Pattern</a:t>
+            </a:r>
+          </a:p>
+        </p:txBody>
+      </p:sp>
+      <p:pic>
+        <p:nvPicPr>
+          <p:cNvPr id="1028" name="Picture 4" descr="Javanotes 7.0, Section 12.3 -- Threads and Parallel Processing">
+            <a:extLst>
+              <a:ext uri="{FF2B5EF4-FFF2-40B4-BE49-F238E27FC236}">
+                <a16:creationId xmlns:a16="http://schemas.microsoft.com/office/drawing/2014/main" id="{80C9A4B0-9056-D3E4-1448-5B603371560B}"/>
+              </a:ext>
+            </a:extLst>
+          </p:cNvPr>
+          <p:cNvPicPr>
+            <a:picLocks noChangeAspect="1" noChangeArrowheads="1"/>
+          </p:cNvPicPr>
+          <p:nvPr/>
+        </p:nvPicPr>
+        <p:blipFill>
+          <a:blip r:embed="rId3">
+            <a:extLst>
+              <a:ext uri="{28A0092B-C50C-407E-A947-70E740481C1C}">
+                <a14:useLocalDpi xmlns:a14="http://schemas.microsoft.com/office/drawing/2010/main" val="0"/>
+              </a:ext>
+            </a:extLst>
+          </a:blip>
+          <a:srcRect/>
+          <a:stretch>
+            <a:fillRect/>
+          </a:stretch>
+        </p:blipFill>
+        <p:spPr bwMode="auto">
+          <a:xfrm>
+            <a:off x="5754806" y="1825625"/>
+            <a:ext cx="5943628" cy="2453682"/>
+          </a:xfrm>
+          <a:prstGeom prst="rect">
+            <a:avLst/>
+          </a:prstGeom>
+          <a:noFill/>
+          <a:extLst>
+            <a:ext uri="{909E8E84-426E-40DD-AFC4-6F175D3DCCD1}">
+              <a14:hiddenFill xmlns:a14="http://schemas.microsoft.com/office/drawing/2010/main">
+                <a:solidFill>
+                  <a:srgbClr val="FFFFFF"/>
+                </a:solidFill>
+              </a14:hiddenFill>
+            </a:ext>
+          </a:extLst>
+        </p:spPr>
+      </p:pic>
+      <p:sp>
+        <p:nvSpPr>
+          <p:cNvPr id="7" name="Content Placeholder 2">
+            <a:extLst>
+              <a:ext uri="{FF2B5EF4-FFF2-40B4-BE49-F238E27FC236}">
+                <a16:creationId xmlns:a16="http://schemas.microsoft.com/office/drawing/2014/main" id="{D94E443C-C3FD-F0CD-E207-F368DADF1D25}"/>
               </a:ext>
             </a:extLst>
           </p:cNvPr>
@@ -4318,7 +4370,12 @@
             <p:ph idx="1"/>
           </p:nvPr>
         </p:nvSpPr>
-        <p:spPr/>
+        <p:spPr>
+          <a:xfrm>
+            <a:off x="838200" y="1825625"/>
+            <a:ext cx="4916606" cy="4351338"/>
+          </a:xfrm>
+        </p:spPr>
         <p:txBody>
           <a:bodyPr/>
           <a:lstStyle/>
@@ -4328,7 +4385,123 @@
                 <a:latin typeface="Euclid Circular B" panose="020B0504000000000000" pitchFamily="34" charset="0"/>
                 <a:ea typeface="Euclid Circular B" panose="020B0504000000000000" pitchFamily="34" charset="0"/>
               </a:rPr>
-              <a:t>Content</a:t>
+              <a:t>One or multiple </a:t>
+            </a:r>
+            <a:r>
+              <a:rPr lang="en-US" b="1" dirty="0">
+                <a:latin typeface="Euclid Circular B" panose="020B0504000000000000" pitchFamily="34" charset="0"/>
+                <a:ea typeface="Euclid Circular B" panose="020B0504000000000000" pitchFamily="34" charset="0"/>
+              </a:rPr>
+              <a:t>producer </a:t>
+            </a:r>
+            <a:r>
+              <a:rPr lang="en-US" dirty="0">
+                <a:latin typeface="Euclid Circular B" panose="020B0504000000000000" pitchFamily="34" charset="0"/>
+                <a:ea typeface="Euclid Circular B" panose="020B0504000000000000" pitchFamily="34" charset="0"/>
+              </a:rPr>
+              <a:t>threads </a:t>
+            </a:r>
+            <a:r>
+              <a:rPr lang="en-US" b="1" dirty="0">
+                <a:latin typeface="Euclid Circular B" panose="020B0504000000000000" pitchFamily="34" charset="0"/>
+                <a:ea typeface="Euclid Circular B" panose="020B0504000000000000" pitchFamily="34" charset="0"/>
+              </a:rPr>
+              <a:t>add </a:t>
+            </a:r>
+            <a:r>
+              <a:rPr lang="en-US" dirty="0">
+                <a:latin typeface="Euclid Circular B" panose="020B0504000000000000" pitchFamily="34" charset="0"/>
+                <a:ea typeface="Euclid Circular B" panose="020B0504000000000000" pitchFamily="34" charset="0"/>
+              </a:rPr>
+              <a:t>work items to a </a:t>
+            </a:r>
+            <a:r>
+              <a:rPr lang="en-US" b="1" dirty="0">
+                <a:latin typeface="Euclid Circular B" panose="020B0504000000000000" pitchFamily="34" charset="0"/>
+                <a:ea typeface="Euclid Circular B" panose="020B0504000000000000" pitchFamily="34" charset="0"/>
+              </a:rPr>
+              <a:t>queue</a:t>
+            </a:r>
+          </a:p>
+          <a:p>
+            <a:r>
+              <a:rPr lang="en-US" dirty="0">
+                <a:latin typeface="Euclid Circular B" panose="020B0504000000000000" pitchFamily="34" charset="0"/>
+                <a:ea typeface="Euclid Circular B" panose="020B0504000000000000" pitchFamily="34" charset="0"/>
+              </a:rPr>
+              <a:t>One or multiple </a:t>
+            </a:r>
+            <a:r>
+              <a:rPr lang="en-US" b="1" dirty="0">
+                <a:latin typeface="Euclid Circular B" panose="020B0504000000000000" pitchFamily="34" charset="0"/>
+                <a:ea typeface="Euclid Circular B" panose="020B0504000000000000" pitchFamily="34" charset="0"/>
+              </a:rPr>
+              <a:t>consumer </a:t>
+            </a:r>
+            <a:r>
+              <a:rPr lang="en-US" dirty="0">
+                <a:latin typeface="Euclid Circular B" panose="020B0504000000000000" pitchFamily="34" charset="0"/>
+                <a:ea typeface="Euclid Circular B" panose="020B0504000000000000" pitchFamily="34" charset="0"/>
+              </a:rPr>
+              <a:t>threads </a:t>
+            </a:r>
+            <a:r>
+              <a:rPr lang="en-US" b="1" dirty="0">
+                <a:latin typeface="Euclid Circular B" panose="020B0504000000000000" pitchFamily="34" charset="0"/>
+                <a:ea typeface="Euclid Circular B" panose="020B0504000000000000" pitchFamily="34" charset="0"/>
+              </a:rPr>
+              <a:t>process </a:t>
+            </a:r>
+            <a:r>
+              <a:rPr lang="en-US" dirty="0">
+                <a:latin typeface="Euclid Circular B" panose="020B0504000000000000" pitchFamily="34" charset="0"/>
+                <a:ea typeface="Euclid Circular B" panose="020B0504000000000000" pitchFamily="34" charset="0"/>
+              </a:rPr>
+              <a:t>work items and </a:t>
+            </a:r>
+            <a:r>
+              <a:rPr lang="en-US" b="1" dirty="0">
+                <a:latin typeface="Euclid Circular B" panose="020B0504000000000000" pitchFamily="34" charset="0"/>
+                <a:ea typeface="Euclid Circular B" panose="020B0504000000000000" pitchFamily="34" charset="0"/>
+              </a:rPr>
+              <a:t>removes </a:t>
+            </a:r>
+            <a:r>
+              <a:rPr lang="en-US" dirty="0">
+                <a:latin typeface="Euclid Circular B" panose="020B0504000000000000" pitchFamily="34" charset="0"/>
+                <a:ea typeface="Euclid Circular B" panose="020B0504000000000000" pitchFamily="34" charset="0"/>
+              </a:rPr>
+              <a:t>from the </a:t>
+            </a:r>
+            <a:r>
+              <a:rPr lang="en-US" b="1" dirty="0">
+                <a:latin typeface="Euclid Circular B" panose="020B0504000000000000" pitchFamily="34" charset="0"/>
+                <a:ea typeface="Euclid Circular B" panose="020B0504000000000000" pitchFamily="34" charset="0"/>
+              </a:rPr>
+              <a:t>queue</a:t>
+            </a:r>
+          </a:p>
+          <a:p>
+            <a:r>
+              <a:rPr lang="en-US" dirty="0">
+                <a:latin typeface="Euclid Circular B" panose="020B0504000000000000" pitchFamily="34" charset="0"/>
+                <a:ea typeface="Euclid Circular B" panose="020B0504000000000000" pitchFamily="34" charset="0"/>
+              </a:rPr>
+              <a:t>Queue is </a:t>
+            </a:r>
+            <a:r>
+              <a:rPr lang="en-US" b="1" dirty="0">
+                <a:latin typeface="Euclid Circular B" panose="020B0504000000000000" pitchFamily="34" charset="0"/>
+                <a:ea typeface="Euclid Circular B" panose="020B0504000000000000" pitchFamily="34" charset="0"/>
+              </a:rPr>
+              <a:t>exclusively accessed </a:t>
+            </a:r>
+            <a:r>
+              <a:rPr lang="en-US" dirty="0">
+                <a:latin typeface="Euclid Circular B" panose="020B0504000000000000" pitchFamily="34" charset="0"/>
+                <a:ea typeface="Euclid Circular B" panose="020B0504000000000000" pitchFamily="34" charset="0"/>
+              </a:rPr>
+              <a:t>by all threads.</a:t>
             </a:r>
           </a:p>
         </p:txBody>

--- a/2023-06-01 Dealing with Concurrency - Multi-Threading in Dotnet/Dotnet-Multi-Threading.pptx
+++ b/2023-06-01 Dealing with Concurrency - Multi-Threading in Dotnet/Dotnet-Multi-Threading.pptx
@@ -3851,7 +3851,7 @@
               <a:buNone/>
             </a:pPr>
             <a:r>
-              <a:rPr lang="tr-TR" sz="8800">
+              <a:rPr lang="tr-TR" sz="8800" dirty="0">
                 <a:solidFill>
                   <a:srgbClr val="FF0000"/>
                 </a:solidFill>
@@ -4229,6 +4229,222 @@
           </a:p>
         </p:txBody>
       </p:sp>
+      <p:sp>
+        <p:nvSpPr>
+          <p:cNvPr id="15" name="Content Placeholder 2">
+            <a:extLst>
+              <a:ext uri="{FF2B5EF4-FFF2-40B4-BE49-F238E27FC236}">
+                <a16:creationId xmlns:a16="http://schemas.microsoft.com/office/drawing/2014/main" id="{A5222E91-C60C-6C62-270D-FFDFD84022DB}"/>
+              </a:ext>
+            </a:extLst>
+          </p:cNvPr>
+          <p:cNvSpPr txBox="1">
+            <a:spLocks/>
+          </p:cNvSpPr>
+          <p:nvPr/>
+        </p:nvSpPr>
+        <p:spPr>
+          <a:xfrm>
+            <a:off x="6582770" y="4963236"/>
+            <a:ext cx="4771030" cy="1469369"/>
+          </a:xfrm>
+          <a:prstGeom prst="rect">
+            <a:avLst/>
+          </a:prstGeom>
+        </p:spPr>
+        <p:txBody>
+          <a:bodyPr vert="horz" lIns="91440" tIns="45720" rIns="91440" bIns="45720" rtlCol="0" anchor="ctr">
+            <a:normAutofit/>
+          </a:bodyPr>
+          <a:lstStyle>
+            <a:lvl1pPr marL="228600" indent="-228600" algn="l" defTabSz="914400" rtl="0" eaLnBrk="1" latinLnBrk="0" hangingPunct="1">
+              <a:lnSpc>
+                <a:spcPct val="90000"/>
+              </a:lnSpc>
+              <a:spcBef>
+                <a:spcPts val="1000"/>
+              </a:spcBef>
+              <a:buFont typeface="Arial" panose="020B0604020202020204" pitchFamily="34" charset="0"/>
+              <a:buChar char="•"/>
+              <a:defRPr sz="2800" kern="1200">
+                <a:solidFill>
+                  <a:schemeClr val="tx1"/>
+                </a:solidFill>
+                <a:latin typeface="+mn-lt"/>
+                <a:ea typeface="+mn-ea"/>
+                <a:cs typeface="+mn-cs"/>
+              </a:defRPr>
+            </a:lvl1pPr>
+            <a:lvl2pPr marL="685800" indent="-228600" algn="l" defTabSz="914400" rtl="0" eaLnBrk="1" latinLnBrk="0" hangingPunct="1">
+              <a:lnSpc>
+                <a:spcPct val="90000"/>
+              </a:lnSpc>
+              <a:spcBef>
+                <a:spcPts val="500"/>
+              </a:spcBef>
+              <a:buFont typeface="Arial" panose="020B0604020202020204" pitchFamily="34" charset="0"/>
+              <a:buChar char="•"/>
+              <a:defRPr sz="2400" kern="1200">
+                <a:solidFill>
+                  <a:schemeClr val="tx1"/>
+                </a:solidFill>
+                <a:latin typeface="+mn-lt"/>
+                <a:ea typeface="+mn-ea"/>
+                <a:cs typeface="+mn-cs"/>
+              </a:defRPr>
+            </a:lvl2pPr>
+            <a:lvl3pPr marL="1143000" indent="-228600" algn="l" defTabSz="914400" rtl="0" eaLnBrk="1" latinLnBrk="0" hangingPunct="1">
+              <a:lnSpc>
+                <a:spcPct val="90000"/>
+              </a:lnSpc>
+              <a:spcBef>
+                <a:spcPts val="500"/>
+              </a:spcBef>
+              <a:buFont typeface="Arial" panose="020B0604020202020204" pitchFamily="34" charset="0"/>
+              <a:buChar char="•"/>
+              <a:defRPr sz="2000" kern="1200">
+                <a:solidFill>
+                  <a:schemeClr val="tx1"/>
+                </a:solidFill>
+                <a:latin typeface="+mn-lt"/>
+                <a:ea typeface="+mn-ea"/>
+                <a:cs typeface="+mn-cs"/>
+              </a:defRPr>
+            </a:lvl3pPr>
+            <a:lvl4pPr marL="1600200" indent="-228600" algn="l" defTabSz="914400" rtl="0" eaLnBrk="1" latinLnBrk="0" hangingPunct="1">
+              <a:lnSpc>
+                <a:spcPct val="90000"/>
+              </a:lnSpc>
+              <a:spcBef>
+                <a:spcPts val="500"/>
+              </a:spcBef>
+              <a:buFont typeface="Arial" panose="020B0604020202020204" pitchFamily="34" charset="0"/>
+              <a:buChar char="•"/>
+              <a:defRPr sz="1800" kern="1200">
+                <a:solidFill>
+                  <a:schemeClr val="tx1"/>
+                </a:solidFill>
+                <a:latin typeface="+mn-lt"/>
+                <a:ea typeface="+mn-ea"/>
+                <a:cs typeface="+mn-cs"/>
+              </a:defRPr>
+            </a:lvl4pPr>
+            <a:lvl5pPr marL="2057400" indent="-228600" algn="l" defTabSz="914400" rtl="0" eaLnBrk="1" latinLnBrk="0" hangingPunct="1">
+              <a:lnSpc>
+                <a:spcPct val="90000"/>
+              </a:lnSpc>
+              <a:spcBef>
+                <a:spcPts val="500"/>
+              </a:spcBef>
+              <a:buFont typeface="Arial" panose="020B0604020202020204" pitchFamily="34" charset="0"/>
+              <a:buChar char="•"/>
+              <a:defRPr sz="1800" kern="1200">
+                <a:solidFill>
+                  <a:schemeClr val="tx1"/>
+                </a:solidFill>
+                <a:latin typeface="+mn-lt"/>
+                <a:ea typeface="+mn-ea"/>
+                <a:cs typeface="+mn-cs"/>
+              </a:defRPr>
+            </a:lvl5pPr>
+            <a:lvl6pPr marL="2514600" indent="-228600" algn="l" defTabSz="914400" rtl="0" eaLnBrk="1" latinLnBrk="0" hangingPunct="1">
+              <a:lnSpc>
+                <a:spcPct val="90000"/>
+              </a:lnSpc>
+              <a:spcBef>
+                <a:spcPts val="500"/>
+              </a:spcBef>
+              <a:buFont typeface="Arial" panose="020B0604020202020204" pitchFamily="34" charset="0"/>
+              <a:buChar char="•"/>
+              <a:defRPr sz="1800" kern="1200">
+                <a:solidFill>
+                  <a:schemeClr val="tx1"/>
+                </a:solidFill>
+                <a:latin typeface="+mn-lt"/>
+                <a:ea typeface="+mn-ea"/>
+                <a:cs typeface="+mn-cs"/>
+              </a:defRPr>
+            </a:lvl6pPr>
+            <a:lvl7pPr marL="2971800" indent="-228600" algn="l" defTabSz="914400" rtl="0" eaLnBrk="1" latinLnBrk="0" hangingPunct="1">
+              <a:lnSpc>
+                <a:spcPct val="90000"/>
+              </a:lnSpc>
+              <a:spcBef>
+                <a:spcPts val="500"/>
+              </a:spcBef>
+              <a:buFont typeface="Arial" panose="020B0604020202020204" pitchFamily="34" charset="0"/>
+              <a:buChar char="•"/>
+              <a:defRPr sz="1800" kern="1200">
+                <a:solidFill>
+                  <a:schemeClr val="tx1"/>
+                </a:solidFill>
+                <a:latin typeface="+mn-lt"/>
+                <a:ea typeface="+mn-ea"/>
+                <a:cs typeface="+mn-cs"/>
+              </a:defRPr>
+            </a:lvl7pPr>
+            <a:lvl8pPr marL="3429000" indent="-228600" algn="l" defTabSz="914400" rtl="0" eaLnBrk="1" latinLnBrk="0" hangingPunct="1">
+              <a:lnSpc>
+                <a:spcPct val="90000"/>
+              </a:lnSpc>
+              <a:spcBef>
+                <a:spcPts val="500"/>
+              </a:spcBef>
+              <a:buFont typeface="Arial" panose="020B0604020202020204" pitchFamily="34" charset="0"/>
+              <a:buChar char="•"/>
+              <a:defRPr sz="1800" kern="1200">
+                <a:solidFill>
+                  <a:schemeClr val="tx1"/>
+                </a:solidFill>
+                <a:latin typeface="+mn-lt"/>
+                <a:ea typeface="+mn-ea"/>
+                <a:cs typeface="+mn-cs"/>
+              </a:defRPr>
+            </a:lvl8pPr>
+            <a:lvl9pPr marL="3886200" indent="-228600" algn="l" defTabSz="914400" rtl="0" eaLnBrk="1" latinLnBrk="0" hangingPunct="1">
+              <a:lnSpc>
+                <a:spcPct val="90000"/>
+              </a:lnSpc>
+              <a:spcBef>
+                <a:spcPts val="500"/>
+              </a:spcBef>
+              <a:buFont typeface="Arial" panose="020B0604020202020204" pitchFamily="34" charset="0"/>
+              <a:buChar char="•"/>
+              <a:defRPr sz="1800" kern="1200">
+                <a:solidFill>
+                  <a:schemeClr val="tx1"/>
+                </a:solidFill>
+                <a:latin typeface="+mn-lt"/>
+                <a:ea typeface="+mn-ea"/>
+                <a:cs typeface="+mn-cs"/>
+              </a:defRPr>
+            </a:lvl9pPr>
+          </a:lstStyle>
+          <a:p>
+            <a:pPr marL="0" indent="0" algn="ctr">
+              <a:buFont typeface="Arial" panose="020B0604020202020204" pitchFamily="34" charset="0"/>
+              <a:buNone/>
+            </a:pPr>
+            <a:r>
+              <a:rPr lang="tr-TR" sz="8800" dirty="0">
+                <a:solidFill>
+                  <a:srgbClr val="FF0000"/>
+                </a:solidFill>
+                <a:latin typeface="Euclid Circular B" panose="020B0504000000000000" pitchFamily="34" charset="0"/>
+                <a:ea typeface="Euclid Circular B" panose="020B0504000000000000" pitchFamily="34" charset="0"/>
+              </a:rPr>
+              <a:t>DEMO</a:t>
+            </a:r>
+            <a:endParaRPr lang="en-US" sz="8800" dirty="0">
+              <a:solidFill>
+                <a:srgbClr val="FF0000"/>
+              </a:solidFill>
+              <a:latin typeface="Euclid Circular B" panose="020B0504000000000000" pitchFamily="34" charset="0"/>
+              <a:ea typeface="Euclid Circular B" panose="020B0504000000000000" pitchFamily="34" charset="0"/>
+            </a:endParaRPr>
+          </a:p>
+        </p:txBody>
+      </p:sp>
     </p:spTree>
     <p:extLst>
       <p:ext uri="{BB962C8B-B14F-4D97-AF65-F5344CB8AC3E}">
@@ -4579,42 +4795,41 @@
                 <a:latin typeface="Euclid Circular B" panose="020B0504000000000000" pitchFamily="34" charset="0"/>
                 <a:ea typeface="Euclid Circular B" panose="020B0504000000000000" pitchFamily="34" charset="0"/>
               </a:rPr>
-              <a:t>Topic title</a:t>
-            </a:r>
-          </a:p>
-        </p:txBody>
-      </p:sp>
-      <p:sp>
-        <p:nvSpPr>
-          <p:cNvPr id="3" name="Content Placeholder 2">
-            <a:extLst>
-              <a:ext uri="{FF2B5EF4-FFF2-40B4-BE49-F238E27FC236}">
-                <a16:creationId xmlns:a16="http://schemas.microsoft.com/office/drawing/2014/main" id="{891C7693-D3DF-4635-96F4-97F3B4136FDF}"/>
-              </a:ext>
-            </a:extLst>
-          </p:cNvPr>
-          <p:cNvSpPr>
-            <a:spLocks noGrp="1"/>
-          </p:cNvSpPr>
-          <p:nvPr>
-            <p:ph idx="1"/>
-          </p:nvPr>
-        </p:nvSpPr>
-        <p:spPr/>
-        <p:txBody>
-          <a:bodyPr/>
-          <a:lstStyle/>
-          <a:p>
-            <a:r>
-              <a:rPr lang="en-US" dirty="0">
-                <a:latin typeface="Euclid Circular B" panose="020B0504000000000000" pitchFamily="34" charset="0"/>
-                <a:ea typeface="Euclid Circular B" panose="020B0504000000000000" pitchFamily="34" charset="0"/>
-              </a:rPr>
-              <a:t>Content</a:t>
-            </a:r>
-          </a:p>
-        </p:txBody>
-      </p:sp>
+              <a:t>The Task Class &amp; Async Execution</a:t>
+            </a:r>
+          </a:p>
+        </p:txBody>
+      </p:sp>
+      <p:pic>
+        <p:nvPicPr>
+          <p:cNvPr id="17" name="Picture 16">
+            <a:extLst>
+              <a:ext uri="{FF2B5EF4-FFF2-40B4-BE49-F238E27FC236}">
+                <a16:creationId xmlns:a16="http://schemas.microsoft.com/office/drawing/2014/main" id="{D9783348-3FE5-EE7E-8198-DD4816BD5CAE}"/>
+              </a:ext>
+            </a:extLst>
+          </p:cNvPr>
+          <p:cNvPicPr>
+            <a:picLocks noChangeAspect="1"/>
+          </p:cNvPicPr>
+          <p:nvPr/>
+        </p:nvPicPr>
+        <p:blipFill>
+          <a:blip r:embed="rId3"/>
+          <a:stretch>
+            <a:fillRect/>
+          </a:stretch>
+        </p:blipFill>
+        <p:spPr>
+          <a:xfrm>
+            <a:off x="974678" y="1690688"/>
+            <a:ext cx="4165979" cy="5094513"/>
+          </a:xfrm>
+          <a:prstGeom prst="rect">
+            <a:avLst/>
+          </a:prstGeom>
+        </p:spPr>
+      </p:pic>
     </p:spTree>
     <p:extLst>
       <p:ext uri="{BB962C8B-B14F-4D97-AF65-F5344CB8AC3E}">
@@ -4688,42 +4903,41 @@
                 <a:latin typeface="Euclid Circular B" panose="020B0504000000000000" pitchFamily="34" charset="0"/>
                 <a:ea typeface="Euclid Circular B" panose="020B0504000000000000" pitchFamily="34" charset="0"/>
               </a:rPr>
-              <a:t>Topic title</a:t>
-            </a:r>
-          </a:p>
-        </p:txBody>
-      </p:sp>
-      <p:sp>
-        <p:nvSpPr>
-          <p:cNvPr id="3" name="Content Placeholder 2">
-            <a:extLst>
-              <a:ext uri="{FF2B5EF4-FFF2-40B4-BE49-F238E27FC236}">
-                <a16:creationId xmlns:a16="http://schemas.microsoft.com/office/drawing/2014/main" id="{891C7693-D3DF-4635-96F4-97F3B4136FDF}"/>
-              </a:ext>
-            </a:extLst>
-          </p:cNvPr>
-          <p:cNvSpPr>
-            <a:spLocks noGrp="1"/>
-          </p:cNvSpPr>
-          <p:nvPr>
-            <p:ph idx="1"/>
-          </p:nvPr>
-        </p:nvSpPr>
-        <p:spPr/>
-        <p:txBody>
-          <a:bodyPr/>
-          <a:lstStyle/>
-          <a:p>
-            <a:r>
-              <a:rPr lang="en-US" dirty="0">
-                <a:latin typeface="Euclid Circular B" panose="020B0504000000000000" pitchFamily="34" charset="0"/>
-                <a:ea typeface="Euclid Circular B" panose="020B0504000000000000" pitchFamily="34" charset="0"/>
-              </a:rPr>
-              <a:t>Content</a:t>
-            </a:r>
-          </a:p>
-        </p:txBody>
-      </p:sp>
+              <a:t>Locking vs Async Execution</a:t>
+            </a:r>
+          </a:p>
+        </p:txBody>
+      </p:sp>
+      <p:pic>
+        <p:nvPicPr>
+          <p:cNvPr id="7" name="Picture 6">
+            <a:extLst>
+              <a:ext uri="{FF2B5EF4-FFF2-40B4-BE49-F238E27FC236}">
+                <a16:creationId xmlns:a16="http://schemas.microsoft.com/office/drawing/2014/main" id="{CA776610-07A0-8232-521D-7118802AA9D0}"/>
+              </a:ext>
+            </a:extLst>
+          </p:cNvPr>
+          <p:cNvPicPr>
+            <a:picLocks noChangeAspect="1"/>
+          </p:cNvPicPr>
+          <p:nvPr/>
+        </p:nvPicPr>
+        <p:blipFill>
+          <a:blip r:embed="rId3"/>
+          <a:stretch>
+            <a:fillRect/>
+          </a:stretch>
+        </p:blipFill>
+        <p:spPr>
+          <a:xfrm>
+            <a:off x="838201" y="1690689"/>
+            <a:ext cx="7928212" cy="4979102"/>
+          </a:xfrm>
+          <a:prstGeom prst="rect">
+            <a:avLst/>
+          </a:prstGeom>
+        </p:spPr>
+      </p:pic>
     </p:spTree>
     <p:extLst>
       <p:ext uri="{BB962C8B-B14F-4D97-AF65-F5344CB8AC3E}">
@@ -4797,42 +5011,88 @@
                 <a:latin typeface="Euclid Circular B" panose="020B0504000000000000" pitchFamily="34" charset="0"/>
                 <a:ea typeface="Euclid Circular B" panose="020B0504000000000000" pitchFamily="34" charset="0"/>
               </a:rPr>
-              <a:t>Topic title</a:t>
-            </a:r>
-          </a:p>
-        </p:txBody>
-      </p:sp>
-      <p:sp>
-        <p:nvSpPr>
-          <p:cNvPr id="3" name="Content Placeholder 2">
-            <a:extLst>
-              <a:ext uri="{FF2B5EF4-FFF2-40B4-BE49-F238E27FC236}">
-                <a16:creationId xmlns:a16="http://schemas.microsoft.com/office/drawing/2014/main" id="{891C7693-D3DF-4635-96F4-97F3B4136FDF}"/>
-              </a:ext>
-            </a:extLst>
-          </p:cNvPr>
-          <p:cNvSpPr>
-            <a:spLocks noGrp="1"/>
-          </p:cNvSpPr>
-          <p:nvPr>
-            <p:ph idx="1"/>
-          </p:nvPr>
-        </p:nvSpPr>
-        <p:spPr/>
-        <p:txBody>
-          <a:bodyPr/>
-          <a:lstStyle/>
-          <a:p>
-            <a:r>
-              <a:rPr lang="en-US" dirty="0">
+              <a:t>Semaphore / </a:t>
+            </a:r>
+            <a:r>
+              <a:rPr lang="en-US" b="1" dirty="0" err="1">
+                <a:solidFill>
+                  <a:srgbClr val="292D33"/>
+                </a:solidFill>
                 <a:latin typeface="Euclid Circular B" panose="020B0504000000000000" pitchFamily="34" charset="0"/>
                 <a:ea typeface="Euclid Circular B" panose="020B0504000000000000" pitchFamily="34" charset="0"/>
               </a:rPr>
-              <a:t>Content</a:t>
-            </a:r>
-          </a:p>
-        </p:txBody>
-      </p:sp>
+              <a:t>SemaphoreSlim</a:t>
+            </a:r>
+            <a:endParaRPr lang="en-US" b="1" dirty="0">
+              <a:solidFill>
+                <a:srgbClr val="292D33"/>
+              </a:solidFill>
+              <a:latin typeface="Euclid Circular B" panose="020B0504000000000000" pitchFamily="34" charset="0"/>
+              <a:ea typeface="Euclid Circular B" panose="020B0504000000000000" pitchFamily="34" charset="0"/>
+            </a:endParaRPr>
+          </a:p>
+        </p:txBody>
+      </p:sp>
+      <p:pic>
+        <p:nvPicPr>
+          <p:cNvPr id="7" name="Picture 6">
+            <a:extLst>
+              <a:ext uri="{FF2B5EF4-FFF2-40B4-BE49-F238E27FC236}">
+                <a16:creationId xmlns:a16="http://schemas.microsoft.com/office/drawing/2014/main" id="{E56279B6-690C-62E6-ED47-479224028AEF}"/>
+              </a:ext>
+            </a:extLst>
+          </p:cNvPr>
+          <p:cNvPicPr>
+            <a:picLocks noChangeAspect="1"/>
+          </p:cNvPicPr>
+          <p:nvPr/>
+        </p:nvPicPr>
+        <p:blipFill>
+          <a:blip r:embed="rId3"/>
+          <a:stretch>
+            <a:fillRect/>
+          </a:stretch>
+        </p:blipFill>
+        <p:spPr>
+          <a:xfrm>
+            <a:off x="838201" y="1780898"/>
+            <a:ext cx="7247884" cy="478223"/>
+          </a:xfrm>
+          <a:prstGeom prst="rect">
+            <a:avLst/>
+          </a:prstGeom>
+        </p:spPr>
+      </p:pic>
+      <p:pic>
+        <p:nvPicPr>
+          <p:cNvPr id="15" name="Picture 14">
+            <a:extLst>
+              <a:ext uri="{FF2B5EF4-FFF2-40B4-BE49-F238E27FC236}">
+                <a16:creationId xmlns:a16="http://schemas.microsoft.com/office/drawing/2014/main" id="{63C91669-FDDC-2150-3A4C-DF1FD38F41AB}"/>
+              </a:ext>
+            </a:extLst>
+          </p:cNvPr>
+          <p:cNvPicPr>
+            <a:picLocks noChangeAspect="1"/>
+          </p:cNvPicPr>
+          <p:nvPr/>
+        </p:nvPicPr>
+        <p:blipFill>
+          <a:blip r:embed="rId4"/>
+          <a:stretch>
+            <a:fillRect/>
+          </a:stretch>
+        </p:blipFill>
+        <p:spPr>
+          <a:xfrm>
+            <a:off x="838200" y="2537104"/>
+            <a:ext cx="4307863" cy="4081438"/>
+          </a:xfrm>
+          <a:prstGeom prst="rect">
+            <a:avLst/>
+          </a:prstGeom>
+        </p:spPr>
+      </p:pic>
     </p:spTree>
     <p:extLst>
       <p:ext uri="{BB962C8B-B14F-4D97-AF65-F5344CB8AC3E}">

--- a/2023-06-01 Dealing with Concurrency - Multi-Threading in Dotnet/Dotnet-Multi-Threading.pptx
+++ b/2023-06-01 Dealing with Concurrency - Multi-Threading in Dotnet/Dotnet-Multi-Threading.pptx
@@ -24,8 +24,12 @@
     <p:sldId id="303" r:id="rId18"/>
     <p:sldId id="304" r:id="rId19"/>
     <p:sldId id="305" r:id="rId20"/>
-    <p:sldId id="289" r:id="rId21"/>
-    <p:sldId id="290" r:id="rId22"/>
+    <p:sldId id="310" r:id="rId21"/>
+    <p:sldId id="311" r:id="rId22"/>
+    <p:sldId id="312" r:id="rId23"/>
+    <p:sldId id="313" r:id="rId24"/>
+    <p:sldId id="289" r:id="rId25"/>
+    <p:sldId id="290" r:id="rId26"/>
   </p:sldIdLst>
   <p:sldSz cx="12192000" cy="6858000"/>
   <p:notesSz cx="6858000" cy="9144000"/>
@@ -5773,6 +5777,442 @@
                 <a:latin typeface="Euclid Circular B" panose="020B0504000000000000" pitchFamily="34" charset="0"/>
                 <a:ea typeface="Euclid Circular B" panose="020B0504000000000000" pitchFamily="34" charset="0"/>
               </a:rPr>
+              <a:t>Topic title</a:t>
+            </a:r>
+          </a:p>
+        </p:txBody>
+      </p:sp>
+      <p:sp>
+        <p:nvSpPr>
+          <p:cNvPr id="3" name="Content Placeholder 2">
+            <a:extLst>
+              <a:ext uri="{FF2B5EF4-FFF2-40B4-BE49-F238E27FC236}">
+                <a16:creationId xmlns:a16="http://schemas.microsoft.com/office/drawing/2014/main" id="{891C7693-D3DF-4635-96F4-97F3B4136FDF}"/>
+              </a:ext>
+            </a:extLst>
+          </p:cNvPr>
+          <p:cNvSpPr>
+            <a:spLocks noGrp="1"/>
+          </p:cNvSpPr>
+          <p:nvPr>
+            <p:ph idx="1"/>
+          </p:nvPr>
+        </p:nvSpPr>
+        <p:spPr/>
+        <p:txBody>
+          <a:bodyPr/>
+          <a:lstStyle/>
+          <a:p>
+            <a:r>
+              <a:rPr lang="en-US" dirty="0">
+                <a:latin typeface="Euclid Circular B" panose="020B0504000000000000" pitchFamily="34" charset="0"/>
+                <a:ea typeface="Euclid Circular B" panose="020B0504000000000000" pitchFamily="34" charset="0"/>
+              </a:rPr>
+              <a:t>Content</a:t>
+            </a:r>
+          </a:p>
+        </p:txBody>
+      </p:sp>
+    </p:spTree>
+    <p:extLst>
+      <p:ext uri="{BB962C8B-B14F-4D97-AF65-F5344CB8AC3E}">
+        <p14:creationId xmlns:p14="http://schemas.microsoft.com/office/powerpoint/2010/main" val="3882208743"/>
+      </p:ext>
+    </p:extLst>
+  </p:cSld>
+  <p:clrMapOvr>
+    <a:masterClrMapping/>
+  </p:clrMapOvr>
+</p:sld>
+</file>
+
+<file path=ppt/slides/slide21.xml><?xml version="1.0" encoding="utf-8"?>
+<p:sld xmlns:a="http://schemas.openxmlformats.org/drawingml/2006/main" xmlns:r="http://schemas.openxmlformats.org/officeDocument/2006/relationships" xmlns:p="http://schemas.openxmlformats.org/presentationml/2006/main">
+  <p:cSld>
+    <p:bg>
+      <p:bgPr>
+        <a:blipFill dpi="0" rotWithShape="1">
+          <a:blip r:embed="rId2">
+            <a:lum/>
+          </a:blip>
+          <a:srcRect/>
+          <a:stretch>
+            <a:fillRect/>
+          </a:stretch>
+        </a:blipFill>
+        <a:effectLst/>
+      </p:bgPr>
+    </p:bg>
+    <p:spTree>
+      <p:nvGrpSpPr>
+        <p:cNvPr id="1" name=""/>
+        <p:cNvGrpSpPr/>
+        <p:nvPr/>
+      </p:nvGrpSpPr>
+      <p:grpSpPr>
+        <a:xfrm>
+          <a:off x="0" y="0"/>
+          <a:ext cx="0" cy="0"/>
+          <a:chOff x="0" y="0"/>
+          <a:chExt cx="0" cy="0"/>
+        </a:xfrm>
+      </p:grpSpPr>
+      <p:sp>
+        <p:nvSpPr>
+          <p:cNvPr id="2" name="Title 1">
+            <a:extLst>
+              <a:ext uri="{FF2B5EF4-FFF2-40B4-BE49-F238E27FC236}">
+                <a16:creationId xmlns:a16="http://schemas.microsoft.com/office/drawing/2014/main" id="{55E11F08-6CA0-48F1-AD67-97430DDA07F0}"/>
+              </a:ext>
+            </a:extLst>
+          </p:cNvPr>
+          <p:cNvSpPr>
+            <a:spLocks noGrp="1"/>
+          </p:cNvSpPr>
+          <p:nvPr>
+            <p:ph type="title"/>
+          </p:nvPr>
+        </p:nvSpPr>
+        <p:spPr/>
+        <p:txBody>
+          <a:bodyPr/>
+          <a:lstStyle/>
+          <a:p>
+            <a:r>
+              <a:rPr lang="en-US" b="1" dirty="0">
+                <a:solidFill>
+                  <a:srgbClr val="292D33"/>
+                </a:solidFill>
+                <a:latin typeface="Euclid Circular B" panose="020B0504000000000000" pitchFamily="34" charset="0"/>
+                <a:ea typeface="Euclid Circular B" panose="020B0504000000000000" pitchFamily="34" charset="0"/>
+              </a:rPr>
+              <a:t>Topic title</a:t>
+            </a:r>
+          </a:p>
+        </p:txBody>
+      </p:sp>
+      <p:sp>
+        <p:nvSpPr>
+          <p:cNvPr id="3" name="Content Placeholder 2">
+            <a:extLst>
+              <a:ext uri="{FF2B5EF4-FFF2-40B4-BE49-F238E27FC236}">
+                <a16:creationId xmlns:a16="http://schemas.microsoft.com/office/drawing/2014/main" id="{891C7693-D3DF-4635-96F4-97F3B4136FDF}"/>
+              </a:ext>
+            </a:extLst>
+          </p:cNvPr>
+          <p:cNvSpPr>
+            <a:spLocks noGrp="1"/>
+          </p:cNvSpPr>
+          <p:nvPr>
+            <p:ph idx="1"/>
+          </p:nvPr>
+        </p:nvSpPr>
+        <p:spPr/>
+        <p:txBody>
+          <a:bodyPr/>
+          <a:lstStyle/>
+          <a:p>
+            <a:r>
+              <a:rPr lang="en-US" dirty="0">
+                <a:latin typeface="Euclid Circular B" panose="020B0504000000000000" pitchFamily="34" charset="0"/>
+                <a:ea typeface="Euclid Circular B" panose="020B0504000000000000" pitchFamily="34" charset="0"/>
+              </a:rPr>
+              <a:t>Content</a:t>
+            </a:r>
+          </a:p>
+        </p:txBody>
+      </p:sp>
+    </p:spTree>
+    <p:extLst>
+      <p:ext uri="{BB962C8B-B14F-4D97-AF65-F5344CB8AC3E}">
+        <p14:creationId xmlns:p14="http://schemas.microsoft.com/office/powerpoint/2010/main" val="1421979104"/>
+      </p:ext>
+    </p:extLst>
+  </p:cSld>
+  <p:clrMapOvr>
+    <a:masterClrMapping/>
+  </p:clrMapOvr>
+</p:sld>
+</file>
+
+<file path=ppt/slides/slide22.xml><?xml version="1.0" encoding="utf-8"?>
+<p:sld xmlns:a="http://schemas.openxmlformats.org/drawingml/2006/main" xmlns:r="http://schemas.openxmlformats.org/officeDocument/2006/relationships" xmlns:p="http://schemas.openxmlformats.org/presentationml/2006/main">
+  <p:cSld>
+    <p:bg>
+      <p:bgPr>
+        <a:blipFill dpi="0" rotWithShape="1">
+          <a:blip r:embed="rId2">
+            <a:lum/>
+          </a:blip>
+          <a:srcRect/>
+          <a:stretch>
+            <a:fillRect/>
+          </a:stretch>
+        </a:blipFill>
+        <a:effectLst/>
+      </p:bgPr>
+    </p:bg>
+    <p:spTree>
+      <p:nvGrpSpPr>
+        <p:cNvPr id="1" name=""/>
+        <p:cNvGrpSpPr/>
+        <p:nvPr/>
+      </p:nvGrpSpPr>
+      <p:grpSpPr>
+        <a:xfrm>
+          <a:off x="0" y="0"/>
+          <a:ext cx="0" cy="0"/>
+          <a:chOff x="0" y="0"/>
+          <a:chExt cx="0" cy="0"/>
+        </a:xfrm>
+      </p:grpSpPr>
+      <p:sp>
+        <p:nvSpPr>
+          <p:cNvPr id="2" name="Title 1">
+            <a:extLst>
+              <a:ext uri="{FF2B5EF4-FFF2-40B4-BE49-F238E27FC236}">
+                <a16:creationId xmlns:a16="http://schemas.microsoft.com/office/drawing/2014/main" id="{55E11F08-6CA0-48F1-AD67-97430DDA07F0}"/>
+              </a:ext>
+            </a:extLst>
+          </p:cNvPr>
+          <p:cNvSpPr>
+            <a:spLocks noGrp="1"/>
+          </p:cNvSpPr>
+          <p:nvPr>
+            <p:ph type="title"/>
+          </p:nvPr>
+        </p:nvSpPr>
+        <p:spPr/>
+        <p:txBody>
+          <a:bodyPr/>
+          <a:lstStyle/>
+          <a:p>
+            <a:r>
+              <a:rPr lang="en-US" b="1" dirty="0">
+                <a:solidFill>
+                  <a:srgbClr val="292D33"/>
+                </a:solidFill>
+                <a:latin typeface="Euclid Circular B" panose="020B0504000000000000" pitchFamily="34" charset="0"/>
+                <a:ea typeface="Euclid Circular B" panose="020B0504000000000000" pitchFamily="34" charset="0"/>
+              </a:rPr>
+              <a:t>Topic title</a:t>
+            </a:r>
+          </a:p>
+        </p:txBody>
+      </p:sp>
+      <p:sp>
+        <p:nvSpPr>
+          <p:cNvPr id="3" name="Content Placeholder 2">
+            <a:extLst>
+              <a:ext uri="{FF2B5EF4-FFF2-40B4-BE49-F238E27FC236}">
+                <a16:creationId xmlns:a16="http://schemas.microsoft.com/office/drawing/2014/main" id="{891C7693-D3DF-4635-96F4-97F3B4136FDF}"/>
+              </a:ext>
+            </a:extLst>
+          </p:cNvPr>
+          <p:cNvSpPr>
+            <a:spLocks noGrp="1"/>
+          </p:cNvSpPr>
+          <p:nvPr>
+            <p:ph idx="1"/>
+          </p:nvPr>
+        </p:nvSpPr>
+        <p:spPr/>
+        <p:txBody>
+          <a:bodyPr/>
+          <a:lstStyle/>
+          <a:p>
+            <a:r>
+              <a:rPr lang="en-US" dirty="0">
+                <a:latin typeface="Euclid Circular B" panose="020B0504000000000000" pitchFamily="34" charset="0"/>
+                <a:ea typeface="Euclid Circular B" panose="020B0504000000000000" pitchFamily="34" charset="0"/>
+              </a:rPr>
+              <a:t>Content</a:t>
+            </a:r>
+          </a:p>
+        </p:txBody>
+      </p:sp>
+    </p:spTree>
+    <p:extLst>
+      <p:ext uri="{BB962C8B-B14F-4D97-AF65-F5344CB8AC3E}">
+        <p14:creationId xmlns:p14="http://schemas.microsoft.com/office/powerpoint/2010/main" val="3383598515"/>
+      </p:ext>
+    </p:extLst>
+  </p:cSld>
+  <p:clrMapOvr>
+    <a:masterClrMapping/>
+  </p:clrMapOvr>
+</p:sld>
+</file>
+
+<file path=ppt/slides/slide23.xml><?xml version="1.0" encoding="utf-8"?>
+<p:sld xmlns:a="http://schemas.openxmlformats.org/drawingml/2006/main" xmlns:r="http://schemas.openxmlformats.org/officeDocument/2006/relationships" xmlns:p="http://schemas.openxmlformats.org/presentationml/2006/main">
+  <p:cSld>
+    <p:bg>
+      <p:bgPr>
+        <a:blipFill dpi="0" rotWithShape="1">
+          <a:blip r:embed="rId2">
+            <a:lum/>
+          </a:blip>
+          <a:srcRect/>
+          <a:stretch>
+            <a:fillRect/>
+          </a:stretch>
+        </a:blipFill>
+        <a:effectLst/>
+      </p:bgPr>
+    </p:bg>
+    <p:spTree>
+      <p:nvGrpSpPr>
+        <p:cNvPr id="1" name=""/>
+        <p:cNvGrpSpPr/>
+        <p:nvPr/>
+      </p:nvGrpSpPr>
+      <p:grpSpPr>
+        <a:xfrm>
+          <a:off x="0" y="0"/>
+          <a:ext cx="0" cy="0"/>
+          <a:chOff x="0" y="0"/>
+          <a:chExt cx="0" cy="0"/>
+        </a:xfrm>
+      </p:grpSpPr>
+      <p:sp>
+        <p:nvSpPr>
+          <p:cNvPr id="2" name="Title 1">
+            <a:extLst>
+              <a:ext uri="{FF2B5EF4-FFF2-40B4-BE49-F238E27FC236}">
+                <a16:creationId xmlns:a16="http://schemas.microsoft.com/office/drawing/2014/main" id="{55E11F08-6CA0-48F1-AD67-97430DDA07F0}"/>
+              </a:ext>
+            </a:extLst>
+          </p:cNvPr>
+          <p:cNvSpPr>
+            <a:spLocks noGrp="1"/>
+          </p:cNvSpPr>
+          <p:nvPr>
+            <p:ph type="title"/>
+          </p:nvPr>
+        </p:nvSpPr>
+        <p:spPr/>
+        <p:txBody>
+          <a:bodyPr/>
+          <a:lstStyle/>
+          <a:p>
+            <a:r>
+              <a:rPr lang="en-US" b="1" dirty="0">
+                <a:solidFill>
+                  <a:srgbClr val="292D33"/>
+                </a:solidFill>
+                <a:latin typeface="Euclid Circular B" panose="020B0504000000000000" pitchFamily="34" charset="0"/>
+                <a:ea typeface="Euclid Circular B" panose="020B0504000000000000" pitchFamily="34" charset="0"/>
+              </a:rPr>
+              <a:t>Topic title</a:t>
+            </a:r>
+          </a:p>
+        </p:txBody>
+      </p:sp>
+      <p:sp>
+        <p:nvSpPr>
+          <p:cNvPr id="3" name="Content Placeholder 2">
+            <a:extLst>
+              <a:ext uri="{FF2B5EF4-FFF2-40B4-BE49-F238E27FC236}">
+                <a16:creationId xmlns:a16="http://schemas.microsoft.com/office/drawing/2014/main" id="{891C7693-D3DF-4635-96F4-97F3B4136FDF}"/>
+              </a:ext>
+            </a:extLst>
+          </p:cNvPr>
+          <p:cNvSpPr>
+            <a:spLocks noGrp="1"/>
+          </p:cNvSpPr>
+          <p:nvPr>
+            <p:ph idx="1"/>
+          </p:nvPr>
+        </p:nvSpPr>
+        <p:spPr/>
+        <p:txBody>
+          <a:bodyPr/>
+          <a:lstStyle/>
+          <a:p>
+            <a:r>
+              <a:rPr lang="en-US" dirty="0">
+                <a:latin typeface="Euclid Circular B" panose="020B0504000000000000" pitchFamily="34" charset="0"/>
+                <a:ea typeface="Euclid Circular B" panose="020B0504000000000000" pitchFamily="34" charset="0"/>
+              </a:rPr>
+              <a:t>Content</a:t>
+            </a:r>
+          </a:p>
+        </p:txBody>
+      </p:sp>
+    </p:spTree>
+    <p:extLst>
+      <p:ext uri="{BB962C8B-B14F-4D97-AF65-F5344CB8AC3E}">
+        <p14:creationId xmlns:p14="http://schemas.microsoft.com/office/powerpoint/2010/main" val="402873012"/>
+      </p:ext>
+    </p:extLst>
+  </p:cSld>
+  <p:clrMapOvr>
+    <a:masterClrMapping/>
+  </p:clrMapOvr>
+</p:sld>
+</file>
+
+<file path=ppt/slides/slide24.xml><?xml version="1.0" encoding="utf-8"?>
+<p:sld xmlns:a="http://schemas.openxmlformats.org/drawingml/2006/main" xmlns:r="http://schemas.openxmlformats.org/officeDocument/2006/relationships" xmlns:p="http://schemas.openxmlformats.org/presentationml/2006/main">
+  <p:cSld>
+    <p:bg>
+      <p:bgPr>
+        <a:blipFill dpi="0" rotWithShape="1">
+          <a:blip r:embed="rId2">
+            <a:lum/>
+          </a:blip>
+          <a:srcRect/>
+          <a:stretch>
+            <a:fillRect/>
+          </a:stretch>
+        </a:blipFill>
+        <a:effectLst/>
+      </p:bgPr>
+    </p:bg>
+    <p:spTree>
+      <p:nvGrpSpPr>
+        <p:cNvPr id="1" name=""/>
+        <p:cNvGrpSpPr/>
+        <p:nvPr/>
+      </p:nvGrpSpPr>
+      <p:grpSpPr>
+        <a:xfrm>
+          <a:off x="0" y="0"/>
+          <a:ext cx="0" cy="0"/>
+          <a:chOff x="0" y="0"/>
+          <a:chExt cx="0" cy="0"/>
+        </a:xfrm>
+      </p:grpSpPr>
+      <p:sp>
+        <p:nvSpPr>
+          <p:cNvPr id="2" name="Title 1">
+            <a:extLst>
+              <a:ext uri="{FF2B5EF4-FFF2-40B4-BE49-F238E27FC236}">
+                <a16:creationId xmlns:a16="http://schemas.microsoft.com/office/drawing/2014/main" id="{55E11F08-6CA0-48F1-AD67-97430DDA07F0}"/>
+              </a:ext>
+            </a:extLst>
+          </p:cNvPr>
+          <p:cNvSpPr>
+            <a:spLocks noGrp="1"/>
+          </p:cNvSpPr>
+          <p:nvPr>
+            <p:ph type="title"/>
+          </p:nvPr>
+        </p:nvSpPr>
+        <p:spPr/>
+        <p:txBody>
+          <a:bodyPr/>
+          <a:lstStyle/>
+          <a:p>
+            <a:r>
+              <a:rPr lang="en-US" b="1" dirty="0">
+                <a:solidFill>
+                  <a:srgbClr val="292D33"/>
+                </a:solidFill>
+                <a:latin typeface="Euclid Circular B" panose="020B0504000000000000" pitchFamily="34" charset="0"/>
+                <a:ea typeface="Euclid Circular B" panose="020B0504000000000000" pitchFamily="34" charset="0"/>
+              </a:rPr>
               <a:t>Thanks!</a:t>
             </a:r>
           </a:p>
@@ -5943,7 +6383,7 @@
 </p:sld>
 </file>
 
-<file path=ppt/slides/slide21.xml><?xml version="1.0" encoding="utf-8"?>
+<file path=ppt/slides/slide25.xml><?xml version="1.0" encoding="utf-8"?>
 <p:sld xmlns:a="http://schemas.openxmlformats.org/drawingml/2006/main" xmlns:r="http://schemas.openxmlformats.org/officeDocument/2006/relationships" xmlns:p="http://schemas.openxmlformats.org/presentationml/2006/main">
   <p:cSld>
     <p:bg>

--- a/2023-06-01 Dealing with Concurrency - Multi-Threading in Dotnet/Dotnet-Multi-Threading.pptx
+++ b/2023-06-01 Dealing with Concurrency - Multi-Threading in Dotnet/Dotnet-Multi-Threading.pptx
@@ -5163,6 +5163,16 @@
           <a:lstStyle/>
           <a:p>
             <a:r>
+              <a:rPr lang="en-US" b="1" dirty="0" err="1">
+                <a:solidFill>
+                  <a:srgbClr val="292D33"/>
+                </a:solidFill>
+                <a:latin typeface="Euclid Circular B" panose="020B0504000000000000" pitchFamily="34" charset="0"/>
+                <a:ea typeface="Euclid Circular B" panose="020B0504000000000000" pitchFamily="34" charset="0"/>
+              </a:rPr>
+              <a:t>ThreadLocal</a:t>
+            </a:r>
+            <a:r>
               <a:rPr lang="en-US" b="1" dirty="0">
                 <a:solidFill>
                   <a:srgbClr val="292D33"/>
@@ -5170,42 +5180,148 @@
                 <a:latin typeface="Euclid Circular B" panose="020B0504000000000000" pitchFamily="34" charset="0"/>
                 <a:ea typeface="Euclid Circular B" panose="020B0504000000000000" pitchFamily="34" charset="0"/>
               </a:rPr>
-              <a:t>Topic title</a:t>
-            </a:r>
-          </a:p>
-        </p:txBody>
-      </p:sp>
-      <p:sp>
-        <p:nvSpPr>
-          <p:cNvPr id="3" name="Content Placeholder 2">
-            <a:extLst>
-              <a:ext uri="{FF2B5EF4-FFF2-40B4-BE49-F238E27FC236}">
-                <a16:creationId xmlns:a16="http://schemas.microsoft.com/office/drawing/2014/main" id="{891C7693-D3DF-4635-96F4-97F3B4136FDF}"/>
-              </a:ext>
-            </a:extLst>
-          </p:cNvPr>
-          <p:cNvSpPr>
-            <a:spLocks noGrp="1"/>
-          </p:cNvSpPr>
-          <p:nvPr>
-            <p:ph idx="1"/>
-          </p:nvPr>
-        </p:nvSpPr>
-        <p:spPr/>
-        <p:txBody>
-          <a:bodyPr/>
-          <a:lstStyle/>
-          <a:p>
-            <a:r>
-              <a:rPr lang="en-US" dirty="0">
+              <a:t> &amp; </a:t>
+            </a:r>
+            <a:r>
+              <a:rPr lang="en-US" b="1" dirty="0" err="1">
+                <a:solidFill>
+                  <a:srgbClr val="292D33"/>
+                </a:solidFill>
                 <a:latin typeface="Euclid Circular B" panose="020B0504000000000000" pitchFamily="34" charset="0"/>
                 <a:ea typeface="Euclid Circular B" panose="020B0504000000000000" pitchFamily="34" charset="0"/>
               </a:rPr>
-              <a:t>Content</a:t>
-            </a:r>
-          </a:p>
-        </p:txBody>
-      </p:sp>
+              <a:t>AsyncLocal</a:t>
+            </a:r>
+            <a:endParaRPr lang="en-US" b="1" dirty="0">
+              <a:solidFill>
+                <a:srgbClr val="292D33"/>
+              </a:solidFill>
+              <a:latin typeface="Euclid Circular B" panose="020B0504000000000000" pitchFamily="34" charset="0"/>
+              <a:ea typeface="Euclid Circular B" panose="020B0504000000000000" pitchFamily="34" charset="0"/>
+            </a:endParaRPr>
+          </a:p>
+        </p:txBody>
+      </p:sp>
+      <p:pic>
+        <p:nvPicPr>
+          <p:cNvPr id="9" name="Picture 8">
+            <a:extLst>
+              <a:ext uri="{FF2B5EF4-FFF2-40B4-BE49-F238E27FC236}">
+                <a16:creationId xmlns:a16="http://schemas.microsoft.com/office/drawing/2014/main" id="{7B8081A8-8949-4284-6C2F-C606AC833895}"/>
+              </a:ext>
+            </a:extLst>
+          </p:cNvPr>
+          <p:cNvPicPr>
+            <a:picLocks noChangeAspect="1"/>
+          </p:cNvPicPr>
+          <p:nvPr/>
+        </p:nvPicPr>
+        <p:blipFill>
+          <a:blip r:embed="rId3"/>
+          <a:stretch>
+            <a:fillRect/>
+          </a:stretch>
+        </p:blipFill>
+        <p:spPr>
+          <a:xfrm>
+            <a:off x="838200" y="1690688"/>
+            <a:ext cx="9052082" cy="468081"/>
+          </a:xfrm>
+          <a:prstGeom prst="rect">
+            <a:avLst/>
+          </a:prstGeom>
+        </p:spPr>
+      </p:pic>
+      <p:pic>
+        <p:nvPicPr>
+          <p:cNvPr id="11" name="Picture 10">
+            <a:extLst>
+              <a:ext uri="{FF2B5EF4-FFF2-40B4-BE49-F238E27FC236}">
+                <a16:creationId xmlns:a16="http://schemas.microsoft.com/office/drawing/2014/main" id="{5CF41F01-18A3-4636-EF0E-3F9DF0400796}"/>
+              </a:ext>
+            </a:extLst>
+          </p:cNvPr>
+          <p:cNvPicPr>
+            <a:picLocks noChangeAspect="1"/>
+          </p:cNvPicPr>
+          <p:nvPr/>
+        </p:nvPicPr>
+        <p:blipFill>
+          <a:blip r:embed="rId4"/>
+          <a:stretch>
+            <a:fillRect/>
+          </a:stretch>
+        </p:blipFill>
+        <p:spPr>
+          <a:xfrm>
+            <a:off x="838200" y="2328863"/>
+            <a:ext cx="3638859" cy="1349240"/>
+          </a:xfrm>
+          <a:prstGeom prst="rect">
+            <a:avLst/>
+          </a:prstGeom>
+        </p:spPr>
+      </p:pic>
+      <p:pic>
+        <p:nvPicPr>
+          <p:cNvPr id="13" name="Picture 12">
+            <a:extLst>
+              <a:ext uri="{FF2B5EF4-FFF2-40B4-BE49-F238E27FC236}">
+                <a16:creationId xmlns:a16="http://schemas.microsoft.com/office/drawing/2014/main" id="{0BDA0407-9374-7632-0078-5E165010206E}"/>
+              </a:ext>
+            </a:extLst>
+          </p:cNvPr>
+          <p:cNvPicPr>
+            <a:picLocks noChangeAspect="1"/>
+          </p:cNvPicPr>
+          <p:nvPr/>
+        </p:nvPicPr>
+        <p:blipFill>
+          <a:blip r:embed="rId5"/>
+          <a:stretch>
+            <a:fillRect/>
+          </a:stretch>
+        </p:blipFill>
+        <p:spPr>
+          <a:xfrm>
+            <a:off x="838200" y="4117777"/>
+            <a:ext cx="9052082" cy="435784"/>
+          </a:xfrm>
+          <a:prstGeom prst="rect">
+            <a:avLst/>
+          </a:prstGeom>
+        </p:spPr>
+      </p:pic>
+      <p:pic>
+        <p:nvPicPr>
+          <p:cNvPr id="15" name="Picture 14">
+            <a:extLst>
+              <a:ext uri="{FF2B5EF4-FFF2-40B4-BE49-F238E27FC236}">
+                <a16:creationId xmlns:a16="http://schemas.microsoft.com/office/drawing/2014/main" id="{9DAE2881-41EF-EB92-27F5-BAADFF3FFC02}"/>
+              </a:ext>
+            </a:extLst>
+          </p:cNvPr>
+          <p:cNvPicPr>
+            <a:picLocks noChangeAspect="1"/>
+          </p:cNvPicPr>
+          <p:nvPr/>
+        </p:nvPicPr>
+        <p:blipFill>
+          <a:blip r:embed="rId6"/>
+          <a:stretch>
+            <a:fillRect/>
+          </a:stretch>
+        </p:blipFill>
+        <p:spPr>
+          <a:xfrm>
+            <a:off x="838200" y="4730808"/>
+            <a:ext cx="3641251" cy="1346055"/>
+          </a:xfrm>
+          <a:prstGeom prst="rect">
+            <a:avLst/>
+          </a:prstGeom>
+        </p:spPr>
+      </p:pic>
     </p:spTree>
     <p:extLst>
       <p:ext uri="{BB962C8B-B14F-4D97-AF65-F5344CB8AC3E}">

--- a/2023-06-01 Dealing with Concurrency - Multi-Threading in Dotnet/Dotnet-Multi-Threading.pptx
+++ b/2023-06-01 Dealing with Concurrency - Multi-Threading in Dotnet/Dotnet-Multi-Threading.pptx
@@ -22,14 +22,15 @@
     <p:sldId id="301" r:id="rId16"/>
     <p:sldId id="302" r:id="rId17"/>
     <p:sldId id="303" r:id="rId18"/>
-    <p:sldId id="304" r:id="rId19"/>
-    <p:sldId id="305" r:id="rId20"/>
-    <p:sldId id="310" r:id="rId21"/>
-    <p:sldId id="311" r:id="rId22"/>
-    <p:sldId id="312" r:id="rId23"/>
-    <p:sldId id="313" r:id="rId24"/>
-    <p:sldId id="289" r:id="rId25"/>
-    <p:sldId id="290" r:id="rId26"/>
+    <p:sldId id="314" r:id="rId19"/>
+    <p:sldId id="304" r:id="rId20"/>
+    <p:sldId id="305" r:id="rId21"/>
+    <p:sldId id="310" r:id="rId22"/>
+    <p:sldId id="311" r:id="rId23"/>
+    <p:sldId id="312" r:id="rId24"/>
+    <p:sldId id="313" r:id="rId25"/>
+    <p:sldId id="289" r:id="rId26"/>
+    <p:sldId id="290" r:id="rId27"/>
   </p:sldIdLst>
   <p:sldSz cx="12192000" cy="6858000"/>
   <p:notesSz cx="6858000" cy="9144000"/>
@@ -283,7 +284,7 @@
           <a:p>
             <a:fld id="{2A14C9FE-EBC3-45D3-899C-58AAF4F8AF71}" type="datetimeFigureOut">
               <a:rPr lang="en-US" smtClean="0"/>
-              <a:t>15-May-23</a:t>
+              <a:t>5/21/2023</a:t>
             </a:fld>
             <a:endParaRPr lang="en-US"/>
           </a:p>
@@ -481,7 +482,7 @@
           <a:p>
             <a:fld id="{2A14C9FE-EBC3-45D3-899C-58AAF4F8AF71}" type="datetimeFigureOut">
               <a:rPr lang="en-US" smtClean="0"/>
-              <a:t>15-May-23</a:t>
+              <a:t>5/21/2023</a:t>
             </a:fld>
             <a:endParaRPr lang="en-US"/>
           </a:p>
@@ -689,7 +690,7 @@
           <a:p>
             <a:fld id="{2A14C9FE-EBC3-45D3-899C-58AAF4F8AF71}" type="datetimeFigureOut">
               <a:rPr lang="en-US" smtClean="0"/>
-              <a:t>15-May-23</a:t>
+              <a:t>5/21/2023</a:t>
             </a:fld>
             <a:endParaRPr lang="en-US"/>
           </a:p>
@@ -887,7 +888,7 @@
           <a:p>
             <a:fld id="{2A14C9FE-EBC3-45D3-899C-58AAF4F8AF71}" type="datetimeFigureOut">
               <a:rPr lang="en-US" smtClean="0"/>
-              <a:t>15-May-23</a:t>
+              <a:t>5/21/2023</a:t>
             </a:fld>
             <a:endParaRPr lang="en-US"/>
           </a:p>
@@ -1162,7 +1163,7 @@
           <a:p>
             <a:fld id="{2A14C9FE-EBC3-45D3-899C-58AAF4F8AF71}" type="datetimeFigureOut">
               <a:rPr lang="en-US" smtClean="0"/>
-              <a:t>15-May-23</a:t>
+              <a:t>5/21/2023</a:t>
             </a:fld>
             <a:endParaRPr lang="en-US"/>
           </a:p>
@@ -1427,7 +1428,7 @@
           <a:p>
             <a:fld id="{2A14C9FE-EBC3-45D3-899C-58AAF4F8AF71}" type="datetimeFigureOut">
               <a:rPr lang="en-US" smtClean="0"/>
-              <a:t>15-May-23</a:t>
+              <a:t>5/21/2023</a:t>
             </a:fld>
             <a:endParaRPr lang="en-US"/>
           </a:p>
@@ -1839,7 +1840,7 @@
           <a:p>
             <a:fld id="{2A14C9FE-EBC3-45D3-899C-58AAF4F8AF71}" type="datetimeFigureOut">
               <a:rPr lang="en-US" smtClean="0"/>
-              <a:t>15-May-23</a:t>
+              <a:t>5/21/2023</a:t>
             </a:fld>
             <a:endParaRPr lang="en-US"/>
           </a:p>
@@ -1980,7 +1981,7 @@
           <a:p>
             <a:fld id="{2A14C9FE-EBC3-45D3-899C-58AAF4F8AF71}" type="datetimeFigureOut">
               <a:rPr lang="en-US" smtClean="0"/>
-              <a:t>15-May-23</a:t>
+              <a:t>5/21/2023</a:t>
             </a:fld>
             <a:endParaRPr lang="en-US"/>
           </a:p>
@@ -2093,7 +2094,7 @@
           <a:p>
             <a:fld id="{2A14C9FE-EBC3-45D3-899C-58AAF4F8AF71}" type="datetimeFigureOut">
               <a:rPr lang="en-US" smtClean="0"/>
-              <a:t>15-May-23</a:t>
+              <a:t>5/21/2023</a:t>
             </a:fld>
             <a:endParaRPr lang="en-US"/>
           </a:p>
@@ -2404,7 +2405,7 @@
           <a:p>
             <a:fld id="{2A14C9FE-EBC3-45D3-899C-58AAF4F8AF71}" type="datetimeFigureOut">
               <a:rPr lang="en-US" smtClean="0"/>
-              <a:t>15-May-23</a:t>
+              <a:t>5/21/2023</a:t>
             </a:fld>
             <a:endParaRPr lang="en-US"/>
           </a:p>
@@ -2692,7 +2693,7 @@
           <a:p>
             <a:fld id="{2A14C9FE-EBC3-45D3-899C-58AAF4F8AF71}" type="datetimeFigureOut">
               <a:rPr lang="en-US" smtClean="0"/>
-              <a:t>15-May-23</a:t>
+              <a:t>5/21/2023</a:t>
             </a:fld>
             <a:endParaRPr lang="en-US"/>
           </a:p>
@@ -2933,7 +2934,7 @@
           <a:p>
             <a:fld id="{2A14C9FE-EBC3-45D3-899C-58AAF4F8AF71}" type="datetimeFigureOut">
               <a:rPr lang="en-US" smtClean="0"/>
-              <a:t>15-May-23</a:t>
+              <a:t>5/21/2023</a:t>
             </a:fld>
             <a:endParaRPr lang="en-US"/>
           </a:p>
@@ -5388,15 +5389,22 @@
           <a:lstStyle/>
           <a:p>
             <a:r>
-              <a:rPr lang="en-US" b="1" dirty="0">
+              <a:rPr lang="tr-TR" b="1" dirty="0">
                 <a:solidFill>
                   <a:srgbClr val="292D33"/>
                 </a:solidFill>
                 <a:latin typeface="Euclid Circular B" panose="020B0504000000000000" pitchFamily="34" charset="0"/>
                 <a:ea typeface="Euclid Circular B" panose="020B0504000000000000" pitchFamily="34" charset="0"/>
               </a:rPr>
-              <a:t>Topic title</a:t>
-            </a:r>
+              <a:t>Mutex</a:t>
+            </a:r>
+            <a:endParaRPr lang="en-US" b="1" dirty="0">
+              <a:solidFill>
+                <a:srgbClr val="292D33"/>
+              </a:solidFill>
+              <a:latin typeface="Euclid Circular B" panose="020B0504000000000000" pitchFamily="34" charset="0"/>
+              <a:ea typeface="Euclid Circular B" panose="020B0504000000000000" pitchFamily="34" charset="0"/>
+            </a:endParaRPr>
           </a:p>
         </p:txBody>
       </p:sp>
@@ -5422,15 +5430,103 @@
           <a:lstStyle/>
           <a:p>
             <a:r>
-              <a:rPr lang="en-US" dirty="0">
+              <a:rPr lang="tr-TR" dirty="0">
                 <a:latin typeface="Euclid Circular B" panose="020B0504000000000000" pitchFamily="34" charset="0"/>
                 <a:ea typeface="Euclid Circular B" panose="020B0504000000000000" pitchFamily="34" charset="0"/>
               </a:rPr>
-              <a:t>Content</a:t>
-            </a:r>
-          </a:p>
-        </p:txBody>
-      </p:sp>
+              <a:t>Local (unnamed) mutexes: Thread synchronization</a:t>
+            </a:r>
+          </a:p>
+          <a:p>
+            <a:pPr marL="0" indent="0">
+              <a:buNone/>
+            </a:pPr>
+            <a:br>
+              <a:rPr lang="tr-TR" dirty="0">
+                <a:latin typeface="Euclid Circular B" panose="020B0504000000000000" pitchFamily="34" charset="0"/>
+                <a:ea typeface="Euclid Circular B" panose="020B0504000000000000" pitchFamily="34" charset="0"/>
+              </a:rPr>
+            </a:br>
+            <a:endParaRPr lang="tr-TR" dirty="0">
+              <a:latin typeface="Euclid Circular B" panose="020B0504000000000000" pitchFamily="34" charset="0"/>
+              <a:ea typeface="Euclid Circular B" panose="020B0504000000000000" pitchFamily="34" charset="0"/>
+            </a:endParaRPr>
+          </a:p>
+          <a:p>
+            <a:r>
+              <a:rPr lang="tr-TR" dirty="0">
+                <a:latin typeface="Euclid Circular B" panose="020B0504000000000000" pitchFamily="34" charset="0"/>
+                <a:ea typeface="Euclid Circular B" panose="020B0504000000000000" pitchFamily="34" charset="0"/>
+              </a:rPr>
+              <a:t>Named system mutexes: Process synchronization</a:t>
+            </a:r>
+            <a:endParaRPr lang="en-US" dirty="0">
+              <a:latin typeface="Euclid Circular B" panose="020B0504000000000000" pitchFamily="34" charset="0"/>
+              <a:ea typeface="Euclid Circular B" panose="020B0504000000000000" pitchFamily="34" charset="0"/>
+            </a:endParaRPr>
+          </a:p>
+        </p:txBody>
+      </p:sp>
+      <p:pic>
+        <p:nvPicPr>
+          <p:cNvPr id="5" name="Picture 4">
+            <a:extLst>
+              <a:ext uri="{FF2B5EF4-FFF2-40B4-BE49-F238E27FC236}">
+                <a16:creationId xmlns:a16="http://schemas.microsoft.com/office/drawing/2014/main" id="{BC02ECA3-77CB-4921-8C01-D217B068AB81}"/>
+              </a:ext>
+            </a:extLst>
+          </p:cNvPr>
+          <p:cNvPicPr>
+            <a:picLocks noChangeAspect="1"/>
+          </p:cNvPicPr>
+          <p:nvPr/>
+        </p:nvPicPr>
+        <p:blipFill>
+          <a:blip r:embed="rId3"/>
+          <a:stretch>
+            <a:fillRect/>
+          </a:stretch>
+        </p:blipFill>
+        <p:spPr>
+          <a:xfrm>
+            <a:off x="1163496" y="2452297"/>
+            <a:ext cx="4545000" cy="561247"/>
+          </a:xfrm>
+          <a:prstGeom prst="rect">
+            <a:avLst/>
+          </a:prstGeom>
+        </p:spPr>
+      </p:pic>
+      <p:pic>
+        <p:nvPicPr>
+          <p:cNvPr id="7" name="Picture 6">
+            <a:extLst>
+              <a:ext uri="{FF2B5EF4-FFF2-40B4-BE49-F238E27FC236}">
+                <a16:creationId xmlns:a16="http://schemas.microsoft.com/office/drawing/2014/main" id="{174D2937-6B5D-1105-7775-194779219942}"/>
+              </a:ext>
+            </a:extLst>
+          </p:cNvPr>
+          <p:cNvPicPr>
+            <a:picLocks noChangeAspect="1"/>
+          </p:cNvPicPr>
+          <p:nvPr/>
+        </p:nvPicPr>
+        <p:blipFill>
+          <a:blip r:embed="rId4"/>
+          <a:stretch>
+            <a:fillRect/>
+          </a:stretch>
+        </p:blipFill>
+        <p:spPr>
+          <a:xfrm>
+            <a:off x="1163496" y="3844457"/>
+            <a:ext cx="5667375" cy="571500"/>
+          </a:xfrm>
+          <a:prstGeom prst="rect">
+            <a:avLst/>
+          </a:prstGeom>
+        </p:spPr>
+      </p:pic>
     </p:spTree>
     <p:extLst>
       <p:ext uri="{BB962C8B-B14F-4D97-AF65-F5344CB8AC3E}">
@@ -5497,53 +5593,59 @@
           <a:lstStyle/>
           <a:p>
             <a:r>
-              <a:rPr lang="en-US" b="1" dirty="0">
+              <a:rPr lang="tr-TR" b="1" dirty="0">
                 <a:solidFill>
                   <a:srgbClr val="292D33"/>
                 </a:solidFill>
                 <a:latin typeface="Euclid Circular B" panose="020B0504000000000000" pitchFamily="34" charset="0"/>
                 <a:ea typeface="Euclid Circular B" panose="020B0504000000000000" pitchFamily="34" charset="0"/>
               </a:rPr>
-              <a:t>Topic title</a:t>
-            </a:r>
-          </a:p>
-        </p:txBody>
-      </p:sp>
-      <p:sp>
-        <p:nvSpPr>
-          <p:cNvPr id="3" name="Content Placeholder 2">
-            <a:extLst>
-              <a:ext uri="{FF2B5EF4-FFF2-40B4-BE49-F238E27FC236}">
-                <a16:creationId xmlns:a16="http://schemas.microsoft.com/office/drawing/2014/main" id="{891C7693-D3DF-4635-96F4-97F3B4136FDF}"/>
-              </a:ext>
-            </a:extLst>
-          </p:cNvPr>
-          <p:cNvSpPr>
-            <a:spLocks noGrp="1"/>
-          </p:cNvSpPr>
-          <p:nvPr>
-            <p:ph idx="1"/>
-          </p:nvPr>
-        </p:nvSpPr>
-        <p:spPr/>
-        <p:txBody>
-          <a:bodyPr/>
-          <a:lstStyle/>
-          <a:p>
-            <a:r>
-              <a:rPr lang="en-US" dirty="0">
-                <a:latin typeface="Euclid Circular B" panose="020B0504000000000000" pitchFamily="34" charset="0"/>
-                <a:ea typeface="Euclid Circular B" panose="020B0504000000000000" pitchFamily="34" charset="0"/>
-              </a:rPr>
-              <a:t>Content</a:t>
-            </a:r>
-          </a:p>
-        </p:txBody>
-      </p:sp>
+              <a:t>Mutex: Interprocess Locking</a:t>
+            </a:r>
+            <a:endParaRPr lang="en-US" b="1" dirty="0">
+              <a:solidFill>
+                <a:srgbClr val="292D33"/>
+              </a:solidFill>
+              <a:latin typeface="Euclid Circular B" panose="020B0504000000000000" pitchFamily="34" charset="0"/>
+              <a:ea typeface="Euclid Circular B" panose="020B0504000000000000" pitchFamily="34" charset="0"/>
+            </a:endParaRPr>
+          </a:p>
+        </p:txBody>
+      </p:sp>
+      <p:pic>
+        <p:nvPicPr>
+          <p:cNvPr id="7" name="Picture 6">
+            <a:extLst>
+              <a:ext uri="{FF2B5EF4-FFF2-40B4-BE49-F238E27FC236}">
+                <a16:creationId xmlns:a16="http://schemas.microsoft.com/office/drawing/2014/main" id="{F00C7C6D-EE32-2464-579F-BF622104C7BE}"/>
+              </a:ext>
+            </a:extLst>
+          </p:cNvPr>
+          <p:cNvPicPr>
+            <a:picLocks noChangeAspect="1"/>
+          </p:cNvPicPr>
+          <p:nvPr/>
+        </p:nvPicPr>
+        <p:blipFill>
+          <a:blip r:embed="rId3"/>
+          <a:stretch>
+            <a:fillRect/>
+          </a:stretch>
+        </p:blipFill>
+        <p:spPr>
+          <a:xfrm>
+            <a:off x="838200" y="1690687"/>
+            <a:ext cx="10146288" cy="4802187"/>
+          </a:xfrm>
+          <a:prstGeom prst="rect">
+            <a:avLst/>
+          </a:prstGeom>
+        </p:spPr>
+      </p:pic>
     </p:spTree>
     <p:extLst>
       <p:ext uri="{BB962C8B-B14F-4D97-AF65-F5344CB8AC3E}">
-        <p14:creationId xmlns:p14="http://schemas.microsoft.com/office/powerpoint/2010/main" val="2730902364"/>
+        <p14:creationId xmlns:p14="http://schemas.microsoft.com/office/powerpoint/2010/main" val="2298145414"/>
       </p:ext>
     </p:extLst>
   </p:cSld>
@@ -5652,7 +5754,7 @@
     </p:spTree>
     <p:extLst>
       <p:ext uri="{BB962C8B-B14F-4D97-AF65-F5344CB8AC3E}">
-        <p14:creationId xmlns:p14="http://schemas.microsoft.com/office/powerpoint/2010/main" val="2007334137"/>
+        <p14:creationId xmlns:p14="http://schemas.microsoft.com/office/powerpoint/2010/main" val="2730902364"/>
       </p:ext>
     </p:extLst>
   </p:cSld>
@@ -5932,7 +6034,7 @@
     </p:spTree>
     <p:extLst>
       <p:ext uri="{BB962C8B-B14F-4D97-AF65-F5344CB8AC3E}">
-        <p14:creationId xmlns:p14="http://schemas.microsoft.com/office/powerpoint/2010/main" val="3882208743"/>
+        <p14:creationId xmlns:p14="http://schemas.microsoft.com/office/powerpoint/2010/main" val="2007334137"/>
       </p:ext>
     </p:extLst>
   </p:cSld>
@@ -6041,7 +6143,7 @@
     </p:spTree>
     <p:extLst>
       <p:ext uri="{BB962C8B-B14F-4D97-AF65-F5344CB8AC3E}">
-        <p14:creationId xmlns:p14="http://schemas.microsoft.com/office/powerpoint/2010/main" val="1421979104"/>
+        <p14:creationId xmlns:p14="http://schemas.microsoft.com/office/powerpoint/2010/main" val="3882208743"/>
       </p:ext>
     </p:extLst>
   </p:cSld>
@@ -6150,7 +6252,7 @@
     </p:spTree>
     <p:extLst>
       <p:ext uri="{BB962C8B-B14F-4D97-AF65-F5344CB8AC3E}">
-        <p14:creationId xmlns:p14="http://schemas.microsoft.com/office/powerpoint/2010/main" val="3383598515"/>
+        <p14:creationId xmlns:p14="http://schemas.microsoft.com/office/powerpoint/2010/main" val="1421979104"/>
       </p:ext>
     </p:extLst>
   </p:cSld>
@@ -6259,7 +6361,7 @@
     </p:spTree>
     <p:extLst>
       <p:ext uri="{BB962C8B-B14F-4D97-AF65-F5344CB8AC3E}">
-        <p14:creationId xmlns:p14="http://schemas.microsoft.com/office/powerpoint/2010/main" val="402873012"/>
+        <p14:creationId xmlns:p14="http://schemas.microsoft.com/office/powerpoint/2010/main" val="3383598515"/>
       </p:ext>
     </p:extLst>
   </p:cSld>
@@ -6329,6 +6431,115 @@
                 <a:latin typeface="Euclid Circular B" panose="020B0504000000000000" pitchFamily="34" charset="0"/>
                 <a:ea typeface="Euclid Circular B" panose="020B0504000000000000" pitchFamily="34" charset="0"/>
               </a:rPr>
+              <a:t>Topic title</a:t>
+            </a:r>
+          </a:p>
+        </p:txBody>
+      </p:sp>
+      <p:sp>
+        <p:nvSpPr>
+          <p:cNvPr id="3" name="Content Placeholder 2">
+            <a:extLst>
+              <a:ext uri="{FF2B5EF4-FFF2-40B4-BE49-F238E27FC236}">
+                <a16:creationId xmlns:a16="http://schemas.microsoft.com/office/drawing/2014/main" id="{891C7693-D3DF-4635-96F4-97F3B4136FDF}"/>
+              </a:ext>
+            </a:extLst>
+          </p:cNvPr>
+          <p:cNvSpPr>
+            <a:spLocks noGrp="1"/>
+          </p:cNvSpPr>
+          <p:nvPr>
+            <p:ph idx="1"/>
+          </p:nvPr>
+        </p:nvSpPr>
+        <p:spPr/>
+        <p:txBody>
+          <a:bodyPr/>
+          <a:lstStyle/>
+          <a:p>
+            <a:r>
+              <a:rPr lang="en-US" dirty="0">
+                <a:latin typeface="Euclid Circular B" panose="020B0504000000000000" pitchFamily="34" charset="0"/>
+                <a:ea typeface="Euclid Circular B" panose="020B0504000000000000" pitchFamily="34" charset="0"/>
+              </a:rPr>
+              <a:t>Content</a:t>
+            </a:r>
+          </a:p>
+        </p:txBody>
+      </p:sp>
+    </p:spTree>
+    <p:extLst>
+      <p:ext uri="{BB962C8B-B14F-4D97-AF65-F5344CB8AC3E}">
+        <p14:creationId xmlns:p14="http://schemas.microsoft.com/office/powerpoint/2010/main" val="402873012"/>
+      </p:ext>
+    </p:extLst>
+  </p:cSld>
+  <p:clrMapOvr>
+    <a:masterClrMapping/>
+  </p:clrMapOvr>
+</p:sld>
+</file>
+
+<file path=ppt/slides/slide25.xml><?xml version="1.0" encoding="utf-8"?>
+<p:sld xmlns:a="http://schemas.openxmlformats.org/drawingml/2006/main" xmlns:r="http://schemas.openxmlformats.org/officeDocument/2006/relationships" xmlns:p="http://schemas.openxmlformats.org/presentationml/2006/main">
+  <p:cSld>
+    <p:bg>
+      <p:bgPr>
+        <a:blipFill dpi="0" rotWithShape="1">
+          <a:blip r:embed="rId2">
+            <a:lum/>
+          </a:blip>
+          <a:srcRect/>
+          <a:stretch>
+            <a:fillRect/>
+          </a:stretch>
+        </a:blipFill>
+        <a:effectLst/>
+      </p:bgPr>
+    </p:bg>
+    <p:spTree>
+      <p:nvGrpSpPr>
+        <p:cNvPr id="1" name=""/>
+        <p:cNvGrpSpPr/>
+        <p:nvPr/>
+      </p:nvGrpSpPr>
+      <p:grpSpPr>
+        <a:xfrm>
+          <a:off x="0" y="0"/>
+          <a:ext cx="0" cy="0"/>
+          <a:chOff x="0" y="0"/>
+          <a:chExt cx="0" cy="0"/>
+        </a:xfrm>
+      </p:grpSpPr>
+      <p:sp>
+        <p:nvSpPr>
+          <p:cNvPr id="2" name="Title 1">
+            <a:extLst>
+              <a:ext uri="{FF2B5EF4-FFF2-40B4-BE49-F238E27FC236}">
+                <a16:creationId xmlns:a16="http://schemas.microsoft.com/office/drawing/2014/main" id="{55E11F08-6CA0-48F1-AD67-97430DDA07F0}"/>
+              </a:ext>
+            </a:extLst>
+          </p:cNvPr>
+          <p:cNvSpPr>
+            <a:spLocks noGrp="1"/>
+          </p:cNvSpPr>
+          <p:nvPr>
+            <p:ph type="title"/>
+          </p:nvPr>
+        </p:nvSpPr>
+        <p:spPr/>
+        <p:txBody>
+          <a:bodyPr/>
+          <a:lstStyle/>
+          <a:p>
+            <a:r>
+              <a:rPr lang="en-US" b="1" dirty="0">
+                <a:solidFill>
+                  <a:srgbClr val="292D33"/>
+                </a:solidFill>
+                <a:latin typeface="Euclid Circular B" panose="020B0504000000000000" pitchFamily="34" charset="0"/>
+                <a:ea typeface="Euclid Circular B" panose="020B0504000000000000" pitchFamily="34" charset="0"/>
+              </a:rPr>
               <a:t>Thanks!</a:t>
             </a:r>
           </a:p>
@@ -6499,7 +6710,7 @@
 </p:sld>
 </file>
 
-<file path=ppt/slides/slide25.xml><?xml version="1.0" encoding="utf-8"?>
+<file path=ppt/slides/slide26.xml><?xml version="1.0" encoding="utf-8"?>
 <p:sld xmlns:a="http://schemas.openxmlformats.org/drawingml/2006/main" xmlns:r="http://schemas.openxmlformats.org/officeDocument/2006/relationships" xmlns:p="http://schemas.openxmlformats.org/presentationml/2006/main">
   <p:cSld>
     <p:bg>

--- a/2023-06-01 Dealing with Concurrency - Multi-Threading in Dotnet/Dotnet-Multi-Threading.pptx
+++ b/2023-06-01 Dealing with Concurrency - Multi-Threading in Dotnet/Dotnet-Multi-Threading.pptx
@@ -21,16 +21,18 @@
     <p:sldId id="300" r:id="rId15"/>
     <p:sldId id="301" r:id="rId16"/>
     <p:sldId id="302" r:id="rId17"/>
-    <p:sldId id="303" r:id="rId18"/>
-    <p:sldId id="314" r:id="rId19"/>
-    <p:sldId id="304" r:id="rId20"/>
-    <p:sldId id="305" r:id="rId21"/>
-    <p:sldId id="310" r:id="rId22"/>
-    <p:sldId id="311" r:id="rId23"/>
-    <p:sldId id="312" r:id="rId24"/>
-    <p:sldId id="313" r:id="rId25"/>
-    <p:sldId id="289" r:id="rId26"/>
+    <p:sldId id="305" r:id="rId18"/>
+    <p:sldId id="303" r:id="rId19"/>
+    <p:sldId id="314" r:id="rId20"/>
+    <p:sldId id="315" r:id="rId21"/>
+    <p:sldId id="304" r:id="rId22"/>
+    <p:sldId id="310" r:id="rId23"/>
+    <p:sldId id="311" r:id="rId24"/>
+    <p:sldId id="289" r:id="rId25"/>
+    <p:sldId id="313" r:id="rId26"/>
     <p:sldId id="290" r:id="rId27"/>
+    <p:sldId id="316" r:id="rId28"/>
+    <p:sldId id="317" r:id="rId29"/>
   </p:sldIdLst>
   <p:sldSz cx="12192000" cy="6858000"/>
   <p:notesSz cx="6858000" cy="9144000"/>
@@ -5369,6 +5371,58 @@
       </p:grpSpPr>
       <p:sp>
         <p:nvSpPr>
+          <p:cNvPr id="10" name="Rectangle 9">
+            <a:extLst>
+              <a:ext uri="{FF2B5EF4-FFF2-40B4-BE49-F238E27FC236}">
+                <a16:creationId xmlns:a16="http://schemas.microsoft.com/office/drawing/2014/main" id="{818DB5F1-8000-60AA-F518-79B7E996D796}"/>
+              </a:ext>
+            </a:extLst>
+          </p:cNvPr>
+          <p:cNvSpPr/>
+          <p:nvPr/>
+        </p:nvSpPr>
+        <p:spPr>
+          <a:xfrm>
+            <a:off x="6588269" y="1825625"/>
+            <a:ext cx="5160397" cy="3486711"/>
+          </a:xfrm>
+          <a:prstGeom prst="rect">
+            <a:avLst/>
+          </a:prstGeom>
+          <a:solidFill>
+            <a:schemeClr val="accent6">
+              <a:lumMod val="20000"/>
+              <a:lumOff val="80000"/>
+            </a:schemeClr>
+          </a:solidFill>
+        </p:spPr>
+        <p:style>
+          <a:lnRef idx="2">
+            <a:schemeClr val="accent3">
+              <a:shade val="50000"/>
+            </a:schemeClr>
+          </a:lnRef>
+          <a:fillRef idx="1">
+            <a:schemeClr val="accent3"/>
+          </a:fillRef>
+          <a:effectRef idx="0">
+            <a:schemeClr val="accent3"/>
+          </a:effectRef>
+          <a:fontRef idx="minor">
+            <a:schemeClr val="lt1"/>
+          </a:fontRef>
+        </p:style>
+        <p:txBody>
+          <a:bodyPr rtlCol="0" anchor="ctr"/>
+          <a:lstStyle/>
+          <a:p>
+            <a:pPr algn="ctr"/>
+            <a:endParaRPr lang="en-US" dirty="0"/>
+          </a:p>
+        </p:txBody>
+      </p:sp>
+      <p:sp>
+        <p:nvSpPr>
           <p:cNvPr id="2" name="Title 1">
             <a:extLst>
               <a:ext uri="{FF2B5EF4-FFF2-40B4-BE49-F238E27FC236}">
@@ -5396,7 +5450,7 @@
                 <a:latin typeface="Euclid Circular B" panose="020B0504000000000000" pitchFamily="34" charset="0"/>
                 <a:ea typeface="Euclid Circular B" panose="020B0504000000000000" pitchFamily="34" charset="0"/>
               </a:rPr>
-              <a:t>Mutex</a:t>
+              <a:t>Inter-Process Locking</a:t>
             </a:r>
             <a:endParaRPr lang="en-US" b="1" dirty="0">
               <a:solidFill>
@@ -5410,10 +5464,255 @@
       </p:sp>
       <p:sp>
         <p:nvSpPr>
-          <p:cNvPr id="3" name="Content Placeholder 2">
-            <a:extLst>
-              <a:ext uri="{FF2B5EF4-FFF2-40B4-BE49-F238E27FC236}">
-                <a16:creationId xmlns:a16="http://schemas.microsoft.com/office/drawing/2014/main" id="{891C7693-D3DF-4635-96F4-97F3B4136FDF}"/>
+          <p:cNvPr id="6" name="Rectangle 5">
+            <a:extLst>
+              <a:ext uri="{FF2B5EF4-FFF2-40B4-BE49-F238E27FC236}">
+                <a16:creationId xmlns:a16="http://schemas.microsoft.com/office/drawing/2014/main" id="{2F3D80B0-CA05-05FA-BD98-CF274985C2C5}"/>
+              </a:ext>
+            </a:extLst>
+          </p:cNvPr>
+          <p:cNvSpPr/>
+          <p:nvPr/>
+        </p:nvSpPr>
+        <p:spPr>
+          <a:xfrm>
+            <a:off x="6718803" y="2544146"/>
+            <a:ext cx="2186609" cy="890548"/>
+          </a:xfrm>
+          <a:prstGeom prst="rect">
+            <a:avLst/>
+          </a:prstGeom>
+        </p:spPr>
+        <p:style>
+          <a:lnRef idx="2">
+            <a:schemeClr val="accent1">
+              <a:shade val="50000"/>
+            </a:schemeClr>
+          </a:lnRef>
+          <a:fillRef idx="1">
+            <a:schemeClr val="accent1"/>
+          </a:fillRef>
+          <a:effectRef idx="0">
+            <a:schemeClr val="accent1"/>
+          </a:effectRef>
+          <a:fontRef idx="minor">
+            <a:schemeClr val="lt1"/>
+          </a:fontRef>
+        </p:style>
+        <p:txBody>
+          <a:bodyPr rtlCol="0" anchor="ctr"/>
+          <a:lstStyle/>
+          <a:p>
+            <a:pPr algn="ctr"/>
+            <a:r>
+              <a:rPr lang="tr-TR" sz="2400" dirty="0"/>
+              <a:t>Application A</a:t>
+            </a:r>
+            <a:br>
+              <a:rPr lang="tr-TR" sz="2400" dirty="0"/>
+            </a:br>
+            <a:r>
+              <a:rPr lang="tr-TR" dirty="0"/>
+              <a:t>(Process A)</a:t>
+            </a:r>
+            <a:endParaRPr lang="en-US" dirty="0"/>
+          </a:p>
+        </p:txBody>
+      </p:sp>
+      <p:sp>
+        <p:nvSpPr>
+          <p:cNvPr id="7" name="Rectangle 6">
+            <a:extLst>
+              <a:ext uri="{FF2B5EF4-FFF2-40B4-BE49-F238E27FC236}">
+                <a16:creationId xmlns:a16="http://schemas.microsoft.com/office/drawing/2014/main" id="{1FB84C89-FB69-2C71-1708-4B567A11E7DF}"/>
+              </a:ext>
+            </a:extLst>
+          </p:cNvPr>
+          <p:cNvSpPr/>
+          <p:nvPr/>
+        </p:nvSpPr>
+        <p:spPr>
+          <a:xfrm>
+            <a:off x="9421583" y="2544146"/>
+            <a:ext cx="2186609" cy="890548"/>
+          </a:xfrm>
+          <a:prstGeom prst="rect">
+            <a:avLst/>
+          </a:prstGeom>
+        </p:spPr>
+        <p:style>
+          <a:lnRef idx="2">
+            <a:schemeClr val="accent2">
+              <a:shade val="50000"/>
+            </a:schemeClr>
+          </a:lnRef>
+          <a:fillRef idx="1">
+            <a:schemeClr val="accent2"/>
+          </a:fillRef>
+          <a:effectRef idx="0">
+            <a:schemeClr val="accent2"/>
+          </a:effectRef>
+          <a:fontRef idx="minor">
+            <a:schemeClr val="lt1"/>
+          </a:fontRef>
+        </p:style>
+        <p:txBody>
+          <a:bodyPr rtlCol="0" anchor="ctr"/>
+          <a:lstStyle/>
+          <a:p>
+            <a:pPr algn="ctr"/>
+            <a:r>
+              <a:rPr lang="tr-TR" sz="2400" dirty="0"/>
+              <a:t>Application B </a:t>
+            </a:r>
+            <a:r>
+              <a:rPr lang="tr-TR" dirty="0"/>
+              <a:t>(Process B)</a:t>
+            </a:r>
+            <a:endParaRPr lang="en-US" dirty="0"/>
+          </a:p>
+        </p:txBody>
+      </p:sp>
+      <p:sp>
+        <p:nvSpPr>
+          <p:cNvPr id="9" name="Oval 8">
+            <a:extLst>
+              <a:ext uri="{FF2B5EF4-FFF2-40B4-BE49-F238E27FC236}">
+                <a16:creationId xmlns:a16="http://schemas.microsoft.com/office/drawing/2014/main" id="{9AFF7528-70F3-142E-74D7-BBFD6509C248}"/>
+              </a:ext>
+            </a:extLst>
+          </p:cNvPr>
+          <p:cNvSpPr/>
+          <p:nvPr/>
+        </p:nvSpPr>
+        <p:spPr>
+          <a:xfrm>
+            <a:off x="7678923" y="4123042"/>
+            <a:ext cx="2902226" cy="890548"/>
+          </a:xfrm>
+          <a:prstGeom prst="ellipse">
+            <a:avLst/>
+          </a:prstGeom>
+        </p:spPr>
+        <p:style>
+          <a:lnRef idx="2">
+            <a:schemeClr val="dk1">
+              <a:shade val="50000"/>
+            </a:schemeClr>
+          </a:lnRef>
+          <a:fillRef idx="1">
+            <a:schemeClr val="dk1"/>
+          </a:fillRef>
+          <a:effectRef idx="0">
+            <a:schemeClr val="dk1"/>
+          </a:effectRef>
+          <a:fontRef idx="minor">
+            <a:schemeClr val="lt1"/>
+          </a:fontRef>
+        </p:style>
+        <p:txBody>
+          <a:bodyPr rtlCol="0" anchor="ctr"/>
+          <a:lstStyle/>
+          <a:p>
+            <a:pPr algn="ctr"/>
+            <a:r>
+              <a:rPr lang="tr-TR" dirty="0"/>
+              <a:t>Shared Resource</a:t>
+            </a:r>
+            <a:endParaRPr lang="en-US" dirty="0"/>
+          </a:p>
+        </p:txBody>
+      </p:sp>
+      <p:cxnSp>
+        <p:nvCxnSpPr>
+          <p:cNvPr id="12" name="Straight Arrow Connector 11">
+            <a:extLst>
+              <a:ext uri="{FF2B5EF4-FFF2-40B4-BE49-F238E27FC236}">
+                <a16:creationId xmlns:a16="http://schemas.microsoft.com/office/drawing/2014/main" id="{86BA80F4-08E5-1662-5255-E606B14A567B}"/>
+              </a:ext>
+            </a:extLst>
+          </p:cNvPr>
+          <p:cNvCxnSpPr>
+            <a:stCxn id="6" idx="2"/>
+            <a:endCxn id="9" idx="1"/>
+          </p:cNvCxnSpPr>
+          <p:nvPr/>
+        </p:nvCxnSpPr>
+        <p:spPr>
+          <a:xfrm>
+            <a:off x="7812108" y="3434694"/>
+            <a:ext cx="291836" cy="818766"/>
+          </a:xfrm>
+          <a:prstGeom prst="straightConnector1">
+            <a:avLst/>
+          </a:prstGeom>
+          <a:ln>
+            <a:tailEnd type="triangle"/>
+          </a:ln>
+        </p:spPr>
+        <p:style>
+          <a:lnRef idx="1">
+            <a:schemeClr val="accent1"/>
+          </a:lnRef>
+          <a:fillRef idx="0">
+            <a:schemeClr val="accent1"/>
+          </a:fillRef>
+          <a:effectRef idx="0">
+            <a:schemeClr val="accent1"/>
+          </a:effectRef>
+          <a:fontRef idx="minor">
+            <a:schemeClr val="tx1"/>
+          </a:fontRef>
+        </p:style>
+      </p:cxnSp>
+      <p:cxnSp>
+        <p:nvCxnSpPr>
+          <p:cNvPr id="14" name="Straight Arrow Connector 13">
+            <a:extLst>
+              <a:ext uri="{FF2B5EF4-FFF2-40B4-BE49-F238E27FC236}">
+                <a16:creationId xmlns:a16="http://schemas.microsoft.com/office/drawing/2014/main" id="{A77A6AEC-20C4-81CA-77B5-084047F1ACA5}"/>
+              </a:ext>
+            </a:extLst>
+          </p:cNvPr>
+          <p:cNvCxnSpPr>
+            <a:stCxn id="7" idx="2"/>
+            <a:endCxn id="9" idx="7"/>
+          </p:cNvCxnSpPr>
+          <p:nvPr/>
+        </p:nvCxnSpPr>
+        <p:spPr>
+          <a:xfrm flipH="1">
+            <a:off x="10156128" y="3434694"/>
+            <a:ext cx="358760" cy="818766"/>
+          </a:xfrm>
+          <a:prstGeom prst="straightConnector1">
+            <a:avLst/>
+          </a:prstGeom>
+          <a:ln>
+            <a:tailEnd type="triangle"/>
+          </a:ln>
+        </p:spPr>
+        <p:style>
+          <a:lnRef idx="1">
+            <a:schemeClr val="accent1"/>
+          </a:lnRef>
+          <a:fillRef idx="0">
+            <a:schemeClr val="accent1"/>
+          </a:fillRef>
+          <a:effectRef idx="0">
+            <a:schemeClr val="accent1"/>
+          </a:effectRef>
+          <a:fontRef idx="minor">
+            <a:schemeClr val="tx1"/>
+          </a:fontRef>
+        </p:style>
+      </p:cxnSp>
+      <p:sp>
+        <p:nvSpPr>
+          <p:cNvPr id="17" name="Content Placeholder 2">
+            <a:extLst>
+              <a:ext uri="{FF2B5EF4-FFF2-40B4-BE49-F238E27FC236}">
+                <a16:creationId xmlns:a16="http://schemas.microsoft.com/office/drawing/2014/main" id="{61DDBAA4-3850-8C0E-DE5B-7E0AF4985A2F}"/>
               </a:ext>
             </a:extLst>
           </p:cNvPr>
@@ -5424,7 +5723,12 @@
             <p:ph idx="1"/>
           </p:nvPr>
         </p:nvSpPr>
-        <p:spPr/>
+        <p:spPr>
+          <a:xfrm>
+            <a:off x="838200" y="1825625"/>
+            <a:ext cx="5750069" cy="4351338"/>
+          </a:xfrm>
+        </p:spPr>
         <p:txBody>
           <a:bodyPr/>
           <a:lstStyle/>
@@ -5434,31 +5738,37 @@
                 <a:latin typeface="Euclid Circular B" panose="020B0504000000000000" pitchFamily="34" charset="0"/>
                 <a:ea typeface="Euclid Circular B" panose="020B0504000000000000" pitchFamily="34" charset="0"/>
               </a:rPr>
-              <a:t>Local (unnamed) mutexes: Thread synchronization</a:t>
-            </a:r>
-          </a:p>
-          <a:p>
-            <a:pPr marL="0" indent="0">
-              <a:buNone/>
-            </a:pPr>
-            <a:br>
+              <a:t>Synchronize access to resources in the </a:t>
+            </a:r>
+            <a:r>
+              <a:rPr lang="tr-TR" b="1" dirty="0">
+                <a:latin typeface="Euclid Circular B" panose="020B0504000000000000" pitchFamily="34" charset="0"/>
+                <a:ea typeface="Euclid Circular B" panose="020B0504000000000000" pitchFamily="34" charset="0"/>
+              </a:rPr>
+              <a:t>same computer</a:t>
+            </a:r>
+            <a:r>
               <a:rPr lang="tr-TR" dirty="0">
                 <a:latin typeface="Euclid Circular B" panose="020B0504000000000000" pitchFamily="34" charset="0"/>
                 <a:ea typeface="Euclid Circular B" panose="020B0504000000000000" pitchFamily="34" charset="0"/>
               </a:rPr>
-            </a:br>
-            <a:endParaRPr lang="tr-TR" dirty="0">
-              <a:latin typeface="Euclid Circular B" panose="020B0504000000000000" pitchFamily="34" charset="0"/>
-              <a:ea typeface="Euclid Circular B" panose="020B0504000000000000" pitchFamily="34" charset="0"/>
-            </a:endParaRPr>
-          </a:p>
-          <a:p>
+              <a:t>.</a:t>
+            </a:r>
+          </a:p>
+          <a:p>
+            <a:r>
+              <a:rPr lang="tr-TR" b="1" dirty="0">
+                <a:latin typeface="Euclid Circular B" panose="020B0504000000000000" pitchFamily="34" charset="0"/>
+                <a:ea typeface="Euclid Circular B" panose="020B0504000000000000" pitchFamily="34" charset="0"/>
+              </a:rPr>
+              <a:t>Resource:</a:t>
+            </a:r>
             <a:r>
               <a:rPr lang="tr-TR" dirty="0">
                 <a:latin typeface="Euclid Circular B" panose="020B0504000000000000" pitchFamily="34" charset="0"/>
                 <a:ea typeface="Euclid Circular B" panose="020B0504000000000000" pitchFamily="34" charset="0"/>
               </a:rPr>
-              <a:t>Named system mutexes: Process synchronization</a:t>
+              <a:t> Shared files, databases, sockets, and other processes.</a:t>
             </a:r>
             <a:endParaRPr lang="en-US" dirty="0">
               <a:latin typeface="Euclid Circular B" panose="020B0504000000000000" pitchFamily="34" charset="0"/>
@@ -5467,70 +5777,55 @@
           </a:p>
         </p:txBody>
       </p:sp>
-      <p:pic>
-        <p:nvPicPr>
-          <p:cNvPr id="5" name="Picture 4">
-            <a:extLst>
-              <a:ext uri="{FF2B5EF4-FFF2-40B4-BE49-F238E27FC236}">
-                <a16:creationId xmlns:a16="http://schemas.microsoft.com/office/drawing/2014/main" id="{BC02ECA3-77CB-4921-8C01-D217B068AB81}"/>
-              </a:ext>
-            </a:extLst>
-          </p:cNvPr>
-          <p:cNvPicPr>
-            <a:picLocks noChangeAspect="1"/>
-          </p:cNvPicPr>
+      <p:sp>
+        <p:nvSpPr>
+          <p:cNvPr id="18" name="TextBox 17">
+            <a:extLst>
+              <a:ext uri="{FF2B5EF4-FFF2-40B4-BE49-F238E27FC236}">
+                <a16:creationId xmlns:a16="http://schemas.microsoft.com/office/drawing/2014/main" id="{CD04B120-373E-942A-46EB-5961FEDE0030}"/>
+              </a:ext>
+            </a:extLst>
+          </p:cNvPr>
+          <p:cNvSpPr txBox="1"/>
           <p:nvPr/>
-        </p:nvPicPr>
-        <p:blipFill>
-          <a:blip r:embed="rId3"/>
-          <a:stretch>
-            <a:fillRect/>
-          </a:stretch>
-        </p:blipFill>
-        <p:spPr>
-          <a:xfrm>
-            <a:off x="1163496" y="2452297"/>
-            <a:ext cx="4545000" cy="561247"/>
+        </p:nvSpPr>
+        <p:spPr>
+          <a:xfrm>
+            <a:off x="6718803" y="1830640"/>
+            <a:ext cx="4889389" cy="369332"/>
           </a:xfrm>
           <a:prstGeom prst="rect">
             <a:avLst/>
           </a:prstGeom>
-        </p:spPr>
-      </p:pic>
-      <p:pic>
-        <p:nvPicPr>
-          <p:cNvPr id="7" name="Picture 6">
-            <a:extLst>
-              <a:ext uri="{FF2B5EF4-FFF2-40B4-BE49-F238E27FC236}">
-                <a16:creationId xmlns:a16="http://schemas.microsoft.com/office/drawing/2014/main" id="{174D2937-6B5D-1105-7775-194779219942}"/>
-              </a:ext>
-            </a:extLst>
-          </p:cNvPr>
-          <p:cNvPicPr>
-            <a:picLocks noChangeAspect="1"/>
-          </p:cNvPicPr>
-          <p:nvPr/>
-        </p:nvPicPr>
-        <p:blipFill>
-          <a:blip r:embed="rId4"/>
-          <a:stretch>
-            <a:fillRect/>
-          </a:stretch>
-        </p:blipFill>
-        <p:spPr>
-          <a:xfrm>
-            <a:off x="1163496" y="3844457"/>
-            <a:ext cx="5667375" cy="571500"/>
-          </a:xfrm>
-          <a:prstGeom prst="rect">
-            <a:avLst/>
-          </a:prstGeom>
-        </p:spPr>
-      </p:pic>
+          <a:noFill/>
+        </p:spPr>
+        <p:txBody>
+          <a:bodyPr wrap="square" rtlCol="0">
+            <a:spAutoFit/>
+          </a:bodyPr>
+          <a:lstStyle/>
+          <a:p>
+            <a:pPr algn="ctr"/>
+            <a:r>
+              <a:rPr lang="tr-TR" dirty="0"/>
+              <a:t>Same Server (and same </a:t>
+            </a:r>
+            <a:r>
+              <a:rPr lang="tr-TR" i="1" dirty="0"/>
+              <a:t>Operating System</a:t>
+            </a:r>
+            <a:r>
+              <a:rPr lang="tr-TR" dirty="0"/>
+              <a:t>)</a:t>
+            </a:r>
+            <a:endParaRPr lang="en-US" dirty="0"/>
+          </a:p>
+        </p:txBody>
+      </p:sp>
     </p:spTree>
     <p:extLst>
       <p:ext uri="{BB962C8B-B14F-4D97-AF65-F5344CB8AC3E}">
-        <p14:creationId xmlns:p14="http://schemas.microsoft.com/office/powerpoint/2010/main" val="1760477952"/>
+        <p14:creationId xmlns:p14="http://schemas.microsoft.com/office/powerpoint/2010/main" val="2007334137"/>
       </p:ext>
     </p:extLst>
   </p:cSld>
@@ -5600,7 +5895,7 @@
                 <a:latin typeface="Euclid Circular B" panose="020B0504000000000000" pitchFamily="34" charset="0"/>
                 <a:ea typeface="Euclid Circular B" panose="020B0504000000000000" pitchFamily="34" charset="0"/>
               </a:rPr>
-              <a:t>Mutex: Interprocess Locking</a:t>
+              <a:t>Mutex (mutual exclusion)</a:t>
             </a:r>
             <a:endParaRPr lang="en-US" b="1" dirty="0">
               <a:solidFill>
@@ -5612,12 +5907,71 @@
           </a:p>
         </p:txBody>
       </p:sp>
+      <p:sp>
+        <p:nvSpPr>
+          <p:cNvPr id="3" name="Content Placeholder 2">
+            <a:extLst>
+              <a:ext uri="{FF2B5EF4-FFF2-40B4-BE49-F238E27FC236}">
+                <a16:creationId xmlns:a16="http://schemas.microsoft.com/office/drawing/2014/main" id="{891C7693-D3DF-4635-96F4-97F3B4136FDF}"/>
+              </a:ext>
+            </a:extLst>
+          </p:cNvPr>
+          <p:cNvSpPr>
+            <a:spLocks noGrp="1"/>
+          </p:cNvSpPr>
+          <p:nvPr>
+            <p:ph idx="1"/>
+          </p:nvPr>
+        </p:nvSpPr>
+        <p:spPr/>
+        <p:txBody>
+          <a:bodyPr/>
+          <a:lstStyle/>
+          <a:p>
+            <a:r>
+              <a:rPr lang="tr-TR" dirty="0">
+                <a:latin typeface="Euclid Circular B" panose="020B0504000000000000" pitchFamily="34" charset="0"/>
+                <a:ea typeface="Euclid Circular B" panose="020B0504000000000000" pitchFamily="34" charset="0"/>
+              </a:rPr>
+              <a:t>Local (unnamed) mutexes: Thread synchronization</a:t>
+            </a:r>
+          </a:p>
+          <a:p>
+            <a:pPr marL="0" indent="0">
+              <a:buNone/>
+            </a:pPr>
+            <a:br>
+              <a:rPr lang="tr-TR" dirty="0">
+                <a:latin typeface="Euclid Circular B" panose="020B0504000000000000" pitchFamily="34" charset="0"/>
+                <a:ea typeface="Euclid Circular B" panose="020B0504000000000000" pitchFamily="34" charset="0"/>
+              </a:rPr>
+            </a:br>
+            <a:endParaRPr lang="tr-TR" dirty="0">
+              <a:latin typeface="Euclid Circular B" panose="020B0504000000000000" pitchFamily="34" charset="0"/>
+              <a:ea typeface="Euclid Circular B" panose="020B0504000000000000" pitchFamily="34" charset="0"/>
+            </a:endParaRPr>
+          </a:p>
+          <a:p>
+            <a:r>
+              <a:rPr lang="tr-TR" dirty="0">
+                <a:latin typeface="Euclid Circular B" panose="020B0504000000000000" pitchFamily="34" charset="0"/>
+                <a:ea typeface="Euclid Circular B" panose="020B0504000000000000" pitchFamily="34" charset="0"/>
+              </a:rPr>
+              <a:t>Named system mutexes: Process synchronization</a:t>
+            </a:r>
+            <a:endParaRPr lang="en-US" dirty="0">
+              <a:latin typeface="Euclid Circular B" panose="020B0504000000000000" pitchFamily="34" charset="0"/>
+              <a:ea typeface="Euclid Circular B" panose="020B0504000000000000" pitchFamily="34" charset="0"/>
+            </a:endParaRPr>
+          </a:p>
+        </p:txBody>
+      </p:sp>
       <p:pic>
         <p:nvPicPr>
-          <p:cNvPr id="7" name="Picture 6">
-            <a:extLst>
-              <a:ext uri="{FF2B5EF4-FFF2-40B4-BE49-F238E27FC236}">
-                <a16:creationId xmlns:a16="http://schemas.microsoft.com/office/drawing/2014/main" id="{F00C7C6D-EE32-2464-579F-BF622104C7BE}"/>
+          <p:cNvPr id="5" name="Picture 4">
+            <a:extLst>
+              <a:ext uri="{FF2B5EF4-FFF2-40B4-BE49-F238E27FC236}">
+                <a16:creationId xmlns:a16="http://schemas.microsoft.com/office/drawing/2014/main" id="{BC02ECA3-77CB-4921-8C01-D217B068AB81}"/>
               </a:ext>
             </a:extLst>
           </p:cNvPr>
@@ -5634,8 +5988,38 @@
         </p:blipFill>
         <p:spPr>
           <a:xfrm>
-            <a:off x="838200" y="1690687"/>
-            <a:ext cx="10146288" cy="4802187"/>
+            <a:off x="1163496" y="2452297"/>
+            <a:ext cx="4545000" cy="561247"/>
+          </a:xfrm>
+          <a:prstGeom prst="rect">
+            <a:avLst/>
+          </a:prstGeom>
+        </p:spPr>
+      </p:pic>
+      <p:pic>
+        <p:nvPicPr>
+          <p:cNvPr id="7" name="Picture 6">
+            <a:extLst>
+              <a:ext uri="{FF2B5EF4-FFF2-40B4-BE49-F238E27FC236}">
+                <a16:creationId xmlns:a16="http://schemas.microsoft.com/office/drawing/2014/main" id="{174D2937-6B5D-1105-7775-194779219942}"/>
+              </a:ext>
+            </a:extLst>
+          </p:cNvPr>
+          <p:cNvPicPr>
+            <a:picLocks noChangeAspect="1"/>
+          </p:cNvPicPr>
+          <p:nvPr/>
+        </p:nvPicPr>
+        <p:blipFill>
+          <a:blip r:embed="rId4"/>
+          <a:stretch>
+            <a:fillRect/>
+          </a:stretch>
+        </p:blipFill>
+        <p:spPr>
+          <a:xfrm>
+            <a:off x="1163496" y="3844457"/>
+            <a:ext cx="5667375" cy="571500"/>
           </a:xfrm>
           <a:prstGeom prst="rect">
             <a:avLst/>
@@ -5645,7 +6029,7 @@
     </p:spTree>
     <p:extLst>
       <p:ext uri="{BB962C8B-B14F-4D97-AF65-F5344CB8AC3E}">
-        <p14:creationId xmlns:p14="http://schemas.microsoft.com/office/powerpoint/2010/main" val="2298145414"/>
+        <p14:creationId xmlns:p14="http://schemas.microsoft.com/office/powerpoint/2010/main" val="1760477952"/>
       </p:ext>
     </p:extLst>
   </p:cSld>
@@ -5708,53 +6092,59 @@
           <a:lstStyle/>
           <a:p>
             <a:r>
-              <a:rPr lang="en-US" b="1" dirty="0">
+              <a:rPr lang="tr-TR" b="1" dirty="0">
                 <a:solidFill>
                   <a:srgbClr val="292D33"/>
                 </a:solidFill>
                 <a:latin typeface="Euclid Circular B" panose="020B0504000000000000" pitchFamily="34" charset="0"/>
                 <a:ea typeface="Euclid Circular B" panose="020B0504000000000000" pitchFamily="34" charset="0"/>
               </a:rPr>
-              <a:t>Topic title</a:t>
-            </a:r>
-          </a:p>
-        </p:txBody>
-      </p:sp>
-      <p:sp>
-        <p:nvSpPr>
-          <p:cNvPr id="3" name="Content Placeholder 2">
-            <a:extLst>
-              <a:ext uri="{FF2B5EF4-FFF2-40B4-BE49-F238E27FC236}">
-                <a16:creationId xmlns:a16="http://schemas.microsoft.com/office/drawing/2014/main" id="{891C7693-D3DF-4635-96F4-97F3B4136FDF}"/>
-              </a:ext>
-            </a:extLst>
-          </p:cNvPr>
-          <p:cNvSpPr>
-            <a:spLocks noGrp="1"/>
-          </p:cNvSpPr>
-          <p:nvPr>
-            <p:ph idx="1"/>
-          </p:nvPr>
-        </p:nvSpPr>
-        <p:spPr/>
-        <p:txBody>
-          <a:bodyPr/>
-          <a:lstStyle/>
-          <a:p>
-            <a:r>
-              <a:rPr lang="en-US" dirty="0">
-                <a:latin typeface="Euclid Circular B" panose="020B0504000000000000" pitchFamily="34" charset="0"/>
-                <a:ea typeface="Euclid Circular B" panose="020B0504000000000000" pitchFamily="34" charset="0"/>
-              </a:rPr>
-              <a:t>Content</a:t>
-            </a:r>
-          </a:p>
-        </p:txBody>
-      </p:sp>
+              <a:t>Mutex: Interprocess Locking</a:t>
+            </a:r>
+            <a:endParaRPr lang="en-US" b="1" dirty="0">
+              <a:solidFill>
+                <a:srgbClr val="292D33"/>
+              </a:solidFill>
+              <a:latin typeface="Euclid Circular B" panose="020B0504000000000000" pitchFamily="34" charset="0"/>
+              <a:ea typeface="Euclid Circular B" panose="020B0504000000000000" pitchFamily="34" charset="0"/>
+            </a:endParaRPr>
+          </a:p>
+        </p:txBody>
+      </p:sp>
+      <p:pic>
+        <p:nvPicPr>
+          <p:cNvPr id="7" name="Picture 6">
+            <a:extLst>
+              <a:ext uri="{FF2B5EF4-FFF2-40B4-BE49-F238E27FC236}">
+                <a16:creationId xmlns:a16="http://schemas.microsoft.com/office/drawing/2014/main" id="{F00C7C6D-EE32-2464-579F-BF622104C7BE}"/>
+              </a:ext>
+            </a:extLst>
+          </p:cNvPr>
+          <p:cNvPicPr>
+            <a:picLocks noChangeAspect="1"/>
+          </p:cNvPicPr>
+          <p:nvPr/>
+        </p:nvPicPr>
+        <p:blipFill>
+          <a:blip r:embed="rId3"/>
+          <a:stretch>
+            <a:fillRect/>
+          </a:stretch>
+        </p:blipFill>
+        <p:spPr>
+          <a:xfrm>
+            <a:off x="838200" y="1690687"/>
+            <a:ext cx="10146288" cy="4802187"/>
+          </a:xfrm>
+          <a:prstGeom prst="rect">
+            <a:avLst/>
+          </a:prstGeom>
+        </p:spPr>
+      </p:pic>
     </p:spTree>
     <p:extLst>
       <p:ext uri="{BB962C8B-B14F-4D97-AF65-F5344CB8AC3E}">
-        <p14:creationId xmlns:p14="http://schemas.microsoft.com/office/powerpoint/2010/main" val="2730902364"/>
+        <p14:creationId xmlns:p14="http://schemas.microsoft.com/office/powerpoint/2010/main" val="2298145414"/>
       </p:ext>
     </p:extLst>
   </p:cSld>
@@ -5988,15 +6378,22 @@
           <a:lstStyle/>
           <a:p>
             <a:r>
-              <a:rPr lang="en-US" b="1" dirty="0">
+              <a:rPr lang="tr-TR" b="1" dirty="0">
                 <a:solidFill>
                   <a:srgbClr val="292D33"/>
                 </a:solidFill>
                 <a:latin typeface="Euclid Circular B" panose="020B0504000000000000" pitchFamily="34" charset="0"/>
                 <a:ea typeface="Euclid Circular B" panose="020B0504000000000000" pitchFamily="34" charset="0"/>
               </a:rPr>
-              <a:t>Topic title</a:t>
-            </a:r>
+              <a:t>Mutex: Interprocess Locking</a:t>
+            </a:r>
+            <a:endParaRPr lang="en-US" b="1" dirty="0">
+              <a:solidFill>
+                <a:srgbClr val="292D33"/>
+              </a:solidFill>
+              <a:latin typeface="Euclid Circular B" panose="020B0504000000000000" pitchFamily="34" charset="0"/>
+              <a:ea typeface="Euclid Circular B" panose="020B0504000000000000" pitchFamily="34" charset="0"/>
+            </a:endParaRPr>
           </a:p>
         </p:txBody>
       </p:sp>
@@ -6005,36 +6402,221 @@
           <p:cNvPr id="3" name="Content Placeholder 2">
             <a:extLst>
               <a:ext uri="{FF2B5EF4-FFF2-40B4-BE49-F238E27FC236}">
-                <a16:creationId xmlns:a16="http://schemas.microsoft.com/office/drawing/2014/main" id="{891C7693-D3DF-4635-96F4-97F3B4136FDF}"/>
-              </a:ext>
-            </a:extLst>
-          </p:cNvPr>
-          <p:cNvSpPr>
-            <a:spLocks noGrp="1"/>
+                <a16:creationId xmlns:a16="http://schemas.microsoft.com/office/drawing/2014/main" id="{D75FDA32-3AFC-E860-8D57-7C89CC004E0E}"/>
+              </a:ext>
+            </a:extLst>
+          </p:cNvPr>
+          <p:cNvSpPr txBox="1">
+            <a:spLocks/>
           </p:cNvSpPr>
-          <p:nvPr>
-            <p:ph idx="1"/>
-          </p:nvPr>
-        </p:nvSpPr>
-        <p:spPr/>
-        <p:txBody>
-          <a:bodyPr/>
-          <a:lstStyle/>
-          <a:p>
-            <a:r>
-              <a:rPr lang="en-US" dirty="0">
+          <p:nvPr/>
+        </p:nvSpPr>
+        <p:spPr>
+          <a:xfrm>
+            <a:off x="838200" y="1690688"/>
+            <a:ext cx="10515600" cy="3437493"/>
+          </a:xfrm>
+          <a:prstGeom prst="rect">
+            <a:avLst/>
+          </a:prstGeom>
+        </p:spPr>
+        <p:txBody>
+          <a:bodyPr vert="horz" lIns="91440" tIns="45720" rIns="91440" bIns="45720" rtlCol="0" anchor="ctr">
+            <a:normAutofit/>
+          </a:bodyPr>
+          <a:lstStyle>
+            <a:lvl1pPr marL="228600" indent="-228600" algn="l" defTabSz="914400" rtl="0" eaLnBrk="1" latinLnBrk="0" hangingPunct="1">
+              <a:lnSpc>
+                <a:spcPct val="90000"/>
+              </a:lnSpc>
+              <a:spcBef>
+                <a:spcPts val="1000"/>
+              </a:spcBef>
+              <a:buFont typeface="Arial" panose="020B0604020202020204" pitchFamily="34" charset="0"/>
+              <a:buChar char="•"/>
+              <a:defRPr sz="2800" kern="1200">
+                <a:solidFill>
+                  <a:schemeClr val="tx1"/>
+                </a:solidFill>
+                <a:latin typeface="+mn-lt"/>
+                <a:ea typeface="+mn-ea"/>
+                <a:cs typeface="+mn-cs"/>
+              </a:defRPr>
+            </a:lvl1pPr>
+            <a:lvl2pPr marL="685800" indent="-228600" algn="l" defTabSz="914400" rtl="0" eaLnBrk="1" latinLnBrk="0" hangingPunct="1">
+              <a:lnSpc>
+                <a:spcPct val="90000"/>
+              </a:lnSpc>
+              <a:spcBef>
+                <a:spcPts val="500"/>
+              </a:spcBef>
+              <a:buFont typeface="Arial" panose="020B0604020202020204" pitchFamily="34" charset="0"/>
+              <a:buChar char="•"/>
+              <a:defRPr sz="2400" kern="1200">
+                <a:solidFill>
+                  <a:schemeClr val="tx1"/>
+                </a:solidFill>
+                <a:latin typeface="+mn-lt"/>
+                <a:ea typeface="+mn-ea"/>
+                <a:cs typeface="+mn-cs"/>
+              </a:defRPr>
+            </a:lvl2pPr>
+            <a:lvl3pPr marL="1143000" indent="-228600" algn="l" defTabSz="914400" rtl="0" eaLnBrk="1" latinLnBrk="0" hangingPunct="1">
+              <a:lnSpc>
+                <a:spcPct val="90000"/>
+              </a:lnSpc>
+              <a:spcBef>
+                <a:spcPts val="500"/>
+              </a:spcBef>
+              <a:buFont typeface="Arial" panose="020B0604020202020204" pitchFamily="34" charset="0"/>
+              <a:buChar char="•"/>
+              <a:defRPr sz="2000" kern="1200">
+                <a:solidFill>
+                  <a:schemeClr val="tx1"/>
+                </a:solidFill>
+                <a:latin typeface="+mn-lt"/>
+                <a:ea typeface="+mn-ea"/>
+                <a:cs typeface="+mn-cs"/>
+              </a:defRPr>
+            </a:lvl3pPr>
+            <a:lvl4pPr marL="1600200" indent="-228600" algn="l" defTabSz="914400" rtl="0" eaLnBrk="1" latinLnBrk="0" hangingPunct="1">
+              <a:lnSpc>
+                <a:spcPct val="90000"/>
+              </a:lnSpc>
+              <a:spcBef>
+                <a:spcPts val="500"/>
+              </a:spcBef>
+              <a:buFont typeface="Arial" panose="020B0604020202020204" pitchFamily="34" charset="0"/>
+              <a:buChar char="•"/>
+              <a:defRPr sz="1800" kern="1200">
+                <a:solidFill>
+                  <a:schemeClr val="tx1"/>
+                </a:solidFill>
+                <a:latin typeface="+mn-lt"/>
+                <a:ea typeface="+mn-ea"/>
+                <a:cs typeface="+mn-cs"/>
+              </a:defRPr>
+            </a:lvl4pPr>
+            <a:lvl5pPr marL="2057400" indent="-228600" algn="l" defTabSz="914400" rtl="0" eaLnBrk="1" latinLnBrk="0" hangingPunct="1">
+              <a:lnSpc>
+                <a:spcPct val="90000"/>
+              </a:lnSpc>
+              <a:spcBef>
+                <a:spcPts val="500"/>
+              </a:spcBef>
+              <a:buFont typeface="Arial" panose="020B0604020202020204" pitchFamily="34" charset="0"/>
+              <a:buChar char="•"/>
+              <a:defRPr sz="1800" kern="1200">
+                <a:solidFill>
+                  <a:schemeClr val="tx1"/>
+                </a:solidFill>
+                <a:latin typeface="+mn-lt"/>
+                <a:ea typeface="+mn-ea"/>
+                <a:cs typeface="+mn-cs"/>
+              </a:defRPr>
+            </a:lvl5pPr>
+            <a:lvl6pPr marL="2514600" indent="-228600" algn="l" defTabSz="914400" rtl="0" eaLnBrk="1" latinLnBrk="0" hangingPunct="1">
+              <a:lnSpc>
+                <a:spcPct val="90000"/>
+              </a:lnSpc>
+              <a:spcBef>
+                <a:spcPts val="500"/>
+              </a:spcBef>
+              <a:buFont typeface="Arial" panose="020B0604020202020204" pitchFamily="34" charset="0"/>
+              <a:buChar char="•"/>
+              <a:defRPr sz="1800" kern="1200">
+                <a:solidFill>
+                  <a:schemeClr val="tx1"/>
+                </a:solidFill>
+                <a:latin typeface="+mn-lt"/>
+                <a:ea typeface="+mn-ea"/>
+                <a:cs typeface="+mn-cs"/>
+              </a:defRPr>
+            </a:lvl6pPr>
+            <a:lvl7pPr marL="2971800" indent="-228600" algn="l" defTabSz="914400" rtl="0" eaLnBrk="1" latinLnBrk="0" hangingPunct="1">
+              <a:lnSpc>
+                <a:spcPct val="90000"/>
+              </a:lnSpc>
+              <a:spcBef>
+                <a:spcPts val="500"/>
+              </a:spcBef>
+              <a:buFont typeface="Arial" panose="020B0604020202020204" pitchFamily="34" charset="0"/>
+              <a:buChar char="•"/>
+              <a:defRPr sz="1800" kern="1200">
+                <a:solidFill>
+                  <a:schemeClr val="tx1"/>
+                </a:solidFill>
+                <a:latin typeface="+mn-lt"/>
+                <a:ea typeface="+mn-ea"/>
+                <a:cs typeface="+mn-cs"/>
+              </a:defRPr>
+            </a:lvl7pPr>
+            <a:lvl8pPr marL="3429000" indent="-228600" algn="l" defTabSz="914400" rtl="0" eaLnBrk="1" latinLnBrk="0" hangingPunct="1">
+              <a:lnSpc>
+                <a:spcPct val="90000"/>
+              </a:lnSpc>
+              <a:spcBef>
+                <a:spcPts val="500"/>
+              </a:spcBef>
+              <a:buFont typeface="Arial" panose="020B0604020202020204" pitchFamily="34" charset="0"/>
+              <a:buChar char="•"/>
+              <a:defRPr sz="1800" kern="1200">
+                <a:solidFill>
+                  <a:schemeClr val="tx1"/>
+                </a:solidFill>
+                <a:latin typeface="+mn-lt"/>
+                <a:ea typeface="+mn-ea"/>
+                <a:cs typeface="+mn-cs"/>
+              </a:defRPr>
+            </a:lvl8pPr>
+            <a:lvl9pPr marL="3886200" indent="-228600" algn="l" defTabSz="914400" rtl="0" eaLnBrk="1" latinLnBrk="0" hangingPunct="1">
+              <a:lnSpc>
+                <a:spcPct val="90000"/>
+              </a:lnSpc>
+              <a:spcBef>
+                <a:spcPts val="500"/>
+              </a:spcBef>
+              <a:buFont typeface="Arial" panose="020B0604020202020204" pitchFamily="34" charset="0"/>
+              <a:buChar char="•"/>
+              <a:defRPr sz="1800" kern="1200">
+                <a:solidFill>
+                  <a:schemeClr val="tx1"/>
+                </a:solidFill>
+                <a:latin typeface="+mn-lt"/>
+                <a:ea typeface="+mn-ea"/>
+                <a:cs typeface="+mn-cs"/>
+              </a:defRPr>
+            </a:lvl9pPr>
+          </a:lstStyle>
+          <a:p>
+            <a:pPr marL="0" indent="0" algn="ctr">
+              <a:buFont typeface="Arial" panose="020B0604020202020204" pitchFamily="34" charset="0"/>
+              <a:buNone/>
+            </a:pPr>
+            <a:r>
+              <a:rPr lang="tr-TR" sz="8800" dirty="0">
+                <a:solidFill>
+                  <a:srgbClr val="FF0000"/>
+                </a:solidFill>
                 <a:latin typeface="Euclid Circular B" panose="020B0504000000000000" pitchFamily="34" charset="0"/>
                 <a:ea typeface="Euclid Circular B" panose="020B0504000000000000" pitchFamily="34" charset="0"/>
               </a:rPr>
-              <a:t>Content</a:t>
-            </a:r>
+              <a:t>DEMO</a:t>
+            </a:r>
+            <a:endParaRPr lang="en-US" sz="8800" dirty="0">
+              <a:solidFill>
+                <a:srgbClr val="FF0000"/>
+              </a:solidFill>
+              <a:latin typeface="Euclid Circular B" panose="020B0504000000000000" pitchFamily="34" charset="0"/>
+              <a:ea typeface="Euclid Circular B" panose="020B0504000000000000" pitchFamily="34" charset="0"/>
+            </a:endParaRPr>
           </a:p>
         </p:txBody>
       </p:sp>
     </p:spTree>
     <p:extLst>
       <p:ext uri="{BB962C8B-B14F-4D97-AF65-F5344CB8AC3E}">
-        <p14:creationId xmlns:p14="http://schemas.microsoft.com/office/powerpoint/2010/main" val="2007334137"/>
+        <p14:creationId xmlns:p14="http://schemas.microsoft.com/office/powerpoint/2010/main" val="1931962858"/>
       </p:ext>
     </p:extLst>
   </p:cSld>
@@ -6097,15 +6679,22 @@
           <a:lstStyle/>
           <a:p>
             <a:r>
-              <a:rPr lang="en-US" b="1" dirty="0">
+              <a:rPr lang="tr-TR" b="1" dirty="0">
                 <a:solidFill>
                   <a:srgbClr val="292D33"/>
                 </a:solidFill>
                 <a:latin typeface="Euclid Circular B" panose="020B0504000000000000" pitchFamily="34" charset="0"/>
                 <a:ea typeface="Euclid Circular B" panose="020B0504000000000000" pitchFamily="34" charset="0"/>
               </a:rPr>
-              <a:t>Topic title</a:t>
-            </a:r>
+              <a:t>Distributed Locking</a:t>
+            </a:r>
+            <a:endParaRPr lang="en-US" b="1" dirty="0">
+              <a:solidFill>
+                <a:srgbClr val="292D33"/>
+              </a:solidFill>
+              <a:latin typeface="Euclid Circular B" panose="020B0504000000000000" pitchFamily="34" charset="0"/>
+              <a:ea typeface="Euclid Circular B" panose="020B0504000000000000" pitchFamily="34" charset="0"/>
+            </a:endParaRPr>
           </a:p>
         </p:txBody>
       </p:sp>
@@ -6131,19 +6720,100 @@
           <a:lstStyle/>
           <a:p>
             <a:r>
-              <a:rPr lang="en-US" dirty="0">
+              <a:rPr lang="tr-TR" dirty="0">
                 <a:latin typeface="Euclid Circular B" panose="020B0504000000000000" pitchFamily="34" charset="0"/>
                 <a:ea typeface="Euclid Circular B" panose="020B0504000000000000" pitchFamily="34" charset="0"/>
               </a:rPr>
-              <a:t>Content</a:t>
-            </a:r>
+              <a:t>Create locks to synchronize </a:t>
+            </a:r>
+            <a:r>
+              <a:rPr lang="tr-TR" b="1" dirty="0">
+                <a:latin typeface="Euclid Circular B" panose="020B0504000000000000" pitchFamily="34" charset="0"/>
+                <a:ea typeface="Euclid Circular B" panose="020B0504000000000000" pitchFamily="34" charset="0"/>
+              </a:rPr>
+              <a:t>multiple processes </a:t>
+            </a:r>
+            <a:r>
+              <a:rPr lang="tr-TR" dirty="0">
+                <a:latin typeface="Euclid Circular B" panose="020B0504000000000000" pitchFamily="34" charset="0"/>
+                <a:ea typeface="Euclid Circular B" panose="020B0504000000000000" pitchFamily="34" charset="0"/>
+              </a:rPr>
+              <a:t>running in </a:t>
+            </a:r>
+            <a:r>
+              <a:rPr lang="tr-TR" b="1" dirty="0">
+                <a:latin typeface="Euclid Circular B" panose="020B0504000000000000" pitchFamily="34" charset="0"/>
+                <a:ea typeface="Euclid Circular B" panose="020B0504000000000000" pitchFamily="34" charset="0"/>
+              </a:rPr>
+              <a:t>different servers</a:t>
+            </a:r>
+            <a:r>
+              <a:rPr lang="tr-TR" dirty="0">
+                <a:latin typeface="Euclid Circular B" panose="020B0504000000000000" pitchFamily="34" charset="0"/>
+                <a:ea typeface="Euclid Circular B" panose="020B0504000000000000" pitchFamily="34" charset="0"/>
+              </a:rPr>
+              <a:t>.</a:t>
+            </a:r>
+          </a:p>
+          <a:p>
+            <a:r>
+              <a:rPr lang="tr-TR" dirty="0">
+                <a:latin typeface="Euclid Circular B" panose="020B0504000000000000" pitchFamily="34" charset="0"/>
+                <a:ea typeface="Euclid Circular B" panose="020B0504000000000000" pitchFamily="34" charset="0"/>
+              </a:rPr>
+              <a:t>Why we need it? Some examples:</a:t>
+            </a:r>
+          </a:p>
+          <a:p>
+            <a:pPr lvl="1"/>
+            <a:r>
+              <a:rPr lang="tr-TR" dirty="0">
+                <a:latin typeface="Euclid Circular B" panose="020B0504000000000000" pitchFamily="34" charset="0"/>
+                <a:ea typeface="Euclid Circular B" panose="020B0504000000000000" pitchFamily="34" charset="0"/>
+              </a:rPr>
+              <a:t>To process a background job or message queue</a:t>
+            </a:r>
+          </a:p>
+          <a:p>
+            <a:pPr lvl="1"/>
+            <a:r>
+              <a:rPr lang="tr-TR" dirty="0">
+                <a:latin typeface="Euclid Circular B" panose="020B0504000000000000" pitchFamily="34" charset="0"/>
+                <a:ea typeface="Euclid Circular B" panose="020B0504000000000000" pitchFamily="34" charset="0"/>
+              </a:rPr>
+              <a:t>To synchronize access to a shared resource</a:t>
+            </a:r>
+          </a:p>
+          <a:p>
+            <a:pPr lvl="1"/>
+            <a:r>
+              <a:rPr lang="tr-TR" dirty="0">
+                <a:latin typeface="Euclid Circular B" panose="020B0504000000000000" pitchFamily="34" charset="0"/>
+                <a:ea typeface="Euclid Circular B" panose="020B0504000000000000" pitchFamily="34" charset="0"/>
+              </a:rPr>
+              <a:t>Apply database migration scripts / seed initial data</a:t>
+            </a:r>
+          </a:p>
+          <a:p>
+            <a:pPr lvl="1"/>
+            <a:r>
+              <a:rPr lang="tr-TR" dirty="0">
+                <a:latin typeface="Euclid Circular B" panose="020B0504000000000000" pitchFamily="34" charset="0"/>
+                <a:ea typeface="Euclid Circular B" panose="020B0504000000000000" pitchFamily="34" charset="0"/>
+              </a:rPr>
+              <a:t>To populate a cache object</a:t>
+            </a:r>
+            <a:endParaRPr lang="en-US" dirty="0">
+              <a:latin typeface="Euclid Circular B" panose="020B0504000000000000" pitchFamily="34" charset="0"/>
+              <a:ea typeface="Euclid Circular B" panose="020B0504000000000000" pitchFamily="34" charset="0"/>
+            </a:endParaRPr>
           </a:p>
         </p:txBody>
       </p:sp>
     </p:spTree>
     <p:extLst>
       <p:ext uri="{BB962C8B-B14F-4D97-AF65-F5344CB8AC3E}">
-        <p14:creationId xmlns:p14="http://schemas.microsoft.com/office/powerpoint/2010/main" val="3882208743"/>
+        <p14:creationId xmlns:p14="http://schemas.microsoft.com/office/powerpoint/2010/main" val="2730902364"/>
       </p:ext>
     </p:extLst>
   </p:cSld>
@@ -6206,53 +6876,89 @@
           <a:lstStyle/>
           <a:p>
             <a:r>
-              <a:rPr lang="en-US" b="1" dirty="0">
+              <a:rPr lang="tr-TR" b="1" dirty="0">
                 <a:solidFill>
                   <a:srgbClr val="292D33"/>
                 </a:solidFill>
                 <a:latin typeface="Euclid Circular B" panose="020B0504000000000000" pitchFamily="34" charset="0"/>
                 <a:ea typeface="Euclid Circular B" panose="020B0504000000000000" pitchFamily="34" charset="0"/>
               </a:rPr>
-              <a:t>Topic title</a:t>
-            </a:r>
-          </a:p>
-        </p:txBody>
-      </p:sp>
-      <p:sp>
-        <p:nvSpPr>
-          <p:cNvPr id="3" name="Content Placeholder 2">
-            <a:extLst>
-              <a:ext uri="{FF2B5EF4-FFF2-40B4-BE49-F238E27FC236}">
-                <a16:creationId xmlns:a16="http://schemas.microsoft.com/office/drawing/2014/main" id="{891C7693-D3DF-4635-96F4-97F3B4136FDF}"/>
-              </a:ext>
-            </a:extLst>
-          </p:cNvPr>
-          <p:cNvSpPr>
-            <a:spLocks noGrp="1"/>
-          </p:cNvSpPr>
-          <p:nvPr>
-            <p:ph idx="1"/>
-          </p:nvPr>
-        </p:nvSpPr>
-        <p:spPr/>
-        <p:txBody>
-          <a:bodyPr/>
-          <a:lstStyle/>
-          <a:p>
-            <a:r>
-              <a:rPr lang="en-US" dirty="0">
-                <a:latin typeface="Euclid Circular B" panose="020B0504000000000000" pitchFamily="34" charset="0"/>
-                <a:ea typeface="Euclid Circular B" panose="020B0504000000000000" pitchFamily="34" charset="0"/>
-              </a:rPr>
-              <a:t>Content</a:t>
-            </a:r>
-          </a:p>
-        </p:txBody>
-      </p:sp>
+              <a:t>The DistributedLock Library</a:t>
+            </a:r>
+            <a:endParaRPr lang="en-US" b="1" dirty="0">
+              <a:solidFill>
+                <a:srgbClr val="292D33"/>
+              </a:solidFill>
+              <a:latin typeface="Euclid Circular B" panose="020B0504000000000000" pitchFamily="34" charset="0"/>
+              <a:ea typeface="Euclid Circular B" panose="020B0504000000000000" pitchFamily="34" charset="0"/>
+            </a:endParaRPr>
+          </a:p>
+        </p:txBody>
+      </p:sp>
+      <p:pic>
+        <p:nvPicPr>
+          <p:cNvPr id="11" name="Picture 10">
+            <a:extLst>
+              <a:ext uri="{FF2B5EF4-FFF2-40B4-BE49-F238E27FC236}">
+                <a16:creationId xmlns:a16="http://schemas.microsoft.com/office/drawing/2014/main" id="{E498F3F1-E18C-0898-FF80-2D3E8A91E7DA}"/>
+              </a:ext>
+            </a:extLst>
+          </p:cNvPr>
+          <p:cNvPicPr>
+            <a:picLocks noChangeAspect="1"/>
+          </p:cNvPicPr>
+          <p:nvPr/>
+        </p:nvPicPr>
+        <p:blipFill>
+          <a:blip r:embed="rId3"/>
+          <a:stretch>
+            <a:fillRect/>
+          </a:stretch>
+        </p:blipFill>
+        <p:spPr>
+          <a:xfrm>
+            <a:off x="838200" y="1690688"/>
+            <a:ext cx="3590925" cy="942975"/>
+          </a:xfrm>
+          <a:prstGeom prst="rect">
+            <a:avLst/>
+          </a:prstGeom>
+        </p:spPr>
+      </p:pic>
+      <p:pic>
+        <p:nvPicPr>
+          <p:cNvPr id="13" name="Picture 12">
+            <a:extLst>
+              <a:ext uri="{FF2B5EF4-FFF2-40B4-BE49-F238E27FC236}">
+                <a16:creationId xmlns:a16="http://schemas.microsoft.com/office/drawing/2014/main" id="{E727D0CB-DC49-56AA-B69F-3DD6435293A3}"/>
+              </a:ext>
+            </a:extLst>
+          </p:cNvPr>
+          <p:cNvPicPr>
+            <a:picLocks noChangeAspect="1"/>
+          </p:cNvPicPr>
+          <p:nvPr/>
+        </p:nvPicPr>
+        <p:blipFill>
+          <a:blip r:embed="rId4"/>
+          <a:stretch>
+            <a:fillRect/>
+          </a:stretch>
+        </p:blipFill>
+        <p:spPr>
+          <a:xfrm>
+            <a:off x="838200" y="3016250"/>
+            <a:ext cx="8997017" cy="3337415"/>
+          </a:xfrm>
+          <a:prstGeom prst="rect">
+            <a:avLst/>
+          </a:prstGeom>
+        </p:spPr>
+      </p:pic>
     </p:spTree>
     <p:extLst>
       <p:ext uri="{BB962C8B-B14F-4D97-AF65-F5344CB8AC3E}">
-        <p14:creationId xmlns:p14="http://schemas.microsoft.com/office/powerpoint/2010/main" val="1421979104"/>
+        <p14:creationId xmlns:p14="http://schemas.microsoft.com/office/powerpoint/2010/main" val="3882208743"/>
       </p:ext>
     </p:extLst>
   </p:cSld>
@@ -6315,53 +7021,59 @@
           <a:lstStyle/>
           <a:p>
             <a:r>
-              <a:rPr lang="en-US" b="1" dirty="0">
+              <a:rPr lang="tr-TR" b="1" dirty="0">
                 <a:solidFill>
                   <a:srgbClr val="292D33"/>
                 </a:solidFill>
                 <a:latin typeface="Euclid Circular B" panose="020B0504000000000000" pitchFamily="34" charset="0"/>
                 <a:ea typeface="Euclid Circular B" panose="020B0504000000000000" pitchFamily="34" charset="0"/>
               </a:rPr>
-              <a:t>Topic title</a:t>
-            </a:r>
-          </a:p>
-        </p:txBody>
-      </p:sp>
-      <p:sp>
-        <p:nvSpPr>
-          <p:cNvPr id="3" name="Content Placeholder 2">
-            <a:extLst>
-              <a:ext uri="{FF2B5EF4-FFF2-40B4-BE49-F238E27FC236}">
-                <a16:creationId xmlns:a16="http://schemas.microsoft.com/office/drawing/2014/main" id="{891C7693-D3DF-4635-96F4-97F3B4136FDF}"/>
-              </a:ext>
-            </a:extLst>
-          </p:cNvPr>
-          <p:cNvSpPr>
-            <a:spLocks noGrp="1"/>
-          </p:cNvSpPr>
-          <p:nvPr>
-            <p:ph idx="1"/>
-          </p:nvPr>
-        </p:nvSpPr>
-        <p:spPr/>
-        <p:txBody>
-          <a:bodyPr/>
-          <a:lstStyle/>
-          <a:p>
-            <a:r>
-              <a:rPr lang="en-US" dirty="0">
-                <a:latin typeface="Euclid Circular B" panose="020B0504000000000000" pitchFamily="34" charset="0"/>
-                <a:ea typeface="Euclid Circular B" panose="020B0504000000000000" pitchFamily="34" charset="0"/>
-              </a:rPr>
-              <a:t>Content</a:t>
-            </a:r>
-          </a:p>
-        </p:txBody>
-      </p:sp>
+              <a:t>The DistributedLock Library</a:t>
+            </a:r>
+            <a:endParaRPr lang="en-US" b="1" dirty="0">
+              <a:solidFill>
+                <a:srgbClr val="292D33"/>
+              </a:solidFill>
+              <a:latin typeface="Euclid Circular B" panose="020B0504000000000000" pitchFamily="34" charset="0"/>
+              <a:ea typeface="Euclid Circular B" panose="020B0504000000000000" pitchFamily="34" charset="0"/>
+            </a:endParaRPr>
+          </a:p>
+        </p:txBody>
+      </p:sp>
+      <p:pic>
+        <p:nvPicPr>
+          <p:cNvPr id="9" name="Picture 8">
+            <a:extLst>
+              <a:ext uri="{FF2B5EF4-FFF2-40B4-BE49-F238E27FC236}">
+                <a16:creationId xmlns:a16="http://schemas.microsoft.com/office/drawing/2014/main" id="{C8761C51-67A8-3E85-17D9-D53356423459}"/>
+              </a:ext>
+            </a:extLst>
+          </p:cNvPr>
+          <p:cNvPicPr>
+            <a:picLocks noChangeAspect="1"/>
+          </p:cNvPicPr>
+          <p:nvPr/>
+        </p:nvPicPr>
+        <p:blipFill>
+          <a:blip r:embed="rId3"/>
+          <a:stretch>
+            <a:fillRect/>
+          </a:stretch>
+        </p:blipFill>
+        <p:spPr>
+          <a:xfrm>
+            <a:off x="581074" y="2002914"/>
+            <a:ext cx="11225213" cy="3180328"/>
+          </a:xfrm>
+          <a:prstGeom prst="rect">
+            <a:avLst/>
+          </a:prstGeom>
+        </p:spPr>
+      </p:pic>
     </p:spTree>
     <p:extLst>
       <p:ext uri="{BB962C8B-B14F-4D97-AF65-F5344CB8AC3E}">
-        <p14:creationId xmlns:p14="http://schemas.microsoft.com/office/powerpoint/2010/main" val="3383598515"/>
+        <p14:creationId xmlns:p14="http://schemas.microsoft.com/office/powerpoint/2010/main" val="1421979104"/>
       </p:ext>
     </p:extLst>
   </p:cSld>
@@ -6431,7 +7143,7 @@
                 <a:latin typeface="Euclid Circular B" panose="020B0504000000000000" pitchFamily="34" charset="0"/>
                 <a:ea typeface="Euclid Circular B" panose="020B0504000000000000" pitchFamily="34" charset="0"/>
               </a:rPr>
-              <a:t>Topic title</a:t>
+              <a:t>Thanks!</a:t>
             </a:r>
           </a:p>
         </p:txBody>
@@ -6452,25 +7164,146 @@
             <p:ph idx="1"/>
           </p:nvPr>
         </p:nvSpPr>
-        <p:spPr/>
-        <p:txBody>
-          <a:bodyPr/>
-          <a:lstStyle/>
-          <a:p>
-            <a:r>
-              <a:rPr lang="en-US" dirty="0">
+        <p:spPr>
+          <a:xfrm>
+            <a:off x="838200" y="1825625"/>
+            <a:ext cx="10515600" cy="4667250"/>
+          </a:xfrm>
+        </p:spPr>
+        <p:txBody>
+          <a:bodyPr>
+            <a:normAutofit/>
+          </a:bodyPr>
+          <a:lstStyle/>
+          <a:p>
+            <a:pPr marL="0" indent="0">
+              <a:buNone/>
+            </a:pPr>
+            <a:r>
+              <a:rPr lang="en-US" sz="2600" b="1" dirty="0">
                 <a:latin typeface="Euclid Circular B" panose="020B0504000000000000" pitchFamily="34" charset="0"/>
                 <a:ea typeface="Euclid Circular B" panose="020B0504000000000000" pitchFamily="34" charset="0"/>
               </a:rPr>
-              <a:t>Content</a:t>
-            </a:r>
+              <a:t>Get This Presentation</a:t>
+            </a:r>
+          </a:p>
+          <a:p>
+            <a:pPr marL="0" indent="0">
+              <a:buNone/>
+            </a:pPr>
+            <a:r>
+              <a:rPr lang="en-US" sz="1400" dirty="0">
+                <a:latin typeface="Euclid Circular B" panose="020B0504000000000000" pitchFamily="34" charset="0"/>
+                <a:ea typeface="Euclid Circular B" panose="020B0504000000000000" pitchFamily="34" charset="0"/>
+                <a:hlinkClick r:id="rId3"/>
+              </a:rPr>
+              <a:t>https://github.com/hikalkan/presentations</a:t>
+            </a:r>
+            <a:endParaRPr lang="en-US" sz="1400" dirty="0">
+              <a:latin typeface="Euclid Circular B" panose="020B0504000000000000" pitchFamily="34" charset="0"/>
+              <a:ea typeface="Euclid Circular B" panose="020B0504000000000000" pitchFamily="34" charset="0"/>
+            </a:endParaRPr>
+          </a:p>
+          <a:p>
+            <a:pPr marL="0" indent="0">
+              <a:buNone/>
+            </a:pPr>
+            <a:endParaRPr lang="en-US" sz="1000" dirty="0">
+              <a:latin typeface="Euclid Circular B" panose="020B0504000000000000" pitchFamily="34" charset="0"/>
+              <a:ea typeface="Euclid Circular B" panose="020B0504000000000000" pitchFamily="34" charset="0"/>
+            </a:endParaRPr>
+          </a:p>
+          <a:p>
+            <a:pPr marL="0" indent="0">
+              <a:buNone/>
+            </a:pPr>
+            <a:r>
+              <a:rPr lang="en-US" sz="2600" b="1" dirty="0">
+                <a:latin typeface="Euclid Circular B" panose="020B0504000000000000" pitchFamily="34" charset="0"/>
+                <a:ea typeface="Euclid Circular B" panose="020B0504000000000000" pitchFamily="34" charset="0"/>
+              </a:rPr>
+              <a:t>Contact Me</a:t>
+            </a:r>
+          </a:p>
+          <a:p>
+            <a:pPr marL="0" indent="0">
+              <a:buNone/>
+            </a:pPr>
+            <a:r>
+              <a:rPr lang="en-US" sz="1600" dirty="0">
+                <a:latin typeface="Euclid Circular B" panose="020B0504000000000000" pitchFamily="34" charset="0"/>
+                <a:ea typeface="Euclid Circular B" panose="020B0504000000000000" pitchFamily="34" charset="0"/>
+              </a:rPr>
+              <a:t>Home: </a:t>
+            </a:r>
+            <a:r>
+              <a:rPr lang="en-US" sz="1600" dirty="0">
+                <a:latin typeface="Euclid Circular B" panose="020B0504000000000000" pitchFamily="34" charset="0"/>
+                <a:ea typeface="Euclid Circular B" panose="020B0504000000000000" pitchFamily="34" charset="0"/>
+                <a:hlinkClick r:id="rId4"/>
+              </a:rPr>
+              <a:t>https://halilibrahimkalkan.com</a:t>
+            </a:r>
+            <a:r>
+              <a:rPr lang="en-US" sz="1600" dirty="0">
+                <a:latin typeface="Euclid Circular B" panose="020B0504000000000000" pitchFamily="34" charset="0"/>
+                <a:ea typeface="Euclid Circular B" panose="020B0504000000000000" pitchFamily="34" charset="0"/>
+              </a:rPr>
+              <a:t> </a:t>
+            </a:r>
+          </a:p>
+          <a:p>
+            <a:pPr marL="0" indent="0">
+              <a:buNone/>
+            </a:pPr>
+            <a:r>
+              <a:rPr lang="en-US" sz="1600" dirty="0">
+                <a:latin typeface="Euclid Circular B" panose="020B0504000000000000" pitchFamily="34" charset="0"/>
+                <a:ea typeface="Euclid Circular B" panose="020B0504000000000000" pitchFamily="34" charset="0"/>
+              </a:rPr>
+              <a:t>GitHub: @hikalkan | Twitter: @hibrahimkalkan</a:t>
+            </a:r>
+          </a:p>
+          <a:p>
+            <a:pPr marL="0" indent="0">
+              <a:buNone/>
+            </a:pPr>
+            <a:endParaRPr lang="en-US" sz="1000" dirty="0">
+              <a:latin typeface="Euclid Circular B" panose="020B0504000000000000" pitchFamily="34" charset="0"/>
+              <a:ea typeface="Euclid Circular B" panose="020B0504000000000000" pitchFamily="34" charset="0"/>
+            </a:endParaRPr>
+          </a:p>
+          <a:p>
+            <a:pPr marL="0" indent="0">
+              <a:buNone/>
+            </a:pPr>
+            <a:r>
+              <a:rPr lang="en-US" sz="2600" b="1" dirty="0">
+                <a:latin typeface="Euclid Circular B" panose="020B0504000000000000" pitchFamily="34" charset="0"/>
+                <a:ea typeface="Euclid Circular B" panose="020B0504000000000000" pitchFamily="34" charset="0"/>
+              </a:rPr>
+              <a:t>References</a:t>
+            </a:r>
+          </a:p>
+          <a:p>
+            <a:r>
+              <a:rPr lang="tr-TR" sz="1600" dirty="0">
+                <a:latin typeface="Euclid Circular B" panose="020B0504000000000000" pitchFamily="34" charset="0"/>
+                <a:ea typeface="Euclid Circular B" panose="020B0504000000000000" pitchFamily="34" charset="0"/>
+              </a:rPr>
+              <a:t>TODO</a:t>
+            </a:r>
+            <a:endParaRPr lang="en-US" sz="1400" dirty="0">
+              <a:latin typeface="Euclid Circular B" panose="020B0504000000000000" pitchFamily="34" charset="0"/>
+              <a:ea typeface="Euclid Circular B" panose="020B0504000000000000" pitchFamily="34" charset="0"/>
+            </a:endParaRPr>
           </a:p>
         </p:txBody>
       </p:sp>
     </p:spTree>
     <p:extLst>
       <p:ext uri="{BB962C8B-B14F-4D97-AF65-F5344CB8AC3E}">
-        <p14:creationId xmlns:p14="http://schemas.microsoft.com/office/powerpoint/2010/main" val="402873012"/>
+        <p14:creationId xmlns:p14="http://schemas.microsoft.com/office/powerpoint/2010/main" val="1625585404"/>
       </p:ext>
     </p:extLst>
   </p:cSld>
@@ -6540,7 +7373,7 @@
                 <a:latin typeface="Euclid Circular B" panose="020B0504000000000000" pitchFamily="34" charset="0"/>
                 <a:ea typeface="Euclid Circular B" panose="020B0504000000000000" pitchFamily="34" charset="0"/>
               </a:rPr>
-              <a:t>Thanks!</a:t>
+              <a:t>Topic title</a:t>
             </a:r>
           </a:p>
         </p:txBody>
@@ -6561,146 +7394,25 @@
             <p:ph idx="1"/>
           </p:nvPr>
         </p:nvSpPr>
-        <p:spPr>
-          <a:xfrm>
-            <a:off x="838200" y="1825625"/>
-            <a:ext cx="10515600" cy="4667250"/>
-          </a:xfrm>
-        </p:spPr>
-        <p:txBody>
-          <a:bodyPr>
-            <a:normAutofit/>
-          </a:bodyPr>
-          <a:lstStyle/>
-          <a:p>
-            <a:pPr marL="0" indent="0">
-              <a:buNone/>
-            </a:pPr>
-            <a:r>
-              <a:rPr lang="en-US" sz="2600" b="1" dirty="0">
+        <p:spPr/>
+        <p:txBody>
+          <a:bodyPr/>
+          <a:lstStyle/>
+          <a:p>
+            <a:r>
+              <a:rPr lang="en-US" dirty="0">
                 <a:latin typeface="Euclid Circular B" panose="020B0504000000000000" pitchFamily="34" charset="0"/>
                 <a:ea typeface="Euclid Circular B" panose="020B0504000000000000" pitchFamily="34" charset="0"/>
               </a:rPr>
-              <a:t>Get This Presentation</a:t>
-            </a:r>
-          </a:p>
-          <a:p>
-            <a:pPr marL="0" indent="0">
-              <a:buNone/>
-            </a:pPr>
-            <a:r>
-              <a:rPr lang="en-US" sz="1400" dirty="0">
-                <a:latin typeface="Euclid Circular B" panose="020B0504000000000000" pitchFamily="34" charset="0"/>
-                <a:ea typeface="Euclid Circular B" panose="020B0504000000000000" pitchFamily="34" charset="0"/>
-                <a:hlinkClick r:id="rId3"/>
-              </a:rPr>
-              <a:t>https://github.com/hikalkan/presentations</a:t>
-            </a:r>
-            <a:endParaRPr lang="en-US" sz="1400" dirty="0">
-              <a:latin typeface="Euclid Circular B" panose="020B0504000000000000" pitchFamily="34" charset="0"/>
-              <a:ea typeface="Euclid Circular B" panose="020B0504000000000000" pitchFamily="34" charset="0"/>
-            </a:endParaRPr>
-          </a:p>
-          <a:p>
-            <a:pPr marL="0" indent="0">
-              <a:buNone/>
-            </a:pPr>
-            <a:endParaRPr lang="en-US" sz="1000" dirty="0">
-              <a:latin typeface="Euclid Circular B" panose="020B0504000000000000" pitchFamily="34" charset="0"/>
-              <a:ea typeface="Euclid Circular B" panose="020B0504000000000000" pitchFamily="34" charset="0"/>
-            </a:endParaRPr>
-          </a:p>
-          <a:p>
-            <a:pPr marL="0" indent="0">
-              <a:buNone/>
-            </a:pPr>
-            <a:r>
-              <a:rPr lang="en-US" sz="2600" b="1" dirty="0">
-                <a:latin typeface="Euclid Circular B" panose="020B0504000000000000" pitchFamily="34" charset="0"/>
-                <a:ea typeface="Euclid Circular B" panose="020B0504000000000000" pitchFamily="34" charset="0"/>
-              </a:rPr>
-              <a:t>Contact Me</a:t>
-            </a:r>
-          </a:p>
-          <a:p>
-            <a:pPr marL="0" indent="0">
-              <a:buNone/>
-            </a:pPr>
-            <a:r>
-              <a:rPr lang="en-US" sz="1600" dirty="0">
-                <a:latin typeface="Euclid Circular B" panose="020B0504000000000000" pitchFamily="34" charset="0"/>
-                <a:ea typeface="Euclid Circular B" panose="020B0504000000000000" pitchFamily="34" charset="0"/>
-              </a:rPr>
-              <a:t>Home: </a:t>
-            </a:r>
-            <a:r>
-              <a:rPr lang="en-US" sz="1600" dirty="0">
-                <a:latin typeface="Euclid Circular B" panose="020B0504000000000000" pitchFamily="34" charset="0"/>
-                <a:ea typeface="Euclid Circular B" panose="020B0504000000000000" pitchFamily="34" charset="0"/>
-                <a:hlinkClick r:id="rId4"/>
-              </a:rPr>
-              <a:t>https://halilibrahimkalkan.com</a:t>
-            </a:r>
-            <a:r>
-              <a:rPr lang="en-US" sz="1600" dirty="0">
-                <a:latin typeface="Euclid Circular B" panose="020B0504000000000000" pitchFamily="34" charset="0"/>
-                <a:ea typeface="Euclid Circular B" panose="020B0504000000000000" pitchFamily="34" charset="0"/>
-              </a:rPr>
-              <a:t> </a:t>
-            </a:r>
-          </a:p>
-          <a:p>
-            <a:pPr marL="0" indent="0">
-              <a:buNone/>
-            </a:pPr>
-            <a:r>
-              <a:rPr lang="en-US" sz="1600" dirty="0">
-                <a:latin typeface="Euclid Circular B" panose="020B0504000000000000" pitchFamily="34" charset="0"/>
-                <a:ea typeface="Euclid Circular B" panose="020B0504000000000000" pitchFamily="34" charset="0"/>
-              </a:rPr>
-              <a:t>GitHub: @hikalkan | Twitter: @hibrahimkalkan</a:t>
-            </a:r>
-          </a:p>
-          <a:p>
-            <a:pPr marL="0" indent="0">
-              <a:buNone/>
-            </a:pPr>
-            <a:endParaRPr lang="en-US" sz="1000" dirty="0">
-              <a:latin typeface="Euclid Circular B" panose="020B0504000000000000" pitchFamily="34" charset="0"/>
-              <a:ea typeface="Euclid Circular B" panose="020B0504000000000000" pitchFamily="34" charset="0"/>
-            </a:endParaRPr>
-          </a:p>
-          <a:p>
-            <a:pPr marL="0" indent="0">
-              <a:buNone/>
-            </a:pPr>
-            <a:r>
-              <a:rPr lang="en-US" sz="2600" b="1" dirty="0">
-                <a:latin typeface="Euclid Circular B" panose="020B0504000000000000" pitchFamily="34" charset="0"/>
-                <a:ea typeface="Euclid Circular B" panose="020B0504000000000000" pitchFamily="34" charset="0"/>
-              </a:rPr>
-              <a:t>References</a:t>
-            </a:r>
-          </a:p>
-          <a:p>
-            <a:r>
-              <a:rPr lang="tr-TR" sz="1600" dirty="0">
-                <a:latin typeface="Euclid Circular B" panose="020B0504000000000000" pitchFamily="34" charset="0"/>
-                <a:ea typeface="Euclid Circular B" panose="020B0504000000000000" pitchFamily="34" charset="0"/>
-              </a:rPr>
-              <a:t>TODO</a:t>
-            </a:r>
-            <a:endParaRPr lang="en-US" sz="1400" dirty="0">
-              <a:latin typeface="Euclid Circular B" panose="020B0504000000000000" pitchFamily="34" charset="0"/>
-              <a:ea typeface="Euclid Circular B" panose="020B0504000000000000" pitchFamily="34" charset="0"/>
-            </a:endParaRPr>
+              <a:t>Content</a:t>
+            </a:r>
           </a:p>
         </p:txBody>
       </p:sp>
     </p:spTree>
     <p:extLst>
       <p:ext uri="{BB962C8B-B14F-4D97-AF65-F5344CB8AC3E}">
-        <p14:creationId xmlns:p14="http://schemas.microsoft.com/office/powerpoint/2010/main" val="1625585404"/>
+        <p14:creationId xmlns:p14="http://schemas.microsoft.com/office/powerpoint/2010/main" val="402873012"/>
       </p:ext>
     </p:extLst>
   </p:cSld>
@@ -6810,6 +7522,224 @@
     <p:extLst>
       <p:ext uri="{BB962C8B-B14F-4D97-AF65-F5344CB8AC3E}">
         <p14:creationId xmlns:p14="http://schemas.microsoft.com/office/powerpoint/2010/main" val="480853512"/>
+      </p:ext>
+    </p:extLst>
+  </p:cSld>
+  <p:clrMapOvr>
+    <a:masterClrMapping/>
+  </p:clrMapOvr>
+</p:sld>
+</file>
+
+<file path=ppt/slides/slide27.xml><?xml version="1.0" encoding="utf-8"?>
+<p:sld xmlns:a="http://schemas.openxmlformats.org/drawingml/2006/main" xmlns:r="http://schemas.openxmlformats.org/officeDocument/2006/relationships" xmlns:p="http://schemas.openxmlformats.org/presentationml/2006/main">
+  <p:cSld>
+    <p:bg>
+      <p:bgPr>
+        <a:blipFill dpi="0" rotWithShape="1">
+          <a:blip r:embed="rId2">
+            <a:lum/>
+          </a:blip>
+          <a:srcRect/>
+          <a:stretch>
+            <a:fillRect/>
+          </a:stretch>
+        </a:blipFill>
+        <a:effectLst/>
+      </p:bgPr>
+    </p:bg>
+    <p:spTree>
+      <p:nvGrpSpPr>
+        <p:cNvPr id="1" name=""/>
+        <p:cNvGrpSpPr/>
+        <p:nvPr/>
+      </p:nvGrpSpPr>
+      <p:grpSpPr>
+        <a:xfrm>
+          <a:off x="0" y="0"/>
+          <a:ext cx="0" cy="0"/>
+          <a:chOff x="0" y="0"/>
+          <a:chExt cx="0" cy="0"/>
+        </a:xfrm>
+      </p:grpSpPr>
+      <p:sp>
+        <p:nvSpPr>
+          <p:cNvPr id="2" name="Title 1">
+            <a:extLst>
+              <a:ext uri="{FF2B5EF4-FFF2-40B4-BE49-F238E27FC236}">
+                <a16:creationId xmlns:a16="http://schemas.microsoft.com/office/drawing/2014/main" id="{55E11F08-6CA0-48F1-AD67-97430DDA07F0}"/>
+              </a:ext>
+            </a:extLst>
+          </p:cNvPr>
+          <p:cNvSpPr>
+            <a:spLocks noGrp="1"/>
+          </p:cNvSpPr>
+          <p:nvPr>
+            <p:ph type="title"/>
+          </p:nvPr>
+        </p:nvSpPr>
+        <p:spPr/>
+        <p:txBody>
+          <a:bodyPr/>
+          <a:lstStyle/>
+          <a:p>
+            <a:r>
+              <a:rPr lang="en-US" b="1" dirty="0">
+                <a:solidFill>
+                  <a:srgbClr val="292D33"/>
+                </a:solidFill>
+                <a:latin typeface="Euclid Circular B" panose="020B0504000000000000" pitchFamily="34" charset="0"/>
+                <a:ea typeface="Euclid Circular B" panose="020B0504000000000000" pitchFamily="34" charset="0"/>
+              </a:rPr>
+              <a:t>Topic title</a:t>
+            </a:r>
+          </a:p>
+        </p:txBody>
+      </p:sp>
+      <p:sp>
+        <p:nvSpPr>
+          <p:cNvPr id="3" name="Content Placeholder 2">
+            <a:extLst>
+              <a:ext uri="{FF2B5EF4-FFF2-40B4-BE49-F238E27FC236}">
+                <a16:creationId xmlns:a16="http://schemas.microsoft.com/office/drawing/2014/main" id="{891C7693-D3DF-4635-96F4-97F3B4136FDF}"/>
+              </a:ext>
+            </a:extLst>
+          </p:cNvPr>
+          <p:cNvSpPr>
+            <a:spLocks noGrp="1"/>
+          </p:cNvSpPr>
+          <p:nvPr>
+            <p:ph idx="1"/>
+          </p:nvPr>
+        </p:nvSpPr>
+        <p:spPr/>
+        <p:txBody>
+          <a:bodyPr/>
+          <a:lstStyle/>
+          <a:p>
+            <a:r>
+              <a:rPr lang="en-US" dirty="0">
+                <a:latin typeface="Euclid Circular B" panose="020B0504000000000000" pitchFamily="34" charset="0"/>
+                <a:ea typeface="Euclid Circular B" panose="020B0504000000000000" pitchFamily="34" charset="0"/>
+              </a:rPr>
+              <a:t>Content</a:t>
+            </a:r>
+          </a:p>
+        </p:txBody>
+      </p:sp>
+    </p:spTree>
+    <p:extLst>
+      <p:ext uri="{BB962C8B-B14F-4D97-AF65-F5344CB8AC3E}">
+        <p14:creationId xmlns:p14="http://schemas.microsoft.com/office/powerpoint/2010/main" val="4130834620"/>
+      </p:ext>
+    </p:extLst>
+  </p:cSld>
+  <p:clrMapOvr>
+    <a:masterClrMapping/>
+  </p:clrMapOvr>
+</p:sld>
+</file>
+
+<file path=ppt/slides/slide28.xml><?xml version="1.0" encoding="utf-8"?>
+<p:sld xmlns:a="http://schemas.openxmlformats.org/drawingml/2006/main" xmlns:r="http://schemas.openxmlformats.org/officeDocument/2006/relationships" xmlns:p="http://schemas.openxmlformats.org/presentationml/2006/main">
+  <p:cSld>
+    <p:bg>
+      <p:bgPr>
+        <a:blipFill dpi="0" rotWithShape="1">
+          <a:blip r:embed="rId2">
+            <a:lum/>
+          </a:blip>
+          <a:srcRect/>
+          <a:stretch>
+            <a:fillRect/>
+          </a:stretch>
+        </a:blipFill>
+        <a:effectLst/>
+      </p:bgPr>
+    </p:bg>
+    <p:spTree>
+      <p:nvGrpSpPr>
+        <p:cNvPr id="1" name=""/>
+        <p:cNvGrpSpPr/>
+        <p:nvPr/>
+      </p:nvGrpSpPr>
+      <p:grpSpPr>
+        <a:xfrm>
+          <a:off x="0" y="0"/>
+          <a:ext cx="0" cy="0"/>
+          <a:chOff x="0" y="0"/>
+          <a:chExt cx="0" cy="0"/>
+        </a:xfrm>
+      </p:grpSpPr>
+      <p:sp>
+        <p:nvSpPr>
+          <p:cNvPr id="2" name="Title 1">
+            <a:extLst>
+              <a:ext uri="{FF2B5EF4-FFF2-40B4-BE49-F238E27FC236}">
+                <a16:creationId xmlns:a16="http://schemas.microsoft.com/office/drawing/2014/main" id="{55E11F08-6CA0-48F1-AD67-97430DDA07F0}"/>
+              </a:ext>
+            </a:extLst>
+          </p:cNvPr>
+          <p:cNvSpPr>
+            <a:spLocks noGrp="1"/>
+          </p:cNvSpPr>
+          <p:nvPr>
+            <p:ph type="title"/>
+          </p:nvPr>
+        </p:nvSpPr>
+        <p:spPr/>
+        <p:txBody>
+          <a:bodyPr/>
+          <a:lstStyle/>
+          <a:p>
+            <a:r>
+              <a:rPr lang="en-US" b="1" dirty="0">
+                <a:solidFill>
+                  <a:srgbClr val="292D33"/>
+                </a:solidFill>
+                <a:latin typeface="Euclid Circular B" panose="020B0504000000000000" pitchFamily="34" charset="0"/>
+                <a:ea typeface="Euclid Circular B" panose="020B0504000000000000" pitchFamily="34" charset="0"/>
+              </a:rPr>
+              <a:t>Topic title</a:t>
+            </a:r>
+          </a:p>
+        </p:txBody>
+      </p:sp>
+      <p:sp>
+        <p:nvSpPr>
+          <p:cNvPr id="3" name="Content Placeholder 2">
+            <a:extLst>
+              <a:ext uri="{FF2B5EF4-FFF2-40B4-BE49-F238E27FC236}">
+                <a16:creationId xmlns:a16="http://schemas.microsoft.com/office/drawing/2014/main" id="{891C7693-D3DF-4635-96F4-97F3B4136FDF}"/>
+              </a:ext>
+            </a:extLst>
+          </p:cNvPr>
+          <p:cNvSpPr>
+            <a:spLocks noGrp="1"/>
+          </p:cNvSpPr>
+          <p:nvPr>
+            <p:ph idx="1"/>
+          </p:nvPr>
+        </p:nvSpPr>
+        <p:spPr/>
+        <p:txBody>
+          <a:bodyPr/>
+          <a:lstStyle/>
+          <a:p>
+            <a:r>
+              <a:rPr lang="en-US" dirty="0">
+                <a:latin typeface="Euclid Circular B" panose="020B0504000000000000" pitchFamily="34" charset="0"/>
+                <a:ea typeface="Euclid Circular B" panose="020B0504000000000000" pitchFamily="34" charset="0"/>
+              </a:rPr>
+              <a:t>Content</a:t>
+            </a:r>
+          </a:p>
+        </p:txBody>
+      </p:sp>
+    </p:spTree>
+    <p:extLst>
+      <p:ext uri="{BB962C8B-B14F-4D97-AF65-F5344CB8AC3E}">
+        <p14:creationId xmlns:p14="http://schemas.microsoft.com/office/powerpoint/2010/main" val="3734297926"/>
       </p:ext>
     </p:extLst>
   </p:cSld>

--- a/2023-06-01 Dealing with Concurrency - Multi-Threading in Dotnet/Dotnet-Multi-Threading.pptx
+++ b/2023-06-01 Dealing with Concurrency - Multi-Threading in Dotnet/Dotnet-Multi-Threading.pptx
@@ -7366,49 +7366,115 @@
           <a:lstStyle/>
           <a:p>
             <a:r>
-              <a:rPr lang="en-US" b="1" dirty="0">
+              <a:rPr lang="tr-TR" b="1" dirty="0">
                 <a:solidFill>
                   <a:srgbClr val="292D33"/>
                 </a:solidFill>
                 <a:latin typeface="Euclid Circular B" panose="020B0504000000000000" pitchFamily="34" charset="0"/>
                 <a:ea typeface="Euclid Circular B" panose="020B0504000000000000" pitchFamily="34" charset="0"/>
               </a:rPr>
-              <a:t>Topic title</a:t>
-            </a:r>
-          </a:p>
-        </p:txBody>
-      </p:sp>
-      <p:sp>
-        <p:nvSpPr>
-          <p:cNvPr id="3" name="Content Placeholder 2">
-            <a:extLst>
-              <a:ext uri="{FF2B5EF4-FFF2-40B4-BE49-F238E27FC236}">
-                <a16:creationId xmlns:a16="http://schemas.microsoft.com/office/drawing/2014/main" id="{891C7693-D3DF-4635-96F4-97F3B4136FDF}"/>
-              </a:ext>
-            </a:extLst>
-          </p:cNvPr>
-          <p:cNvSpPr>
-            <a:spLocks noGrp="1"/>
-          </p:cNvSpPr>
-          <p:nvPr>
-            <p:ph idx="1"/>
-          </p:nvPr>
-        </p:nvSpPr>
-        <p:spPr/>
-        <p:txBody>
-          <a:bodyPr/>
-          <a:lstStyle/>
-          <a:p>
-            <a:r>
-              <a:rPr lang="en-US" dirty="0">
-                <a:latin typeface="Euclid Circular B" panose="020B0504000000000000" pitchFamily="34" charset="0"/>
-                <a:ea typeface="Euclid Circular B" panose="020B0504000000000000" pitchFamily="34" charset="0"/>
-              </a:rPr>
-              <a:t>Content</a:t>
-            </a:r>
-          </a:p>
-        </p:txBody>
-      </p:sp>
+              <a:t>Nested Locks &amp; Deadlocks</a:t>
+            </a:r>
+            <a:endParaRPr lang="en-US" b="1" dirty="0">
+              <a:solidFill>
+                <a:srgbClr val="292D33"/>
+              </a:solidFill>
+              <a:latin typeface="Euclid Circular B" panose="020B0504000000000000" pitchFamily="34" charset="0"/>
+              <a:ea typeface="Euclid Circular B" panose="020B0504000000000000" pitchFamily="34" charset="0"/>
+            </a:endParaRPr>
+          </a:p>
+        </p:txBody>
+      </p:sp>
+      <p:pic>
+        <p:nvPicPr>
+          <p:cNvPr id="7" name="Picture 6">
+            <a:extLst>
+              <a:ext uri="{FF2B5EF4-FFF2-40B4-BE49-F238E27FC236}">
+                <a16:creationId xmlns:a16="http://schemas.microsoft.com/office/drawing/2014/main" id="{B72503B6-B3CB-8A4A-9705-DD3B51726976}"/>
+              </a:ext>
+            </a:extLst>
+          </p:cNvPr>
+          <p:cNvPicPr>
+            <a:picLocks noChangeAspect="1"/>
+          </p:cNvPicPr>
+          <p:nvPr/>
+        </p:nvPicPr>
+        <p:blipFill>
+          <a:blip r:embed="rId3"/>
+          <a:stretch>
+            <a:fillRect/>
+          </a:stretch>
+        </p:blipFill>
+        <p:spPr>
+          <a:xfrm>
+            <a:off x="4062412" y="1690688"/>
+            <a:ext cx="4067175" cy="600075"/>
+          </a:xfrm>
+          <a:prstGeom prst="rect">
+            <a:avLst/>
+          </a:prstGeom>
+        </p:spPr>
+      </p:pic>
+      <p:pic>
+        <p:nvPicPr>
+          <p:cNvPr id="13" name="Picture 12">
+            <a:extLst>
+              <a:ext uri="{FF2B5EF4-FFF2-40B4-BE49-F238E27FC236}">
+                <a16:creationId xmlns:a16="http://schemas.microsoft.com/office/drawing/2014/main" id="{A8CB5A71-49D3-ABDE-F7E5-5B8B7D03233F}"/>
+              </a:ext>
+            </a:extLst>
+          </p:cNvPr>
+          <p:cNvPicPr>
+            <a:picLocks noChangeAspect="1"/>
+          </p:cNvPicPr>
+          <p:nvPr/>
+        </p:nvPicPr>
+        <p:blipFill>
+          <a:blip r:embed="rId4"/>
+          <a:stretch>
+            <a:fillRect/>
+          </a:stretch>
+        </p:blipFill>
+        <p:spPr>
+          <a:xfrm>
+            <a:off x="1965441" y="2846306"/>
+            <a:ext cx="3390900" cy="3343275"/>
+          </a:xfrm>
+          <a:prstGeom prst="rect">
+            <a:avLst/>
+          </a:prstGeom>
+        </p:spPr>
+      </p:pic>
+      <p:pic>
+        <p:nvPicPr>
+          <p:cNvPr id="15" name="Picture 14">
+            <a:extLst>
+              <a:ext uri="{FF2B5EF4-FFF2-40B4-BE49-F238E27FC236}">
+                <a16:creationId xmlns:a16="http://schemas.microsoft.com/office/drawing/2014/main" id="{B8A7DAC4-D96A-AC5C-C846-7CEE36E2D3D3}"/>
+              </a:ext>
+            </a:extLst>
+          </p:cNvPr>
+          <p:cNvPicPr>
+            <a:picLocks noChangeAspect="1"/>
+          </p:cNvPicPr>
+          <p:nvPr/>
+        </p:nvPicPr>
+        <p:blipFill>
+          <a:blip r:embed="rId5"/>
+          <a:stretch>
+            <a:fillRect/>
+          </a:stretch>
+        </p:blipFill>
+        <p:spPr>
+          <a:xfrm>
+            <a:off x="6835661" y="2846306"/>
+            <a:ext cx="3724275" cy="3314700"/>
+          </a:xfrm>
+          <a:prstGeom prst="rect">
+            <a:avLst/>
+          </a:prstGeom>
+        </p:spPr>
+      </p:pic>
     </p:spTree>
     <p:extLst>
       <p:ext uri="{BB962C8B-B14F-4D97-AF65-F5344CB8AC3E}">

--- a/2023-06-01 Dealing with Concurrency - Multi-Threading in Dotnet/Dotnet-Multi-Threading.pptx
+++ b/2023-06-01 Dealing with Concurrency - Multi-Threading in Dotnet/Dotnet-Multi-Threading.pptx
@@ -28,11 +28,9 @@
     <p:sldId id="304" r:id="rId22"/>
     <p:sldId id="310" r:id="rId23"/>
     <p:sldId id="311" r:id="rId24"/>
-    <p:sldId id="289" r:id="rId25"/>
-    <p:sldId id="313" r:id="rId26"/>
-    <p:sldId id="290" r:id="rId27"/>
-    <p:sldId id="316" r:id="rId28"/>
-    <p:sldId id="317" r:id="rId29"/>
+    <p:sldId id="313" r:id="rId25"/>
+    <p:sldId id="289" r:id="rId26"/>
+    <p:sldId id="317" r:id="rId27"/>
   </p:sldIdLst>
   <p:sldSz cx="12192000" cy="6858000"/>
   <p:notesSz cx="6858000" cy="9144000"/>
@@ -3887,6 +3885,275 @@
   <p:clrMapOvr>
     <a:masterClrMapping/>
   </p:clrMapOvr>
+  <p:timing>
+    <p:tnLst>
+      <p:par>
+        <p:cTn id="1" dur="indefinite" restart="never" nodeType="tmRoot">
+          <p:childTnLst>
+            <p:seq concurrent="1" nextAc="seek">
+              <p:cTn id="2" dur="indefinite" nodeType="mainSeq">
+                <p:childTnLst>
+                  <p:par>
+                    <p:cTn id="3" fill="hold">
+                      <p:stCondLst>
+                        <p:cond delay="indefinite"/>
+                      </p:stCondLst>
+                      <p:childTnLst>
+                        <p:par>
+                          <p:cTn id="4" fill="hold">
+                            <p:stCondLst>
+                              <p:cond delay="0"/>
+                            </p:stCondLst>
+                            <p:childTnLst>
+                              <p:par>
+                                <p:cTn id="5" presetID="10" presetClass="entr" presetSubtype="0" fill="hold" nodeType="clickEffect">
+                                  <p:stCondLst>
+                                    <p:cond delay="0"/>
+                                  </p:stCondLst>
+                                  <p:childTnLst>
+                                    <p:set>
+                                      <p:cBhvr>
+                                        <p:cTn id="6" dur="1" fill="hold">
+                                          <p:stCondLst>
+                                            <p:cond delay="0"/>
+                                          </p:stCondLst>
+                                        </p:cTn>
+                                        <p:tgtEl>
+                                          <p:spTgt spid="3">
+                                            <p:txEl>
+                                              <p:pRg st="0" end="0"/>
+                                            </p:txEl>
+                                          </p:spTgt>
+                                        </p:tgtEl>
+                                        <p:attrNameLst>
+                                          <p:attrName>style.visibility</p:attrName>
+                                        </p:attrNameLst>
+                                      </p:cBhvr>
+                                      <p:to>
+                                        <p:strVal val="visible"/>
+                                      </p:to>
+                                    </p:set>
+                                    <p:animEffect transition="in" filter="fade">
+                                      <p:cBhvr>
+                                        <p:cTn id="7" dur="500"/>
+                                        <p:tgtEl>
+                                          <p:spTgt spid="3">
+                                            <p:txEl>
+                                              <p:pRg st="0" end="0"/>
+                                            </p:txEl>
+                                          </p:spTgt>
+                                        </p:tgtEl>
+                                      </p:cBhvr>
+                                    </p:animEffect>
+                                  </p:childTnLst>
+                                </p:cTn>
+                              </p:par>
+                            </p:childTnLst>
+                          </p:cTn>
+                        </p:par>
+                      </p:childTnLst>
+                    </p:cTn>
+                  </p:par>
+                  <p:par>
+                    <p:cTn id="8" fill="hold">
+                      <p:stCondLst>
+                        <p:cond delay="indefinite"/>
+                      </p:stCondLst>
+                      <p:childTnLst>
+                        <p:par>
+                          <p:cTn id="9" fill="hold">
+                            <p:stCondLst>
+                              <p:cond delay="0"/>
+                            </p:stCondLst>
+                            <p:childTnLst>
+                              <p:par>
+                                <p:cTn id="10" presetID="10" presetClass="entr" presetSubtype="0" fill="hold" nodeType="clickEffect">
+                                  <p:stCondLst>
+                                    <p:cond delay="0"/>
+                                  </p:stCondLst>
+                                  <p:childTnLst>
+                                    <p:set>
+                                      <p:cBhvr>
+                                        <p:cTn id="11" dur="1" fill="hold">
+                                          <p:stCondLst>
+                                            <p:cond delay="0"/>
+                                          </p:stCondLst>
+                                        </p:cTn>
+                                        <p:tgtEl>
+                                          <p:spTgt spid="3">
+                                            <p:txEl>
+                                              <p:pRg st="1" end="1"/>
+                                            </p:txEl>
+                                          </p:spTgt>
+                                        </p:tgtEl>
+                                        <p:attrNameLst>
+                                          <p:attrName>style.visibility</p:attrName>
+                                        </p:attrNameLst>
+                                      </p:cBhvr>
+                                      <p:to>
+                                        <p:strVal val="visible"/>
+                                      </p:to>
+                                    </p:set>
+                                    <p:animEffect transition="in" filter="fade">
+                                      <p:cBhvr>
+                                        <p:cTn id="12" dur="500"/>
+                                        <p:tgtEl>
+                                          <p:spTgt spid="3">
+                                            <p:txEl>
+                                              <p:pRg st="1" end="1"/>
+                                            </p:txEl>
+                                          </p:spTgt>
+                                        </p:tgtEl>
+                                      </p:cBhvr>
+                                    </p:animEffect>
+                                  </p:childTnLst>
+                                </p:cTn>
+                              </p:par>
+                            </p:childTnLst>
+                          </p:cTn>
+                        </p:par>
+                      </p:childTnLst>
+                    </p:cTn>
+                  </p:par>
+                  <p:par>
+                    <p:cTn id="13" fill="hold">
+                      <p:stCondLst>
+                        <p:cond delay="indefinite"/>
+                      </p:stCondLst>
+                      <p:childTnLst>
+                        <p:par>
+                          <p:cTn id="14" fill="hold">
+                            <p:stCondLst>
+                              <p:cond delay="0"/>
+                            </p:stCondLst>
+                            <p:childTnLst>
+                              <p:par>
+                                <p:cTn id="15" presetID="10" presetClass="entr" presetSubtype="0" fill="hold" nodeType="clickEffect">
+                                  <p:stCondLst>
+                                    <p:cond delay="0"/>
+                                  </p:stCondLst>
+                                  <p:childTnLst>
+                                    <p:set>
+                                      <p:cBhvr>
+                                        <p:cTn id="16" dur="1" fill="hold">
+                                          <p:stCondLst>
+                                            <p:cond delay="0"/>
+                                          </p:stCondLst>
+                                        </p:cTn>
+                                        <p:tgtEl>
+                                          <p:spTgt spid="3">
+                                            <p:txEl>
+                                              <p:pRg st="2" end="2"/>
+                                            </p:txEl>
+                                          </p:spTgt>
+                                        </p:tgtEl>
+                                        <p:attrNameLst>
+                                          <p:attrName>style.visibility</p:attrName>
+                                        </p:attrNameLst>
+                                      </p:cBhvr>
+                                      <p:to>
+                                        <p:strVal val="visible"/>
+                                      </p:to>
+                                    </p:set>
+                                    <p:animEffect transition="in" filter="fade">
+                                      <p:cBhvr>
+                                        <p:cTn id="17" dur="500"/>
+                                        <p:tgtEl>
+                                          <p:spTgt spid="3">
+                                            <p:txEl>
+                                              <p:pRg st="2" end="2"/>
+                                            </p:txEl>
+                                          </p:spTgt>
+                                        </p:tgtEl>
+                                      </p:cBhvr>
+                                    </p:animEffect>
+                                  </p:childTnLst>
+                                </p:cTn>
+                              </p:par>
+                            </p:childTnLst>
+                          </p:cTn>
+                        </p:par>
+                      </p:childTnLst>
+                    </p:cTn>
+                  </p:par>
+                  <p:par>
+                    <p:cTn id="18" fill="hold">
+                      <p:stCondLst>
+                        <p:cond delay="indefinite"/>
+                      </p:stCondLst>
+                      <p:childTnLst>
+                        <p:par>
+                          <p:cTn id="19" fill="hold">
+                            <p:stCondLst>
+                              <p:cond delay="0"/>
+                            </p:stCondLst>
+                            <p:childTnLst>
+                              <p:par>
+                                <p:cTn id="20" presetID="10" presetClass="entr" presetSubtype="0" fill="hold" grpId="0" nodeType="clickEffect">
+                                  <p:stCondLst>
+                                    <p:cond delay="0"/>
+                                  </p:stCondLst>
+                                  <p:childTnLst>
+                                    <p:set>
+                                      <p:cBhvr>
+                                        <p:cTn id="21" dur="1" fill="hold">
+                                          <p:stCondLst>
+                                            <p:cond delay="0"/>
+                                          </p:stCondLst>
+                                        </p:cTn>
+                                        <p:tgtEl>
+                                          <p:spTgt spid="4"/>
+                                        </p:tgtEl>
+                                        <p:attrNameLst>
+                                          <p:attrName>style.visibility</p:attrName>
+                                        </p:attrNameLst>
+                                      </p:cBhvr>
+                                      <p:to>
+                                        <p:strVal val="visible"/>
+                                      </p:to>
+                                    </p:set>
+                                    <p:animEffect transition="in" filter="fade">
+                                      <p:cBhvr>
+                                        <p:cTn id="22" dur="500"/>
+                                        <p:tgtEl>
+                                          <p:spTgt spid="4"/>
+                                        </p:tgtEl>
+                                      </p:cBhvr>
+                                    </p:animEffect>
+                                  </p:childTnLst>
+                                </p:cTn>
+                              </p:par>
+                            </p:childTnLst>
+                          </p:cTn>
+                        </p:par>
+                      </p:childTnLst>
+                    </p:cTn>
+                  </p:par>
+                </p:childTnLst>
+              </p:cTn>
+              <p:prevCondLst>
+                <p:cond evt="onPrev" delay="0">
+                  <p:tgtEl>
+                    <p:sldTgt/>
+                  </p:tgtEl>
+                </p:cond>
+              </p:prevCondLst>
+              <p:nextCondLst>
+                <p:cond evt="onNext" delay="0">
+                  <p:tgtEl>
+                    <p:sldTgt/>
+                  </p:tgtEl>
+                </p:cond>
+              </p:nextCondLst>
+            </p:seq>
+          </p:childTnLst>
+        </p:cTn>
+      </p:par>
+    </p:tnLst>
+    <p:bldLst>
+      <p:bldP spid="4" grpId="0"/>
+    </p:bldLst>
+  </p:timing>
 </p:sld>
 </file>
 
@@ -4462,6 +4729,477 @@
   <p:clrMapOvr>
     <a:masterClrMapping/>
   </p:clrMapOvr>
+  <p:timing>
+    <p:tnLst>
+      <p:par>
+        <p:cTn id="1" dur="indefinite" restart="never" nodeType="tmRoot">
+          <p:childTnLst>
+            <p:seq concurrent="1" nextAc="seek">
+              <p:cTn id="2" dur="indefinite" nodeType="mainSeq">
+                <p:childTnLst>
+                  <p:par>
+                    <p:cTn id="3" fill="hold">
+                      <p:stCondLst>
+                        <p:cond delay="indefinite"/>
+                      </p:stCondLst>
+                      <p:childTnLst>
+                        <p:par>
+                          <p:cTn id="4" fill="hold">
+                            <p:stCondLst>
+                              <p:cond delay="0"/>
+                            </p:stCondLst>
+                            <p:childTnLst>
+                              <p:par>
+                                <p:cTn id="5" presetID="10" presetClass="entr" presetSubtype="0" fill="hold" nodeType="clickEffect">
+                                  <p:stCondLst>
+                                    <p:cond delay="0"/>
+                                  </p:stCondLst>
+                                  <p:childTnLst>
+                                    <p:set>
+                                      <p:cBhvr>
+                                        <p:cTn id="6" dur="1" fill="hold">
+                                          <p:stCondLst>
+                                            <p:cond delay="0"/>
+                                          </p:stCondLst>
+                                        </p:cTn>
+                                        <p:tgtEl>
+                                          <p:spTgt spid="7"/>
+                                        </p:tgtEl>
+                                        <p:attrNameLst>
+                                          <p:attrName>style.visibility</p:attrName>
+                                        </p:attrNameLst>
+                                      </p:cBhvr>
+                                      <p:to>
+                                        <p:strVal val="visible"/>
+                                      </p:to>
+                                    </p:set>
+                                    <p:animEffect transition="in" filter="fade">
+                                      <p:cBhvr>
+                                        <p:cTn id="7" dur="500"/>
+                                        <p:tgtEl>
+                                          <p:spTgt spid="7"/>
+                                        </p:tgtEl>
+                                      </p:cBhvr>
+                                    </p:animEffect>
+                                  </p:childTnLst>
+                                </p:cTn>
+                              </p:par>
+                            </p:childTnLst>
+                          </p:cTn>
+                        </p:par>
+                      </p:childTnLst>
+                    </p:cTn>
+                  </p:par>
+                  <p:par>
+                    <p:cTn id="8" fill="hold">
+                      <p:stCondLst>
+                        <p:cond delay="indefinite"/>
+                      </p:stCondLst>
+                      <p:childTnLst>
+                        <p:par>
+                          <p:cTn id="9" fill="hold">
+                            <p:stCondLst>
+                              <p:cond delay="0"/>
+                            </p:stCondLst>
+                            <p:childTnLst>
+                              <p:par>
+                                <p:cTn id="10" presetID="10" presetClass="entr" presetSubtype="0" fill="hold" nodeType="clickEffect">
+                                  <p:stCondLst>
+                                    <p:cond delay="0"/>
+                                  </p:stCondLst>
+                                  <p:childTnLst>
+                                    <p:set>
+                                      <p:cBhvr>
+                                        <p:cTn id="11" dur="1" fill="hold">
+                                          <p:stCondLst>
+                                            <p:cond delay="0"/>
+                                          </p:stCondLst>
+                                        </p:cTn>
+                                        <p:tgtEl>
+                                          <p:spTgt spid="11"/>
+                                        </p:tgtEl>
+                                        <p:attrNameLst>
+                                          <p:attrName>style.visibility</p:attrName>
+                                        </p:attrNameLst>
+                                      </p:cBhvr>
+                                      <p:to>
+                                        <p:strVal val="visible"/>
+                                      </p:to>
+                                    </p:set>
+                                    <p:animEffect transition="in" filter="fade">
+                                      <p:cBhvr>
+                                        <p:cTn id="12" dur="500"/>
+                                        <p:tgtEl>
+                                          <p:spTgt spid="11"/>
+                                        </p:tgtEl>
+                                      </p:cBhvr>
+                                    </p:animEffect>
+                                  </p:childTnLst>
+                                </p:cTn>
+                              </p:par>
+                              <p:par>
+                                <p:cTn id="13" presetID="10" presetClass="entr" presetSubtype="0" fill="hold" nodeType="withEffect">
+                                  <p:stCondLst>
+                                    <p:cond delay="0"/>
+                                  </p:stCondLst>
+                                  <p:childTnLst>
+                                    <p:set>
+                                      <p:cBhvr>
+                                        <p:cTn id="14" dur="1" fill="hold">
+                                          <p:stCondLst>
+                                            <p:cond delay="0"/>
+                                          </p:stCondLst>
+                                        </p:cTn>
+                                        <p:tgtEl>
+                                          <p:spTgt spid="9"/>
+                                        </p:tgtEl>
+                                        <p:attrNameLst>
+                                          <p:attrName>style.visibility</p:attrName>
+                                        </p:attrNameLst>
+                                      </p:cBhvr>
+                                      <p:to>
+                                        <p:strVal val="visible"/>
+                                      </p:to>
+                                    </p:set>
+                                    <p:animEffect transition="in" filter="fade">
+                                      <p:cBhvr>
+                                        <p:cTn id="15" dur="500"/>
+                                        <p:tgtEl>
+                                          <p:spTgt spid="9"/>
+                                        </p:tgtEl>
+                                      </p:cBhvr>
+                                    </p:animEffect>
+                                  </p:childTnLst>
+                                </p:cTn>
+                              </p:par>
+                            </p:childTnLst>
+                          </p:cTn>
+                        </p:par>
+                      </p:childTnLst>
+                    </p:cTn>
+                  </p:par>
+                  <p:par>
+                    <p:cTn id="16" fill="hold">
+                      <p:stCondLst>
+                        <p:cond delay="indefinite"/>
+                      </p:stCondLst>
+                      <p:childTnLst>
+                        <p:par>
+                          <p:cTn id="17" fill="hold">
+                            <p:stCondLst>
+                              <p:cond delay="0"/>
+                            </p:stCondLst>
+                            <p:childTnLst>
+                              <p:par>
+                                <p:cTn id="18" presetID="10" presetClass="entr" presetSubtype="0" fill="hold" nodeType="clickEffect">
+                                  <p:stCondLst>
+                                    <p:cond delay="0"/>
+                                  </p:stCondLst>
+                                  <p:childTnLst>
+                                    <p:set>
+                                      <p:cBhvr>
+                                        <p:cTn id="19" dur="1" fill="hold">
+                                          <p:stCondLst>
+                                            <p:cond delay="0"/>
+                                          </p:stCondLst>
+                                        </p:cTn>
+                                        <p:tgtEl>
+                                          <p:spTgt spid="14">
+                                            <p:txEl>
+                                              <p:pRg st="0" end="0"/>
+                                            </p:txEl>
+                                          </p:spTgt>
+                                        </p:tgtEl>
+                                        <p:attrNameLst>
+                                          <p:attrName>style.visibility</p:attrName>
+                                        </p:attrNameLst>
+                                      </p:cBhvr>
+                                      <p:to>
+                                        <p:strVal val="visible"/>
+                                      </p:to>
+                                    </p:set>
+                                    <p:animEffect transition="in" filter="fade">
+                                      <p:cBhvr>
+                                        <p:cTn id="20" dur="500"/>
+                                        <p:tgtEl>
+                                          <p:spTgt spid="14">
+                                            <p:txEl>
+                                              <p:pRg st="0" end="0"/>
+                                            </p:txEl>
+                                          </p:spTgt>
+                                        </p:tgtEl>
+                                      </p:cBhvr>
+                                    </p:animEffect>
+                                  </p:childTnLst>
+                                </p:cTn>
+                              </p:par>
+                            </p:childTnLst>
+                          </p:cTn>
+                        </p:par>
+                      </p:childTnLst>
+                    </p:cTn>
+                  </p:par>
+                  <p:par>
+                    <p:cTn id="21" fill="hold">
+                      <p:stCondLst>
+                        <p:cond delay="indefinite"/>
+                      </p:stCondLst>
+                      <p:childTnLst>
+                        <p:par>
+                          <p:cTn id="22" fill="hold">
+                            <p:stCondLst>
+                              <p:cond delay="0"/>
+                            </p:stCondLst>
+                            <p:childTnLst>
+                              <p:par>
+                                <p:cTn id="23" presetID="10" presetClass="entr" presetSubtype="0" fill="hold" nodeType="clickEffect">
+                                  <p:stCondLst>
+                                    <p:cond delay="0"/>
+                                  </p:stCondLst>
+                                  <p:childTnLst>
+                                    <p:set>
+                                      <p:cBhvr>
+                                        <p:cTn id="24" dur="1" fill="hold">
+                                          <p:stCondLst>
+                                            <p:cond delay="0"/>
+                                          </p:stCondLst>
+                                        </p:cTn>
+                                        <p:tgtEl>
+                                          <p:spTgt spid="14">
+                                            <p:txEl>
+                                              <p:pRg st="1" end="1"/>
+                                            </p:txEl>
+                                          </p:spTgt>
+                                        </p:tgtEl>
+                                        <p:attrNameLst>
+                                          <p:attrName>style.visibility</p:attrName>
+                                        </p:attrNameLst>
+                                      </p:cBhvr>
+                                      <p:to>
+                                        <p:strVal val="visible"/>
+                                      </p:to>
+                                    </p:set>
+                                    <p:animEffect transition="in" filter="fade">
+                                      <p:cBhvr>
+                                        <p:cTn id="25" dur="500"/>
+                                        <p:tgtEl>
+                                          <p:spTgt spid="14">
+                                            <p:txEl>
+                                              <p:pRg st="1" end="1"/>
+                                            </p:txEl>
+                                          </p:spTgt>
+                                        </p:tgtEl>
+                                      </p:cBhvr>
+                                    </p:animEffect>
+                                  </p:childTnLst>
+                                </p:cTn>
+                              </p:par>
+                            </p:childTnLst>
+                          </p:cTn>
+                        </p:par>
+                      </p:childTnLst>
+                    </p:cTn>
+                  </p:par>
+                  <p:par>
+                    <p:cTn id="26" fill="hold">
+                      <p:stCondLst>
+                        <p:cond delay="indefinite"/>
+                      </p:stCondLst>
+                      <p:childTnLst>
+                        <p:par>
+                          <p:cTn id="27" fill="hold">
+                            <p:stCondLst>
+                              <p:cond delay="0"/>
+                            </p:stCondLst>
+                            <p:childTnLst>
+                              <p:par>
+                                <p:cTn id="28" presetID="10" presetClass="entr" presetSubtype="0" fill="hold" nodeType="clickEffect">
+                                  <p:stCondLst>
+                                    <p:cond delay="0"/>
+                                  </p:stCondLst>
+                                  <p:childTnLst>
+                                    <p:set>
+                                      <p:cBhvr>
+                                        <p:cTn id="29" dur="1" fill="hold">
+                                          <p:stCondLst>
+                                            <p:cond delay="0"/>
+                                          </p:stCondLst>
+                                        </p:cTn>
+                                        <p:tgtEl>
+                                          <p:spTgt spid="14">
+                                            <p:txEl>
+                                              <p:pRg st="2" end="2"/>
+                                            </p:txEl>
+                                          </p:spTgt>
+                                        </p:tgtEl>
+                                        <p:attrNameLst>
+                                          <p:attrName>style.visibility</p:attrName>
+                                        </p:attrNameLst>
+                                      </p:cBhvr>
+                                      <p:to>
+                                        <p:strVal val="visible"/>
+                                      </p:to>
+                                    </p:set>
+                                    <p:animEffect transition="in" filter="fade">
+                                      <p:cBhvr>
+                                        <p:cTn id="30" dur="500"/>
+                                        <p:tgtEl>
+                                          <p:spTgt spid="14">
+                                            <p:txEl>
+                                              <p:pRg st="2" end="2"/>
+                                            </p:txEl>
+                                          </p:spTgt>
+                                        </p:tgtEl>
+                                      </p:cBhvr>
+                                    </p:animEffect>
+                                  </p:childTnLst>
+                                </p:cTn>
+                              </p:par>
+                            </p:childTnLst>
+                          </p:cTn>
+                        </p:par>
+                      </p:childTnLst>
+                    </p:cTn>
+                  </p:par>
+                  <p:par>
+                    <p:cTn id="31" fill="hold">
+                      <p:stCondLst>
+                        <p:cond delay="indefinite"/>
+                      </p:stCondLst>
+                      <p:childTnLst>
+                        <p:par>
+                          <p:cTn id="32" fill="hold">
+                            <p:stCondLst>
+                              <p:cond delay="0"/>
+                            </p:stCondLst>
+                            <p:childTnLst>
+                              <p:par>
+                                <p:cTn id="33" presetID="10" presetClass="entr" presetSubtype="0" fill="hold" nodeType="clickEffect">
+                                  <p:stCondLst>
+                                    <p:cond delay="0"/>
+                                  </p:stCondLst>
+                                  <p:childTnLst>
+                                    <p:set>
+                                      <p:cBhvr>
+                                        <p:cTn id="34" dur="1" fill="hold">
+                                          <p:stCondLst>
+                                            <p:cond delay="0"/>
+                                          </p:stCondLst>
+                                        </p:cTn>
+                                        <p:tgtEl>
+                                          <p:spTgt spid="14">
+                                            <p:txEl>
+                                              <p:pRg st="3" end="3"/>
+                                            </p:txEl>
+                                          </p:spTgt>
+                                        </p:tgtEl>
+                                        <p:attrNameLst>
+                                          <p:attrName>style.visibility</p:attrName>
+                                        </p:attrNameLst>
+                                      </p:cBhvr>
+                                      <p:to>
+                                        <p:strVal val="visible"/>
+                                      </p:to>
+                                    </p:set>
+                                    <p:animEffect transition="in" filter="fade">
+                                      <p:cBhvr>
+                                        <p:cTn id="35" dur="500"/>
+                                        <p:tgtEl>
+                                          <p:spTgt spid="14">
+                                            <p:txEl>
+                                              <p:pRg st="3" end="3"/>
+                                            </p:txEl>
+                                          </p:spTgt>
+                                        </p:tgtEl>
+                                      </p:cBhvr>
+                                    </p:animEffect>
+                                  </p:childTnLst>
+                                </p:cTn>
+                              </p:par>
+                            </p:childTnLst>
+                          </p:cTn>
+                        </p:par>
+                      </p:childTnLst>
+                    </p:cTn>
+                  </p:par>
+                  <p:par>
+                    <p:cTn id="36" fill="hold">
+                      <p:stCondLst>
+                        <p:cond delay="indefinite"/>
+                      </p:stCondLst>
+                      <p:childTnLst>
+                        <p:par>
+                          <p:cTn id="37" fill="hold">
+                            <p:stCondLst>
+                              <p:cond delay="0"/>
+                            </p:stCondLst>
+                            <p:childTnLst>
+                              <p:par>
+                                <p:cTn id="38" presetID="10" presetClass="entr" presetSubtype="0" fill="hold" grpId="0" nodeType="clickEffect">
+                                  <p:stCondLst>
+                                    <p:cond delay="0"/>
+                                  </p:stCondLst>
+                                  <p:childTnLst>
+                                    <p:set>
+                                      <p:cBhvr>
+                                        <p:cTn id="39" dur="1" fill="hold">
+                                          <p:stCondLst>
+                                            <p:cond delay="0"/>
+                                          </p:stCondLst>
+                                        </p:cTn>
+                                        <p:tgtEl>
+                                          <p:spTgt spid="15"/>
+                                        </p:tgtEl>
+                                        <p:attrNameLst>
+                                          <p:attrName>style.visibility</p:attrName>
+                                        </p:attrNameLst>
+                                      </p:cBhvr>
+                                      <p:to>
+                                        <p:strVal val="visible"/>
+                                      </p:to>
+                                    </p:set>
+                                    <p:animEffect transition="in" filter="fade">
+                                      <p:cBhvr>
+                                        <p:cTn id="40" dur="500"/>
+                                        <p:tgtEl>
+                                          <p:spTgt spid="15"/>
+                                        </p:tgtEl>
+                                      </p:cBhvr>
+                                    </p:animEffect>
+                                  </p:childTnLst>
+                                </p:cTn>
+                              </p:par>
+                            </p:childTnLst>
+                          </p:cTn>
+                        </p:par>
+                      </p:childTnLst>
+                    </p:cTn>
+                  </p:par>
+                </p:childTnLst>
+              </p:cTn>
+              <p:prevCondLst>
+                <p:cond evt="onPrev" delay="0">
+                  <p:tgtEl>
+                    <p:sldTgt/>
+                  </p:tgtEl>
+                </p:cond>
+              </p:prevCondLst>
+              <p:nextCondLst>
+                <p:cond evt="onNext" delay="0">
+                  <p:tgtEl>
+                    <p:sldTgt/>
+                  </p:tgtEl>
+                </p:cond>
+              </p:nextCondLst>
+            </p:seq>
+          </p:childTnLst>
+        </p:cTn>
+      </p:par>
+    </p:tnLst>
+    <p:bldLst>
+      <p:bldP spid="15" grpId="0"/>
+    </p:bldLst>
+  </p:timing>
 </p:sld>
 </file>
 
@@ -4729,6 +5467,222 @@
           </a:p>
         </p:txBody>
       </p:sp>
+      <p:sp>
+        <p:nvSpPr>
+          <p:cNvPr id="3" name="Content Placeholder 2">
+            <a:extLst>
+              <a:ext uri="{FF2B5EF4-FFF2-40B4-BE49-F238E27FC236}">
+                <a16:creationId xmlns:a16="http://schemas.microsoft.com/office/drawing/2014/main" id="{9EB59DE7-50ED-1C7D-EF0E-039B5ACF6AE4}"/>
+              </a:ext>
+            </a:extLst>
+          </p:cNvPr>
+          <p:cNvSpPr txBox="1">
+            <a:spLocks/>
+          </p:cNvSpPr>
+          <p:nvPr/>
+        </p:nvSpPr>
+        <p:spPr>
+          <a:xfrm>
+            <a:off x="6341105" y="4868968"/>
+            <a:ext cx="4771030" cy="1469369"/>
+          </a:xfrm>
+          <a:prstGeom prst="rect">
+            <a:avLst/>
+          </a:prstGeom>
+        </p:spPr>
+        <p:txBody>
+          <a:bodyPr vert="horz" lIns="91440" tIns="45720" rIns="91440" bIns="45720" rtlCol="0" anchor="ctr">
+            <a:normAutofit/>
+          </a:bodyPr>
+          <a:lstStyle>
+            <a:lvl1pPr marL="228600" indent="-228600" algn="l" defTabSz="914400" rtl="0" eaLnBrk="1" latinLnBrk="0" hangingPunct="1">
+              <a:lnSpc>
+                <a:spcPct val="90000"/>
+              </a:lnSpc>
+              <a:spcBef>
+                <a:spcPts val="1000"/>
+              </a:spcBef>
+              <a:buFont typeface="Arial" panose="020B0604020202020204" pitchFamily="34" charset="0"/>
+              <a:buChar char="•"/>
+              <a:defRPr sz="2800" kern="1200">
+                <a:solidFill>
+                  <a:schemeClr val="tx1"/>
+                </a:solidFill>
+                <a:latin typeface="+mn-lt"/>
+                <a:ea typeface="+mn-ea"/>
+                <a:cs typeface="+mn-cs"/>
+              </a:defRPr>
+            </a:lvl1pPr>
+            <a:lvl2pPr marL="685800" indent="-228600" algn="l" defTabSz="914400" rtl="0" eaLnBrk="1" latinLnBrk="0" hangingPunct="1">
+              <a:lnSpc>
+                <a:spcPct val="90000"/>
+              </a:lnSpc>
+              <a:spcBef>
+                <a:spcPts val="500"/>
+              </a:spcBef>
+              <a:buFont typeface="Arial" panose="020B0604020202020204" pitchFamily="34" charset="0"/>
+              <a:buChar char="•"/>
+              <a:defRPr sz="2400" kern="1200">
+                <a:solidFill>
+                  <a:schemeClr val="tx1"/>
+                </a:solidFill>
+                <a:latin typeface="+mn-lt"/>
+                <a:ea typeface="+mn-ea"/>
+                <a:cs typeface="+mn-cs"/>
+              </a:defRPr>
+            </a:lvl2pPr>
+            <a:lvl3pPr marL="1143000" indent="-228600" algn="l" defTabSz="914400" rtl="0" eaLnBrk="1" latinLnBrk="0" hangingPunct="1">
+              <a:lnSpc>
+                <a:spcPct val="90000"/>
+              </a:lnSpc>
+              <a:spcBef>
+                <a:spcPts val="500"/>
+              </a:spcBef>
+              <a:buFont typeface="Arial" panose="020B0604020202020204" pitchFamily="34" charset="0"/>
+              <a:buChar char="•"/>
+              <a:defRPr sz="2000" kern="1200">
+                <a:solidFill>
+                  <a:schemeClr val="tx1"/>
+                </a:solidFill>
+                <a:latin typeface="+mn-lt"/>
+                <a:ea typeface="+mn-ea"/>
+                <a:cs typeface="+mn-cs"/>
+              </a:defRPr>
+            </a:lvl3pPr>
+            <a:lvl4pPr marL="1600200" indent="-228600" algn="l" defTabSz="914400" rtl="0" eaLnBrk="1" latinLnBrk="0" hangingPunct="1">
+              <a:lnSpc>
+                <a:spcPct val="90000"/>
+              </a:lnSpc>
+              <a:spcBef>
+                <a:spcPts val="500"/>
+              </a:spcBef>
+              <a:buFont typeface="Arial" panose="020B0604020202020204" pitchFamily="34" charset="0"/>
+              <a:buChar char="•"/>
+              <a:defRPr sz="1800" kern="1200">
+                <a:solidFill>
+                  <a:schemeClr val="tx1"/>
+                </a:solidFill>
+                <a:latin typeface="+mn-lt"/>
+                <a:ea typeface="+mn-ea"/>
+                <a:cs typeface="+mn-cs"/>
+              </a:defRPr>
+            </a:lvl4pPr>
+            <a:lvl5pPr marL="2057400" indent="-228600" algn="l" defTabSz="914400" rtl="0" eaLnBrk="1" latinLnBrk="0" hangingPunct="1">
+              <a:lnSpc>
+                <a:spcPct val="90000"/>
+              </a:lnSpc>
+              <a:spcBef>
+                <a:spcPts val="500"/>
+              </a:spcBef>
+              <a:buFont typeface="Arial" panose="020B0604020202020204" pitchFamily="34" charset="0"/>
+              <a:buChar char="•"/>
+              <a:defRPr sz="1800" kern="1200">
+                <a:solidFill>
+                  <a:schemeClr val="tx1"/>
+                </a:solidFill>
+                <a:latin typeface="+mn-lt"/>
+                <a:ea typeface="+mn-ea"/>
+                <a:cs typeface="+mn-cs"/>
+              </a:defRPr>
+            </a:lvl5pPr>
+            <a:lvl6pPr marL="2514600" indent="-228600" algn="l" defTabSz="914400" rtl="0" eaLnBrk="1" latinLnBrk="0" hangingPunct="1">
+              <a:lnSpc>
+                <a:spcPct val="90000"/>
+              </a:lnSpc>
+              <a:spcBef>
+                <a:spcPts val="500"/>
+              </a:spcBef>
+              <a:buFont typeface="Arial" panose="020B0604020202020204" pitchFamily="34" charset="0"/>
+              <a:buChar char="•"/>
+              <a:defRPr sz="1800" kern="1200">
+                <a:solidFill>
+                  <a:schemeClr val="tx1"/>
+                </a:solidFill>
+                <a:latin typeface="+mn-lt"/>
+                <a:ea typeface="+mn-ea"/>
+                <a:cs typeface="+mn-cs"/>
+              </a:defRPr>
+            </a:lvl6pPr>
+            <a:lvl7pPr marL="2971800" indent="-228600" algn="l" defTabSz="914400" rtl="0" eaLnBrk="1" latinLnBrk="0" hangingPunct="1">
+              <a:lnSpc>
+                <a:spcPct val="90000"/>
+              </a:lnSpc>
+              <a:spcBef>
+                <a:spcPts val="500"/>
+              </a:spcBef>
+              <a:buFont typeface="Arial" panose="020B0604020202020204" pitchFamily="34" charset="0"/>
+              <a:buChar char="•"/>
+              <a:defRPr sz="1800" kern="1200">
+                <a:solidFill>
+                  <a:schemeClr val="tx1"/>
+                </a:solidFill>
+                <a:latin typeface="+mn-lt"/>
+                <a:ea typeface="+mn-ea"/>
+                <a:cs typeface="+mn-cs"/>
+              </a:defRPr>
+            </a:lvl7pPr>
+            <a:lvl8pPr marL="3429000" indent="-228600" algn="l" defTabSz="914400" rtl="0" eaLnBrk="1" latinLnBrk="0" hangingPunct="1">
+              <a:lnSpc>
+                <a:spcPct val="90000"/>
+              </a:lnSpc>
+              <a:spcBef>
+                <a:spcPts val="500"/>
+              </a:spcBef>
+              <a:buFont typeface="Arial" panose="020B0604020202020204" pitchFamily="34" charset="0"/>
+              <a:buChar char="•"/>
+              <a:defRPr sz="1800" kern="1200">
+                <a:solidFill>
+                  <a:schemeClr val="tx1"/>
+                </a:solidFill>
+                <a:latin typeface="+mn-lt"/>
+                <a:ea typeface="+mn-ea"/>
+                <a:cs typeface="+mn-cs"/>
+              </a:defRPr>
+            </a:lvl8pPr>
+            <a:lvl9pPr marL="3886200" indent="-228600" algn="l" defTabSz="914400" rtl="0" eaLnBrk="1" latinLnBrk="0" hangingPunct="1">
+              <a:lnSpc>
+                <a:spcPct val="90000"/>
+              </a:lnSpc>
+              <a:spcBef>
+                <a:spcPts val="500"/>
+              </a:spcBef>
+              <a:buFont typeface="Arial" panose="020B0604020202020204" pitchFamily="34" charset="0"/>
+              <a:buChar char="•"/>
+              <a:defRPr sz="1800" kern="1200">
+                <a:solidFill>
+                  <a:schemeClr val="tx1"/>
+                </a:solidFill>
+                <a:latin typeface="+mn-lt"/>
+                <a:ea typeface="+mn-ea"/>
+                <a:cs typeface="+mn-cs"/>
+              </a:defRPr>
+            </a:lvl9pPr>
+          </a:lstStyle>
+          <a:p>
+            <a:pPr marL="0" indent="0" algn="ctr">
+              <a:buFont typeface="Arial" panose="020B0604020202020204" pitchFamily="34" charset="0"/>
+              <a:buNone/>
+            </a:pPr>
+            <a:r>
+              <a:rPr lang="tr-TR" sz="8800" dirty="0">
+                <a:solidFill>
+                  <a:srgbClr val="FF0000"/>
+                </a:solidFill>
+                <a:latin typeface="Euclid Circular B" panose="020B0504000000000000" pitchFamily="34" charset="0"/>
+                <a:ea typeface="Euclid Circular B" panose="020B0504000000000000" pitchFamily="34" charset="0"/>
+              </a:rPr>
+              <a:t>DEMO</a:t>
+            </a:r>
+            <a:endParaRPr lang="en-US" sz="8800" dirty="0">
+              <a:solidFill>
+                <a:srgbClr val="FF0000"/>
+              </a:solidFill>
+              <a:latin typeface="Euclid Circular B" panose="020B0504000000000000" pitchFamily="34" charset="0"/>
+              <a:ea typeface="Euclid Circular B" panose="020B0504000000000000" pitchFamily="34" charset="0"/>
+            </a:endParaRPr>
+          </a:p>
+        </p:txBody>
+      </p:sp>
     </p:spTree>
     <p:extLst>
       <p:ext uri="{BB962C8B-B14F-4D97-AF65-F5344CB8AC3E}">
@@ -4739,6 +5693,328 @@
   <p:clrMapOvr>
     <a:masterClrMapping/>
   </p:clrMapOvr>
+  <p:timing>
+    <p:tnLst>
+      <p:par>
+        <p:cTn id="1" dur="indefinite" restart="never" nodeType="tmRoot">
+          <p:childTnLst>
+            <p:seq concurrent="1" nextAc="seek">
+              <p:cTn id="2" dur="indefinite" nodeType="mainSeq">
+                <p:childTnLst>
+                  <p:par>
+                    <p:cTn id="3" fill="hold">
+                      <p:stCondLst>
+                        <p:cond delay="indefinite"/>
+                      </p:stCondLst>
+                      <p:childTnLst>
+                        <p:par>
+                          <p:cTn id="4" fill="hold">
+                            <p:stCondLst>
+                              <p:cond delay="0"/>
+                            </p:stCondLst>
+                            <p:childTnLst>
+                              <p:par>
+                                <p:cTn id="5" presetID="10" presetClass="entr" presetSubtype="0" fill="hold" nodeType="clickEffect">
+                                  <p:stCondLst>
+                                    <p:cond delay="0"/>
+                                  </p:stCondLst>
+                                  <p:childTnLst>
+                                    <p:set>
+                                      <p:cBhvr>
+                                        <p:cTn id="6" dur="1" fill="hold">
+                                          <p:stCondLst>
+                                            <p:cond delay="0"/>
+                                          </p:stCondLst>
+                                        </p:cTn>
+                                        <p:tgtEl>
+                                          <p:spTgt spid="7">
+                                            <p:txEl>
+                                              <p:pRg st="0" end="0"/>
+                                            </p:txEl>
+                                          </p:spTgt>
+                                        </p:tgtEl>
+                                        <p:attrNameLst>
+                                          <p:attrName>style.visibility</p:attrName>
+                                        </p:attrNameLst>
+                                      </p:cBhvr>
+                                      <p:to>
+                                        <p:strVal val="visible"/>
+                                      </p:to>
+                                    </p:set>
+                                    <p:animEffect transition="in" filter="fade">
+                                      <p:cBhvr>
+                                        <p:cTn id="7" dur="500"/>
+                                        <p:tgtEl>
+                                          <p:spTgt spid="7">
+                                            <p:txEl>
+                                              <p:pRg st="0" end="0"/>
+                                            </p:txEl>
+                                          </p:spTgt>
+                                        </p:tgtEl>
+                                      </p:cBhvr>
+                                    </p:animEffect>
+                                  </p:childTnLst>
+                                </p:cTn>
+                              </p:par>
+                            </p:childTnLst>
+                          </p:cTn>
+                        </p:par>
+                      </p:childTnLst>
+                    </p:cTn>
+                  </p:par>
+                  <p:par>
+                    <p:cTn id="8" fill="hold">
+                      <p:stCondLst>
+                        <p:cond delay="indefinite"/>
+                      </p:stCondLst>
+                      <p:childTnLst>
+                        <p:par>
+                          <p:cTn id="9" fill="hold">
+                            <p:stCondLst>
+                              <p:cond delay="0"/>
+                            </p:stCondLst>
+                            <p:childTnLst>
+                              <p:par>
+                                <p:cTn id="10" presetID="10" presetClass="entr" presetSubtype="0" fill="hold" nodeType="clickEffect">
+                                  <p:stCondLst>
+                                    <p:cond delay="0"/>
+                                  </p:stCondLst>
+                                  <p:childTnLst>
+                                    <p:set>
+                                      <p:cBhvr>
+                                        <p:cTn id="11" dur="1" fill="hold">
+                                          <p:stCondLst>
+                                            <p:cond delay="0"/>
+                                          </p:stCondLst>
+                                        </p:cTn>
+                                        <p:tgtEl>
+                                          <p:spTgt spid="7">
+                                            <p:txEl>
+                                              <p:pRg st="1" end="1"/>
+                                            </p:txEl>
+                                          </p:spTgt>
+                                        </p:tgtEl>
+                                        <p:attrNameLst>
+                                          <p:attrName>style.visibility</p:attrName>
+                                        </p:attrNameLst>
+                                      </p:cBhvr>
+                                      <p:to>
+                                        <p:strVal val="visible"/>
+                                      </p:to>
+                                    </p:set>
+                                    <p:animEffect transition="in" filter="fade">
+                                      <p:cBhvr>
+                                        <p:cTn id="12" dur="500"/>
+                                        <p:tgtEl>
+                                          <p:spTgt spid="7">
+                                            <p:txEl>
+                                              <p:pRg st="1" end="1"/>
+                                            </p:txEl>
+                                          </p:spTgt>
+                                        </p:tgtEl>
+                                      </p:cBhvr>
+                                    </p:animEffect>
+                                  </p:childTnLst>
+                                </p:cTn>
+                              </p:par>
+                            </p:childTnLst>
+                          </p:cTn>
+                        </p:par>
+                      </p:childTnLst>
+                    </p:cTn>
+                  </p:par>
+                  <p:par>
+                    <p:cTn id="13" fill="hold">
+                      <p:stCondLst>
+                        <p:cond delay="indefinite"/>
+                      </p:stCondLst>
+                      <p:childTnLst>
+                        <p:par>
+                          <p:cTn id="14" fill="hold">
+                            <p:stCondLst>
+                              <p:cond delay="0"/>
+                            </p:stCondLst>
+                            <p:childTnLst>
+                              <p:par>
+                                <p:cTn id="15" presetID="10" presetClass="entr" presetSubtype="0" fill="hold" nodeType="clickEffect">
+                                  <p:stCondLst>
+                                    <p:cond delay="0"/>
+                                  </p:stCondLst>
+                                  <p:childTnLst>
+                                    <p:set>
+                                      <p:cBhvr>
+                                        <p:cTn id="16" dur="1" fill="hold">
+                                          <p:stCondLst>
+                                            <p:cond delay="0"/>
+                                          </p:stCondLst>
+                                        </p:cTn>
+                                        <p:tgtEl>
+                                          <p:spTgt spid="7">
+                                            <p:txEl>
+                                              <p:pRg st="2" end="2"/>
+                                            </p:txEl>
+                                          </p:spTgt>
+                                        </p:tgtEl>
+                                        <p:attrNameLst>
+                                          <p:attrName>style.visibility</p:attrName>
+                                        </p:attrNameLst>
+                                      </p:cBhvr>
+                                      <p:to>
+                                        <p:strVal val="visible"/>
+                                      </p:to>
+                                    </p:set>
+                                    <p:animEffect transition="in" filter="fade">
+                                      <p:cBhvr>
+                                        <p:cTn id="17" dur="500"/>
+                                        <p:tgtEl>
+                                          <p:spTgt spid="7">
+                                            <p:txEl>
+                                              <p:pRg st="2" end="2"/>
+                                            </p:txEl>
+                                          </p:spTgt>
+                                        </p:tgtEl>
+                                      </p:cBhvr>
+                                    </p:animEffect>
+                                  </p:childTnLst>
+                                </p:cTn>
+                              </p:par>
+                            </p:childTnLst>
+                          </p:cTn>
+                        </p:par>
+                      </p:childTnLst>
+                    </p:cTn>
+                  </p:par>
+                  <p:par>
+                    <p:cTn id="18" fill="hold">
+                      <p:stCondLst>
+                        <p:cond delay="indefinite"/>
+                      </p:stCondLst>
+                      <p:childTnLst>
+                        <p:par>
+                          <p:cTn id="19" fill="hold">
+                            <p:stCondLst>
+                              <p:cond delay="0"/>
+                            </p:stCondLst>
+                            <p:childTnLst>
+                              <p:par>
+                                <p:cTn id="20" presetID="10" presetClass="entr" presetSubtype="0" fill="hold" nodeType="clickEffect">
+                                  <p:stCondLst>
+                                    <p:cond delay="0"/>
+                                  </p:stCondLst>
+                                  <p:childTnLst>
+                                    <p:set>
+                                      <p:cBhvr>
+                                        <p:cTn id="21" dur="1" fill="hold">
+                                          <p:stCondLst>
+                                            <p:cond delay="0"/>
+                                          </p:stCondLst>
+                                        </p:cTn>
+                                        <p:tgtEl>
+                                          <p:spTgt spid="1028"/>
+                                        </p:tgtEl>
+                                        <p:attrNameLst>
+                                          <p:attrName>style.visibility</p:attrName>
+                                        </p:attrNameLst>
+                                      </p:cBhvr>
+                                      <p:to>
+                                        <p:strVal val="visible"/>
+                                      </p:to>
+                                    </p:set>
+                                    <p:animEffect transition="in" filter="fade">
+                                      <p:cBhvr>
+                                        <p:cTn id="22" dur="500"/>
+                                        <p:tgtEl>
+                                          <p:spTgt spid="1028"/>
+                                        </p:tgtEl>
+                                      </p:cBhvr>
+                                    </p:animEffect>
+                                  </p:childTnLst>
+                                </p:cTn>
+                              </p:par>
+                            </p:childTnLst>
+                          </p:cTn>
+                        </p:par>
+                      </p:childTnLst>
+                    </p:cTn>
+                  </p:par>
+                  <p:par>
+                    <p:cTn id="23" fill="hold">
+                      <p:stCondLst>
+                        <p:cond delay="indefinite"/>
+                      </p:stCondLst>
+                      <p:childTnLst>
+                        <p:par>
+                          <p:cTn id="24" fill="hold">
+                            <p:stCondLst>
+                              <p:cond delay="0"/>
+                            </p:stCondLst>
+                            <p:childTnLst>
+                              <p:par>
+                                <p:cTn id="25" presetID="10" presetClass="entr" presetSubtype="0" fill="hold" grpId="0" nodeType="clickEffect">
+                                  <p:stCondLst>
+                                    <p:cond delay="0"/>
+                                  </p:stCondLst>
+                                  <p:childTnLst>
+                                    <p:set>
+                                      <p:cBhvr>
+                                        <p:cTn id="26" dur="1" fill="hold">
+                                          <p:stCondLst>
+                                            <p:cond delay="0"/>
+                                          </p:stCondLst>
+                                        </p:cTn>
+                                        <p:tgtEl>
+                                          <p:spTgt spid="3"/>
+                                        </p:tgtEl>
+                                        <p:attrNameLst>
+                                          <p:attrName>style.visibility</p:attrName>
+                                        </p:attrNameLst>
+                                      </p:cBhvr>
+                                      <p:to>
+                                        <p:strVal val="visible"/>
+                                      </p:to>
+                                    </p:set>
+                                    <p:animEffect transition="in" filter="fade">
+                                      <p:cBhvr>
+                                        <p:cTn id="27" dur="500"/>
+                                        <p:tgtEl>
+                                          <p:spTgt spid="3"/>
+                                        </p:tgtEl>
+                                      </p:cBhvr>
+                                    </p:animEffect>
+                                  </p:childTnLst>
+                                </p:cTn>
+                              </p:par>
+                            </p:childTnLst>
+                          </p:cTn>
+                        </p:par>
+                      </p:childTnLst>
+                    </p:cTn>
+                  </p:par>
+                </p:childTnLst>
+              </p:cTn>
+              <p:prevCondLst>
+                <p:cond evt="onPrev" delay="0">
+                  <p:tgtEl>
+                    <p:sldTgt/>
+                  </p:tgtEl>
+                </p:cond>
+              </p:prevCondLst>
+              <p:nextCondLst>
+                <p:cond evt="onNext" delay="0">
+                  <p:tgtEl>
+                    <p:sldTgt/>
+                  </p:tgtEl>
+                </p:cond>
+              </p:nextCondLst>
+            </p:seq>
+          </p:childTnLst>
+        </p:cTn>
+      </p:par>
+    </p:tnLst>
+    <p:bldLst>
+      <p:bldP spid="3" grpId="0"/>
+    </p:bldLst>
+  </p:timing>
 </p:sld>
 </file>
 
@@ -4847,6 +6123,89 @@
   <p:clrMapOvr>
     <a:masterClrMapping/>
   </p:clrMapOvr>
+  <p:timing>
+    <p:tnLst>
+      <p:par>
+        <p:cTn id="1" dur="indefinite" restart="never" nodeType="tmRoot">
+          <p:childTnLst>
+            <p:seq concurrent="1" nextAc="seek">
+              <p:cTn id="2" dur="indefinite" nodeType="mainSeq">
+                <p:childTnLst>
+                  <p:par>
+                    <p:cTn id="3" fill="hold">
+                      <p:stCondLst>
+                        <p:cond delay="indefinite"/>
+                      </p:stCondLst>
+                      <p:childTnLst>
+                        <p:par>
+                          <p:cTn id="4" fill="hold">
+                            <p:stCondLst>
+                              <p:cond delay="0"/>
+                            </p:stCondLst>
+                            <p:childTnLst>
+                              <p:par>
+                                <p:cTn id="5" presetID="10" presetClass="entr" presetSubtype="0" fill="hold" nodeType="clickEffect">
+                                  <p:stCondLst>
+                                    <p:cond delay="0"/>
+                                  </p:stCondLst>
+                                  <p:childTnLst>
+                                    <p:set>
+                                      <p:cBhvr>
+                                        <p:cTn id="6" dur="1" fill="hold">
+                                          <p:stCondLst>
+                                            <p:cond delay="0"/>
+                                          </p:stCondLst>
+                                        </p:cTn>
+                                        <p:tgtEl>
+                                          <p:spTgt spid="17"/>
+                                        </p:tgtEl>
+                                        <p:attrNameLst>
+                                          <p:attrName>style.visibility</p:attrName>
+                                        </p:attrNameLst>
+                                      </p:cBhvr>
+                                      <p:to>
+                                        <p:strVal val="visible"/>
+                                      </p:to>
+                                    </p:set>
+                                    <p:animEffect transition="in" filter="fade">
+                                      <p:cBhvr>
+                                        <p:cTn id="7" dur="500"/>
+                                        <p:tgtEl>
+                                          <p:spTgt spid="17"/>
+                                        </p:tgtEl>
+                                      </p:cBhvr>
+                                    </p:animEffect>
+                                  </p:childTnLst>
+                                </p:cTn>
+                              </p:par>
+                            </p:childTnLst>
+                          </p:cTn>
+                        </p:par>
+                      </p:childTnLst>
+                    </p:cTn>
+                  </p:par>
+                </p:childTnLst>
+              </p:cTn>
+              <p:prevCondLst>
+                <p:cond evt="onPrev" delay="0">
+                  <p:tgtEl>
+                    <p:sldTgt/>
+                  </p:tgtEl>
+                </p:cond>
+              </p:prevCondLst>
+              <p:nextCondLst>
+                <p:cond evt="onNext" delay="0">
+                  <p:tgtEl>
+                    <p:sldTgt/>
+                  </p:tgtEl>
+                </p:cond>
+              </p:nextCondLst>
+            </p:seq>
+          </p:childTnLst>
+        </p:cTn>
+      </p:par>
+    </p:tnLst>
+  </p:timing>
 </p:sld>
 </file>
 
@@ -4955,6 +6314,89 @@
   <p:clrMapOvr>
     <a:masterClrMapping/>
   </p:clrMapOvr>
+  <p:timing>
+    <p:tnLst>
+      <p:par>
+        <p:cTn id="1" dur="indefinite" restart="never" nodeType="tmRoot">
+          <p:childTnLst>
+            <p:seq concurrent="1" nextAc="seek">
+              <p:cTn id="2" dur="indefinite" nodeType="mainSeq">
+                <p:childTnLst>
+                  <p:par>
+                    <p:cTn id="3" fill="hold">
+                      <p:stCondLst>
+                        <p:cond delay="indefinite"/>
+                      </p:stCondLst>
+                      <p:childTnLst>
+                        <p:par>
+                          <p:cTn id="4" fill="hold">
+                            <p:stCondLst>
+                              <p:cond delay="0"/>
+                            </p:stCondLst>
+                            <p:childTnLst>
+                              <p:par>
+                                <p:cTn id="5" presetID="10" presetClass="entr" presetSubtype="0" fill="hold" nodeType="clickEffect">
+                                  <p:stCondLst>
+                                    <p:cond delay="0"/>
+                                  </p:stCondLst>
+                                  <p:childTnLst>
+                                    <p:set>
+                                      <p:cBhvr>
+                                        <p:cTn id="6" dur="1" fill="hold">
+                                          <p:stCondLst>
+                                            <p:cond delay="0"/>
+                                          </p:stCondLst>
+                                        </p:cTn>
+                                        <p:tgtEl>
+                                          <p:spTgt spid="7"/>
+                                        </p:tgtEl>
+                                        <p:attrNameLst>
+                                          <p:attrName>style.visibility</p:attrName>
+                                        </p:attrNameLst>
+                                      </p:cBhvr>
+                                      <p:to>
+                                        <p:strVal val="visible"/>
+                                      </p:to>
+                                    </p:set>
+                                    <p:animEffect transition="in" filter="fade">
+                                      <p:cBhvr>
+                                        <p:cTn id="7" dur="500"/>
+                                        <p:tgtEl>
+                                          <p:spTgt spid="7"/>
+                                        </p:tgtEl>
+                                      </p:cBhvr>
+                                    </p:animEffect>
+                                  </p:childTnLst>
+                                </p:cTn>
+                              </p:par>
+                            </p:childTnLst>
+                          </p:cTn>
+                        </p:par>
+                      </p:childTnLst>
+                    </p:cTn>
+                  </p:par>
+                </p:childTnLst>
+              </p:cTn>
+              <p:prevCondLst>
+                <p:cond evt="onPrev" delay="0">
+                  <p:tgtEl>
+                    <p:sldTgt/>
+                  </p:tgtEl>
+                </p:cond>
+              </p:prevCondLst>
+              <p:nextCondLst>
+                <p:cond evt="onNext" delay="0">
+                  <p:tgtEl>
+                    <p:sldTgt/>
+                  </p:tgtEl>
+                </p:cond>
+              </p:nextCondLst>
+            </p:seq>
+          </p:childTnLst>
+        </p:cTn>
+      </p:par>
+    </p:tnLst>
+  </p:timing>
 </p:sld>
 </file>
 
@@ -5110,6 +6552,142 @@
   <p:clrMapOvr>
     <a:masterClrMapping/>
   </p:clrMapOvr>
+  <p:timing>
+    <p:tnLst>
+      <p:par>
+        <p:cTn id="1" dur="indefinite" restart="never" nodeType="tmRoot">
+          <p:childTnLst>
+            <p:seq concurrent="1" nextAc="seek">
+              <p:cTn id="2" dur="indefinite" nodeType="mainSeq">
+                <p:childTnLst>
+                  <p:par>
+                    <p:cTn id="3" fill="hold">
+                      <p:stCondLst>
+                        <p:cond delay="indefinite"/>
+                      </p:stCondLst>
+                      <p:childTnLst>
+                        <p:par>
+                          <p:cTn id="4" fill="hold">
+                            <p:stCondLst>
+                              <p:cond delay="0"/>
+                            </p:stCondLst>
+                            <p:childTnLst>
+                              <p:par>
+                                <p:cTn id="5" presetID="10" presetClass="entr" presetSubtype="0" fill="hold" nodeType="clickEffect">
+                                  <p:stCondLst>
+                                    <p:cond delay="0"/>
+                                  </p:stCondLst>
+                                  <p:childTnLst>
+                                    <p:set>
+                                      <p:cBhvr>
+                                        <p:cTn id="6" dur="1" fill="hold">
+                                          <p:stCondLst>
+                                            <p:cond delay="0"/>
+                                          </p:stCondLst>
+                                        </p:cTn>
+                                        <p:tgtEl>
+                                          <p:spTgt spid="7"/>
+                                        </p:tgtEl>
+                                        <p:attrNameLst>
+                                          <p:attrName>style.visibility</p:attrName>
+                                        </p:attrNameLst>
+                                      </p:cBhvr>
+                                      <p:to>
+                                        <p:strVal val="visible"/>
+                                      </p:to>
+                                    </p:set>
+                                    <p:animEffect transition="in" filter="fade">
+                                      <p:cBhvr>
+                                        <p:cTn id="7" dur="500"/>
+                                        <p:tgtEl>
+                                          <p:spTgt spid="7"/>
+                                        </p:tgtEl>
+                                      </p:cBhvr>
+                                    </p:animEffect>
+                                  </p:childTnLst>
+                                </p:cTn>
+                              </p:par>
+                            </p:childTnLst>
+                          </p:cTn>
+                        </p:par>
+                      </p:childTnLst>
+                    </p:cTn>
+                  </p:par>
+                  <p:par>
+                    <p:cTn id="8" fill="hold">
+                      <p:stCondLst>
+                        <p:cond delay="indefinite"/>
+                      </p:stCondLst>
+                      <p:childTnLst>
+                        <p:par>
+                          <p:cTn id="9" fill="hold">
+                            <p:stCondLst>
+                              <p:cond delay="0"/>
+                            </p:stCondLst>
+                            <p:childTnLst>
+                              <p:par>
+                                <p:cTn id="10" presetID="10" presetClass="entr" presetSubtype="0" fill="hold" nodeType="clickEffect">
+                                  <p:stCondLst>
+                                    <p:cond delay="0"/>
+                                  </p:stCondLst>
+                                  <p:childTnLst>
+                                    <p:set>
+                                      <p:cBhvr>
+                                        <p:cTn id="11" dur="1" fill="hold">
+                                          <p:stCondLst>
+                                            <p:cond delay="0"/>
+                                          </p:stCondLst>
+                                        </p:cTn>
+                                        <p:tgtEl>
+                                          <p:spTgt spid="15"/>
+                                        </p:tgtEl>
+                                        <p:attrNameLst>
+                                          <p:attrName>style.visibility</p:attrName>
+                                        </p:attrNameLst>
+                                      </p:cBhvr>
+                                      <p:to>
+                                        <p:strVal val="visible"/>
+                                      </p:to>
+                                    </p:set>
+                                    <p:animEffect transition="in" filter="fade">
+                                      <p:cBhvr>
+                                        <p:cTn id="12" dur="500"/>
+                                        <p:tgtEl>
+                                          <p:spTgt spid="15"/>
+                                        </p:tgtEl>
+                                      </p:cBhvr>
+                                    </p:animEffect>
+                                  </p:childTnLst>
+                                </p:cTn>
+                              </p:par>
+                            </p:childTnLst>
+                          </p:cTn>
+                        </p:par>
+                      </p:childTnLst>
+                    </p:cTn>
+                  </p:par>
+                </p:childTnLst>
+              </p:cTn>
+              <p:prevCondLst>
+                <p:cond evt="onPrev" delay="0">
+                  <p:tgtEl>
+                    <p:sldTgt/>
+                  </p:tgtEl>
+                </p:cond>
+              </p:prevCondLst>
+              <p:nextCondLst>
+                <p:cond evt="onNext" delay="0">
+                  <p:tgtEl>
+                    <p:sldTgt/>
+                  </p:tgtEl>
+                </p:cond>
+              </p:nextCondLst>
+            </p:seq>
+          </p:childTnLst>
+        </p:cTn>
+      </p:par>
+    </p:tnLst>
+  </p:timing>
 </p:sld>
 </file>
 
@@ -5335,6 +6913,248 @@
   <p:clrMapOvr>
     <a:masterClrMapping/>
   </p:clrMapOvr>
+  <p:timing>
+    <p:tnLst>
+      <p:par>
+        <p:cTn id="1" dur="indefinite" restart="never" nodeType="tmRoot">
+          <p:childTnLst>
+            <p:seq concurrent="1" nextAc="seek">
+              <p:cTn id="2" dur="indefinite" nodeType="mainSeq">
+                <p:childTnLst>
+                  <p:par>
+                    <p:cTn id="3" fill="hold">
+                      <p:stCondLst>
+                        <p:cond delay="indefinite"/>
+                      </p:stCondLst>
+                      <p:childTnLst>
+                        <p:par>
+                          <p:cTn id="4" fill="hold">
+                            <p:stCondLst>
+                              <p:cond delay="0"/>
+                            </p:stCondLst>
+                            <p:childTnLst>
+                              <p:par>
+                                <p:cTn id="5" presetID="10" presetClass="entr" presetSubtype="0" fill="hold" nodeType="clickEffect">
+                                  <p:stCondLst>
+                                    <p:cond delay="0"/>
+                                  </p:stCondLst>
+                                  <p:childTnLst>
+                                    <p:set>
+                                      <p:cBhvr>
+                                        <p:cTn id="6" dur="1" fill="hold">
+                                          <p:stCondLst>
+                                            <p:cond delay="0"/>
+                                          </p:stCondLst>
+                                        </p:cTn>
+                                        <p:tgtEl>
+                                          <p:spTgt spid="9"/>
+                                        </p:tgtEl>
+                                        <p:attrNameLst>
+                                          <p:attrName>style.visibility</p:attrName>
+                                        </p:attrNameLst>
+                                      </p:cBhvr>
+                                      <p:to>
+                                        <p:strVal val="visible"/>
+                                      </p:to>
+                                    </p:set>
+                                    <p:animEffect transition="in" filter="fade">
+                                      <p:cBhvr>
+                                        <p:cTn id="7" dur="500"/>
+                                        <p:tgtEl>
+                                          <p:spTgt spid="9"/>
+                                        </p:tgtEl>
+                                      </p:cBhvr>
+                                    </p:animEffect>
+                                  </p:childTnLst>
+                                </p:cTn>
+                              </p:par>
+                            </p:childTnLst>
+                          </p:cTn>
+                        </p:par>
+                      </p:childTnLst>
+                    </p:cTn>
+                  </p:par>
+                  <p:par>
+                    <p:cTn id="8" fill="hold">
+                      <p:stCondLst>
+                        <p:cond delay="indefinite"/>
+                      </p:stCondLst>
+                      <p:childTnLst>
+                        <p:par>
+                          <p:cTn id="9" fill="hold">
+                            <p:stCondLst>
+                              <p:cond delay="0"/>
+                            </p:stCondLst>
+                            <p:childTnLst>
+                              <p:par>
+                                <p:cTn id="10" presetID="10" presetClass="entr" presetSubtype="0" fill="hold" nodeType="clickEffect">
+                                  <p:stCondLst>
+                                    <p:cond delay="0"/>
+                                  </p:stCondLst>
+                                  <p:childTnLst>
+                                    <p:set>
+                                      <p:cBhvr>
+                                        <p:cTn id="11" dur="1" fill="hold">
+                                          <p:stCondLst>
+                                            <p:cond delay="0"/>
+                                          </p:stCondLst>
+                                        </p:cTn>
+                                        <p:tgtEl>
+                                          <p:spTgt spid="11"/>
+                                        </p:tgtEl>
+                                        <p:attrNameLst>
+                                          <p:attrName>style.visibility</p:attrName>
+                                        </p:attrNameLst>
+                                      </p:cBhvr>
+                                      <p:to>
+                                        <p:strVal val="visible"/>
+                                      </p:to>
+                                    </p:set>
+                                    <p:animEffect transition="in" filter="fade">
+                                      <p:cBhvr>
+                                        <p:cTn id="12" dur="500"/>
+                                        <p:tgtEl>
+                                          <p:spTgt spid="11"/>
+                                        </p:tgtEl>
+                                      </p:cBhvr>
+                                    </p:animEffect>
+                                  </p:childTnLst>
+                                </p:cTn>
+                              </p:par>
+                            </p:childTnLst>
+                          </p:cTn>
+                        </p:par>
+                      </p:childTnLst>
+                    </p:cTn>
+                  </p:par>
+                  <p:par>
+                    <p:cTn id="13" fill="hold">
+                      <p:stCondLst>
+                        <p:cond delay="indefinite"/>
+                      </p:stCondLst>
+                      <p:childTnLst>
+                        <p:par>
+                          <p:cTn id="14" fill="hold">
+                            <p:stCondLst>
+                              <p:cond delay="0"/>
+                            </p:stCondLst>
+                            <p:childTnLst>
+                              <p:par>
+                                <p:cTn id="15" presetID="10" presetClass="entr" presetSubtype="0" fill="hold" nodeType="clickEffect">
+                                  <p:stCondLst>
+                                    <p:cond delay="0"/>
+                                  </p:stCondLst>
+                                  <p:childTnLst>
+                                    <p:set>
+                                      <p:cBhvr>
+                                        <p:cTn id="16" dur="1" fill="hold">
+                                          <p:stCondLst>
+                                            <p:cond delay="0"/>
+                                          </p:stCondLst>
+                                        </p:cTn>
+                                        <p:tgtEl>
+                                          <p:spTgt spid="13"/>
+                                        </p:tgtEl>
+                                        <p:attrNameLst>
+                                          <p:attrName>style.visibility</p:attrName>
+                                        </p:attrNameLst>
+                                      </p:cBhvr>
+                                      <p:to>
+                                        <p:strVal val="visible"/>
+                                      </p:to>
+                                    </p:set>
+                                    <p:animEffect transition="in" filter="fade">
+                                      <p:cBhvr>
+                                        <p:cTn id="17" dur="500"/>
+                                        <p:tgtEl>
+                                          <p:spTgt spid="13"/>
+                                        </p:tgtEl>
+                                      </p:cBhvr>
+                                    </p:animEffect>
+                                  </p:childTnLst>
+                                </p:cTn>
+                              </p:par>
+                            </p:childTnLst>
+                          </p:cTn>
+                        </p:par>
+                      </p:childTnLst>
+                    </p:cTn>
+                  </p:par>
+                  <p:par>
+                    <p:cTn id="18" fill="hold">
+                      <p:stCondLst>
+                        <p:cond delay="indefinite"/>
+                      </p:stCondLst>
+                      <p:childTnLst>
+                        <p:par>
+                          <p:cTn id="19" fill="hold">
+                            <p:stCondLst>
+                              <p:cond delay="0"/>
+                            </p:stCondLst>
+                            <p:childTnLst>
+                              <p:par>
+                                <p:cTn id="20" presetID="10" presetClass="entr" presetSubtype="0" fill="hold" nodeType="clickEffect">
+                                  <p:stCondLst>
+                                    <p:cond delay="0"/>
+                                  </p:stCondLst>
+                                  <p:childTnLst>
+                                    <p:set>
+                                      <p:cBhvr>
+                                        <p:cTn id="21" dur="1" fill="hold">
+                                          <p:stCondLst>
+                                            <p:cond delay="0"/>
+                                          </p:stCondLst>
+                                        </p:cTn>
+                                        <p:tgtEl>
+                                          <p:spTgt spid="15"/>
+                                        </p:tgtEl>
+                                        <p:attrNameLst>
+                                          <p:attrName>style.visibility</p:attrName>
+                                        </p:attrNameLst>
+                                      </p:cBhvr>
+                                      <p:to>
+                                        <p:strVal val="visible"/>
+                                      </p:to>
+                                    </p:set>
+                                    <p:animEffect transition="in" filter="fade">
+                                      <p:cBhvr>
+                                        <p:cTn id="22" dur="500"/>
+                                        <p:tgtEl>
+                                          <p:spTgt spid="15"/>
+                                        </p:tgtEl>
+                                      </p:cBhvr>
+                                    </p:animEffect>
+                                  </p:childTnLst>
+                                </p:cTn>
+                              </p:par>
+                            </p:childTnLst>
+                          </p:cTn>
+                        </p:par>
+                      </p:childTnLst>
+                    </p:cTn>
+                  </p:par>
+                </p:childTnLst>
+              </p:cTn>
+              <p:prevCondLst>
+                <p:cond evt="onPrev" delay="0">
+                  <p:tgtEl>
+                    <p:sldTgt/>
+                  </p:tgtEl>
+                </p:cond>
+              </p:prevCondLst>
+              <p:nextCondLst>
+                <p:cond evt="onNext" delay="0">
+                  <p:tgtEl>
+                    <p:sldTgt/>
+                  </p:tgtEl>
+                </p:cond>
+              </p:nextCondLst>
+            </p:seq>
+          </p:childTnLst>
+        </p:cTn>
+      </p:par>
+    </p:tnLst>
+  </p:timing>
 </p:sld>
 </file>
 
@@ -5832,6 +7652,158 @@
   <p:clrMapOvr>
     <a:masterClrMapping/>
   </p:clrMapOvr>
+  <p:timing>
+    <p:tnLst>
+      <p:par>
+        <p:cTn id="1" dur="indefinite" restart="never" nodeType="tmRoot">
+          <p:childTnLst>
+            <p:seq concurrent="1" nextAc="seek">
+              <p:cTn id="2" dur="indefinite" nodeType="mainSeq">
+                <p:childTnLst>
+                  <p:par>
+                    <p:cTn id="3" fill="hold">
+                      <p:stCondLst>
+                        <p:cond delay="indefinite"/>
+                      </p:stCondLst>
+                      <p:childTnLst>
+                        <p:par>
+                          <p:cTn id="4" fill="hold">
+                            <p:stCondLst>
+                              <p:cond delay="0"/>
+                            </p:stCondLst>
+                            <p:childTnLst>
+                              <p:par>
+                                <p:cTn id="5" presetID="10" presetClass="entr" presetSubtype="0" fill="hold" nodeType="clickEffect">
+                                  <p:stCondLst>
+                                    <p:cond delay="0"/>
+                                  </p:stCondLst>
+                                  <p:childTnLst>
+                                    <p:set>
+                                      <p:cBhvr>
+                                        <p:cTn id="6" dur="1" fill="hold">
+                                          <p:stCondLst>
+                                            <p:cond delay="0"/>
+                                          </p:stCondLst>
+                                        </p:cTn>
+                                        <p:tgtEl>
+                                          <p:spTgt spid="17">
+                                            <p:txEl>
+                                              <p:pRg st="0" end="0"/>
+                                            </p:txEl>
+                                          </p:spTgt>
+                                        </p:tgtEl>
+                                        <p:attrNameLst>
+                                          <p:attrName>style.visibility</p:attrName>
+                                        </p:attrNameLst>
+                                      </p:cBhvr>
+                                      <p:to>
+                                        <p:strVal val="visible"/>
+                                      </p:to>
+                                    </p:set>
+                                    <p:animEffect transition="in" filter="fade">
+                                      <p:cBhvr>
+                                        <p:cTn id="7" dur="500"/>
+                                        <p:tgtEl>
+                                          <p:spTgt spid="17">
+                                            <p:txEl>
+                                              <p:pRg st="0" end="0"/>
+                                            </p:txEl>
+                                          </p:spTgt>
+                                        </p:tgtEl>
+                                      </p:cBhvr>
+                                    </p:animEffect>
+                                  </p:childTnLst>
+                                </p:cTn>
+                              </p:par>
+                            </p:childTnLst>
+                          </p:cTn>
+                        </p:par>
+                      </p:childTnLst>
+                    </p:cTn>
+                  </p:par>
+                  <p:par>
+                    <p:cTn id="8" fill="hold">
+                      <p:stCondLst>
+                        <p:cond delay="indefinite"/>
+                      </p:stCondLst>
+                      <p:childTnLst>
+                        <p:par>
+                          <p:cTn id="9" fill="hold">
+                            <p:stCondLst>
+                              <p:cond delay="0"/>
+                            </p:stCondLst>
+                            <p:childTnLst>
+                              <p:par>
+                                <p:cTn id="10" presetID="10" presetClass="entr" presetSubtype="0" fill="hold" nodeType="clickEffect">
+                                  <p:stCondLst>
+                                    <p:cond delay="0"/>
+                                  </p:stCondLst>
+                                  <p:childTnLst>
+                                    <p:set>
+                                      <p:cBhvr>
+                                        <p:cTn id="11" dur="1" fill="hold">
+                                          <p:stCondLst>
+                                            <p:cond delay="0"/>
+                                          </p:stCondLst>
+                                        </p:cTn>
+                                        <p:tgtEl>
+                                          <p:spTgt spid="17">
+                                            <p:txEl>
+                                              <p:pRg st="1" end="1"/>
+                                            </p:txEl>
+                                          </p:spTgt>
+                                        </p:tgtEl>
+                                        <p:attrNameLst>
+                                          <p:attrName>style.visibility</p:attrName>
+                                        </p:attrNameLst>
+                                      </p:cBhvr>
+                                      <p:to>
+                                        <p:strVal val="visible"/>
+                                      </p:to>
+                                    </p:set>
+                                    <p:animEffect transition="in" filter="fade">
+                                      <p:cBhvr>
+                                        <p:cTn id="12" dur="500"/>
+                                        <p:tgtEl>
+                                          <p:spTgt spid="17">
+                                            <p:txEl>
+                                              <p:pRg st="1" end="1"/>
+                                            </p:txEl>
+                                          </p:spTgt>
+                                        </p:tgtEl>
+                                      </p:cBhvr>
+                                    </p:animEffect>
+                                  </p:childTnLst>
+                                </p:cTn>
+                              </p:par>
+                            </p:childTnLst>
+                          </p:cTn>
+                        </p:par>
+                      </p:childTnLst>
+                    </p:cTn>
+                  </p:par>
+                </p:childTnLst>
+              </p:cTn>
+              <p:prevCondLst>
+                <p:cond evt="onPrev" delay="0">
+                  <p:tgtEl>
+                    <p:sldTgt/>
+                  </p:tgtEl>
+                </p:cond>
+              </p:prevCondLst>
+              <p:nextCondLst>
+                <p:cond evt="onNext" delay="0">
+                  <p:tgtEl>
+                    <p:sldTgt/>
+                  </p:tgtEl>
+                </p:cond>
+              </p:nextCondLst>
+            </p:seq>
+          </p:childTnLst>
+        </p:cTn>
+      </p:par>
+    </p:tnLst>
+  </p:timing>
 </p:sld>
 </file>
 
@@ -6036,6 +8008,264 @@
   <p:clrMapOvr>
     <a:masterClrMapping/>
   </p:clrMapOvr>
+  <p:timing>
+    <p:tnLst>
+      <p:par>
+        <p:cTn id="1" dur="indefinite" restart="never" nodeType="tmRoot">
+          <p:childTnLst>
+            <p:seq concurrent="1" nextAc="seek">
+              <p:cTn id="2" dur="indefinite" nodeType="mainSeq">
+                <p:childTnLst>
+                  <p:par>
+                    <p:cTn id="3" fill="hold">
+                      <p:stCondLst>
+                        <p:cond delay="indefinite"/>
+                      </p:stCondLst>
+                      <p:childTnLst>
+                        <p:par>
+                          <p:cTn id="4" fill="hold">
+                            <p:stCondLst>
+                              <p:cond delay="0"/>
+                            </p:stCondLst>
+                            <p:childTnLst>
+                              <p:par>
+                                <p:cTn id="5" presetID="10" presetClass="entr" presetSubtype="0" fill="hold" nodeType="clickEffect">
+                                  <p:stCondLst>
+                                    <p:cond delay="0"/>
+                                  </p:stCondLst>
+                                  <p:childTnLst>
+                                    <p:set>
+                                      <p:cBhvr>
+                                        <p:cTn id="6" dur="1" fill="hold">
+                                          <p:stCondLst>
+                                            <p:cond delay="0"/>
+                                          </p:stCondLst>
+                                        </p:cTn>
+                                        <p:tgtEl>
+                                          <p:spTgt spid="3">
+                                            <p:txEl>
+                                              <p:pRg st="0" end="0"/>
+                                            </p:txEl>
+                                          </p:spTgt>
+                                        </p:tgtEl>
+                                        <p:attrNameLst>
+                                          <p:attrName>style.visibility</p:attrName>
+                                        </p:attrNameLst>
+                                      </p:cBhvr>
+                                      <p:to>
+                                        <p:strVal val="visible"/>
+                                      </p:to>
+                                    </p:set>
+                                    <p:animEffect transition="in" filter="fade">
+                                      <p:cBhvr>
+                                        <p:cTn id="7" dur="500"/>
+                                        <p:tgtEl>
+                                          <p:spTgt spid="3">
+                                            <p:txEl>
+                                              <p:pRg st="0" end="0"/>
+                                            </p:txEl>
+                                          </p:spTgt>
+                                        </p:tgtEl>
+                                      </p:cBhvr>
+                                    </p:animEffect>
+                                  </p:childTnLst>
+                                </p:cTn>
+                              </p:par>
+                            </p:childTnLst>
+                          </p:cTn>
+                        </p:par>
+                      </p:childTnLst>
+                    </p:cTn>
+                  </p:par>
+                  <p:par>
+                    <p:cTn id="8" fill="hold">
+                      <p:stCondLst>
+                        <p:cond delay="indefinite"/>
+                      </p:stCondLst>
+                      <p:childTnLst>
+                        <p:par>
+                          <p:cTn id="9" fill="hold">
+                            <p:stCondLst>
+                              <p:cond delay="0"/>
+                            </p:stCondLst>
+                            <p:childTnLst>
+                              <p:par>
+                                <p:cTn id="10" presetID="10" presetClass="entr" presetSubtype="0" fill="hold" nodeType="clickEffect">
+                                  <p:stCondLst>
+                                    <p:cond delay="0"/>
+                                  </p:stCondLst>
+                                  <p:childTnLst>
+                                    <p:set>
+                                      <p:cBhvr>
+                                        <p:cTn id="11" dur="1" fill="hold">
+                                          <p:stCondLst>
+                                            <p:cond delay="0"/>
+                                          </p:stCondLst>
+                                        </p:cTn>
+                                        <p:tgtEl>
+                                          <p:spTgt spid="5"/>
+                                        </p:tgtEl>
+                                        <p:attrNameLst>
+                                          <p:attrName>style.visibility</p:attrName>
+                                        </p:attrNameLst>
+                                      </p:cBhvr>
+                                      <p:to>
+                                        <p:strVal val="visible"/>
+                                      </p:to>
+                                    </p:set>
+                                    <p:animEffect transition="in" filter="fade">
+                                      <p:cBhvr>
+                                        <p:cTn id="12" dur="500"/>
+                                        <p:tgtEl>
+                                          <p:spTgt spid="5"/>
+                                        </p:tgtEl>
+                                      </p:cBhvr>
+                                    </p:animEffect>
+                                  </p:childTnLst>
+                                </p:cTn>
+                              </p:par>
+                            </p:childTnLst>
+                          </p:cTn>
+                        </p:par>
+                      </p:childTnLst>
+                    </p:cTn>
+                  </p:par>
+                  <p:par>
+                    <p:cTn id="13" fill="hold">
+                      <p:stCondLst>
+                        <p:cond delay="indefinite"/>
+                      </p:stCondLst>
+                      <p:childTnLst>
+                        <p:par>
+                          <p:cTn id="14" fill="hold">
+                            <p:stCondLst>
+                              <p:cond delay="0"/>
+                            </p:stCondLst>
+                            <p:childTnLst>
+                              <p:par>
+                                <p:cTn id="15" presetID="10" presetClass="entr" presetSubtype="0" fill="hold" nodeType="clickEffect">
+                                  <p:stCondLst>
+                                    <p:cond delay="0"/>
+                                  </p:stCondLst>
+                                  <p:childTnLst>
+                                    <p:set>
+                                      <p:cBhvr>
+                                        <p:cTn id="16" dur="1" fill="hold">
+                                          <p:stCondLst>
+                                            <p:cond delay="0"/>
+                                          </p:stCondLst>
+                                        </p:cTn>
+                                        <p:tgtEl>
+                                          <p:spTgt spid="3">
+                                            <p:txEl>
+                                              <p:pRg st="2" end="2"/>
+                                            </p:txEl>
+                                          </p:spTgt>
+                                        </p:tgtEl>
+                                        <p:attrNameLst>
+                                          <p:attrName>style.visibility</p:attrName>
+                                        </p:attrNameLst>
+                                      </p:cBhvr>
+                                      <p:to>
+                                        <p:strVal val="visible"/>
+                                      </p:to>
+                                    </p:set>
+                                    <p:animEffect transition="in" filter="fade">
+                                      <p:cBhvr>
+                                        <p:cTn id="17" dur="500"/>
+                                        <p:tgtEl>
+                                          <p:spTgt spid="3">
+                                            <p:txEl>
+                                              <p:pRg st="2" end="2"/>
+                                            </p:txEl>
+                                          </p:spTgt>
+                                        </p:tgtEl>
+                                      </p:cBhvr>
+                                    </p:animEffect>
+                                  </p:childTnLst>
+                                </p:cTn>
+                              </p:par>
+                            </p:childTnLst>
+                          </p:cTn>
+                        </p:par>
+                      </p:childTnLst>
+                    </p:cTn>
+                  </p:par>
+                  <p:par>
+                    <p:cTn id="18" fill="hold">
+                      <p:stCondLst>
+                        <p:cond delay="indefinite"/>
+                      </p:stCondLst>
+                      <p:childTnLst>
+                        <p:par>
+                          <p:cTn id="19" fill="hold">
+                            <p:stCondLst>
+                              <p:cond delay="0"/>
+                            </p:stCondLst>
+                            <p:childTnLst>
+                              <p:par>
+                                <p:cTn id="20" presetID="10" presetClass="entr" presetSubtype="0" fill="hold" nodeType="clickEffect">
+                                  <p:stCondLst>
+                                    <p:cond delay="0"/>
+                                  </p:stCondLst>
+                                  <p:childTnLst>
+                                    <p:set>
+                                      <p:cBhvr>
+                                        <p:cTn id="21" dur="1" fill="hold">
+                                          <p:stCondLst>
+                                            <p:cond delay="0"/>
+                                          </p:stCondLst>
+                                        </p:cTn>
+                                        <p:tgtEl>
+                                          <p:spTgt spid="7"/>
+                                        </p:tgtEl>
+                                        <p:attrNameLst>
+                                          <p:attrName>style.visibility</p:attrName>
+                                        </p:attrNameLst>
+                                      </p:cBhvr>
+                                      <p:to>
+                                        <p:strVal val="visible"/>
+                                      </p:to>
+                                    </p:set>
+                                    <p:animEffect transition="in" filter="fade">
+                                      <p:cBhvr>
+                                        <p:cTn id="22" dur="500"/>
+                                        <p:tgtEl>
+                                          <p:spTgt spid="7"/>
+                                        </p:tgtEl>
+                                      </p:cBhvr>
+                                    </p:animEffect>
+                                  </p:childTnLst>
+                                </p:cTn>
+                              </p:par>
+                            </p:childTnLst>
+                          </p:cTn>
+                        </p:par>
+                      </p:childTnLst>
+                    </p:cTn>
+                  </p:par>
+                </p:childTnLst>
+              </p:cTn>
+              <p:prevCondLst>
+                <p:cond evt="onPrev" delay="0">
+                  <p:tgtEl>
+                    <p:sldTgt/>
+                  </p:tgtEl>
+                </p:cond>
+              </p:prevCondLst>
+              <p:nextCondLst>
+                <p:cond evt="onNext" delay="0">
+                  <p:tgtEl>
+                    <p:sldTgt/>
+                  </p:tgtEl>
+                </p:cond>
+              </p:nextCondLst>
+            </p:seq>
+          </p:childTnLst>
+        </p:cTn>
+      </p:par>
+    </p:tnLst>
+  </p:timing>
 </p:sld>
 </file>
 
@@ -6820,6 +9050,402 @@
   <p:clrMapOvr>
     <a:masterClrMapping/>
   </p:clrMapOvr>
+  <p:timing>
+    <p:tnLst>
+      <p:par>
+        <p:cTn id="1" dur="indefinite" restart="never" nodeType="tmRoot">
+          <p:childTnLst>
+            <p:seq concurrent="1" nextAc="seek">
+              <p:cTn id="2" dur="indefinite" nodeType="mainSeq">
+                <p:childTnLst>
+                  <p:par>
+                    <p:cTn id="3" fill="hold">
+                      <p:stCondLst>
+                        <p:cond delay="indefinite"/>
+                      </p:stCondLst>
+                      <p:childTnLst>
+                        <p:par>
+                          <p:cTn id="4" fill="hold">
+                            <p:stCondLst>
+                              <p:cond delay="0"/>
+                            </p:stCondLst>
+                            <p:childTnLst>
+                              <p:par>
+                                <p:cTn id="5" presetID="10" presetClass="entr" presetSubtype="0" fill="hold" nodeType="clickEffect">
+                                  <p:stCondLst>
+                                    <p:cond delay="0"/>
+                                  </p:stCondLst>
+                                  <p:childTnLst>
+                                    <p:set>
+                                      <p:cBhvr>
+                                        <p:cTn id="6" dur="1" fill="hold">
+                                          <p:stCondLst>
+                                            <p:cond delay="0"/>
+                                          </p:stCondLst>
+                                        </p:cTn>
+                                        <p:tgtEl>
+                                          <p:spTgt spid="3">
+                                            <p:txEl>
+                                              <p:pRg st="0" end="0"/>
+                                            </p:txEl>
+                                          </p:spTgt>
+                                        </p:tgtEl>
+                                        <p:attrNameLst>
+                                          <p:attrName>style.visibility</p:attrName>
+                                        </p:attrNameLst>
+                                      </p:cBhvr>
+                                      <p:to>
+                                        <p:strVal val="visible"/>
+                                      </p:to>
+                                    </p:set>
+                                    <p:animEffect transition="in" filter="fade">
+                                      <p:cBhvr>
+                                        <p:cTn id="7" dur="500"/>
+                                        <p:tgtEl>
+                                          <p:spTgt spid="3">
+                                            <p:txEl>
+                                              <p:pRg st="0" end="0"/>
+                                            </p:txEl>
+                                          </p:spTgt>
+                                        </p:tgtEl>
+                                      </p:cBhvr>
+                                    </p:animEffect>
+                                  </p:childTnLst>
+                                </p:cTn>
+                              </p:par>
+                            </p:childTnLst>
+                          </p:cTn>
+                        </p:par>
+                      </p:childTnLst>
+                    </p:cTn>
+                  </p:par>
+                  <p:par>
+                    <p:cTn id="8" fill="hold">
+                      <p:stCondLst>
+                        <p:cond delay="indefinite"/>
+                      </p:stCondLst>
+                      <p:childTnLst>
+                        <p:par>
+                          <p:cTn id="9" fill="hold">
+                            <p:stCondLst>
+                              <p:cond delay="0"/>
+                            </p:stCondLst>
+                            <p:childTnLst>
+                              <p:par>
+                                <p:cTn id="10" presetID="10" presetClass="entr" presetSubtype="0" fill="hold" nodeType="clickEffect">
+                                  <p:stCondLst>
+                                    <p:cond delay="0"/>
+                                  </p:stCondLst>
+                                  <p:childTnLst>
+                                    <p:set>
+                                      <p:cBhvr>
+                                        <p:cTn id="11" dur="1" fill="hold">
+                                          <p:stCondLst>
+                                            <p:cond delay="0"/>
+                                          </p:stCondLst>
+                                        </p:cTn>
+                                        <p:tgtEl>
+                                          <p:spTgt spid="3">
+                                            <p:txEl>
+                                              <p:pRg st="1" end="1"/>
+                                            </p:txEl>
+                                          </p:spTgt>
+                                        </p:tgtEl>
+                                        <p:attrNameLst>
+                                          <p:attrName>style.visibility</p:attrName>
+                                        </p:attrNameLst>
+                                      </p:cBhvr>
+                                      <p:to>
+                                        <p:strVal val="visible"/>
+                                      </p:to>
+                                    </p:set>
+                                    <p:animEffect transition="in" filter="fade">
+                                      <p:cBhvr>
+                                        <p:cTn id="12" dur="500"/>
+                                        <p:tgtEl>
+                                          <p:spTgt spid="3">
+                                            <p:txEl>
+                                              <p:pRg st="1" end="1"/>
+                                            </p:txEl>
+                                          </p:spTgt>
+                                        </p:tgtEl>
+                                      </p:cBhvr>
+                                    </p:animEffect>
+                                  </p:childTnLst>
+                                </p:cTn>
+                              </p:par>
+                            </p:childTnLst>
+                          </p:cTn>
+                        </p:par>
+                      </p:childTnLst>
+                    </p:cTn>
+                  </p:par>
+                  <p:par>
+                    <p:cTn id="13" fill="hold">
+                      <p:stCondLst>
+                        <p:cond delay="indefinite"/>
+                      </p:stCondLst>
+                      <p:childTnLst>
+                        <p:par>
+                          <p:cTn id="14" fill="hold">
+                            <p:stCondLst>
+                              <p:cond delay="0"/>
+                            </p:stCondLst>
+                            <p:childTnLst>
+                              <p:par>
+                                <p:cTn id="15" presetID="10" presetClass="entr" presetSubtype="0" fill="hold" nodeType="clickEffect">
+                                  <p:stCondLst>
+                                    <p:cond delay="0"/>
+                                  </p:stCondLst>
+                                  <p:childTnLst>
+                                    <p:set>
+                                      <p:cBhvr>
+                                        <p:cTn id="16" dur="1" fill="hold">
+                                          <p:stCondLst>
+                                            <p:cond delay="0"/>
+                                          </p:stCondLst>
+                                        </p:cTn>
+                                        <p:tgtEl>
+                                          <p:spTgt spid="3">
+                                            <p:txEl>
+                                              <p:pRg st="2" end="2"/>
+                                            </p:txEl>
+                                          </p:spTgt>
+                                        </p:tgtEl>
+                                        <p:attrNameLst>
+                                          <p:attrName>style.visibility</p:attrName>
+                                        </p:attrNameLst>
+                                      </p:cBhvr>
+                                      <p:to>
+                                        <p:strVal val="visible"/>
+                                      </p:to>
+                                    </p:set>
+                                    <p:animEffect transition="in" filter="fade">
+                                      <p:cBhvr>
+                                        <p:cTn id="17" dur="500"/>
+                                        <p:tgtEl>
+                                          <p:spTgt spid="3">
+                                            <p:txEl>
+                                              <p:pRg st="2" end="2"/>
+                                            </p:txEl>
+                                          </p:spTgt>
+                                        </p:tgtEl>
+                                      </p:cBhvr>
+                                    </p:animEffect>
+                                  </p:childTnLst>
+                                </p:cTn>
+                              </p:par>
+                            </p:childTnLst>
+                          </p:cTn>
+                        </p:par>
+                      </p:childTnLst>
+                    </p:cTn>
+                  </p:par>
+                  <p:par>
+                    <p:cTn id="18" fill="hold">
+                      <p:stCondLst>
+                        <p:cond delay="indefinite"/>
+                      </p:stCondLst>
+                      <p:childTnLst>
+                        <p:par>
+                          <p:cTn id="19" fill="hold">
+                            <p:stCondLst>
+                              <p:cond delay="0"/>
+                            </p:stCondLst>
+                            <p:childTnLst>
+                              <p:par>
+                                <p:cTn id="20" presetID="10" presetClass="entr" presetSubtype="0" fill="hold" nodeType="clickEffect">
+                                  <p:stCondLst>
+                                    <p:cond delay="0"/>
+                                  </p:stCondLst>
+                                  <p:childTnLst>
+                                    <p:set>
+                                      <p:cBhvr>
+                                        <p:cTn id="21" dur="1" fill="hold">
+                                          <p:stCondLst>
+                                            <p:cond delay="0"/>
+                                          </p:stCondLst>
+                                        </p:cTn>
+                                        <p:tgtEl>
+                                          <p:spTgt spid="3">
+                                            <p:txEl>
+                                              <p:pRg st="3" end="3"/>
+                                            </p:txEl>
+                                          </p:spTgt>
+                                        </p:tgtEl>
+                                        <p:attrNameLst>
+                                          <p:attrName>style.visibility</p:attrName>
+                                        </p:attrNameLst>
+                                      </p:cBhvr>
+                                      <p:to>
+                                        <p:strVal val="visible"/>
+                                      </p:to>
+                                    </p:set>
+                                    <p:animEffect transition="in" filter="fade">
+                                      <p:cBhvr>
+                                        <p:cTn id="22" dur="500"/>
+                                        <p:tgtEl>
+                                          <p:spTgt spid="3">
+                                            <p:txEl>
+                                              <p:pRg st="3" end="3"/>
+                                            </p:txEl>
+                                          </p:spTgt>
+                                        </p:tgtEl>
+                                      </p:cBhvr>
+                                    </p:animEffect>
+                                  </p:childTnLst>
+                                </p:cTn>
+                              </p:par>
+                            </p:childTnLst>
+                          </p:cTn>
+                        </p:par>
+                      </p:childTnLst>
+                    </p:cTn>
+                  </p:par>
+                  <p:par>
+                    <p:cTn id="23" fill="hold">
+                      <p:stCondLst>
+                        <p:cond delay="indefinite"/>
+                      </p:stCondLst>
+                      <p:childTnLst>
+                        <p:par>
+                          <p:cTn id="24" fill="hold">
+                            <p:stCondLst>
+                              <p:cond delay="0"/>
+                            </p:stCondLst>
+                            <p:childTnLst>
+                              <p:par>
+                                <p:cTn id="25" presetID="10" presetClass="entr" presetSubtype="0" fill="hold" nodeType="clickEffect">
+                                  <p:stCondLst>
+                                    <p:cond delay="0"/>
+                                  </p:stCondLst>
+                                  <p:childTnLst>
+                                    <p:set>
+                                      <p:cBhvr>
+                                        <p:cTn id="26" dur="1" fill="hold">
+                                          <p:stCondLst>
+                                            <p:cond delay="0"/>
+                                          </p:stCondLst>
+                                        </p:cTn>
+                                        <p:tgtEl>
+                                          <p:spTgt spid="3">
+                                            <p:txEl>
+                                              <p:pRg st="4" end="4"/>
+                                            </p:txEl>
+                                          </p:spTgt>
+                                        </p:tgtEl>
+                                        <p:attrNameLst>
+                                          <p:attrName>style.visibility</p:attrName>
+                                        </p:attrNameLst>
+                                      </p:cBhvr>
+                                      <p:to>
+                                        <p:strVal val="visible"/>
+                                      </p:to>
+                                    </p:set>
+                                    <p:animEffect transition="in" filter="fade">
+                                      <p:cBhvr>
+                                        <p:cTn id="27" dur="500"/>
+                                        <p:tgtEl>
+                                          <p:spTgt spid="3">
+                                            <p:txEl>
+                                              <p:pRg st="4" end="4"/>
+                                            </p:txEl>
+                                          </p:spTgt>
+                                        </p:tgtEl>
+                                      </p:cBhvr>
+                                    </p:animEffect>
+                                  </p:childTnLst>
+                                </p:cTn>
+                              </p:par>
+                            </p:childTnLst>
+                          </p:cTn>
+                        </p:par>
+                      </p:childTnLst>
+                    </p:cTn>
+                  </p:par>
+                  <p:par>
+                    <p:cTn id="28" fill="hold">
+                      <p:stCondLst>
+                        <p:cond delay="indefinite"/>
+                      </p:stCondLst>
+                      <p:childTnLst>
+                        <p:par>
+                          <p:cTn id="29" fill="hold">
+                            <p:stCondLst>
+                              <p:cond delay="0"/>
+                            </p:stCondLst>
+                            <p:childTnLst>
+                              <p:par>
+                                <p:cTn id="30" presetID="10" presetClass="entr" presetSubtype="0" fill="hold" nodeType="clickEffect">
+                                  <p:stCondLst>
+                                    <p:cond delay="0"/>
+                                  </p:stCondLst>
+                                  <p:childTnLst>
+                                    <p:set>
+                                      <p:cBhvr>
+                                        <p:cTn id="31" dur="1" fill="hold">
+                                          <p:stCondLst>
+                                            <p:cond delay="0"/>
+                                          </p:stCondLst>
+                                        </p:cTn>
+                                        <p:tgtEl>
+                                          <p:spTgt spid="3">
+                                            <p:txEl>
+                                              <p:pRg st="5" end="5"/>
+                                            </p:txEl>
+                                          </p:spTgt>
+                                        </p:tgtEl>
+                                        <p:attrNameLst>
+                                          <p:attrName>style.visibility</p:attrName>
+                                        </p:attrNameLst>
+                                      </p:cBhvr>
+                                      <p:to>
+                                        <p:strVal val="visible"/>
+                                      </p:to>
+                                    </p:set>
+                                    <p:animEffect transition="in" filter="fade">
+                                      <p:cBhvr>
+                                        <p:cTn id="32" dur="500"/>
+                                        <p:tgtEl>
+                                          <p:spTgt spid="3">
+                                            <p:txEl>
+                                              <p:pRg st="5" end="5"/>
+                                            </p:txEl>
+                                          </p:spTgt>
+                                        </p:tgtEl>
+                                      </p:cBhvr>
+                                    </p:animEffect>
+                                  </p:childTnLst>
+                                </p:cTn>
+                              </p:par>
+                            </p:childTnLst>
+                          </p:cTn>
+                        </p:par>
+                      </p:childTnLst>
+                    </p:cTn>
+                  </p:par>
+                </p:childTnLst>
+              </p:cTn>
+              <p:prevCondLst>
+                <p:cond evt="onPrev" delay="0">
+                  <p:tgtEl>
+                    <p:sldTgt/>
+                  </p:tgtEl>
+                </p:cond>
+              </p:prevCondLst>
+              <p:nextCondLst>
+                <p:cond evt="onNext" delay="0">
+                  <p:tgtEl>
+                    <p:sldTgt/>
+                  </p:tgtEl>
+                </p:cond>
+              </p:nextCondLst>
+            </p:seq>
+          </p:childTnLst>
+        </p:cTn>
+      </p:par>
+    </p:tnLst>
+  </p:timing>
 </p:sld>
 </file>
 
@@ -6965,6 +9591,142 @@
   <p:clrMapOvr>
     <a:masterClrMapping/>
   </p:clrMapOvr>
+  <p:timing>
+    <p:tnLst>
+      <p:par>
+        <p:cTn id="1" dur="indefinite" restart="never" nodeType="tmRoot">
+          <p:childTnLst>
+            <p:seq concurrent="1" nextAc="seek">
+              <p:cTn id="2" dur="indefinite" nodeType="mainSeq">
+                <p:childTnLst>
+                  <p:par>
+                    <p:cTn id="3" fill="hold">
+                      <p:stCondLst>
+                        <p:cond delay="indefinite"/>
+                      </p:stCondLst>
+                      <p:childTnLst>
+                        <p:par>
+                          <p:cTn id="4" fill="hold">
+                            <p:stCondLst>
+                              <p:cond delay="0"/>
+                            </p:stCondLst>
+                            <p:childTnLst>
+                              <p:par>
+                                <p:cTn id="5" presetID="10" presetClass="entr" presetSubtype="0" fill="hold" nodeType="clickEffect">
+                                  <p:stCondLst>
+                                    <p:cond delay="0"/>
+                                  </p:stCondLst>
+                                  <p:childTnLst>
+                                    <p:set>
+                                      <p:cBhvr>
+                                        <p:cTn id="6" dur="1" fill="hold">
+                                          <p:stCondLst>
+                                            <p:cond delay="0"/>
+                                          </p:stCondLst>
+                                        </p:cTn>
+                                        <p:tgtEl>
+                                          <p:spTgt spid="11"/>
+                                        </p:tgtEl>
+                                        <p:attrNameLst>
+                                          <p:attrName>style.visibility</p:attrName>
+                                        </p:attrNameLst>
+                                      </p:cBhvr>
+                                      <p:to>
+                                        <p:strVal val="visible"/>
+                                      </p:to>
+                                    </p:set>
+                                    <p:animEffect transition="in" filter="fade">
+                                      <p:cBhvr>
+                                        <p:cTn id="7" dur="500"/>
+                                        <p:tgtEl>
+                                          <p:spTgt spid="11"/>
+                                        </p:tgtEl>
+                                      </p:cBhvr>
+                                    </p:animEffect>
+                                  </p:childTnLst>
+                                </p:cTn>
+                              </p:par>
+                            </p:childTnLst>
+                          </p:cTn>
+                        </p:par>
+                      </p:childTnLst>
+                    </p:cTn>
+                  </p:par>
+                  <p:par>
+                    <p:cTn id="8" fill="hold">
+                      <p:stCondLst>
+                        <p:cond delay="indefinite"/>
+                      </p:stCondLst>
+                      <p:childTnLst>
+                        <p:par>
+                          <p:cTn id="9" fill="hold">
+                            <p:stCondLst>
+                              <p:cond delay="0"/>
+                            </p:stCondLst>
+                            <p:childTnLst>
+                              <p:par>
+                                <p:cTn id="10" presetID="10" presetClass="entr" presetSubtype="0" fill="hold" nodeType="clickEffect">
+                                  <p:stCondLst>
+                                    <p:cond delay="0"/>
+                                  </p:stCondLst>
+                                  <p:childTnLst>
+                                    <p:set>
+                                      <p:cBhvr>
+                                        <p:cTn id="11" dur="1" fill="hold">
+                                          <p:stCondLst>
+                                            <p:cond delay="0"/>
+                                          </p:stCondLst>
+                                        </p:cTn>
+                                        <p:tgtEl>
+                                          <p:spTgt spid="13"/>
+                                        </p:tgtEl>
+                                        <p:attrNameLst>
+                                          <p:attrName>style.visibility</p:attrName>
+                                        </p:attrNameLst>
+                                      </p:cBhvr>
+                                      <p:to>
+                                        <p:strVal val="visible"/>
+                                      </p:to>
+                                    </p:set>
+                                    <p:animEffect transition="in" filter="fade">
+                                      <p:cBhvr>
+                                        <p:cTn id="12" dur="500"/>
+                                        <p:tgtEl>
+                                          <p:spTgt spid="13"/>
+                                        </p:tgtEl>
+                                      </p:cBhvr>
+                                    </p:animEffect>
+                                  </p:childTnLst>
+                                </p:cTn>
+                              </p:par>
+                            </p:childTnLst>
+                          </p:cTn>
+                        </p:par>
+                      </p:childTnLst>
+                    </p:cTn>
+                  </p:par>
+                </p:childTnLst>
+              </p:cTn>
+              <p:prevCondLst>
+                <p:cond evt="onPrev" delay="0">
+                  <p:tgtEl>
+                    <p:sldTgt/>
+                  </p:tgtEl>
+                </p:cond>
+              </p:prevCondLst>
+              <p:nextCondLst>
+                <p:cond evt="onNext" delay="0">
+                  <p:tgtEl>
+                    <p:sldTgt/>
+                  </p:tgtEl>
+                </p:cond>
+              </p:nextCondLst>
+            </p:seq>
+          </p:childTnLst>
+        </p:cTn>
+      </p:par>
+    </p:tnLst>
+  </p:timing>
 </p:sld>
 </file>
 
@@ -7136,180 +9898,314 @@
           <a:lstStyle/>
           <a:p>
             <a:r>
-              <a:rPr lang="en-US" b="1" dirty="0">
+              <a:rPr lang="tr-TR" b="1" dirty="0">
                 <a:solidFill>
                   <a:srgbClr val="292D33"/>
                 </a:solidFill>
                 <a:latin typeface="Euclid Circular B" panose="020B0504000000000000" pitchFamily="34" charset="0"/>
                 <a:ea typeface="Euclid Circular B" panose="020B0504000000000000" pitchFamily="34" charset="0"/>
               </a:rPr>
-              <a:t>Thanks!</a:t>
-            </a:r>
-          </a:p>
-        </p:txBody>
-      </p:sp>
-      <p:sp>
-        <p:nvSpPr>
-          <p:cNvPr id="3" name="Content Placeholder 2">
-            <a:extLst>
-              <a:ext uri="{FF2B5EF4-FFF2-40B4-BE49-F238E27FC236}">
-                <a16:creationId xmlns:a16="http://schemas.microsoft.com/office/drawing/2014/main" id="{891C7693-D3DF-4635-96F4-97F3B4136FDF}"/>
-              </a:ext>
-            </a:extLst>
-          </p:cNvPr>
-          <p:cNvSpPr>
-            <a:spLocks noGrp="1"/>
-          </p:cNvSpPr>
-          <p:nvPr>
-            <p:ph idx="1"/>
-          </p:nvPr>
-        </p:nvSpPr>
-        <p:spPr>
-          <a:xfrm>
-            <a:off x="838200" y="1825625"/>
-            <a:ext cx="10515600" cy="4667250"/>
-          </a:xfrm>
-        </p:spPr>
-        <p:txBody>
-          <a:bodyPr>
-            <a:normAutofit/>
-          </a:bodyPr>
-          <a:lstStyle/>
-          <a:p>
-            <a:pPr marL="0" indent="0">
-              <a:buNone/>
-            </a:pPr>
-            <a:r>
-              <a:rPr lang="en-US" sz="2600" b="1" dirty="0">
-                <a:latin typeface="Euclid Circular B" panose="020B0504000000000000" pitchFamily="34" charset="0"/>
-                <a:ea typeface="Euclid Circular B" panose="020B0504000000000000" pitchFamily="34" charset="0"/>
-              </a:rPr>
-              <a:t>Get This Presentation</a:t>
-            </a:r>
-          </a:p>
-          <a:p>
-            <a:pPr marL="0" indent="0">
-              <a:buNone/>
-            </a:pPr>
-            <a:r>
-              <a:rPr lang="en-US" sz="1400" dirty="0">
-                <a:latin typeface="Euclid Circular B" panose="020B0504000000000000" pitchFamily="34" charset="0"/>
-                <a:ea typeface="Euclid Circular B" panose="020B0504000000000000" pitchFamily="34" charset="0"/>
-                <a:hlinkClick r:id="rId3"/>
-              </a:rPr>
-              <a:t>https://github.com/hikalkan/presentations</a:t>
-            </a:r>
-            <a:endParaRPr lang="en-US" sz="1400" dirty="0">
+              <a:t>Nested Locks &amp; Deadlocks</a:t>
+            </a:r>
+            <a:endParaRPr lang="en-US" b="1" dirty="0">
+              <a:solidFill>
+                <a:srgbClr val="292D33"/>
+              </a:solidFill>
               <a:latin typeface="Euclid Circular B" panose="020B0504000000000000" pitchFamily="34" charset="0"/>
               <a:ea typeface="Euclid Circular B" panose="020B0504000000000000" pitchFamily="34" charset="0"/>
             </a:endParaRPr>
           </a:p>
-          <a:p>
-            <a:pPr marL="0" indent="0">
-              <a:buNone/>
-            </a:pPr>
-            <a:endParaRPr lang="en-US" sz="1000" dirty="0">
-              <a:latin typeface="Euclid Circular B" panose="020B0504000000000000" pitchFamily="34" charset="0"/>
-              <a:ea typeface="Euclid Circular B" panose="020B0504000000000000" pitchFamily="34" charset="0"/>
-            </a:endParaRPr>
-          </a:p>
-          <a:p>
-            <a:pPr marL="0" indent="0">
-              <a:buNone/>
-            </a:pPr>
-            <a:r>
-              <a:rPr lang="en-US" sz="2600" b="1" dirty="0">
-                <a:latin typeface="Euclid Circular B" panose="020B0504000000000000" pitchFamily="34" charset="0"/>
-                <a:ea typeface="Euclid Circular B" panose="020B0504000000000000" pitchFamily="34" charset="0"/>
-              </a:rPr>
-              <a:t>Contact Me</a:t>
-            </a:r>
-          </a:p>
-          <a:p>
-            <a:pPr marL="0" indent="0">
-              <a:buNone/>
-            </a:pPr>
-            <a:r>
-              <a:rPr lang="en-US" sz="1600" dirty="0">
-                <a:latin typeface="Euclid Circular B" panose="020B0504000000000000" pitchFamily="34" charset="0"/>
-                <a:ea typeface="Euclid Circular B" panose="020B0504000000000000" pitchFamily="34" charset="0"/>
-              </a:rPr>
-              <a:t>Home: </a:t>
-            </a:r>
-            <a:r>
-              <a:rPr lang="en-US" sz="1600" dirty="0">
-                <a:latin typeface="Euclid Circular B" panose="020B0504000000000000" pitchFamily="34" charset="0"/>
-                <a:ea typeface="Euclid Circular B" panose="020B0504000000000000" pitchFamily="34" charset="0"/>
-                <a:hlinkClick r:id="rId4"/>
-              </a:rPr>
-              <a:t>https://halilibrahimkalkan.com</a:t>
-            </a:r>
-            <a:r>
-              <a:rPr lang="en-US" sz="1600" dirty="0">
-                <a:latin typeface="Euclid Circular B" panose="020B0504000000000000" pitchFamily="34" charset="0"/>
-                <a:ea typeface="Euclid Circular B" panose="020B0504000000000000" pitchFamily="34" charset="0"/>
-              </a:rPr>
-              <a:t> </a:t>
-            </a:r>
-          </a:p>
-          <a:p>
-            <a:pPr marL="0" indent="0">
-              <a:buNone/>
-            </a:pPr>
-            <a:r>
-              <a:rPr lang="en-US" sz="1600" dirty="0">
-                <a:latin typeface="Euclid Circular B" panose="020B0504000000000000" pitchFamily="34" charset="0"/>
-                <a:ea typeface="Euclid Circular B" panose="020B0504000000000000" pitchFamily="34" charset="0"/>
-              </a:rPr>
-              <a:t>GitHub: @hikalkan | Twitter: @hibrahimkalkan</a:t>
-            </a:r>
-          </a:p>
-          <a:p>
-            <a:pPr marL="0" indent="0">
-              <a:buNone/>
-            </a:pPr>
-            <a:endParaRPr lang="en-US" sz="1000" dirty="0">
-              <a:latin typeface="Euclid Circular B" panose="020B0504000000000000" pitchFamily="34" charset="0"/>
-              <a:ea typeface="Euclid Circular B" panose="020B0504000000000000" pitchFamily="34" charset="0"/>
-            </a:endParaRPr>
-          </a:p>
-          <a:p>
-            <a:pPr marL="0" indent="0">
-              <a:buNone/>
-            </a:pPr>
-            <a:r>
-              <a:rPr lang="en-US" sz="2600" b="1" dirty="0">
-                <a:latin typeface="Euclid Circular B" panose="020B0504000000000000" pitchFamily="34" charset="0"/>
-                <a:ea typeface="Euclid Circular B" panose="020B0504000000000000" pitchFamily="34" charset="0"/>
-              </a:rPr>
-              <a:t>References</a:t>
-            </a:r>
-          </a:p>
-          <a:p>
-            <a:r>
-              <a:rPr lang="tr-TR" sz="1600" dirty="0">
-                <a:latin typeface="Euclid Circular B" panose="020B0504000000000000" pitchFamily="34" charset="0"/>
-                <a:ea typeface="Euclid Circular B" panose="020B0504000000000000" pitchFamily="34" charset="0"/>
-              </a:rPr>
-              <a:t>TODO</a:t>
-            </a:r>
-            <a:endParaRPr lang="en-US" sz="1400" dirty="0">
-              <a:latin typeface="Euclid Circular B" panose="020B0504000000000000" pitchFamily="34" charset="0"/>
-              <a:ea typeface="Euclid Circular B" panose="020B0504000000000000" pitchFamily="34" charset="0"/>
-            </a:endParaRPr>
-          </a:p>
         </p:txBody>
       </p:sp>
+      <p:pic>
+        <p:nvPicPr>
+          <p:cNvPr id="7" name="Picture 6">
+            <a:extLst>
+              <a:ext uri="{FF2B5EF4-FFF2-40B4-BE49-F238E27FC236}">
+                <a16:creationId xmlns:a16="http://schemas.microsoft.com/office/drawing/2014/main" id="{B72503B6-B3CB-8A4A-9705-DD3B51726976}"/>
+              </a:ext>
+            </a:extLst>
+          </p:cNvPr>
+          <p:cNvPicPr>
+            <a:picLocks noChangeAspect="1"/>
+          </p:cNvPicPr>
+          <p:nvPr/>
+        </p:nvPicPr>
+        <p:blipFill>
+          <a:blip r:embed="rId3"/>
+          <a:stretch>
+            <a:fillRect/>
+          </a:stretch>
+        </p:blipFill>
+        <p:spPr>
+          <a:xfrm>
+            <a:off x="4062412" y="1690688"/>
+            <a:ext cx="4067175" cy="600075"/>
+          </a:xfrm>
+          <a:prstGeom prst="rect">
+            <a:avLst/>
+          </a:prstGeom>
+        </p:spPr>
+      </p:pic>
+      <p:pic>
+        <p:nvPicPr>
+          <p:cNvPr id="13" name="Picture 12">
+            <a:extLst>
+              <a:ext uri="{FF2B5EF4-FFF2-40B4-BE49-F238E27FC236}">
+                <a16:creationId xmlns:a16="http://schemas.microsoft.com/office/drawing/2014/main" id="{A8CB5A71-49D3-ABDE-F7E5-5B8B7D03233F}"/>
+              </a:ext>
+            </a:extLst>
+          </p:cNvPr>
+          <p:cNvPicPr>
+            <a:picLocks noChangeAspect="1"/>
+          </p:cNvPicPr>
+          <p:nvPr/>
+        </p:nvPicPr>
+        <p:blipFill>
+          <a:blip r:embed="rId4"/>
+          <a:stretch>
+            <a:fillRect/>
+          </a:stretch>
+        </p:blipFill>
+        <p:spPr>
+          <a:xfrm>
+            <a:off x="1965441" y="2846306"/>
+            <a:ext cx="3390900" cy="3343275"/>
+          </a:xfrm>
+          <a:prstGeom prst="rect">
+            <a:avLst/>
+          </a:prstGeom>
+        </p:spPr>
+      </p:pic>
+      <p:pic>
+        <p:nvPicPr>
+          <p:cNvPr id="15" name="Picture 14">
+            <a:extLst>
+              <a:ext uri="{FF2B5EF4-FFF2-40B4-BE49-F238E27FC236}">
+                <a16:creationId xmlns:a16="http://schemas.microsoft.com/office/drawing/2014/main" id="{B8A7DAC4-D96A-AC5C-C846-7CEE36E2D3D3}"/>
+              </a:ext>
+            </a:extLst>
+          </p:cNvPr>
+          <p:cNvPicPr>
+            <a:picLocks noChangeAspect="1"/>
+          </p:cNvPicPr>
+          <p:nvPr/>
+        </p:nvPicPr>
+        <p:blipFill>
+          <a:blip r:embed="rId5"/>
+          <a:stretch>
+            <a:fillRect/>
+          </a:stretch>
+        </p:blipFill>
+        <p:spPr>
+          <a:xfrm>
+            <a:off x="6835661" y="2846306"/>
+            <a:ext cx="3724275" cy="3314700"/>
+          </a:xfrm>
+          <a:prstGeom prst="rect">
+            <a:avLst/>
+          </a:prstGeom>
+        </p:spPr>
+      </p:pic>
     </p:spTree>
     <p:extLst>
       <p:ext uri="{BB962C8B-B14F-4D97-AF65-F5344CB8AC3E}">
-        <p14:creationId xmlns:p14="http://schemas.microsoft.com/office/powerpoint/2010/main" val="1625585404"/>
+        <p14:creationId xmlns:p14="http://schemas.microsoft.com/office/powerpoint/2010/main" val="402873012"/>
       </p:ext>
     </p:extLst>
   </p:cSld>
   <p:clrMapOvr>
     <a:masterClrMapping/>
   </p:clrMapOvr>
+  <p:timing>
+    <p:tnLst>
+      <p:par>
+        <p:cTn id="1" dur="indefinite" restart="never" nodeType="tmRoot">
+          <p:childTnLst>
+            <p:seq concurrent="1" nextAc="seek">
+              <p:cTn id="2" dur="indefinite" nodeType="mainSeq">
+                <p:childTnLst>
+                  <p:par>
+                    <p:cTn id="3" fill="hold">
+                      <p:stCondLst>
+                        <p:cond delay="indefinite"/>
+                      </p:stCondLst>
+                      <p:childTnLst>
+                        <p:par>
+                          <p:cTn id="4" fill="hold">
+                            <p:stCondLst>
+                              <p:cond delay="0"/>
+                            </p:stCondLst>
+                            <p:childTnLst>
+                              <p:par>
+                                <p:cTn id="5" presetID="10" presetClass="entr" presetSubtype="0" fill="hold" nodeType="clickEffect">
+                                  <p:stCondLst>
+                                    <p:cond delay="0"/>
+                                  </p:stCondLst>
+                                  <p:childTnLst>
+                                    <p:set>
+                                      <p:cBhvr>
+                                        <p:cTn id="6" dur="1" fill="hold">
+                                          <p:stCondLst>
+                                            <p:cond delay="0"/>
+                                          </p:stCondLst>
+                                        </p:cTn>
+                                        <p:tgtEl>
+                                          <p:spTgt spid="7"/>
+                                        </p:tgtEl>
+                                        <p:attrNameLst>
+                                          <p:attrName>style.visibility</p:attrName>
+                                        </p:attrNameLst>
+                                      </p:cBhvr>
+                                      <p:to>
+                                        <p:strVal val="visible"/>
+                                      </p:to>
+                                    </p:set>
+                                    <p:animEffect transition="in" filter="fade">
+                                      <p:cBhvr>
+                                        <p:cTn id="7" dur="500"/>
+                                        <p:tgtEl>
+                                          <p:spTgt spid="7"/>
+                                        </p:tgtEl>
+                                      </p:cBhvr>
+                                    </p:animEffect>
+                                  </p:childTnLst>
+                                </p:cTn>
+                              </p:par>
+                            </p:childTnLst>
+                          </p:cTn>
+                        </p:par>
+                      </p:childTnLst>
+                    </p:cTn>
+                  </p:par>
+                  <p:par>
+                    <p:cTn id="8" fill="hold">
+                      <p:stCondLst>
+                        <p:cond delay="indefinite"/>
+                      </p:stCondLst>
+                      <p:childTnLst>
+                        <p:par>
+                          <p:cTn id="9" fill="hold">
+                            <p:stCondLst>
+                              <p:cond delay="0"/>
+                            </p:stCondLst>
+                            <p:childTnLst>
+                              <p:par>
+                                <p:cTn id="10" presetID="10" presetClass="entr" presetSubtype="0" fill="hold" nodeType="clickEffect">
+                                  <p:stCondLst>
+                                    <p:cond delay="0"/>
+                                  </p:stCondLst>
+                                  <p:childTnLst>
+                                    <p:set>
+                                      <p:cBhvr>
+                                        <p:cTn id="11" dur="1" fill="hold">
+                                          <p:stCondLst>
+                                            <p:cond delay="0"/>
+                                          </p:stCondLst>
+                                        </p:cTn>
+                                        <p:tgtEl>
+                                          <p:spTgt spid="13"/>
+                                        </p:tgtEl>
+                                        <p:attrNameLst>
+                                          <p:attrName>style.visibility</p:attrName>
+                                        </p:attrNameLst>
+                                      </p:cBhvr>
+                                      <p:to>
+                                        <p:strVal val="visible"/>
+                                      </p:to>
+                                    </p:set>
+                                    <p:animEffect transition="in" filter="fade">
+                                      <p:cBhvr>
+                                        <p:cTn id="12" dur="500"/>
+                                        <p:tgtEl>
+                                          <p:spTgt spid="13"/>
+                                        </p:tgtEl>
+                                      </p:cBhvr>
+                                    </p:animEffect>
+                                  </p:childTnLst>
+                                </p:cTn>
+                              </p:par>
+                            </p:childTnLst>
+                          </p:cTn>
+                        </p:par>
+                      </p:childTnLst>
+                    </p:cTn>
+                  </p:par>
+                  <p:par>
+                    <p:cTn id="13" fill="hold">
+                      <p:stCondLst>
+                        <p:cond delay="indefinite"/>
+                      </p:stCondLst>
+                      <p:childTnLst>
+                        <p:par>
+                          <p:cTn id="14" fill="hold">
+                            <p:stCondLst>
+                              <p:cond delay="0"/>
+                            </p:stCondLst>
+                            <p:childTnLst>
+                              <p:par>
+                                <p:cTn id="15" presetID="10" presetClass="entr" presetSubtype="0" fill="hold" nodeType="clickEffect">
+                                  <p:stCondLst>
+                                    <p:cond delay="0"/>
+                                  </p:stCondLst>
+                                  <p:childTnLst>
+                                    <p:set>
+                                      <p:cBhvr>
+                                        <p:cTn id="16" dur="1" fill="hold">
+                                          <p:stCondLst>
+                                            <p:cond delay="0"/>
+                                          </p:stCondLst>
+                                        </p:cTn>
+                                        <p:tgtEl>
+                                          <p:spTgt spid="15"/>
+                                        </p:tgtEl>
+                                        <p:attrNameLst>
+                                          <p:attrName>style.visibility</p:attrName>
+                                        </p:attrNameLst>
+                                      </p:cBhvr>
+                                      <p:to>
+                                        <p:strVal val="visible"/>
+                                      </p:to>
+                                    </p:set>
+                                    <p:animEffect transition="in" filter="fade">
+                                      <p:cBhvr>
+                                        <p:cTn id="17" dur="500"/>
+                                        <p:tgtEl>
+                                          <p:spTgt spid="15"/>
+                                        </p:tgtEl>
+                                      </p:cBhvr>
+                                    </p:animEffect>
+                                  </p:childTnLst>
+                                </p:cTn>
+                              </p:par>
+                            </p:childTnLst>
+                          </p:cTn>
+                        </p:par>
+                      </p:childTnLst>
+                    </p:cTn>
+                  </p:par>
+                </p:childTnLst>
+              </p:cTn>
+              <p:prevCondLst>
+                <p:cond evt="onPrev" delay="0">
+                  <p:tgtEl>
+                    <p:sldTgt/>
+                  </p:tgtEl>
+                </p:cond>
+              </p:prevCondLst>
+              <p:nextCondLst>
+                <p:cond evt="onNext" delay="0">
+                  <p:tgtEl>
+                    <p:sldTgt/>
+                  </p:tgtEl>
+                </p:cond>
+              </p:nextCondLst>
+            </p:seq>
+          </p:childTnLst>
+        </p:cTn>
+      </p:par>
+    </p:tnLst>
+  </p:timing>
 </p:sld>
 </file>
 
@@ -7366,119 +10262,202 @@
           <a:lstStyle/>
           <a:p>
             <a:r>
-              <a:rPr lang="tr-TR" b="1" dirty="0">
+              <a:rPr lang="en-US" b="1" dirty="0">
                 <a:solidFill>
                   <a:srgbClr val="292D33"/>
                 </a:solidFill>
                 <a:latin typeface="Euclid Circular B" panose="020B0504000000000000" pitchFamily="34" charset="0"/>
                 <a:ea typeface="Euclid Circular B" panose="020B0504000000000000" pitchFamily="34" charset="0"/>
               </a:rPr>
-              <a:t>Nested Locks &amp; Deadlocks</a:t>
-            </a:r>
-            <a:endParaRPr lang="en-US" b="1" dirty="0">
-              <a:solidFill>
-                <a:srgbClr val="292D33"/>
-              </a:solidFill>
+              <a:t>Thanks!</a:t>
+            </a:r>
+          </a:p>
+        </p:txBody>
+      </p:sp>
+      <p:sp>
+        <p:nvSpPr>
+          <p:cNvPr id="3" name="Content Placeholder 2">
+            <a:extLst>
+              <a:ext uri="{FF2B5EF4-FFF2-40B4-BE49-F238E27FC236}">
+                <a16:creationId xmlns:a16="http://schemas.microsoft.com/office/drawing/2014/main" id="{891C7693-D3DF-4635-96F4-97F3B4136FDF}"/>
+              </a:ext>
+            </a:extLst>
+          </p:cNvPr>
+          <p:cNvSpPr>
+            <a:spLocks noGrp="1"/>
+          </p:cNvSpPr>
+          <p:nvPr>
+            <p:ph idx="1"/>
+          </p:nvPr>
+        </p:nvSpPr>
+        <p:spPr>
+          <a:xfrm>
+            <a:off x="838200" y="1825625"/>
+            <a:ext cx="10515600" cy="4667250"/>
+          </a:xfrm>
+        </p:spPr>
+        <p:txBody>
+          <a:bodyPr>
+            <a:normAutofit/>
+          </a:bodyPr>
+          <a:lstStyle/>
+          <a:p>
+            <a:pPr marL="0" indent="0">
+              <a:buNone/>
+            </a:pPr>
+            <a:r>
+              <a:rPr lang="en-US" sz="2600" b="1" dirty="0">
+                <a:latin typeface="Euclid Circular B" panose="020B0504000000000000" pitchFamily="34" charset="0"/>
+                <a:ea typeface="Euclid Circular B" panose="020B0504000000000000" pitchFamily="34" charset="0"/>
+              </a:rPr>
+              <a:t>Get This Presentation</a:t>
+            </a:r>
+          </a:p>
+          <a:p>
+            <a:pPr marL="0" indent="0">
+              <a:buNone/>
+            </a:pPr>
+            <a:r>
+              <a:rPr lang="en-US" sz="1400" dirty="0">
+                <a:latin typeface="Euclid Circular B" panose="020B0504000000000000" pitchFamily="34" charset="0"/>
+                <a:ea typeface="Euclid Circular B" panose="020B0504000000000000" pitchFamily="34" charset="0"/>
+                <a:hlinkClick r:id="rId3"/>
+              </a:rPr>
+              <a:t>https://github.com/hikalkan/presentations</a:t>
+            </a:r>
+            <a:endParaRPr lang="en-US" sz="1400" dirty="0">
               <a:latin typeface="Euclid Circular B" panose="020B0504000000000000" pitchFamily="34" charset="0"/>
               <a:ea typeface="Euclid Circular B" panose="020B0504000000000000" pitchFamily="34" charset="0"/>
             </a:endParaRPr>
           </a:p>
+          <a:p>
+            <a:pPr marL="0" indent="0">
+              <a:buNone/>
+            </a:pPr>
+            <a:endParaRPr lang="en-US" sz="1000" dirty="0">
+              <a:latin typeface="Euclid Circular B" panose="020B0504000000000000" pitchFamily="34" charset="0"/>
+              <a:ea typeface="Euclid Circular B" panose="020B0504000000000000" pitchFamily="34" charset="0"/>
+            </a:endParaRPr>
+          </a:p>
+          <a:p>
+            <a:pPr marL="0" indent="0">
+              <a:buNone/>
+            </a:pPr>
+            <a:r>
+              <a:rPr lang="en-US" sz="2600" b="1" dirty="0">
+                <a:latin typeface="Euclid Circular B" panose="020B0504000000000000" pitchFamily="34" charset="0"/>
+                <a:ea typeface="Euclid Circular B" panose="020B0504000000000000" pitchFamily="34" charset="0"/>
+              </a:rPr>
+              <a:t>Contact Me</a:t>
+            </a:r>
+          </a:p>
+          <a:p>
+            <a:pPr marL="0" indent="0">
+              <a:buNone/>
+            </a:pPr>
+            <a:r>
+              <a:rPr lang="en-US" sz="1600" dirty="0">
+                <a:latin typeface="Euclid Circular B" panose="020B0504000000000000" pitchFamily="34" charset="0"/>
+                <a:ea typeface="Euclid Circular B" panose="020B0504000000000000" pitchFamily="34" charset="0"/>
+              </a:rPr>
+              <a:t>Home: </a:t>
+            </a:r>
+            <a:r>
+              <a:rPr lang="en-US" sz="1600" dirty="0">
+                <a:latin typeface="Euclid Circular B" panose="020B0504000000000000" pitchFamily="34" charset="0"/>
+                <a:ea typeface="Euclid Circular B" panose="020B0504000000000000" pitchFamily="34" charset="0"/>
+                <a:hlinkClick r:id="rId4"/>
+              </a:rPr>
+              <a:t>https://halilibrahimkalkan.com</a:t>
+            </a:r>
+            <a:r>
+              <a:rPr lang="en-US" sz="1600" dirty="0">
+                <a:latin typeface="Euclid Circular B" panose="020B0504000000000000" pitchFamily="34" charset="0"/>
+                <a:ea typeface="Euclid Circular B" panose="020B0504000000000000" pitchFamily="34" charset="0"/>
+              </a:rPr>
+              <a:t> </a:t>
+            </a:r>
+          </a:p>
+          <a:p>
+            <a:pPr marL="0" indent="0">
+              <a:buNone/>
+            </a:pPr>
+            <a:r>
+              <a:rPr lang="en-US" sz="1600" dirty="0">
+                <a:latin typeface="Euclid Circular B" panose="020B0504000000000000" pitchFamily="34" charset="0"/>
+                <a:ea typeface="Euclid Circular B" panose="020B0504000000000000" pitchFamily="34" charset="0"/>
+              </a:rPr>
+              <a:t>GitHub: @hikalkan | Twitter: @hibrahimkalkan</a:t>
+            </a:r>
+          </a:p>
+          <a:p>
+            <a:pPr marL="0" indent="0">
+              <a:buNone/>
+            </a:pPr>
+            <a:endParaRPr lang="en-US" sz="1000" dirty="0">
+              <a:latin typeface="Euclid Circular B" panose="020B0504000000000000" pitchFamily="34" charset="0"/>
+              <a:ea typeface="Euclid Circular B" panose="020B0504000000000000" pitchFamily="34" charset="0"/>
+            </a:endParaRPr>
+          </a:p>
+          <a:p>
+            <a:pPr marL="0" indent="0">
+              <a:buNone/>
+            </a:pPr>
+            <a:r>
+              <a:rPr lang="en-US" sz="2600" b="1" dirty="0">
+                <a:latin typeface="Euclid Circular B" panose="020B0504000000000000" pitchFamily="34" charset="0"/>
+                <a:ea typeface="Euclid Circular B" panose="020B0504000000000000" pitchFamily="34" charset="0"/>
+              </a:rPr>
+              <a:t>References</a:t>
+            </a:r>
+          </a:p>
+          <a:p>
+            <a:r>
+              <a:rPr lang="tr-TR" sz="1600" dirty="0">
+                <a:latin typeface="Euclid Circular B" panose="020B0504000000000000" pitchFamily="34" charset="0"/>
+                <a:ea typeface="Euclid Circular B" panose="020B0504000000000000" pitchFamily="34" charset="0"/>
+                <a:hlinkClick r:id="rId5"/>
+              </a:rPr>
+              <a:t>https://learn.microsoft.com/en-us/dotnet/standard/parallel-programming/</a:t>
+            </a:r>
+          </a:p>
+          <a:p>
+            <a:r>
+              <a:rPr lang="tr-TR" sz="1600" dirty="0">
+                <a:latin typeface="Euclid Circular B" panose="020B0504000000000000" pitchFamily="34" charset="0"/>
+                <a:ea typeface="Euclid Circular B" panose="020B0504000000000000" pitchFamily="34" charset="0"/>
+                <a:hlinkClick r:id="rId5"/>
+              </a:rPr>
+              <a:t>https://learn.microsoft.com/en-us/dotnet/api/system.threading.mutex</a:t>
+            </a:r>
+            <a:r>
+              <a:rPr lang="tr-TR" sz="1600" dirty="0">
+                <a:latin typeface="Euclid Circular B" panose="020B0504000000000000" pitchFamily="34" charset="0"/>
+                <a:ea typeface="Euclid Circular B" panose="020B0504000000000000" pitchFamily="34" charset="0"/>
+              </a:rPr>
+              <a:t> </a:t>
+            </a:r>
+          </a:p>
+          <a:p>
+            <a:r>
+              <a:rPr lang="tr-TR" sz="1400" dirty="0">
+                <a:latin typeface="Euclid Circular B" panose="020B0504000000000000" pitchFamily="34" charset="0"/>
+                <a:ea typeface="Euclid Circular B" panose="020B0504000000000000" pitchFamily="34" charset="0"/>
+                <a:hlinkClick r:id="rId5"/>
+              </a:rPr>
+              <a:t>https://github.com/madelson/DistributedLock</a:t>
+            </a:r>
+            <a:endParaRPr lang="en-US" sz="1400" dirty="0">
+              <a:latin typeface="Euclid Circular B" panose="020B0504000000000000" pitchFamily="34" charset="0"/>
+              <a:ea typeface="Euclid Circular B" panose="020B0504000000000000" pitchFamily="34" charset="0"/>
+            </a:endParaRPr>
+          </a:p>
         </p:txBody>
       </p:sp>
-      <p:pic>
-        <p:nvPicPr>
-          <p:cNvPr id="7" name="Picture 6">
-            <a:extLst>
-              <a:ext uri="{FF2B5EF4-FFF2-40B4-BE49-F238E27FC236}">
-                <a16:creationId xmlns:a16="http://schemas.microsoft.com/office/drawing/2014/main" id="{B72503B6-B3CB-8A4A-9705-DD3B51726976}"/>
-              </a:ext>
-            </a:extLst>
-          </p:cNvPr>
-          <p:cNvPicPr>
-            <a:picLocks noChangeAspect="1"/>
-          </p:cNvPicPr>
-          <p:nvPr/>
-        </p:nvPicPr>
-        <p:blipFill>
-          <a:blip r:embed="rId3"/>
-          <a:stretch>
-            <a:fillRect/>
-          </a:stretch>
-        </p:blipFill>
-        <p:spPr>
-          <a:xfrm>
-            <a:off x="4062412" y="1690688"/>
-            <a:ext cx="4067175" cy="600075"/>
-          </a:xfrm>
-          <a:prstGeom prst="rect">
-            <a:avLst/>
-          </a:prstGeom>
-        </p:spPr>
-      </p:pic>
-      <p:pic>
-        <p:nvPicPr>
-          <p:cNvPr id="13" name="Picture 12">
-            <a:extLst>
-              <a:ext uri="{FF2B5EF4-FFF2-40B4-BE49-F238E27FC236}">
-                <a16:creationId xmlns:a16="http://schemas.microsoft.com/office/drawing/2014/main" id="{A8CB5A71-49D3-ABDE-F7E5-5B8B7D03233F}"/>
-              </a:ext>
-            </a:extLst>
-          </p:cNvPr>
-          <p:cNvPicPr>
-            <a:picLocks noChangeAspect="1"/>
-          </p:cNvPicPr>
-          <p:nvPr/>
-        </p:nvPicPr>
-        <p:blipFill>
-          <a:blip r:embed="rId4"/>
-          <a:stretch>
-            <a:fillRect/>
-          </a:stretch>
-        </p:blipFill>
-        <p:spPr>
-          <a:xfrm>
-            <a:off x="1965441" y="2846306"/>
-            <a:ext cx="3390900" cy="3343275"/>
-          </a:xfrm>
-          <a:prstGeom prst="rect">
-            <a:avLst/>
-          </a:prstGeom>
-        </p:spPr>
-      </p:pic>
-      <p:pic>
-        <p:nvPicPr>
-          <p:cNvPr id="15" name="Picture 14">
-            <a:extLst>
-              <a:ext uri="{FF2B5EF4-FFF2-40B4-BE49-F238E27FC236}">
-                <a16:creationId xmlns:a16="http://schemas.microsoft.com/office/drawing/2014/main" id="{B8A7DAC4-D96A-AC5C-C846-7CEE36E2D3D3}"/>
-              </a:ext>
-            </a:extLst>
-          </p:cNvPr>
-          <p:cNvPicPr>
-            <a:picLocks noChangeAspect="1"/>
-          </p:cNvPicPr>
-          <p:nvPr/>
-        </p:nvPicPr>
-        <p:blipFill>
-          <a:blip r:embed="rId5"/>
-          <a:stretch>
-            <a:fillRect/>
-          </a:stretch>
-        </p:blipFill>
-        <p:spPr>
-          <a:xfrm>
-            <a:off x="6835661" y="2846306"/>
-            <a:ext cx="3724275" cy="3314700"/>
-          </a:xfrm>
-          <a:prstGeom prst="rect">
-            <a:avLst/>
-          </a:prstGeom>
-        </p:spPr>
-      </p:pic>
     </p:spTree>
     <p:extLst>
       <p:ext uri="{BB962C8B-B14F-4D97-AF65-F5344CB8AC3E}">
-        <p14:creationId xmlns:p14="http://schemas.microsoft.com/office/powerpoint/2010/main" val="402873012"/>
+        <p14:creationId xmlns:p14="http://schemas.microsoft.com/office/powerpoint/2010/main" val="1625585404"/>
       </p:ext>
     </p:extLst>
   </p:cSld>
@@ -7489,224 +10468,6 @@
 </file>
 
 <file path=ppt/slides/slide26.xml><?xml version="1.0" encoding="utf-8"?>
-<p:sld xmlns:a="http://schemas.openxmlformats.org/drawingml/2006/main" xmlns:r="http://schemas.openxmlformats.org/officeDocument/2006/relationships" xmlns:p="http://schemas.openxmlformats.org/presentationml/2006/main">
-  <p:cSld>
-    <p:bg>
-      <p:bgPr>
-        <a:blipFill dpi="0" rotWithShape="1">
-          <a:blip r:embed="rId2">
-            <a:lum/>
-          </a:blip>
-          <a:srcRect/>
-          <a:stretch>
-            <a:fillRect/>
-          </a:stretch>
-        </a:blipFill>
-        <a:effectLst/>
-      </p:bgPr>
-    </p:bg>
-    <p:spTree>
-      <p:nvGrpSpPr>
-        <p:cNvPr id="1" name=""/>
-        <p:cNvGrpSpPr/>
-        <p:nvPr/>
-      </p:nvGrpSpPr>
-      <p:grpSpPr>
-        <a:xfrm>
-          <a:off x="0" y="0"/>
-          <a:ext cx="0" cy="0"/>
-          <a:chOff x="0" y="0"/>
-          <a:chExt cx="0" cy="0"/>
-        </a:xfrm>
-      </p:grpSpPr>
-      <p:sp>
-        <p:nvSpPr>
-          <p:cNvPr id="2" name="Title 1">
-            <a:extLst>
-              <a:ext uri="{FF2B5EF4-FFF2-40B4-BE49-F238E27FC236}">
-                <a16:creationId xmlns:a16="http://schemas.microsoft.com/office/drawing/2014/main" id="{55E11F08-6CA0-48F1-AD67-97430DDA07F0}"/>
-              </a:ext>
-            </a:extLst>
-          </p:cNvPr>
-          <p:cNvSpPr>
-            <a:spLocks noGrp="1"/>
-          </p:cNvSpPr>
-          <p:nvPr>
-            <p:ph type="title"/>
-          </p:nvPr>
-        </p:nvSpPr>
-        <p:spPr/>
-        <p:txBody>
-          <a:bodyPr/>
-          <a:lstStyle/>
-          <a:p>
-            <a:r>
-              <a:rPr lang="en-US" b="1" dirty="0">
-                <a:solidFill>
-                  <a:srgbClr val="292D33"/>
-                </a:solidFill>
-                <a:latin typeface="Euclid Circular B" panose="020B0504000000000000" pitchFamily="34" charset="0"/>
-                <a:ea typeface="Euclid Circular B" panose="020B0504000000000000" pitchFamily="34" charset="0"/>
-              </a:rPr>
-              <a:t>Topic title</a:t>
-            </a:r>
-          </a:p>
-        </p:txBody>
-      </p:sp>
-      <p:sp>
-        <p:nvSpPr>
-          <p:cNvPr id="3" name="Content Placeholder 2">
-            <a:extLst>
-              <a:ext uri="{FF2B5EF4-FFF2-40B4-BE49-F238E27FC236}">
-                <a16:creationId xmlns:a16="http://schemas.microsoft.com/office/drawing/2014/main" id="{891C7693-D3DF-4635-96F4-97F3B4136FDF}"/>
-              </a:ext>
-            </a:extLst>
-          </p:cNvPr>
-          <p:cNvSpPr>
-            <a:spLocks noGrp="1"/>
-          </p:cNvSpPr>
-          <p:nvPr>
-            <p:ph idx="1"/>
-          </p:nvPr>
-        </p:nvSpPr>
-        <p:spPr/>
-        <p:txBody>
-          <a:bodyPr/>
-          <a:lstStyle/>
-          <a:p>
-            <a:r>
-              <a:rPr lang="en-US" dirty="0">
-                <a:latin typeface="Euclid Circular B" panose="020B0504000000000000" pitchFamily="34" charset="0"/>
-                <a:ea typeface="Euclid Circular B" panose="020B0504000000000000" pitchFamily="34" charset="0"/>
-              </a:rPr>
-              <a:t>Content</a:t>
-            </a:r>
-          </a:p>
-        </p:txBody>
-      </p:sp>
-    </p:spTree>
-    <p:extLst>
-      <p:ext uri="{BB962C8B-B14F-4D97-AF65-F5344CB8AC3E}">
-        <p14:creationId xmlns:p14="http://schemas.microsoft.com/office/powerpoint/2010/main" val="480853512"/>
-      </p:ext>
-    </p:extLst>
-  </p:cSld>
-  <p:clrMapOvr>
-    <a:masterClrMapping/>
-  </p:clrMapOvr>
-</p:sld>
-</file>
-
-<file path=ppt/slides/slide27.xml><?xml version="1.0" encoding="utf-8"?>
-<p:sld xmlns:a="http://schemas.openxmlformats.org/drawingml/2006/main" xmlns:r="http://schemas.openxmlformats.org/officeDocument/2006/relationships" xmlns:p="http://schemas.openxmlformats.org/presentationml/2006/main">
-  <p:cSld>
-    <p:bg>
-      <p:bgPr>
-        <a:blipFill dpi="0" rotWithShape="1">
-          <a:blip r:embed="rId2">
-            <a:lum/>
-          </a:blip>
-          <a:srcRect/>
-          <a:stretch>
-            <a:fillRect/>
-          </a:stretch>
-        </a:blipFill>
-        <a:effectLst/>
-      </p:bgPr>
-    </p:bg>
-    <p:spTree>
-      <p:nvGrpSpPr>
-        <p:cNvPr id="1" name=""/>
-        <p:cNvGrpSpPr/>
-        <p:nvPr/>
-      </p:nvGrpSpPr>
-      <p:grpSpPr>
-        <a:xfrm>
-          <a:off x="0" y="0"/>
-          <a:ext cx="0" cy="0"/>
-          <a:chOff x="0" y="0"/>
-          <a:chExt cx="0" cy="0"/>
-        </a:xfrm>
-      </p:grpSpPr>
-      <p:sp>
-        <p:nvSpPr>
-          <p:cNvPr id="2" name="Title 1">
-            <a:extLst>
-              <a:ext uri="{FF2B5EF4-FFF2-40B4-BE49-F238E27FC236}">
-                <a16:creationId xmlns:a16="http://schemas.microsoft.com/office/drawing/2014/main" id="{55E11F08-6CA0-48F1-AD67-97430DDA07F0}"/>
-              </a:ext>
-            </a:extLst>
-          </p:cNvPr>
-          <p:cNvSpPr>
-            <a:spLocks noGrp="1"/>
-          </p:cNvSpPr>
-          <p:nvPr>
-            <p:ph type="title"/>
-          </p:nvPr>
-        </p:nvSpPr>
-        <p:spPr/>
-        <p:txBody>
-          <a:bodyPr/>
-          <a:lstStyle/>
-          <a:p>
-            <a:r>
-              <a:rPr lang="en-US" b="1" dirty="0">
-                <a:solidFill>
-                  <a:srgbClr val="292D33"/>
-                </a:solidFill>
-                <a:latin typeface="Euclid Circular B" panose="020B0504000000000000" pitchFamily="34" charset="0"/>
-                <a:ea typeface="Euclid Circular B" panose="020B0504000000000000" pitchFamily="34" charset="0"/>
-              </a:rPr>
-              <a:t>Topic title</a:t>
-            </a:r>
-          </a:p>
-        </p:txBody>
-      </p:sp>
-      <p:sp>
-        <p:nvSpPr>
-          <p:cNvPr id="3" name="Content Placeholder 2">
-            <a:extLst>
-              <a:ext uri="{FF2B5EF4-FFF2-40B4-BE49-F238E27FC236}">
-                <a16:creationId xmlns:a16="http://schemas.microsoft.com/office/drawing/2014/main" id="{891C7693-D3DF-4635-96F4-97F3B4136FDF}"/>
-              </a:ext>
-            </a:extLst>
-          </p:cNvPr>
-          <p:cNvSpPr>
-            <a:spLocks noGrp="1"/>
-          </p:cNvSpPr>
-          <p:nvPr>
-            <p:ph idx="1"/>
-          </p:nvPr>
-        </p:nvSpPr>
-        <p:spPr/>
-        <p:txBody>
-          <a:bodyPr/>
-          <a:lstStyle/>
-          <a:p>
-            <a:r>
-              <a:rPr lang="en-US" dirty="0">
-                <a:latin typeface="Euclid Circular B" panose="020B0504000000000000" pitchFamily="34" charset="0"/>
-                <a:ea typeface="Euclid Circular B" panose="020B0504000000000000" pitchFamily="34" charset="0"/>
-              </a:rPr>
-              <a:t>Content</a:t>
-            </a:r>
-          </a:p>
-        </p:txBody>
-      </p:sp>
-    </p:spTree>
-    <p:extLst>
-      <p:ext uri="{BB962C8B-B14F-4D97-AF65-F5344CB8AC3E}">
-        <p14:creationId xmlns:p14="http://schemas.microsoft.com/office/powerpoint/2010/main" val="4130834620"/>
-      </p:ext>
-    </p:extLst>
-  </p:cSld>
-  <p:clrMapOvr>
-    <a:masterClrMapping/>
-  </p:clrMapOvr>
-</p:sld>
-</file>
-
-<file path=ppt/slides/slide28.xml><?xml version="1.0" encoding="utf-8"?>
 <p:sld xmlns:a="http://schemas.openxmlformats.org/drawingml/2006/main" xmlns:r="http://schemas.openxmlformats.org/officeDocument/2006/relationships" xmlns:p="http://schemas.openxmlformats.org/presentationml/2006/main">
   <p:cSld>
     <p:bg>
@@ -7905,46 +10666,48 @@
         </p:nvSpPr>
         <p:spPr/>
         <p:txBody>
-          <a:bodyPr/>
+          <a:bodyPr>
+            <a:normAutofit/>
+          </a:bodyPr>
           <a:lstStyle/>
           <a:p>
             <a:r>
-              <a:rPr lang="tr-TR" b="1" dirty="0">
+              <a:rPr lang="tr-TR" sz="3200" b="1" dirty="0">
                 <a:latin typeface="Euclid Circular B" panose="020B0504000000000000" pitchFamily="34" charset="0"/>
                 <a:ea typeface="Euclid Circular B" panose="020B0504000000000000" pitchFamily="34" charset="0"/>
               </a:rPr>
               <a:t>Utilizing </a:t>
             </a:r>
             <a:r>
-              <a:rPr lang="tr-TR" dirty="0">
+              <a:rPr lang="tr-TR" sz="3200" dirty="0">
                 <a:latin typeface="Euclid Circular B" panose="020B0504000000000000" pitchFamily="34" charset="0"/>
                 <a:ea typeface="Euclid Circular B" panose="020B0504000000000000" pitchFamily="34" charset="0"/>
               </a:rPr>
               <a:t>power of </a:t>
             </a:r>
             <a:r>
-              <a:rPr lang="tr-TR" b="1" dirty="0">
+              <a:rPr lang="tr-TR" sz="3200" b="1" dirty="0">
                 <a:latin typeface="Euclid Circular B" panose="020B0504000000000000" pitchFamily="34" charset="0"/>
                 <a:ea typeface="Euclid Circular B" panose="020B0504000000000000" pitchFamily="34" charset="0"/>
               </a:rPr>
               <a:t>multi-core </a:t>
             </a:r>
             <a:r>
-              <a:rPr lang="tr-TR" dirty="0">
+              <a:rPr lang="tr-TR" sz="3200" dirty="0">
                 <a:latin typeface="Euclid Circular B" panose="020B0504000000000000" pitchFamily="34" charset="0"/>
                 <a:ea typeface="Euclid Circular B" panose="020B0504000000000000" pitchFamily="34" charset="0"/>
               </a:rPr>
               <a:t>processors by </a:t>
             </a:r>
             <a:r>
-              <a:rPr lang="tr-TR" b="1" dirty="0">
+              <a:rPr lang="tr-TR" sz="3200" b="1" dirty="0">
                 <a:latin typeface="Euclid Circular B" panose="020B0504000000000000" pitchFamily="34" charset="0"/>
                 <a:ea typeface="Euclid Circular B" panose="020B0504000000000000" pitchFamily="34" charset="0"/>
               </a:rPr>
               <a:t>parallelizing </a:t>
             </a:r>
             <a:r>
-              <a:rPr lang="tr-TR" dirty="0">
+              <a:rPr lang="tr-TR" sz="3200" dirty="0">
                 <a:latin typeface="Euclid Circular B" panose="020B0504000000000000" pitchFamily="34" charset="0"/>
                 <a:ea typeface="Euclid Circular B" panose="020B0504000000000000" pitchFamily="34" charset="0"/>
               </a:rPr>
@@ -7953,21 +10716,21 @@
           </a:p>
           <a:p>
             <a:r>
-              <a:rPr lang="tr-TR" dirty="0">
+              <a:rPr lang="tr-TR" sz="3200" dirty="0">
                 <a:latin typeface="Euclid Circular B" panose="020B0504000000000000" pitchFamily="34" charset="0"/>
                 <a:ea typeface="Euclid Circular B" panose="020B0504000000000000" pitchFamily="34" charset="0"/>
               </a:rPr>
               <a:t>Responding </a:t>
             </a:r>
             <a:r>
-              <a:rPr lang="tr-TR" b="1" dirty="0">
+              <a:rPr lang="tr-TR" sz="3200" b="1" dirty="0">
                 <a:latin typeface="Euclid Circular B" panose="020B0504000000000000" pitchFamily="34" charset="0"/>
                 <a:ea typeface="Euclid Circular B" panose="020B0504000000000000" pitchFamily="34" charset="0"/>
               </a:rPr>
               <a:t>multiple clients </a:t>
             </a:r>
             <a:r>
-              <a:rPr lang="tr-TR" dirty="0">
+              <a:rPr lang="tr-TR" sz="3200" dirty="0">
                 <a:latin typeface="Euclid Circular B" panose="020B0504000000000000" pitchFamily="34" charset="0"/>
                 <a:ea typeface="Euclid Circular B" panose="020B0504000000000000" pitchFamily="34" charset="0"/>
               </a:rPr>
@@ -7976,41 +10739,41 @@
           </a:p>
           <a:p>
             <a:r>
-              <a:rPr lang="tr-TR" dirty="0">
+              <a:rPr lang="tr-TR" sz="3200" dirty="0">
                 <a:latin typeface="Euclid Circular B" panose="020B0504000000000000" pitchFamily="34" charset="0"/>
                 <a:ea typeface="Euclid Circular B" panose="020B0504000000000000" pitchFamily="34" charset="0"/>
               </a:rPr>
               <a:t>Running long tasks in </a:t>
             </a:r>
             <a:r>
-              <a:rPr lang="tr-TR" b="1" dirty="0">
+              <a:rPr lang="tr-TR" sz="3200" b="1" dirty="0">
                 <a:latin typeface="Euclid Circular B" panose="020B0504000000000000" pitchFamily="34" charset="0"/>
                 <a:ea typeface="Euclid Circular B" panose="020B0504000000000000" pitchFamily="34" charset="0"/>
               </a:rPr>
               <a:t>background </a:t>
             </a:r>
             <a:r>
-              <a:rPr lang="tr-TR" dirty="0">
+              <a:rPr lang="tr-TR" sz="3200" dirty="0">
                 <a:latin typeface="Euclid Circular B" panose="020B0504000000000000" pitchFamily="34" charset="0"/>
                 <a:ea typeface="Euclid Circular B" panose="020B0504000000000000" pitchFamily="34" charset="0"/>
               </a:rPr>
               <a:t>to increase </a:t>
             </a:r>
             <a:r>
-              <a:rPr lang="tr-TR" b="1" dirty="0">
+              <a:rPr lang="tr-TR" sz="3200" b="1" dirty="0">
                 <a:latin typeface="Euclid Circular B" panose="020B0504000000000000" pitchFamily="34" charset="0"/>
                 <a:ea typeface="Euclid Circular B" panose="020B0504000000000000" pitchFamily="34" charset="0"/>
               </a:rPr>
               <a:t>responsiveness</a:t>
             </a:r>
             <a:r>
-              <a:rPr lang="tr-TR" dirty="0">
+              <a:rPr lang="tr-TR" sz="3200" dirty="0">
                 <a:latin typeface="Euclid Circular B" panose="020B0504000000000000" pitchFamily="34" charset="0"/>
                 <a:ea typeface="Euclid Circular B" panose="020B0504000000000000" pitchFamily="34" charset="0"/>
               </a:rPr>
               <a:t>.</a:t>
             </a:r>
-            <a:endParaRPr lang="en-US" dirty="0">
+            <a:endParaRPr lang="en-US" sz="3200" dirty="0">
               <a:latin typeface="Euclid Circular B" panose="020B0504000000000000" pitchFamily="34" charset="0"/>
               <a:ea typeface="Euclid Circular B" panose="020B0504000000000000" pitchFamily="34" charset="0"/>
             </a:endParaRPr>
@@ -8027,6 +10790,219 @@
   <p:clrMapOvr>
     <a:masterClrMapping/>
   </p:clrMapOvr>
+  <p:timing>
+    <p:tnLst>
+      <p:par>
+        <p:cTn id="1" dur="indefinite" restart="never" nodeType="tmRoot">
+          <p:childTnLst>
+            <p:seq concurrent="1" nextAc="seek">
+              <p:cTn id="2" dur="indefinite" nodeType="mainSeq">
+                <p:childTnLst>
+                  <p:par>
+                    <p:cTn id="3" fill="hold">
+                      <p:stCondLst>
+                        <p:cond delay="indefinite"/>
+                      </p:stCondLst>
+                      <p:childTnLst>
+                        <p:par>
+                          <p:cTn id="4" fill="hold">
+                            <p:stCondLst>
+                              <p:cond delay="0"/>
+                            </p:stCondLst>
+                            <p:childTnLst>
+                              <p:par>
+                                <p:cTn id="5" presetID="10" presetClass="entr" presetSubtype="0" fill="hold" nodeType="clickEffect">
+                                  <p:stCondLst>
+                                    <p:cond delay="0"/>
+                                  </p:stCondLst>
+                                  <p:childTnLst>
+                                    <p:set>
+                                      <p:cBhvr>
+                                        <p:cTn id="6" dur="1" fill="hold">
+                                          <p:stCondLst>
+                                            <p:cond delay="0"/>
+                                          </p:stCondLst>
+                                        </p:cTn>
+                                        <p:tgtEl>
+                                          <p:spTgt spid="3">
+                                            <p:txEl>
+                                              <p:pRg st="0" end="0"/>
+                                            </p:txEl>
+                                          </p:spTgt>
+                                        </p:tgtEl>
+                                        <p:attrNameLst>
+                                          <p:attrName>style.visibility</p:attrName>
+                                        </p:attrNameLst>
+                                      </p:cBhvr>
+                                      <p:to>
+                                        <p:strVal val="visible"/>
+                                      </p:to>
+                                    </p:set>
+                                    <p:animEffect transition="in" filter="fade">
+                                      <p:cBhvr>
+                                        <p:cTn id="7" dur="500"/>
+                                        <p:tgtEl>
+                                          <p:spTgt spid="3">
+                                            <p:txEl>
+                                              <p:pRg st="0" end="0"/>
+                                            </p:txEl>
+                                          </p:spTgt>
+                                        </p:tgtEl>
+                                      </p:cBhvr>
+                                    </p:animEffect>
+                                  </p:childTnLst>
+                                </p:cTn>
+                              </p:par>
+                            </p:childTnLst>
+                          </p:cTn>
+                        </p:par>
+                      </p:childTnLst>
+                    </p:cTn>
+                  </p:par>
+                  <p:par>
+                    <p:cTn id="8" fill="hold">
+                      <p:stCondLst>
+                        <p:cond delay="indefinite"/>
+                      </p:stCondLst>
+                      <p:childTnLst>
+                        <p:par>
+                          <p:cTn id="9" fill="hold">
+                            <p:stCondLst>
+                              <p:cond delay="0"/>
+                            </p:stCondLst>
+                            <p:childTnLst>
+                              <p:par>
+                                <p:cTn id="10" presetID="10" presetClass="entr" presetSubtype="0" fill="hold" nodeType="clickEffect">
+                                  <p:stCondLst>
+                                    <p:cond delay="0"/>
+                                  </p:stCondLst>
+                                  <p:childTnLst>
+                                    <p:set>
+                                      <p:cBhvr>
+                                        <p:cTn id="11" dur="1" fill="hold">
+                                          <p:stCondLst>
+                                            <p:cond delay="0"/>
+                                          </p:stCondLst>
+                                        </p:cTn>
+                                        <p:tgtEl>
+                                          <p:spTgt spid="3">
+                                            <p:txEl>
+                                              <p:pRg st="1" end="1"/>
+                                            </p:txEl>
+                                          </p:spTgt>
+                                        </p:tgtEl>
+                                        <p:attrNameLst>
+                                          <p:attrName>style.visibility</p:attrName>
+                                        </p:attrNameLst>
+                                      </p:cBhvr>
+                                      <p:to>
+                                        <p:strVal val="visible"/>
+                                      </p:to>
+                                    </p:set>
+                                    <p:animEffect transition="in" filter="fade">
+                                      <p:cBhvr>
+                                        <p:cTn id="12" dur="500"/>
+                                        <p:tgtEl>
+                                          <p:spTgt spid="3">
+                                            <p:txEl>
+                                              <p:pRg st="1" end="1"/>
+                                            </p:txEl>
+                                          </p:spTgt>
+                                        </p:tgtEl>
+                                      </p:cBhvr>
+                                    </p:animEffect>
+                                  </p:childTnLst>
+                                </p:cTn>
+                              </p:par>
+                            </p:childTnLst>
+                          </p:cTn>
+                        </p:par>
+                      </p:childTnLst>
+                    </p:cTn>
+                  </p:par>
+                  <p:par>
+                    <p:cTn id="13" fill="hold">
+                      <p:stCondLst>
+                        <p:cond delay="indefinite"/>
+                      </p:stCondLst>
+                      <p:childTnLst>
+                        <p:par>
+                          <p:cTn id="14" fill="hold">
+                            <p:stCondLst>
+                              <p:cond delay="0"/>
+                            </p:stCondLst>
+                            <p:childTnLst>
+                              <p:par>
+                                <p:cTn id="15" presetID="10" presetClass="entr" presetSubtype="0" fill="hold" nodeType="clickEffect">
+                                  <p:stCondLst>
+                                    <p:cond delay="0"/>
+                                  </p:stCondLst>
+                                  <p:childTnLst>
+                                    <p:set>
+                                      <p:cBhvr>
+                                        <p:cTn id="16" dur="1" fill="hold">
+                                          <p:stCondLst>
+                                            <p:cond delay="0"/>
+                                          </p:stCondLst>
+                                        </p:cTn>
+                                        <p:tgtEl>
+                                          <p:spTgt spid="3">
+                                            <p:txEl>
+                                              <p:pRg st="2" end="2"/>
+                                            </p:txEl>
+                                          </p:spTgt>
+                                        </p:tgtEl>
+                                        <p:attrNameLst>
+                                          <p:attrName>style.visibility</p:attrName>
+                                        </p:attrNameLst>
+                                      </p:cBhvr>
+                                      <p:to>
+                                        <p:strVal val="visible"/>
+                                      </p:to>
+                                    </p:set>
+                                    <p:animEffect transition="in" filter="fade">
+                                      <p:cBhvr>
+                                        <p:cTn id="17" dur="500"/>
+                                        <p:tgtEl>
+                                          <p:spTgt spid="3">
+                                            <p:txEl>
+                                              <p:pRg st="2" end="2"/>
+                                            </p:txEl>
+                                          </p:spTgt>
+                                        </p:tgtEl>
+                                      </p:cBhvr>
+                                    </p:animEffect>
+                                  </p:childTnLst>
+                                </p:cTn>
+                              </p:par>
+                            </p:childTnLst>
+                          </p:cTn>
+                        </p:par>
+                      </p:childTnLst>
+                    </p:cTn>
+                  </p:par>
+                </p:childTnLst>
+              </p:cTn>
+              <p:prevCondLst>
+                <p:cond evt="onPrev" delay="0">
+                  <p:tgtEl>
+                    <p:sldTgt/>
+                  </p:tgtEl>
+                </p:cond>
+              </p:prevCondLst>
+              <p:nextCondLst>
+                <p:cond evt="onNext" delay="0">
+                  <p:tgtEl>
+                    <p:sldTgt/>
+                  </p:tgtEl>
+                </p:cond>
+              </p:nextCondLst>
+            </p:seq>
+          </p:childTnLst>
+        </p:cTn>
+      </p:par>
+    </p:tnLst>
+  </p:timing>
 </p:sld>
 </file>
 
@@ -9492,6 +12468,988 @@
   <p:clrMapOvr>
     <a:masterClrMapping/>
   </p:clrMapOvr>
+  <p:timing>
+    <p:tnLst>
+      <p:par>
+        <p:cTn id="1" dur="indefinite" restart="never" nodeType="tmRoot">
+          <p:childTnLst>
+            <p:seq concurrent="1" nextAc="seek">
+              <p:cTn id="2" dur="indefinite" nodeType="mainSeq">
+                <p:childTnLst>
+                  <p:par>
+                    <p:cTn id="3" fill="hold">
+                      <p:stCondLst>
+                        <p:cond delay="indefinite"/>
+                      </p:stCondLst>
+                      <p:childTnLst>
+                        <p:par>
+                          <p:cTn id="4" fill="hold">
+                            <p:stCondLst>
+                              <p:cond delay="0"/>
+                            </p:stCondLst>
+                            <p:childTnLst>
+                              <p:par>
+                                <p:cTn id="5" presetID="10" presetClass="entr" presetSubtype="0" fill="hold" grpId="0" nodeType="clickEffect">
+                                  <p:stCondLst>
+                                    <p:cond delay="0"/>
+                                  </p:stCondLst>
+                                  <p:childTnLst>
+                                    <p:set>
+                                      <p:cBhvr>
+                                        <p:cTn id="6" dur="1" fill="hold">
+                                          <p:stCondLst>
+                                            <p:cond delay="0"/>
+                                          </p:stCondLst>
+                                        </p:cTn>
+                                        <p:tgtEl>
+                                          <p:spTgt spid="55"/>
+                                        </p:tgtEl>
+                                        <p:attrNameLst>
+                                          <p:attrName>style.visibility</p:attrName>
+                                        </p:attrNameLst>
+                                      </p:cBhvr>
+                                      <p:to>
+                                        <p:strVal val="visible"/>
+                                      </p:to>
+                                    </p:set>
+                                    <p:animEffect transition="in" filter="fade">
+                                      <p:cBhvr>
+                                        <p:cTn id="7" dur="500"/>
+                                        <p:tgtEl>
+                                          <p:spTgt spid="55"/>
+                                        </p:tgtEl>
+                                      </p:cBhvr>
+                                    </p:animEffect>
+                                  </p:childTnLst>
+                                </p:cTn>
+                              </p:par>
+                              <p:par>
+                                <p:cTn id="8" presetID="10" presetClass="entr" presetSubtype="0" fill="hold" grpId="0" nodeType="withEffect">
+                                  <p:stCondLst>
+                                    <p:cond delay="0"/>
+                                  </p:stCondLst>
+                                  <p:childTnLst>
+                                    <p:set>
+                                      <p:cBhvr>
+                                        <p:cTn id="9" dur="1" fill="hold">
+                                          <p:stCondLst>
+                                            <p:cond delay="0"/>
+                                          </p:stCondLst>
+                                        </p:cTn>
+                                        <p:tgtEl>
+                                          <p:spTgt spid="56"/>
+                                        </p:tgtEl>
+                                        <p:attrNameLst>
+                                          <p:attrName>style.visibility</p:attrName>
+                                        </p:attrNameLst>
+                                      </p:cBhvr>
+                                      <p:to>
+                                        <p:strVal val="visible"/>
+                                      </p:to>
+                                    </p:set>
+                                    <p:animEffect transition="in" filter="fade">
+                                      <p:cBhvr>
+                                        <p:cTn id="10" dur="500"/>
+                                        <p:tgtEl>
+                                          <p:spTgt spid="56"/>
+                                        </p:tgtEl>
+                                      </p:cBhvr>
+                                    </p:animEffect>
+                                  </p:childTnLst>
+                                </p:cTn>
+                              </p:par>
+                              <p:par>
+                                <p:cTn id="11" presetID="10" presetClass="entr" presetSubtype="0" fill="hold" grpId="0" nodeType="withEffect">
+                                  <p:stCondLst>
+                                    <p:cond delay="0"/>
+                                  </p:stCondLst>
+                                  <p:childTnLst>
+                                    <p:set>
+                                      <p:cBhvr>
+                                        <p:cTn id="12" dur="1" fill="hold">
+                                          <p:stCondLst>
+                                            <p:cond delay="0"/>
+                                          </p:stCondLst>
+                                        </p:cTn>
+                                        <p:tgtEl>
+                                          <p:spTgt spid="57"/>
+                                        </p:tgtEl>
+                                        <p:attrNameLst>
+                                          <p:attrName>style.visibility</p:attrName>
+                                        </p:attrNameLst>
+                                      </p:cBhvr>
+                                      <p:to>
+                                        <p:strVal val="visible"/>
+                                      </p:to>
+                                    </p:set>
+                                    <p:animEffect transition="in" filter="fade">
+                                      <p:cBhvr>
+                                        <p:cTn id="13" dur="500"/>
+                                        <p:tgtEl>
+                                          <p:spTgt spid="57"/>
+                                        </p:tgtEl>
+                                      </p:cBhvr>
+                                    </p:animEffect>
+                                  </p:childTnLst>
+                                </p:cTn>
+                              </p:par>
+                              <p:par>
+                                <p:cTn id="14" presetID="10" presetClass="entr" presetSubtype="0" fill="hold" grpId="0" nodeType="withEffect">
+                                  <p:stCondLst>
+                                    <p:cond delay="0"/>
+                                  </p:stCondLst>
+                                  <p:childTnLst>
+                                    <p:set>
+                                      <p:cBhvr>
+                                        <p:cTn id="15" dur="1" fill="hold">
+                                          <p:stCondLst>
+                                            <p:cond delay="0"/>
+                                          </p:stCondLst>
+                                        </p:cTn>
+                                        <p:tgtEl>
+                                          <p:spTgt spid="58"/>
+                                        </p:tgtEl>
+                                        <p:attrNameLst>
+                                          <p:attrName>style.visibility</p:attrName>
+                                        </p:attrNameLst>
+                                      </p:cBhvr>
+                                      <p:to>
+                                        <p:strVal val="visible"/>
+                                      </p:to>
+                                    </p:set>
+                                    <p:animEffect transition="in" filter="fade">
+                                      <p:cBhvr>
+                                        <p:cTn id="16" dur="500"/>
+                                        <p:tgtEl>
+                                          <p:spTgt spid="58"/>
+                                        </p:tgtEl>
+                                      </p:cBhvr>
+                                    </p:animEffect>
+                                  </p:childTnLst>
+                                </p:cTn>
+                              </p:par>
+                              <p:par>
+                                <p:cTn id="17" presetID="10" presetClass="entr" presetSubtype="0" fill="hold" grpId="0" nodeType="withEffect">
+                                  <p:stCondLst>
+                                    <p:cond delay="0"/>
+                                  </p:stCondLst>
+                                  <p:childTnLst>
+                                    <p:set>
+                                      <p:cBhvr>
+                                        <p:cTn id="18" dur="1" fill="hold">
+                                          <p:stCondLst>
+                                            <p:cond delay="0"/>
+                                          </p:stCondLst>
+                                        </p:cTn>
+                                        <p:tgtEl>
+                                          <p:spTgt spid="59"/>
+                                        </p:tgtEl>
+                                        <p:attrNameLst>
+                                          <p:attrName>style.visibility</p:attrName>
+                                        </p:attrNameLst>
+                                      </p:cBhvr>
+                                      <p:to>
+                                        <p:strVal val="visible"/>
+                                      </p:to>
+                                    </p:set>
+                                    <p:animEffect transition="in" filter="fade">
+                                      <p:cBhvr>
+                                        <p:cTn id="19" dur="500"/>
+                                        <p:tgtEl>
+                                          <p:spTgt spid="59"/>
+                                        </p:tgtEl>
+                                      </p:cBhvr>
+                                    </p:animEffect>
+                                  </p:childTnLst>
+                                </p:cTn>
+                              </p:par>
+                              <p:par>
+                                <p:cTn id="20" presetID="10" presetClass="entr" presetSubtype="0" fill="hold" grpId="0" nodeType="withEffect">
+                                  <p:stCondLst>
+                                    <p:cond delay="0"/>
+                                  </p:stCondLst>
+                                  <p:childTnLst>
+                                    <p:set>
+                                      <p:cBhvr>
+                                        <p:cTn id="21" dur="1" fill="hold">
+                                          <p:stCondLst>
+                                            <p:cond delay="0"/>
+                                          </p:stCondLst>
+                                        </p:cTn>
+                                        <p:tgtEl>
+                                          <p:spTgt spid="60"/>
+                                        </p:tgtEl>
+                                        <p:attrNameLst>
+                                          <p:attrName>style.visibility</p:attrName>
+                                        </p:attrNameLst>
+                                      </p:cBhvr>
+                                      <p:to>
+                                        <p:strVal val="visible"/>
+                                      </p:to>
+                                    </p:set>
+                                    <p:animEffect transition="in" filter="fade">
+                                      <p:cBhvr>
+                                        <p:cTn id="22" dur="500"/>
+                                        <p:tgtEl>
+                                          <p:spTgt spid="60"/>
+                                        </p:tgtEl>
+                                      </p:cBhvr>
+                                    </p:animEffect>
+                                  </p:childTnLst>
+                                </p:cTn>
+                              </p:par>
+                              <p:par>
+                                <p:cTn id="23" presetID="10" presetClass="entr" presetSubtype="0" fill="hold" grpId="0" nodeType="withEffect">
+                                  <p:stCondLst>
+                                    <p:cond delay="0"/>
+                                  </p:stCondLst>
+                                  <p:childTnLst>
+                                    <p:set>
+                                      <p:cBhvr>
+                                        <p:cTn id="24" dur="1" fill="hold">
+                                          <p:stCondLst>
+                                            <p:cond delay="0"/>
+                                          </p:stCondLst>
+                                        </p:cTn>
+                                        <p:tgtEl>
+                                          <p:spTgt spid="61"/>
+                                        </p:tgtEl>
+                                        <p:attrNameLst>
+                                          <p:attrName>style.visibility</p:attrName>
+                                        </p:attrNameLst>
+                                      </p:cBhvr>
+                                      <p:to>
+                                        <p:strVal val="visible"/>
+                                      </p:to>
+                                    </p:set>
+                                    <p:animEffect transition="in" filter="fade">
+                                      <p:cBhvr>
+                                        <p:cTn id="25" dur="500"/>
+                                        <p:tgtEl>
+                                          <p:spTgt spid="61"/>
+                                        </p:tgtEl>
+                                      </p:cBhvr>
+                                    </p:animEffect>
+                                  </p:childTnLst>
+                                </p:cTn>
+                              </p:par>
+                              <p:par>
+                                <p:cTn id="26" presetID="10" presetClass="entr" presetSubtype="0" fill="hold" grpId="0" nodeType="withEffect">
+                                  <p:stCondLst>
+                                    <p:cond delay="0"/>
+                                  </p:stCondLst>
+                                  <p:childTnLst>
+                                    <p:set>
+                                      <p:cBhvr>
+                                        <p:cTn id="27" dur="1" fill="hold">
+                                          <p:stCondLst>
+                                            <p:cond delay="0"/>
+                                          </p:stCondLst>
+                                        </p:cTn>
+                                        <p:tgtEl>
+                                          <p:spTgt spid="62"/>
+                                        </p:tgtEl>
+                                        <p:attrNameLst>
+                                          <p:attrName>style.visibility</p:attrName>
+                                        </p:attrNameLst>
+                                      </p:cBhvr>
+                                      <p:to>
+                                        <p:strVal val="visible"/>
+                                      </p:to>
+                                    </p:set>
+                                    <p:animEffect transition="in" filter="fade">
+                                      <p:cBhvr>
+                                        <p:cTn id="28" dur="500"/>
+                                        <p:tgtEl>
+                                          <p:spTgt spid="62"/>
+                                        </p:tgtEl>
+                                      </p:cBhvr>
+                                    </p:animEffect>
+                                  </p:childTnLst>
+                                </p:cTn>
+                              </p:par>
+                              <p:par>
+                                <p:cTn id="29" presetID="10" presetClass="entr" presetSubtype="0" fill="hold" grpId="0" nodeType="withEffect">
+                                  <p:stCondLst>
+                                    <p:cond delay="0"/>
+                                  </p:stCondLst>
+                                  <p:childTnLst>
+                                    <p:set>
+                                      <p:cBhvr>
+                                        <p:cTn id="30" dur="1" fill="hold">
+                                          <p:stCondLst>
+                                            <p:cond delay="0"/>
+                                          </p:stCondLst>
+                                        </p:cTn>
+                                        <p:tgtEl>
+                                          <p:spTgt spid="63"/>
+                                        </p:tgtEl>
+                                        <p:attrNameLst>
+                                          <p:attrName>style.visibility</p:attrName>
+                                        </p:attrNameLst>
+                                      </p:cBhvr>
+                                      <p:to>
+                                        <p:strVal val="visible"/>
+                                      </p:to>
+                                    </p:set>
+                                    <p:animEffect transition="in" filter="fade">
+                                      <p:cBhvr>
+                                        <p:cTn id="31" dur="500"/>
+                                        <p:tgtEl>
+                                          <p:spTgt spid="63"/>
+                                        </p:tgtEl>
+                                      </p:cBhvr>
+                                    </p:animEffect>
+                                  </p:childTnLst>
+                                </p:cTn>
+                              </p:par>
+                              <p:par>
+                                <p:cTn id="32" presetID="10" presetClass="entr" presetSubtype="0" fill="hold" nodeType="withEffect">
+                                  <p:stCondLst>
+                                    <p:cond delay="0"/>
+                                  </p:stCondLst>
+                                  <p:childTnLst>
+                                    <p:set>
+                                      <p:cBhvr>
+                                        <p:cTn id="33" dur="1" fill="hold">
+                                          <p:stCondLst>
+                                            <p:cond delay="0"/>
+                                          </p:stCondLst>
+                                        </p:cTn>
+                                        <p:tgtEl>
+                                          <p:spTgt spid="54"/>
+                                        </p:tgtEl>
+                                        <p:attrNameLst>
+                                          <p:attrName>style.visibility</p:attrName>
+                                        </p:attrNameLst>
+                                      </p:cBhvr>
+                                      <p:to>
+                                        <p:strVal val="visible"/>
+                                      </p:to>
+                                    </p:set>
+                                    <p:animEffect transition="in" filter="fade">
+                                      <p:cBhvr>
+                                        <p:cTn id="34" dur="500"/>
+                                        <p:tgtEl>
+                                          <p:spTgt spid="54"/>
+                                        </p:tgtEl>
+                                      </p:cBhvr>
+                                    </p:animEffect>
+                                  </p:childTnLst>
+                                </p:cTn>
+                              </p:par>
+                            </p:childTnLst>
+                          </p:cTn>
+                        </p:par>
+                      </p:childTnLst>
+                    </p:cTn>
+                  </p:par>
+                  <p:par>
+                    <p:cTn id="35" fill="hold">
+                      <p:stCondLst>
+                        <p:cond delay="indefinite"/>
+                      </p:stCondLst>
+                      <p:childTnLst>
+                        <p:par>
+                          <p:cTn id="36" fill="hold">
+                            <p:stCondLst>
+                              <p:cond delay="0"/>
+                            </p:stCondLst>
+                            <p:childTnLst>
+                              <p:par>
+                                <p:cTn id="37" presetID="10" presetClass="entr" presetSubtype="0" fill="hold" grpId="0" nodeType="clickEffect">
+                                  <p:stCondLst>
+                                    <p:cond delay="0"/>
+                                  </p:stCondLst>
+                                  <p:childTnLst>
+                                    <p:set>
+                                      <p:cBhvr>
+                                        <p:cTn id="38" dur="1" fill="hold">
+                                          <p:stCondLst>
+                                            <p:cond delay="0"/>
+                                          </p:stCondLst>
+                                        </p:cTn>
+                                        <p:tgtEl>
+                                          <p:spTgt spid="52"/>
+                                        </p:tgtEl>
+                                        <p:attrNameLst>
+                                          <p:attrName>style.visibility</p:attrName>
+                                        </p:attrNameLst>
+                                      </p:cBhvr>
+                                      <p:to>
+                                        <p:strVal val="visible"/>
+                                      </p:to>
+                                    </p:set>
+                                    <p:animEffect transition="in" filter="fade">
+                                      <p:cBhvr>
+                                        <p:cTn id="39" dur="500"/>
+                                        <p:tgtEl>
+                                          <p:spTgt spid="52"/>
+                                        </p:tgtEl>
+                                      </p:cBhvr>
+                                    </p:animEffect>
+                                  </p:childTnLst>
+                                </p:cTn>
+                              </p:par>
+                              <p:par>
+                                <p:cTn id="40" presetID="10" presetClass="entr" presetSubtype="0" fill="hold" nodeType="withEffect">
+                                  <p:stCondLst>
+                                    <p:cond delay="0"/>
+                                  </p:stCondLst>
+                                  <p:childTnLst>
+                                    <p:set>
+                                      <p:cBhvr>
+                                        <p:cTn id="41" dur="1" fill="hold">
+                                          <p:stCondLst>
+                                            <p:cond delay="0"/>
+                                          </p:stCondLst>
+                                        </p:cTn>
+                                        <p:tgtEl>
+                                          <p:spTgt spid="65"/>
+                                        </p:tgtEl>
+                                        <p:attrNameLst>
+                                          <p:attrName>style.visibility</p:attrName>
+                                        </p:attrNameLst>
+                                      </p:cBhvr>
+                                      <p:to>
+                                        <p:strVal val="visible"/>
+                                      </p:to>
+                                    </p:set>
+                                    <p:animEffect transition="in" filter="fade">
+                                      <p:cBhvr>
+                                        <p:cTn id="42" dur="500"/>
+                                        <p:tgtEl>
+                                          <p:spTgt spid="65"/>
+                                        </p:tgtEl>
+                                      </p:cBhvr>
+                                    </p:animEffect>
+                                  </p:childTnLst>
+                                </p:cTn>
+                              </p:par>
+                              <p:par>
+                                <p:cTn id="43" presetID="10" presetClass="entr" presetSubtype="0" fill="hold" grpId="0" nodeType="withEffect">
+                                  <p:stCondLst>
+                                    <p:cond delay="0"/>
+                                  </p:stCondLst>
+                                  <p:childTnLst>
+                                    <p:set>
+                                      <p:cBhvr>
+                                        <p:cTn id="44" dur="1" fill="hold">
+                                          <p:stCondLst>
+                                            <p:cond delay="0"/>
+                                          </p:stCondLst>
+                                        </p:cTn>
+                                        <p:tgtEl>
+                                          <p:spTgt spid="68"/>
+                                        </p:tgtEl>
+                                        <p:attrNameLst>
+                                          <p:attrName>style.visibility</p:attrName>
+                                        </p:attrNameLst>
+                                      </p:cBhvr>
+                                      <p:to>
+                                        <p:strVal val="visible"/>
+                                      </p:to>
+                                    </p:set>
+                                    <p:animEffect transition="in" filter="fade">
+                                      <p:cBhvr>
+                                        <p:cTn id="45" dur="500"/>
+                                        <p:tgtEl>
+                                          <p:spTgt spid="68"/>
+                                        </p:tgtEl>
+                                      </p:cBhvr>
+                                    </p:animEffect>
+                                  </p:childTnLst>
+                                </p:cTn>
+                              </p:par>
+                              <p:par>
+                                <p:cTn id="46" presetID="10" presetClass="entr" presetSubtype="0" fill="hold" grpId="0" nodeType="withEffect">
+                                  <p:stCondLst>
+                                    <p:cond delay="0"/>
+                                  </p:stCondLst>
+                                  <p:childTnLst>
+                                    <p:set>
+                                      <p:cBhvr>
+                                        <p:cTn id="47" dur="1" fill="hold">
+                                          <p:stCondLst>
+                                            <p:cond delay="0"/>
+                                          </p:stCondLst>
+                                        </p:cTn>
+                                        <p:tgtEl>
+                                          <p:spTgt spid="6"/>
+                                        </p:tgtEl>
+                                        <p:attrNameLst>
+                                          <p:attrName>style.visibility</p:attrName>
+                                        </p:attrNameLst>
+                                      </p:cBhvr>
+                                      <p:to>
+                                        <p:strVal val="visible"/>
+                                      </p:to>
+                                    </p:set>
+                                    <p:animEffect transition="in" filter="fade">
+                                      <p:cBhvr>
+                                        <p:cTn id="48" dur="500"/>
+                                        <p:tgtEl>
+                                          <p:spTgt spid="6"/>
+                                        </p:tgtEl>
+                                      </p:cBhvr>
+                                    </p:animEffect>
+                                  </p:childTnLst>
+                                </p:cTn>
+                              </p:par>
+                              <p:par>
+                                <p:cTn id="49" presetID="10" presetClass="entr" presetSubtype="0" fill="hold" grpId="0" nodeType="withEffect">
+                                  <p:stCondLst>
+                                    <p:cond delay="0"/>
+                                  </p:stCondLst>
+                                  <p:childTnLst>
+                                    <p:set>
+                                      <p:cBhvr>
+                                        <p:cTn id="50" dur="1" fill="hold">
+                                          <p:stCondLst>
+                                            <p:cond delay="0"/>
+                                          </p:stCondLst>
+                                        </p:cTn>
+                                        <p:tgtEl>
+                                          <p:spTgt spid="7"/>
+                                        </p:tgtEl>
+                                        <p:attrNameLst>
+                                          <p:attrName>style.visibility</p:attrName>
+                                        </p:attrNameLst>
+                                      </p:cBhvr>
+                                      <p:to>
+                                        <p:strVal val="visible"/>
+                                      </p:to>
+                                    </p:set>
+                                    <p:animEffect transition="in" filter="fade">
+                                      <p:cBhvr>
+                                        <p:cTn id="51" dur="500"/>
+                                        <p:tgtEl>
+                                          <p:spTgt spid="7"/>
+                                        </p:tgtEl>
+                                      </p:cBhvr>
+                                    </p:animEffect>
+                                  </p:childTnLst>
+                                </p:cTn>
+                              </p:par>
+                              <p:par>
+                                <p:cTn id="52" presetID="10" presetClass="entr" presetSubtype="0" fill="hold" grpId="0" nodeType="withEffect">
+                                  <p:stCondLst>
+                                    <p:cond delay="0"/>
+                                  </p:stCondLst>
+                                  <p:childTnLst>
+                                    <p:set>
+                                      <p:cBhvr>
+                                        <p:cTn id="53" dur="1" fill="hold">
+                                          <p:stCondLst>
+                                            <p:cond delay="0"/>
+                                          </p:stCondLst>
+                                        </p:cTn>
+                                        <p:tgtEl>
+                                          <p:spTgt spid="8"/>
+                                        </p:tgtEl>
+                                        <p:attrNameLst>
+                                          <p:attrName>style.visibility</p:attrName>
+                                        </p:attrNameLst>
+                                      </p:cBhvr>
+                                      <p:to>
+                                        <p:strVal val="visible"/>
+                                      </p:to>
+                                    </p:set>
+                                    <p:animEffect transition="in" filter="fade">
+                                      <p:cBhvr>
+                                        <p:cTn id="54" dur="500"/>
+                                        <p:tgtEl>
+                                          <p:spTgt spid="8"/>
+                                        </p:tgtEl>
+                                      </p:cBhvr>
+                                    </p:animEffect>
+                                  </p:childTnLst>
+                                </p:cTn>
+                              </p:par>
+                              <p:par>
+                                <p:cTn id="55" presetID="10" presetClass="entr" presetSubtype="0" fill="hold" grpId="0" nodeType="withEffect">
+                                  <p:stCondLst>
+                                    <p:cond delay="0"/>
+                                  </p:stCondLst>
+                                  <p:childTnLst>
+                                    <p:set>
+                                      <p:cBhvr>
+                                        <p:cTn id="56" dur="1" fill="hold">
+                                          <p:stCondLst>
+                                            <p:cond delay="0"/>
+                                          </p:stCondLst>
+                                        </p:cTn>
+                                        <p:tgtEl>
+                                          <p:spTgt spid="9"/>
+                                        </p:tgtEl>
+                                        <p:attrNameLst>
+                                          <p:attrName>style.visibility</p:attrName>
+                                        </p:attrNameLst>
+                                      </p:cBhvr>
+                                      <p:to>
+                                        <p:strVal val="visible"/>
+                                      </p:to>
+                                    </p:set>
+                                    <p:animEffect transition="in" filter="fade">
+                                      <p:cBhvr>
+                                        <p:cTn id="57" dur="500"/>
+                                        <p:tgtEl>
+                                          <p:spTgt spid="9"/>
+                                        </p:tgtEl>
+                                      </p:cBhvr>
+                                    </p:animEffect>
+                                  </p:childTnLst>
+                                </p:cTn>
+                              </p:par>
+                              <p:par>
+                                <p:cTn id="58" presetID="10" presetClass="entr" presetSubtype="0" fill="hold" grpId="0" nodeType="withEffect">
+                                  <p:stCondLst>
+                                    <p:cond delay="0"/>
+                                  </p:stCondLst>
+                                  <p:childTnLst>
+                                    <p:set>
+                                      <p:cBhvr>
+                                        <p:cTn id="59" dur="1" fill="hold">
+                                          <p:stCondLst>
+                                            <p:cond delay="0"/>
+                                          </p:stCondLst>
+                                        </p:cTn>
+                                        <p:tgtEl>
+                                          <p:spTgt spid="10"/>
+                                        </p:tgtEl>
+                                        <p:attrNameLst>
+                                          <p:attrName>style.visibility</p:attrName>
+                                        </p:attrNameLst>
+                                      </p:cBhvr>
+                                      <p:to>
+                                        <p:strVal val="visible"/>
+                                      </p:to>
+                                    </p:set>
+                                    <p:animEffect transition="in" filter="fade">
+                                      <p:cBhvr>
+                                        <p:cTn id="60" dur="500"/>
+                                        <p:tgtEl>
+                                          <p:spTgt spid="10"/>
+                                        </p:tgtEl>
+                                      </p:cBhvr>
+                                    </p:animEffect>
+                                  </p:childTnLst>
+                                </p:cTn>
+                              </p:par>
+                              <p:par>
+                                <p:cTn id="61" presetID="10" presetClass="entr" presetSubtype="0" fill="hold" grpId="0" nodeType="withEffect">
+                                  <p:stCondLst>
+                                    <p:cond delay="0"/>
+                                  </p:stCondLst>
+                                  <p:childTnLst>
+                                    <p:set>
+                                      <p:cBhvr>
+                                        <p:cTn id="62" dur="1" fill="hold">
+                                          <p:stCondLst>
+                                            <p:cond delay="0"/>
+                                          </p:stCondLst>
+                                        </p:cTn>
+                                        <p:tgtEl>
+                                          <p:spTgt spid="11"/>
+                                        </p:tgtEl>
+                                        <p:attrNameLst>
+                                          <p:attrName>style.visibility</p:attrName>
+                                        </p:attrNameLst>
+                                      </p:cBhvr>
+                                      <p:to>
+                                        <p:strVal val="visible"/>
+                                      </p:to>
+                                    </p:set>
+                                    <p:animEffect transition="in" filter="fade">
+                                      <p:cBhvr>
+                                        <p:cTn id="63" dur="500"/>
+                                        <p:tgtEl>
+                                          <p:spTgt spid="11"/>
+                                        </p:tgtEl>
+                                      </p:cBhvr>
+                                    </p:animEffect>
+                                  </p:childTnLst>
+                                </p:cTn>
+                              </p:par>
+                              <p:par>
+                                <p:cTn id="64" presetID="10" presetClass="entr" presetSubtype="0" fill="hold" grpId="0" nodeType="withEffect">
+                                  <p:stCondLst>
+                                    <p:cond delay="0"/>
+                                  </p:stCondLst>
+                                  <p:childTnLst>
+                                    <p:set>
+                                      <p:cBhvr>
+                                        <p:cTn id="65" dur="1" fill="hold">
+                                          <p:stCondLst>
+                                            <p:cond delay="0"/>
+                                          </p:stCondLst>
+                                        </p:cTn>
+                                        <p:tgtEl>
+                                          <p:spTgt spid="12"/>
+                                        </p:tgtEl>
+                                        <p:attrNameLst>
+                                          <p:attrName>style.visibility</p:attrName>
+                                        </p:attrNameLst>
+                                      </p:cBhvr>
+                                      <p:to>
+                                        <p:strVal val="visible"/>
+                                      </p:to>
+                                    </p:set>
+                                    <p:animEffect transition="in" filter="fade">
+                                      <p:cBhvr>
+                                        <p:cTn id="66" dur="500"/>
+                                        <p:tgtEl>
+                                          <p:spTgt spid="12"/>
+                                        </p:tgtEl>
+                                      </p:cBhvr>
+                                    </p:animEffect>
+                                  </p:childTnLst>
+                                </p:cTn>
+                              </p:par>
+                              <p:par>
+                                <p:cTn id="67" presetID="10" presetClass="entr" presetSubtype="0" fill="hold" grpId="0" nodeType="withEffect">
+                                  <p:stCondLst>
+                                    <p:cond delay="0"/>
+                                  </p:stCondLst>
+                                  <p:childTnLst>
+                                    <p:set>
+                                      <p:cBhvr>
+                                        <p:cTn id="68" dur="1" fill="hold">
+                                          <p:stCondLst>
+                                            <p:cond delay="0"/>
+                                          </p:stCondLst>
+                                        </p:cTn>
+                                        <p:tgtEl>
+                                          <p:spTgt spid="13"/>
+                                        </p:tgtEl>
+                                        <p:attrNameLst>
+                                          <p:attrName>style.visibility</p:attrName>
+                                        </p:attrNameLst>
+                                      </p:cBhvr>
+                                      <p:to>
+                                        <p:strVal val="visible"/>
+                                      </p:to>
+                                    </p:set>
+                                    <p:animEffect transition="in" filter="fade">
+                                      <p:cBhvr>
+                                        <p:cTn id="69" dur="500"/>
+                                        <p:tgtEl>
+                                          <p:spTgt spid="13"/>
+                                        </p:tgtEl>
+                                      </p:cBhvr>
+                                    </p:animEffect>
+                                  </p:childTnLst>
+                                </p:cTn>
+                              </p:par>
+                            </p:childTnLst>
+                          </p:cTn>
+                        </p:par>
+                      </p:childTnLst>
+                    </p:cTn>
+                  </p:par>
+                  <p:par>
+                    <p:cTn id="70" fill="hold">
+                      <p:stCondLst>
+                        <p:cond delay="indefinite"/>
+                      </p:stCondLst>
+                      <p:childTnLst>
+                        <p:par>
+                          <p:cTn id="71" fill="hold">
+                            <p:stCondLst>
+                              <p:cond delay="0"/>
+                            </p:stCondLst>
+                            <p:childTnLst>
+                              <p:par>
+                                <p:cTn id="72" presetID="10" presetClass="entr" presetSubtype="0" fill="hold" grpId="0" nodeType="clickEffect">
+                                  <p:stCondLst>
+                                    <p:cond delay="0"/>
+                                  </p:stCondLst>
+                                  <p:childTnLst>
+                                    <p:set>
+                                      <p:cBhvr>
+                                        <p:cTn id="73" dur="1" fill="hold">
+                                          <p:stCondLst>
+                                            <p:cond delay="0"/>
+                                          </p:stCondLst>
+                                        </p:cTn>
+                                        <p:tgtEl>
+                                          <p:spTgt spid="15"/>
+                                        </p:tgtEl>
+                                        <p:attrNameLst>
+                                          <p:attrName>style.visibility</p:attrName>
+                                        </p:attrNameLst>
+                                      </p:cBhvr>
+                                      <p:to>
+                                        <p:strVal val="visible"/>
+                                      </p:to>
+                                    </p:set>
+                                    <p:animEffect transition="in" filter="fade">
+                                      <p:cBhvr>
+                                        <p:cTn id="74" dur="500"/>
+                                        <p:tgtEl>
+                                          <p:spTgt spid="15"/>
+                                        </p:tgtEl>
+                                      </p:cBhvr>
+                                    </p:animEffect>
+                                  </p:childTnLst>
+                                </p:cTn>
+                              </p:par>
+                              <p:par>
+                                <p:cTn id="75" presetID="10" presetClass="entr" presetSubtype="0" fill="hold" nodeType="withEffect">
+                                  <p:stCondLst>
+                                    <p:cond delay="0"/>
+                                  </p:stCondLst>
+                                  <p:childTnLst>
+                                    <p:set>
+                                      <p:cBhvr>
+                                        <p:cTn id="76" dur="1" fill="hold">
+                                          <p:stCondLst>
+                                            <p:cond delay="0"/>
+                                          </p:stCondLst>
+                                        </p:cTn>
+                                        <p:tgtEl>
+                                          <p:spTgt spid="17"/>
+                                        </p:tgtEl>
+                                        <p:attrNameLst>
+                                          <p:attrName>style.visibility</p:attrName>
+                                        </p:attrNameLst>
+                                      </p:cBhvr>
+                                      <p:to>
+                                        <p:strVal val="visible"/>
+                                      </p:to>
+                                    </p:set>
+                                    <p:animEffect transition="in" filter="fade">
+                                      <p:cBhvr>
+                                        <p:cTn id="77" dur="500"/>
+                                        <p:tgtEl>
+                                          <p:spTgt spid="17"/>
+                                        </p:tgtEl>
+                                      </p:cBhvr>
+                                    </p:animEffect>
+                                  </p:childTnLst>
+                                </p:cTn>
+                              </p:par>
+                              <p:par>
+                                <p:cTn id="78" presetID="10" presetClass="entr" presetSubtype="0" fill="hold" nodeType="withEffect">
+                                  <p:stCondLst>
+                                    <p:cond delay="0"/>
+                                  </p:stCondLst>
+                                  <p:childTnLst>
+                                    <p:set>
+                                      <p:cBhvr>
+                                        <p:cTn id="79" dur="1" fill="hold">
+                                          <p:stCondLst>
+                                            <p:cond delay="0"/>
+                                          </p:stCondLst>
+                                        </p:cTn>
+                                        <p:tgtEl>
+                                          <p:spTgt spid="48"/>
+                                        </p:tgtEl>
+                                        <p:attrNameLst>
+                                          <p:attrName>style.visibility</p:attrName>
+                                        </p:attrNameLst>
+                                      </p:cBhvr>
+                                      <p:to>
+                                        <p:strVal val="visible"/>
+                                      </p:to>
+                                    </p:set>
+                                    <p:animEffect transition="in" filter="fade">
+                                      <p:cBhvr>
+                                        <p:cTn id="80" dur="500"/>
+                                        <p:tgtEl>
+                                          <p:spTgt spid="48"/>
+                                        </p:tgtEl>
+                                      </p:cBhvr>
+                                    </p:animEffect>
+                                  </p:childTnLst>
+                                </p:cTn>
+                              </p:par>
+                              <p:par>
+                                <p:cTn id="81" presetID="10" presetClass="entr" presetSubtype="0" fill="hold" grpId="0" nodeType="withEffect">
+                                  <p:stCondLst>
+                                    <p:cond delay="0"/>
+                                  </p:stCondLst>
+                                  <p:childTnLst>
+                                    <p:set>
+                                      <p:cBhvr>
+                                        <p:cTn id="82" dur="1" fill="hold">
+                                          <p:stCondLst>
+                                            <p:cond delay="0"/>
+                                          </p:stCondLst>
+                                        </p:cTn>
+                                        <p:tgtEl>
+                                          <p:spTgt spid="14"/>
+                                        </p:tgtEl>
+                                        <p:attrNameLst>
+                                          <p:attrName>style.visibility</p:attrName>
+                                        </p:attrNameLst>
+                                      </p:cBhvr>
+                                      <p:to>
+                                        <p:strVal val="visible"/>
+                                      </p:to>
+                                    </p:set>
+                                    <p:animEffect transition="in" filter="fade">
+                                      <p:cBhvr>
+                                        <p:cTn id="83" dur="500"/>
+                                        <p:tgtEl>
+                                          <p:spTgt spid="14"/>
+                                        </p:tgtEl>
+                                      </p:cBhvr>
+                                    </p:animEffect>
+                                  </p:childTnLst>
+                                </p:cTn>
+                              </p:par>
+                            </p:childTnLst>
+                          </p:cTn>
+                        </p:par>
+                      </p:childTnLst>
+                    </p:cTn>
+                  </p:par>
+                </p:childTnLst>
+              </p:cTn>
+              <p:prevCondLst>
+                <p:cond evt="onPrev" delay="0">
+                  <p:tgtEl>
+                    <p:sldTgt/>
+                  </p:tgtEl>
+                </p:cond>
+              </p:prevCondLst>
+              <p:nextCondLst>
+                <p:cond evt="onNext" delay="0">
+                  <p:tgtEl>
+                    <p:sldTgt/>
+                  </p:tgtEl>
+                </p:cond>
+              </p:nextCondLst>
+            </p:seq>
+          </p:childTnLst>
+        </p:cTn>
+      </p:par>
+    </p:tnLst>
+    <p:bldLst>
+      <p:bldP spid="14" grpId="0" animBg="1"/>
+      <p:bldP spid="6" grpId="0" animBg="1"/>
+      <p:bldP spid="7" grpId="0" animBg="1"/>
+      <p:bldP spid="8" grpId="0" animBg="1"/>
+      <p:bldP spid="9" grpId="0" animBg="1"/>
+      <p:bldP spid="10" grpId="0" animBg="1"/>
+      <p:bldP spid="11" grpId="0" animBg="1"/>
+      <p:bldP spid="12" grpId="0" animBg="1"/>
+      <p:bldP spid="13" grpId="0" animBg="1"/>
+      <p:bldP spid="15" grpId="0" animBg="1"/>
+      <p:bldP spid="52" grpId="0"/>
+      <p:bldP spid="55" grpId="0"/>
+      <p:bldP spid="56" grpId="0"/>
+      <p:bldP spid="57" grpId="0"/>
+      <p:bldP spid="58" grpId="0"/>
+      <p:bldP spid="59" grpId="0"/>
+      <p:bldP spid="60" grpId="0"/>
+      <p:bldP spid="61" grpId="0"/>
+      <p:bldP spid="62" grpId="0"/>
+      <p:bldP spid="63" grpId="0"/>
+      <p:bldP spid="68" grpId="0"/>
+    </p:bldLst>
+  </p:timing>
 </p:sld>
 </file>
 
@@ -11744,6 +15702,1600 @@
   <p:clrMapOvr>
     <a:masterClrMapping/>
   </p:clrMapOvr>
+  <p:timing>
+    <p:tnLst>
+      <p:par>
+        <p:cTn id="1" dur="indefinite" restart="never" nodeType="tmRoot">
+          <p:childTnLst>
+            <p:seq concurrent="1" nextAc="seek">
+              <p:cTn id="2" dur="indefinite" nodeType="mainSeq">
+                <p:childTnLst>
+                  <p:par>
+                    <p:cTn id="3" fill="hold">
+                      <p:stCondLst>
+                        <p:cond delay="indefinite"/>
+                      </p:stCondLst>
+                      <p:childTnLst>
+                        <p:par>
+                          <p:cTn id="4" fill="hold">
+                            <p:stCondLst>
+                              <p:cond delay="0"/>
+                            </p:stCondLst>
+                            <p:childTnLst>
+                              <p:par>
+                                <p:cTn id="5" presetID="10" presetClass="entr" presetSubtype="0" fill="hold" grpId="0" nodeType="clickEffect">
+                                  <p:stCondLst>
+                                    <p:cond delay="0"/>
+                                  </p:stCondLst>
+                                  <p:childTnLst>
+                                    <p:set>
+                                      <p:cBhvr>
+                                        <p:cTn id="6" dur="1" fill="hold">
+                                          <p:stCondLst>
+                                            <p:cond delay="0"/>
+                                          </p:stCondLst>
+                                        </p:cTn>
+                                        <p:tgtEl>
+                                          <p:spTgt spid="6"/>
+                                        </p:tgtEl>
+                                        <p:attrNameLst>
+                                          <p:attrName>style.visibility</p:attrName>
+                                        </p:attrNameLst>
+                                      </p:cBhvr>
+                                      <p:to>
+                                        <p:strVal val="visible"/>
+                                      </p:to>
+                                    </p:set>
+                                    <p:animEffect transition="in" filter="fade">
+                                      <p:cBhvr>
+                                        <p:cTn id="7" dur="500"/>
+                                        <p:tgtEl>
+                                          <p:spTgt spid="6"/>
+                                        </p:tgtEl>
+                                      </p:cBhvr>
+                                    </p:animEffect>
+                                  </p:childTnLst>
+                                </p:cTn>
+                              </p:par>
+                              <p:par>
+                                <p:cTn id="8" presetID="10" presetClass="entr" presetSubtype="0" fill="hold" grpId="0" nodeType="withEffect">
+                                  <p:stCondLst>
+                                    <p:cond delay="0"/>
+                                  </p:stCondLst>
+                                  <p:childTnLst>
+                                    <p:set>
+                                      <p:cBhvr>
+                                        <p:cTn id="9" dur="1" fill="hold">
+                                          <p:stCondLst>
+                                            <p:cond delay="0"/>
+                                          </p:stCondLst>
+                                        </p:cTn>
+                                        <p:tgtEl>
+                                          <p:spTgt spid="7"/>
+                                        </p:tgtEl>
+                                        <p:attrNameLst>
+                                          <p:attrName>style.visibility</p:attrName>
+                                        </p:attrNameLst>
+                                      </p:cBhvr>
+                                      <p:to>
+                                        <p:strVal val="visible"/>
+                                      </p:to>
+                                    </p:set>
+                                    <p:animEffect transition="in" filter="fade">
+                                      <p:cBhvr>
+                                        <p:cTn id="10" dur="500"/>
+                                        <p:tgtEl>
+                                          <p:spTgt spid="7"/>
+                                        </p:tgtEl>
+                                      </p:cBhvr>
+                                    </p:animEffect>
+                                  </p:childTnLst>
+                                </p:cTn>
+                              </p:par>
+                              <p:par>
+                                <p:cTn id="11" presetID="10" presetClass="entr" presetSubtype="0" fill="hold" grpId="0" nodeType="withEffect">
+                                  <p:stCondLst>
+                                    <p:cond delay="0"/>
+                                  </p:stCondLst>
+                                  <p:childTnLst>
+                                    <p:set>
+                                      <p:cBhvr>
+                                        <p:cTn id="12" dur="1" fill="hold">
+                                          <p:stCondLst>
+                                            <p:cond delay="0"/>
+                                          </p:stCondLst>
+                                        </p:cTn>
+                                        <p:tgtEl>
+                                          <p:spTgt spid="8"/>
+                                        </p:tgtEl>
+                                        <p:attrNameLst>
+                                          <p:attrName>style.visibility</p:attrName>
+                                        </p:attrNameLst>
+                                      </p:cBhvr>
+                                      <p:to>
+                                        <p:strVal val="visible"/>
+                                      </p:to>
+                                    </p:set>
+                                    <p:animEffect transition="in" filter="fade">
+                                      <p:cBhvr>
+                                        <p:cTn id="13" dur="500"/>
+                                        <p:tgtEl>
+                                          <p:spTgt spid="8"/>
+                                        </p:tgtEl>
+                                      </p:cBhvr>
+                                    </p:animEffect>
+                                  </p:childTnLst>
+                                </p:cTn>
+                              </p:par>
+                              <p:par>
+                                <p:cTn id="14" presetID="10" presetClass="entr" presetSubtype="0" fill="hold" grpId="0" nodeType="withEffect">
+                                  <p:stCondLst>
+                                    <p:cond delay="0"/>
+                                  </p:stCondLst>
+                                  <p:childTnLst>
+                                    <p:set>
+                                      <p:cBhvr>
+                                        <p:cTn id="15" dur="1" fill="hold">
+                                          <p:stCondLst>
+                                            <p:cond delay="0"/>
+                                          </p:stCondLst>
+                                        </p:cTn>
+                                        <p:tgtEl>
+                                          <p:spTgt spid="9"/>
+                                        </p:tgtEl>
+                                        <p:attrNameLst>
+                                          <p:attrName>style.visibility</p:attrName>
+                                        </p:attrNameLst>
+                                      </p:cBhvr>
+                                      <p:to>
+                                        <p:strVal val="visible"/>
+                                      </p:to>
+                                    </p:set>
+                                    <p:animEffect transition="in" filter="fade">
+                                      <p:cBhvr>
+                                        <p:cTn id="16" dur="500"/>
+                                        <p:tgtEl>
+                                          <p:spTgt spid="9"/>
+                                        </p:tgtEl>
+                                      </p:cBhvr>
+                                    </p:animEffect>
+                                  </p:childTnLst>
+                                </p:cTn>
+                              </p:par>
+                              <p:par>
+                                <p:cTn id="17" presetID="10" presetClass="entr" presetSubtype="0" fill="hold" grpId="0" nodeType="withEffect">
+                                  <p:stCondLst>
+                                    <p:cond delay="0"/>
+                                  </p:stCondLst>
+                                  <p:childTnLst>
+                                    <p:set>
+                                      <p:cBhvr>
+                                        <p:cTn id="18" dur="1" fill="hold">
+                                          <p:stCondLst>
+                                            <p:cond delay="0"/>
+                                          </p:stCondLst>
+                                        </p:cTn>
+                                        <p:tgtEl>
+                                          <p:spTgt spid="10"/>
+                                        </p:tgtEl>
+                                        <p:attrNameLst>
+                                          <p:attrName>style.visibility</p:attrName>
+                                        </p:attrNameLst>
+                                      </p:cBhvr>
+                                      <p:to>
+                                        <p:strVal val="visible"/>
+                                      </p:to>
+                                    </p:set>
+                                    <p:animEffect transition="in" filter="fade">
+                                      <p:cBhvr>
+                                        <p:cTn id="19" dur="500"/>
+                                        <p:tgtEl>
+                                          <p:spTgt spid="10"/>
+                                        </p:tgtEl>
+                                      </p:cBhvr>
+                                    </p:animEffect>
+                                  </p:childTnLst>
+                                </p:cTn>
+                              </p:par>
+                              <p:par>
+                                <p:cTn id="20" presetID="10" presetClass="entr" presetSubtype="0" fill="hold" grpId="0" nodeType="withEffect">
+                                  <p:stCondLst>
+                                    <p:cond delay="0"/>
+                                  </p:stCondLst>
+                                  <p:childTnLst>
+                                    <p:set>
+                                      <p:cBhvr>
+                                        <p:cTn id="21" dur="1" fill="hold">
+                                          <p:stCondLst>
+                                            <p:cond delay="0"/>
+                                          </p:stCondLst>
+                                        </p:cTn>
+                                        <p:tgtEl>
+                                          <p:spTgt spid="11"/>
+                                        </p:tgtEl>
+                                        <p:attrNameLst>
+                                          <p:attrName>style.visibility</p:attrName>
+                                        </p:attrNameLst>
+                                      </p:cBhvr>
+                                      <p:to>
+                                        <p:strVal val="visible"/>
+                                      </p:to>
+                                    </p:set>
+                                    <p:animEffect transition="in" filter="fade">
+                                      <p:cBhvr>
+                                        <p:cTn id="22" dur="500"/>
+                                        <p:tgtEl>
+                                          <p:spTgt spid="11"/>
+                                        </p:tgtEl>
+                                      </p:cBhvr>
+                                    </p:animEffect>
+                                  </p:childTnLst>
+                                </p:cTn>
+                              </p:par>
+                              <p:par>
+                                <p:cTn id="23" presetID="10" presetClass="entr" presetSubtype="0" fill="hold" grpId="0" nodeType="withEffect">
+                                  <p:stCondLst>
+                                    <p:cond delay="0"/>
+                                  </p:stCondLst>
+                                  <p:childTnLst>
+                                    <p:set>
+                                      <p:cBhvr>
+                                        <p:cTn id="24" dur="1" fill="hold">
+                                          <p:stCondLst>
+                                            <p:cond delay="0"/>
+                                          </p:stCondLst>
+                                        </p:cTn>
+                                        <p:tgtEl>
+                                          <p:spTgt spid="12"/>
+                                        </p:tgtEl>
+                                        <p:attrNameLst>
+                                          <p:attrName>style.visibility</p:attrName>
+                                        </p:attrNameLst>
+                                      </p:cBhvr>
+                                      <p:to>
+                                        <p:strVal val="visible"/>
+                                      </p:to>
+                                    </p:set>
+                                    <p:animEffect transition="in" filter="fade">
+                                      <p:cBhvr>
+                                        <p:cTn id="25" dur="500"/>
+                                        <p:tgtEl>
+                                          <p:spTgt spid="12"/>
+                                        </p:tgtEl>
+                                      </p:cBhvr>
+                                    </p:animEffect>
+                                  </p:childTnLst>
+                                </p:cTn>
+                              </p:par>
+                              <p:par>
+                                <p:cTn id="26" presetID="10" presetClass="entr" presetSubtype="0" fill="hold" grpId="0" nodeType="withEffect">
+                                  <p:stCondLst>
+                                    <p:cond delay="0"/>
+                                  </p:stCondLst>
+                                  <p:childTnLst>
+                                    <p:set>
+                                      <p:cBhvr>
+                                        <p:cTn id="27" dur="1" fill="hold">
+                                          <p:stCondLst>
+                                            <p:cond delay="0"/>
+                                          </p:stCondLst>
+                                        </p:cTn>
+                                        <p:tgtEl>
+                                          <p:spTgt spid="13"/>
+                                        </p:tgtEl>
+                                        <p:attrNameLst>
+                                          <p:attrName>style.visibility</p:attrName>
+                                        </p:attrNameLst>
+                                      </p:cBhvr>
+                                      <p:to>
+                                        <p:strVal val="visible"/>
+                                      </p:to>
+                                    </p:set>
+                                    <p:animEffect transition="in" filter="fade">
+                                      <p:cBhvr>
+                                        <p:cTn id="28" dur="500"/>
+                                        <p:tgtEl>
+                                          <p:spTgt spid="13"/>
+                                        </p:tgtEl>
+                                      </p:cBhvr>
+                                    </p:animEffect>
+                                  </p:childTnLst>
+                                </p:cTn>
+                              </p:par>
+                              <p:par>
+                                <p:cTn id="29" presetID="10" presetClass="entr" presetSubtype="0" fill="hold" grpId="0" nodeType="withEffect">
+                                  <p:stCondLst>
+                                    <p:cond delay="0"/>
+                                  </p:stCondLst>
+                                  <p:childTnLst>
+                                    <p:set>
+                                      <p:cBhvr>
+                                        <p:cTn id="30" dur="1" fill="hold">
+                                          <p:stCondLst>
+                                            <p:cond delay="0"/>
+                                          </p:stCondLst>
+                                        </p:cTn>
+                                        <p:tgtEl>
+                                          <p:spTgt spid="21"/>
+                                        </p:tgtEl>
+                                        <p:attrNameLst>
+                                          <p:attrName>style.visibility</p:attrName>
+                                        </p:attrNameLst>
+                                      </p:cBhvr>
+                                      <p:to>
+                                        <p:strVal val="visible"/>
+                                      </p:to>
+                                    </p:set>
+                                    <p:animEffect transition="in" filter="fade">
+                                      <p:cBhvr>
+                                        <p:cTn id="31" dur="500"/>
+                                        <p:tgtEl>
+                                          <p:spTgt spid="21"/>
+                                        </p:tgtEl>
+                                      </p:cBhvr>
+                                    </p:animEffect>
+                                  </p:childTnLst>
+                                </p:cTn>
+                              </p:par>
+                              <p:par>
+                                <p:cTn id="32" presetID="10" presetClass="entr" presetSubtype="0" fill="hold" grpId="0" nodeType="withEffect">
+                                  <p:stCondLst>
+                                    <p:cond delay="0"/>
+                                  </p:stCondLst>
+                                  <p:childTnLst>
+                                    <p:set>
+                                      <p:cBhvr>
+                                        <p:cTn id="33" dur="1" fill="hold">
+                                          <p:stCondLst>
+                                            <p:cond delay="0"/>
+                                          </p:stCondLst>
+                                        </p:cTn>
+                                        <p:tgtEl>
+                                          <p:spTgt spid="22"/>
+                                        </p:tgtEl>
+                                        <p:attrNameLst>
+                                          <p:attrName>style.visibility</p:attrName>
+                                        </p:attrNameLst>
+                                      </p:cBhvr>
+                                      <p:to>
+                                        <p:strVal val="visible"/>
+                                      </p:to>
+                                    </p:set>
+                                    <p:animEffect transition="in" filter="fade">
+                                      <p:cBhvr>
+                                        <p:cTn id="34" dur="500"/>
+                                        <p:tgtEl>
+                                          <p:spTgt spid="22"/>
+                                        </p:tgtEl>
+                                      </p:cBhvr>
+                                    </p:animEffect>
+                                  </p:childTnLst>
+                                </p:cTn>
+                              </p:par>
+                              <p:par>
+                                <p:cTn id="35" presetID="10" presetClass="entr" presetSubtype="0" fill="hold" grpId="0" nodeType="withEffect">
+                                  <p:stCondLst>
+                                    <p:cond delay="0"/>
+                                  </p:stCondLst>
+                                  <p:childTnLst>
+                                    <p:set>
+                                      <p:cBhvr>
+                                        <p:cTn id="36" dur="1" fill="hold">
+                                          <p:stCondLst>
+                                            <p:cond delay="0"/>
+                                          </p:stCondLst>
+                                        </p:cTn>
+                                        <p:tgtEl>
+                                          <p:spTgt spid="23"/>
+                                        </p:tgtEl>
+                                        <p:attrNameLst>
+                                          <p:attrName>style.visibility</p:attrName>
+                                        </p:attrNameLst>
+                                      </p:cBhvr>
+                                      <p:to>
+                                        <p:strVal val="visible"/>
+                                      </p:to>
+                                    </p:set>
+                                    <p:animEffect transition="in" filter="fade">
+                                      <p:cBhvr>
+                                        <p:cTn id="37" dur="500"/>
+                                        <p:tgtEl>
+                                          <p:spTgt spid="23"/>
+                                        </p:tgtEl>
+                                      </p:cBhvr>
+                                    </p:animEffect>
+                                  </p:childTnLst>
+                                </p:cTn>
+                              </p:par>
+                              <p:par>
+                                <p:cTn id="38" presetID="10" presetClass="entr" presetSubtype="0" fill="hold" grpId="0" nodeType="withEffect">
+                                  <p:stCondLst>
+                                    <p:cond delay="0"/>
+                                  </p:stCondLst>
+                                  <p:childTnLst>
+                                    <p:set>
+                                      <p:cBhvr>
+                                        <p:cTn id="39" dur="1" fill="hold">
+                                          <p:stCondLst>
+                                            <p:cond delay="0"/>
+                                          </p:stCondLst>
+                                        </p:cTn>
+                                        <p:tgtEl>
+                                          <p:spTgt spid="24"/>
+                                        </p:tgtEl>
+                                        <p:attrNameLst>
+                                          <p:attrName>style.visibility</p:attrName>
+                                        </p:attrNameLst>
+                                      </p:cBhvr>
+                                      <p:to>
+                                        <p:strVal val="visible"/>
+                                      </p:to>
+                                    </p:set>
+                                    <p:animEffect transition="in" filter="fade">
+                                      <p:cBhvr>
+                                        <p:cTn id="40" dur="500"/>
+                                        <p:tgtEl>
+                                          <p:spTgt spid="24"/>
+                                        </p:tgtEl>
+                                      </p:cBhvr>
+                                    </p:animEffect>
+                                  </p:childTnLst>
+                                </p:cTn>
+                              </p:par>
+                              <p:par>
+                                <p:cTn id="41" presetID="10" presetClass="entr" presetSubtype="0" fill="hold" grpId="0" nodeType="withEffect">
+                                  <p:stCondLst>
+                                    <p:cond delay="0"/>
+                                  </p:stCondLst>
+                                  <p:childTnLst>
+                                    <p:set>
+                                      <p:cBhvr>
+                                        <p:cTn id="42" dur="1" fill="hold">
+                                          <p:stCondLst>
+                                            <p:cond delay="0"/>
+                                          </p:stCondLst>
+                                        </p:cTn>
+                                        <p:tgtEl>
+                                          <p:spTgt spid="25"/>
+                                        </p:tgtEl>
+                                        <p:attrNameLst>
+                                          <p:attrName>style.visibility</p:attrName>
+                                        </p:attrNameLst>
+                                      </p:cBhvr>
+                                      <p:to>
+                                        <p:strVal val="visible"/>
+                                      </p:to>
+                                    </p:set>
+                                    <p:animEffect transition="in" filter="fade">
+                                      <p:cBhvr>
+                                        <p:cTn id="43" dur="500"/>
+                                        <p:tgtEl>
+                                          <p:spTgt spid="25"/>
+                                        </p:tgtEl>
+                                      </p:cBhvr>
+                                    </p:animEffect>
+                                  </p:childTnLst>
+                                </p:cTn>
+                              </p:par>
+                              <p:par>
+                                <p:cTn id="44" presetID="10" presetClass="entr" presetSubtype="0" fill="hold" grpId="0" nodeType="withEffect">
+                                  <p:stCondLst>
+                                    <p:cond delay="0"/>
+                                  </p:stCondLst>
+                                  <p:childTnLst>
+                                    <p:set>
+                                      <p:cBhvr>
+                                        <p:cTn id="45" dur="1" fill="hold">
+                                          <p:stCondLst>
+                                            <p:cond delay="0"/>
+                                          </p:stCondLst>
+                                        </p:cTn>
+                                        <p:tgtEl>
+                                          <p:spTgt spid="26"/>
+                                        </p:tgtEl>
+                                        <p:attrNameLst>
+                                          <p:attrName>style.visibility</p:attrName>
+                                        </p:attrNameLst>
+                                      </p:cBhvr>
+                                      <p:to>
+                                        <p:strVal val="visible"/>
+                                      </p:to>
+                                    </p:set>
+                                    <p:animEffect transition="in" filter="fade">
+                                      <p:cBhvr>
+                                        <p:cTn id="46" dur="500"/>
+                                        <p:tgtEl>
+                                          <p:spTgt spid="26"/>
+                                        </p:tgtEl>
+                                      </p:cBhvr>
+                                    </p:animEffect>
+                                  </p:childTnLst>
+                                </p:cTn>
+                              </p:par>
+                              <p:par>
+                                <p:cTn id="47" presetID="10" presetClass="entr" presetSubtype="0" fill="hold" grpId="0" nodeType="withEffect">
+                                  <p:stCondLst>
+                                    <p:cond delay="0"/>
+                                  </p:stCondLst>
+                                  <p:childTnLst>
+                                    <p:set>
+                                      <p:cBhvr>
+                                        <p:cTn id="48" dur="1" fill="hold">
+                                          <p:stCondLst>
+                                            <p:cond delay="0"/>
+                                          </p:stCondLst>
+                                        </p:cTn>
+                                        <p:tgtEl>
+                                          <p:spTgt spid="27"/>
+                                        </p:tgtEl>
+                                        <p:attrNameLst>
+                                          <p:attrName>style.visibility</p:attrName>
+                                        </p:attrNameLst>
+                                      </p:cBhvr>
+                                      <p:to>
+                                        <p:strVal val="visible"/>
+                                      </p:to>
+                                    </p:set>
+                                    <p:animEffect transition="in" filter="fade">
+                                      <p:cBhvr>
+                                        <p:cTn id="49" dur="500"/>
+                                        <p:tgtEl>
+                                          <p:spTgt spid="27"/>
+                                        </p:tgtEl>
+                                      </p:cBhvr>
+                                    </p:animEffect>
+                                  </p:childTnLst>
+                                </p:cTn>
+                              </p:par>
+                              <p:par>
+                                <p:cTn id="50" presetID="10" presetClass="entr" presetSubtype="0" fill="hold" grpId="0" nodeType="withEffect">
+                                  <p:stCondLst>
+                                    <p:cond delay="0"/>
+                                  </p:stCondLst>
+                                  <p:childTnLst>
+                                    <p:set>
+                                      <p:cBhvr>
+                                        <p:cTn id="51" dur="1" fill="hold">
+                                          <p:stCondLst>
+                                            <p:cond delay="0"/>
+                                          </p:stCondLst>
+                                        </p:cTn>
+                                        <p:tgtEl>
+                                          <p:spTgt spid="28"/>
+                                        </p:tgtEl>
+                                        <p:attrNameLst>
+                                          <p:attrName>style.visibility</p:attrName>
+                                        </p:attrNameLst>
+                                      </p:cBhvr>
+                                      <p:to>
+                                        <p:strVal val="visible"/>
+                                      </p:to>
+                                    </p:set>
+                                    <p:animEffect transition="in" filter="fade">
+                                      <p:cBhvr>
+                                        <p:cTn id="52" dur="500"/>
+                                        <p:tgtEl>
+                                          <p:spTgt spid="28"/>
+                                        </p:tgtEl>
+                                      </p:cBhvr>
+                                    </p:animEffect>
+                                  </p:childTnLst>
+                                </p:cTn>
+                              </p:par>
+                              <p:par>
+                                <p:cTn id="53" presetID="10" presetClass="entr" presetSubtype="0" fill="hold" grpId="0" nodeType="withEffect">
+                                  <p:stCondLst>
+                                    <p:cond delay="0"/>
+                                  </p:stCondLst>
+                                  <p:childTnLst>
+                                    <p:set>
+                                      <p:cBhvr>
+                                        <p:cTn id="54" dur="1" fill="hold">
+                                          <p:stCondLst>
+                                            <p:cond delay="0"/>
+                                          </p:stCondLst>
+                                        </p:cTn>
+                                        <p:tgtEl>
+                                          <p:spTgt spid="4"/>
+                                        </p:tgtEl>
+                                        <p:attrNameLst>
+                                          <p:attrName>style.visibility</p:attrName>
+                                        </p:attrNameLst>
+                                      </p:cBhvr>
+                                      <p:to>
+                                        <p:strVal val="visible"/>
+                                      </p:to>
+                                    </p:set>
+                                    <p:animEffect transition="in" filter="fade">
+                                      <p:cBhvr>
+                                        <p:cTn id="55" dur="500"/>
+                                        <p:tgtEl>
+                                          <p:spTgt spid="4"/>
+                                        </p:tgtEl>
+                                      </p:cBhvr>
+                                    </p:animEffect>
+                                  </p:childTnLst>
+                                </p:cTn>
+                              </p:par>
+                              <p:par>
+                                <p:cTn id="56" presetID="10" presetClass="entr" presetSubtype="0" fill="hold" grpId="0" nodeType="withEffect">
+                                  <p:stCondLst>
+                                    <p:cond delay="0"/>
+                                  </p:stCondLst>
+                                  <p:childTnLst>
+                                    <p:set>
+                                      <p:cBhvr>
+                                        <p:cTn id="57" dur="1" fill="hold">
+                                          <p:stCondLst>
+                                            <p:cond delay="0"/>
+                                          </p:stCondLst>
+                                        </p:cTn>
+                                        <p:tgtEl>
+                                          <p:spTgt spid="5"/>
+                                        </p:tgtEl>
+                                        <p:attrNameLst>
+                                          <p:attrName>style.visibility</p:attrName>
+                                        </p:attrNameLst>
+                                      </p:cBhvr>
+                                      <p:to>
+                                        <p:strVal val="visible"/>
+                                      </p:to>
+                                    </p:set>
+                                    <p:animEffect transition="in" filter="fade">
+                                      <p:cBhvr>
+                                        <p:cTn id="58" dur="500"/>
+                                        <p:tgtEl>
+                                          <p:spTgt spid="5"/>
+                                        </p:tgtEl>
+                                      </p:cBhvr>
+                                    </p:animEffect>
+                                  </p:childTnLst>
+                                </p:cTn>
+                              </p:par>
+                            </p:childTnLst>
+                          </p:cTn>
+                        </p:par>
+                      </p:childTnLst>
+                    </p:cTn>
+                  </p:par>
+                  <p:par>
+                    <p:cTn id="59" fill="hold">
+                      <p:stCondLst>
+                        <p:cond delay="indefinite"/>
+                      </p:stCondLst>
+                      <p:childTnLst>
+                        <p:par>
+                          <p:cTn id="60" fill="hold">
+                            <p:stCondLst>
+                              <p:cond delay="0"/>
+                            </p:stCondLst>
+                            <p:childTnLst>
+                              <p:par>
+                                <p:cTn id="61" presetID="10" presetClass="entr" presetSubtype="0" fill="hold" grpId="0" nodeType="clickEffect">
+                                  <p:stCondLst>
+                                    <p:cond delay="0"/>
+                                  </p:stCondLst>
+                                  <p:childTnLst>
+                                    <p:set>
+                                      <p:cBhvr>
+                                        <p:cTn id="62" dur="1" fill="hold">
+                                          <p:stCondLst>
+                                            <p:cond delay="0"/>
+                                          </p:stCondLst>
+                                        </p:cTn>
+                                        <p:tgtEl>
+                                          <p:spTgt spid="30"/>
+                                        </p:tgtEl>
+                                        <p:attrNameLst>
+                                          <p:attrName>style.visibility</p:attrName>
+                                        </p:attrNameLst>
+                                      </p:cBhvr>
+                                      <p:to>
+                                        <p:strVal val="visible"/>
+                                      </p:to>
+                                    </p:set>
+                                    <p:animEffect transition="in" filter="fade">
+                                      <p:cBhvr>
+                                        <p:cTn id="63" dur="500"/>
+                                        <p:tgtEl>
+                                          <p:spTgt spid="30"/>
+                                        </p:tgtEl>
+                                      </p:cBhvr>
+                                    </p:animEffect>
+                                  </p:childTnLst>
+                                </p:cTn>
+                              </p:par>
+                              <p:par>
+                                <p:cTn id="64" presetID="10" presetClass="entr" presetSubtype="0" fill="hold" grpId="0" nodeType="withEffect">
+                                  <p:stCondLst>
+                                    <p:cond delay="0"/>
+                                  </p:stCondLst>
+                                  <p:childTnLst>
+                                    <p:set>
+                                      <p:cBhvr>
+                                        <p:cTn id="65" dur="1" fill="hold">
+                                          <p:stCondLst>
+                                            <p:cond delay="0"/>
+                                          </p:stCondLst>
+                                        </p:cTn>
+                                        <p:tgtEl>
+                                          <p:spTgt spid="31"/>
+                                        </p:tgtEl>
+                                        <p:attrNameLst>
+                                          <p:attrName>style.visibility</p:attrName>
+                                        </p:attrNameLst>
+                                      </p:cBhvr>
+                                      <p:to>
+                                        <p:strVal val="visible"/>
+                                      </p:to>
+                                    </p:set>
+                                    <p:animEffect transition="in" filter="fade">
+                                      <p:cBhvr>
+                                        <p:cTn id="66" dur="500"/>
+                                        <p:tgtEl>
+                                          <p:spTgt spid="31"/>
+                                        </p:tgtEl>
+                                      </p:cBhvr>
+                                    </p:animEffect>
+                                  </p:childTnLst>
+                                </p:cTn>
+                              </p:par>
+                              <p:par>
+                                <p:cTn id="67" presetID="10" presetClass="entr" presetSubtype="0" fill="hold" grpId="0" nodeType="withEffect">
+                                  <p:stCondLst>
+                                    <p:cond delay="0"/>
+                                  </p:stCondLst>
+                                  <p:childTnLst>
+                                    <p:set>
+                                      <p:cBhvr>
+                                        <p:cTn id="68" dur="1" fill="hold">
+                                          <p:stCondLst>
+                                            <p:cond delay="0"/>
+                                          </p:stCondLst>
+                                        </p:cTn>
+                                        <p:tgtEl>
+                                          <p:spTgt spid="32"/>
+                                        </p:tgtEl>
+                                        <p:attrNameLst>
+                                          <p:attrName>style.visibility</p:attrName>
+                                        </p:attrNameLst>
+                                      </p:cBhvr>
+                                      <p:to>
+                                        <p:strVal val="visible"/>
+                                      </p:to>
+                                    </p:set>
+                                    <p:animEffect transition="in" filter="fade">
+                                      <p:cBhvr>
+                                        <p:cTn id="69" dur="500"/>
+                                        <p:tgtEl>
+                                          <p:spTgt spid="32"/>
+                                        </p:tgtEl>
+                                      </p:cBhvr>
+                                    </p:animEffect>
+                                  </p:childTnLst>
+                                </p:cTn>
+                              </p:par>
+                              <p:par>
+                                <p:cTn id="70" presetID="10" presetClass="entr" presetSubtype="0" fill="hold" grpId="0" nodeType="withEffect">
+                                  <p:stCondLst>
+                                    <p:cond delay="0"/>
+                                  </p:stCondLst>
+                                  <p:childTnLst>
+                                    <p:set>
+                                      <p:cBhvr>
+                                        <p:cTn id="71" dur="1" fill="hold">
+                                          <p:stCondLst>
+                                            <p:cond delay="0"/>
+                                          </p:stCondLst>
+                                        </p:cTn>
+                                        <p:tgtEl>
+                                          <p:spTgt spid="33"/>
+                                        </p:tgtEl>
+                                        <p:attrNameLst>
+                                          <p:attrName>style.visibility</p:attrName>
+                                        </p:attrNameLst>
+                                      </p:cBhvr>
+                                      <p:to>
+                                        <p:strVal val="visible"/>
+                                      </p:to>
+                                    </p:set>
+                                    <p:animEffect transition="in" filter="fade">
+                                      <p:cBhvr>
+                                        <p:cTn id="72" dur="500"/>
+                                        <p:tgtEl>
+                                          <p:spTgt spid="33"/>
+                                        </p:tgtEl>
+                                      </p:cBhvr>
+                                    </p:animEffect>
+                                  </p:childTnLst>
+                                </p:cTn>
+                              </p:par>
+                              <p:par>
+                                <p:cTn id="73" presetID="10" presetClass="entr" presetSubtype="0" fill="hold" grpId="0" nodeType="withEffect">
+                                  <p:stCondLst>
+                                    <p:cond delay="0"/>
+                                  </p:stCondLst>
+                                  <p:childTnLst>
+                                    <p:set>
+                                      <p:cBhvr>
+                                        <p:cTn id="74" dur="1" fill="hold">
+                                          <p:stCondLst>
+                                            <p:cond delay="0"/>
+                                          </p:stCondLst>
+                                        </p:cTn>
+                                        <p:tgtEl>
+                                          <p:spTgt spid="34"/>
+                                        </p:tgtEl>
+                                        <p:attrNameLst>
+                                          <p:attrName>style.visibility</p:attrName>
+                                        </p:attrNameLst>
+                                      </p:cBhvr>
+                                      <p:to>
+                                        <p:strVal val="visible"/>
+                                      </p:to>
+                                    </p:set>
+                                    <p:animEffect transition="in" filter="fade">
+                                      <p:cBhvr>
+                                        <p:cTn id="75" dur="500"/>
+                                        <p:tgtEl>
+                                          <p:spTgt spid="34"/>
+                                        </p:tgtEl>
+                                      </p:cBhvr>
+                                    </p:animEffect>
+                                  </p:childTnLst>
+                                </p:cTn>
+                              </p:par>
+                              <p:par>
+                                <p:cTn id="76" presetID="10" presetClass="entr" presetSubtype="0" fill="hold" grpId="0" nodeType="withEffect">
+                                  <p:stCondLst>
+                                    <p:cond delay="0"/>
+                                  </p:stCondLst>
+                                  <p:childTnLst>
+                                    <p:set>
+                                      <p:cBhvr>
+                                        <p:cTn id="77" dur="1" fill="hold">
+                                          <p:stCondLst>
+                                            <p:cond delay="0"/>
+                                          </p:stCondLst>
+                                        </p:cTn>
+                                        <p:tgtEl>
+                                          <p:spTgt spid="35"/>
+                                        </p:tgtEl>
+                                        <p:attrNameLst>
+                                          <p:attrName>style.visibility</p:attrName>
+                                        </p:attrNameLst>
+                                      </p:cBhvr>
+                                      <p:to>
+                                        <p:strVal val="visible"/>
+                                      </p:to>
+                                    </p:set>
+                                    <p:animEffect transition="in" filter="fade">
+                                      <p:cBhvr>
+                                        <p:cTn id="78" dur="500"/>
+                                        <p:tgtEl>
+                                          <p:spTgt spid="35"/>
+                                        </p:tgtEl>
+                                      </p:cBhvr>
+                                    </p:animEffect>
+                                  </p:childTnLst>
+                                </p:cTn>
+                              </p:par>
+                              <p:par>
+                                <p:cTn id="79" presetID="10" presetClass="entr" presetSubtype="0" fill="hold" grpId="0" nodeType="withEffect">
+                                  <p:stCondLst>
+                                    <p:cond delay="0"/>
+                                  </p:stCondLst>
+                                  <p:childTnLst>
+                                    <p:set>
+                                      <p:cBhvr>
+                                        <p:cTn id="80" dur="1" fill="hold">
+                                          <p:stCondLst>
+                                            <p:cond delay="0"/>
+                                          </p:stCondLst>
+                                        </p:cTn>
+                                        <p:tgtEl>
+                                          <p:spTgt spid="36"/>
+                                        </p:tgtEl>
+                                        <p:attrNameLst>
+                                          <p:attrName>style.visibility</p:attrName>
+                                        </p:attrNameLst>
+                                      </p:cBhvr>
+                                      <p:to>
+                                        <p:strVal val="visible"/>
+                                      </p:to>
+                                    </p:set>
+                                    <p:animEffect transition="in" filter="fade">
+                                      <p:cBhvr>
+                                        <p:cTn id="81" dur="500"/>
+                                        <p:tgtEl>
+                                          <p:spTgt spid="36"/>
+                                        </p:tgtEl>
+                                      </p:cBhvr>
+                                    </p:animEffect>
+                                  </p:childTnLst>
+                                </p:cTn>
+                              </p:par>
+                              <p:par>
+                                <p:cTn id="82" presetID="10" presetClass="entr" presetSubtype="0" fill="hold" grpId="0" nodeType="withEffect">
+                                  <p:stCondLst>
+                                    <p:cond delay="0"/>
+                                  </p:stCondLst>
+                                  <p:childTnLst>
+                                    <p:set>
+                                      <p:cBhvr>
+                                        <p:cTn id="83" dur="1" fill="hold">
+                                          <p:stCondLst>
+                                            <p:cond delay="0"/>
+                                          </p:stCondLst>
+                                        </p:cTn>
+                                        <p:tgtEl>
+                                          <p:spTgt spid="37"/>
+                                        </p:tgtEl>
+                                        <p:attrNameLst>
+                                          <p:attrName>style.visibility</p:attrName>
+                                        </p:attrNameLst>
+                                      </p:cBhvr>
+                                      <p:to>
+                                        <p:strVal val="visible"/>
+                                      </p:to>
+                                    </p:set>
+                                    <p:animEffect transition="in" filter="fade">
+                                      <p:cBhvr>
+                                        <p:cTn id="84" dur="500"/>
+                                        <p:tgtEl>
+                                          <p:spTgt spid="37"/>
+                                        </p:tgtEl>
+                                      </p:cBhvr>
+                                    </p:animEffect>
+                                  </p:childTnLst>
+                                </p:cTn>
+                              </p:par>
+                              <p:par>
+                                <p:cTn id="85" presetID="10" presetClass="entr" presetSubtype="0" fill="hold" grpId="0" nodeType="withEffect">
+                                  <p:stCondLst>
+                                    <p:cond delay="0"/>
+                                  </p:stCondLst>
+                                  <p:childTnLst>
+                                    <p:set>
+                                      <p:cBhvr>
+                                        <p:cTn id="86" dur="1" fill="hold">
+                                          <p:stCondLst>
+                                            <p:cond delay="0"/>
+                                          </p:stCondLst>
+                                        </p:cTn>
+                                        <p:tgtEl>
+                                          <p:spTgt spid="40"/>
+                                        </p:tgtEl>
+                                        <p:attrNameLst>
+                                          <p:attrName>style.visibility</p:attrName>
+                                        </p:attrNameLst>
+                                      </p:cBhvr>
+                                      <p:to>
+                                        <p:strVal val="visible"/>
+                                      </p:to>
+                                    </p:set>
+                                    <p:animEffect transition="in" filter="fade">
+                                      <p:cBhvr>
+                                        <p:cTn id="87" dur="500"/>
+                                        <p:tgtEl>
+                                          <p:spTgt spid="40"/>
+                                        </p:tgtEl>
+                                      </p:cBhvr>
+                                    </p:animEffect>
+                                  </p:childTnLst>
+                                </p:cTn>
+                              </p:par>
+                              <p:par>
+                                <p:cTn id="88" presetID="10" presetClass="entr" presetSubtype="0" fill="hold" grpId="0" nodeType="withEffect">
+                                  <p:stCondLst>
+                                    <p:cond delay="0"/>
+                                  </p:stCondLst>
+                                  <p:childTnLst>
+                                    <p:set>
+                                      <p:cBhvr>
+                                        <p:cTn id="89" dur="1" fill="hold">
+                                          <p:stCondLst>
+                                            <p:cond delay="0"/>
+                                          </p:stCondLst>
+                                        </p:cTn>
+                                        <p:tgtEl>
+                                          <p:spTgt spid="41"/>
+                                        </p:tgtEl>
+                                        <p:attrNameLst>
+                                          <p:attrName>style.visibility</p:attrName>
+                                        </p:attrNameLst>
+                                      </p:cBhvr>
+                                      <p:to>
+                                        <p:strVal val="visible"/>
+                                      </p:to>
+                                    </p:set>
+                                    <p:animEffect transition="in" filter="fade">
+                                      <p:cBhvr>
+                                        <p:cTn id="90" dur="500"/>
+                                        <p:tgtEl>
+                                          <p:spTgt spid="41"/>
+                                        </p:tgtEl>
+                                      </p:cBhvr>
+                                    </p:animEffect>
+                                  </p:childTnLst>
+                                </p:cTn>
+                              </p:par>
+                              <p:par>
+                                <p:cTn id="91" presetID="10" presetClass="entr" presetSubtype="0" fill="hold" grpId="0" nodeType="withEffect">
+                                  <p:stCondLst>
+                                    <p:cond delay="0"/>
+                                  </p:stCondLst>
+                                  <p:childTnLst>
+                                    <p:set>
+                                      <p:cBhvr>
+                                        <p:cTn id="92" dur="1" fill="hold">
+                                          <p:stCondLst>
+                                            <p:cond delay="0"/>
+                                          </p:stCondLst>
+                                        </p:cTn>
+                                        <p:tgtEl>
+                                          <p:spTgt spid="42"/>
+                                        </p:tgtEl>
+                                        <p:attrNameLst>
+                                          <p:attrName>style.visibility</p:attrName>
+                                        </p:attrNameLst>
+                                      </p:cBhvr>
+                                      <p:to>
+                                        <p:strVal val="visible"/>
+                                      </p:to>
+                                    </p:set>
+                                    <p:animEffect transition="in" filter="fade">
+                                      <p:cBhvr>
+                                        <p:cTn id="93" dur="500"/>
+                                        <p:tgtEl>
+                                          <p:spTgt spid="42"/>
+                                        </p:tgtEl>
+                                      </p:cBhvr>
+                                    </p:animEffect>
+                                  </p:childTnLst>
+                                </p:cTn>
+                              </p:par>
+                              <p:par>
+                                <p:cTn id="94" presetID="10" presetClass="entr" presetSubtype="0" fill="hold" grpId="0" nodeType="withEffect">
+                                  <p:stCondLst>
+                                    <p:cond delay="0"/>
+                                  </p:stCondLst>
+                                  <p:childTnLst>
+                                    <p:set>
+                                      <p:cBhvr>
+                                        <p:cTn id="95" dur="1" fill="hold">
+                                          <p:stCondLst>
+                                            <p:cond delay="0"/>
+                                          </p:stCondLst>
+                                        </p:cTn>
+                                        <p:tgtEl>
+                                          <p:spTgt spid="43"/>
+                                        </p:tgtEl>
+                                        <p:attrNameLst>
+                                          <p:attrName>style.visibility</p:attrName>
+                                        </p:attrNameLst>
+                                      </p:cBhvr>
+                                      <p:to>
+                                        <p:strVal val="visible"/>
+                                      </p:to>
+                                    </p:set>
+                                    <p:animEffect transition="in" filter="fade">
+                                      <p:cBhvr>
+                                        <p:cTn id="96" dur="500"/>
+                                        <p:tgtEl>
+                                          <p:spTgt spid="43"/>
+                                        </p:tgtEl>
+                                      </p:cBhvr>
+                                    </p:animEffect>
+                                  </p:childTnLst>
+                                </p:cTn>
+                              </p:par>
+                              <p:par>
+                                <p:cTn id="97" presetID="10" presetClass="entr" presetSubtype="0" fill="hold" grpId="0" nodeType="withEffect">
+                                  <p:stCondLst>
+                                    <p:cond delay="0"/>
+                                  </p:stCondLst>
+                                  <p:childTnLst>
+                                    <p:set>
+                                      <p:cBhvr>
+                                        <p:cTn id="98" dur="1" fill="hold">
+                                          <p:stCondLst>
+                                            <p:cond delay="0"/>
+                                          </p:stCondLst>
+                                        </p:cTn>
+                                        <p:tgtEl>
+                                          <p:spTgt spid="44"/>
+                                        </p:tgtEl>
+                                        <p:attrNameLst>
+                                          <p:attrName>style.visibility</p:attrName>
+                                        </p:attrNameLst>
+                                      </p:cBhvr>
+                                      <p:to>
+                                        <p:strVal val="visible"/>
+                                      </p:to>
+                                    </p:set>
+                                    <p:animEffect transition="in" filter="fade">
+                                      <p:cBhvr>
+                                        <p:cTn id="99" dur="500"/>
+                                        <p:tgtEl>
+                                          <p:spTgt spid="44"/>
+                                        </p:tgtEl>
+                                      </p:cBhvr>
+                                    </p:animEffect>
+                                  </p:childTnLst>
+                                </p:cTn>
+                              </p:par>
+                              <p:par>
+                                <p:cTn id="100" presetID="10" presetClass="entr" presetSubtype="0" fill="hold" grpId="0" nodeType="withEffect">
+                                  <p:stCondLst>
+                                    <p:cond delay="0"/>
+                                  </p:stCondLst>
+                                  <p:childTnLst>
+                                    <p:set>
+                                      <p:cBhvr>
+                                        <p:cTn id="101" dur="1" fill="hold">
+                                          <p:stCondLst>
+                                            <p:cond delay="0"/>
+                                          </p:stCondLst>
+                                        </p:cTn>
+                                        <p:tgtEl>
+                                          <p:spTgt spid="45"/>
+                                        </p:tgtEl>
+                                        <p:attrNameLst>
+                                          <p:attrName>style.visibility</p:attrName>
+                                        </p:attrNameLst>
+                                      </p:cBhvr>
+                                      <p:to>
+                                        <p:strVal val="visible"/>
+                                      </p:to>
+                                    </p:set>
+                                    <p:animEffect transition="in" filter="fade">
+                                      <p:cBhvr>
+                                        <p:cTn id="102" dur="500"/>
+                                        <p:tgtEl>
+                                          <p:spTgt spid="45"/>
+                                        </p:tgtEl>
+                                      </p:cBhvr>
+                                    </p:animEffect>
+                                  </p:childTnLst>
+                                </p:cTn>
+                              </p:par>
+                              <p:par>
+                                <p:cTn id="103" presetID="10" presetClass="entr" presetSubtype="0" fill="hold" grpId="0" nodeType="withEffect">
+                                  <p:stCondLst>
+                                    <p:cond delay="0"/>
+                                  </p:stCondLst>
+                                  <p:childTnLst>
+                                    <p:set>
+                                      <p:cBhvr>
+                                        <p:cTn id="104" dur="1" fill="hold">
+                                          <p:stCondLst>
+                                            <p:cond delay="0"/>
+                                          </p:stCondLst>
+                                        </p:cTn>
+                                        <p:tgtEl>
+                                          <p:spTgt spid="46"/>
+                                        </p:tgtEl>
+                                        <p:attrNameLst>
+                                          <p:attrName>style.visibility</p:attrName>
+                                        </p:attrNameLst>
+                                      </p:cBhvr>
+                                      <p:to>
+                                        <p:strVal val="visible"/>
+                                      </p:to>
+                                    </p:set>
+                                    <p:animEffect transition="in" filter="fade">
+                                      <p:cBhvr>
+                                        <p:cTn id="105" dur="500"/>
+                                        <p:tgtEl>
+                                          <p:spTgt spid="46"/>
+                                        </p:tgtEl>
+                                      </p:cBhvr>
+                                    </p:animEffect>
+                                  </p:childTnLst>
+                                </p:cTn>
+                              </p:par>
+                              <p:par>
+                                <p:cTn id="106" presetID="10" presetClass="entr" presetSubtype="0" fill="hold" grpId="0" nodeType="withEffect">
+                                  <p:stCondLst>
+                                    <p:cond delay="0"/>
+                                  </p:stCondLst>
+                                  <p:childTnLst>
+                                    <p:set>
+                                      <p:cBhvr>
+                                        <p:cTn id="107" dur="1" fill="hold">
+                                          <p:stCondLst>
+                                            <p:cond delay="0"/>
+                                          </p:stCondLst>
+                                        </p:cTn>
+                                        <p:tgtEl>
+                                          <p:spTgt spid="47"/>
+                                        </p:tgtEl>
+                                        <p:attrNameLst>
+                                          <p:attrName>style.visibility</p:attrName>
+                                        </p:attrNameLst>
+                                      </p:cBhvr>
+                                      <p:to>
+                                        <p:strVal val="visible"/>
+                                      </p:to>
+                                    </p:set>
+                                    <p:animEffect transition="in" filter="fade">
+                                      <p:cBhvr>
+                                        <p:cTn id="108" dur="500"/>
+                                        <p:tgtEl>
+                                          <p:spTgt spid="47"/>
+                                        </p:tgtEl>
+                                      </p:cBhvr>
+                                    </p:animEffect>
+                                  </p:childTnLst>
+                                </p:cTn>
+                              </p:par>
+                              <p:par>
+                                <p:cTn id="109" presetID="10" presetClass="entr" presetSubtype="0" fill="hold" nodeType="withEffect">
+                                  <p:stCondLst>
+                                    <p:cond delay="0"/>
+                                  </p:stCondLst>
+                                  <p:childTnLst>
+                                    <p:set>
+                                      <p:cBhvr>
+                                        <p:cTn id="110" dur="1" fill="hold">
+                                          <p:stCondLst>
+                                            <p:cond delay="0"/>
+                                          </p:stCondLst>
+                                        </p:cTn>
+                                        <p:tgtEl>
+                                          <p:spTgt spid="18"/>
+                                        </p:tgtEl>
+                                        <p:attrNameLst>
+                                          <p:attrName>style.visibility</p:attrName>
+                                        </p:attrNameLst>
+                                      </p:cBhvr>
+                                      <p:to>
+                                        <p:strVal val="visible"/>
+                                      </p:to>
+                                    </p:set>
+                                    <p:animEffect transition="in" filter="fade">
+                                      <p:cBhvr>
+                                        <p:cTn id="111" dur="500"/>
+                                        <p:tgtEl>
+                                          <p:spTgt spid="18"/>
+                                        </p:tgtEl>
+                                      </p:cBhvr>
+                                    </p:animEffect>
+                                  </p:childTnLst>
+                                </p:cTn>
+                              </p:par>
+                              <p:par>
+                                <p:cTn id="112" presetID="10" presetClass="entr" presetSubtype="0" fill="hold" nodeType="withEffect">
+                                  <p:stCondLst>
+                                    <p:cond delay="0"/>
+                                  </p:stCondLst>
+                                  <p:childTnLst>
+                                    <p:set>
+                                      <p:cBhvr>
+                                        <p:cTn id="113" dur="1" fill="hold">
+                                          <p:stCondLst>
+                                            <p:cond delay="0"/>
+                                          </p:stCondLst>
+                                        </p:cTn>
+                                        <p:tgtEl>
+                                          <p:spTgt spid="19"/>
+                                        </p:tgtEl>
+                                        <p:attrNameLst>
+                                          <p:attrName>style.visibility</p:attrName>
+                                        </p:attrNameLst>
+                                      </p:cBhvr>
+                                      <p:to>
+                                        <p:strVal val="visible"/>
+                                      </p:to>
+                                    </p:set>
+                                    <p:animEffect transition="in" filter="fade">
+                                      <p:cBhvr>
+                                        <p:cTn id="114" dur="500"/>
+                                        <p:tgtEl>
+                                          <p:spTgt spid="19"/>
+                                        </p:tgtEl>
+                                      </p:cBhvr>
+                                    </p:animEffect>
+                                  </p:childTnLst>
+                                </p:cTn>
+                              </p:par>
+                              <p:par>
+                                <p:cTn id="115" presetID="10" presetClass="entr" presetSubtype="0" fill="hold" grpId="0" nodeType="withEffect">
+                                  <p:stCondLst>
+                                    <p:cond delay="0"/>
+                                  </p:stCondLst>
+                                  <p:childTnLst>
+                                    <p:set>
+                                      <p:cBhvr>
+                                        <p:cTn id="116" dur="1" fill="hold">
+                                          <p:stCondLst>
+                                            <p:cond delay="0"/>
+                                          </p:stCondLst>
+                                        </p:cTn>
+                                        <p:tgtEl>
+                                          <p:spTgt spid="48"/>
+                                        </p:tgtEl>
+                                        <p:attrNameLst>
+                                          <p:attrName>style.visibility</p:attrName>
+                                        </p:attrNameLst>
+                                      </p:cBhvr>
+                                      <p:to>
+                                        <p:strVal val="visible"/>
+                                      </p:to>
+                                    </p:set>
+                                    <p:animEffect transition="in" filter="fade">
+                                      <p:cBhvr>
+                                        <p:cTn id="117" dur="500"/>
+                                        <p:tgtEl>
+                                          <p:spTgt spid="48"/>
+                                        </p:tgtEl>
+                                      </p:cBhvr>
+                                    </p:animEffect>
+                                  </p:childTnLst>
+                                </p:cTn>
+                              </p:par>
+                              <p:par>
+                                <p:cTn id="118" presetID="10" presetClass="entr" presetSubtype="0" fill="hold" grpId="0" nodeType="withEffect">
+                                  <p:stCondLst>
+                                    <p:cond delay="0"/>
+                                  </p:stCondLst>
+                                  <p:childTnLst>
+                                    <p:set>
+                                      <p:cBhvr>
+                                        <p:cTn id="119" dur="1" fill="hold">
+                                          <p:stCondLst>
+                                            <p:cond delay="0"/>
+                                          </p:stCondLst>
+                                        </p:cTn>
+                                        <p:tgtEl>
+                                          <p:spTgt spid="49"/>
+                                        </p:tgtEl>
+                                        <p:attrNameLst>
+                                          <p:attrName>style.visibility</p:attrName>
+                                        </p:attrNameLst>
+                                      </p:cBhvr>
+                                      <p:to>
+                                        <p:strVal val="visible"/>
+                                      </p:to>
+                                    </p:set>
+                                    <p:animEffect transition="in" filter="fade">
+                                      <p:cBhvr>
+                                        <p:cTn id="120" dur="500"/>
+                                        <p:tgtEl>
+                                          <p:spTgt spid="49"/>
+                                        </p:tgtEl>
+                                      </p:cBhvr>
+                                    </p:animEffect>
+                                  </p:childTnLst>
+                                </p:cTn>
+                              </p:par>
+                            </p:childTnLst>
+                          </p:cTn>
+                        </p:par>
+                      </p:childTnLst>
+                    </p:cTn>
+                  </p:par>
+                  <p:par>
+                    <p:cTn id="121" fill="hold">
+                      <p:stCondLst>
+                        <p:cond delay="indefinite"/>
+                      </p:stCondLst>
+                      <p:childTnLst>
+                        <p:par>
+                          <p:cTn id="122" fill="hold">
+                            <p:stCondLst>
+                              <p:cond delay="0"/>
+                            </p:stCondLst>
+                            <p:childTnLst>
+                              <p:par>
+                                <p:cTn id="123" presetID="10" presetClass="entr" presetSubtype="0" fill="hold" nodeType="clickEffect">
+                                  <p:stCondLst>
+                                    <p:cond delay="0"/>
+                                  </p:stCondLst>
+                                  <p:childTnLst>
+                                    <p:set>
+                                      <p:cBhvr>
+                                        <p:cTn id="124" dur="1" fill="hold">
+                                          <p:stCondLst>
+                                            <p:cond delay="0"/>
+                                          </p:stCondLst>
+                                        </p:cTn>
+                                        <p:tgtEl>
+                                          <p:spTgt spid="39"/>
+                                        </p:tgtEl>
+                                        <p:attrNameLst>
+                                          <p:attrName>style.visibility</p:attrName>
+                                        </p:attrNameLst>
+                                      </p:cBhvr>
+                                      <p:to>
+                                        <p:strVal val="visible"/>
+                                      </p:to>
+                                    </p:set>
+                                    <p:animEffect transition="in" filter="fade">
+                                      <p:cBhvr>
+                                        <p:cTn id="125" dur="500"/>
+                                        <p:tgtEl>
+                                          <p:spTgt spid="39"/>
+                                        </p:tgtEl>
+                                      </p:cBhvr>
+                                    </p:animEffect>
+                                  </p:childTnLst>
+                                </p:cTn>
+                              </p:par>
+                              <p:par>
+                                <p:cTn id="126" presetID="10" presetClass="entr" presetSubtype="0" fill="hold" grpId="0" nodeType="withEffect">
+                                  <p:stCondLst>
+                                    <p:cond delay="0"/>
+                                  </p:stCondLst>
+                                  <p:childTnLst>
+                                    <p:set>
+                                      <p:cBhvr>
+                                        <p:cTn id="127" dur="1" fill="hold">
+                                          <p:stCondLst>
+                                            <p:cond delay="0"/>
+                                          </p:stCondLst>
+                                        </p:cTn>
+                                        <p:tgtEl>
+                                          <p:spTgt spid="50"/>
+                                        </p:tgtEl>
+                                        <p:attrNameLst>
+                                          <p:attrName>style.visibility</p:attrName>
+                                        </p:attrNameLst>
+                                      </p:cBhvr>
+                                      <p:to>
+                                        <p:strVal val="visible"/>
+                                      </p:to>
+                                    </p:set>
+                                    <p:animEffect transition="in" filter="fade">
+                                      <p:cBhvr>
+                                        <p:cTn id="128" dur="500"/>
+                                        <p:tgtEl>
+                                          <p:spTgt spid="50"/>
+                                        </p:tgtEl>
+                                      </p:cBhvr>
+                                    </p:animEffect>
+                                  </p:childTnLst>
+                                </p:cTn>
+                              </p:par>
+                              <p:par>
+                                <p:cTn id="129" presetID="10" presetClass="entr" presetSubtype="0" fill="hold" nodeType="withEffect">
+                                  <p:stCondLst>
+                                    <p:cond delay="0"/>
+                                  </p:stCondLst>
+                                  <p:childTnLst>
+                                    <p:set>
+                                      <p:cBhvr>
+                                        <p:cTn id="130" dur="1" fill="hold">
+                                          <p:stCondLst>
+                                            <p:cond delay="0"/>
+                                          </p:stCondLst>
+                                        </p:cTn>
+                                        <p:tgtEl>
+                                          <p:spTgt spid="51"/>
+                                        </p:tgtEl>
+                                        <p:attrNameLst>
+                                          <p:attrName>style.visibility</p:attrName>
+                                        </p:attrNameLst>
+                                      </p:cBhvr>
+                                      <p:to>
+                                        <p:strVal val="visible"/>
+                                      </p:to>
+                                    </p:set>
+                                    <p:animEffect transition="in" filter="fade">
+                                      <p:cBhvr>
+                                        <p:cTn id="131" dur="500"/>
+                                        <p:tgtEl>
+                                          <p:spTgt spid="51"/>
+                                        </p:tgtEl>
+                                      </p:cBhvr>
+                                    </p:animEffect>
+                                  </p:childTnLst>
+                                </p:cTn>
+                              </p:par>
+                              <p:par>
+                                <p:cTn id="132" presetID="10" presetClass="entr" presetSubtype="0" fill="hold" grpId="0" nodeType="withEffect">
+                                  <p:stCondLst>
+                                    <p:cond delay="0"/>
+                                  </p:stCondLst>
+                                  <p:childTnLst>
+                                    <p:set>
+                                      <p:cBhvr>
+                                        <p:cTn id="133" dur="1" fill="hold">
+                                          <p:stCondLst>
+                                            <p:cond delay="0"/>
+                                          </p:stCondLst>
+                                        </p:cTn>
+                                        <p:tgtEl>
+                                          <p:spTgt spid="29"/>
+                                        </p:tgtEl>
+                                        <p:attrNameLst>
+                                          <p:attrName>style.visibility</p:attrName>
+                                        </p:attrNameLst>
+                                      </p:cBhvr>
+                                      <p:to>
+                                        <p:strVal val="visible"/>
+                                      </p:to>
+                                    </p:set>
+                                    <p:animEffect transition="in" filter="fade">
+                                      <p:cBhvr>
+                                        <p:cTn id="134" dur="500"/>
+                                        <p:tgtEl>
+                                          <p:spTgt spid="29"/>
+                                        </p:tgtEl>
+                                      </p:cBhvr>
+                                    </p:animEffect>
+                                  </p:childTnLst>
+                                </p:cTn>
+                              </p:par>
+                            </p:childTnLst>
+                          </p:cTn>
+                        </p:par>
+                      </p:childTnLst>
+                    </p:cTn>
+                  </p:par>
+                </p:childTnLst>
+              </p:cTn>
+              <p:prevCondLst>
+                <p:cond evt="onPrev" delay="0">
+                  <p:tgtEl>
+                    <p:sldTgt/>
+                  </p:tgtEl>
+                </p:cond>
+              </p:prevCondLst>
+              <p:nextCondLst>
+                <p:cond evt="onNext" delay="0">
+                  <p:tgtEl>
+                    <p:sldTgt/>
+                  </p:tgtEl>
+                </p:cond>
+              </p:nextCondLst>
+            </p:seq>
+          </p:childTnLst>
+        </p:cTn>
+      </p:par>
+    </p:tnLst>
+    <p:bldLst>
+      <p:bldP spid="6" grpId="0" animBg="1"/>
+      <p:bldP spid="7" grpId="0" animBg="1"/>
+      <p:bldP spid="8" grpId="0" animBg="1"/>
+      <p:bldP spid="9" grpId="0" animBg="1"/>
+      <p:bldP spid="10" grpId="0" animBg="1"/>
+      <p:bldP spid="11" grpId="0" animBg="1"/>
+      <p:bldP spid="12" grpId="0" animBg="1"/>
+      <p:bldP spid="13" grpId="0" animBg="1"/>
+      <p:bldP spid="21" grpId="0" animBg="1"/>
+      <p:bldP spid="22" grpId="0" animBg="1"/>
+      <p:bldP spid="23" grpId="0" animBg="1"/>
+      <p:bldP spid="24" grpId="0" animBg="1"/>
+      <p:bldP spid="25" grpId="0" animBg="1"/>
+      <p:bldP spid="26" grpId="0" animBg="1"/>
+      <p:bldP spid="27" grpId="0" animBg="1"/>
+      <p:bldP spid="28" grpId="0" animBg="1"/>
+      <p:bldP spid="29" grpId="0" animBg="1"/>
+      <p:bldP spid="30" grpId="0" animBg="1"/>
+      <p:bldP spid="31" grpId="0" animBg="1"/>
+      <p:bldP spid="32" grpId="0" animBg="1"/>
+      <p:bldP spid="33" grpId="0" animBg="1"/>
+      <p:bldP spid="34" grpId="0" animBg="1"/>
+      <p:bldP spid="35" grpId="0" animBg="1"/>
+      <p:bldP spid="36" grpId="0" animBg="1"/>
+      <p:bldP spid="37" grpId="0" animBg="1"/>
+      <p:bldP spid="40" grpId="0" animBg="1"/>
+      <p:bldP spid="41" grpId="0" animBg="1"/>
+      <p:bldP spid="42" grpId="0" animBg="1"/>
+      <p:bldP spid="43" grpId="0" animBg="1"/>
+      <p:bldP spid="44" grpId="0" animBg="1"/>
+      <p:bldP spid="45" grpId="0" animBg="1"/>
+      <p:bldP spid="46" grpId="0" animBg="1"/>
+      <p:bldP spid="47" grpId="0" animBg="1"/>
+      <p:bldP spid="4" grpId="0"/>
+      <p:bldP spid="5" grpId="0"/>
+      <p:bldP spid="48" grpId="0"/>
+      <p:bldP spid="49" grpId="0"/>
+      <p:bldP spid="50" grpId="0" animBg="1"/>
+    </p:bldLst>
+  </p:timing>
 </p:sld>
 </file>
 
@@ -13996,6 +19548,1600 @@
   <p:clrMapOvr>
     <a:masterClrMapping/>
   </p:clrMapOvr>
+  <p:timing>
+    <p:tnLst>
+      <p:par>
+        <p:cTn id="1" dur="indefinite" restart="never" nodeType="tmRoot">
+          <p:childTnLst>
+            <p:seq concurrent="1" nextAc="seek">
+              <p:cTn id="2" dur="indefinite" nodeType="mainSeq">
+                <p:childTnLst>
+                  <p:par>
+                    <p:cTn id="3" fill="hold">
+                      <p:stCondLst>
+                        <p:cond delay="indefinite"/>
+                      </p:stCondLst>
+                      <p:childTnLst>
+                        <p:par>
+                          <p:cTn id="4" fill="hold">
+                            <p:stCondLst>
+                              <p:cond delay="0"/>
+                            </p:stCondLst>
+                            <p:childTnLst>
+                              <p:par>
+                                <p:cTn id="5" presetID="10" presetClass="entr" presetSubtype="0" fill="hold" grpId="0" nodeType="clickEffect">
+                                  <p:stCondLst>
+                                    <p:cond delay="0"/>
+                                  </p:stCondLst>
+                                  <p:childTnLst>
+                                    <p:set>
+                                      <p:cBhvr>
+                                        <p:cTn id="6" dur="1" fill="hold">
+                                          <p:stCondLst>
+                                            <p:cond delay="0"/>
+                                          </p:stCondLst>
+                                        </p:cTn>
+                                        <p:tgtEl>
+                                          <p:spTgt spid="6"/>
+                                        </p:tgtEl>
+                                        <p:attrNameLst>
+                                          <p:attrName>style.visibility</p:attrName>
+                                        </p:attrNameLst>
+                                      </p:cBhvr>
+                                      <p:to>
+                                        <p:strVal val="visible"/>
+                                      </p:to>
+                                    </p:set>
+                                    <p:animEffect transition="in" filter="fade">
+                                      <p:cBhvr>
+                                        <p:cTn id="7" dur="500"/>
+                                        <p:tgtEl>
+                                          <p:spTgt spid="6"/>
+                                        </p:tgtEl>
+                                      </p:cBhvr>
+                                    </p:animEffect>
+                                  </p:childTnLst>
+                                </p:cTn>
+                              </p:par>
+                              <p:par>
+                                <p:cTn id="8" presetID="10" presetClass="entr" presetSubtype="0" fill="hold" grpId="0" nodeType="withEffect">
+                                  <p:stCondLst>
+                                    <p:cond delay="0"/>
+                                  </p:stCondLst>
+                                  <p:childTnLst>
+                                    <p:set>
+                                      <p:cBhvr>
+                                        <p:cTn id="9" dur="1" fill="hold">
+                                          <p:stCondLst>
+                                            <p:cond delay="0"/>
+                                          </p:stCondLst>
+                                        </p:cTn>
+                                        <p:tgtEl>
+                                          <p:spTgt spid="7"/>
+                                        </p:tgtEl>
+                                        <p:attrNameLst>
+                                          <p:attrName>style.visibility</p:attrName>
+                                        </p:attrNameLst>
+                                      </p:cBhvr>
+                                      <p:to>
+                                        <p:strVal val="visible"/>
+                                      </p:to>
+                                    </p:set>
+                                    <p:animEffect transition="in" filter="fade">
+                                      <p:cBhvr>
+                                        <p:cTn id="10" dur="500"/>
+                                        <p:tgtEl>
+                                          <p:spTgt spid="7"/>
+                                        </p:tgtEl>
+                                      </p:cBhvr>
+                                    </p:animEffect>
+                                  </p:childTnLst>
+                                </p:cTn>
+                              </p:par>
+                              <p:par>
+                                <p:cTn id="11" presetID="10" presetClass="entr" presetSubtype="0" fill="hold" grpId="0" nodeType="withEffect">
+                                  <p:stCondLst>
+                                    <p:cond delay="0"/>
+                                  </p:stCondLst>
+                                  <p:childTnLst>
+                                    <p:set>
+                                      <p:cBhvr>
+                                        <p:cTn id="12" dur="1" fill="hold">
+                                          <p:stCondLst>
+                                            <p:cond delay="0"/>
+                                          </p:stCondLst>
+                                        </p:cTn>
+                                        <p:tgtEl>
+                                          <p:spTgt spid="8"/>
+                                        </p:tgtEl>
+                                        <p:attrNameLst>
+                                          <p:attrName>style.visibility</p:attrName>
+                                        </p:attrNameLst>
+                                      </p:cBhvr>
+                                      <p:to>
+                                        <p:strVal val="visible"/>
+                                      </p:to>
+                                    </p:set>
+                                    <p:animEffect transition="in" filter="fade">
+                                      <p:cBhvr>
+                                        <p:cTn id="13" dur="500"/>
+                                        <p:tgtEl>
+                                          <p:spTgt spid="8"/>
+                                        </p:tgtEl>
+                                      </p:cBhvr>
+                                    </p:animEffect>
+                                  </p:childTnLst>
+                                </p:cTn>
+                              </p:par>
+                              <p:par>
+                                <p:cTn id="14" presetID="10" presetClass="entr" presetSubtype="0" fill="hold" grpId="0" nodeType="withEffect">
+                                  <p:stCondLst>
+                                    <p:cond delay="0"/>
+                                  </p:stCondLst>
+                                  <p:childTnLst>
+                                    <p:set>
+                                      <p:cBhvr>
+                                        <p:cTn id="15" dur="1" fill="hold">
+                                          <p:stCondLst>
+                                            <p:cond delay="0"/>
+                                          </p:stCondLst>
+                                        </p:cTn>
+                                        <p:tgtEl>
+                                          <p:spTgt spid="9"/>
+                                        </p:tgtEl>
+                                        <p:attrNameLst>
+                                          <p:attrName>style.visibility</p:attrName>
+                                        </p:attrNameLst>
+                                      </p:cBhvr>
+                                      <p:to>
+                                        <p:strVal val="visible"/>
+                                      </p:to>
+                                    </p:set>
+                                    <p:animEffect transition="in" filter="fade">
+                                      <p:cBhvr>
+                                        <p:cTn id="16" dur="500"/>
+                                        <p:tgtEl>
+                                          <p:spTgt spid="9"/>
+                                        </p:tgtEl>
+                                      </p:cBhvr>
+                                    </p:animEffect>
+                                  </p:childTnLst>
+                                </p:cTn>
+                              </p:par>
+                              <p:par>
+                                <p:cTn id="17" presetID="10" presetClass="entr" presetSubtype="0" fill="hold" grpId="0" nodeType="withEffect">
+                                  <p:stCondLst>
+                                    <p:cond delay="0"/>
+                                  </p:stCondLst>
+                                  <p:childTnLst>
+                                    <p:set>
+                                      <p:cBhvr>
+                                        <p:cTn id="18" dur="1" fill="hold">
+                                          <p:stCondLst>
+                                            <p:cond delay="0"/>
+                                          </p:stCondLst>
+                                        </p:cTn>
+                                        <p:tgtEl>
+                                          <p:spTgt spid="10"/>
+                                        </p:tgtEl>
+                                        <p:attrNameLst>
+                                          <p:attrName>style.visibility</p:attrName>
+                                        </p:attrNameLst>
+                                      </p:cBhvr>
+                                      <p:to>
+                                        <p:strVal val="visible"/>
+                                      </p:to>
+                                    </p:set>
+                                    <p:animEffect transition="in" filter="fade">
+                                      <p:cBhvr>
+                                        <p:cTn id="19" dur="500"/>
+                                        <p:tgtEl>
+                                          <p:spTgt spid="10"/>
+                                        </p:tgtEl>
+                                      </p:cBhvr>
+                                    </p:animEffect>
+                                  </p:childTnLst>
+                                </p:cTn>
+                              </p:par>
+                              <p:par>
+                                <p:cTn id="20" presetID="10" presetClass="entr" presetSubtype="0" fill="hold" grpId="0" nodeType="withEffect">
+                                  <p:stCondLst>
+                                    <p:cond delay="0"/>
+                                  </p:stCondLst>
+                                  <p:childTnLst>
+                                    <p:set>
+                                      <p:cBhvr>
+                                        <p:cTn id="21" dur="1" fill="hold">
+                                          <p:stCondLst>
+                                            <p:cond delay="0"/>
+                                          </p:stCondLst>
+                                        </p:cTn>
+                                        <p:tgtEl>
+                                          <p:spTgt spid="11"/>
+                                        </p:tgtEl>
+                                        <p:attrNameLst>
+                                          <p:attrName>style.visibility</p:attrName>
+                                        </p:attrNameLst>
+                                      </p:cBhvr>
+                                      <p:to>
+                                        <p:strVal val="visible"/>
+                                      </p:to>
+                                    </p:set>
+                                    <p:animEffect transition="in" filter="fade">
+                                      <p:cBhvr>
+                                        <p:cTn id="22" dur="500"/>
+                                        <p:tgtEl>
+                                          <p:spTgt spid="11"/>
+                                        </p:tgtEl>
+                                      </p:cBhvr>
+                                    </p:animEffect>
+                                  </p:childTnLst>
+                                </p:cTn>
+                              </p:par>
+                              <p:par>
+                                <p:cTn id="23" presetID="10" presetClass="entr" presetSubtype="0" fill="hold" grpId="0" nodeType="withEffect">
+                                  <p:stCondLst>
+                                    <p:cond delay="0"/>
+                                  </p:stCondLst>
+                                  <p:childTnLst>
+                                    <p:set>
+                                      <p:cBhvr>
+                                        <p:cTn id="24" dur="1" fill="hold">
+                                          <p:stCondLst>
+                                            <p:cond delay="0"/>
+                                          </p:stCondLst>
+                                        </p:cTn>
+                                        <p:tgtEl>
+                                          <p:spTgt spid="12"/>
+                                        </p:tgtEl>
+                                        <p:attrNameLst>
+                                          <p:attrName>style.visibility</p:attrName>
+                                        </p:attrNameLst>
+                                      </p:cBhvr>
+                                      <p:to>
+                                        <p:strVal val="visible"/>
+                                      </p:to>
+                                    </p:set>
+                                    <p:animEffect transition="in" filter="fade">
+                                      <p:cBhvr>
+                                        <p:cTn id="25" dur="500"/>
+                                        <p:tgtEl>
+                                          <p:spTgt spid="12"/>
+                                        </p:tgtEl>
+                                      </p:cBhvr>
+                                    </p:animEffect>
+                                  </p:childTnLst>
+                                </p:cTn>
+                              </p:par>
+                              <p:par>
+                                <p:cTn id="26" presetID="10" presetClass="entr" presetSubtype="0" fill="hold" grpId="0" nodeType="withEffect">
+                                  <p:stCondLst>
+                                    <p:cond delay="0"/>
+                                  </p:stCondLst>
+                                  <p:childTnLst>
+                                    <p:set>
+                                      <p:cBhvr>
+                                        <p:cTn id="27" dur="1" fill="hold">
+                                          <p:stCondLst>
+                                            <p:cond delay="0"/>
+                                          </p:stCondLst>
+                                        </p:cTn>
+                                        <p:tgtEl>
+                                          <p:spTgt spid="13"/>
+                                        </p:tgtEl>
+                                        <p:attrNameLst>
+                                          <p:attrName>style.visibility</p:attrName>
+                                        </p:attrNameLst>
+                                      </p:cBhvr>
+                                      <p:to>
+                                        <p:strVal val="visible"/>
+                                      </p:to>
+                                    </p:set>
+                                    <p:animEffect transition="in" filter="fade">
+                                      <p:cBhvr>
+                                        <p:cTn id="28" dur="500"/>
+                                        <p:tgtEl>
+                                          <p:spTgt spid="13"/>
+                                        </p:tgtEl>
+                                      </p:cBhvr>
+                                    </p:animEffect>
+                                  </p:childTnLst>
+                                </p:cTn>
+                              </p:par>
+                              <p:par>
+                                <p:cTn id="29" presetID="10" presetClass="entr" presetSubtype="0" fill="hold" grpId="0" nodeType="withEffect">
+                                  <p:stCondLst>
+                                    <p:cond delay="0"/>
+                                  </p:stCondLst>
+                                  <p:childTnLst>
+                                    <p:set>
+                                      <p:cBhvr>
+                                        <p:cTn id="30" dur="1" fill="hold">
+                                          <p:stCondLst>
+                                            <p:cond delay="0"/>
+                                          </p:stCondLst>
+                                        </p:cTn>
+                                        <p:tgtEl>
+                                          <p:spTgt spid="21"/>
+                                        </p:tgtEl>
+                                        <p:attrNameLst>
+                                          <p:attrName>style.visibility</p:attrName>
+                                        </p:attrNameLst>
+                                      </p:cBhvr>
+                                      <p:to>
+                                        <p:strVal val="visible"/>
+                                      </p:to>
+                                    </p:set>
+                                    <p:animEffect transition="in" filter="fade">
+                                      <p:cBhvr>
+                                        <p:cTn id="31" dur="500"/>
+                                        <p:tgtEl>
+                                          <p:spTgt spid="21"/>
+                                        </p:tgtEl>
+                                      </p:cBhvr>
+                                    </p:animEffect>
+                                  </p:childTnLst>
+                                </p:cTn>
+                              </p:par>
+                              <p:par>
+                                <p:cTn id="32" presetID="10" presetClass="entr" presetSubtype="0" fill="hold" grpId="0" nodeType="withEffect">
+                                  <p:stCondLst>
+                                    <p:cond delay="0"/>
+                                  </p:stCondLst>
+                                  <p:childTnLst>
+                                    <p:set>
+                                      <p:cBhvr>
+                                        <p:cTn id="33" dur="1" fill="hold">
+                                          <p:stCondLst>
+                                            <p:cond delay="0"/>
+                                          </p:stCondLst>
+                                        </p:cTn>
+                                        <p:tgtEl>
+                                          <p:spTgt spid="22"/>
+                                        </p:tgtEl>
+                                        <p:attrNameLst>
+                                          <p:attrName>style.visibility</p:attrName>
+                                        </p:attrNameLst>
+                                      </p:cBhvr>
+                                      <p:to>
+                                        <p:strVal val="visible"/>
+                                      </p:to>
+                                    </p:set>
+                                    <p:animEffect transition="in" filter="fade">
+                                      <p:cBhvr>
+                                        <p:cTn id="34" dur="500"/>
+                                        <p:tgtEl>
+                                          <p:spTgt spid="22"/>
+                                        </p:tgtEl>
+                                      </p:cBhvr>
+                                    </p:animEffect>
+                                  </p:childTnLst>
+                                </p:cTn>
+                              </p:par>
+                              <p:par>
+                                <p:cTn id="35" presetID="10" presetClass="entr" presetSubtype="0" fill="hold" grpId="0" nodeType="withEffect">
+                                  <p:stCondLst>
+                                    <p:cond delay="0"/>
+                                  </p:stCondLst>
+                                  <p:childTnLst>
+                                    <p:set>
+                                      <p:cBhvr>
+                                        <p:cTn id="36" dur="1" fill="hold">
+                                          <p:stCondLst>
+                                            <p:cond delay="0"/>
+                                          </p:stCondLst>
+                                        </p:cTn>
+                                        <p:tgtEl>
+                                          <p:spTgt spid="23"/>
+                                        </p:tgtEl>
+                                        <p:attrNameLst>
+                                          <p:attrName>style.visibility</p:attrName>
+                                        </p:attrNameLst>
+                                      </p:cBhvr>
+                                      <p:to>
+                                        <p:strVal val="visible"/>
+                                      </p:to>
+                                    </p:set>
+                                    <p:animEffect transition="in" filter="fade">
+                                      <p:cBhvr>
+                                        <p:cTn id="37" dur="500"/>
+                                        <p:tgtEl>
+                                          <p:spTgt spid="23"/>
+                                        </p:tgtEl>
+                                      </p:cBhvr>
+                                    </p:animEffect>
+                                  </p:childTnLst>
+                                </p:cTn>
+                              </p:par>
+                              <p:par>
+                                <p:cTn id="38" presetID="10" presetClass="entr" presetSubtype="0" fill="hold" grpId="0" nodeType="withEffect">
+                                  <p:stCondLst>
+                                    <p:cond delay="0"/>
+                                  </p:stCondLst>
+                                  <p:childTnLst>
+                                    <p:set>
+                                      <p:cBhvr>
+                                        <p:cTn id="39" dur="1" fill="hold">
+                                          <p:stCondLst>
+                                            <p:cond delay="0"/>
+                                          </p:stCondLst>
+                                        </p:cTn>
+                                        <p:tgtEl>
+                                          <p:spTgt spid="24"/>
+                                        </p:tgtEl>
+                                        <p:attrNameLst>
+                                          <p:attrName>style.visibility</p:attrName>
+                                        </p:attrNameLst>
+                                      </p:cBhvr>
+                                      <p:to>
+                                        <p:strVal val="visible"/>
+                                      </p:to>
+                                    </p:set>
+                                    <p:animEffect transition="in" filter="fade">
+                                      <p:cBhvr>
+                                        <p:cTn id="40" dur="500"/>
+                                        <p:tgtEl>
+                                          <p:spTgt spid="24"/>
+                                        </p:tgtEl>
+                                      </p:cBhvr>
+                                    </p:animEffect>
+                                  </p:childTnLst>
+                                </p:cTn>
+                              </p:par>
+                              <p:par>
+                                <p:cTn id="41" presetID="10" presetClass="entr" presetSubtype="0" fill="hold" grpId="0" nodeType="withEffect">
+                                  <p:stCondLst>
+                                    <p:cond delay="0"/>
+                                  </p:stCondLst>
+                                  <p:childTnLst>
+                                    <p:set>
+                                      <p:cBhvr>
+                                        <p:cTn id="42" dur="1" fill="hold">
+                                          <p:stCondLst>
+                                            <p:cond delay="0"/>
+                                          </p:stCondLst>
+                                        </p:cTn>
+                                        <p:tgtEl>
+                                          <p:spTgt spid="25"/>
+                                        </p:tgtEl>
+                                        <p:attrNameLst>
+                                          <p:attrName>style.visibility</p:attrName>
+                                        </p:attrNameLst>
+                                      </p:cBhvr>
+                                      <p:to>
+                                        <p:strVal val="visible"/>
+                                      </p:to>
+                                    </p:set>
+                                    <p:animEffect transition="in" filter="fade">
+                                      <p:cBhvr>
+                                        <p:cTn id="43" dur="500"/>
+                                        <p:tgtEl>
+                                          <p:spTgt spid="25"/>
+                                        </p:tgtEl>
+                                      </p:cBhvr>
+                                    </p:animEffect>
+                                  </p:childTnLst>
+                                </p:cTn>
+                              </p:par>
+                              <p:par>
+                                <p:cTn id="44" presetID="10" presetClass="entr" presetSubtype="0" fill="hold" grpId="0" nodeType="withEffect">
+                                  <p:stCondLst>
+                                    <p:cond delay="0"/>
+                                  </p:stCondLst>
+                                  <p:childTnLst>
+                                    <p:set>
+                                      <p:cBhvr>
+                                        <p:cTn id="45" dur="1" fill="hold">
+                                          <p:stCondLst>
+                                            <p:cond delay="0"/>
+                                          </p:stCondLst>
+                                        </p:cTn>
+                                        <p:tgtEl>
+                                          <p:spTgt spid="26"/>
+                                        </p:tgtEl>
+                                        <p:attrNameLst>
+                                          <p:attrName>style.visibility</p:attrName>
+                                        </p:attrNameLst>
+                                      </p:cBhvr>
+                                      <p:to>
+                                        <p:strVal val="visible"/>
+                                      </p:to>
+                                    </p:set>
+                                    <p:animEffect transition="in" filter="fade">
+                                      <p:cBhvr>
+                                        <p:cTn id="46" dur="500"/>
+                                        <p:tgtEl>
+                                          <p:spTgt spid="26"/>
+                                        </p:tgtEl>
+                                      </p:cBhvr>
+                                    </p:animEffect>
+                                  </p:childTnLst>
+                                </p:cTn>
+                              </p:par>
+                              <p:par>
+                                <p:cTn id="47" presetID="10" presetClass="entr" presetSubtype="0" fill="hold" grpId="0" nodeType="withEffect">
+                                  <p:stCondLst>
+                                    <p:cond delay="0"/>
+                                  </p:stCondLst>
+                                  <p:childTnLst>
+                                    <p:set>
+                                      <p:cBhvr>
+                                        <p:cTn id="48" dur="1" fill="hold">
+                                          <p:stCondLst>
+                                            <p:cond delay="0"/>
+                                          </p:stCondLst>
+                                        </p:cTn>
+                                        <p:tgtEl>
+                                          <p:spTgt spid="27"/>
+                                        </p:tgtEl>
+                                        <p:attrNameLst>
+                                          <p:attrName>style.visibility</p:attrName>
+                                        </p:attrNameLst>
+                                      </p:cBhvr>
+                                      <p:to>
+                                        <p:strVal val="visible"/>
+                                      </p:to>
+                                    </p:set>
+                                    <p:animEffect transition="in" filter="fade">
+                                      <p:cBhvr>
+                                        <p:cTn id="49" dur="500"/>
+                                        <p:tgtEl>
+                                          <p:spTgt spid="27"/>
+                                        </p:tgtEl>
+                                      </p:cBhvr>
+                                    </p:animEffect>
+                                  </p:childTnLst>
+                                </p:cTn>
+                              </p:par>
+                              <p:par>
+                                <p:cTn id="50" presetID="10" presetClass="entr" presetSubtype="0" fill="hold" grpId="0" nodeType="withEffect">
+                                  <p:stCondLst>
+                                    <p:cond delay="0"/>
+                                  </p:stCondLst>
+                                  <p:childTnLst>
+                                    <p:set>
+                                      <p:cBhvr>
+                                        <p:cTn id="51" dur="1" fill="hold">
+                                          <p:stCondLst>
+                                            <p:cond delay="0"/>
+                                          </p:stCondLst>
+                                        </p:cTn>
+                                        <p:tgtEl>
+                                          <p:spTgt spid="28"/>
+                                        </p:tgtEl>
+                                        <p:attrNameLst>
+                                          <p:attrName>style.visibility</p:attrName>
+                                        </p:attrNameLst>
+                                      </p:cBhvr>
+                                      <p:to>
+                                        <p:strVal val="visible"/>
+                                      </p:to>
+                                    </p:set>
+                                    <p:animEffect transition="in" filter="fade">
+                                      <p:cBhvr>
+                                        <p:cTn id="52" dur="500"/>
+                                        <p:tgtEl>
+                                          <p:spTgt spid="28"/>
+                                        </p:tgtEl>
+                                      </p:cBhvr>
+                                    </p:animEffect>
+                                  </p:childTnLst>
+                                </p:cTn>
+                              </p:par>
+                              <p:par>
+                                <p:cTn id="53" presetID="10" presetClass="entr" presetSubtype="0" fill="hold" grpId="0" nodeType="withEffect">
+                                  <p:stCondLst>
+                                    <p:cond delay="0"/>
+                                  </p:stCondLst>
+                                  <p:childTnLst>
+                                    <p:set>
+                                      <p:cBhvr>
+                                        <p:cTn id="54" dur="1" fill="hold">
+                                          <p:stCondLst>
+                                            <p:cond delay="0"/>
+                                          </p:stCondLst>
+                                        </p:cTn>
+                                        <p:tgtEl>
+                                          <p:spTgt spid="4"/>
+                                        </p:tgtEl>
+                                        <p:attrNameLst>
+                                          <p:attrName>style.visibility</p:attrName>
+                                        </p:attrNameLst>
+                                      </p:cBhvr>
+                                      <p:to>
+                                        <p:strVal val="visible"/>
+                                      </p:to>
+                                    </p:set>
+                                    <p:animEffect transition="in" filter="fade">
+                                      <p:cBhvr>
+                                        <p:cTn id="55" dur="500"/>
+                                        <p:tgtEl>
+                                          <p:spTgt spid="4"/>
+                                        </p:tgtEl>
+                                      </p:cBhvr>
+                                    </p:animEffect>
+                                  </p:childTnLst>
+                                </p:cTn>
+                              </p:par>
+                              <p:par>
+                                <p:cTn id="56" presetID="10" presetClass="entr" presetSubtype="0" fill="hold" grpId="0" nodeType="withEffect">
+                                  <p:stCondLst>
+                                    <p:cond delay="0"/>
+                                  </p:stCondLst>
+                                  <p:childTnLst>
+                                    <p:set>
+                                      <p:cBhvr>
+                                        <p:cTn id="57" dur="1" fill="hold">
+                                          <p:stCondLst>
+                                            <p:cond delay="0"/>
+                                          </p:stCondLst>
+                                        </p:cTn>
+                                        <p:tgtEl>
+                                          <p:spTgt spid="5"/>
+                                        </p:tgtEl>
+                                        <p:attrNameLst>
+                                          <p:attrName>style.visibility</p:attrName>
+                                        </p:attrNameLst>
+                                      </p:cBhvr>
+                                      <p:to>
+                                        <p:strVal val="visible"/>
+                                      </p:to>
+                                    </p:set>
+                                    <p:animEffect transition="in" filter="fade">
+                                      <p:cBhvr>
+                                        <p:cTn id="58" dur="500"/>
+                                        <p:tgtEl>
+                                          <p:spTgt spid="5"/>
+                                        </p:tgtEl>
+                                      </p:cBhvr>
+                                    </p:animEffect>
+                                  </p:childTnLst>
+                                </p:cTn>
+                              </p:par>
+                            </p:childTnLst>
+                          </p:cTn>
+                        </p:par>
+                      </p:childTnLst>
+                    </p:cTn>
+                  </p:par>
+                  <p:par>
+                    <p:cTn id="59" fill="hold">
+                      <p:stCondLst>
+                        <p:cond delay="indefinite"/>
+                      </p:stCondLst>
+                      <p:childTnLst>
+                        <p:par>
+                          <p:cTn id="60" fill="hold">
+                            <p:stCondLst>
+                              <p:cond delay="0"/>
+                            </p:stCondLst>
+                            <p:childTnLst>
+                              <p:par>
+                                <p:cTn id="61" presetID="10" presetClass="entr" presetSubtype="0" fill="hold" grpId="0" nodeType="clickEffect">
+                                  <p:stCondLst>
+                                    <p:cond delay="0"/>
+                                  </p:stCondLst>
+                                  <p:childTnLst>
+                                    <p:set>
+                                      <p:cBhvr>
+                                        <p:cTn id="62" dur="1" fill="hold">
+                                          <p:stCondLst>
+                                            <p:cond delay="0"/>
+                                          </p:stCondLst>
+                                        </p:cTn>
+                                        <p:tgtEl>
+                                          <p:spTgt spid="30"/>
+                                        </p:tgtEl>
+                                        <p:attrNameLst>
+                                          <p:attrName>style.visibility</p:attrName>
+                                        </p:attrNameLst>
+                                      </p:cBhvr>
+                                      <p:to>
+                                        <p:strVal val="visible"/>
+                                      </p:to>
+                                    </p:set>
+                                    <p:animEffect transition="in" filter="fade">
+                                      <p:cBhvr>
+                                        <p:cTn id="63" dur="500"/>
+                                        <p:tgtEl>
+                                          <p:spTgt spid="30"/>
+                                        </p:tgtEl>
+                                      </p:cBhvr>
+                                    </p:animEffect>
+                                  </p:childTnLst>
+                                </p:cTn>
+                              </p:par>
+                              <p:par>
+                                <p:cTn id="64" presetID="10" presetClass="entr" presetSubtype="0" fill="hold" grpId="0" nodeType="withEffect">
+                                  <p:stCondLst>
+                                    <p:cond delay="0"/>
+                                  </p:stCondLst>
+                                  <p:childTnLst>
+                                    <p:set>
+                                      <p:cBhvr>
+                                        <p:cTn id="65" dur="1" fill="hold">
+                                          <p:stCondLst>
+                                            <p:cond delay="0"/>
+                                          </p:stCondLst>
+                                        </p:cTn>
+                                        <p:tgtEl>
+                                          <p:spTgt spid="31"/>
+                                        </p:tgtEl>
+                                        <p:attrNameLst>
+                                          <p:attrName>style.visibility</p:attrName>
+                                        </p:attrNameLst>
+                                      </p:cBhvr>
+                                      <p:to>
+                                        <p:strVal val="visible"/>
+                                      </p:to>
+                                    </p:set>
+                                    <p:animEffect transition="in" filter="fade">
+                                      <p:cBhvr>
+                                        <p:cTn id="66" dur="500"/>
+                                        <p:tgtEl>
+                                          <p:spTgt spid="31"/>
+                                        </p:tgtEl>
+                                      </p:cBhvr>
+                                    </p:animEffect>
+                                  </p:childTnLst>
+                                </p:cTn>
+                              </p:par>
+                              <p:par>
+                                <p:cTn id="67" presetID="10" presetClass="entr" presetSubtype="0" fill="hold" grpId="0" nodeType="withEffect">
+                                  <p:stCondLst>
+                                    <p:cond delay="0"/>
+                                  </p:stCondLst>
+                                  <p:childTnLst>
+                                    <p:set>
+                                      <p:cBhvr>
+                                        <p:cTn id="68" dur="1" fill="hold">
+                                          <p:stCondLst>
+                                            <p:cond delay="0"/>
+                                          </p:stCondLst>
+                                        </p:cTn>
+                                        <p:tgtEl>
+                                          <p:spTgt spid="32"/>
+                                        </p:tgtEl>
+                                        <p:attrNameLst>
+                                          <p:attrName>style.visibility</p:attrName>
+                                        </p:attrNameLst>
+                                      </p:cBhvr>
+                                      <p:to>
+                                        <p:strVal val="visible"/>
+                                      </p:to>
+                                    </p:set>
+                                    <p:animEffect transition="in" filter="fade">
+                                      <p:cBhvr>
+                                        <p:cTn id="69" dur="500"/>
+                                        <p:tgtEl>
+                                          <p:spTgt spid="32"/>
+                                        </p:tgtEl>
+                                      </p:cBhvr>
+                                    </p:animEffect>
+                                  </p:childTnLst>
+                                </p:cTn>
+                              </p:par>
+                              <p:par>
+                                <p:cTn id="70" presetID="10" presetClass="entr" presetSubtype="0" fill="hold" grpId="0" nodeType="withEffect">
+                                  <p:stCondLst>
+                                    <p:cond delay="0"/>
+                                  </p:stCondLst>
+                                  <p:childTnLst>
+                                    <p:set>
+                                      <p:cBhvr>
+                                        <p:cTn id="71" dur="1" fill="hold">
+                                          <p:stCondLst>
+                                            <p:cond delay="0"/>
+                                          </p:stCondLst>
+                                        </p:cTn>
+                                        <p:tgtEl>
+                                          <p:spTgt spid="33"/>
+                                        </p:tgtEl>
+                                        <p:attrNameLst>
+                                          <p:attrName>style.visibility</p:attrName>
+                                        </p:attrNameLst>
+                                      </p:cBhvr>
+                                      <p:to>
+                                        <p:strVal val="visible"/>
+                                      </p:to>
+                                    </p:set>
+                                    <p:animEffect transition="in" filter="fade">
+                                      <p:cBhvr>
+                                        <p:cTn id="72" dur="500"/>
+                                        <p:tgtEl>
+                                          <p:spTgt spid="33"/>
+                                        </p:tgtEl>
+                                      </p:cBhvr>
+                                    </p:animEffect>
+                                  </p:childTnLst>
+                                </p:cTn>
+                              </p:par>
+                              <p:par>
+                                <p:cTn id="73" presetID="10" presetClass="entr" presetSubtype="0" fill="hold" grpId="0" nodeType="withEffect">
+                                  <p:stCondLst>
+                                    <p:cond delay="0"/>
+                                  </p:stCondLst>
+                                  <p:childTnLst>
+                                    <p:set>
+                                      <p:cBhvr>
+                                        <p:cTn id="74" dur="1" fill="hold">
+                                          <p:stCondLst>
+                                            <p:cond delay="0"/>
+                                          </p:stCondLst>
+                                        </p:cTn>
+                                        <p:tgtEl>
+                                          <p:spTgt spid="34"/>
+                                        </p:tgtEl>
+                                        <p:attrNameLst>
+                                          <p:attrName>style.visibility</p:attrName>
+                                        </p:attrNameLst>
+                                      </p:cBhvr>
+                                      <p:to>
+                                        <p:strVal val="visible"/>
+                                      </p:to>
+                                    </p:set>
+                                    <p:animEffect transition="in" filter="fade">
+                                      <p:cBhvr>
+                                        <p:cTn id="75" dur="500"/>
+                                        <p:tgtEl>
+                                          <p:spTgt spid="34"/>
+                                        </p:tgtEl>
+                                      </p:cBhvr>
+                                    </p:animEffect>
+                                  </p:childTnLst>
+                                </p:cTn>
+                              </p:par>
+                              <p:par>
+                                <p:cTn id="76" presetID="10" presetClass="entr" presetSubtype="0" fill="hold" grpId="0" nodeType="withEffect">
+                                  <p:stCondLst>
+                                    <p:cond delay="0"/>
+                                  </p:stCondLst>
+                                  <p:childTnLst>
+                                    <p:set>
+                                      <p:cBhvr>
+                                        <p:cTn id="77" dur="1" fill="hold">
+                                          <p:stCondLst>
+                                            <p:cond delay="0"/>
+                                          </p:stCondLst>
+                                        </p:cTn>
+                                        <p:tgtEl>
+                                          <p:spTgt spid="35"/>
+                                        </p:tgtEl>
+                                        <p:attrNameLst>
+                                          <p:attrName>style.visibility</p:attrName>
+                                        </p:attrNameLst>
+                                      </p:cBhvr>
+                                      <p:to>
+                                        <p:strVal val="visible"/>
+                                      </p:to>
+                                    </p:set>
+                                    <p:animEffect transition="in" filter="fade">
+                                      <p:cBhvr>
+                                        <p:cTn id="78" dur="500"/>
+                                        <p:tgtEl>
+                                          <p:spTgt spid="35"/>
+                                        </p:tgtEl>
+                                      </p:cBhvr>
+                                    </p:animEffect>
+                                  </p:childTnLst>
+                                </p:cTn>
+                              </p:par>
+                              <p:par>
+                                <p:cTn id="79" presetID="10" presetClass="entr" presetSubtype="0" fill="hold" grpId="0" nodeType="withEffect">
+                                  <p:stCondLst>
+                                    <p:cond delay="0"/>
+                                  </p:stCondLst>
+                                  <p:childTnLst>
+                                    <p:set>
+                                      <p:cBhvr>
+                                        <p:cTn id="80" dur="1" fill="hold">
+                                          <p:stCondLst>
+                                            <p:cond delay="0"/>
+                                          </p:stCondLst>
+                                        </p:cTn>
+                                        <p:tgtEl>
+                                          <p:spTgt spid="36"/>
+                                        </p:tgtEl>
+                                        <p:attrNameLst>
+                                          <p:attrName>style.visibility</p:attrName>
+                                        </p:attrNameLst>
+                                      </p:cBhvr>
+                                      <p:to>
+                                        <p:strVal val="visible"/>
+                                      </p:to>
+                                    </p:set>
+                                    <p:animEffect transition="in" filter="fade">
+                                      <p:cBhvr>
+                                        <p:cTn id="81" dur="500"/>
+                                        <p:tgtEl>
+                                          <p:spTgt spid="36"/>
+                                        </p:tgtEl>
+                                      </p:cBhvr>
+                                    </p:animEffect>
+                                  </p:childTnLst>
+                                </p:cTn>
+                              </p:par>
+                              <p:par>
+                                <p:cTn id="82" presetID="10" presetClass="entr" presetSubtype="0" fill="hold" grpId="0" nodeType="withEffect">
+                                  <p:stCondLst>
+                                    <p:cond delay="0"/>
+                                  </p:stCondLst>
+                                  <p:childTnLst>
+                                    <p:set>
+                                      <p:cBhvr>
+                                        <p:cTn id="83" dur="1" fill="hold">
+                                          <p:stCondLst>
+                                            <p:cond delay="0"/>
+                                          </p:stCondLst>
+                                        </p:cTn>
+                                        <p:tgtEl>
+                                          <p:spTgt spid="37"/>
+                                        </p:tgtEl>
+                                        <p:attrNameLst>
+                                          <p:attrName>style.visibility</p:attrName>
+                                        </p:attrNameLst>
+                                      </p:cBhvr>
+                                      <p:to>
+                                        <p:strVal val="visible"/>
+                                      </p:to>
+                                    </p:set>
+                                    <p:animEffect transition="in" filter="fade">
+                                      <p:cBhvr>
+                                        <p:cTn id="84" dur="500"/>
+                                        <p:tgtEl>
+                                          <p:spTgt spid="37"/>
+                                        </p:tgtEl>
+                                      </p:cBhvr>
+                                    </p:animEffect>
+                                  </p:childTnLst>
+                                </p:cTn>
+                              </p:par>
+                              <p:par>
+                                <p:cTn id="85" presetID="10" presetClass="entr" presetSubtype="0" fill="hold" grpId="0" nodeType="withEffect">
+                                  <p:stCondLst>
+                                    <p:cond delay="0"/>
+                                  </p:stCondLst>
+                                  <p:childTnLst>
+                                    <p:set>
+                                      <p:cBhvr>
+                                        <p:cTn id="86" dur="1" fill="hold">
+                                          <p:stCondLst>
+                                            <p:cond delay="0"/>
+                                          </p:stCondLst>
+                                        </p:cTn>
+                                        <p:tgtEl>
+                                          <p:spTgt spid="40"/>
+                                        </p:tgtEl>
+                                        <p:attrNameLst>
+                                          <p:attrName>style.visibility</p:attrName>
+                                        </p:attrNameLst>
+                                      </p:cBhvr>
+                                      <p:to>
+                                        <p:strVal val="visible"/>
+                                      </p:to>
+                                    </p:set>
+                                    <p:animEffect transition="in" filter="fade">
+                                      <p:cBhvr>
+                                        <p:cTn id="87" dur="500"/>
+                                        <p:tgtEl>
+                                          <p:spTgt spid="40"/>
+                                        </p:tgtEl>
+                                      </p:cBhvr>
+                                    </p:animEffect>
+                                  </p:childTnLst>
+                                </p:cTn>
+                              </p:par>
+                              <p:par>
+                                <p:cTn id="88" presetID="10" presetClass="entr" presetSubtype="0" fill="hold" grpId="0" nodeType="withEffect">
+                                  <p:stCondLst>
+                                    <p:cond delay="0"/>
+                                  </p:stCondLst>
+                                  <p:childTnLst>
+                                    <p:set>
+                                      <p:cBhvr>
+                                        <p:cTn id="89" dur="1" fill="hold">
+                                          <p:stCondLst>
+                                            <p:cond delay="0"/>
+                                          </p:stCondLst>
+                                        </p:cTn>
+                                        <p:tgtEl>
+                                          <p:spTgt spid="41"/>
+                                        </p:tgtEl>
+                                        <p:attrNameLst>
+                                          <p:attrName>style.visibility</p:attrName>
+                                        </p:attrNameLst>
+                                      </p:cBhvr>
+                                      <p:to>
+                                        <p:strVal val="visible"/>
+                                      </p:to>
+                                    </p:set>
+                                    <p:animEffect transition="in" filter="fade">
+                                      <p:cBhvr>
+                                        <p:cTn id="90" dur="500"/>
+                                        <p:tgtEl>
+                                          <p:spTgt spid="41"/>
+                                        </p:tgtEl>
+                                      </p:cBhvr>
+                                    </p:animEffect>
+                                  </p:childTnLst>
+                                </p:cTn>
+                              </p:par>
+                              <p:par>
+                                <p:cTn id="91" presetID="10" presetClass="entr" presetSubtype="0" fill="hold" grpId="0" nodeType="withEffect">
+                                  <p:stCondLst>
+                                    <p:cond delay="0"/>
+                                  </p:stCondLst>
+                                  <p:childTnLst>
+                                    <p:set>
+                                      <p:cBhvr>
+                                        <p:cTn id="92" dur="1" fill="hold">
+                                          <p:stCondLst>
+                                            <p:cond delay="0"/>
+                                          </p:stCondLst>
+                                        </p:cTn>
+                                        <p:tgtEl>
+                                          <p:spTgt spid="42"/>
+                                        </p:tgtEl>
+                                        <p:attrNameLst>
+                                          <p:attrName>style.visibility</p:attrName>
+                                        </p:attrNameLst>
+                                      </p:cBhvr>
+                                      <p:to>
+                                        <p:strVal val="visible"/>
+                                      </p:to>
+                                    </p:set>
+                                    <p:animEffect transition="in" filter="fade">
+                                      <p:cBhvr>
+                                        <p:cTn id="93" dur="500"/>
+                                        <p:tgtEl>
+                                          <p:spTgt spid="42"/>
+                                        </p:tgtEl>
+                                      </p:cBhvr>
+                                    </p:animEffect>
+                                  </p:childTnLst>
+                                </p:cTn>
+                              </p:par>
+                              <p:par>
+                                <p:cTn id="94" presetID="10" presetClass="entr" presetSubtype="0" fill="hold" grpId="0" nodeType="withEffect">
+                                  <p:stCondLst>
+                                    <p:cond delay="0"/>
+                                  </p:stCondLst>
+                                  <p:childTnLst>
+                                    <p:set>
+                                      <p:cBhvr>
+                                        <p:cTn id="95" dur="1" fill="hold">
+                                          <p:stCondLst>
+                                            <p:cond delay="0"/>
+                                          </p:stCondLst>
+                                        </p:cTn>
+                                        <p:tgtEl>
+                                          <p:spTgt spid="43"/>
+                                        </p:tgtEl>
+                                        <p:attrNameLst>
+                                          <p:attrName>style.visibility</p:attrName>
+                                        </p:attrNameLst>
+                                      </p:cBhvr>
+                                      <p:to>
+                                        <p:strVal val="visible"/>
+                                      </p:to>
+                                    </p:set>
+                                    <p:animEffect transition="in" filter="fade">
+                                      <p:cBhvr>
+                                        <p:cTn id="96" dur="500"/>
+                                        <p:tgtEl>
+                                          <p:spTgt spid="43"/>
+                                        </p:tgtEl>
+                                      </p:cBhvr>
+                                    </p:animEffect>
+                                  </p:childTnLst>
+                                </p:cTn>
+                              </p:par>
+                              <p:par>
+                                <p:cTn id="97" presetID="10" presetClass="entr" presetSubtype="0" fill="hold" grpId="0" nodeType="withEffect">
+                                  <p:stCondLst>
+                                    <p:cond delay="0"/>
+                                  </p:stCondLst>
+                                  <p:childTnLst>
+                                    <p:set>
+                                      <p:cBhvr>
+                                        <p:cTn id="98" dur="1" fill="hold">
+                                          <p:stCondLst>
+                                            <p:cond delay="0"/>
+                                          </p:stCondLst>
+                                        </p:cTn>
+                                        <p:tgtEl>
+                                          <p:spTgt spid="44"/>
+                                        </p:tgtEl>
+                                        <p:attrNameLst>
+                                          <p:attrName>style.visibility</p:attrName>
+                                        </p:attrNameLst>
+                                      </p:cBhvr>
+                                      <p:to>
+                                        <p:strVal val="visible"/>
+                                      </p:to>
+                                    </p:set>
+                                    <p:animEffect transition="in" filter="fade">
+                                      <p:cBhvr>
+                                        <p:cTn id="99" dur="500"/>
+                                        <p:tgtEl>
+                                          <p:spTgt spid="44"/>
+                                        </p:tgtEl>
+                                      </p:cBhvr>
+                                    </p:animEffect>
+                                  </p:childTnLst>
+                                </p:cTn>
+                              </p:par>
+                              <p:par>
+                                <p:cTn id="100" presetID="10" presetClass="entr" presetSubtype="0" fill="hold" grpId="0" nodeType="withEffect">
+                                  <p:stCondLst>
+                                    <p:cond delay="0"/>
+                                  </p:stCondLst>
+                                  <p:childTnLst>
+                                    <p:set>
+                                      <p:cBhvr>
+                                        <p:cTn id="101" dur="1" fill="hold">
+                                          <p:stCondLst>
+                                            <p:cond delay="0"/>
+                                          </p:stCondLst>
+                                        </p:cTn>
+                                        <p:tgtEl>
+                                          <p:spTgt spid="45"/>
+                                        </p:tgtEl>
+                                        <p:attrNameLst>
+                                          <p:attrName>style.visibility</p:attrName>
+                                        </p:attrNameLst>
+                                      </p:cBhvr>
+                                      <p:to>
+                                        <p:strVal val="visible"/>
+                                      </p:to>
+                                    </p:set>
+                                    <p:animEffect transition="in" filter="fade">
+                                      <p:cBhvr>
+                                        <p:cTn id="102" dur="500"/>
+                                        <p:tgtEl>
+                                          <p:spTgt spid="45"/>
+                                        </p:tgtEl>
+                                      </p:cBhvr>
+                                    </p:animEffect>
+                                  </p:childTnLst>
+                                </p:cTn>
+                              </p:par>
+                              <p:par>
+                                <p:cTn id="103" presetID="10" presetClass="entr" presetSubtype="0" fill="hold" grpId="0" nodeType="withEffect">
+                                  <p:stCondLst>
+                                    <p:cond delay="0"/>
+                                  </p:stCondLst>
+                                  <p:childTnLst>
+                                    <p:set>
+                                      <p:cBhvr>
+                                        <p:cTn id="104" dur="1" fill="hold">
+                                          <p:stCondLst>
+                                            <p:cond delay="0"/>
+                                          </p:stCondLst>
+                                        </p:cTn>
+                                        <p:tgtEl>
+                                          <p:spTgt spid="46"/>
+                                        </p:tgtEl>
+                                        <p:attrNameLst>
+                                          <p:attrName>style.visibility</p:attrName>
+                                        </p:attrNameLst>
+                                      </p:cBhvr>
+                                      <p:to>
+                                        <p:strVal val="visible"/>
+                                      </p:to>
+                                    </p:set>
+                                    <p:animEffect transition="in" filter="fade">
+                                      <p:cBhvr>
+                                        <p:cTn id="105" dur="500"/>
+                                        <p:tgtEl>
+                                          <p:spTgt spid="46"/>
+                                        </p:tgtEl>
+                                      </p:cBhvr>
+                                    </p:animEffect>
+                                  </p:childTnLst>
+                                </p:cTn>
+                              </p:par>
+                              <p:par>
+                                <p:cTn id="106" presetID="10" presetClass="entr" presetSubtype="0" fill="hold" grpId="0" nodeType="withEffect">
+                                  <p:stCondLst>
+                                    <p:cond delay="0"/>
+                                  </p:stCondLst>
+                                  <p:childTnLst>
+                                    <p:set>
+                                      <p:cBhvr>
+                                        <p:cTn id="107" dur="1" fill="hold">
+                                          <p:stCondLst>
+                                            <p:cond delay="0"/>
+                                          </p:stCondLst>
+                                        </p:cTn>
+                                        <p:tgtEl>
+                                          <p:spTgt spid="47"/>
+                                        </p:tgtEl>
+                                        <p:attrNameLst>
+                                          <p:attrName>style.visibility</p:attrName>
+                                        </p:attrNameLst>
+                                      </p:cBhvr>
+                                      <p:to>
+                                        <p:strVal val="visible"/>
+                                      </p:to>
+                                    </p:set>
+                                    <p:animEffect transition="in" filter="fade">
+                                      <p:cBhvr>
+                                        <p:cTn id="108" dur="500"/>
+                                        <p:tgtEl>
+                                          <p:spTgt spid="47"/>
+                                        </p:tgtEl>
+                                      </p:cBhvr>
+                                    </p:animEffect>
+                                  </p:childTnLst>
+                                </p:cTn>
+                              </p:par>
+                              <p:par>
+                                <p:cTn id="109" presetID="10" presetClass="entr" presetSubtype="0" fill="hold" nodeType="withEffect">
+                                  <p:stCondLst>
+                                    <p:cond delay="0"/>
+                                  </p:stCondLst>
+                                  <p:childTnLst>
+                                    <p:set>
+                                      <p:cBhvr>
+                                        <p:cTn id="110" dur="1" fill="hold">
+                                          <p:stCondLst>
+                                            <p:cond delay="0"/>
+                                          </p:stCondLst>
+                                        </p:cTn>
+                                        <p:tgtEl>
+                                          <p:spTgt spid="18"/>
+                                        </p:tgtEl>
+                                        <p:attrNameLst>
+                                          <p:attrName>style.visibility</p:attrName>
+                                        </p:attrNameLst>
+                                      </p:cBhvr>
+                                      <p:to>
+                                        <p:strVal val="visible"/>
+                                      </p:to>
+                                    </p:set>
+                                    <p:animEffect transition="in" filter="fade">
+                                      <p:cBhvr>
+                                        <p:cTn id="111" dur="500"/>
+                                        <p:tgtEl>
+                                          <p:spTgt spid="18"/>
+                                        </p:tgtEl>
+                                      </p:cBhvr>
+                                    </p:animEffect>
+                                  </p:childTnLst>
+                                </p:cTn>
+                              </p:par>
+                              <p:par>
+                                <p:cTn id="112" presetID="10" presetClass="entr" presetSubtype="0" fill="hold" nodeType="withEffect">
+                                  <p:stCondLst>
+                                    <p:cond delay="0"/>
+                                  </p:stCondLst>
+                                  <p:childTnLst>
+                                    <p:set>
+                                      <p:cBhvr>
+                                        <p:cTn id="113" dur="1" fill="hold">
+                                          <p:stCondLst>
+                                            <p:cond delay="0"/>
+                                          </p:stCondLst>
+                                        </p:cTn>
+                                        <p:tgtEl>
+                                          <p:spTgt spid="19"/>
+                                        </p:tgtEl>
+                                        <p:attrNameLst>
+                                          <p:attrName>style.visibility</p:attrName>
+                                        </p:attrNameLst>
+                                      </p:cBhvr>
+                                      <p:to>
+                                        <p:strVal val="visible"/>
+                                      </p:to>
+                                    </p:set>
+                                    <p:animEffect transition="in" filter="fade">
+                                      <p:cBhvr>
+                                        <p:cTn id="114" dur="500"/>
+                                        <p:tgtEl>
+                                          <p:spTgt spid="19"/>
+                                        </p:tgtEl>
+                                      </p:cBhvr>
+                                    </p:animEffect>
+                                  </p:childTnLst>
+                                </p:cTn>
+                              </p:par>
+                              <p:par>
+                                <p:cTn id="115" presetID="10" presetClass="entr" presetSubtype="0" fill="hold" grpId="0" nodeType="withEffect">
+                                  <p:stCondLst>
+                                    <p:cond delay="0"/>
+                                  </p:stCondLst>
+                                  <p:childTnLst>
+                                    <p:set>
+                                      <p:cBhvr>
+                                        <p:cTn id="116" dur="1" fill="hold">
+                                          <p:stCondLst>
+                                            <p:cond delay="0"/>
+                                          </p:stCondLst>
+                                        </p:cTn>
+                                        <p:tgtEl>
+                                          <p:spTgt spid="48"/>
+                                        </p:tgtEl>
+                                        <p:attrNameLst>
+                                          <p:attrName>style.visibility</p:attrName>
+                                        </p:attrNameLst>
+                                      </p:cBhvr>
+                                      <p:to>
+                                        <p:strVal val="visible"/>
+                                      </p:to>
+                                    </p:set>
+                                    <p:animEffect transition="in" filter="fade">
+                                      <p:cBhvr>
+                                        <p:cTn id="117" dur="500"/>
+                                        <p:tgtEl>
+                                          <p:spTgt spid="48"/>
+                                        </p:tgtEl>
+                                      </p:cBhvr>
+                                    </p:animEffect>
+                                  </p:childTnLst>
+                                </p:cTn>
+                              </p:par>
+                              <p:par>
+                                <p:cTn id="118" presetID="10" presetClass="entr" presetSubtype="0" fill="hold" grpId="0" nodeType="withEffect">
+                                  <p:stCondLst>
+                                    <p:cond delay="0"/>
+                                  </p:stCondLst>
+                                  <p:childTnLst>
+                                    <p:set>
+                                      <p:cBhvr>
+                                        <p:cTn id="119" dur="1" fill="hold">
+                                          <p:stCondLst>
+                                            <p:cond delay="0"/>
+                                          </p:stCondLst>
+                                        </p:cTn>
+                                        <p:tgtEl>
+                                          <p:spTgt spid="49"/>
+                                        </p:tgtEl>
+                                        <p:attrNameLst>
+                                          <p:attrName>style.visibility</p:attrName>
+                                        </p:attrNameLst>
+                                      </p:cBhvr>
+                                      <p:to>
+                                        <p:strVal val="visible"/>
+                                      </p:to>
+                                    </p:set>
+                                    <p:animEffect transition="in" filter="fade">
+                                      <p:cBhvr>
+                                        <p:cTn id="120" dur="500"/>
+                                        <p:tgtEl>
+                                          <p:spTgt spid="49"/>
+                                        </p:tgtEl>
+                                      </p:cBhvr>
+                                    </p:animEffect>
+                                  </p:childTnLst>
+                                </p:cTn>
+                              </p:par>
+                            </p:childTnLst>
+                          </p:cTn>
+                        </p:par>
+                      </p:childTnLst>
+                    </p:cTn>
+                  </p:par>
+                  <p:par>
+                    <p:cTn id="121" fill="hold">
+                      <p:stCondLst>
+                        <p:cond delay="indefinite"/>
+                      </p:stCondLst>
+                      <p:childTnLst>
+                        <p:par>
+                          <p:cTn id="122" fill="hold">
+                            <p:stCondLst>
+                              <p:cond delay="0"/>
+                            </p:stCondLst>
+                            <p:childTnLst>
+                              <p:par>
+                                <p:cTn id="123" presetID="10" presetClass="entr" presetSubtype="0" fill="hold" nodeType="clickEffect">
+                                  <p:stCondLst>
+                                    <p:cond delay="0"/>
+                                  </p:stCondLst>
+                                  <p:childTnLst>
+                                    <p:set>
+                                      <p:cBhvr>
+                                        <p:cTn id="124" dur="1" fill="hold">
+                                          <p:stCondLst>
+                                            <p:cond delay="0"/>
+                                          </p:stCondLst>
+                                        </p:cTn>
+                                        <p:tgtEl>
+                                          <p:spTgt spid="39"/>
+                                        </p:tgtEl>
+                                        <p:attrNameLst>
+                                          <p:attrName>style.visibility</p:attrName>
+                                        </p:attrNameLst>
+                                      </p:cBhvr>
+                                      <p:to>
+                                        <p:strVal val="visible"/>
+                                      </p:to>
+                                    </p:set>
+                                    <p:animEffect transition="in" filter="fade">
+                                      <p:cBhvr>
+                                        <p:cTn id="125" dur="500"/>
+                                        <p:tgtEl>
+                                          <p:spTgt spid="39"/>
+                                        </p:tgtEl>
+                                      </p:cBhvr>
+                                    </p:animEffect>
+                                  </p:childTnLst>
+                                </p:cTn>
+                              </p:par>
+                              <p:par>
+                                <p:cTn id="126" presetID="10" presetClass="entr" presetSubtype="0" fill="hold" grpId="0" nodeType="withEffect">
+                                  <p:stCondLst>
+                                    <p:cond delay="0"/>
+                                  </p:stCondLst>
+                                  <p:childTnLst>
+                                    <p:set>
+                                      <p:cBhvr>
+                                        <p:cTn id="127" dur="1" fill="hold">
+                                          <p:stCondLst>
+                                            <p:cond delay="0"/>
+                                          </p:stCondLst>
+                                        </p:cTn>
+                                        <p:tgtEl>
+                                          <p:spTgt spid="50"/>
+                                        </p:tgtEl>
+                                        <p:attrNameLst>
+                                          <p:attrName>style.visibility</p:attrName>
+                                        </p:attrNameLst>
+                                      </p:cBhvr>
+                                      <p:to>
+                                        <p:strVal val="visible"/>
+                                      </p:to>
+                                    </p:set>
+                                    <p:animEffect transition="in" filter="fade">
+                                      <p:cBhvr>
+                                        <p:cTn id="128" dur="500"/>
+                                        <p:tgtEl>
+                                          <p:spTgt spid="50"/>
+                                        </p:tgtEl>
+                                      </p:cBhvr>
+                                    </p:animEffect>
+                                  </p:childTnLst>
+                                </p:cTn>
+                              </p:par>
+                              <p:par>
+                                <p:cTn id="129" presetID="10" presetClass="entr" presetSubtype="0" fill="hold" nodeType="withEffect">
+                                  <p:stCondLst>
+                                    <p:cond delay="0"/>
+                                  </p:stCondLst>
+                                  <p:childTnLst>
+                                    <p:set>
+                                      <p:cBhvr>
+                                        <p:cTn id="130" dur="1" fill="hold">
+                                          <p:stCondLst>
+                                            <p:cond delay="0"/>
+                                          </p:stCondLst>
+                                        </p:cTn>
+                                        <p:tgtEl>
+                                          <p:spTgt spid="51"/>
+                                        </p:tgtEl>
+                                        <p:attrNameLst>
+                                          <p:attrName>style.visibility</p:attrName>
+                                        </p:attrNameLst>
+                                      </p:cBhvr>
+                                      <p:to>
+                                        <p:strVal val="visible"/>
+                                      </p:to>
+                                    </p:set>
+                                    <p:animEffect transition="in" filter="fade">
+                                      <p:cBhvr>
+                                        <p:cTn id="131" dur="500"/>
+                                        <p:tgtEl>
+                                          <p:spTgt spid="51"/>
+                                        </p:tgtEl>
+                                      </p:cBhvr>
+                                    </p:animEffect>
+                                  </p:childTnLst>
+                                </p:cTn>
+                              </p:par>
+                              <p:par>
+                                <p:cTn id="132" presetID="10" presetClass="entr" presetSubtype="0" fill="hold" grpId="0" nodeType="withEffect">
+                                  <p:stCondLst>
+                                    <p:cond delay="0"/>
+                                  </p:stCondLst>
+                                  <p:childTnLst>
+                                    <p:set>
+                                      <p:cBhvr>
+                                        <p:cTn id="133" dur="1" fill="hold">
+                                          <p:stCondLst>
+                                            <p:cond delay="0"/>
+                                          </p:stCondLst>
+                                        </p:cTn>
+                                        <p:tgtEl>
+                                          <p:spTgt spid="29"/>
+                                        </p:tgtEl>
+                                        <p:attrNameLst>
+                                          <p:attrName>style.visibility</p:attrName>
+                                        </p:attrNameLst>
+                                      </p:cBhvr>
+                                      <p:to>
+                                        <p:strVal val="visible"/>
+                                      </p:to>
+                                    </p:set>
+                                    <p:animEffect transition="in" filter="fade">
+                                      <p:cBhvr>
+                                        <p:cTn id="134" dur="500"/>
+                                        <p:tgtEl>
+                                          <p:spTgt spid="29"/>
+                                        </p:tgtEl>
+                                      </p:cBhvr>
+                                    </p:animEffect>
+                                  </p:childTnLst>
+                                </p:cTn>
+                              </p:par>
+                            </p:childTnLst>
+                          </p:cTn>
+                        </p:par>
+                      </p:childTnLst>
+                    </p:cTn>
+                  </p:par>
+                </p:childTnLst>
+              </p:cTn>
+              <p:prevCondLst>
+                <p:cond evt="onPrev" delay="0">
+                  <p:tgtEl>
+                    <p:sldTgt/>
+                  </p:tgtEl>
+                </p:cond>
+              </p:prevCondLst>
+              <p:nextCondLst>
+                <p:cond evt="onNext" delay="0">
+                  <p:tgtEl>
+                    <p:sldTgt/>
+                  </p:tgtEl>
+                </p:cond>
+              </p:nextCondLst>
+            </p:seq>
+          </p:childTnLst>
+        </p:cTn>
+      </p:par>
+    </p:tnLst>
+    <p:bldLst>
+      <p:bldP spid="6" grpId="0" animBg="1"/>
+      <p:bldP spid="7" grpId="0" animBg="1"/>
+      <p:bldP spid="8" grpId="0" animBg="1"/>
+      <p:bldP spid="9" grpId="0" animBg="1"/>
+      <p:bldP spid="10" grpId="0" animBg="1"/>
+      <p:bldP spid="11" grpId="0" animBg="1"/>
+      <p:bldP spid="12" grpId="0" animBg="1"/>
+      <p:bldP spid="13" grpId="0" animBg="1"/>
+      <p:bldP spid="21" grpId="0" animBg="1"/>
+      <p:bldP spid="22" grpId="0" animBg="1"/>
+      <p:bldP spid="23" grpId="0" animBg="1"/>
+      <p:bldP spid="24" grpId="0" animBg="1"/>
+      <p:bldP spid="25" grpId="0" animBg="1"/>
+      <p:bldP spid="26" grpId="0" animBg="1"/>
+      <p:bldP spid="27" grpId="0" animBg="1"/>
+      <p:bldP spid="28" grpId="0" animBg="1"/>
+      <p:bldP spid="29" grpId="0" animBg="1"/>
+      <p:bldP spid="30" grpId="0" animBg="1"/>
+      <p:bldP spid="31" grpId="0" animBg="1"/>
+      <p:bldP spid="32" grpId="0" animBg="1"/>
+      <p:bldP spid="33" grpId="0" animBg="1"/>
+      <p:bldP spid="34" grpId="0" animBg="1"/>
+      <p:bldP spid="35" grpId="0" animBg="1"/>
+      <p:bldP spid="36" grpId="0" animBg="1"/>
+      <p:bldP spid="37" grpId="0" animBg="1"/>
+      <p:bldP spid="40" grpId="0" animBg="1"/>
+      <p:bldP spid="41" grpId="0" animBg="1"/>
+      <p:bldP spid="42" grpId="0" animBg="1"/>
+      <p:bldP spid="43" grpId="0" animBg="1"/>
+      <p:bldP spid="44" grpId="0" animBg="1"/>
+      <p:bldP spid="45" grpId="0" animBg="1"/>
+      <p:bldP spid="46" grpId="0" animBg="1"/>
+      <p:bldP spid="47" grpId="0" animBg="1"/>
+      <p:bldP spid="4" grpId="0"/>
+      <p:bldP spid="5" grpId="0"/>
+      <p:bldP spid="48" grpId="0"/>
+      <p:bldP spid="49" grpId="0"/>
+      <p:bldP spid="50" grpId="0" animBg="1"/>
+    </p:bldLst>
+  </p:timing>
 </p:sld>
 </file>
 
@@ -14162,6 +21308,153 @@
   <p:clrMapOvr>
     <a:masterClrMapping/>
   </p:clrMapOvr>
+  <p:timing>
+    <p:tnLst>
+      <p:par>
+        <p:cTn id="1" dur="indefinite" restart="never" nodeType="tmRoot">
+          <p:childTnLst>
+            <p:seq concurrent="1" nextAc="seek">
+              <p:cTn id="2" dur="indefinite" nodeType="mainSeq">
+                <p:childTnLst>
+                  <p:par>
+                    <p:cTn id="3" fill="hold">
+                      <p:stCondLst>
+                        <p:cond delay="indefinite"/>
+                      </p:stCondLst>
+                      <p:childTnLst>
+                        <p:par>
+                          <p:cTn id="4" fill="hold">
+                            <p:stCondLst>
+                              <p:cond delay="0"/>
+                            </p:stCondLst>
+                            <p:childTnLst>
+                              <p:par>
+                                <p:cTn id="5" presetID="10" presetClass="entr" presetSubtype="0" fill="hold" nodeType="clickEffect">
+                                  <p:stCondLst>
+                                    <p:cond delay="0"/>
+                                  </p:stCondLst>
+                                  <p:childTnLst>
+                                    <p:set>
+                                      <p:cBhvr>
+                                        <p:cTn id="6" dur="1" fill="hold">
+                                          <p:stCondLst>
+                                            <p:cond delay="0"/>
+                                          </p:stCondLst>
+                                        </p:cTn>
+                                        <p:tgtEl>
+                                          <p:spTgt spid="5"/>
+                                        </p:tgtEl>
+                                        <p:attrNameLst>
+                                          <p:attrName>style.visibility</p:attrName>
+                                        </p:attrNameLst>
+                                      </p:cBhvr>
+                                      <p:to>
+                                        <p:strVal val="visible"/>
+                                      </p:to>
+                                    </p:set>
+                                    <p:animEffect transition="in" filter="fade">
+                                      <p:cBhvr>
+                                        <p:cTn id="7" dur="500"/>
+                                        <p:tgtEl>
+                                          <p:spTgt spid="5"/>
+                                        </p:tgtEl>
+                                      </p:cBhvr>
+                                    </p:animEffect>
+                                  </p:childTnLst>
+                                </p:cTn>
+                              </p:par>
+                            </p:childTnLst>
+                          </p:cTn>
+                        </p:par>
+                      </p:childTnLst>
+                    </p:cTn>
+                  </p:par>
+                  <p:par>
+                    <p:cTn id="8" fill="hold">
+                      <p:stCondLst>
+                        <p:cond delay="indefinite"/>
+                      </p:stCondLst>
+                      <p:childTnLst>
+                        <p:par>
+                          <p:cTn id="9" fill="hold">
+                            <p:stCondLst>
+                              <p:cond delay="0"/>
+                            </p:stCondLst>
+                            <p:childTnLst>
+                              <p:par>
+                                <p:cTn id="10" presetID="10" presetClass="entr" presetSubtype="0" fill="hold" grpId="0" nodeType="clickEffect">
+                                  <p:stCondLst>
+                                    <p:cond delay="0"/>
+                                  </p:stCondLst>
+                                  <p:childTnLst>
+                                    <p:set>
+                                      <p:cBhvr>
+                                        <p:cTn id="11" dur="1" fill="hold">
+                                          <p:stCondLst>
+                                            <p:cond delay="0"/>
+                                          </p:stCondLst>
+                                        </p:cTn>
+                                        <p:tgtEl>
+                                          <p:spTgt spid="8">
+                                            <p:txEl>
+                                              <p:pRg st="0" end="0"/>
+                                            </p:txEl>
+                                          </p:spTgt>
+                                        </p:tgtEl>
+                                        <p:attrNameLst>
+                                          <p:attrName>style.visibility</p:attrName>
+                                        </p:attrNameLst>
+                                      </p:cBhvr>
+                                      <p:to>
+                                        <p:strVal val="visible"/>
+                                      </p:to>
+                                    </p:set>
+                                    <p:animEffect transition="in" filter="fade">
+                                      <p:cBhvr>
+                                        <p:cTn id="12" dur="500"/>
+                                        <p:tgtEl>
+                                          <p:spTgt spid="8">
+                                            <p:txEl>
+                                              <p:pRg st="0" end="0"/>
+                                            </p:txEl>
+                                          </p:spTgt>
+                                        </p:tgtEl>
+                                      </p:cBhvr>
+                                    </p:animEffect>
+                                  </p:childTnLst>
+                                </p:cTn>
+                              </p:par>
+                            </p:childTnLst>
+                          </p:cTn>
+                        </p:par>
+                      </p:childTnLst>
+                    </p:cTn>
+                  </p:par>
+                </p:childTnLst>
+              </p:cTn>
+              <p:prevCondLst>
+                <p:cond evt="onPrev" delay="0">
+                  <p:tgtEl>
+                    <p:sldTgt/>
+                  </p:tgtEl>
+                </p:cond>
+              </p:prevCondLst>
+              <p:nextCondLst>
+                <p:cond evt="onNext" delay="0">
+                  <p:tgtEl>
+                    <p:sldTgt/>
+                  </p:tgtEl>
+                </p:cond>
+              </p:nextCondLst>
+            </p:seq>
+          </p:childTnLst>
+        </p:cTn>
+      </p:par>
+    </p:tnLst>
+    <p:bldLst>
+      <p:bldP spid="8" grpId="0" build="p"/>
+    </p:bldLst>
+  </p:timing>
 </p:sld>
 </file>
 
@@ -14328,6 +21621,153 @@
   <p:clrMapOvr>
     <a:masterClrMapping/>
   </p:clrMapOvr>
+  <p:timing>
+    <p:tnLst>
+      <p:par>
+        <p:cTn id="1" dur="indefinite" restart="never" nodeType="tmRoot">
+          <p:childTnLst>
+            <p:seq concurrent="1" nextAc="seek">
+              <p:cTn id="2" dur="indefinite" nodeType="mainSeq">
+                <p:childTnLst>
+                  <p:par>
+                    <p:cTn id="3" fill="hold">
+                      <p:stCondLst>
+                        <p:cond delay="indefinite"/>
+                      </p:stCondLst>
+                      <p:childTnLst>
+                        <p:par>
+                          <p:cTn id="4" fill="hold">
+                            <p:stCondLst>
+                              <p:cond delay="0"/>
+                            </p:stCondLst>
+                            <p:childTnLst>
+                              <p:par>
+                                <p:cTn id="5" presetID="10" presetClass="entr" presetSubtype="0" fill="hold" nodeType="clickEffect">
+                                  <p:stCondLst>
+                                    <p:cond delay="0"/>
+                                  </p:stCondLst>
+                                  <p:childTnLst>
+                                    <p:set>
+                                      <p:cBhvr>
+                                        <p:cTn id="6" dur="1" fill="hold">
+                                          <p:stCondLst>
+                                            <p:cond delay="0"/>
+                                          </p:stCondLst>
+                                        </p:cTn>
+                                        <p:tgtEl>
+                                          <p:spTgt spid="4"/>
+                                        </p:tgtEl>
+                                        <p:attrNameLst>
+                                          <p:attrName>style.visibility</p:attrName>
+                                        </p:attrNameLst>
+                                      </p:cBhvr>
+                                      <p:to>
+                                        <p:strVal val="visible"/>
+                                      </p:to>
+                                    </p:set>
+                                    <p:animEffect transition="in" filter="fade">
+                                      <p:cBhvr>
+                                        <p:cTn id="7" dur="500"/>
+                                        <p:tgtEl>
+                                          <p:spTgt spid="4"/>
+                                        </p:tgtEl>
+                                      </p:cBhvr>
+                                    </p:animEffect>
+                                  </p:childTnLst>
+                                </p:cTn>
+                              </p:par>
+                            </p:childTnLst>
+                          </p:cTn>
+                        </p:par>
+                      </p:childTnLst>
+                    </p:cTn>
+                  </p:par>
+                  <p:par>
+                    <p:cTn id="8" fill="hold">
+                      <p:stCondLst>
+                        <p:cond delay="indefinite"/>
+                      </p:stCondLst>
+                      <p:childTnLst>
+                        <p:par>
+                          <p:cTn id="9" fill="hold">
+                            <p:stCondLst>
+                              <p:cond delay="0"/>
+                            </p:stCondLst>
+                            <p:childTnLst>
+                              <p:par>
+                                <p:cTn id="10" presetID="10" presetClass="entr" presetSubtype="0" fill="hold" grpId="0" nodeType="clickEffect">
+                                  <p:stCondLst>
+                                    <p:cond delay="0"/>
+                                  </p:stCondLst>
+                                  <p:childTnLst>
+                                    <p:set>
+                                      <p:cBhvr>
+                                        <p:cTn id="11" dur="1" fill="hold">
+                                          <p:stCondLst>
+                                            <p:cond delay="0"/>
+                                          </p:stCondLst>
+                                        </p:cTn>
+                                        <p:tgtEl>
+                                          <p:spTgt spid="8">
+                                            <p:txEl>
+                                              <p:pRg st="0" end="0"/>
+                                            </p:txEl>
+                                          </p:spTgt>
+                                        </p:tgtEl>
+                                        <p:attrNameLst>
+                                          <p:attrName>style.visibility</p:attrName>
+                                        </p:attrNameLst>
+                                      </p:cBhvr>
+                                      <p:to>
+                                        <p:strVal val="visible"/>
+                                      </p:to>
+                                    </p:set>
+                                    <p:animEffect transition="in" filter="fade">
+                                      <p:cBhvr>
+                                        <p:cTn id="12" dur="500"/>
+                                        <p:tgtEl>
+                                          <p:spTgt spid="8">
+                                            <p:txEl>
+                                              <p:pRg st="0" end="0"/>
+                                            </p:txEl>
+                                          </p:spTgt>
+                                        </p:tgtEl>
+                                      </p:cBhvr>
+                                    </p:animEffect>
+                                  </p:childTnLst>
+                                </p:cTn>
+                              </p:par>
+                            </p:childTnLst>
+                          </p:cTn>
+                        </p:par>
+                      </p:childTnLst>
+                    </p:cTn>
+                  </p:par>
+                </p:childTnLst>
+              </p:cTn>
+              <p:prevCondLst>
+                <p:cond evt="onPrev" delay="0">
+                  <p:tgtEl>
+                    <p:sldTgt/>
+                  </p:tgtEl>
+                </p:cond>
+              </p:prevCondLst>
+              <p:nextCondLst>
+                <p:cond evt="onNext" delay="0">
+                  <p:tgtEl>
+                    <p:sldTgt/>
+                  </p:tgtEl>
+                </p:cond>
+              </p:nextCondLst>
+            </p:seq>
+          </p:childTnLst>
+        </p:cTn>
+      </p:par>
+    </p:tnLst>
+    <p:bldLst>
+      <p:bldP spid="8" grpId="0" build="p"/>
+    </p:bldLst>
+  </p:timing>
 </p:sld>
 </file>
 
@@ -14494,6 +21934,153 @@
   <p:clrMapOvr>
     <a:masterClrMapping/>
   </p:clrMapOvr>
+  <p:timing>
+    <p:tnLst>
+      <p:par>
+        <p:cTn id="1" dur="indefinite" restart="never" nodeType="tmRoot">
+          <p:childTnLst>
+            <p:seq concurrent="1" nextAc="seek">
+              <p:cTn id="2" dur="indefinite" nodeType="mainSeq">
+                <p:childTnLst>
+                  <p:par>
+                    <p:cTn id="3" fill="hold">
+                      <p:stCondLst>
+                        <p:cond delay="indefinite"/>
+                      </p:stCondLst>
+                      <p:childTnLst>
+                        <p:par>
+                          <p:cTn id="4" fill="hold">
+                            <p:stCondLst>
+                              <p:cond delay="0"/>
+                            </p:stCondLst>
+                            <p:childTnLst>
+                              <p:par>
+                                <p:cTn id="5" presetID="10" presetClass="entr" presetSubtype="0" fill="hold" nodeType="clickEffect">
+                                  <p:stCondLst>
+                                    <p:cond delay="0"/>
+                                  </p:stCondLst>
+                                  <p:childTnLst>
+                                    <p:set>
+                                      <p:cBhvr>
+                                        <p:cTn id="6" dur="1" fill="hold">
+                                          <p:stCondLst>
+                                            <p:cond delay="0"/>
+                                          </p:stCondLst>
+                                        </p:cTn>
+                                        <p:tgtEl>
+                                          <p:spTgt spid="5"/>
+                                        </p:tgtEl>
+                                        <p:attrNameLst>
+                                          <p:attrName>style.visibility</p:attrName>
+                                        </p:attrNameLst>
+                                      </p:cBhvr>
+                                      <p:to>
+                                        <p:strVal val="visible"/>
+                                      </p:to>
+                                    </p:set>
+                                    <p:animEffect transition="in" filter="fade">
+                                      <p:cBhvr>
+                                        <p:cTn id="7" dur="500"/>
+                                        <p:tgtEl>
+                                          <p:spTgt spid="5"/>
+                                        </p:tgtEl>
+                                      </p:cBhvr>
+                                    </p:animEffect>
+                                  </p:childTnLst>
+                                </p:cTn>
+                              </p:par>
+                            </p:childTnLst>
+                          </p:cTn>
+                        </p:par>
+                      </p:childTnLst>
+                    </p:cTn>
+                  </p:par>
+                  <p:par>
+                    <p:cTn id="8" fill="hold">
+                      <p:stCondLst>
+                        <p:cond delay="indefinite"/>
+                      </p:stCondLst>
+                      <p:childTnLst>
+                        <p:par>
+                          <p:cTn id="9" fill="hold">
+                            <p:stCondLst>
+                              <p:cond delay="0"/>
+                            </p:stCondLst>
+                            <p:childTnLst>
+                              <p:par>
+                                <p:cTn id="10" presetID="10" presetClass="entr" presetSubtype="0" fill="hold" grpId="0" nodeType="clickEffect">
+                                  <p:stCondLst>
+                                    <p:cond delay="0"/>
+                                  </p:stCondLst>
+                                  <p:childTnLst>
+                                    <p:set>
+                                      <p:cBhvr>
+                                        <p:cTn id="11" dur="1" fill="hold">
+                                          <p:stCondLst>
+                                            <p:cond delay="0"/>
+                                          </p:stCondLst>
+                                        </p:cTn>
+                                        <p:tgtEl>
+                                          <p:spTgt spid="8">
+                                            <p:txEl>
+                                              <p:pRg st="0" end="0"/>
+                                            </p:txEl>
+                                          </p:spTgt>
+                                        </p:tgtEl>
+                                        <p:attrNameLst>
+                                          <p:attrName>style.visibility</p:attrName>
+                                        </p:attrNameLst>
+                                      </p:cBhvr>
+                                      <p:to>
+                                        <p:strVal val="visible"/>
+                                      </p:to>
+                                    </p:set>
+                                    <p:animEffect transition="in" filter="fade">
+                                      <p:cBhvr>
+                                        <p:cTn id="12" dur="500"/>
+                                        <p:tgtEl>
+                                          <p:spTgt spid="8">
+                                            <p:txEl>
+                                              <p:pRg st="0" end="0"/>
+                                            </p:txEl>
+                                          </p:spTgt>
+                                        </p:tgtEl>
+                                      </p:cBhvr>
+                                    </p:animEffect>
+                                  </p:childTnLst>
+                                </p:cTn>
+                              </p:par>
+                            </p:childTnLst>
+                          </p:cTn>
+                        </p:par>
+                      </p:childTnLst>
+                    </p:cTn>
+                  </p:par>
+                </p:childTnLst>
+              </p:cTn>
+              <p:prevCondLst>
+                <p:cond evt="onPrev" delay="0">
+                  <p:tgtEl>
+                    <p:sldTgt/>
+                  </p:tgtEl>
+                </p:cond>
+              </p:prevCondLst>
+              <p:nextCondLst>
+                <p:cond evt="onNext" delay="0">
+                  <p:tgtEl>
+                    <p:sldTgt/>
+                  </p:tgtEl>
+                </p:cond>
+              </p:nextCondLst>
+            </p:seq>
+          </p:childTnLst>
+        </p:cTn>
+      </p:par>
+    </p:tnLst>
+    <p:bldLst>
+      <p:bldP spid="8" grpId="0" build="p"/>
+    </p:bldLst>
+  </p:timing>
 </p:sld>
 </file>
 

--- a/2023-06-01 Dealing with Concurrency - Multi-Threading in Dotnet/Dotnet-Multi-Threading.pptx
+++ b/2023-06-01 Dealing with Concurrency - Multi-Threading in Dotnet/Dotnet-Multi-Threading.pptx
@@ -30,7 +30,6 @@
     <p:sldId id="311" r:id="rId24"/>
     <p:sldId id="313" r:id="rId25"/>
     <p:sldId id="289" r:id="rId26"/>
-    <p:sldId id="317" r:id="rId27"/>
   </p:sldIdLst>
   <p:sldSz cx="12192000" cy="6858000"/>
   <p:notesSz cx="6858000" cy="9144000"/>
@@ -8949,6 +8948,9 @@
           <a:bodyPr/>
           <a:lstStyle/>
           <a:p>
+            <a:pPr marL="0" indent="0">
+              <a:buNone/>
+            </a:pPr>
             <a:r>
               <a:rPr lang="tr-TR" dirty="0">
                 <a:latin typeface="Euclid Circular B" panose="020B0504000000000000" pitchFamily="34" charset="0"/>
@@ -8986,52 +8988,134 @@
             </a:r>
           </a:p>
           <a:p>
+            <a:endParaRPr lang="tr-TR" dirty="0">
+              <a:latin typeface="Euclid Circular B" panose="020B0504000000000000" pitchFamily="34" charset="0"/>
+              <a:ea typeface="Euclid Circular B" panose="020B0504000000000000" pitchFamily="34" charset="0"/>
+            </a:endParaRPr>
+          </a:p>
+          <a:p>
+            <a:pPr marL="0" indent="0">
+              <a:buNone/>
+            </a:pPr>
+            <a:r>
+              <a:rPr lang="tr-TR" b="1" dirty="0">
+                <a:latin typeface="Euclid Circular B" panose="020B0504000000000000" pitchFamily="34" charset="0"/>
+                <a:ea typeface="Euclid Circular B" panose="020B0504000000000000" pitchFamily="34" charset="0"/>
+              </a:rPr>
+              <a:t>Why </a:t>
+            </a:r>
             <a:r>
               <a:rPr lang="tr-TR" dirty="0">
                 <a:latin typeface="Euclid Circular B" panose="020B0504000000000000" pitchFamily="34" charset="0"/>
                 <a:ea typeface="Euclid Circular B" panose="020B0504000000000000" pitchFamily="34" charset="0"/>
               </a:rPr>
-              <a:t>Why we need it? Some examples:</a:t>
-            </a:r>
-          </a:p>
-          <a:p>
-            <a:pPr lvl="1"/>
+              <a:t>we need it? Some examples:</a:t>
+            </a:r>
+          </a:p>
+          <a:p>
             <a:r>
               <a:rPr lang="tr-TR" dirty="0">
                 <a:latin typeface="Euclid Circular B" panose="020B0504000000000000" pitchFamily="34" charset="0"/>
                 <a:ea typeface="Euclid Circular B" panose="020B0504000000000000" pitchFamily="34" charset="0"/>
               </a:rPr>
-              <a:t>To process a background job or message queue</a:t>
-            </a:r>
-          </a:p>
-          <a:p>
-            <a:pPr lvl="1"/>
+              <a:t>To process a background </a:t>
+            </a:r>
+            <a:r>
+              <a:rPr lang="tr-TR" b="1" dirty="0">
+                <a:latin typeface="Euclid Circular B" panose="020B0504000000000000" pitchFamily="34" charset="0"/>
+                <a:ea typeface="Euclid Circular B" panose="020B0504000000000000" pitchFamily="34" charset="0"/>
+              </a:rPr>
+              <a:t>job </a:t>
+            </a:r>
             <a:r>
               <a:rPr lang="tr-TR" dirty="0">
                 <a:latin typeface="Euclid Circular B" panose="020B0504000000000000" pitchFamily="34" charset="0"/>
                 <a:ea typeface="Euclid Circular B" panose="020B0504000000000000" pitchFamily="34" charset="0"/>
               </a:rPr>
-              <a:t>To synchronize access to a shared resource</a:t>
-            </a:r>
-          </a:p>
-          <a:p>
-            <a:pPr lvl="1"/>
+              <a:t>or </a:t>
+            </a:r>
+            <a:r>
+              <a:rPr lang="tr-TR" b="1" dirty="0">
+                <a:latin typeface="Euclid Circular B" panose="020B0504000000000000" pitchFamily="34" charset="0"/>
+                <a:ea typeface="Euclid Circular B" panose="020B0504000000000000" pitchFamily="34" charset="0"/>
+              </a:rPr>
+              <a:t>message queue</a:t>
+            </a:r>
+          </a:p>
+          <a:p>
             <a:r>
               <a:rPr lang="tr-TR" dirty="0">
                 <a:latin typeface="Euclid Circular B" panose="020B0504000000000000" pitchFamily="34" charset="0"/>
                 <a:ea typeface="Euclid Circular B" panose="020B0504000000000000" pitchFamily="34" charset="0"/>
               </a:rPr>
-              <a:t>Apply database migration scripts / seed initial data</a:t>
-            </a:r>
-          </a:p>
-          <a:p>
-            <a:pPr lvl="1"/>
+              <a:t>To synchronize access to a </a:t>
+            </a:r>
+            <a:r>
+              <a:rPr lang="tr-TR" b="1" dirty="0">
+                <a:latin typeface="Euclid Circular B" panose="020B0504000000000000" pitchFamily="34" charset="0"/>
+                <a:ea typeface="Euclid Circular B" panose="020B0504000000000000" pitchFamily="34" charset="0"/>
+              </a:rPr>
+              <a:t>shared resource</a:t>
+            </a:r>
+          </a:p>
+          <a:p>
             <a:r>
               <a:rPr lang="tr-TR" dirty="0">
                 <a:latin typeface="Euclid Circular B" panose="020B0504000000000000" pitchFamily="34" charset="0"/>
                 <a:ea typeface="Euclid Circular B" panose="020B0504000000000000" pitchFamily="34" charset="0"/>
               </a:rPr>
-              <a:t>To populate a cache object</a:t>
+              <a:t>Apply </a:t>
+            </a:r>
+            <a:r>
+              <a:rPr lang="tr-TR" b="1" dirty="0">
+                <a:latin typeface="Euclid Circular B" panose="020B0504000000000000" pitchFamily="34" charset="0"/>
+                <a:ea typeface="Euclid Circular B" panose="020B0504000000000000" pitchFamily="34" charset="0"/>
+              </a:rPr>
+              <a:t>database migration </a:t>
+            </a:r>
+            <a:r>
+              <a:rPr lang="tr-TR" dirty="0">
+                <a:latin typeface="Euclid Circular B" panose="020B0504000000000000" pitchFamily="34" charset="0"/>
+                <a:ea typeface="Euclid Circular B" panose="020B0504000000000000" pitchFamily="34" charset="0"/>
+              </a:rPr>
+              <a:t>scripts / seed initial data</a:t>
+            </a:r>
+          </a:p>
+          <a:p>
+            <a:r>
+              <a:rPr lang="tr-TR" dirty="0">
+                <a:latin typeface="Euclid Circular B" panose="020B0504000000000000" pitchFamily="34" charset="0"/>
+                <a:ea typeface="Euclid Circular B" panose="020B0504000000000000" pitchFamily="34" charset="0"/>
+              </a:rPr>
+              <a:t>To </a:t>
+            </a:r>
+            <a:r>
+              <a:rPr lang="tr-TR" b="1" dirty="0">
+                <a:latin typeface="Euclid Circular B" panose="020B0504000000000000" pitchFamily="34" charset="0"/>
+                <a:ea typeface="Euclid Circular B" panose="020B0504000000000000" pitchFamily="34" charset="0"/>
+              </a:rPr>
+              <a:t>populate </a:t>
+            </a:r>
+            <a:r>
+              <a:rPr lang="tr-TR" dirty="0">
+                <a:latin typeface="Euclid Circular B" panose="020B0504000000000000" pitchFamily="34" charset="0"/>
+                <a:ea typeface="Euclid Circular B" panose="020B0504000000000000" pitchFamily="34" charset="0"/>
+              </a:rPr>
+              <a:t>a </a:t>
+            </a:r>
+            <a:r>
+              <a:rPr lang="tr-TR" b="1" dirty="0">
+                <a:latin typeface="Euclid Circular B" panose="020B0504000000000000" pitchFamily="34" charset="0"/>
+                <a:ea typeface="Euclid Circular B" panose="020B0504000000000000" pitchFamily="34" charset="0"/>
+              </a:rPr>
+              <a:t>cache </a:t>
+            </a:r>
+            <a:r>
+              <a:rPr lang="tr-TR" dirty="0">
+                <a:latin typeface="Euclid Circular B" panose="020B0504000000000000" pitchFamily="34" charset="0"/>
+                <a:ea typeface="Euclid Circular B" panose="020B0504000000000000" pitchFamily="34" charset="0"/>
+              </a:rPr>
+              <a:t>object</a:t>
             </a:r>
             <a:endParaRPr lang="en-US" dirty="0">
               <a:latin typeface="Euclid Circular B" panose="020B0504000000000000" pitchFamily="34" charset="0"/>
@@ -9147,7 +9231,7 @@
                                         <p:tgtEl>
                                           <p:spTgt spid="3">
                                             <p:txEl>
-                                              <p:pRg st="1" end="1"/>
+                                              <p:pRg st="2" end="2"/>
                                             </p:txEl>
                                           </p:spTgt>
                                         </p:tgtEl>
@@ -9165,7 +9249,7 @@
                                         <p:tgtEl>
                                           <p:spTgt spid="3">
                                             <p:txEl>
-                                              <p:pRg st="1" end="1"/>
+                                              <p:pRg st="2" end="2"/>
                                             </p:txEl>
                                           </p:spTgt>
                                         </p:tgtEl>
@@ -9208,7 +9292,7 @@
                                         <p:tgtEl>
                                           <p:spTgt spid="3">
                                             <p:txEl>
-                                              <p:pRg st="2" end="2"/>
+                                              <p:pRg st="3" end="3"/>
                                             </p:txEl>
                                           </p:spTgt>
                                         </p:tgtEl>
@@ -9226,7 +9310,7 @@
                                         <p:tgtEl>
                                           <p:spTgt spid="3">
                                             <p:txEl>
-                                              <p:pRg st="2" end="2"/>
+                                              <p:pRg st="3" end="3"/>
                                             </p:txEl>
                                           </p:spTgt>
                                         </p:tgtEl>
@@ -9269,7 +9353,7 @@
                                         <p:tgtEl>
                                           <p:spTgt spid="3">
                                             <p:txEl>
-                                              <p:pRg st="3" end="3"/>
+                                              <p:pRg st="4" end="4"/>
                                             </p:txEl>
                                           </p:spTgt>
                                         </p:tgtEl>
@@ -9287,7 +9371,7 @@
                                         <p:tgtEl>
                                           <p:spTgt spid="3">
                                             <p:txEl>
-                                              <p:pRg st="3" end="3"/>
+                                              <p:pRg st="4" end="4"/>
                                             </p:txEl>
                                           </p:spTgt>
                                         </p:tgtEl>
@@ -9330,7 +9414,7 @@
                                         <p:tgtEl>
                                           <p:spTgt spid="3">
                                             <p:txEl>
-                                              <p:pRg st="4" end="4"/>
+                                              <p:pRg st="5" end="5"/>
                                             </p:txEl>
                                           </p:spTgt>
                                         </p:tgtEl>
@@ -9348,7 +9432,7 @@
                                         <p:tgtEl>
                                           <p:spTgt spid="3">
                                             <p:txEl>
-                                              <p:pRg st="4" end="4"/>
+                                              <p:pRg st="5" end="5"/>
                                             </p:txEl>
                                           </p:spTgt>
                                         </p:tgtEl>
@@ -9391,7 +9475,7 @@
                                         <p:tgtEl>
                                           <p:spTgt spid="3">
                                             <p:txEl>
-                                              <p:pRg st="5" end="5"/>
+                                              <p:pRg st="6" end="6"/>
                                             </p:txEl>
                                           </p:spTgt>
                                         </p:tgtEl>
@@ -9409,7 +9493,7 @@
                                         <p:tgtEl>
                                           <p:spTgt spid="3">
                                             <p:txEl>
-                                              <p:pRg st="5" end="5"/>
+                                              <p:pRg st="6" end="6"/>
                                             </p:txEl>
                                           </p:spTgt>
                                         </p:tgtEl>
@@ -10298,7 +10382,7 @@
         </p:spPr>
         <p:txBody>
           <a:bodyPr>
-            <a:normAutofit/>
+            <a:normAutofit lnSpcReduction="10000"/>
           </a:bodyPr>
           <a:lstStyle/>
           <a:p>
@@ -10306,7 +10390,7 @@
               <a:buNone/>
             </a:pPr>
             <a:r>
-              <a:rPr lang="en-US" sz="2600" b="1" dirty="0">
+              <a:rPr lang="en-US" sz="3200" b="1" dirty="0">
                 <a:latin typeface="Euclid Circular B" panose="020B0504000000000000" pitchFamily="34" charset="0"/>
                 <a:ea typeface="Euclid Circular B" panose="020B0504000000000000" pitchFamily="34" charset="0"/>
               </a:rPr>
@@ -10318,14 +10402,14 @@
               <a:buNone/>
             </a:pPr>
             <a:r>
-              <a:rPr lang="en-US" sz="1400" dirty="0">
+              <a:rPr lang="en-US" b="1" dirty="0">
                 <a:latin typeface="Euclid Circular B" panose="020B0504000000000000" pitchFamily="34" charset="0"/>
                 <a:ea typeface="Euclid Circular B" panose="020B0504000000000000" pitchFamily="34" charset="0"/>
                 <a:hlinkClick r:id="rId3"/>
               </a:rPr>
               <a:t>https://github.com/hikalkan/presentations</a:t>
             </a:r>
-            <a:endParaRPr lang="en-US" sz="1400" dirty="0">
+            <a:endParaRPr lang="en-US" b="1" dirty="0">
               <a:latin typeface="Euclid Circular B" panose="020B0504000000000000" pitchFamily="34" charset="0"/>
               <a:ea typeface="Euclid Circular B" panose="020B0504000000000000" pitchFamily="34" charset="0"/>
             </a:endParaRPr>
@@ -10334,7 +10418,7 @@
             <a:pPr marL="0" indent="0">
               <a:buNone/>
             </a:pPr>
-            <a:endParaRPr lang="en-US" sz="1000" dirty="0">
+            <a:endParaRPr lang="en-US" sz="1100" dirty="0">
               <a:latin typeface="Euclid Circular B" panose="020B0504000000000000" pitchFamily="34" charset="0"/>
               <a:ea typeface="Euclid Circular B" panose="020B0504000000000000" pitchFamily="34" charset="0"/>
             </a:endParaRPr>
@@ -10344,7 +10428,7 @@
               <a:buNone/>
             </a:pPr>
             <a:r>
-              <a:rPr lang="en-US" sz="2600" b="1" dirty="0">
+              <a:rPr lang="en-US" sz="3200" b="1" dirty="0">
                 <a:latin typeface="Euclid Circular B" panose="020B0504000000000000" pitchFamily="34" charset="0"/>
                 <a:ea typeface="Euclid Circular B" panose="020B0504000000000000" pitchFamily="34" charset="0"/>
               </a:rPr>
@@ -10356,14 +10440,21 @@
               <a:buNone/>
             </a:pPr>
             <a:r>
-              <a:rPr lang="en-US" sz="1600" dirty="0">
+              <a:rPr lang="tr-TR" sz="2000" b="1" dirty="0">
                 <a:latin typeface="Euclid Circular B" panose="020B0504000000000000" pitchFamily="34" charset="0"/>
                 <a:ea typeface="Euclid Circular B" panose="020B0504000000000000" pitchFamily="34" charset="0"/>
               </a:rPr>
-              <a:t>Home: </a:t>
-            </a:r>
-            <a:r>
-              <a:rPr lang="en-US" sz="1600" dirty="0">
+              <a:t>Website</a:t>
+            </a:r>
+            <a:r>
+              <a:rPr lang="en-US" sz="2000" dirty="0">
+                <a:latin typeface="Euclid Circular B" panose="020B0504000000000000" pitchFamily="34" charset="0"/>
+                <a:ea typeface="Euclid Circular B" panose="020B0504000000000000" pitchFamily="34" charset="0"/>
+              </a:rPr>
+              <a:t>: </a:t>
+            </a:r>
+            <a:r>
+              <a:rPr lang="en-US" sz="2000" dirty="0">
                 <a:latin typeface="Euclid Circular B" panose="020B0504000000000000" pitchFamily="34" charset="0"/>
                 <a:ea typeface="Euclid Circular B" panose="020B0504000000000000" pitchFamily="34" charset="0"/>
                 <a:hlinkClick r:id="rId4"/>
@@ -10371,7 +10462,7 @@
               <a:t>https://halilibrahimkalkan.com</a:t>
             </a:r>
             <a:r>
-              <a:rPr lang="en-US" sz="1600" dirty="0">
+              <a:rPr lang="en-US" sz="2000" dirty="0">
                 <a:latin typeface="Euclid Circular B" panose="020B0504000000000000" pitchFamily="34" charset="0"/>
                 <a:ea typeface="Euclid Circular B" panose="020B0504000000000000" pitchFamily="34" charset="0"/>
               </a:rPr>
@@ -10383,18 +10474,48 @@
               <a:buNone/>
             </a:pPr>
             <a:r>
-              <a:rPr lang="en-US" sz="1600" dirty="0">
+              <a:rPr lang="en-US" sz="2000" b="1" dirty="0">
                 <a:latin typeface="Euclid Circular B" panose="020B0504000000000000" pitchFamily="34" charset="0"/>
                 <a:ea typeface="Euclid Circular B" panose="020B0504000000000000" pitchFamily="34" charset="0"/>
               </a:rPr>
-              <a:t>GitHub: @hikalkan | Twitter: @hibrahimkalkan</a:t>
-            </a:r>
+              <a:t>GitHub</a:t>
+            </a:r>
+            <a:r>
+              <a:rPr lang="en-US" sz="2000" dirty="0">
+                <a:latin typeface="Euclid Circular B" panose="020B0504000000000000" pitchFamily="34" charset="0"/>
+                <a:ea typeface="Euclid Circular B" panose="020B0504000000000000" pitchFamily="34" charset="0"/>
+              </a:rPr>
+              <a:t>: @hikalkan</a:t>
+            </a:r>
+            <a:endParaRPr lang="tr-TR" sz="2000" dirty="0">
+              <a:latin typeface="Euclid Circular B" panose="020B0504000000000000" pitchFamily="34" charset="0"/>
+              <a:ea typeface="Euclid Circular B" panose="020B0504000000000000" pitchFamily="34" charset="0"/>
+            </a:endParaRPr>
           </a:p>
           <a:p>
             <a:pPr marL="0" indent="0">
               <a:buNone/>
             </a:pPr>
-            <a:endParaRPr lang="en-US" sz="1000" dirty="0">
+            <a:r>
+              <a:rPr lang="en-US" sz="2000" b="1" dirty="0">
+                <a:latin typeface="Euclid Circular B" panose="020B0504000000000000" pitchFamily="34" charset="0"/>
+                <a:ea typeface="Euclid Circular B" panose="020B0504000000000000" pitchFamily="34" charset="0"/>
+              </a:rPr>
+              <a:t>Twitter</a:t>
+            </a:r>
+            <a:r>
+              <a:rPr lang="en-US" sz="2000" dirty="0">
+                <a:latin typeface="Euclid Circular B" panose="020B0504000000000000" pitchFamily="34" charset="0"/>
+                <a:ea typeface="Euclid Circular B" panose="020B0504000000000000" pitchFamily="34" charset="0"/>
+              </a:rPr>
+              <a:t>: @hibrahimkalkan</a:t>
+            </a:r>
+          </a:p>
+          <a:p>
+            <a:pPr marL="0" indent="0">
+              <a:buNone/>
+            </a:pPr>
+            <a:endParaRPr lang="en-US" sz="1100" dirty="0">
               <a:latin typeface="Euclid Circular B" panose="020B0504000000000000" pitchFamily="34" charset="0"/>
               <a:ea typeface="Euclid Circular B" panose="020B0504000000000000" pitchFamily="34" charset="0"/>
             </a:endParaRPr>
@@ -10404,7 +10525,7 @@
               <a:buNone/>
             </a:pPr>
             <a:r>
-              <a:rPr lang="en-US" sz="2600" b="1" dirty="0">
+              <a:rPr lang="en-US" sz="2400" b="1" dirty="0">
                 <a:latin typeface="Euclid Circular B" panose="020B0504000000000000" pitchFamily="34" charset="0"/>
                 <a:ea typeface="Euclid Circular B" panose="020B0504000000000000" pitchFamily="34" charset="0"/>
               </a:rPr>
@@ -10458,115 +10579,6 @@
     <p:extLst>
       <p:ext uri="{BB962C8B-B14F-4D97-AF65-F5344CB8AC3E}">
         <p14:creationId xmlns:p14="http://schemas.microsoft.com/office/powerpoint/2010/main" val="1625585404"/>
-      </p:ext>
-    </p:extLst>
-  </p:cSld>
-  <p:clrMapOvr>
-    <a:masterClrMapping/>
-  </p:clrMapOvr>
-</p:sld>
-</file>
-
-<file path=ppt/slides/slide26.xml><?xml version="1.0" encoding="utf-8"?>
-<p:sld xmlns:a="http://schemas.openxmlformats.org/drawingml/2006/main" xmlns:r="http://schemas.openxmlformats.org/officeDocument/2006/relationships" xmlns:p="http://schemas.openxmlformats.org/presentationml/2006/main">
-  <p:cSld>
-    <p:bg>
-      <p:bgPr>
-        <a:blipFill dpi="0" rotWithShape="1">
-          <a:blip r:embed="rId2">
-            <a:lum/>
-          </a:blip>
-          <a:srcRect/>
-          <a:stretch>
-            <a:fillRect/>
-          </a:stretch>
-        </a:blipFill>
-        <a:effectLst/>
-      </p:bgPr>
-    </p:bg>
-    <p:spTree>
-      <p:nvGrpSpPr>
-        <p:cNvPr id="1" name=""/>
-        <p:cNvGrpSpPr/>
-        <p:nvPr/>
-      </p:nvGrpSpPr>
-      <p:grpSpPr>
-        <a:xfrm>
-          <a:off x="0" y="0"/>
-          <a:ext cx="0" cy="0"/>
-          <a:chOff x="0" y="0"/>
-          <a:chExt cx="0" cy="0"/>
-        </a:xfrm>
-      </p:grpSpPr>
-      <p:sp>
-        <p:nvSpPr>
-          <p:cNvPr id="2" name="Title 1">
-            <a:extLst>
-              <a:ext uri="{FF2B5EF4-FFF2-40B4-BE49-F238E27FC236}">
-                <a16:creationId xmlns:a16="http://schemas.microsoft.com/office/drawing/2014/main" id="{55E11F08-6CA0-48F1-AD67-97430DDA07F0}"/>
-              </a:ext>
-            </a:extLst>
-          </p:cNvPr>
-          <p:cNvSpPr>
-            <a:spLocks noGrp="1"/>
-          </p:cNvSpPr>
-          <p:nvPr>
-            <p:ph type="title"/>
-          </p:nvPr>
-        </p:nvSpPr>
-        <p:spPr/>
-        <p:txBody>
-          <a:bodyPr/>
-          <a:lstStyle/>
-          <a:p>
-            <a:r>
-              <a:rPr lang="en-US" b="1" dirty="0">
-                <a:solidFill>
-                  <a:srgbClr val="292D33"/>
-                </a:solidFill>
-                <a:latin typeface="Euclid Circular B" panose="020B0504000000000000" pitchFamily="34" charset="0"/>
-                <a:ea typeface="Euclid Circular B" panose="020B0504000000000000" pitchFamily="34" charset="0"/>
-              </a:rPr>
-              <a:t>Topic title</a:t>
-            </a:r>
-          </a:p>
-        </p:txBody>
-      </p:sp>
-      <p:sp>
-        <p:nvSpPr>
-          <p:cNvPr id="3" name="Content Placeholder 2">
-            <a:extLst>
-              <a:ext uri="{FF2B5EF4-FFF2-40B4-BE49-F238E27FC236}">
-                <a16:creationId xmlns:a16="http://schemas.microsoft.com/office/drawing/2014/main" id="{891C7693-D3DF-4635-96F4-97F3B4136FDF}"/>
-              </a:ext>
-            </a:extLst>
-          </p:cNvPr>
-          <p:cNvSpPr>
-            <a:spLocks noGrp="1"/>
-          </p:cNvSpPr>
-          <p:nvPr>
-            <p:ph idx="1"/>
-          </p:nvPr>
-        </p:nvSpPr>
-        <p:spPr/>
-        <p:txBody>
-          <a:bodyPr/>
-          <a:lstStyle/>
-          <a:p>
-            <a:r>
-              <a:rPr lang="en-US" dirty="0">
-                <a:latin typeface="Euclid Circular B" panose="020B0504000000000000" pitchFamily="34" charset="0"/>
-                <a:ea typeface="Euclid Circular B" panose="020B0504000000000000" pitchFamily="34" charset="0"/>
-              </a:rPr>
-              <a:t>Content</a:t>
-            </a:r>
-          </a:p>
-        </p:txBody>
-      </p:sp>
-    </p:spTree>
-    <p:extLst>
-      <p:ext uri="{BB962C8B-B14F-4D97-AF65-F5344CB8AC3E}">
-        <p14:creationId xmlns:p14="http://schemas.microsoft.com/office/powerpoint/2010/main" val="3734297926"/>
       </p:ext>
     </p:extLst>
   </p:cSld>

--- a/2023-06-01 Dealing with Concurrency - Multi-Threading in Dotnet/Dotnet-Multi-Threading.pptx
+++ b/2023-06-01 Dealing with Concurrency - Multi-Threading in Dotnet/Dotnet-Multi-Threading.pptx
@@ -283,7 +283,7 @@
           <a:p>
             <a:fld id="{2A14C9FE-EBC3-45D3-899C-58AAF4F8AF71}" type="datetimeFigureOut">
               <a:rPr lang="en-US" smtClean="0"/>
-              <a:t>5/21/2023</a:t>
+              <a:t>5/28/2023</a:t>
             </a:fld>
             <a:endParaRPr lang="en-US"/>
           </a:p>
@@ -481,7 +481,7 @@
           <a:p>
             <a:fld id="{2A14C9FE-EBC3-45D3-899C-58AAF4F8AF71}" type="datetimeFigureOut">
               <a:rPr lang="en-US" smtClean="0"/>
-              <a:t>5/21/2023</a:t>
+              <a:t>5/28/2023</a:t>
             </a:fld>
             <a:endParaRPr lang="en-US"/>
           </a:p>
@@ -689,7 +689,7 @@
           <a:p>
             <a:fld id="{2A14C9FE-EBC3-45D3-899C-58AAF4F8AF71}" type="datetimeFigureOut">
               <a:rPr lang="en-US" smtClean="0"/>
-              <a:t>5/21/2023</a:t>
+              <a:t>5/28/2023</a:t>
             </a:fld>
             <a:endParaRPr lang="en-US"/>
           </a:p>
@@ -887,7 +887,7 @@
           <a:p>
             <a:fld id="{2A14C9FE-EBC3-45D3-899C-58AAF4F8AF71}" type="datetimeFigureOut">
               <a:rPr lang="en-US" smtClean="0"/>
-              <a:t>5/21/2023</a:t>
+              <a:t>5/28/2023</a:t>
             </a:fld>
             <a:endParaRPr lang="en-US"/>
           </a:p>
@@ -1162,7 +1162,7 @@
           <a:p>
             <a:fld id="{2A14C9FE-EBC3-45D3-899C-58AAF4F8AF71}" type="datetimeFigureOut">
               <a:rPr lang="en-US" smtClean="0"/>
-              <a:t>5/21/2023</a:t>
+              <a:t>5/28/2023</a:t>
             </a:fld>
             <a:endParaRPr lang="en-US"/>
           </a:p>
@@ -1427,7 +1427,7 @@
           <a:p>
             <a:fld id="{2A14C9FE-EBC3-45D3-899C-58AAF4F8AF71}" type="datetimeFigureOut">
               <a:rPr lang="en-US" smtClean="0"/>
-              <a:t>5/21/2023</a:t>
+              <a:t>5/28/2023</a:t>
             </a:fld>
             <a:endParaRPr lang="en-US"/>
           </a:p>
@@ -1839,7 +1839,7 @@
           <a:p>
             <a:fld id="{2A14C9FE-EBC3-45D3-899C-58AAF4F8AF71}" type="datetimeFigureOut">
               <a:rPr lang="en-US" smtClean="0"/>
-              <a:t>5/21/2023</a:t>
+              <a:t>5/28/2023</a:t>
             </a:fld>
             <a:endParaRPr lang="en-US"/>
           </a:p>
@@ -1980,7 +1980,7 @@
           <a:p>
             <a:fld id="{2A14C9FE-EBC3-45D3-899C-58AAF4F8AF71}" type="datetimeFigureOut">
               <a:rPr lang="en-US" smtClean="0"/>
-              <a:t>5/21/2023</a:t>
+              <a:t>5/28/2023</a:t>
             </a:fld>
             <a:endParaRPr lang="en-US"/>
           </a:p>
@@ -2093,7 +2093,7 @@
           <a:p>
             <a:fld id="{2A14C9FE-EBC3-45D3-899C-58AAF4F8AF71}" type="datetimeFigureOut">
               <a:rPr lang="en-US" smtClean="0"/>
-              <a:t>5/21/2023</a:t>
+              <a:t>5/28/2023</a:t>
             </a:fld>
             <a:endParaRPr lang="en-US"/>
           </a:p>
@@ -2404,7 +2404,7 @@
           <a:p>
             <a:fld id="{2A14C9FE-EBC3-45D3-899C-58AAF4F8AF71}" type="datetimeFigureOut">
               <a:rPr lang="en-US" smtClean="0"/>
-              <a:t>5/21/2023</a:t>
+              <a:t>5/28/2023</a:t>
             </a:fld>
             <a:endParaRPr lang="en-US"/>
           </a:p>
@@ -2692,7 +2692,7 @@
           <a:p>
             <a:fld id="{2A14C9FE-EBC3-45D3-899C-58AAF4F8AF71}" type="datetimeFigureOut">
               <a:rPr lang="en-US" smtClean="0"/>
-              <a:t>5/21/2023</a:t>
+              <a:t>5/28/2023</a:t>
             </a:fld>
             <a:endParaRPr lang="en-US"/>
           </a:p>
@@ -2933,7 +2933,7 @@
           <a:p>
             <a:fld id="{2A14C9FE-EBC3-45D3-899C-58AAF4F8AF71}" type="datetimeFigureOut">
               <a:rPr lang="en-US" smtClean="0"/>
-              <a:t>5/21/2023</a:t>
+              <a:t>5/28/2023</a:t>
             </a:fld>
             <a:endParaRPr lang="en-US"/>
           </a:p>
@@ -4502,222 +4502,6 @@
           </a:p>
         </p:txBody>
       </p:sp>
-      <p:sp>
-        <p:nvSpPr>
-          <p:cNvPr id="15" name="Content Placeholder 2">
-            <a:extLst>
-              <a:ext uri="{FF2B5EF4-FFF2-40B4-BE49-F238E27FC236}">
-                <a16:creationId xmlns:a16="http://schemas.microsoft.com/office/drawing/2014/main" id="{A5222E91-C60C-6C62-270D-FFDFD84022DB}"/>
-              </a:ext>
-            </a:extLst>
-          </p:cNvPr>
-          <p:cNvSpPr txBox="1">
-            <a:spLocks/>
-          </p:cNvSpPr>
-          <p:nvPr/>
-        </p:nvSpPr>
-        <p:spPr>
-          <a:xfrm>
-            <a:off x="6582770" y="4963236"/>
-            <a:ext cx="4771030" cy="1469369"/>
-          </a:xfrm>
-          <a:prstGeom prst="rect">
-            <a:avLst/>
-          </a:prstGeom>
-        </p:spPr>
-        <p:txBody>
-          <a:bodyPr vert="horz" lIns="91440" tIns="45720" rIns="91440" bIns="45720" rtlCol="0" anchor="ctr">
-            <a:normAutofit/>
-          </a:bodyPr>
-          <a:lstStyle>
-            <a:lvl1pPr marL="228600" indent="-228600" algn="l" defTabSz="914400" rtl="0" eaLnBrk="1" latinLnBrk="0" hangingPunct="1">
-              <a:lnSpc>
-                <a:spcPct val="90000"/>
-              </a:lnSpc>
-              <a:spcBef>
-                <a:spcPts val="1000"/>
-              </a:spcBef>
-              <a:buFont typeface="Arial" panose="020B0604020202020204" pitchFamily="34" charset="0"/>
-              <a:buChar char="•"/>
-              <a:defRPr sz="2800" kern="1200">
-                <a:solidFill>
-                  <a:schemeClr val="tx1"/>
-                </a:solidFill>
-                <a:latin typeface="+mn-lt"/>
-                <a:ea typeface="+mn-ea"/>
-                <a:cs typeface="+mn-cs"/>
-              </a:defRPr>
-            </a:lvl1pPr>
-            <a:lvl2pPr marL="685800" indent="-228600" algn="l" defTabSz="914400" rtl="0" eaLnBrk="1" latinLnBrk="0" hangingPunct="1">
-              <a:lnSpc>
-                <a:spcPct val="90000"/>
-              </a:lnSpc>
-              <a:spcBef>
-                <a:spcPts val="500"/>
-              </a:spcBef>
-              <a:buFont typeface="Arial" panose="020B0604020202020204" pitchFamily="34" charset="0"/>
-              <a:buChar char="•"/>
-              <a:defRPr sz="2400" kern="1200">
-                <a:solidFill>
-                  <a:schemeClr val="tx1"/>
-                </a:solidFill>
-                <a:latin typeface="+mn-lt"/>
-                <a:ea typeface="+mn-ea"/>
-                <a:cs typeface="+mn-cs"/>
-              </a:defRPr>
-            </a:lvl2pPr>
-            <a:lvl3pPr marL="1143000" indent="-228600" algn="l" defTabSz="914400" rtl="0" eaLnBrk="1" latinLnBrk="0" hangingPunct="1">
-              <a:lnSpc>
-                <a:spcPct val="90000"/>
-              </a:lnSpc>
-              <a:spcBef>
-                <a:spcPts val="500"/>
-              </a:spcBef>
-              <a:buFont typeface="Arial" panose="020B0604020202020204" pitchFamily="34" charset="0"/>
-              <a:buChar char="•"/>
-              <a:defRPr sz="2000" kern="1200">
-                <a:solidFill>
-                  <a:schemeClr val="tx1"/>
-                </a:solidFill>
-                <a:latin typeface="+mn-lt"/>
-                <a:ea typeface="+mn-ea"/>
-                <a:cs typeface="+mn-cs"/>
-              </a:defRPr>
-            </a:lvl3pPr>
-            <a:lvl4pPr marL="1600200" indent="-228600" algn="l" defTabSz="914400" rtl="0" eaLnBrk="1" latinLnBrk="0" hangingPunct="1">
-              <a:lnSpc>
-                <a:spcPct val="90000"/>
-              </a:lnSpc>
-              <a:spcBef>
-                <a:spcPts val="500"/>
-              </a:spcBef>
-              <a:buFont typeface="Arial" panose="020B0604020202020204" pitchFamily="34" charset="0"/>
-              <a:buChar char="•"/>
-              <a:defRPr sz="1800" kern="1200">
-                <a:solidFill>
-                  <a:schemeClr val="tx1"/>
-                </a:solidFill>
-                <a:latin typeface="+mn-lt"/>
-                <a:ea typeface="+mn-ea"/>
-                <a:cs typeface="+mn-cs"/>
-              </a:defRPr>
-            </a:lvl4pPr>
-            <a:lvl5pPr marL="2057400" indent="-228600" algn="l" defTabSz="914400" rtl="0" eaLnBrk="1" latinLnBrk="0" hangingPunct="1">
-              <a:lnSpc>
-                <a:spcPct val="90000"/>
-              </a:lnSpc>
-              <a:spcBef>
-                <a:spcPts val="500"/>
-              </a:spcBef>
-              <a:buFont typeface="Arial" panose="020B0604020202020204" pitchFamily="34" charset="0"/>
-              <a:buChar char="•"/>
-              <a:defRPr sz="1800" kern="1200">
-                <a:solidFill>
-                  <a:schemeClr val="tx1"/>
-                </a:solidFill>
-                <a:latin typeface="+mn-lt"/>
-                <a:ea typeface="+mn-ea"/>
-                <a:cs typeface="+mn-cs"/>
-              </a:defRPr>
-            </a:lvl5pPr>
-            <a:lvl6pPr marL="2514600" indent="-228600" algn="l" defTabSz="914400" rtl="0" eaLnBrk="1" latinLnBrk="0" hangingPunct="1">
-              <a:lnSpc>
-                <a:spcPct val="90000"/>
-              </a:lnSpc>
-              <a:spcBef>
-                <a:spcPts val="500"/>
-              </a:spcBef>
-              <a:buFont typeface="Arial" panose="020B0604020202020204" pitchFamily="34" charset="0"/>
-              <a:buChar char="•"/>
-              <a:defRPr sz="1800" kern="1200">
-                <a:solidFill>
-                  <a:schemeClr val="tx1"/>
-                </a:solidFill>
-                <a:latin typeface="+mn-lt"/>
-                <a:ea typeface="+mn-ea"/>
-                <a:cs typeface="+mn-cs"/>
-              </a:defRPr>
-            </a:lvl6pPr>
-            <a:lvl7pPr marL="2971800" indent="-228600" algn="l" defTabSz="914400" rtl="0" eaLnBrk="1" latinLnBrk="0" hangingPunct="1">
-              <a:lnSpc>
-                <a:spcPct val="90000"/>
-              </a:lnSpc>
-              <a:spcBef>
-                <a:spcPts val="500"/>
-              </a:spcBef>
-              <a:buFont typeface="Arial" panose="020B0604020202020204" pitchFamily="34" charset="0"/>
-              <a:buChar char="•"/>
-              <a:defRPr sz="1800" kern="1200">
-                <a:solidFill>
-                  <a:schemeClr val="tx1"/>
-                </a:solidFill>
-                <a:latin typeface="+mn-lt"/>
-                <a:ea typeface="+mn-ea"/>
-                <a:cs typeface="+mn-cs"/>
-              </a:defRPr>
-            </a:lvl7pPr>
-            <a:lvl8pPr marL="3429000" indent="-228600" algn="l" defTabSz="914400" rtl="0" eaLnBrk="1" latinLnBrk="0" hangingPunct="1">
-              <a:lnSpc>
-                <a:spcPct val="90000"/>
-              </a:lnSpc>
-              <a:spcBef>
-                <a:spcPts val="500"/>
-              </a:spcBef>
-              <a:buFont typeface="Arial" panose="020B0604020202020204" pitchFamily="34" charset="0"/>
-              <a:buChar char="•"/>
-              <a:defRPr sz="1800" kern="1200">
-                <a:solidFill>
-                  <a:schemeClr val="tx1"/>
-                </a:solidFill>
-                <a:latin typeface="+mn-lt"/>
-                <a:ea typeface="+mn-ea"/>
-                <a:cs typeface="+mn-cs"/>
-              </a:defRPr>
-            </a:lvl8pPr>
-            <a:lvl9pPr marL="3886200" indent="-228600" algn="l" defTabSz="914400" rtl="0" eaLnBrk="1" latinLnBrk="0" hangingPunct="1">
-              <a:lnSpc>
-                <a:spcPct val="90000"/>
-              </a:lnSpc>
-              <a:spcBef>
-                <a:spcPts val="500"/>
-              </a:spcBef>
-              <a:buFont typeface="Arial" panose="020B0604020202020204" pitchFamily="34" charset="0"/>
-              <a:buChar char="•"/>
-              <a:defRPr sz="1800" kern="1200">
-                <a:solidFill>
-                  <a:schemeClr val="tx1"/>
-                </a:solidFill>
-                <a:latin typeface="+mn-lt"/>
-                <a:ea typeface="+mn-ea"/>
-                <a:cs typeface="+mn-cs"/>
-              </a:defRPr>
-            </a:lvl9pPr>
-          </a:lstStyle>
-          <a:p>
-            <a:pPr marL="0" indent="0" algn="ctr">
-              <a:buFont typeface="Arial" panose="020B0604020202020204" pitchFamily="34" charset="0"/>
-              <a:buNone/>
-            </a:pPr>
-            <a:r>
-              <a:rPr lang="tr-TR" sz="8800" dirty="0">
-                <a:solidFill>
-                  <a:srgbClr val="FF0000"/>
-                </a:solidFill>
-                <a:latin typeface="Euclid Circular B" panose="020B0504000000000000" pitchFamily="34" charset="0"/>
-                <a:ea typeface="Euclid Circular B" panose="020B0504000000000000" pitchFamily="34" charset="0"/>
-              </a:rPr>
-              <a:t>DEMO</a:t>
-            </a:r>
-            <a:endParaRPr lang="en-US" sz="8800" dirty="0">
-              <a:solidFill>
-                <a:srgbClr val="FF0000"/>
-              </a:solidFill>
-              <a:latin typeface="Euclid Circular B" panose="020B0504000000000000" pitchFamily="34" charset="0"/>
-              <a:ea typeface="Euclid Circular B" panose="020B0504000000000000" pitchFamily="34" charset="0"/>
-            </a:endParaRPr>
-          </a:p>
-        </p:txBody>
-      </p:sp>
     </p:spTree>
     <p:extLst>
       <p:ext uri="{BB962C8B-B14F-4D97-AF65-F5344CB8AC3E}">
@@ -5121,59 +4905,6 @@
                       </p:childTnLst>
                     </p:cTn>
                   </p:par>
-                  <p:par>
-                    <p:cTn id="36" fill="hold">
-                      <p:stCondLst>
-                        <p:cond delay="indefinite"/>
-                      </p:stCondLst>
-                      <p:childTnLst>
-                        <p:par>
-                          <p:cTn id="37" fill="hold">
-                            <p:stCondLst>
-                              <p:cond delay="0"/>
-                            </p:stCondLst>
-                            <p:childTnLst>
-                              <p:par>
-                                <p:cTn id="38" presetID="10" presetClass="entr" presetSubtype="0" fill="hold" grpId="0" nodeType="clickEffect">
-                                  <p:stCondLst>
-                                    <p:cond delay="0"/>
-                                  </p:stCondLst>
-                                  <p:childTnLst>
-                                    <p:set>
-                                      <p:cBhvr>
-                                        <p:cTn id="39" dur="1" fill="hold">
-                                          <p:stCondLst>
-                                            <p:cond delay="0"/>
-                                          </p:stCondLst>
-                                        </p:cTn>
-                                        <p:tgtEl>
-                                          <p:spTgt spid="15"/>
-                                        </p:tgtEl>
-                                        <p:attrNameLst>
-                                          <p:attrName>style.visibility</p:attrName>
-                                        </p:attrNameLst>
-                                      </p:cBhvr>
-                                      <p:to>
-                                        <p:strVal val="visible"/>
-                                      </p:to>
-                                    </p:set>
-                                    <p:animEffect transition="in" filter="fade">
-                                      <p:cBhvr>
-                                        <p:cTn id="40" dur="500"/>
-                                        <p:tgtEl>
-                                          <p:spTgt spid="15"/>
-                                        </p:tgtEl>
-                                      </p:cBhvr>
-                                    </p:animEffect>
-                                  </p:childTnLst>
-                                </p:cTn>
-                              </p:par>
-                            </p:childTnLst>
-                          </p:cTn>
-                        </p:par>
-                      </p:childTnLst>
-                    </p:cTn>
-                  </p:par>
                 </p:childTnLst>
               </p:cTn>
               <p:prevCondLst>
@@ -5195,9 +4926,6 @@
         </p:cTn>
       </p:par>
     </p:tnLst>
-    <p:bldLst>
-      <p:bldP spid="15" grpId="0"/>
-    </p:bldLst>
   </p:timing>
 </p:sld>
 </file>
@@ -21261,10 +20989,10 @@
       </p:pic>
       <p:sp>
         <p:nvSpPr>
-          <p:cNvPr id="8" name="Content Placeholder 2">
-            <a:extLst>
-              <a:ext uri="{FF2B5EF4-FFF2-40B4-BE49-F238E27FC236}">
-                <a16:creationId xmlns:a16="http://schemas.microsoft.com/office/drawing/2014/main" id="{5D7A3860-905D-819A-C350-9B550E2D2D60}"/>
+          <p:cNvPr id="4" name="Content Placeholder 3">
+            <a:extLst>
+              <a:ext uri="{FF2B5EF4-FFF2-40B4-BE49-F238E27FC236}">
+                <a16:creationId xmlns:a16="http://schemas.microsoft.com/office/drawing/2014/main" id="{A7875C5F-3495-4331-7A58-26825B668A61}"/>
               </a:ext>
             </a:extLst>
           </p:cNvPr>
@@ -21275,38 +21003,12 @@
             <p:ph idx="1"/>
           </p:nvPr>
         </p:nvSpPr>
-        <p:spPr>
-          <a:xfrm>
-            <a:off x="6096000" y="1690689"/>
-            <a:ext cx="5257800" cy="4034486"/>
-          </a:xfrm>
-        </p:spPr>
+        <p:spPr/>
         <p:txBody>
-          <a:bodyPr anchor="ctr">
-            <a:normAutofit/>
-          </a:bodyPr>
+          <a:bodyPr/>
           <a:lstStyle/>
           <a:p>
-            <a:pPr marL="0" indent="0" algn="ctr">
-              <a:buNone/>
-            </a:pPr>
-            <a:r>
-              <a:rPr lang="tr-TR" sz="8800" dirty="0">
-                <a:solidFill>
-                  <a:srgbClr val="FF0000"/>
-                </a:solidFill>
-                <a:latin typeface="Euclid Circular B" panose="020B0504000000000000" pitchFamily="34" charset="0"/>
-                <a:ea typeface="Euclid Circular B" panose="020B0504000000000000" pitchFamily="34" charset="0"/>
-              </a:rPr>
-              <a:t>DEMO</a:t>
-            </a:r>
-            <a:endParaRPr lang="en-US" sz="8800" dirty="0">
-              <a:solidFill>
-                <a:srgbClr val="FF0000"/>
-              </a:solidFill>
-              <a:latin typeface="Euclid Circular B" panose="020B0504000000000000" pitchFamily="34" charset="0"/>
-              <a:ea typeface="Euclid Circular B" panose="020B0504000000000000" pitchFamily="34" charset="0"/>
-            </a:endParaRPr>
+            <a:endParaRPr lang="en-US"/>
           </a:p>
         </p:txBody>
       </p:sp>
@@ -21381,67 +21083,6 @@
                       </p:childTnLst>
                     </p:cTn>
                   </p:par>
-                  <p:par>
-                    <p:cTn id="8" fill="hold">
-                      <p:stCondLst>
-                        <p:cond delay="indefinite"/>
-                      </p:stCondLst>
-                      <p:childTnLst>
-                        <p:par>
-                          <p:cTn id="9" fill="hold">
-                            <p:stCondLst>
-                              <p:cond delay="0"/>
-                            </p:stCondLst>
-                            <p:childTnLst>
-                              <p:par>
-                                <p:cTn id="10" presetID="10" presetClass="entr" presetSubtype="0" fill="hold" grpId="0" nodeType="clickEffect">
-                                  <p:stCondLst>
-                                    <p:cond delay="0"/>
-                                  </p:stCondLst>
-                                  <p:childTnLst>
-                                    <p:set>
-                                      <p:cBhvr>
-                                        <p:cTn id="11" dur="1" fill="hold">
-                                          <p:stCondLst>
-                                            <p:cond delay="0"/>
-                                          </p:stCondLst>
-                                        </p:cTn>
-                                        <p:tgtEl>
-                                          <p:spTgt spid="8">
-                                            <p:txEl>
-                                              <p:pRg st="0" end="0"/>
-                                            </p:txEl>
-                                          </p:spTgt>
-                                        </p:tgtEl>
-                                        <p:attrNameLst>
-                                          <p:attrName>style.visibility</p:attrName>
-                                        </p:attrNameLst>
-                                      </p:cBhvr>
-                                      <p:to>
-                                        <p:strVal val="visible"/>
-                                      </p:to>
-                                    </p:set>
-                                    <p:animEffect transition="in" filter="fade">
-                                      <p:cBhvr>
-                                        <p:cTn id="12" dur="500"/>
-                                        <p:tgtEl>
-                                          <p:spTgt spid="8">
-                                            <p:txEl>
-                                              <p:pRg st="0" end="0"/>
-                                            </p:txEl>
-                                          </p:spTgt>
-                                        </p:tgtEl>
-                                      </p:cBhvr>
-                                    </p:animEffect>
-                                  </p:childTnLst>
-                                </p:cTn>
-                              </p:par>
-                            </p:childTnLst>
-                          </p:cTn>
-                        </p:par>
-                      </p:childTnLst>
-                    </p:cTn>
-                  </p:par>
                 </p:childTnLst>
               </p:cTn>
               <p:prevCondLst>
@@ -21463,9 +21104,6 @@
         </p:cTn>
       </p:par>
     </p:tnLst>
-    <p:bldLst>
-      <p:bldP spid="8" grpId="0" build="p"/>
-    </p:bldLst>
   </p:timing>
 </p:sld>
 </file>
@@ -21542,57 +21180,6 @@
           </a:p>
         </p:txBody>
       </p:sp>
-      <p:sp>
-        <p:nvSpPr>
-          <p:cNvPr id="8" name="Content Placeholder 2">
-            <a:extLst>
-              <a:ext uri="{FF2B5EF4-FFF2-40B4-BE49-F238E27FC236}">
-                <a16:creationId xmlns:a16="http://schemas.microsoft.com/office/drawing/2014/main" id="{5D7A3860-905D-819A-C350-9B550E2D2D60}"/>
-              </a:ext>
-            </a:extLst>
-          </p:cNvPr>
-          <p:cNvSpPr>
-            <a:spLocks noGrp="1"/>
-          </p:cNvSpPr>
-          <p:nvPr>
-            <p:ph idx="1"/>
-          </p:nvPr>
-        </p:nvSpPr>
-        <p:spPr>
-          <a:xfrm>
-            <a:off x="6096000" y="1690688"/>
-            <a:ext cx="5257800" cy="4615843"/>
-          </a:xfrm>
-        </p:spPr>
-        <p:txBody>
-          <a:bodyPr anchor="ctr">
-            <a:normAutofit/>
-          </a:bodyPr>
-          <a:lstStyle/>
-          <a:p>
-            <a:pPr marL="0" indent="0" algn="ctr">
-              <a:buNone/>
-            </a:pPr>
-            <a:r>
-              <a:rPr lang="tr-TR" sz="8800" dirty="0">
-                <a:solidFill>
-                  <a:srgbClr val="FF0000"/>
-                </a:solidFill>
-                <a:latin typeface="Euclid Circular B" panose="020B0504000000000000" pitchFamily="34" charset="0"/>
-                <a:ea typeface="Euclid Circular B" panose="020B0504000000000000" pitchFamily="34" charset="0"/>
-              </a:rPr>
-              <a:t>DEMO</a:t>
-            </a:r>
-            <a:endParaRPr lang="en-US" sz="8800" dirty="0">
-              <a:solidFill>
-                <a:srgbClr val="FF0000"/>
-              </a:solidFill>
-              <a:latin typeface="Euclid Circular B" panose="020B0504000000000000" pitchFamily="34" charset="0"/>
-              <a:ea typeface="Euclid Circular B" panose="020B0504000000000000" pitchFamily="34" charset="0"/>
-            </a:endParaRPr>
-          </a:p>
-        </p:txBody>
-      </p:sp>
       <p:pic>
         <p:nvPicPr>
           <p:cNvPr id="4" name="Picture 3">
@@ -21623,6 +21210,31 @@
           </a:prstGeom>
         </p:spPr>
       </p:pic>
+      <p:sp>
+        <p:nvSpPr>
+          <p:cNvPr id="5" name="Content Placeholder 4">
+            <a:extLst>
+              <a:ext uri="{FF2B5EF4-FFF2-40B4-BE49-F238E27FC236}">
+                <a16:creationId xmlns:a16="http://schemas.microsoft.com/office/drawing/2014/main" id="{229C91DA-0B02-1635-7D8E-E91CA1DA1121}"/>
+              </a:ext>
+            </a:extLst>
+          </p:cNvPr>
+          <p:cNvSpPr>
+            <a:spLocks noGrp="1"/>
+          </p:cNvSpPr>
+          <p:nvPr>
+            <p:ph idx="1"/>
+          </p:nvPr>
+        </p:nvSpPr>
+        <p:spPr/>
+        <p:txBody>
+          <a:bodyPr/>
+          <a:lstStyle/>
+          <a:p>
+            <a:endParaRPr lang="en-US"/>
+          </a:p>
+        </p:txBody>
+      </p:sp>
     </p:spTree>
     <p:extLst>
       <p:ext uri="{BB962C8B-B14F-4D97-AF65-F5344CB8AC3E}">
@@ -21694,67 +21306,6 @@
                       </p:childTnLst>
                     </p:cTn>
                   </p:par>
-                  <p:par>
-                    <p:cTn id="8" fill="hold">
-                      <p:stCondLst>
-                        <p:cond delay="indefinite"/>
-                      </p:stCondLst>
-                      <p:childTnLst>
-                        <p:par>
-                          <p:cTn id="9" fill="hold">
-                            <p:stCondLst>
-                              <p:cond delay="0"/>
-                            </p:stCondLst>
-                            <p:childTnLst>
-                              <p:par>
-                                <p:cTn id="10" presetID="10" presetClass="entr" presetSubtype="0" fill="hold" grpId="0" nodeType="clickEffect">
-                                  <p:stCondLst>
-                                    <p:cond delay="0"/>
-                                  </p:stCondLst>
-                                  <p:childTnLst>
-                                    <p:set>
-                                      <p:cBhvr>
-                                        <p:cTn id="11" dur="1" fill="hold">
-                                          <p:stCondLst>
-                                            <p:cond delay="0"/>
-                                          </p:stCondLst>
-                                        </p:cTn>
-                                        <p:tgtEl>
-                                          <p:spTgt spid="8">
-                                            <p:txEl>
-                                              <p:pRg st="0" end="0"/>
-                                            </p:txEl>
-                                          </p:spTgt>
-                                        </p:tgtEl>
-                                        <p:attrNameLst>
-                                          <p:attrName>style.visibility</p:attrName>
-                                        </p:attrNameLst>
-                                      </p:cBhvr>
-                                      <p:to>
-                                        <p:strVal val="visible"/>
-                                      </p:to>
-                                    </p:set>
-                                    <p:animEffect transition="in" filter="fade">
-                                      <p:cBhvr>
-                                        <p:cTn id="12" dur="500"/>
-                                        <p:tgtEl>
-                                          <p:spTgt spid="8">
-                                            <p:txEl>
-                                              <p:pRg st="0" end="0"/>
-                                            </p:txEl>
-                                          </p:spTgt>
-                                        </p:tgtEl>
-                                      </p:cBhvr>
-                                    </p:animEffect>
-                                  </p:childTnLst>
-                                </p:cTn>
-                              </p:par>
-                            </p:childTnLst>
-                          </p:cTn>
-                        </p:par>
-                      </p:childTnLst>
-                    </p:cTn>
-                  </p:par>
                 </p:childTnLst>
               </p:cTn>
               <p:prevCondLst>
@@ -21776,9 +21327,6 @@
         </p:cTn>
       </p:par>
     </p:tnLst>
-    <p:bldLst>
-      <p:bldP spid="8" grpId="0" build="p"/>
-    </p:bldLst>
   </p:timing>
 </p:sld>
 </file>

--- a/2023-06-01 Dealing with Concurrency - Multi-Threading in Dotnet/Dotnet-Multi-Threading.pptx
+++ b/2023-06-01 Dealing with Concurrency - Multi-Threading in Dotnet/Dotnet-Multi-Threading.pptx
@@ -23,12 +23,11 @@
     <p:sldId id="305" r:id="rId17"/>
     <p:sldId id="303" r:id="rId18"/>
     <p:sldId id="314" r:id="rId19"/>
-    <p:sldId id="315" r:id="rId20"/>
-    <p:sldId id="304" r:id="rId21"/>
-    <p:sldId id="310" r:id="rId22"/>
-    <p:sldId id="311" r:id="rId23"/>
-    <p:sldId id="313" r:id="rId24"/>
-    <p:sldId id="289" r:id="rId25"/>
+    <p:sldId id="304" r:id="rId20"/>
+    <p:sldId id="310" r:id="rId21"/>
+    <p:sldId id="311" r:id="rId22"/>
+    <p:sldId id="313" r:id="rId23"/>
+    <p:sldId id="289" r:id="rId24"/>
   </p:sldIdLst>
   <p:sldSz cx="12192000" cy="6858000"/>
   <p:notesSz cx="6858000" cy="9144000"/>
@@ -7483,7 +7482,7 @@
                 <a:latin typeface="Euclid Circular B" panose="020B0504000000000000" pitchFamily="34" charset="0"/>
                 <a:ea typeface="Euclid Circular B" panose="020B0504000000000000" pitchFamily="34" charset="0"/>
               </a:rPr>
-              <a:t>Mutex: Interprocess Locking</a:t>
+              <a:t>Distributed Locking</a:t>
             </a:r>
             <a:endParaRPr lang="en-US" b="1" dirty="0">
               <a:solidFill>
@@ -7500,211 +7499,192 @@
           <p:cNvPr id="3" name="Content Placeholder 2">
             <a:extLst>
               <a:ext uri="{FF2B5EF4-FFF2-40B4-BE49-F238E27FC236}">
-                <a16:creationId xmlns:a16="http://schemas.microsoft.com/office/drawing/2014/main" id="{D75FDA32-3AFC-E860-8D57-7C89CC004E0E}"/>
-              </a:ext>
-            </a:extLst>
-          </p:cNvPr>
-          <p:cNvSpPr txBox="1">
-            <a:spLocks/>
+                <a16:creationId xmlns:a16="http://schemas.microsoft.com/office/drawing/2014/main" id="{891C7693-D3DF-4635-96F4-97F3B4136FDF}"/>
+              </a:ext>
+            </a:extLst>
+          </p:cNvPr>
+          <p:cNvSpPr>
+            <a:spLocks noGrp="1"/>
           </p:cNvSpPr>
-          <p:nvPr/>
+          <p:nvPr>
+            <p:ph idx="1"/>
+          </p:nvPr>
         </p:nvSpPr>
-        <p:spPr>
-          <a:xfrm>
-            <a:off x="838200" y="1690688"/>
-            <a:ext cx="10515600" cy="3437493"/>
-          </a:xfrm>
-          <a:prstGeom prst="rect">
-            <a:avLst/>
-          </a:prstGeom>
-        </p:spPr>
+        <p:spPr/>
         <p:txBody>
-          <a:bodyPr vert="horz" lIns="91440" tIns="45720" rIns="91440" bIns="45720" rtlCol="0" anchor="ctr">
-            <a:normAutofit/>
-          </a:bodyPr>
-          <a:lstStyle>
-            <a:lvl1pPr marL="228600" indent="-228600" algn="l" defTabSz="914400" rtl="0" eaLnBrk="1" latinLnBrk="0" hangingPunct="1">
-              <a:lnSpc>
-                <a:spcPct val="90000"/>
-              </a:lnSpc>
-              <a:spcBef>
-                <a:spcPts val="1000"/>
-              </a:spcBef>
-              <a:buFont typeface="Arial" panose="020B0604020202020204" pitchFamily="34" charset="0"/>
-              <a:buChar char="•"/>
-              <a:defRPr sz="2800" kern="1200">
-                <a:solidFill>
-                  <a:schemeClr val="tx1"/>
-                </a:solidFill>
-                <a:latin typeface="+mn-lt"/>
-                <a:ea typeface="+mn-ea"/>
-                <a:cs typeface="+mn-cs"/>
-              </a:defRPr>
-            </a:lvl1pPr>
-            <a:lvl2pPr marL="685800" indent="-228600" algn="l" defTabSz="914400" rtl="0" eaLnBrk="1" latinLnBrk="0" hangingPunct="1">
-              <a:lnSpc>
-                <a:spcPct val="90000"/>
-              </a:lnSpc>
-              <a:spcBef>
-                <a:spcPts val="500"/>
-              </a:spcBef>
-              <a:buFont typeface="Arial" panose="020B0604020202020204" pitchFamily="34" charset="0"/>
-              <a:buChar char="•"/>
-              <a:defRPr sz="2400" kern="1200">
-                <a:solidFill>
-                  <a:schemeClr val="tx1"/>
-                </a:solidFill>
-                <a:latin typeface="+mn-lt"/>
-                <a:ea typeface="+mn-ea"/>
-                <a:cs typeface="+mn-cs"/>
-              </a:defRPr>
-            </a:lvl2pPr>
-            <a:lvl3pPr marL="1143000" indent="-228600" algn="l" defTabSz="914400" rtl="0" eaLnBrk="1" latinLnBrk="0" hangingPunct="1">
-              <a:lnSpc>
-                <a:spcPct val="90000"/>
-              </a:lnSpc>
-              <a:spcBef>
-                <a:spcPts val="500"/>
-              </a:spcBef>
-              <a:buFont typeface="Arial" panose="020B0604020202020204" pitchFamily="34" charset="0"/>
-              <a:buChar char="•"/>
-              <a:defRPr sz="2000" kern="1200">
-                <a:solidFill>
-                  <a:schemeClr val="tx1"/>
-                </a:solidFill>
-                <a:latin typeface="+mn-lt"/>
-                <a:ea typeface="+mn-ea"/>
-                <a:cs typeface="+mn-cs"/>
-              </a:defRPr>
-            </a:lvl3pPr>
-            <a:lvl4pPr marL="1600200" indent="-228600" algn="l" defTabSz="914400" rtl="0" eaLnBrk="1" latinLnBrk="0" hangingPunct="1">
-              <a:lnSpc>
-                <a:spcPct val="90000"/>
-              </a:lnSpc>
-              <a:spcBef>
-                <a:spcPts val="500"/>
-              </a:spcBef>
-              <a:buFont typeface="Arial" panose="020B0604020202020204" pitchFamily="34" charset="0"/>
-              <a:buChar char="•"/>
-              <a:defRPr sz="1800" kern="1200">
-                <a:solidFill>
-                  <a:schemeClr val="tx1"/>
-                </a:solidFill>
-                <a:latin typeface="+mn-lt"/>
-                <a:ea typeface="+mn-ea"/>
-                <a:cs typeface="+mn-cs"/>
-              </a:defRPr>
-            </a:lvl4pPr>
-            <a:lvl5pPr marL="2057400" indent="-228600" algn="l" defTabSz="914400" rtl="0" eaLnBrk="1" latinLnBrk="0" hangingPunct="1">
-              <a:lnSpc>
-                <a:spcPct val="90000"/>
-              </a:lnSpc>
-              <a:spcBef>
-                <a:spcPts val="500"/>
-              </a:spcBef>
-              <a:buFont typeface="Arial" panose="020B0604020202020204" pitchFamily="34" charset="0"/>
-              <a:buChar char="•"/>
-              <a:defRPr sz="1800" kern="1200">
-                <a:solidFill>
-                  <a:schemeClr val="tx1"/>
-                </a:solidFill>
-                <a:latin typeface="+mn-lt"/>
-                <a:ea typeface="+mn-ea"/>
-                <a:cs typeface="+mn-cs"/>
-              </a:defRPr>
-            </a:lvl5pPr>
-            <a:lvl6pPr marL="2514600" indent="-228600" algn="l" defTabSz="914400" rtl="0" eaLnBrk="1" latinLnBrk="0" hangingPunct="1">
-              <a:lnSpc>
-                <a:spcPct val="90000"/>
-              </a:lnSpc>
-              <a:spcBef>
-                <a:spcPts val="500"/>
-              </a:spcBef>
-              <a:buFont typeface="Arial" panose="020B0604020202020204" pitchFamily="34" charset="0"/>
-              <a:buChar char="•"/>
-              <a:defRPr sz="1800" kern="1200">
-                <a:solidFill>
-                  <a:schemeClr val="tx1"/>
-                </a:solidFill>
-                <a:latin typeface="+mn-lt"/>
-                <a:ea typeface="+mn-ea"/>
-                <a:cs typeface="+mn-cs"/>
-              </a:defRPr>
-            </a:lvl6pPr>
-            <a:lvl7pPr marL="2971800" indent="-228600" algn="l" defTabSz="914400" rtl="0" eaLnBrk="1" latinLnBrk="0" hangingPunct="1">
-              <a:lnSpc>
-                <a:spcPct val="90000"/>
-              </a:lnSpc>
-              <a:spcBef>
-                <a:spcPts val="500"/>
-              </a:spcBef>
-              <a:buFont typeface="Arial" panose="020B0604020202020204" pitchFamily="34" charset="0"/>
-              <a:buChar char="•"/>
-              <a:defRPr sz="1800" kern="1200">
-                <a:solidFill>
-                  <a:schemeClr val="tx1"/>
-                </a:solidFill>
-                <a:latin typeface="+mn-lt"/>
-                <a:ea typeface="+mn-ea"/>
-                <a:cs typeface="+mn-cs"/>
-              </a:defRPr>
-            </a:lvl7pPr>
-            <a:lvl8pPr marL="3429000" indent="-228600" algn="l" defTabSz="914400" rtl="0" eaLnBrk="1" latinLnBrk="0" hangingPunct="1">
-              <a:lnSpc>
-                <a:spcPct val="90000"/>
-              </a:lnSpc>
-              <a:spcBef>
-                <a:spcPts val="500"/>
-              </a:spcBef>
-              <a:buFont typeface="Arial" panose="020B0604020202020204" pitchFamily="34" charset="0"/>
-              <a:buChar char="•"/>
-              <a:defRPr sz="1800" kern="1200">
-                <a:solidFill>
-                  <a:schemeClr val="tx1"/>
-                </a:solidFill>
-                <a:latin typeface="+mn-lt"/>
-                <a:ea typeface="+mn-ea"/>
-                <a:cs typeface="+mn-cs"/>
-              </a:defRPr>
-            </a:lvl8pPr>
-            <a:lvl9pPr marL="3886200" indent="-228600" algn="l" defTabSz="914400" rtl="0" eaLnBrk="1" latinLnBrk="0" hangingPunct="1">
-              <a:lnSpc>
-                <a:spcPct val="90000"/>
-              </a:lnSpc>
-              <a:spcBef>
-                <a:spcPts val="500"/>
-              </a:spcBef>
-              <a:buFont typeface="Arial" panose="020B0604020202020204" pitchFamily="34" charset="0"/>
-              <a:buChar char="•"/>
-              <a:defRPr sz="1800" kern="1200">
-                <a:solidFill>
-                  <a:schemeClr val="tx1"/>
-                </a:solidFill>
-                <a:latin typeface="+mn-lt"/>
-                <a:ea typeface="+mn-ea"/>
-                <a:cs typeface="+mn-cs"/>
-              </a:defRPr>
-            </a:lvl9pPr>
-          </a:lstStyle>
-          <a:p>
-            <a:pPr marL="0" indent="0" algn="ctr">
-              <a:buFont typeface="Arial" panose="020B0604020202020204" pitchFamily="34" charset="0"/>
+          <a:bodyPr/>
+          <a:lstStyle/>
+          <a:p>
+            <a:pPr marL="0" indent="0">
               <a:buNone/>
             </a:pPr>
             <a:r>
-              <a:rPr lang="tr-TR" sz="8800" dirty="0">
-                <a:solidFill>
-                  <a:srgbClr val="FF0000"/>
-                </a:solidFill>
+              <a:rPr lang="tr-TR" dirty="0">
                 <a:latin typeface="Euclid Circular B" panose="020B0504000000000000" pitchFamily="34" charset="0"/>
                 <a:ea typeface="Euclid Circular B" panose="020B0504000000000000" pitchFamily="34" charset="0"/>
               </a:rPr>
-              <a:t>DEMO</a:t>
-            </a:r>
-            <a:endParaRPr lang="en-US" sz="8800" dirty="0">
-              <a:solidFill>
-                <a:srgbClr val="FF0000"/>
-              </a:solidFill>
+              <a:t>Create locks to synchronize </a:t>
+            </a:r>
+            <a:r>
+              <a:rPr lang="tr-TR" b="1" dirty="0">
+                <a:latin typeface="Euclid Circular B" panose="020B0504000000000000" pitchFamily="34" charset="0"/>
+                <a:ea typeface="Euclid Circular B" panose="020B0504000000000000" pitchFamily="34" charset="0"/>
+              </a:rPr>
+              <a:t>multiple processes </a:t>
+            </a:r>
+            <a:r>
+              <a:rPr lang="tr-TR" dirty="0">
+                <a:latin typeface="Euclid Circular B" panose="020B0504000000000000" pitchFamily="34" charset="0"/>
+                <a:ea typeface="Euclid Circular B" panose="020B0504000000000000" pitchFamily="34" charset="0"/>
+              </a:rPr>
+              <a:t>running in </a:t>
+            </a:r>
+            <a:r>
+              <a:rPr lang="tr-TR" b="1" dirty="0">
+                <a:latin typeface="Euclid Circular B" panose="020B0504000000000000" pitchFamily="34" charset="0"/>
+                <a:ea typeface="Euclid Circular B" panose="020B0504000000000000" pitchFamily="34" charset="0"/>
+              </a:rPr>
+              <a:t>different servers</a:t>
+            </a:r>
+            <a:r>
+              <a:rPr lang="tr-TR" dirty="0">
+                <a:latin typeface="Euclid Circular B" panose="020B0504000000000000" pitchFamily="34" charset="0"/>
+                <a:ea typeface="Euclid Circular B" panose="020B0504000000000000" pitchFamily="34" charset="0"/>
+              </a:rPr>
+              <a:t>.</a:t>
+            </a:r>
+          </a:p>
+          <a:p>
+            <a:endParaRPr lang="tr-TR" dirty="0">
+              <a:latin typeface="Euclid Circular B" panose="020B0504000000000000" pitchFamily="34" charset="0"/>
+              <a:ea typeface="Euclid Circular B" panose="020B0504000000000000" pitchFamily="34" charset="0"/>
+            </a:endParaRPr>
+          </a:p>
+          <a:p>
+            <a:pPr marL="0" indent="0">
+              <a:buNone/>
+            </a:pPr>
+            <a:r>
+              <a:rPr lang="tr-TR" b="1" dirty="0">
+                <a:latin typeface="Euclid Circular B" panose="020B0504000000000000" pitchFamily="34" charset="0"/>
+                <a:ea typeface="Euclid Circular B" panose="020B0504000000000000" pitchFamily="34" charset="0"/>
+              </a:rPr>
+              <a:t>Why </a:t>
+            </a:r>
+            <a:r>
+              <a:rPr lang="tr-TR" dirty="0">
+                <a:latin typeface="Euclid Circular B" panose="020B0504000000000000" pitchFamily="34" charset="0"/>
+                <a:ea typeface="Euclid Circular B" panose="020B0504000000000000" pitchFamily="34" charset="0"/>
+              </a:rPr>
+              <a:t>we need it? Some examples:</a:t>
+            </a:r>
+          </a:p>
+          <a:p>
+            <a:r>
+              <a:rPr lang="tr-TR" dirty="0">
+                <a:latin typeface="Euclid Circular B" panose="020B0504000000000000" pitchFamily="34" charset="0"/>
+                <a:ea typeface="Euclid Circular B" panose="020B0504000000000000" pitchFamily="34" charset="0"/>
+              </a:rPr>
+              <a:t>To process a background </a:t>
+            </a:r>
+            <a:r>
+              <a:rPr lang="tr-TR" b="1" dirty="0">
+                <a:latin typeface="Euclid Circular B" panose="020B0504000000000000" pitchFamily="34" charset="0"/>
+                <a:ea typeface="Euclid Circular B" panose="020B0504000000000000" pitchFamily="34" charset="0"/>
+              </a:rPr>
+              <a:t>job </a:t>
+            </a:r>
+            <a:r>
+              <a:rPr lang="tr-TR" dirty="0">
+                <a:latin typeface="Euclid Circular B" panose="020B0504000000000000" pitchFamily="34" charset="0"/>
+                <a:ea typeface="Euclid Circular B" panose="020B0504000000000000" pitchFamily="34" charset="0"/>
+              </a:rPr>
+              <a:t>or </a:t>
+            </a:r>
+            <a:r>
+              <a:rPr lang="tr-TR" b="1" dirty="0">
+                <a:latin typeface="Euclid Circular B" panose="020B0504000000000000" pitchFamily="34" charset="0"/>
+                <a:ea typeface="Euclid Circular B" panose="020B0504000000000000" pitchFamily="34" charset="0"/>
+              </a:rPr>
+              <a:t>message queue</a:t>
+            </a:r>
+          </a:p>
+          <a:p>
+            <a:r>
+              <a:rPr lang="tr-TR" dirty="0">
+                <a:latin typeface="Euclid Circular B" panose="020B0504000000000000" pitchFamily="34" charset="0"/>
+                <a:ea typeface="Euclid Circular B" panose="020B0504000000000000" pitchFamily="34" charset="0"/>
+              </a:rPr>
+              <a:t>To synchronize access to a </a:t>
+            </a:r>
+            <a:r>
+              <a:rPr lang="tr-TR" b="1" dirty="0">
+                <a:latin typeface="Euclid Circular B" panose="020B0504000000000000" pitchFamily="34" charset="0"/>
+                <a:ea typeface="Euclid Circular B" panose="020B0504000000000000" pitchFamily="34" charset="0"/>
+              </a:rPr>
+              <a:t>shared resource</a:t>
+            </a:r>
+          </a:p>
+          <a:p>
+            <a:r>
+              <a:rPr lang="tr-TR" dirty="0">
+                <a:latin typeface="Euclid Circular B" panose="020B0504000000000000" pitchFamily="34" charset="0"/>
+                <a:ea typeface="Euclid Circular B" panose="020B0504000000000000" pitchFamily="34" charset="0"/>
+              </a:rPr>
+              <a:t>Apply </a:t>
+            </a:r>
+            <a:r>
+              <a:rPr lang="tr-TR" b="1" dirty="0">
+                <a:latin typeface="Euclid Circular B" panose="020B0504000000000000" pitchFamily="34" charset="0"/>
+                <a:ea typeface="Euclid Circular B" panose="020B0504000000000000" pitchFamily="34" charset="0"/>
+              </a:rPr>
+              <a:t>database migration </a:t>
+            </a:r>
+            <a:r>
+              <a:rPr lang="tr-TR" dirty="0">
+                <a:latin typeface="Euclid Circular B" panose="020B0504000000000000" pitchFamily="34" charset="0"/>
+                <a:ea typeface="Euclid Circular B" panose="020B0504000000000000" pitchFamily="34" charset="0"/>
+              </a:rPr>
+              <a:t>scripts / seed initial data</a:t>
+            </a:r>
+          </a:p>
+          <a:p>
+            <a:r>
+              <a:rPr lang="tr-TR" dirty="0">
+                <a:latin typeface="Euclid Circular B" panose="020B0504000000000000" pitchFamily="34" charset="0"/>
+                <a:ea typeface="Euclid Circular B" panose="020B0504000000000000" pitchFamily="34" charset="0"/>
+              </a:rPr>
+              <a:t>To </a:t>
+            </a:r>
+            <a:r>
+              <a:rPr lang="tr-TR" b="1" dirty="0">
+                <a:latin typeface="Euclid Circular B" panose="020B0504000000000000" pitchFamily="34" charset="0"/>
+                <a:ea typeface="Euclid Circular B" panose="020B0504000000000000" pitchFamily="34" charset="0"/>
+              </a:rPr>
+              <a:t>populate </a:t>
+            </a:r>
+            <a:r>
+              <a:rPr lang="tr-TR" dirty="0">
+                <a:latin typeface="Euclid Circular B" panose="020B0504000000000000" pitchFamily="34" charset="0"/>
+                <a:ea typeface="Euclid Circular B" panose="020B0504000000000000" pitchFamily="34" charset="0"/>
+              </a:rPr>
+              <a:t>a </a:t>
+            </a:r>
+            <a:r>
+              <a:rPr lang="tr-TR" b="1" dirty="0">
+                <a:latin typeface="Euclid Circular B" panose="020B0504000000000000" pitchFamily="34" charset="0"/>
+                <a:ea typeface="Euclid Circular B" panose="020B0504000000000000" pitchFamily="34" charset="0"/>
+              </a:rPr>
+              <a:t>cache </a:t>
+            </a:r>
+            <a:r>
+              <a:rPr lang="tr-TR" dirty="0">
+                <a:latin typeface="Euclid Circular B" panose="020B0504000000000000" pitchFamily="34" charset="0"/>
+                <a:ea typeface="Euclid Circular B" panose="020B0504000000000000" pitchFamily="34" charset="0"/>
+              </a:rPr>
+              <a:t>object</a:t>
+            </a:r>
+            <a:endParaRPr lang="en-US" dirty="0">
               <a:latin typeface="Euclid Circular B" panose="020B0504000000000000" pitchFamily="34" charset="0"/>
               <a:ea typeface="Euclid Circular B" panose="020B0504000000000000" pitchFamily="34" charset="0"/>
             </a:endParaRPr>
@@ -7714,13 +7694,409 @@
     </p:spTree>
     <p:extLst>
       <p:ext uri="{BB962C8B-B14F-4D97-AF65-F5344CB8AC3E}">
-        <p14:creationId xmlns:p14="http://schemas.microsoft.com/office/powerpoint/2010/main" val="1931962858"/>
+        <p14:creationId xmlns:p14="http://schemas.microsoft.com/office/powerpoint/2010/main" val="2730902364"/>
       </p:ext>
     </p:extLst>
   </p:cSld>
   <p:clrMapOvr>
     <a:masterClrMapping/>
   </p:clrMapOvr>
+  <p:timing>
+    <p:tnLst>
+      <p:par>
+        <p:cTn id="1" dur="indefinite" restart="never" nodeType="tmRoot">
+          <p:childTnLst>
+            <p:seq concurrent="1" nextAc="seek">
+              <p:cTn id="2" dur="indefinite" nodeType="mainSeq">
+                <p:childTnLst>
+                  <p:par>
+                    <p:cTn id="3" fill="hold">
+                      <p:stCondLst>
+                        <p:cond delay="indefinite"/>
+                      </p:stCondLst>
+                      <p:childTnLst>
+                        <p:par>
+                          <p:cTn id="4" fill="hold">
+                            <p:stCondLst>
+                              <p:cond delay="0"/>
+                            </p:stCondLst>
+                            <p:childTnLst>
+                              <p:par>
+                                <p:cTn id="5" presetID="10" presetClass="entr" presetSubtype="0" fill="hold" nodeType="clickEffect">
+                                  <p:stCondLst>
+                                    <p:cond delay="0"/>
+                                  </p:stCondLst>
+                                  <p:childTnLst>
+                                    <p:set>
+                                      <p:cBhvr>
+                                        <p:cTn id="6" dur="1" fill="hold">
+                                          <p:stCondLst>
+                                            <p:cond delay="0"/>
+                                          </p:stCondLst>
+                                        </p:cTn>
+                                        <p:tgtEl>
+                                          <p:spTgt spid="3">
+                                            <p:txEl>
+                                              <p:pRg st="0" end="0"/>
+                                            </p:txEl>
+                                          </p:spTgt>
+                                        </p:tgtEl>
+                                        <p:attrNameLst>
+                                          <p:attrName>style.visibility</p:attrName>
+                                        </p:attrNameLst>
+                                      </p:cBhvr>
+                                      <p:to>
+                                        <p:strVal val="visible"/>
+                                      </p:to>
+                                    </p:set>
+                                    <p:animEffect transition="in" filter="fade">
+                                      <p:cBhvr>
+                                        <p:cTn id="7" dur="500"/>
+                                        <p:tgtEl>
+                                          <p:spTgt spid="3">
+                                            <p:txEl>
+                                              <p:pRg st="0" end="0"/>
+                                            </p:txEl>
+                                          </p:spTgt>
+                                        </p:tgtEl>
+                                      </p:cBhvr>
+                                    </p:animEffect>
+                                  </p:childTnLst>
+                                </p:cTn>
+                              </p:par>
+                            </p:childTnLst>
+                          </p:cTn>
+                        </p:par>
+                      </p:childTnLst>
+                    </p:cTn>
+                  </p:par>
+                  <p:par>
+                    <p:cTn id="8" fill="hold">
+                      <p:stCondLst>
+                        <p:cond delay="indefinite"/>
+                      </p:stCondLst>
+                      <p:childTnLst>
+                        <p:par>
+                          <p:cTn id="9" fill="hold">
+                            <p:stCondLst>
+                              <p:cond delay="0"/>
+                            </p:stCondLst>
+                            <p:childTnLst>
+                              <p:par>
+                                <p:cTn id="10" presetID="10" presetClass="entr" presetSubtype="0" fill="hold" nodeType="clickEffect">
+                                  <p:stCondLst>
+                                    <p:cond delay="0"/>
+                                  </p:stCondLst>
+                                  <p:childTnLst>
+                                    <p:set>
+                                      <p:cBhvr>
+                                        <p:cTn id="11" dur="1" fill="hold">
+                                          <p:stCondLst>
+                                            <p:cond delay="0"/>
+                                          </p:stCondLst>
+                                        </p:cTn>
+                                        <p:tgtEl>
+                                          <p:spTgt spid="3">
+                                            <p:txEl>
+                                              <p:pRg st="2" end="2"/>
+                                            </p:txEl>
+                                          </p:spTgt>
+                                        </p:tgtEl>
+                                        <p:attrNameLst>
+                                          <p:attrName>style.visibility</p:attrName>
+                                        </p:attrNameLst>
+                                      </p:cBhvr>
+                                      <p:to>
+                                        <p:strVal val="visible"/>
+                                      </p:to>
+                                    </p:set>
+                                    <p:animEffect transition="in" filter="fade">
+                                      <p:cBhvr>
+                                        <p:cTn id="12" dur="500"/>
+                                        <p:tgtEl>
+                                          <p:spTgt spid="3">
+                                            <p:txEl>
+                                              <p:pRg st="2" end="2"/>
+                                            </p:txEl>
+                                          </p:spTgt>
+                                        </p:tgtEl>
+                                      </p:cBhvr>
+                                    </p:animEffect>
+                                  </p:childTnLst>
+                                </p:cTn>
+                              </p:par>
+                            </p:childTnLst>
+                          </p:cTn>
+                        </p:par>
+                      </p:childTnLst>
+                    </p:cTn>
+                  </p:par>
+                  <p:par>
+                    <p:cTn id="13" fill="hold">
+                      <p:stCondLst>
+                        <p:cond delay="indefinite"/>
+                      </p:stCondLst>
+                      <p:childTnLst>
+                        <p:par>
+                          <p:cTn id="14" fill="hold">
+                            <p:stCondLst>
+                              <p:cond delay="0"/>
+                            </p:stCondLst>
+                            <p:childTnLst>
+                              <p:par>
+                                <p:cTn id="15" presetID="10" presetClass="entr" presetSubtype="0" fill="hold" nodeType="clickEffect">
+                                  <p:stCondLst>
+                                    <p:cond delay="0"/>
+                                  </p:stCondLst>
+                                  <p:childTnLst>
+                                    <p:set>
+                                      <p:cBhvr>
+                                        <p:cTn id="16" dur="1" fill="hold">
+                                          <p:stCondLst>
+                                            <p:cond delay="0"/>
+                                          </p:stCondLst>
+                                        </p:cTn>
+                                        <p:tgtEl>
+                                          <p:spTgt spid="3">
+                                            <p:txEl>
+                                              <p:pRg st="3" end="3"/>
+                                            </p:txEl>
+                                          </p:spTgt>
+                                        </p:tgtEl>
+                                        <p:attrNameLst>
+                                          <p:attrName>style.visibility</p:attrName>
+                                        </p:attrNameLst>
+                                      </p:cBhvr>
+                                      <p:to>
+                                        <p:strVal val="visible"/>
+                                      </p:to>
+                                    </p:set>
+                                    <p:animEffect transition="in" filter="fade">
+                                      <p:cBhvr>
+                                        <p:cTn id="17" dur="500"/>
+                                        <p:tgtEl>
+                                          <p:spTgt spid="3">
+                                            <p:txEl>
+                                              <p:pRg st="3" end="3"/>
+                                            </p:txEl>
+                                          </p:spTgt>
+                                        </p:tgtEl>
+                                      </p:cBhvr>
+                                    </p:animEffect>
+                                  </p:childTnLst>
+                                </p:cTn>
+                              </p:par>
+                            </p:childTnLst>
+                          </p:cTn>
+                        </p:par>
+                      </p:childTnLst>
+                    </p:cTn>
+                  </p:par>
+                  <p:par>
+                    <p:cTn id="18" fill="hold">
+                      <p:stCondLst>
+                        <p:cond delay="indefinite"/>
+                      </p:stCondLst>
+                      <p:childTnLst>
+                        <p:par>
+                          <p:cTn id="19" fill="hold">
+                            <p:stCondLst>
+                              <p:cond delay="0"/>
+                            </p:stCondLst>
+                            <p:childTnLst>
+                              <p:par>
+                                <p:cTn id="20" presetID="10" presetClass="entr" presetSubtype="0" fill="hold" nodeType="clickEffect">
+                                  <p:stCondLst>
+                                    <p:cond delay="0"/>
+                                  </p:stCondLst>
+                                  <p:childTnLst>
+                                    <p:set>
+                                      <p:cBhvr>
+                                        <p:cTn id="21" dur="1" fill="hold">
+                                          <p:stCondLst>
+                                            <p:cond delay="0"/>
+                                          </p:stCondLst>
+                                        </p:cTn>
+                                        <p:tgtEl>
+                                          <p:spTgt spid="3">
+                                            <p:txEl>
+                                              <p:pRg st="4" end="4"/>
+                                            </p:txEl>
+                                          </p:spTgt>
+                                        </p:tgtEl>
+                                        <p:attrNameLst>
+                                          <p:attrName>style.visibility</p:attrName>
+                                        </p:attrNameLst>
+                                      </p:cBhvr>
+                                      <p:to>
+                                        <p:strVal val="visible"/>
+                                      </p:to>
+                                    </p:set>
+                                    <p:animEffect transition="in" filter="fade">
+                                      <p:cBhvr>
+                                        <p:cTn id="22" dur="500"/>
+                                        <p:tgtEl>
+                                          <p:spTgt spid="3">
+                                            <p:txEl>
+                                              <p:pRg st="4" end="4"/>
+                                            </p:txEl>
+                                          </p:spTgt>
+                                        </p:tgtEl>
+                                      </p:cBhvr>
+                                    </p:animEffect>
+                                  </p:childTnLst>
+                                </p:cTn>
+                              </p:par>
+                            </p:childTnLst>
+                          </p:cTn>
+                        </p:par>
+                      </p:childTnLst>
+                    </p:cTn>
+                  </p:par>
+                  <p:par>
+                    <p:cTn id="23" fill="hold">
+                      <p:stCondLst>
+                        <p:cond delay="indefinite"/>
+                      </p:stCondLst>
+                      <p:childTnLst>
+                        <p:par>
+                          <p:cTn id="24" fill="hold">
+                            <p:stCondLst>
+                              <p:cond delay="0"/>
+                            </p:stCondLst>
+                            <p:childTnLst>
+                              <p:par>
+                                <p:cTn id="25" presetID="10" presetClass="entr" presetSubtype="0" fill="hold" nodeType="clickEffect">
+                                  <p:stCondLst>
+                                    <p:cond delay="0"/>
+                                  </p:stCondLst>
+                                  <p:childTnLst>
+                                    <p:set>
+                                      <p:cBhvr>
+                                        <p:cTn id="26" dur="1" fill="hold">
+                                          <p:stCondLst>
+                                            <p:cond delay="0"/>
+                                          </p:stCondLst>
+                                        </p:cTn>
+                                        <p:tgtEl>
+                                          <p:spTgt spid="3">
+                                            <p:txEl>
+                                              <p:pRg st="5" end="5"/>
+                                            </p:txEl>
+                                          </p:spTgt>
+                                        </p:tgtEl>
+                                        <p:attrNameLst>
+                                          <p:attrName>style.visibility</p:attrName>
+                                        </p:attrNameLst>
+                                      </p:cBhvr>
+                                      <p:to>
+                                        <p:strVal val="visible"/>
+                                      </p:to>
+                                    </p:set>
+                                    <p:animEffect transition="in" filter="fade">
+                                      <p:cBhvr>
+                                        <p:cTn id="27" dur="500"/>
+                                        <p:tgtEl>
+                                          <p:spTgt spid="3">
+                                            <p:txEl>
+                                              <p:pRg st="5" end="5"/>
+                                            </p:txEl>
+                                          </p:spTgt>
+                                        </p:tgtEl>
+                                      </p:cBhvr>
+                                    </p:animEffect>
+                                  </p:childTnLst>
+                                </p:cTn>
+                              </p:par>
+                            </p:childTnLst>
+                          </p:cTn>
+                        </p:par>
+                      </p:childTnLst>
+                    </p:cTn>
+                  </p:par>
+                  <p:par>
+                    <p:cTn id="28" fill="hold">
+                      <p:stCondLst>
+                        <p:cond delay="indefinite"/>
+                      </p:stCondLst>
+                      <p:childTnLst>
+                        <p:par>
+                          <p:cTn id="29" fill="hold">
+                            <p:stCondLst>
+                              <p:cond delay="0"/>
+                            </p:stCondLst>
+                            <p:childTnLst>
+                              <p:par>
+                                <p:cTn id="30" presetID="10" presetClass="entr" presetSubtype="0" fill="hold" nodeType="clickEffect">
+                                  <p:stCondLst>
+                                    <p:cond delay="0"/>
+                                  </p:stCondLst>
+                                  <p:childTnLst>
+                                    <p:set>
+                                      <p:cBhvr>
+                                        <p:cTn id="31" dur="1" fill="hold">
+                                          <p:stCondLst>
+                                            <p:cond delay="0"/>
+                                          </p:stCondLst>
+                                        </p:cTn>
+                                        <p:tgtEl>
+                                          <p:spTgt spid="3">
+                                            <p:txEl>
+                                              <p:pRg st="6" end="6"/>
+                                            </p:txEl>
+                                          </p:spTgt>
+                                        </p:tgtEl>
+                                        <p:attrNameLst>
+                                          <p:attrName>style.visibility</p:attrName>
+                                        </p:attrNameLst>
+                                      </p:cBhvr>
+                                      <p:to>
+                                        <p:strVal val="visible"/>
+                                      </p:to>
+                                    </p:set>
+                                    <p:animEffect transition="in" filter="fade">
+                                      <p:cBhvr>
+                                        <p:cTn id="32" dur="500"/>
+                                        <p:tgtEl>
+                                          <p:spTgt spid="3">
+                                            <p:txEl>
+                                              <p:pRg st="6" end="6"/>
+                                            </p:txEl>
+                                          </p:spTgt>
+                                        </p:tgtEl>
+                                      </p:cBhvr>
+                                    </p:animEffect>
+                                  </p:childTnLst>
+                                </p:cTn>
+                              </p:par>
+                            </p:childTnLst>
+                          </p:cTn>
+                        </p:par>
+                      </p:childTnLst>
+                    </p:cTn>
+                  </p:par>
+                </p:childTnLst>
+              </p:cTn>
+              <p:prevCondLst>
+                <p:cond evt="onPrev" delay="0">
+                  <p:tgtEl>
+                    <p:sldTgt/>
+                  </p:tgtEl>
+                </p:cond>
+              </p:prevCondLst>
+              <p:nextCondLst>
+                <p:cond evt="onNext" delay="0">
+                  <p:tgtEl>
+                    <p:sldTgt/>
+                  </p:tgtEl>
+                </p:cond>
+              </p:nextCondLst>
+            </p:seq>
+          </p:childTnLst>
+        </p:cTn>
+      </p:par>
+    </p:tnLst>
+  </p:timing>
 </p:sld>
 </file>
 
@@ -7955,7 +8331,7 @@
                 <a:latin typeface="Euclid Circular B" panose="020B0504000000000000" pitchFamily="34" charset="0"/>
                 <a:ea typeface="Euclid Circular B" panose="020B0504000000000000" pitchFamily="34" charset="0"/>
               </a:rPr>
-              <a:t>Distributed Locking</a:t>
+              <a:t>The DistributedLock Library</a:t>
             </a:r>
             <a:endParaRPr lang="en-US" b="1" dirty="0">
               <a:solidFill>
@@ -7967,207 +8343,70 @@
           </a:p>
         </p:txBody>
       </p:sp>
-      <p:sp>
-        <p:nvSpPr>
-          <p:cNvPr id="3" name="Content Placeholder 2">
-            <a:extLst>
-              <a:ext uri="{FF2B5EF4-FFF2-40B4-BE49-F238E27FC236}">
-                <a16:creationId xmlns:a16="http://schemas.microsoft.com/office/drawing/2014/main" id="{891C7693-D3DF-4635-96F4-97F3B4136FDF}"/>
-              </a:ext>
-            </a:extLst>
-          </p:cNvPr>
-          <p:cNvSpPr>
-            <a:spLocks noGrp="1"/>
-          </p:cNvSpPr>
-          <p:nvPr>
-            <p:ph idx="1"/>
-          </p:nvPr>
-        </p:nvSpPr>
-        <p:spPr/>
-        <p:txBody>
-          <a:bodyPr/>
-          <a:lstStyle/>
-          <a:p>
-            <a:pPr marL="0" indent="0">
-              <a:buNone/>
-            </a:pPr>
-            <a:r>
-              <a:rPr lang="tr-TR" dirty="0">
-                <a:latin typeface="Euclid Circular B" panose="020B0504000000000000" pitchFamily="34" charset="0"/>
-                <a:ea typeface="Euclid Circular B" panose="020B0504000000000000" pitchFamily="34" charset="0"/>
-              </a:rPr>
-              <a:t>Create locks to synchronize </a:t>
-            </a:r>
-            <a:r>
-              <a:rPr lang="tr-TR" b="1" dirty="0">
-                <a:latin typeface="Euclid Circular B" panose="020B0504000000000000" pitchFamily="34" charset="0"/>
-                <a:ea typeface="Euclid Circular B" panose="020B0504000000000000" pitchFamily="34" charset="0"/>
-              </a:rPr>
-              <a:t>multiple processes </a:t>
-            </a:r>
-            <a:r>
-              <a:rPr lang="tr-TR" dirty="0">
-                <a:latin typeface="Euclid Circular B" panose="020B0504000000000000" pitchFamily="34" charset="0"/>
-                <a:ea typeface="Euclid Circular B" panose="020B0504000000000000" pitchFamily="34" charset="0"/>
-              </a:rPr>
-              <a:t>running in </a:t>
-            </a:r>
-            <a:r>
-              <a:rPr lang="tr-TR" b="1" dirty="0">
-                <a:latin typeface="Euclid Circular B" panose="020B0504000000000000" pitchFamily="34" charset="0"/>
-                <a:ea typeface="Euclid Circular B" panose="020B0504000000000000" pitchFamily="34" charset="0"/>
-              </a:rPr>
-              <a:t>different servers</a:t>
-            </a:r>
-            <a:r>
-              <a:rPr lang="tr-TR" dirty="0">
-                <a:latin typeface="Euclid Circular B" panose="020B0504000000000000" pitchFamily="34" charset="0"/>
-                <a:ea typeface="Euclid Circular B" panose="020B0504000000000000" pitchFamily="34" charset="0"/>
-              </a:rPr>
-              <a:t>.</a:t>
-            </a:r>
-          </a:p>
-          <a:p>
-            <a:endParaRPr lang="tr-TR" dirty="0">
-              <a:latin typeface="Euclid Circular B" panose="020B0504000000000000" pitchFamily="34" charset="0"/>
-              <a:ea typeface="Euclid Circular B" panose="020B0504000000000000" pitchFamily="34" charset="0"/>
-            </a:endParaRPr>
-          </a:p>
-          <a:p>
-            <a:pPr marL="0" indent="0">
-              <a:buNone/>
-            </a:pPr>
-            <a:r>
-              <a:rPr lang="tr-TR" b="1" dirty="0">
-                <a:latin typeface="Euclid Circular B" panose="020B0504000000000000" pitchFamily="34" charset="0"/>
-                <a:ea typeface="Euclid Circular B" panose="020B0504000000000000" pitchFamily="34" charset="0"/>
-              </a:rPr>
-              <a:t>Why </a:t>
-            </a:r>
-            <a:r>
-              <a:rPr lang="tr-TR" dirty="0">
-                <a:latin typeface="Euclid Circular B" panose="020B0504000000000000" pitchFamily="34" charset="0"/>
-                <a:ea typeface="Euclid Circular B" panose="020B0504000000000000" pitchFamily="34" charset="0"/>
-              </a:rPr>
-              <a:t>we need it? Some examples:</a:t>
-            </a:r>
-          </a:p>
-          <a:p>
-            <a:r>
-              <a:rPr lang="tr-TR" dirty="0">
-                <a:latin typeface="Euclid Circular B" panose="020B0504000000000000" pitchFamily="34" charset="0"/>
-                <a:ea typeface="Euclid Circular B" panose="020B0504000000000000" pitchFamily="34" charset="0"/>
-              </a:rPr>
-              <a:t>To process a background </a:t>
-            </a:r>
-            <a:r>
-              <a:rPr lang="tr-TR" b="1" dirty="0">
-                <a:latin typeface="Euclid Circular B" panose="020B0504000000000000" pitchFamily="34" charset="0"/>
-                <a:ea typeface="Euclid Circular B" panose="020B0504000000000000" pitchFamily="34" charset="0"/>
-              </a:rPr>
-              <a:t>job </a:t>
-            </a:r>
-            <a:r>
-              <a:rPr lang="tr-TR" dirty="0">
-                <a:latin typeface="Euclid Circular B" panose="020B0504000000000000" pitchFamily="34" charset="0"/>
-                <a:ea typeface="Euclid Circular B" panose="020B0504000000000000" pitchFamily="34" charset="0"/>
-              </a:rPr>
-              <a:t>or </a:t>
-            </a:r>
-            <a:r>
-              <a:rPr lang="tr-TR" b="1" dirty="0">
-                <a:latin typeface="Euclid Circular B" panose="020B0504000000000000" pitchFamily="34" charset="0"/>
-                <a:ea typeface="Euclid Circular B" panose="020B0504000000000000" pitchFamily="34" charset="0"/>
-              </a:rPr>
-              <a:t>message queue</a:t>
-            </a:r>
-          </a:p>
-          <a:p>
-            <a:r>
-              <a:rPr lang="tr-TR" dirty="0">
-                <a:latin typeface="Euclid Circular B" panose="020B0504000000000000" pitchFamily="34" charset="0"/>
-                <a:ea typeface="Euclid Circular B" panose="020B0504000000000000" pitchFamily="34" charset="0"/>
-              </a:rPr>
-              <a:t>To synchronize access to a </a:t>
-            </a:r>
-            <a:r>
-              <a:rPr lang="tr-TR" b="1" dirty="0">
-                <a:latin typeface="Euclid Circular B" panose="020B0504000000000000" pitchFamily="34" charset="0"/>
-                <a:ea typeface="Euclid Circular B" panose="020B0504000000000000" pitchFamily="34" charset="0"/>
-              </a:rPr>
-              <a:t>shared resource</a:t>
-            </a:r>
-          </a:p>
-          <a:p>
-            <a:r>
-              <a:rPr lang="tr-TR" dirty="0">
-                <a:latin typeface="Euclid Circular B" panose="020B0504000000000000" pitchFamily="34" charset="0"/>
-                <a:ea typeface="Euclid Circular B" panose="020B0504000000000000" pitchFamily="34" charset="0"/>
-              </a:rPr>
-              <a:t>Apply </a:t>
-            </a:r>
-            <a:r>
-              <a:rPr lang="tr-TR" b="1" dirty="0">
-                <a:latin typeface="Euclid Circular B" panose="020B0504000000000000" pitchFamily="34" charset="0"/>
-                <a:ea typeface="Euclid Circular B" panose="020B0504000000000000" pitchFamily="34" charset="0"/>
-              </a:rPr>
-              <a:t>database migration </a:t>
-            </a:r>
-            <a:r>
-              <a:rPr lang="tr-TR" dirty="0">
-                <a:latin typeface="Euclid Circular B" panose="020B0504000000000000" pitchFamily="34" charset="0"/>
-                <a:ea typeface="Euclid Circular B" panose="020B0504000000000000" pitchFamily="34" charset="0"/>
-              </a:rPr>
-              <a:t>scripts / seed initial data</a:t>
-            </a:r>
-          </a:p>
-          <a:p>
-            <a:r>
-              <a:rPr lang="tr-TR" dirty="0">
-                <a:latin typeface="Euclid Circular B" panose="020B0504000000000000" pitchFamily="34" charset="0"/>
-                <a:ea typeface="Euclid Circular B" panose="020B0504000000000000" pitchFamily="34" charset="0"/>
-              </a:rPr>
-              <a:t>To </a:t>
-            </a:r>
-            <a:r>
-              <a:rPr lang="tr-TR" b="1" dirty="0">
-                <a:latin typeface="Euclid Circular B" panose="020B0504000000000000" pitchFamily="34" charset="0"/>
-                <a:ea typeface="Euclid Circular B" panose="020B0504000000000000" pitchFamily="34" charset="0"/>
-              </a:rPr>
-              <a:t>populate </a:t>
-            </a:r>
-            <a:r>
-              <a:rPr lang="tr-TR" dirty="0">
-                <a:latin typeface="Euclid Circular B" panose="020B0504000000000000" pitchFamily="34" charset="0"/>
-                <a:ea typeface="Euclid Circular B" panose="020B0504000000000000" pitchFamily="34" charset="0"/>
-              </a:rPr>
-              <a:t>a </a:t>
-            </a:r>
-            <a:r>
-              <a:rPr lang="tr-TR" b="1" dirty="0">
-                <a:latin typeface="Euclid Circular B" panose="020B0504000000000000" pitchFamily="34" charset="0"/>
-                <a:ea typeface="Euclid Circular B" panose="020B0504000000000000" pitchFamily="34" charset="0"/>
-              </a:rPr>
-              <a:t>cache </a:t>
-            </a:r>
-            <a:r>
-              <a:rPr lang="tr-TR" dirty="0">
-                <a:latin typeface="Euclid Circular B" panose="020B0504000000000000" pitchFamily="34" charset="0"/>
-                <a:ea typeface="Euclid Circular B" panose="020B0504000000000000" pitchFamily="34" charset="0"/>
-              </a:rPr>
-              <a:t>object</a:t>
-            </a:r>
-            <a:endParaRPr lang="en-US" dirty="0">
-              <a:latin typeface="Euclid Circular B" panose="020B0504000000000000" pitchFamily="34" charset="0"/>
-              <a:ea typeface="Euclid Circular B" panose="020B0504000000000000" pitchFamily="34" charset="0"/>
-            </a:endParaRPr>
-          </a:p>
-        </p:txBody>
-      </p:sp>
+      <p:pic>
+        <p:nvPicPr>
+          <p:cNvPr id="11" name="Picture 10">
+            <a:extLst>
+              <a:ext uri="{FF2B5EF4-FFF2-40B4-BE49-F238E27FC236}">
+                <a16:creationId xmlns:a16="http://schemas.microsoft.com/office/drawing/2014/main" id="{E498F3F1-E18C-0898-FF80-2D3E8A91E7DA}"/>
+              </a:ext>
+            </a:extLst>
+          </p:cNvPr>
+          <p:cNvPicPr>
+            <a:picLocks noChangeAspect="1"/>
+          </p:cNvPicPr>
+          <p:nvPr/>
+        </p:nvPicPr>
+        <p:blipFill>
+          <a:blip r:embed="rId3"/>
+          <a:stretch>
+            <a:fillRect/>
+          </a:stretch>
+        </p:blipFill>
+        <p:spPr>
+          <a:xfrm>
+            <a:off x="838200" y="1690688"/>
+            <a:ext cx="3590925" cy="942975"/>
+          </a:xfrm>
+          <a:prstGeom prst="rect">
+            <a:avLst/>
+          </a:prstGeom>
+        </p:spPr>
+      </p:pic>
+      <p:pic>
+        <p:nvPicPr>
+          <p:cNvPr id="13" name="Picture 12">
+            <a:extLst>
+              <a:ext uri="{FF2B5EF4-FFF2-40B4-BE49-F238E27FC236}">
+                <a16:creationId xmlns:a16="http://schemas.microsoft.com/office/drawing/2014/main" id="{E727D0CB-DC49-56AA-B69F-3DD6435293A3}"/>
+              </a:ext>
+            </a:extLst>
+          </p:cNvPr>
+          <p:cNvPicPr>
+            <a:picLocks noChangeAspect="1"/>
+          </p:cNvPicPr>
+          <p:nvPr/>
+        </p:nvPicPr>
+        <p:blipFill>
+          <a:blip r:embed="rId4"/>
+          <a:stretch>
+            <a:fillRect/>
+          </a:stretch>
+        </p:blipFill>
+        <p:spPr>
+          <a:xfrm>
+            <a:off x="838200" y="3016250"/>
+            <a:ext cx="8997017" cy="3337415"/>
+          </a:xfrm>
+          <a:prstGeom prst="rect">
+            <a:avLst/>
+          </a:prstGeom>
+        </p:spPr>
+      </p:pic>
     </p:spTree>
     <p:extLst>
       <p:ext uri="{BB962C8B-B14F-4D97-AF65-F5344CB8AC3E}">
-        <p14:creationId xmlns:p14="http://schemas.microsoft.com/office/powerpoint/2010/main" val="2730902364"/>
+        <p14:creationId xmlns:p14="http://schemas.microsoft.com/office/powerpoint/2010/main" val="3882208743"/>
       </p:ext>
     </p:extLst>
   </p:cSld>
@@ -8208,11 +8447,7 @@
                                           </p:stCondLst>
                                         </p:cTn>
                                         <p:tgtEl>
-                                          <p:spTgt spid="3">
-                                            <p:txEl>
-                                              <p:pRg st="0" end="0"/>
-                                            </p:txEl>
-                                          </p:spTgt>
+                                          <p:spTgt spid="11"/>
                                         </p:tgtEl>
                                         <p:attrNameLst>
                                           <p:attrName>style.visibility</p:attrName>
@@ -8226,11 +8461,7 @@
                                       <p:cBhvr>
                                         <p:cTn id="7" dur="500"/>
                                         <p:tgtEl>
-                                          <p:spTgt spid="3">
-                                            <p:txEl>
-                                              <p:pRg st="0" end="0"/>
-                                            </p:txEl>
-                                          </p:spTgt>
+                                          <p:spTgt spid="11"/>
                                         </p:tgtEl>
                                       </p:cBhvr>
                                     </p:animEffect>
@@ -8269,11 +8500,7 @@
                                           </p:stCondLst>
                                         </p:cTn>
                                         <p:tgtEl>
-                                          <p:spTgt spid="3">
-                                            <p:txEl>
-                                              <p:pRg st="2" end="2"/>
-                                            </p:txEl>
-                                          </p:spTgt>
+                                          <p:spTgt spid="13"/>
                                         </p:tgtEl>
                                         <p:attrNameLst>
                                           <p:attrName>style.visibility</p:attrName>
@@ -8287,255 +8514,7 @@
                                       <p:cBhvr>
                                         <p:cTn id="12" dur="500"/>
                                         <p:tgtEl>
-                                          <p:spTgt spid="3">
-                                            <p:txEl>
-                                              <p:pRg st="2" end="2"/>
-                                            </p:txEl>
-                                          </p:spTgt>
-                                        </p:tgtEl>
-                                      </p:cBhvr>
-                                    </p:animEffect>
-                                  </p:childTnLst>
-                                </p:cTn>
-                              </p:par>
-                            </p:childTnLst>
-                          </p:cTn>
-                        </p:par>
-                      </p:childTnLst>
-                    </p:cTn>
-                  </p:par>
-                  <p:par>
-                    <p:cTn id="13" fill="hold">
-                      <p:stCondLst>
-                        <p:cond delay="indefinite"/>
-                      </p:stCondLst>
-                      <p:childTnLst>
-                        <p:par>
-                          <p:cTn id="14" fill="hold">
-                            <p:stCondLst>
-                              <p:cond delay="0"/>
-                            </p:stCondLst>
-                            <p:childTnLst>
-                              <p:par>
-                                <p:cTn id="15" presetID="10" presetClass="entr" presetSubtype="0" fill="hold" nodeType="clickEffect">
-                                  <p:stCondLst>
-                                    <p:cond delay="0"/>
-                                  </p:stCondLst>
-                                  <p:childTnLst>
-                                    <p:set>
-                                      <p:cBhvr>
-                                        <p:cTn id="16" dur="1" fill="hold">
-                                          <p:stCondLst>
-                                            <p:cond delay="0"/>
-                                          </p:stCondLst>
-                                        </p:cTn>
-                                        <p:tgtEl>
-                                          <p:spTgt spid="3">
-                                            <p:txEl>
-                                              <p:pRg st="3" end="3"/>
-                                            </p:txEl>
-                                          </p:spTgt>
-                                        </p:tgtEl>
-                                        <p:attrNameLst>
-                                          <p:attrName>style.visibility</p:attrName>
-                                        </p:attrNameLst>
-                                      </p:cBhvr>
-                                      <p:to>
-                                        <p:strVal val="visible"/>
-                                      </p:to>
-                                    </p:set>
-                                    <p:animEffect transition="in" filter="fade">
-                                      <p:cBhvr>
-                                        <p:cTn id="17" dur="500"/>
-                                        <p:tgtEl>
-                                          <p:spTgt spid="3">
-                                            <p:txEl>
-                                              <p:pRg st="3" end="3"/>
-                                            </p:txEl>
-                                          </p:spTgt>
-                                        </p:tgtEl>
-                                      </p:cBhvr>
-                                    </p:animEffect>
-                                  </p:childTnLst>
-                                </p:cTn>
-                              </p:par>
-                            </p:childTnLst>
-                          </p:cTn>
-                        </p:par>
-                      </p:childTnLst>
-                    </p:cTn>
-                  </p:par>
-                  <p:par>
-                    <p:cTn id="18" fill="hold">
-                      <p:stCondLst>
-                        <p:cond delay="indefinite"/>
-                      </p:stCondLst>
-                      <p:childTnLst>
-                        <p:par>
-                          <p:cTn id="19" fill="hold">
-                            <p:stCondLst>
-                              <p:cond delay="0"/>
-                            </p:stCondLst>
-                            <p:childTnLst>
-                              <p:par>
-                                <p:cTn id="20" presetID="10" presetClass="entr" presetSubtype="0" fill="hold" nodeType="clickEffect">
-                                  <p:stCondLst>
-                                    <p:cond delay="0"/>
-                                  </p:stCondLst>
-                                  <p:childTnLst>
-                                    <p:set>
-                                      <p:cBhvr>
-                                        <p:cTn id="21" dur="1" fill="hold">
-                                          <p:stCondLst>
-                                            <p:cond delay="0"/>
-                                          </p:stCondLst>
-                                        </p:cTn>
-                                        <p:tgtEl>
-                                          <p:spTgt spid="3">
-                                            <p:txEl>
-                                              <p:pRg st="4" end="4"/>
-                                            </p:txEl>
-                                          </p:spTgt>
-                                        </p:tgtEl>
-                                        <p:attrNameLst>
-                                          <p:attrName>style.visibility</p:attrName>
-                                        </p:attrNameLst>
-                                      </p:cBhvr>
-                                      <p:to>
-                                        <p:strVal val="visible"/>
-                                      </p:to>
-                                    </p:set>
-                                    <p:animEffect transition="in" filter="fade">
-                                      <p:cBhvr>
-                                        <p:cTn id="22" dur="500"/>
-                                        <p:tgtEl>
-                                          <p:spTgt spid="3">
-                                            <p:txEl>
-                                              <p:pRg st="4" end="4"/>
-                                            </p:txEl>
-                                          </p:spTgt>
-                                        </p:tgtEl>
-                                      </p:cBhvr>
-                                    </p:animEffect>
-                                  </p:childTnLst>
-                                </p:cTn>
-                              </p:par>
-                            </p:childTnLst>
-                          </p:cTn>
-                        </p:par>
-                      </p:childTnLst>
-                    </p:cTn>
-                  </p:par>
-                  <p:par>
-                    <p:cTn id="23" fill="hold">
-                      <p:stCondLst>
-                        <p:cond delay="indefinite"/>
-                      </p:stCondLst>
-                      <p:childTnLst>
-                        <p:par>
-                          <p:cTn id="24" fill="hold">
-                            <p:stCondLst>
-                              <p:cond delay="0"/>
-                            </p:stCondLst>
-                            <p:childTnLst>
-                              <p:par>
-                                <p:cTn id="25" presetID="10" presetClass="entr" presetSubtype="0" fill="hold" nodeType="clickEffect">
-                                  <p:stCondLst>
-                                    <p:cond delay="0"/>
-                                  </p:stCondLst>
-                                  <p:childTnLst>
-                                    <p:set>
-                                      <p:cBhvr>
-                                        <p:cTn id="26" dur="1" fill="hold">
-                                          <p:stCondLst>
-                                            <p:cond delay="0"/>
-                                          </p:stCondLst>
-                                        </p:cTn>
-                                        <p:tgtEl>
-                                          <p:spTgt spid="3">
-                                            <p:txEl>
-                                              <p:pRg st="5" end="5"/>
-                                            </p:txEl>
-                                          </p:spTgt>
-                                        </p:tgtEl>
-                                        <p:attrNameLst>
-                                          <p:attrName>style.visibility</p:attrName>
-                                        </p:attrNameLst>
-                                      </p:cBhvr>
-                                      <p:to>
-                                        <p:strVal val="visible"/>
-                                      </p:to>
-                                    </p:set>
-                                    <p:animEffect transition="in" filter="fade">
-                                      <p:cBhvr>
-                                        <p:cTn id="27" dur="500"/>
-                                        <p:tgtEl>
-                                          <p:spTgt spid="3">
-                                            <p:txEl>
-                                              <p:pRg st="5" end="5"/>
-                                            </p:txEl>
-                                          </p:spTgt>
-                                        </p:tgtEl>
-                                      </p:cBhvr>
-                                    </p:animEffect>
-                                  </p:childTnLst>
-                                </p:cTn>
-                              </p:par>
-                            </p:childTnLst>
-                          </p:cTn>
-                        </p:par>
-                      </p:childTnLst>
-                    </p:cTn>
-                  </p:par>
-                  <p:par>
-                    <p:cTn id="28" fill="hold">
-                      <p:stCondLst>
-                        <p:cond delay="indefinite"/>
-                      </p:stCondLst>
-                      <p:childTnLst>
-                        <p:par>
-                          <p:cTn id="29" fill="hold">
-                            <p:stCondLst>
-                              <p:cond delay="0"/>
-                            </p:stCondLst>
-                            <p:childTnLst>
-                              <p:par>
-                                <p:cTn id="30" presetID="10" presetClass="entr" presetSubtype="0" fill="hold" nodeType="clickEffect">
-                                  <p:stCondLst>
-                                    <p:cond delay="0"/>
-                                  </p:stCondLst>
-                                  <p:childTnLst>
-                                    <p:set>
-                                      <p:cBhvr>
-                                        <p:cTn id="31" dur="1" fill="hold">
-                                          <p:stCondLst>
-                                            <p:cond delay="0"/>
-                                          </p:stCondLst>
-                                        </p:cTn>
-                                        <p:tgtEl>
-                                          <p:spTgt spid="3">
-                                            <p:txEl>
-                                              <p:pRg st="6" end="6"/>
-                                            </p:txEl>
-                                          </p:spTgt>
-                                        </p:tgtEl>
-                                        <p:attrNameLst>
-                                          <p:attrName>style.visibility</p:attrName>
-                                        </p:attrNameLst>
-                                      </p:cBhvr>
-                                      <p:to>
-                                        <p:strVal val="visible"/>
-                                      </p:to>
-                                    </p:set>
-                                    <p:animEffect transition="in" filter="fade">
-                                      <p:cBhvr>
-                                        <p:cTn id="32" dur="500"/>
-                                        <p:tgtEl>
-                                          <p:spTgt spid="3">
-                                            <p:txEl>
-                                              <p:pRg st="6" end="6"/>
-                                            </p:txEl>
-                                          </p:spTgt>
+                                          <p:spTgt spid="13"/>
                                         </p:tgtEl>
                                       </p:cBhvr>
                                     </p:animEffect>
@@ -8647,287 +8626,6 @@
       </p:sp>
       <p:pic>
         <p:nvPicPr>
-          <p:cNvPr id="11" name="Picture 10">
-            <a:extLst>
-              <a:ext uri="{FF2B5EF4-FFF2-40B4-BE49-F238E27FC236}">
-                <a16:creationId xmlns:a16="http://schemas.microsoft.com/office/drawing/2014/main" id="{E498F3F1-E18C-0898-FF80-2D3E8A91E7DA}"/>
-              </a:ext>
-            </a:extLst>
-          </p:cNvPr>
-          <p:cNvPicPr>
-            <a:picLocks noChangeAspect="1"/>
-          </p:cNvPicPr>
-          <p:nvPr/>
-        </p:nvPicPr>
-        <p:blipFill>
-          <a:blip r:embed="rId3"/>
-          <a:stretch>
-            <a:fillRect/>
-          </a:stretch>
-        </p:blipFill>
-        <p:spPr>
-          <a:xfrm>
-            <a:off x="838200" y="1690688"/>
-            <a:ext cx="3590925" cy="942975"/>
-          </a:xfrm>
-          <a:prstGeom prst="rect">
-            <a:avLst/>
-          </a:prstGeom>
-        </p:spPr>
-      </p:pic>
-      <p:pic>
-        <p:nvPicPr>
-          <p:cNvPr id="13" name="Picture 12">
-            <a:extLst>
-              <a:ext uri="{FF2B5EF4-FFF2-40B4-BE49-F238E27FC236}">
-                <a16:creationId xmlns:a16="http://schemas.microsoft.com/office/drawing/2014/main" id="{E727D0CB-DC49-56AA-B69F-3DD6435293A3}"/>
-              </a:ext>
-            </a:extLst>
-          </p:cNvPr>
-          <p:cNvPicPr>
-            <a:picLocks noChangeAspect="1"/>
-          </p:cNvPicPr>
-          <p:nvPr/>
-        </p:nvPicPr>
-        <p:blipFill>
-          <a:blip r:embed="rId4"/>
-          <a:stretch>
-            <a:fillRect/>
-          </a:stretch>
-        </p:blipFill>
-        <p:spPr>
-          <a:xfrm>
-            <a:off x="838200" y="3016250"/>
-            <a:ext cx="8997017" cy="3337415"/>
-          </a:xfrm>
-          <a:prstGeom prst="rect">
-            <a:avLst/>
-          </a:prstGeom>
-        </p:spPr>
-      </p:pic>
-    </p:spTree>
-    <p:extLst>
-      <p:ext uri="{BB962C8B-B14F-4D97-AF65-F5344CB8AC3E}">
-        <p14:creationId xmlns:p14="http://schemas.microsoft.com/office/powerpoint/2010/main" val="3882208743"/>
-      </p:ext>
-    </p:extLst>
-  </p:cSld>
-  <p:clrMapOvr>
-    <a:masterClrMapping/>
-  </p:clrMapOvr>
-  <p:timing>
-    <p:tnLst>
-      <p:par>
-        <p:cTn id="1" dur="indefinite" restart="never" nodeType="tmRoot">
-          <p:childTnLst>
-            <p:seq concurrent="1" nextAc="seek">
-              <p:cTn id="2" dur="indefinite" nodeType="mainSeq">
-                <p:childTnLst>
-                  <p:par>
-                    <p:cTn id="3" fill="hold">
-                      <p:stCondLst>
-                        <p:cond delay="indefinite"/>
-                      </p:stCondLst>
-                      <p:childTnLst>
-                        <p:par>
-                          <p:cTn id="4" fill="hold">
-                            <p:stCondLst>
-                              <p:cond delay="0"/>
-                            </p:stCondLst>
-                            <p:childTnLst>
-                              <p:par>
-                                <p:cTn id="5" presetID="10" presetClass="entr" presetSubtype="0" fill="hold" nodeType="clickEffect">
-                                  <p:stCondLst>
-                                    <p:cond delay="0"/>
-                                  </p:stCondLst>
-                                  <p:childTnLst>
-                                    <p:set>
-                                      <p:cBhvr>
-                                        <p:cTn id="6" dur="1" fill="hold">
-                                          <p:stCondLst>
-                                            <p:cond delay="0"/>
-                                          </p:stCondLst>
-                                        </p:cTn>
-                                        <p:tgtEl>
-                                          <p:spTgt spid="11"/>
-                                        </p:tgtEl>
-                                        <p:attrNameLst>
-                                          <p:attrName>style.visibility</p:attrName>
-                                        </p:attrNameLst>
-                                      </p:cBhvr>
-                                      <p:to>
-                                        <p:strVal val="visible"/>
-                                      </p:to>
-                                    </p:set>
-                                    <p:animEffect transition="in" filter="fade">
-                                      <p:cBhvr>
-                                        <p:cTn id="7" dur="500"/>
-                                        <p:tgtEl>
-                                          <p:spTgt spid="11"/>
-                                        </p:tgtEl>
-                                      </p:cBhvr>
-                                    </p:animEffect>
-                                  </p:childTnLst>
-                                </p:cTn>
-                              </p:par>
-                            </p:childTnLst>
-                          </p:cTn>
-                        </p:par>
-                      </p:childTnLst>
-                    </p:cTn>
-                  </p:par>
-                  <p:par>
-                    <p:cTn id="8" fill="hold">
-                      <p:stCondLst>
-                        <p:cond delay="indefinite"/>
-                      </p:stCondLst>
-                      <p:childTnLst>
-                        <p:par>
-                          <p:cTn id="9" fill="hold">
-                            <p:stCondLst>
-                              <p:cond delay="0"/>
-                            </p:stCondLst>
-                            <p:childTnLst>
-                              <p:par>
-                                <p:cTn id="10" presetID="10" presetClass="entr" presetSubtype="0" fill="hold" nodeType="clickEffect">
-                                  <p:stCondLst>
-                                    <p:cond delay="0"/>
-                                  </p:stCondLst>
-                                  <p:childTnLst>
-                                    <p:set>
-                                      <p:cBhvr>
-                                        <p:cTn id="11" dur="1" fill="hold">
-                                          <p:stCondLst>
-                                            <p:cond delay="0"/>
-                                          </p:stCondLst>
-                                        </p:cTn>
-                                        <p:tgtEl>
-                                          <p:spTgt spid="13"/>
-                                        </p:tgtEl>
-                                        <p:attrNameLst>
-                                          <p:attrName>style.visibility</p:attrName>
-                                        </p:attrNameLst>
-                                      </p:cBhvr>
-                                      <p:to>
-                                        <p:strVal val="visible"/>
-                                      </p:to>
-                                    </p:set>
-                                    <p:animEffect transition="in" filter="fade">
-                                      <p:cBhvr>
-                                        <p:cTn id="12" dur="500"/>
-                                        <p:tgtEl>
-                                          <p:spTgt spid="13"/>
-                                        </p:tgtEl>
-                                      </p:cBhvr>
-                                    </p:animEffect>
-                                  </p:childTnLst>
-                                </p:cTn>
-                              </p:par>
-                            </p:childTnLst>
-                          </p:cTn>
-                        </p:par>
-                      </p:childTnLst>
-                    </p:cTn>
-                  </p:par>
-                </p:childTnLst>
-              </p:cTn>
-              <p:prevCondLst>
-                <p:cond evt="onPrev" delay="0">
-                  <p:tgtEl>
-                    <p:sldTgt/>
-                  </p:tgtEl>
-                </p:cond>
-              </p:prevCondLst>
-              <p:nextCondLst>
-                <p:cond evt="onNext" delay="0">
-                  <p:tgtEl>
-                    <p:sldTgt/>
-                  </p:tgtEl>
-                </p:cond>
-              </p:nextCondLst>
-            </p:seq>
-          </p:childTnLst>
-        </p:cTn>
-      </p:par>
-    </p:tnLst>
-  </p:timing>
-</p:sld>
-</file>
-
-<file path=ppt/slides/slide22.xml><?xml version="1.0" encoding="utf-8"?>
-<p:sld xmlns:a="http://schemas.openxmlformats.org/drawingml/2006/main" xmlns:r="http://schemas.openxmlformats.org/officeDocument/2006/relationships" xmlns:p="http://schemas.openxmlformats.org/presentationml/2006/main">
-  <p:cSld>
-    <p:bg>
-      <p:bgPr>
-        <a:blipFill dpi="0" rotWithShape="1">
-          <a:blip r:embed="rId2">
-            <a:lum/>
-          </a:blip>
-          <a:srcRect/>
-          <a:stretch>
-            <a:fillRect/>
-          </a:stretch>
-        </a:blipFill>
-        <a:effectLst/>
-      </p:bgPr>
-    </p:bg>
-    <p:spTree>
-      <p:nvGrpSpPr>
-        <p:cNvPr id="1" name=""/>
-        <p:cNvGrpSpPr/>
-        <p:nvPr/>
-      </p:nvGrpSpPr>
-      <p:grpSpPr>
-        <a:xfrm>
-          <a:off x="0" y="0"/>
-          <a:ext cx="0" cy="0"/>
-          <a:chOff x="0" y="0"/>
-          <a:chExt cx="0" cy="0"/>
-        </a:xfrm>
-      </p:grpSpPr>
-      <p:sp>
-        <p:nvSpPr>
-          <p:cNvPr id="2" name="Title 1">
-            <a:extLst>
-              <a:ext uri="{FF2B5EF4-FFF2-40B4-BE49-F238E27FC236}">
-                <a16:creationId xmlns:a16="http://schemas.microsoft.com/office/drawing/2014/main" id="{55E11F08-6CA0-48F1-AD67-97430DDA07F0}"/>
-              </a:ext>
-            </a:extLst>
-          </p:cNvPr>
-          <p:cNvSpPr>
-            <a:spLocks noGrp="1"/>
-          </p:cNvSpPr>
-          <p:nvPr>
-            <p:ph type="title"/>
-          </p:nvPr>
-        </p:nvSpPr>
-        <p:spPr/>
-        <p:txBody>
-          <a:bodyPr/>
-          <a:lstStyle/>
-          <a:p>
-            <a:r>
-              <a:rPr lang="tr-TR" b="1" dirty="0">
-                <a:solidFill>
-                  <a:srgbClr val="292D33"/>
-                </a:solidFill>
-                <a:latin typeface="Euclid Circular B" panose="020B0504000000000000" pitchFamily="34" charset="0"/>
-                <a:ea typeface="Euclid Circular B" panose="020B0504000000000000" pitchFamily="34" charset="0"/>
-              </a:rPr>
-              <a:t>The DistributedLock Library</a:t>
-            </a:r>
-            <a:endParaRPr lang="en-US" b="1" dirty="0">
-              <a:solidFill>
-                <a:srgbClr val="292D33"/>
-              </a:solidFill>
-              <a:latin typeface="Euclid Circular B" panose="020B0504000000000000" pitchFamily="34" charset="0"/>
-              <a:ea typeface="Euclid Circular B" panose="020B0504000000000000" pitchFamily="34" charset="0"/>
-            </a:endParaRPr>
-          </a:p>
-        </p:txBody>
-      </p:sp>
-      <p:pic>
-        <p:nvPicPr>
           <p:cNvPr id="9" name="Picture 8">
             <a:extLst>
               <a:ext uri="{FF2B5EF4-FFF2-40B4-BE49-F238E27FC236}">
@@ -8969,7 +8667,7 @@
 </p:sld>
 </file>
 
-<file path=ppt/slides/slide23.xml><?xml version="1.0" encoding="utf-8"?>
+<file path=ppt/slides/slide22.xml><?xml version="1.0" encoding="utf-8"?>
 <p:sld xmlns:a="http://schemas.openxmlformats.org/drawingml/2006/main" xmlns:r="http://schemas.openxmlformats.org/officeDocument/2006/relationships" xmlns:p="http://schemas.openxmlformats.org/presentationml/2006/main">
   <p:cSld>
     <p:bg>
@@ -9333,7 +9031,7 @@
 </p:sld>
 </file>
 
-<file path=ppt/slides/slide24.xml><?xml version="1.0" encoding="utf-8"?>
+<file path=ppt/slides/slide23.xml><?xml version="1.0" encoding="utf-8"?>
 <p:sld xmlns:a="http://schemas.openxmlformats.org/drawingml/2006/main" xmlns:r="http://schemas.openxmlformats.org/officeDocument/2006/relationships" xmlns:p="http://schemas.openxmlformats.org/presentationml/2006/main">
   <p:cSld>
     <p:bg>
@@ -12565,7 +12263,7 @@
                 <a:latin typeface="Euclid Circular B" panose="020B0504000000000000" pitchFamily="34" charset="0"/>
                 <a:ea typeface="Euclid Circular B" panose="020B0504000000000000" pitchFamily="34" charset="0"/>
               </a:rPr>
-              <a:t>Multi-Processing</a:t>
+              <a:t>Multi-Tasking</a:t>
             </a:r>
             <a:endParaRPr lang="en-US" b="1" dirty="0">
               <a:solidFill>

--- a/2023-06-01 Dealing with Concurrency - Multi-Threading in Dotnet/Dotnet-Multi-Threading.pptx
+++ b/2023-06-01 Dealing with Concurrency - Multi-Threading in Dotnet/Dotnet-Multi-Threading.pptx
@@ -6,28 +6,29 @@
   </p:sldMasterIdLst>
   <p:sldIdLst>
     <p:sldId id="256" r:id="rId2"/>
-    <p:sldId id="293" r:id="rId3"/>
-    <p:sldId id="294" r:id="rId4"/>
-    <p:sldId id="291" r:id="rId5"/>
-    <p:sldId id="307" r:id="rId6"/>
-    <p:sldId id="295" r:id="rId7"/>
-    <p:sldId id="308" r:id="rId8"/>
-    <p:sldId id="309" r:id="rId9"/>
-    <p:sldId id="296" r:id="rId10"/>
-    <p:sldId id="297" r:id="rId11"/>
-    <p:sldId id="298" r:id="rId12"/>
-    <p:sldId id="299" r:id="rId13"/>
-    <p:sldId id="300" r:id="rId14"/>
-    <p:sldId id="301" r:id="rId15"/>
-    <p:sldId id="302" r:id="rId16"/>
-    <p:sldId id="305" r:id="rId17"/>
-    <p:sldId id="303" r:id="rId18"/>
-    <p:sldId id="314" r:id="rId19"/>
-    <p:sldId id="304" r:id="rId20"/>
-    <p:sldId id="310" r:id="rId21"/>
-    <p:sldId id="311" r:id="rId22"/>
-    <p:sldId id="313" r:id="rId23"/>
-    <p:sldId id="289" r:id="rId24"/>
+    <p:sldId id="315" r:id="rId3"/>
+    <p:sldId id="293" r:id="rId4"/>
+    <p:sldId id="294" r:id="rId5"/>
+    <p:sldId id="291" r:id="rId6"/>
+    <p:sldId id="307" r:id="rId7"/>
+    <p:sldId id="295" r:id="rId8"/>
+    <p:sldId id="308" r:id="rId9"/>
+    <p:sldId id="309" r:id="rId10"/>
+    <p:sldId id="296" r:id="rId11"/>
+    <p:sldId id="297" r:id="rId12"/>
+    <p:sldId id="298" r:id="rId13"/>
+    <p:sldId id="299" r:id="rId14"/>
+    <p:sldId id="300" r:id="rId15"/>
+    <p:sldId id="301" r:id="rId16"/>
+    <p:sldId id="302" r:id="rId17"/>
+    <p:sldId id="305" r:id="rId18"/>
+    <p:sldId id="303" r:id="rId19"/>
+    <p:sldId id="314" r:id="rId20"/>
+    <p:sldId id="304" r:id="rId21"/>
+    <p:sldId id="310" r:id="rId22"/>
+    <p:sldId id="311" r:id="rId23"/>
+    <p:sldId id="313" r:id="rId24"/>
+    <p:sldId id="289" r:id="rId25"/>
   </p:sldIdLst>
   <p:sldSz cx="12192000" cy="6858000"/>
   <p:notesSz cx="6858000" cy="9144000"/>
@@ -3527,6 +3528,693 @@
                 <a:latin typeface="Euclid Circular B" panose="020B0504000000000000" pitchFamily="34" charset="0"/>
                 <a:ea typeface="Euclid Circular B" panose="020B0504000000000000" pitchFamily="34" charset="0"/>
               </a:rPr>
+              <a:t>Sharing State Between Threads</a:t>
+            </a:r>
+          </a:p>
+        </p:txBody>
+      </p:sp>
+      <p:sp>
+        <p:nvSpPr>
+          <p:cNvPr id="3" name="Content Placeholder 2">
+            <a:extLst>
+              <a:ext uri="{FF2B5EF4-FFF2-40B4-BE49-F238E27FC236}">
+                <a16:creationId xmlns:a16="http://schemas.microsoft.com/office/drawing/2014/main" id="{891C7693-D3DF-4635-96F4-97F3B4136FDF}"/>
+              </a:ext>
+            </a:extLst>
+          </p:cNvPr>
+          <p:cNvSpPr>
+            <a:spLocks noGrp="1"/>
+          </p:cNvSpPr>
+          <p:nvPr>
+            <p:ph idx="1"/>
+          </p:nvPr>
+        </p:nvSpPr>
+        <p:spPr>
+          <a:xfrm>
+            <a:off x="838200" y="1825625"/>
+            <a:ext cx="10515600" cy="1856578"/>
+          </a:xfrm>
+        </p:spPr>
+        <p:txBody>
+          <a:bodyPr/>
+          <a:lstStyle/>
+          <a:p>
+            <a:r>
+              <a:rPr lang="en-US" dirty="0">
+                <a:latin typeface="Euclid Circular B" panose="020B0504000000000000" pitchFamily="34" charset="0"/>
+                <a:ea typeface="Euclid Circular B" panose="020B0504000000000000" pitchFamily="34" charset="0"/>
+              </a:rPr>
+              <a:t>All threads in a process </a:t>
+            </a:r>
+            <a:r>
+              <a:rPr lang="en-US" b="1" dirty="0">
+                <a:latin typeface="Euclid Circular B" panose="020B0504000000000000" pitchFamily="34" charset="0"/>
+                <a:ea typeface="Euclid Circular B" panose="020B0504000000000000" pitchFamily="34" charset="0"/>
+              </a:rPr>
+              <a:t>share </a:t>
+            </a:r>
+            <a:r>
+              <a:rPr lang="en-US" dirty="0">
+                <a:latin typeface="Euclid Circular B" panose="020B0504000000000000" pitchFamily="34" charset="0"/>
+                <a:ea typeface="Euclid Circular B" panose="020B0504000000000000" pitchFamily="34" charset="0"/>
+              </a:rPr>
+              <a:t>the same application </a:t>
+            </a:r>
+            <a:r>
+              <a:rPr lang="en-US" b="1" dirty="0">
+                <a:latin typeface="Euclid Circular B" panose="020B0504000000000000" pitchFamily="34" charset="0"/>
+                <a:ea typeface="Euclid Circular B" panose="020B0504000000000000" pitchFamily="34" charset="0"/>
+              </a:rPr>
+              <a:t>state</a:t>
+            </a:r>
+            <a:r>
+              <a:rPr lang="en-US" dirty="0">
+                <a:latin typeface="Euclid Circular B" panose="020B0504000000000000" pitchFamily="34" charset="0"/>
+                <a:ea typeface="Euclid Circular B" panose="020B0504000000000000" pitchFamily="34" charset="0"/>
+              </a:rPr>
+              <a:t>.</a:t>
+            </a:r>
+          </a:p>
+          <a:p>
+            <a:r>
+              <a:rPr lang="en-US" dirty="0">
+                <a:latin typeface="Euclid Circular B" panose="020B0504000000000000" pitchFamily="34" charset="0"/>
+                <a:ea typeface="Euclid Circular B" panose="020B0504000000000000" pitchFamily="34" charset="0"/>
+              </a:rPr>
+              <a:t>Should </a:t>
+            </a:r>
+            <a:r>
+              <a:rPr lang="en-US" b="1" dirty="0">
+                <a:latin typeface="Euclid Circular B" panose="020B0504000000000000" pitchFamily="34" charset="0"/>
+                <a:ea typeface="Euclid Circular B" panose="020B0504000000000000" pitchFamily="34" charset="0"/>
+              </a:rPr>
+              <a:t>care </a:t>
+            </a:r>
+            <a:r>
+              <a:rPr lang="en-US" dirty="0">
+                <a:latin typeface="Euclid Circular B" panose="020B0504000000000000" pitchFamily="34" charset="0"/>
+                <a:ea typeface="Euclid Circular B" panose="020B0504000000000000" pitchFamily="34" charset="0"/>
+              </a:rPr>
+              <a:t>while accessing a </a:t>
+            </a:r>
+            <a:r>
+              <a:rPr lang="en-US" b="1" dirty="0">
+                <a:latin typeface="Euclid Circular B" panose="020B0504000000000000" pitchFamily="34" charset="0"/>
+                <a:ea typeface="Euclid Circular B" panose="020B0504000000000000" pitchFamily="34" charset="0"/>
+              </a:rPr>
+              <a:t>shared state</a:t>
+            </a:r>
+            <a:r>
+              <a:rPr lang="en-US" dirty="0">
+                <a:latin typeface="Euclid Circular B" panose="020B0504000000000000" pitchFamily="34" charset="0"/>
+                <a:ea typeface="Euclid Circular B" panose="020B0504000000000000" pitchFamily="34" charset="0"/>
+              </a:rPr>
+              <a:t>/variable/field.</a:t>
+            </a:r>
+          </a:p>
+          <a:p>
+            <a:r>
+              <a:rPr lang="en-US" dirty="0">
+                <a:latin typeface="Euclid Circular B" panose="020B0504000000000000" pitchFamily="34" charset="0"/>
+                <a:ea typeface="Euclid Circular B" panose="020B0504000000000000" pitchFamily="34" charset="0"/>
+              </a:rPr>
+              <a:t>Can use </a:t>
+            </a:r>
+            <a:r>
+              <a:rPr lang="en-US" b="1" dirty="0">
+                <a:latin typeface="Euclid Circular B" panose="020B0504000000000000" pitchFamily="34" charset="0"/>
+                <a:ea typeface="Euclid Circular B" panose="020B0504000000000000" pitchFamily="34" charset="0"/>
+              </a:rPr>
+              <a:t>exclusive locks </a:t>
+            </a:r>
+            <a:r>
+              <a:rPr lang="en-US" dirty="0">
+                <a:latin typeface="Euclid Circular B" panose="020B0504000000000000" pitchFamily="34" charset="0"/>
+                <a:ea typeface="Euclid Circular B" panose="020B0504000000000000" pitchFamily="34" charset="0"/>
+              </a:rPr>
+              <a:t>to regulate concurrent access</a:t>
+            </a:r>
+          </a:p>
+        </p:txBody>
+      </p:sp>
+      <p:sp>
+        <p:nvSpPr>
+          <p:cNvPr id="4" name="Content Placeholder 2">
+            <a:extLst>
+              <a:ext uri="{FF2B5EF4-FFF2-40B4-BE49-F238E27FC236}">
+                <a16:creationId xmlns:a16="http://schemas.microsoft.com/office/drawing/2014/main" id="{3780E134-2315-442C-D3DC-DA11CFC7D305}"/>
+              </a:ext>
+            </a:extLst>
+          </p:cNvPr>
+          <p:cNvSpPr txBox="1">
+            <a:spLocks/>
+          </p:cNvSpPr>
+          <p:nvPr/>
+        </p:nvSpPr>
+        <p:spPr>
+          <a:xfrm>
+            <a:off x="838200" y="3473080"/>
+            <a:ext cx="10515600" cy="2959525"/>
+          </a:xfrm>
+          <a:prstGeom prst="rect">
+            <a:avLst/>
+          </a:prstGeom>
+        </p:spPr>
+        <p:txBody>
+          <a:bodyPr vert="horz" lIns="91440" tIns="45720" rIns="91440" bIns="45720" rtlCol="0" anchor="ctr">
+            <a:normAutofit/>
+          </a:bodyPr>
+          <a:lstStyle>
+            <a:lvl1pPr marL="228600" indent="-228600" algn="l" defTabSz="914400" rtl="0" eaLnBrk="1" latinLnBrk="0" hangingPunct="1">
+              <a:lnSpc>
+                <a:spcPct val="90000"/>
+              </a:lnSpc>
+              <a:spcBef>
+                <a:spcPts val="1000"/>
+              </a:spcBef>
+              <a:buFont typeface="Arial" panose="020B0604020202020204" pitchFamily="34" charset="0"/>
+              <a:buChar char="•"/>
+              <a:defRPr sz="2800" kern="1200">
+                <a:solidFill>
+                  <a:schemeClr val="tx1"/>
+                </a:solidFill>
+                <a:latin typeface="+mn-lt"/>
+                <a:ea typeface="+mn-ea"/>
+                <a:cs typeface="+mn-cs"/>
+              </a:defRPr>
+            </a:lvl1pPr>
+            <a:lvl2pPr marL="685800" indent="-228600" algn="l" defTabSz="914400" rtl="0" eaLnBrk="1" latinLnBrk="0" hangingPunct="1">
+              <a:lnSpc>
+                <a:spcPct val="90000"/>
+              </a:lnSpc>
+              <a:spcBef>
+                <a:spcPts val="500"/>
+              </a:spcBef>
+              <a:buFont typeface="Arial" panose="020B0604020202020204" pitchFamily="34" charset="0"/>
+              <a:buChar char="•"/>
+              <a:defRPr sz="2400" kern="1200">
+                <a:solidFill>
+                  <a:schemeClr val="tx1"/>
+                </a:solidFill>
+                <a:latin typeface="+mn-lt"/>
+                <a:ea typeface="+mn-ea"/>
+                <a:cs typeface="+mn-cs"/>
+              </a:defRPr>
+            </a:lvl2pPr>
+            <a:lvl3pPr marL="1143000" indent="-228600" algn="l" defTabSz="914400" rtl="0" eaLnBrk="1" latinLnBrk="0" hangingPunct="1">
+              <a:lnSpc>
+                <a:spcPct val="90000"/>
+              </a:lnSpc>
+              <a:spcBef>
+                <a:spcPts val="500"/>
+              </a:spcBef>
+              <a:buFont typeface="Arial" panose="020B0604020202020204" pitchFamily="34" charset="0"/>
+              <a:buChar char="•"/>
+              <a:defRPr sz="2000" kern="1200">
+                <a:solidFill>
+                  <a:schemeClr val="tx1"/>
+                </a:solidFill>
+                <a:latin typeface="+mn-lt"/>
+                <a:ea typeface="+mn-ea"/>
+                <a:cs typeface="+mn-cs"/>
+              </a:defRPr>
+            </a:lvl3pPr>
+            <a:lvl4pPr marL="1600200" indent="-228600" algn="l" defTabSz="914400" rtl="0" eaLnBrk="1" latinLnBrk="0" hangingPunct="1">
+              <a:lnSpc>
+                <a:spcPct val="90000"/>
+              </a:lnSpc>
+              <a:spcBef>
+                <a:spcPts val="500"/>
+              </a:spcBef>
+              <a:buFont typeface="Arial" panose="020B0604020202020204" pitchFamily="34" charset="0"/>
+              <a:buChar char="•"/>
+              <a:defRPr sz="1800" kern="1200">
+                <a:solidFill>
+                  <a:schemeClr val="tx1"/>
+                </a:solidFill>
+                <a:latin typeface="+mn-lt"/>
+                <a:ea typeface="+mn-ea"/>
+                <a:cs typeface="+mn-cs"/>
+              </a:defRPr>
+            </a:lvl4pPr>
+            <a:lvl5pPr marL="2057400" indent="-228600" algn="l" defTabSz="914400" rtl="0" eaLnBrk="1" latinLnBrk="0" hangingPunct="1">
+              <a:lnSpc>
+                <a:spcPct val="90000"/>
+              </a:lnSpc>
+              <a:spcBef>
+                <a:spcPts val="500"/>
+              </a:spcBef>
+              <a:buFont typeface="Arial" panose="020B0604020202020204" pitchFamily="34" charset="0"/>
+              <a:buChar char="•"/>
+              <a:defRPr sz="1800" kern="1200">
+                <a:solidFill>
+                  <a:schemeClr val="tx1"/>
+                </a:solidFill>
+                <a:latin typeface="+mn-lt"/>
+                <a:ea typeface="+mn-ea"/>
+                <a:cs typeface="+mn-cs"/>
+              </a:defRPr>
+            </a:lvl5pPr>
+            <a:lvl6pPr marL="2514600" indent="-228600" algn="l" defTabSz="914400" rtl="0" eaLnBrk="1" latinLnBrk="0" hangingPunct="1">
+              <a:lnSpc>
+                <a:spcPct val="90000"/>
+              </a:lnSpc>
+              <a:spcBef>
+                <a:spcPts val="500"/>
+              </a:spcBef>
+              <a:buFont typeface="Arial" panose="020B0604020202020204" pitchFamily="34" charset="0"/>
+              <a:buChar char="•"/>
+              <a:defRPr sz="1800" kern="1200">
+                <a:solidFill>
+                  <a:schemeClr val="tx1"/>
+                </a:solidFill>
+                <a:latin typeface="+mn-lt"/>
+                <a:ea typeface="+mn-ea"/>
+                <a:cs typeface="+mn-cs"/>
+              </a:defRPr>
+            </a:lvl6pPr>
+            <a:lvl7pPr marL="2971800" indent="-228600" algn="l" defTabSz="914400" rtl="0" eaLnBrk="1" latinLnBrk="0" hangingPunct="1">
+              <a:lnSpc>
+                <a:spcPct val="90000"/>
+              </a:lnSpc>
+              <a:spcBef>
+                <a:spcPts val="500"/>
+              </a:spcBef>
+              <a:buFont typeface="Arial" panose="020B0604020202020204" pitchFamily="34" charset="0"/>
+              <a:buChar char="•"/>
+              <a:defRPr sz="1800" kern="1200">
+                <a:solidFill>
+                  <a:schemeClr val="tx1"/>
+                </a:solidFill>
+                <a:latin typeface="+mn-lt"/>
+                <a:ea typeface="+mn-ea"/>
+                <a:cs typeface="+mn-cs"/>
+              </a:defRPr>
+            </a:lvl7pPr>
+            <a:lvl8pPr marL="3429000" indent="-228600" algn="l" defTabSz="914400" rtl="0" eaLnBrk="1" latinLnBrk="0" hangingPunct="1">
+              <a:lnSpc>
+                <a:spcPct val="90000"/>
+              </a:lnSpc>
+              <a:spcBef>
+                <a:spcPts val="500"/>
+              </a:spcBef>
+              <a:buFont typeface="Arial" panose="020B0604020202020204" pitchFamily="34" charset="0"/>
+              <a:buChar char="•"/>
+              <a:defRPr sz="1800" kern="1200">
+                <a:solidFill>
+                  <a:schemeClr val="tx1"/>
+                </a:solidFill>
+                <a:latin typeface="+mn-lt"/>
+                <a:ea typeface="+mn-ea"/>
+                <a:cs typeface="+mn-cs"/>
+              </a:defRPr>
+            </a:lvl8pPr>
+            <a:lvl9pPr marL="3886200" indent="-228600" algn="l" defTabSz="914400" rtl="0" eaLnBrk="1" latinLnBrk="0" hangingPunct="1">
+              <a:lnSpc>
+                <a:spcPct val="90000"/>
+              </a:lnSpc>
+              <a:spcBef>
+                <a:spcPts val="500"/>
+              </a:spcBef>
+              <a:buFont typeface="Arial" panose="020B0604020202020204" pitchFamily="34" charset="0"/>
+              <a:buChar char="•"/>
+              <a:defRPr sz="1800" kern="1200">
+                <a:solidFill>
+                  <a:schemeClr val="tx1"/>
+                </a:solidFill>
+                <a:latin typeface="+mn-lt"/>
+                <a:ea typeface="+mn-ea"/>
+                <a:cs typeface="+mn-cs"/>
+              </a:defRPr>
+            </a:lvl9pPr>
+          </a:lstStyle>
+          <a:p>
+            <a:pPr marL="0" indent="0" algn="ctr">
+              <a:buFont typeface="Arial" panose="020B0604020202020204" pitchFamily="34" charset="0"/>
+              <a:buNone/>
+            </a:pPr>
+            <a:r>
+              <a:rPr lang="tr-TR" sz="8800" dirty="0">
+                <a:solidFill>
+                  <a:srgbClr val="FF0000"/>
+                </a:solidFill>
+                <a:latin typeface="Euclid Circular B" panose="020B0504000000000000" pitchFamily="34" charset="0"/>
+                <a:ea typeface="Euclid Circular B" panose="020B0504000000000000" pitchFamily="34" charset="0"/>
+              </a:rPr>
+              <a:t>DEMO</a:t>
+            </a:r>
+            <a:endParaRPr lang="en-US" sz="8800" dirty="0">
+              <a:solidFill>
+                <a:srgbClr val="FF0000"/>
+              </a:solidFill>
+              <a:latin typeface="Euclid Circular B" panose="020B0504000000000000" pitchFamily="34" charset="0"/>
+              <a:ea typeface="Euclid Circular B" panose="020B0504000000000000" pitchFamily="34" charset="0"/>
+            </a:endParaRPr>
+          </a:p>
+        </p:txBody>
+      </p:sp>
+    </p:spTree>
+    <p:extLst>
+      <p:ext uri="{BB962C8B-B14F-4D97-AF65-F5344CB8AC3E}">
+        <p14:creationId xmlns:p14="http://schemas.microsoft.com/office/powerpoint/2010/main" val="463893482"/>
+      </p:ext>
+    </p:extLst>
+  </p:cSld>
+  <p:clrMapOvr>
+    <a:masterClrMapping/>
+  </p:clrMapOvr>
+  <p:timing>
+    <p:tnLst>
+      <p:par>
+        <p:cTn id="1" dur="indefinite" restart="never" nodeType="tmRoot">
+          <p:childTnLst>
+            <p:seq concurrent="1" nextAc="seek">
+              <p:cTn id="2" dur="indefinite" nodeType="mainSeq">
+                <p:childTnLst>
+                  <p:par>
+                    <p:cTn id="3" fill="hold">
+                      <p:stCondLst>
+                        <p:cond delay="indefinite"/>
+                      </p:stCondLst>
+                      <p:childTnLst>
+                        <p:par>
+                          <p:cTn id="4" fill="hold">
+                            <p:stCondLst>
+                              <p:cond delay="0"/>
+                            </p:stCondLst>
+                            <p:childTnLst>
+                              <p:par>
+                                <p:cTn id="5" presetID="10" presetClass="entr" presetSubtype="0" fill="hold" nodeType="clickEffect">
+                                  <p:stCondLst>
+                                    <p:cond delay="0"/>
+                                  </p:stCondLst>
+                                  <p:childTnLst>
+                                    <p:set>
+                                      <p:cBhvr>
+                                        <p:cTn id="6" dur="1" fill="hold">
+                                          <p:stCondLst>
+                                            <p:cond delay="0"/>
+                                          </p:stCondLst>
+                                        </p:cTn>
+                                        <p:tgtEl>
+                                          <p:spTgt spid="3">
+                                            <p:txEl>
+                                              <p:pRg st="0" end="0"/>
+                                            </p:txEl>
+                                          </p:spTgt>
+                                        </p:tgtEl>
+                                        <p:attrNameLst>
+                                          <p:attrName>style.visibility</p:attrName>
+                                        </p:attrNameLst>
+                                      </p:cBhvr>
+                                      <p:to>
+                                        <p:strVal val="visible"/>
+                                      </p:to>
+                                    </p:set>
+                                    <p:animEffect transition="in" filter="fade">
+                                      <p:cBhvr>
+                                        <p:cTn id="7" dur="500"/>
+                                        <p:tgtEl>
+                                          <p:spTgt spid="3">
+                                            <p:txEl>
+                                              <p:pRg st="0" end="0"/>
+                                            </p:txEl>
+                                          </p:spTgt>
+                                        </p:tgtEl>
+                                      </p:cBhvr>
+                                    </p:animEffect>
+                                  </p:childTnLst>
+                                </p:cTn>
+                              </p:par>
+                            </p:childTnLst>
+                          </p:cTn>
+                        </p:par>
+                      </p:childTnLst>
+                    </p:cTn>
+                  </p:par>
+                  <p:par>
+                    <p:cTn id="8" fill="hold">
+                      <p:stCondLst>
+                        <p:cond delay="indefinite"/>
+                      </p:stCondLst>
+                      <p:childTnLst>
+                        <p:par>
+                          <p:cTn id="9" fill="hold">
+                            <p:stCondLst>
+                              <p:cond delay="0"/>
+                            </p:stCondLst>
+                            <p:childTnLst>
+                              <p:par>
+                                <p:cTn id="10" presetID="10" presetClass="entr" presetSubtype="0" fill="hold" nodeType="clickEffect">
+                                  <p:stCondLst>
+                                    <p:cond delay="0"/>
+                                  </p:stCondLst>
+                                  <p:childTnLst>
+                                    <p:set>
+                                      <p:cBhvr>
+                                        <p:cTn id="11" dur="1" fill="hold">
+                                          <p:stCondLst>
+                                            <p:cond delay="0"/>
+                                          </p:stCondLst>
+                                        </p:cTn>
+                                        <p:tgtEl>
+                                          <p:spTgt spid="3">
+                                            <p:txEl>
+                                              <p:pRg st="1" end="1"/>
+                                            </p:txEl>
+                                          </p:spTgt>
+                                        </p:tgtEl>
+                                        <p:attrNameLst>
+                                          <p:attrName>style.visibility</p:attrName>
+                                        </p:attrNameLst>
+                                      </p:cBhvr>
+                                      <p:to>
+                                        <p:strVal val="visible"/>
+                                      </p:to>
+                                    </p:set>
+                                    <p:animEffect transition="in" filter="fade">
+                                      <p:cBhvr>
+                                        <p:cTn id="12" dur="500"/>
+                                        <p:tgtEl>
+                                          <p:spTgt spid="3">
+                                            <p:txEl>
+                                              <p:pRg st="1" end="1"/>
+                                            </p:txEl>
+                                          </p:spTgt>
+                                        </p:tgtEl>
+                                      </p:cBhvr>
+                                    </p:animEffect>
+                                  </p:childTnLst>
+                                </p:cTn>
+                              </p:par>
+                            </p:childTnLst>
+                          </p:cTn>
+                        </p:par>
+                      </p:childTnLst>
+                    </p:cTn>
+                  </p:par>
+                  <p:par>
+                    <p:cTn id="13" fill="hold">
+                      <p:stCondLst>
+                        <p:cond delay="indefinite"/>
+                      </p:stCondLst>
+                      <p:childTnLst>
+                        <p:par>
+                          <p:cTn id="14" fill="hold">
+                            <p:stCondLst>
+                              <p:cond delay="0"/>
+                            </p:stCondLst>
+                            <p:childTnLst>
+                              <p:par>
+                                <p:cTn id="15" presetID="10" presetClass="entr" presetSubtype="0" fill="hold" nodeType="clickEffect">
+                                  <p:stCondLst>
+                                    <p:cond delay="0"/>
+                                  </p:stCondLst>
+                                  <p:childTnLst>
+                                    <p:set>
+                                      <p:cBhvr>
+                                        <p:cTn id="16" dur="1" fill="hold">
+                                          <p:stCondLst>
+                                            <p:cond delay="0"/>
+                                          </p:stCondLst>
+                                        </p:cTn>
+                                        <p:tgtEl>
+                                          <p:spTgt spid="3">
+                                            <p:txEl>
+                                              <p:pRg st="2" end="2"/>
+                                            </p:txEl>
+                                          </p:spTgt>
+                                        </p:tgtEl>
+                                        <p:attrNameLst>
+                                          <p:attrName>style.visibility</p:attrName>
+                                        </p:attrNameLst>
+                                      </p:cBhvr>
+                                      <p:to>
+                                        <p:strVal val="visible"/>
+                                      </p:to>
+                                    </p:set>
+                                    <p:animEffect transition="in" filter="fade">
+                                      <p:cBhvr>
+                                        <p:cTn id="17" dur="500"/>
+                                        <p:tgtEl>
+                                          <p:spTgt spid="3">
+                                            <p:txEl>
+                                              <p:pRg st="2" end="2"/>
+                                            </p:txEl>
+                                          </p:spTgt>
+                                        </p:tgtEl>
+                                      </p:cBhvr>
+                                    </p:animEffect>
+                                  </p:childTnLst>
+                                </p:cTn>
+                              </p:par>
+                            </p:childTnLst>
+                          </p:cTn>
+                        </p:par>
+                      </p:childTnLst>
+                    </p:cTn>
+                  </p:par>
+                  <p:par>
+                    <p:cTn id="18" fill="hold">
+                      <p:stCondLst>
+                        <p:cond delay="indefinite"/>
+                      </p:stCondLst>
+                      <p:childTnLst>
+                        <p:par>
+                          <p:cTn id="19" fill="hold">
+                            <p:stCondLst>
+                              <p:cond delay="0"/>
+                            </p:stCondLst>
+                            <p:childTnLst>
+                              <p:par>
+                                <p:cTn id="20" presetID="10" presetClass="entr" presetSubtype="0" fill="hold" grpId="0" nodeType="clickEffect">
+                                  <p:stCondLst>
+                                    <p:cond delay="0"/>
+                                  </p:stCondLst>
+                                  <p:childTnLst>
+                                    <p:set>
+                                      <p:cBhvr>
+                                        <p:cTn id="21" dur="1" fill="hold">
+                                          <p:stCondLst>
+                                            <p:cond delay="0"/>
+                                          </p:stCondLst>
+                                        </p:cTn>
+                                        <p:tgtEl>
+                                          <p:spTgt spid="4"/>
+                                        </p:tgtEl>
+                                        <p:attrNameLst>
+                                          <p:attrName>style.visibility</p:attrName>
+                                        </p:attrNameLst>
+                                      </p:cBhvr>
+                                      <p:to>
+                                        <p:strVal val="visible"/>
+                                      </p:to>
+                                    </p:set>
+                                    <p:animEffect transition="in" filter="fade">
+                                      <p:cBhvr>
+                                        <p:cTn id="22" dur="500"/>
+                                        <p:tgtEl>
+                                          <p:spTgt spid="4"/>
+                                        </p:tgtEl>
+                                      </p:cBhvr>
+                                    </p:animEffect>
+                                  </p:childTnLst>
+                                </p:cTn>
+                              </p:par>
+                            </p:childTnLst>
+                          </p:cTn>
+                        </p:par>
+                      </p:childTnLst>
+                    </p:cTn>
+                  </p:par>
+                </p:childTnLst>
+              </p:cTn>
+              <p:prevCondLst>
+                <p:cond evt="onPrev" delay="0">
+                  <p:tgtEl>
+                    <p:sldTgt/>
+                  </p:tgtEl>
+                </p:cond>
+              </p:prevCondLst>
+              <p:nextCondLst>
+                <p:cond evt="onNext" delay="0">
+                  <p:tgtEl>
+                    <p:sldTgt/>
+                  </p:tgtEl>
+                </p:cond>
+              </p:nextCondLst>
+            </p:seq>
+          </p:childTnLst>
+        </p:cTn>
+      </p:par>
+    </p:tnLst>
+    <p:bldLst>
+      <p:bldP spid="4" grpId="0"/>
+    </p:bldLst>
+  </p:timing>
+</p:sld>
+</file>
+
+<file path=ppt/slides/slide11.xml><?xml version="1.0" encoding="utf-8"?>
+<p:sld xmlns:a="http://schemas.openxmlformats.org/drawingml/2006/main" xmlns:r="http://schemas.openxmlformats.org/officeDocument/2006/relationships" xmlns:p="http://schemas.openxmlformats.org/presentationml/2006/main">
+  <p:cSld>
+    <p:bg>
+      <p:bgPr>
+        <a:blipFill dpi="0" rotWithShape="1">
+          <a:blip r:embed="rId2">
+            <a:lum/>
+          </a:blip>
+          <a:srcRect/>
+          <a:stretch>
+            <a:fillRect/>
+          </a:stretch>
+        </a:blipFill>
+        <a:effectLst/>
+      </p:bgPr>
+    </p:bg>
+    <p:spTree>
+      <p:nvGrpSpPr>
+        <p:cNvPr id="1" name=""/>
+        <p:cNvGrpSpPr/>
+        <p:nvPr/>
+      </p:nvGrpSpPr>
+      <p:grpSpPr>
+        <a:xfrm>
+          <a:off x="0" y="0"/>
+          <a:ext cx="0" cy="0"/>
+          <a:chOff x="0" y="0"/>
+          <a:chExt cx="0" cy="0"/>
+        </a:xfrm>
+      </p:grpSpPr>
+      <p:sp>
+        <p:nvSpPr>
+          <p:cNvPr id="2" name="Title 1">
+            <a:extLst>
+              <a:ext uri="{FF2B5EF4-FFF2-40B4-BE49-F238E27FC236}">
+                <a16:creationId xmlns:a16="http://schemas.microsoft.com/office/drawing/2014/main" id="{55E11F08-6CA0-48F1-AD67-97430DDA07F0}"/>
+              </a:ext>
+            </a:extLst>
+          </p:cNvPr>
+          <p:cNvSpPr>
+            <a:spLocks noGrp="1"/>
+          </p:cNvSpPr>
+          <p:nvPr>
+            <p:ph type="title"/>
+          </p:nvPr>
+        </p:nvSpPr>
+        <p:spPr/>
+        <p:txBody>
+          <a:bodyPr/>
+          <a:lstStyle/>
+          <a:p>
+            <a:r>
+              <a:rPr lang="en-US" b="1" dirty="0">
+                <a:solidFill>
+                  <a:srgbClr val="292D33"/>
+                </a:solidFill>
+                <a:latin typeface="Euclid Circular B" panose="020B0504000000000000" pitchFamily="34" charset="0"/>
+                <a:ea typeface="Euclid Circular B" panose="020B0504000000000000" pitchFamily="34" charset="0"/>
+              </a:rPr>
               <a:t>The Monitor Class</a:t>
             </a:r>
           </a:p>
@@ -4241,7 +4929,7 @@
 </p:sld>
 </file>
 
-<file path=ppt/slides/slide11.xml><?xml version="1.0" encoding="utf-8"?>
+<file path=ppt/slides/slide12.xml><?xml version="1.0" encoding="utf-8"?>
 <p:sld xmlns:a="http://schemas.openxmlformats.org/drawingml/2006/main" xmlns:r="http://schemas.openxmlformats.org/officeDocument/2006/relationships" xmlns:p="http://schemas.openxmlformats.org/presentationml/2006/main">
   <p:cSld>
     <p:bg>
@@ -5056,7 +5744,7 @@
 </p:sld>
 </file>
 
-<file path=ppt/slides/slide12.xml><?xml version="1.0" encoding="utf-8"?>
+<file path=ppt/slides/slide13.xml><?xml version="1.0" encoding="utf-8"?>
 <p:sld xmlns:a="http://schemas.openxmlformats.org/drawingml/2006/main" xmlns:r="http://schemas.openxmlformats.org/officeDocument/2006/relationships" xmlns:p="http://schemas.openxmlformats.org/presentationml/2006/main">
   <p:cSld>
     <p:bg>
@@ -5210,197 +5898,6 @@
                                         <p:cTn id="7" dur="500"/>
                                         <p:tgtEl>
                                           <p:spTgt spid="17"/>
-                                        </p:tgtEl>
-                                      </p:cBhvr>
-                                    </p:animEffect>
-                                  </p:childTnLst>
-                                </p:cTn>
-                              </p:par>
-                            </p:childTnLst>
-                          </p:cTn>
-                        </p:par>
-                      </p:childTnLst>
-                    </p:cTn>
-                  </p:par>
-                </p:childTnLst>
-              </p:cTn>
-              <p:prevCondLst>
-                <p:cond evt="onPrev" delay="0">
-                  <p:tgtEl>
-                    <p:sldTgt/>
-                  </p:tgtEl>
-                </p:cond>
-              </p:prevCondLst>
-              <p:nextCondLst>
-                <p:cond evt="onNext" delay="0">
-                  <p:tgtEl>
-                    <p:sldTgt/>
-                  </p:tgtEl>
-                </p:cond>
-              </p:nextCondLst>
-            </p:seq>
-          </p:childTnLst>
-        </p:cTn>
-      </p:par>
-    </p:tnLst>
-  </p:timing>
-</p:sld>
-</file>
-
-<file path=ppt/slides/slide13.xml><?xml version="1.0" encoding="utf-8"?>
-<p:sld xmlns:a="http://schemas.openxmlformats.org/drawingml/2006/main" xmlns:r="http://schemas.openxmlformats.org/officeDocument/2006/relationships" xmlns:p="http://schemas.openxmlformats.org/presentationml/2006/main">
-  <p:cSld>
-    <p:bg>
-      <p:bgPr>
-        <a:blipFill dpi="0" rotWithShape="1">
-          <a:blip r:embed="rId2">
-            <a:lum/>
-          </a:blip>
-          <a:srcRect/>
-          <a:stretch>
-            <a:fillRect/>
-          </a:stretch>
-        </a:blipFill>
-        <a:effectLst/>
-      </p:bgPr>
-    </p:bg>
-    <p:spTree>
-      <p:nvGrpSpPr>
-        <p:cNvPr id="1" name=""/>
-        <p:cNvGrpSpPr/>
-        <p:nvPr/>
-      </p:nvGrpSpPr>
-      <p:grpSpPr>
-        <a:xfrm>
-          <a:off x="0" y="0"/>
-          <a:ext cx="0" cy="0"/>
-          <a:chOff x="0" y="0"/>
-          <a:chExt cx="0" cy="0"/>
-        </a:xfrm>
-      </p:grpSpPr>
-      <p:sp>
-        <p:nvSpPr>
-          <p:cNvPr id="2" name="Title 1">
-            <a:extLst>
-              <a:ext uri="{FF2B5EF4-FFF2-40B4-BE49-F238E27FC236}">
-                <a16:creationId xmlns:a16="http://schemas.microsoft.com/office/drawing/2014/main" id="{55E11F08-6CA0-48F1-AD67-97430DDA07F0}"/>
-              </a:ext>
-            </a:extLst>
-          </p:cNvPr>
-          <p:cNvSpPr>
-            <a:spLocks noGrp="1"/>
-          </p:cNvSpPr>
-          <p:nvPr>
-            <p:ph type="title"/>
-          </p:nvPr>
-        </p:nvSpPr>
-        <p:spPr/>
-        <p:txBody>
-          <a:bodyPr/>
-          <a:lstStyle/>
-          <a:p>
-            <a:r>
-              <a:rPr lang="en-US" b="1" dirty="0">
-                <a:solidFill>
-                  <a:srgbClr val="292D33"/>
-                </a:solidFill>
-                <a:latin typeface="Euclid Circular B" panose="020B0504000000000000" pitchFamily="34" charset="0"/>
-                <a:ea typeface="Euclid Circular B" panose="020B0504000000000000" pitchFamily="34" charset="0"/>
-              </a:rPr>
-              <a:t>Locking vs Async Execution</a:t>
-            </a:r>
-          </a:p>
-        </p:txBody>
-      </p:sp>
-      <p:pic>
-        <p:nvPicPr>
-          <p:cNvPr id="7" name="Picture 6">
-            <a:extLst>
-              <a:ext uri="{FF2B5EF4-FFF2-40B4-BE49-F238E27FC236}">
-                <a16:creationId xmlns:a16="http://schemas.microsoft.com/office/drawing/2014/main" id="{CA776610-07A0-8232-521D-7118802AA9D0}"/>
-              </a:ext>
-            </a:extLst>
-          </p:cNvPr>
-          <p:cNvPicPr>
-            <a:picLocks noChangeAspect="1"/>
-          </p:cNvPicPr>
-          <p:nvPr/>
-        </p:nvPicPr>
-        <p:blipFill>
-          <a:blip r:embed="rId3"/>
-          <a:stretch>
-            <a:fillRect/>
-          </a:stretch>
-        </p:blipFill>
-        <p:spPr>
-          <a:xfrm>
-            <a:off x="838201" y="1690689"/>
-            <a:ext cx="7928212" cy="4979102"/>
-          </a:xfrm>
-          <a:prstGeom prst="rect">
-            <a:avLst/>
-          </a:prstGeom>
-        </p:spPr>
-      </p:pic>
-    </p:spTree>
-    <p:extLst>
-      <p:ext uri="{BB962C8B-B14F-4D97-AF65-F5344CB8AC3E}">
-        <p14:creationId xmlns:p14="http://schemas.microsoft.com/office/powerpoint/2010/main" val="936238712"/>
-      </p:ext>
-    </p:extLst>
-  </p:cSld>
-  <p:clrMapOvr>
-    <a:masterClrMapping/>
-  </p:clrMapOvr>
-  <p:timing>
-    <p:tnLst>
-      <p:par>
-        <p:cTn id="1" dur="indefinite" restart="never" nodeType="tmRoot">
-          <p:childTnLst>
-            <p:seq concurrent="1" nextAc="seek">
-              <p:cTn id="2" dur="indefinite" nodeType="mainSeq">
-                <p:childTnLst>
-                  <p:par>
-                    <p:cTn id="3" fill="hold">
-                      <p:stCondLst>
-                        <p:cond delay="indefinite"/>
-                      </p:stCondLst>
-                      <p:childTnLst>
-                        <p:par>
-                          <p:cTn id="4" fill="hold">
-                            <p:stCondLst>
-                              <p:cond delay="0"/>
-                            </p:stCondLst>
-                            <p:childTnLst>
-                              <p:par>
-                                <p:cTn id="5" presetID="10" presetClass="entr" presetSubtype="0" fill="hold" nodeType="clickEffect">
-                                  <p:stCondLst>
-                                    <p:cond delay="0"/>
-                                  </p:stCondLst>
-                                  <p:childTnLst>
-                                    <p:set>
-                                      <p:cBhvr>
-                                        <p:cTn id="6" dur="1" fill="hold">
-                                          <p:stCondLst>
-                                            <p:cond delay="0"/>
-                                          </p:stCondLst>
-                                        </p:cTn>
-                                        <p:tgtEl>
-                                          <p:spTgt spid="7"/>
-                                        </p:tgtEl>
-                                        <p:attrNameLst>
-                                          <p:attrName>style.visibility</p:attrName>
-                                        </p:attrNameLst>
-                                      </p:cBhvr>
-                                      <p:to>
-                                        <p:strVal val="visible"/>
-                                      </p:to>
-                                    </p:set>
-                                    <p:animEffect transition="in" filter="fade">
-                                      <p:cBhvr>
-                                        <p:cTn id="7" dur="500"/>
-                                        <p:tgtEl>
-                                          <p:spTgt spid="7"/>
                                         </p:tgtEl>
                                       </p:cBhvr>
                                     </p:animEffect>
@@ -5498,25 +5995,8 @@
                 <a:latin typeface="Euclid Circular B" panose="020B0504000000000000" pitchFamily="34" charset="0"/>
                 <a:ea typeface="Euclid Circular B" panose="020B0504000000000000" pitchFamily="34" charset="0"/>
               </a:rPr>
-              <a:t>Semaphore / </a:t>
-            </a:r>
-            <a:r>
-              <a:rPr lang="en-US" b="1" dirty="0" err="1">
-                <a:solidFill>
-                  <a:srgbClr val="292D33"/>
-                </a:solidFill>
-                <a:latin typeface="Euclid Circular B" panose="020B0504000000000000" pitchFamily="34" charset="0"/>
-                <a:ea typeface="Euclid Circular B" panose="020B0504000000000000" pitchFamily="34" charset="0"/>
-              </a:rPr>
-              <a:t>SemaphoreSlim</a:t>
-            </a:r>
-            <a:endParaRPr lang="en-US" b="1" dirty="0">
-              <a:solidFill>
-                <a:srgbClr val="292D33"/>
-              </a:solidFill>
-              <a:latin typeface="Euclid Circular B" panose="020B0504000000000000" pitchFamily="34" charset="0"/>
-              <a:ea typeface="Euclid Circular B" panose="020B0504000000000000" pitchFamily="34" charset="0"/>
-            </a:endParaRPr>
+              <a:t>Locking vs Async Execution</a:t>
+            </a:r>
           </a:p>
         </p:txBody>
       </p:sp>
@@ -5525,7 +6005,7 @@
           <p:cNvPr id="7" name="Picture 6">
             <a:extLst>
               <a:ext uri="{FF2B5EF4-FFF2-40B4-BE49-F238E27FC236}">
-                <a16:creationId xmlns:a16="http://schemas.microsoft.com/office/drawing/2014/main" id="{E56279B6-690C-62E6-ED47-479224028AEF}"/>
+                <a16:creationId xmlns:a16="http://schemas.microsoft.com/office/drawing/2014/main" id="{CA776610-07A0-8232-521D-7118802AA9D0}"/>
               </a:ext>
             </a:extLst>
           </p:cNvPr>
@@ -5542,38 +6022,8 @@
         </p:blipFill>
         <p:spPr>
           <a:xfrm>
-            <a:off x="838201" y="1780898"/>
-            <a:ext cx="7247884" cy="478223"/>
-          </a:xfrm>
-          <a:prstGeom prst="rect">
-            <a:avLst/>
-          </a:prstGeom>
-        </p:spPr>
-      </p:pic>
-      <p:pic>
-        <p:nvPicPr>
-          <p:cNvPr id="15" name="Picture 14">
-            <a:extLst>
-              <a:ext uri="{FF2B5EF4-FFF2-40B4-BE49-F238E27FC236}">
-                <a16:creationId xmlns:a16="http://schemas.microsoft.com/office/drawing/2014/main" id="{63C91669-FDDC-2150-3A4C-DF1FD38F41AB}"/>
-              </a:ext>
-            </a:extLst>
-          </p:cNvPr>
-          <p:cNvPicPr>
-            <a:picLocks noChangeAspect="1"/>
-          </p:cNvPicPr>
-          <p:nvPr/>
-        </p:nvPicPr>
-        <p:blipFill>
-          <a:blip r:embed="rId4"/>
-          <a:stretch>
-            <a:fillRect/>
-          </a:stretch>
-        </p:blipFill>
-        <p:spPr>
-          <a:xfrm>
-            <a:off x="838200" y="2537104"/>
-            <a:ext cx="4307863" cy="4081438"/>
+            <a:off x="838201" y="1690689"/>
+            <a:ext cx="7928212" cy="4979102"/>
           </a:xfrm>
           <a:prstGeom prst="rect">
             <a:avLst/>
@@ -5583,7 +6033,7 @@
     </p:spTree>
     <p:extLst>
       <p:ext uri="{BB962C8B-B14F-4D97-AF65-F5344CB8AC3E}">
-        <p14:creationId xmlns:p14="http://schemas.microsoft.com/office/powerpoint/2010/main" val="650589519"/>
+        <p14:creationId xmlns:p14="http://schemas.microsoft.com/office/powerpoint/2010/main" val="936238712"/>
       </p:ext>
     </p:extLst>
   </p:cSld>
@@ -5639,59 +6089,6 @@
                                         <p:cTn id="7" dur="500"/>
                                         <p:tgtEl>
                                           <p:spTgt spid="7"/>
-                                        </p:tgtEl>
-                                      </p:cBhvr>
-                                    </p:animEffect>
-                                  </p:childTnLst>
-                                </p:cTn>
-                              </p:par>
-                            </p:childTnLst>
-                          </p:cTn>
-                        </p:par>
-                      </p:childTnLst>
-                    </p:cTn>
-                  </p:par>
-                  <p:par>
-                    <p:cTn id="8" fill="hold">
-                      <p:stCondLst>
-                        <p:cond delay="indefinite"/>
-                      </p:stCondLst>
-                      <p:childTnLst>
-                        <p:par>
-                          <p:cTn id="9" fill="hold">
-                            <p:stCondLst>
-                              <p:cond delay="0"/>
-                            </p:stCondLst>
-                            <p:childTnLst>
-                              <p:par>
-                                <p:cTn id="10" presetID="10" presetClass="entr" presetSubtype="0" fill="hold" nodeType="clickEffect">
-                                  <p:stCondLst>
-                                    <p:cond delay="0"/>
-                                  </p:stCondLst>
-                                  <p:childTnLst>
-                                    <p:set>
-                                      <p:cBhvr>
-                                        <p:cTn id="11" dur="1" fill="hold">
-                                          <p:stCondLst>
-                                            <p:cond delay="0"/>
-                                          </p:stCondLst>
-                                        </p:cTn>
-                                        <p:tgtEl>
-                                          <p:spTgt spid="15"/>
-                                        </p:tgtEl>
-                                        <p:attrNameLst>
-                                          <p:attrName>style.visibility</p:attrName>
-                                        </p:attrNameLst>
-                                      </p:cBhvr>
-                                      <p:to>
-                                        <p:strVal val="visible"/>
-                                      </p:to>
-                                    </p:set>
-                                    <p:animEffect transition="in" filter="fade">
-                                      <p:cBhvr>
-                                        <p:cTn id="12" dur="500"/>
-                                        <p:tgtEl>
-                                          <p:spTgt spid="15"/>
                                         </p:tgtEl>
                                       </p:cBhvr>
                                     </p:animEffect>
@@ -5782,6 +6179,16 @@
           <a:lstStyle/>
           <a:p>
             <a:r>
+              <a:rPr lang="en-US" b="1" dirty="0">
+                <a:solidFill>
+                  <a:srgbClr val="292D33"/>
+                </a:solidFill>
+                <a:latin typeface="Euclid Circular B" panose="020B0504000000000000" pitchFamily="34" charset="0"/>
+                <a:ea typeface="Euclid Circular B" panose="020B0504000000000000" pitchFamily="34" charset="0"/>
+              </a:rPr>
+              <a:t>Semaphore / </a:t>
+            </a:r>
+            <a:r>
               <a:rPr lang="en-US" b="1" dirty="0" err="1">
                 <a:solidFill>
                   <a:srgbClr val="292D33"/>
@@ -5789,27 +6196,7 @@
                 <a:latin typeface="Euclid Circular B" panose="020B0504000000000000" pitchFamily="34" charset="0"/>
                 <a:ea typeface="Euclid Circular B" panose="020B0504000000000000" pitchFamily="34" charset="0"/>
               </a:rPr>
-              <a:t>ThreadLocal</a:t>
-            </a:r>
-            <a:r>
-              <a:rPr lang="en-US" b="1" dirty="0">
-                <a:solidFill>
-                  <a:srgbClr val="292D33"/>
-                </a:solidFill>
-                <a:latin typeface="Euclid Circular B" panose="020B0504000000000000" pitchFamily="34" charset="0"/>
-                <a:ea typeface="Euclid Circular B" panose="020B0504000000000000" pitchFamily="34" charset="0"/>
-              </a:rPr>
-              <a:t> &amp; </a:t>
-            </a:r>
-            <a:r>
-              <a:rPr lang="en-US" b="1" dirty="0" err="1">
-                <a:solidFill>
-                  <a:srgbClr val="292D33"/>
-                </a:solidFill>
-                <a:latin typeface="Euclid Circular B" panose="020B0504000000000000" pitchFamily="34" charset="0"/>
-                <a:ea typeface="Euclid Circular B" panose="020B0504000000000000" pitchFamily="34" charset="0"/>
-              </a:rPr>
-              <a:t>AsyncLocal</a:t>
+              <a:t>SemaphoreSlim</a:t>
             </a:r>
             <a:endParaRPr lang="en-US" b="1" dirty="0">
               <a:solidFill>
@@ -5823,10 +6210,10 @@
       </p:sp>
       <p:pic>
         <p:nvPicPr>
-          <p:cNvPr id="9" name="Picture 8">
-            <a:extLst>
-              <a:ext uri="{FF2B5EF4-FFF2-40B4-BE49-F238E27FC236}">
-                <a16:creationId xmlns:a16="http://schemas.microsoft.com/office/drawing/2014/main" id="{7B8081A8-8949-4284-6C2F-C606AC833895}"/>
+          <p:cNvPr id="7" name="Picture 6">
+            <a:extLst>
+              <a:ext uri="{FF2B5EF4-FFF2-40B4-BE49-F238E27FC236}">
+                <a16:creationId xmlns:a16="http://schemas.microsoft.com/office/drawing/2014/main" id="{E56279B6-690C-62E6-ED47-479224028AEF}"/>
               </a:ext>
             </a:extLst>
           </p:cNvPr>
@@ -5843,8 +6230,8 @@
         </p:blipFill>
         <p:spPr>
           <a:xfrm>
-            <a:off x="838200" y="1690688"/>
-            <a:ext cx="9052082" cy="468081"/>
+            <a:off x="838201" y="1780898"/>
+            <a:ext cx="7247884" cy="478223"/>
           </a:xfrm>
           <a:prstGeom prst="rect">
             <a:avLst/>
@@ -5853,10 +6240,10 @@
       </p:pic>
       <p:pic>
         <p:nvPicPr>
-          <p:cNvPr id="11" name="Picture 10">
-            <a:extLst>
-              <a:ext uri="{FF2B5EF4-FFF2-40B4-BE49-F238E27FC236}">
-                <a16:creationId xmlns:a16="http://schemas.microsoft.com/office/drawing/2014/main" id="{5CF41F01-18A3-4636-EF0E-3F9DF0400796}"/>
+          <p:cNvPr id="15" name="Picture 14">
+            <a:extLst>
+              <a:ext uri="{FF2B5EF4-FFF2-40B4-BE49-F238E27FC236}">
+                <a16:creationId xmlns:a16="http://schemas.microsoft.com/office/drawing/2014/main" id="{63C91669-FDDC-2150-3A4C-DF1FD38F41AB}"/>
               </a:ext>
             </a:extLst>
           </p:cNvPr>
@@ -5873,68 +6260,8 @@
         </p:blipFill>
         <p:spPr>
           <a:xfrm>
-            <a:off x="838200" y="2328863"/>
-            <a:ext cx="3638859" cy="1349240"/>
-          </a:xfrm>
-          <a:prstGeom prst="rect">
-            <a:avLst/>
-          </a:prstGeom>
-        </p:spPr>
-      </p:pic>
-      <p:pic>
-        <p:nvPicPr>
-          <p:cNvPr id="13" name="Picture 12">
-            <a:extLst>
-              <a:ext uri="{FF2B5EF4-FFF2-40B4-BE49-F238E27FC236}">
-                <a16:creationId xmlns:a16="http://schemas.microsoft.com/office/drawing/2014/main" id="{0BDA0407-9374-7632-0078-5E165010206E}"/>
-              </a:ext>
-            </a:extLst>
-          </p:cNvPr>
-          <p:cNvPicPr>
-            <a:picLocks noChangeAspect="1"/>
-          </p:cNvPicPr>
-          <p:nvPr/>
-        </p:nvPicPr>
-        <p:blipFill>
-          <a:blip r:embed="rId5"/>
-          <a:stretch>
-            <a:fillRect/>
-          </a:stretch>
-        </p:blipFill>
-        <p:spPr>
-          <a:xfrm>
-            <a:off x="838200" y="4117777"/>
-            <a:ext cx="9052082" cy="435784"/>
-          </a:xfrm>
-          <a:prstGeom prst="rect">
-            <a:avLst/>
-          </a:prstGeom>
-        </p:spPr>
-      </p:pic>
-      <p:pic>
-        <p:nvPicPr>
-          <p:cNvPr id="15" name="Picture 14">
-            <a:extLst>
-              <a:ext uri="{FF2B5EF4-FFF2-40B4-BE49-F238E27FC236}">
-                <a16:creationId xmlns:a16="http://schemas.microsoft.com/office/drawing/2014/main" id="{9DAE2881-41EF-EB92-27F5-BAADFF3FFC02}"/>
-              </a:ext>
-            </a:extLst>
-          </p:cNvPr>
-          <p:cNvPicPr>
-            <a:picLocks noChangeAspect="1"/>
-          </p:cNvPicPr>
-          <p:nvPr/>
-        </p:nvPicPr>
-        <p:blipFill>
-          <a:blip r:embed="rId6"/>
-          <a:stretch>
-            <a:fillRect/>
-          </a:stretch>
-        </p:blipFill>
-        <p:spPr>
-          <a:xfrm>
-            <a:off x="838200" y="4730808"/>
-            <a:ext cx="3641251" cy="1346055"/>
+            <a:off x="838200" y="2537104"/>
+            <a:ext cx="4307863" cy="4081438"/>
           </a:xfrm>
           <a:prstGeom prst="rect">
             <a:avLst/>
@@ -5944,7 +6271,7 @@
     </p:spTree>
     <p:extLst>
       <p:ext uri="{BB962C8B-B14F-4D97-AF65-F5344CB8AC3E}">
-        <p14:creationId xmlns:p14="http://schemas.microsoft.com/office/powerpoint/2010/main" val="3240347231"/>
+        <p14:creationId xmlns:p14="http://schemas.microsoft.com/office/powerpoint/2010/main" val="650589519"/>
       </p:ext>
     </p:extLst>
   </p:cSld>
@@ -5985,7 +6312,7 @@
                                           </p:stCondLst>
                                         </p:cTn>
                                         <p:tgtEl>
-                                          <p:spTgt spid="9"/>
+                                          <p:spTgt spid="7"/>
                                         </p:tgtEl>
                                         <p:attrNameLst>
                                           <p:attrName>style.visibility</p:attrName>
@@ -5999,7 +6326,7 @@
                                       <p:cBhvr>
                                         <p:cTn id="7" dur="500"/>
                                         <p:tgtEl>
-                                          <p:spTgt spid="9"/>
+                                          <p:spTgt spid="7"/>
                                         </p:tgtEl>
                                       </p:cBhvr>
                                     </p:animEffect>
@@ -6038,7 +6365,7 @@
                                           </p:stCondLst>
                                         </p:cTn>
                                         <p:tgtEl>
-                                          <p:spTgt spid="11"/>
+                                          <p:spTgt spid="15"/>
                                         </p:tgtEl>
                                         <p:attrNameLst>
                                           <p:attrName>style.visibility</p:attrName>
@@ -6051,112 +6378,6 @@
                                     <p:animEffect transition="in" filter="fade">
                                       <p:cBhvr>
                                         <p:cTn id="12" dur="500"/>
-                                        <p:tgtEl>
-                                          <p:spTgt spid="11"/>
-                                        </p:tgtEl>
-                                      </p:cBhvr>
-                                    </p:animEffect>
-                                  </p:childTnLst>
-                                </p:cTn>
-                              </p:par>
-                            </p:childTnLst>
-                          </p:cTn>
-                        </p:par>
-                      </p:childTnLst>
-                    </p:cTn>
-                  </p:par>
-                  <p:par>
-                    <p:cTn id="13" fill="hold">
-                      <p:stCondLst>
-                        <p:cond delay="indefinite"/>
-                      </p:stCondLst>
-                      <p:childTnLst>
-                        <p:par>
-                          <p:cTn id="14" fill="hold">
-                            <p:stCondLst>
-                              <p:cond delay="0"/>
-                            </p:stCondLst>
-                            <p:childTnLst>
-                              <p:par>
-                                <p:cTn id="15" presetID="10" presetClass="entr" presetSubtype="0" fill="hold" nodeType="clickEffect">
-                                  <p:stCondLst>
-                                    <p:cond delay="0"/>
-                                  </p:stCondLst>
-                                  <p:childTnLst>
-                                    <p:set>
-                                      <p:cBhvr>
-                                        <p:cTn id="16" dur="1" fill="hold">
-                                          <p:stCondLst>
-                                            <p:cond delay="0"/>
-                                          </p:stCondLst>
-                                        </p:cTn>
-                                        <p:tgtEl>
-                                          <p:spTgt spid="13"/>
-                                        </p:tgtEl>
-                                        <p:attrNameLst>
-                                          <p:attrName>style.visibility</p:attrName>
-                                        </p:attrNameLst>
-                                      </p:cBhvr>
-                                      <p:to>
-                                        <p:strVal val="visible"/>
-                                      </p:to>
-                                    </p:set>
-                                    <p:animEffect transition="in" filter="fade">
-                                      <p:cBhvr>
-                                        <p:cTn id="17" dur="500"/>
-                                        <p:tgtEl>
-                                          <p:spTgt spid="13"/>
-                                        </p:tgtEl>
-                                      </p:cBhvr>
-                                    </p:animEffect>
-                                  </p:childTnLst>
-                                </p:cTn>
-                              </p:par>
-                            </p:childTnLst>
-                          </p:cTn>
-                        </p:par>
-                      </p:childTnLst>
-                    </p:cTn>
-                  </p:par>
-                  <p:par>
-                    <p:cTn id="18" fill="hold">
-                      <p:stCondLst>
-                        <p:cond delay="indefinite"/>
-                      </p:stCondLst>
-                      <p:childTnLst>
-                        <p:par>
-                          <p:cTn id="19" fill="hold">
-                            <p:stCondLst>
-                              <p:cond delay="0"/>
-                            </p:stCondLst>
-                            <p:childTnLst>
-                              <p:par>
-                                <p:cTn id="20" presetID="10" presetClass="entr" presetSubtype="0" fill="hold" nodeType="clickEffect">
-                                  <p:stCondLst>
-                                    <p:cond delay="0"/>
-                                  </p:stCondLst>
-                                  <p:childTnLst>
-                                    <p:set>
-                                      <p:cBhvr>
-                                        <p:cTn id="21" dur="1" fill="hold">
-                                          <p:stCondLst>
-                                            <p:cond delay="0"/>
-                                          </p:stCondLst>
-                                        </p:cTn>
-                                        <p:tgtEl>
-                                          <p:spTgt spid="15"/>
-                                        </p:tgtEl>
-                                        <p:attrNameLst>
-                                          <p:attrName>style.visibility</p:attrName>
-                                        </p:attrNameLst>
-                                      </p:cBhvr>
-                                      <p:to>
-                                        <p:strVal val="visible"/>
-                                      </p:to>
-                                    </p:set>
-                                    <p:animEffect transition="in" filter="fade">
-                                      <p:cBhvr>
-                                        <p:cTn id="22" dur="500"/>
                                         <p:tgtEl>
                                           <p:spTgt spid="15"/>
                                         </p:tgtEl>
@@ -6229,58 +6450,6 @@
       </p:grpSpPr>
       <p:sp>
         <p:nvSpPr>
-          <p:cNvPr id="10" name="Rectangle 9">
-            <a:extLst>
-              <a:ext uri="{FF2B5EF4-FFF2-40B4-BE49-F238E27FC236}">
-                <a16:creationId xmlns:a16="http://schemas.microsoft.com/office/drawing/2014/main" id="{818DB5F1-8000-60AA-F518-79B7E996D796}"/>
-              </a:ext>
-            </a:extLst>
-          </p:cNvPr>
-          <p:cNvSpPr/>
-          <p:nvPr/>
-        </p:nvSpPr>
-        <p:spPr>
-          <a:xfrm>
-            <a:off x="6588269" y="1825625"/>
-            <a:ext cx="5160397" cy="3486711"/>
-          </a:xfrm>
-          <a:prstGeom prst="rect">
-            <a:avLst/>
-          </a:prstGeom>
-          <a:solidFill>
-            <a:schemeClr val="accent6">
-              <a:lumMod val="20000"/>
-              <a:lumOff val="80000"/>
-            </a:schemeClr>
-          </a:solidFill>
-        </p:spPr>
-        <p:style>
-          <a:lnRef idx="2">
-            <a:schemeClr val="accent3">
-              <a:shade val="50000"/>
-            </a:schemeClr>
-          </a:lnRef>
-          <a:fillRef idx="1">
-            <a:schemeClr val="accent3"/>
-          </a:fillRef>
-          <a:effectRef idx="0">
-            <a:schemeClr val="accent3"/>
-          </a:effectRef>
-          <a:fontRef idx="minor">
-            <a:schemeClr val="lt1"/>
-          </a:fontRef>
-        </p:style>
-        <p:txBody>
-          <a:bodyPr rtlCol="0" anchor="ctr"/>
-          <a:lstStyle/>
-          <a:p>
-            <a:pPr algn="ctr"/>
-            <a:endParaRPr lang="en-US" dirty="0"/>
-          </a:p>
-        </p:txBody>
-      </p:sp>
-      <p:sp>
-        <p:nvSpPr>
           <p:cNvPr id="2" name="Title 1">
             <a:extLst>
               <a:ext uri="{FF2B5EF4-FFF2-40B4-BE49-F238E27FC236}">
@@ -6301,14 +6470,34 @@
           <a:lstStyle/>
           <a:p>
             <a:r>
-              <a:rPr lang="tr-TR" b="1" dirty="0">
+              <a:rPr lang="en-US" b="1" dirty="0" err="1">
                 <a:solidFill>
                   <a:srgbClr val="292D33"/>
                 </a:solidFill>
                 <a:latin typeface="Euclid Circular B" panose="020B0504000000000000" pitchFamily="34" charset="0"/>
                 <a:ea typeface="Euclid Circular B" panose="020B0504000000000000" pitchFamily="34" charset="0"/>
               </a:rPr>
-              <a:t>Inter-Process Locking</a:t>
+              <a:t>ThreadLocal</a:t>
+            </a:r>
+            <a:r>
+              <a:rPr lang="en-US" b="1" dirty="0">
+                <a:solidFill>
+                  <a:srgbClr val="292D33"/>
+                </a:solidFill>
+                <a:latin typeface="Euclid Circular B" panose="020B0504000000000000" pitchFamily="34" charset="0"/>
+                <a:ea typeface="Euclid Circular B" panose="020B0504000000000000" pitchFamily="34" charset="0"/>
+              </a:rPr>
+              <a:t> &amp; </a:t>
+            </a:r>
+            <a:r>
+              <a:rPr lang="en-US" b="1" dirty="0" err="1">
+                <a:solidFill>
+                  <a:srgbClr val="292D33"/>
+                </a:solidFill>
+                <a:latin typeface="Euclid Circular B" panose="020B0504000000000000" pitchFamily="34" charset="0"/>
+                <a:ea typeface="Euclid Circular B" panose="020B0504000000000000" pitchFamily="34" charset="0"/>
+              </a:rPr>
+              <a:t>AsyncLocal</a:t>
             </a:r>
             <a:endParaRPr lang="en-US" b="1" dirty="0">
               <a:solidFill>
@@ -6320,370 +6509,130 @@
           </a:p>
         </p:txBody>
       </p:sp>
-      <p:sp>
-        <p:nvSpPr>
-          <p:cNvPr id="6" name="Rectangle 5">
-            <a:extLst>
-              <a:ext uri="{FF2B5EF4-FFF2-40B4-BE49-F238E27FC236}">
-                <a16:creationId xmlns:a16="http://schemas.microsoft.com/office/drawing/2014/main" id="{2F3D80B0-CA05-05FA-BD98-CF274985C2C5}"/>
-              </a:ext>
-            </a:extLst>
-          </p:cNvPr>
-          <p:cNvSpPr/>
+      <p:pic>
+        <p:nvPicPr>
+          <p:cNvPr id="9" name="Picture 8">
+            <a:extLst>
+              <a:ext uri="{FF2B5EF4-FFF2-40B4-BE49-F238E27FC236}">
+                <a16:creationId xmlns:a16="http://schemas.microsoft.com/office/drawing/2014/main" id="{7B8081A8-8949-4284-6C2F-C606AC833895}"/>
+              </a:ext>
+            </a:extLst>
+          </p:cNvPr>
+          <p:cNvPicPr>
+            <a:picLocks noChangeAspect="1"/>
+          </p:cNvPicPr>
           <p:nvPr/>
-        </p:nvSpPr>
+        </p:nvPicPr>
+        <p:blipFill>
+          <a:blip r:embed="rId3"/>
+          <a:stretch>
+            <a:fillRect/>
+          </a:stretch>
+        </p:blipFill>
         <p:spPr>
           <a:xfrm>
-            <a:off x="6718803" y="2544146"/>
-            <a:ext cx="2186609" cy="890548"/>
+            <a:off x="838200" y="1690688"/>
+            <a:ext cx="9052082" cy="468081"/>
           </a:xfrm>
           <a:prstGeom prst="rect">
             <a:avLst/>
           </a:prstGeom>
         </p:spPr>
-        <p:style>
-          <a:lnRef idx="2">
-            <a:schemeClr val="accent1">
-              <a:shade val="50000"/>
-            </a:schemeClr>
-          </a:lnRef>
-          <a:fillRef idx="1">
-            <a:schemeClr val="accent1"/>
-          </a:fillRef>
-          <a:effectRef idx="0">
-            <a:schemeClr val="accent1"/>
-          </a:effectRef>
-          <a:fontRef idx="minor">
-            <a:schemeClr val="lt1"/>
-          </a:fontRef>
-        </p:style>
-        <p:txBody>
-          <a:bodyPr rtlCol="0" anchor="ctr"/>
-          <a:lstStyle/>
-          <a:p>
-            <a:pPr algn="ctr"/>
-            <a:r>
-              <a:rPr lang="tr-TR" sz="2400" dirty="0"/>
-              <a:t>Application A</a:t>
-            </a:r>
-            <a:br>
-              <a:rPr lang="tr-TR" sz="2400" dirty="0"/>
-            </a:br>
-            <a:r>
-              <a:rPr lang="tr-TR" dirty="0"/>
-              <a:t>(Process A)</a:t>
-            </a:r>
-            <a:endParaRPr lang="en-US" dirty="0"/>
-          </a:p>
-        </p:txBody>
-      </p:sp>
-      <p:sp>
-        <p:nvSpPr>
-          <p:cNvPr id="7" name="Rectangle 6">
-            <a:extLst>
-              <a:ext uri="{FF2B5EF4-FFF2-40B4-BE49-F238E27FC236}">
-                <a16:creationId xmlns:a16="http://schemas.microsoft.com/office/drawing/2014/main" id="{1FB84C89-FB69-2C71-1708-4B567A11E7DF}"/>
-              </a:ext>
-            </a:extLst>
-          </p:cNvPr>
-          <p:cNvSpPr/>
+      </p:pic>
+      <p:pic>
+        <p:nvPicPr>
+          <p:cNvPr id="11" name="Picture 10">
+            <a:extLst>
+              <a:ext uri="{FF2B5EF4-FFF2-40B4-BE49-F238E27FC236}">
+                <a16:creationId xmlns:a16="http://schemas.microsoft.com/office/drawing/2014/main" id="{5CF41F01-18A3-4636-EF0E-3F9DF0400796}"/>
+              </a:ext>
+            </a:extLst>
+          </p:cNvPr>
+          <p:cNvPicPr>
+            <a:picLocks noChangeAspect="1"/>
+          </p:cNvPicPr>
           <p:nvPr/>
-        </p:nvSpPr>
+        </p:nvPicPr>
+        <p:blipFill>
+          <a:blip r:embed="rId4"/>
+          <a:stretch>
+            <a:fillRect/>
+          </a:stretch>
+        </p:blipFill>
         <p:spPr>
           <a:xfrm>
-            <a:off x="9421583" y="2544146"/>
-            <a:ext cx="2186609" cy="890548"/>
+            <a:off x="838200" y="2328863"/>
+            <a:ext cx="3638859" cy="1349240"/>
           </a:xfrm>
           <a:prstGeom prst="rect">
             <a:avLst/>
           </a:prstGeom>
         </p:spPr>
-        <p:style>
-          <a:lnRef idx="2">
-            <a:schemeClr val="accent2">
-              <a:shade val="50000"/>
-            </a:schemeClr>
-          </a:lnRef>
-          <a:fillRef idx="1">
-            <a:schemeClr val="accent2"/>
-          </a:fillRef>
-          <a:effectRef idx="0">
-            <a:schemeClr val="accent2"/>
-          </a:effectRef>
-          <a:fontRef idx="minor">
-            <a:schemeClr val="lt1"/>
-          </a:fontRef>
-        </p:style>
-        <p:txBody>
-          <a:bodyPr rtlCol="0" anchor="ctr"/>
-          <a:lstStyle/>
-          <a:p>
-            <a:pPr algn="ctr"/>
-            <a:r>
-              <a:rPr lang="tr-TR" sz="2400" dirty="0"/>
-              <a:t>Application B </a:t>
-            </a:r>
-            <a:r>
-              <a:rPr lang="tr-TR" dirty="0"/>
-              <a:t>(Process B)</a:t>
-            </a:r>
-            <a:endParaRPr lang="en-US" dirty="0"/>
-          </a:p>
-        </p:txBody>
-      </p:sp>
-      <p:sp>
-        <p:nvSpPr>
-          <p:cNvPr id="9" name="Oval 8">
-            <a:extLst>
-              <a:ext uri="{FF2B5EF4-FFF2-40B4-BE49-F238E27FC236}">
-                <a16:creationId xmlns:a16="http://schemas.microsoft.com/office/drawing/2014/main" id="{9AFF7528-70F3-142E-74D7-BBFD6509C248}"/>
-              </a:ext>
-            </a:extLst>
-          </p:cNvPr>
-          <p:cNvSpPr/>
+      </p:pic>
+      <p:pic>
+        <p:nvPicPr>
+          <p:cNvPr id="13" name="Picture 12">
+            <a:extLst>
+              <a:ext uri="{FF2B5EF4-FFF2-40B4-BE49-F238E27FC236}">
+                <a16:creationId xmlns:a16="http://schemas.microsoft.com/office/drawing/2014/main" id="{0BDA0407-9374-7632-0078-5E165010206E}"/>
+              </a:ext>
+            </a:extLst>
+          </p:cNvPr>
+          <p:cNvPicPr>
+            <a:picLocks noChangeAspect="1"/>
+          </p:cNvPicPr>
           <p:nvPr/>
-        </p:nvSpPr>
+        </p:nvPicPr>
+        <p:blipFill>
+          <a:blip r:embed="rId5"/>
+          <a:stretch>
+            <a:fillRect/>
+          </a:stretch>
+        </p:blipFill>
         <p:spPr>
           <a:xfrm>
-            <a:off x="7678923" y="4123042"/>
-            <a:ext cx="2902226" cy="890548"/>
-          </a:xfrm>
-          <a:prstGeom prst="ellipse">
-            <a:avLst/>
-          </a:prstGeom>
-        </p:spPr>
-        <p:style>
-          <a:lnRef idx="2">
-            <a:schemeClr val="dk1">
-              <a:shade val="50000"/>
-            </a:schemeClr>
-          </a:lnRef>
-          <a:fillRef idx="1">
-            <a:schemeClr val="dk1"/>
-          </a:fillRef>
-          <a:effectRef idx="0">
-            <a:schemeClr val="dk1"/>
-          </a:effectRef>
-          <a:fontRef idx="minor">
-            <a:schemeClr val="lt1"/>
-          </a:fontRef>
-        </p:style>
-        <p:txBody>
-          <a:bodyPr rtlCol="0" anchor="ctr"/>
-          <a:lstStyle/>
-          <a:p>
-            <a:pPr algn="ctr"/>
-            <a:r>
-              <a:rPr lang="tr-TR" dirty="0"/>
-              <a:t>Shared Resource</a:t>
-            </a:r>
-            <a:endParaRPr lang="en-US" dirty="0"/>
-          </a:p>
-        </p:txBody>
-      </p:sp>
-      <p:cxnSp>
-        <p:nvCxnSpPr>
-          <p:cNvPr id="12" name="Straight Arrow Connector 11">
-            <a:extLst>
-              <a:ext uri="{FF2B5EF4-FFF2-40B4-BE49-F238E27FC236}">
-                <a16:creationId xmlns:a16="http://schemas.microsoft.com/office/drawing/2014/main" id="{86BA80F4-08E5-1662-5255-E606B14A567B}"/>
-              </a:ext>
-            </a:extLst>
-          </p:cNvPr>
-          <p:cNvCxnSpPr>
-            <a:stCxn id="6" idx="2"/>
-            <a:endCxn id="9" idx="1"/>
-          </p:cNvCxnSpPr>
-          <p:nvPr/>
-        </p:nvCxnSpPr>
-        <p:spPr>
-          <a:xfrm>
-            <a:off x="7812108" y="3434694"/>
-            <a:ext cx="291836" cy="818766"/>
-          </a:xfrm>
-          <a:prstGeom prst="straightConnector1">
-            <a:avLst/>
-          </a:prstGeom>
-          <a:ln>
-            <a:tailEnd type="triangle"/>
-          </a:ln>
-        </p:spPr>
-        <p:style>
-          <a:lnRef idx="1">
-            <a:schemeClr val="accent1"/>
-          </a:lnRef>
-          <a:fillRef idx="0">
-            <a:schemeClr val="accent1"/>
-          </a:fillRef>
-          <a:effectRef idx="0">
-            <a:schemeClr val="accent1"/>
-          </a:effectRef>
-          <a:fontRef idx="minor">
-            <a:schemeClr val="tx1"/>
-          </a:fontRef>
-        </p:style>
-      </p:cxnSp>
-      <p:cxnSp>
-        <p:nvCxnSpPr>
-          <p:cNvPr id="14" name="Straight Arrow Connector 13">
-            <a:extLst>
-              <a:ext uri="{FF2B5EF4-FFF2-40B4-BE49-F238E27FC236}">
-                <a16:creationId xmlns:a16="http://schemas.microsoft.com/office/drawing/2014/main" id="{A77A6AEC-20C4-81CA-77B5-084047F1ACA5}"/>
-              </a:ext>
-            </a:extLst>
-          </p:cNvPr>
-          <p:cNvCxnSpPr>
-            <a:stCxn id="7" idx="2"/>
-            <a:endCxn id="9" idx="7"/>
-          </p:cNvCxnSpPr>
-          <p:nvPr/>
-        </p:nvCxnSpPr>
-        <p:spPr>
-          <a:xfrm flipH="1">
-            <a:off x="10156128" y="3434694"/>
-            <a:ext cx="358760" cy="818766"/>
-          </a:xfrm>
-          <a:prstGeom prst="straightConnector1">
-            <a:avLst/>
-          </a:prstGeom>
-          <a:ln>
-            <a:tailEnd type="triangle"/>
-          </a:ln>
-        </p:spPr>
-        <p:style>
-          <a:lnRef idx="1">
-            <a:schemeClr val="accent1"/>
-          </a:lnRef>
-          <a:fillRef idx="0">
-            <a:schemeClr val="accent1"/>
-          </a:fillRef>
-          <a:effectRef idx="0">
-            <a:schemeClr val="accent1"/>
-          </a:effectRef>
-          <a:fontRef idx="minor">
-            <a:schemeClr val="tx1"/>
-          </a:fontRef>
-        </p:style>
-      </p:cxnSp>
-      <p:sp>
-        <p:nvSpPr>
-          <p:cNvPr id="17" name="Content Placeholder 2">
-            <a:extLst>
-              <a:ext uri="{FF2B5EF4-FFF2-40B4-BE49-F238E27FC236}">
-                <a16:creationId xmlns:a16="http://schemas.microsoft.com/office/drawing/2014/main" id="{61DDBAA4-3850-8C0E-DE5B-7E0AF4985A2F}"/>
-              </a:ext>
-            </a:extLst>
-          </p:cNvPr>
-          <p:cNvSpPr>
-            <a:spLocks noGrp="1"/>
-          </p:cNvSpPr>
-          <p:nvPr>
-            <p:ph idx="1"/>
-          </p:nvPr>
-        </p:nvSpPr>
-        <p:spPr>
-          <a:xfrm>
-            <a:off x="838200" y="1825625"/>
-            <a:ext cx="5750069" cy="4351338"/>
-          </a:xfrm>
-        </p:spPr>
-        <p:txBody>
-          <a:bodyPr/>
-          <a:lstStyle/>
-          <a:p>
-            <a:r>
-              <a:rPr lang="tr-TR" dirty="0">
-                <a:latin typeface="Euclid Circular B" panose="020B0504000000000000" pitchFamily="34" charset="0"/>
-                <a:ea typeface="Euclid Circular B" panose="020B0504000000000000" pitchFamily="34" charset="0"/>
-              </a:rPr>
-              <a:t>Synchronize access to resources in the </a:t>
-            </a:r>
-            <a:r>
-              <a:rPr lang="tr-TR" b="1" dirty="0">
-                <a:latin typeface="Euclid Circular B" panose="020B0504000000000000" pitchFamily="34" charset="0"/>
-                <a:ea typeface="Euclid Circular B" panose="020B0504000000000000" pitchFamily="34" charset="0"/>
-              </a:rPr>
-              <a:t>same computer</a:t>
-            </a:r>
-            <a:r>
-              <a:rPr lang="tr-TR" dirty="0">
-                <a:latin typeface="Euclid Circular B" panose="020B0504000000000000" pitchFamily="34" charset="0"/>
-                <a:ea typeface="Euclid Circular B" panose="020B0504000000000000" pitchFamily="34" charset="0"/>
-              </a:rPr>
-              <a:t>.</a:t>
-            </a:r>
-          </a:p>
-          <a:p>
-            <a:r>
-              <a:rPr lang="tr-TR" b="1" dirty="0">
-                <a:latin typeface="Euclid Circular B" panose="020B0504000000000000" pitchFamily="34" charset="0"/>
-                <a:ea typeface="Euclid Circular B" panose="020B0504000000000000" pitchFamily="34" charset="0"/>
-              </a:rPr>
-              <a:t>Resource:</a:t>
-            </a:r>
-            <a:r>
-              <a:rPr lang="tr-TR" dirty="0">
-                <a:latin typeface="Euclid Circular B" panose="020B0504000000000000" pitchFamily="34" charset="0"/>
-                <a:ea typeface="Euclid Circular B" panose="020B0504000000000000" pitchFamily="34" charset="0"/>
-              </a:rPr>
-              <a:t> Shared files, databases, sockets, and other processes.</a:t>
-            </a:r>
-            <a:endParaRPr lang="en-US" dirty="0">
-              <a:latin typeface="Euclid Circular B" panose="020B0504000000000000" pitchFamily="34" charset="0"/>
-              <a:ea typeface="Euclid Circular B" panose="020B0504000000000000" pitchFamily="34" charset="0"/>
-            </a:endParaRPr>
-          </a:p>
-        </p:txBody>
-      </p:sp>
-      <p:sp>
-        <p:nvSpPr>
-          <p:cNvPr id="18" name="TextBox 17">
-            <a:extLst>
-              <a:ext uri="{FF2B5EF4-FFF2-40B4-BE49-F238E27FC236}">
-                <a16:creationId xmlns:a16="http://schemas.microsoft.com/office/drawing/2014/main" id="{CD04B120-373E-942A-46EB-5961FEDE0030}"/>
-              </a:ext>
-            </a:extLst>
-          </p:cNvPr>
-          <p:cNvSpPr txBox="1"/>
-          <p:nvPr/>
-        </p:nvSpPr>
-        <p:spPr>
-          <a:xfrm>
-            <a:off x="6718803" y="1830640"/>
-            <a:ext cx="4889389" cy="369332"/>
+            <a:off x="838200" y="4117777"/>
+            <a:ext cx="9052082" cy="435784"/>
           </a:xfrm>
           <a:prstGeom prst="rect">
             <a:avLst/>
           </a:prstGeom>
-          <a:noFill/>
         </p:spPr>
-        <p:txBody>
-          <a:bodyPr wrap="square" rtlCol="0">
-            <a:spAutoFit/>
-          </a:bodyPr>
-          <a:lstStyle/>
-          <a:p>
-            <a:pPr algn="ctr"/>
-            <a:r>
-              <a:rPr lang="tr-TR" dirty="0"/>
-              <a:t>Same Server (and same </a:t>
-            </a:r>
-            <a:r>
-              <a:rPr lang="tr-TR" i="1" dirty="0"/>
-              <a:t>Operating System</a:t>
-            </a:r>
-            <a:r>
-              <a:rPr lang="tr-TR" dirty="0"/>
-              <a:t>)</a:t>
-            </a:r>
-            <a:endParaRPr lang="en-US" dirty="0"/>
-          </a:p>
-        </p:txBody>
-      </p:sp>
+      </p:pic>
+      <p:pic>
+        <p:nvPicPr>
+          <p:cNvPr id="15" name="Picture 14">
+            <a:extLst>
+              <a:ext uri="{FF2B5EF4-FFF2-40B4-BE49-F238E27FC236}">
+                <a16:creationId xmlns:a16="http://schemas.microsoft.com/office/drawing/2014/main" id="{9DAE2881-41EF-EB92-27F5-BAADFF3FFC02}"/>
+              </a:ext>
+            </a:extLst>
+          </p:cNvPr>
+          <p:cNvPicPr>
+            <a:picLocks noChangeAspect="1"/>
+          </p:cNvPicPr>
+          <p:nvPr/>
+        </p:nvPicPr>
+        <p:blipFill>
+          <a:blip r:embed="rId6"/>
+          <a:stretch>
+            <a:fillRect/>
+          </a:stretch>
+        </p:blipFill>
+        <p:spPr>
+          <a:xfrm>
+            <a:off x="838200" y="4730808"/>
+            <a:ext cx="3641251" cy="1346055"/>
+          </a:xfrm>
+          <a:prstGeom prst="rect">
+            <a:avLst/>
+          </a:prstGeom>
+        </p:spPr>
+      </p:pic>
     </p:spTree>
     <p:extLst>
       <p:ext uri="{BB962C8B-B14F-4D97-AF65-F5344CB8AC3E}">
-        <p14:creationId xmlns:p14="http://schemas.microsoft.com/office/powerpoint/2010/main" val="2007334137"/>
+        <p14:creationId xmlns:p14="http://schemas.microsoft.com/office/powerpoint/2010/main" val="3240347231"/>
       </p:ext>
     </p:extLst>
   </p:cSld>
@@ -6724,11 +6673,7 @@
                                           </p:stCondLst>
                                         </p:cTn>
                                         <p:tgtEl>
-                                          <p:spTgt spid="17">
-                                            <p:txEl>
-                                              <p:pRg st="0" end="0"/>
-                                            </p:txEl>
-                                          </p:spTgt>
+                                          <p:spTgt spid="9"/>
                                         </p:tgtEl>
                                         <p:attrNameLst>
                                           <p:attrName>style.visibility</p:attrName>
@@ -6742,11 +6687,7 @@
                                       <p:cBhvr>
                                         <p:cTn id="7" dur="500"/>
                                         <p:tgtEl>
-                                          <p:spTgt spid="17">
-                                            <p:txEl>
-                                              <p:pRg st="0" end="0"/>
-                                            </p:txEl>
-                                          </p:spTgt>
+                                          <p:spTgt spid="9"/>
                                         </p:tgtEl>
                                       </p:cBhvr>
                                     </p:animEffect>
@@ -6785,11 +6726,7 @@
                                           </p:stCondLst>
                                         </p:cTn>
                                         <p:tgtEl>
-                                          <p:spTgt spid="17">
-                                            <p:txEl>
-                                              <p:pRg st="1" end="1"/>
-                                            </p:txEl>
-                                          </p:spTgt>
+                                          <p:spTgt spid="11"/>
                                         </p:tgtEl>
                                         <p:attrNameLst>
                                           <p:attrName>style.visibility</p:attrName>
@@ -6803,11 +6740,113 @@
                                       <p:cBhvr>
                                         <p:cTn id="12" dur="500"/>
                                         <p:tgtEl>
-                                          <p:spTgt spid="17">
-                                            <p:txEl>
-                                              <p:pRg st="1" end="1"/>
-                                            </p:txEl>
-                                          </p:spTgt>
+                                          <p:spTgt spid="11"/>
+                                        </p:tgtEl>
+                                      </p:cBhvr>
+                                    </p:animEffect>
+                                  </p:childTnLst>
+                                </p:cTn>
+                              </p:par>
+                            </p:childTnLst>
+                          </p:cTn>
+                        </p:par>
+                      </p:childTnLst>
+                    </p:cTn>
+                  </p:par>
+                  <p:par>
+                    <p:cTn id="13" fill="hold">
+                      <p:stCondLst>
+                        <p:cond delay="indefinite"/>
+                      </p:stCondLst>
+                      <p:childTnLst>
+                        <p:par>
+                          <p:cTn id="14" fill="hold">
+                            <p:stCondLst>
+                              <p:cond delay="0"/>
+                            </p:stCondLst>
+                            <p:childTnLst>
+                              <p:par>
+                                <p:cTn id="15" presetID="10" presetClass="entr" presetSubtype="0" fill="hold" nodeType="clickEffect">
+                                  <p:stCondLst>
+                                    <p:cond delay="0"/>
+                                  </p:stCondLst>
+                                  <p:childTnLst>
+                                    <p:set>
+                                      <p:cBhvr>
+                                        <p:cTn id="16" dur="1" fill="hold">
+                                          <p:stCondLst>
+                                            <p:cond delay="0"/>
+                                          </p:stCondLst>
+                                        </p:cTn>
+                                        <p:tgtEl>
+                                          <p:spTgt spid="13"/>
+                                        </p:tgtEl>
+                                        <p:attrNameLst>
+                                          <p:attrName>style.visibility</p:attrName>
+                                        </p:attrNameLst>
+                                      </p:cBhvr>
+                                      <p:to>
+                                        <p:strVal val="visible"/>
+                                      </p:to>
+                                    </p:set>
+                                    <p:animEffect transition="in" filter="fade">
+                                      <p:cBhvr>
+                                        <p:cTn id="17" dur="500"/>
+                                        <p:tgtEl>
+                                          <p:spTgt spid="13"/>
+                                        </p:tgtEl>
+                                      </p:cBhvr>
+                                    </p:animEffect>
+                                  </p:childTnLst>
+                                </p:cTn>
+                              </p:par>
+                            </p:childTnLst>
+                          </p:cTn>
+                        </p:par>
+                      </p:childTnLst>
+                    </p:cTn>
+                  </p:par>
+                  <p:par>
+                    <p:cTn id="18" fill="hold">
+                      <p:stCondLst>
+                        <p:cond delay="indefinite"/>
+                      </p:stCondLst>
+                      <p:childTnLst>
+                        <p:par>
+                          <p:cTn id="19" fill="hold">
+                            <p:stCondLst>
+                              <p:cond delay="0"/>
+                            </p:stCondLst>
+                            <p:childTnLst>
+                              <p:par>
+                                <p:cTn id="20" presetID="10" presetClass="entr" presetSubtype="0" fill="hold" nodeType="clickEffect">
+                                  <p:stCondLst>
+                                    <p:cond delay="0"/>
+                                  </p:stCondLst>
+                                  <p:childTnLst>
+                                    <p:set>
+                                      <p:cBhvr>
+                                        <p:cTn id="21" dur="1" fill="hold">
+                                          <p:stCondLst>
+                                            <p:cond delay="0"/>
+                                          </p:stCondLst>
+                                        </p:cTn>
+                                        <p:tgtEl>
+                                          <p:spTgt spid="15"/>
+                                        </p:tgtEl>
+                                        <p:attrNameLst>
+                                          <p:attrName>style.visibility</p:attrName>
+                                        </p:attrNameLst>
+                                      </p:cBhvr>
+                                      <p:to>
+                                        <p:strVal val="visible"/>
+                                      </p:to>
+                                    </p:set>
+                                    <p:animEffect transition="in" filter="fade">
+                                      <p:cBhvr>
+                                        <p:cTn id="22" dur="500"/>
+                                        <p:tgtEl>
+                                          <p:spTgt spid="15"/>
                                         </p:tgtEl>
                                       </p:cBhvr>
                                     </p:animEffect>
@@ -6878,6 +6917,58 @@
       </p:grpSpPr>
       <p:sp>
         <p:nvSpPr>
+          <p:cNvPr id="10" name="Rectangle 9">
+            <a:extLst>
+              <a:ext uri="{FF2B5EF4-FFF2-40B4-BE49-F238E27FC236}">
+                <a16:creationId xmlns:a16="http://schemas.microsoft.com/office/drawing/2014/main" id="{818DB5F1-8000-60AA-F518-79B7E996D796}"/>
+              </a:ext>
+            </a:extLst>
+          </p:cNvPr>
+          <p:cNvSpPr/>
+          <p:nvPr/>
+        </p:nvSpPr>
+        <p:spPr>
+          <a:xfrm>
+            <a:off x="6588269" y="1825625"/>
+            <a:ext cx="5160397" cy="3486711"/>
+          </a:xfrm>
+          <a:prstGeom prst="rect">
+            <a:avLst/>
+          </a:prstGeom>
+          <a:solidFill>
+            <a:schemeClr val="accent6">
+              <a:lumMod val="20000"/>
+              <a:lumOff val="80000"/>
+            </a:schemeClr>
+          </a:solidFill>
+        </p:spPr>
+        <p:style>
+          <a:lnRef idx="2">
+            <a:schemeClr val="accent3">
+              <a:shade val="50000"/>
+            </a:schemeClr>
+          </a:lnRef>
+          <a:fillRef idx="1">
+            <a:schemeClr val="accent3"/>
+          </a:fillRef>
+          <a:effectRef idx="0">
+            <a:schemeClr val="accent3"/>
+          </a:effectRef>
+          <a:fontRef idx="minor">
+            <a:schemeClr val="lt1"/>
+          </a:fontRef>
+        </p:style>
+        <p:txBody>
+          <a:bodyPr rtlCol="0" anchor="ctr"/>
+          <a:lstStyle/>
+          <a:p>
+            <a:pPr algn="ctr"/>
+            <a:endParaRPr lang="en-US" dirty="0"/>
+          </a:p>
+        </p:txBody>
+      </p:sp>
+      <p:sp>
+        <p:nvSpPr>
           <p:cNvPr id="2" name="Title 1">
             <a:extLst>
               <a:ext uri="{FF2B5EF4-FFF2-40B4-BE49-F238E27FC236}">
@@ -6905,7 +6996,7 @@
                 <a:latin typeface="Euclid Circular B" panose="020B0504000000000000" pitchFamily="34" charset="0"/>
                 <a:ea typeface="Euclid Circular B" panose="020B0504000000000000" pitchFamily="34" charset="0"/>
               </a:rPr>
-              <a:t>Mutex (mutual exclusion)</a:t>
+              <a:t>Inter-Process Locking</a:t>
             </a:r>
             <a:endParaRPr lang="en-US" b="1" dirty="0">
               <a:solidFill>
@@ -6919,10 +7010,255 @@
       </p:sp>
       <p:sp>
         <p:nvSpPr>
-          <p:cNvPr id="3" name="Content Placeholder 2">
-            <a:extLst>
-              <a:ext uri="{FF2B5EF4-FFF2-40B4-BE49-F238E27FC236}">
-                <a16:creationId xmlns:a16="http://schemas.microsoft.com/office/drawing/2014/main" id="{891C7693-D3DF-4635-96F4-97F3B4136FDF}"/>
+          <p:cNvPr id="6" name="Rectangle 5">
+            <a:extLst>
+              <a:ext uri="{FF2B5EF4-FFF2-40B4-BE49-F238E27FC236}">
+                <a16:creationId xmlns:a16="http://schemas.microsoft.com/office/drawing/2014/main" id="{2F3D80B0-CA05-05FA-BD98-CF274985C2C5}"/>
+              </a:ext>
+            </a:extLst>
+          </p:cNvPr>
+          <p:cNvSpPr/>
+          <p:nvPr/>
+        </p:nvSpPr>
+        <p:spPr>
+          <a:xfrm>
+            <a:off x="6718803" y="2544146"/>
+            <a:ext cx="2186609" cy="890548"/>
+          </a:xfrm>
+          <a:prstGeom prst="rect">
+            <a:avLst/>
+          </a:prstGeom>
+        </p:spPr>
+        <p:style>
+          <a:lnRef idx="2">
+            <a:schemeClr val="accent1">
+              <a:shade val="50000"/>
+            </a:schemeClr>
+          </a:lnRef>
+          <a:fillRef idx="1">
+            <a:schemeClr val="accent1"/>
+          </a:fillRef>
+          <a:effectRef idx="0">
+            <a:schemeClr val="accent1"/>
+          </a:effectRef>
+          <a:fontRef idx="minor">
+            <a:schemeClr val="lt1"/>
+          </a:fontRef>
+        </p:style>
+        <p:txBody>
+          <a:bodyPr rtlCol="0" anchor="ctr"/>
+          <a:lstStyle/>
+          <a:p>
+            <a:pPr algn="ctr"/>
+            <a:r>
+              <a:rPr lang="tr-TR" sz="2400" dirty="0"/>
+              <a:t>Application A</a:t>
+            </a:r>
+            <a:br>
+              <a:rPr lang="tr-TR" sz="2400" dirty="0"/>
+            </a:br>
+            <a:r>
+              <a:rPr lang="tr-TR" dirty="0"/>
+              <a:t>(Process A)</a:t>
+            </a:r>
+            <a:endParaRPr lang="en-US" dirty="0"/>
+          </a:p>
+        </p:txBody>
+      </p:sp>
+      <p:sp>
+        <p:nvSpPr>
+          <p:cNvPr id="7" name="Rectangle 6">
+            <a:extLst>
+              <a:ext uri="{FF2B5EF4-FFF2-40B4-BE49-F238E27FC236}">
+                <a16:creationId xmlns:a16="http://schemas.microsoft.com/office/drawing/2014/main" id="{1FB84C89-FB69-2C71-1708-4B567A11E7DF}"/>
+              </a:ext>
+            </a:extLst>
+          </p:cNvPr>
+          <p:cNvSpPr/>
+          <p:nvPr/>
+        </p:nvSpPr>
+        <p:spPr>
+          <a:xfrm>
+            <a:off x="9421583" y="2544146"/>
+            <a:ext cx="2186609" cy="890548"/>
+          </a:xfrm>
+          <a:prstGeom prst="rect">
+            <a:avLst/>
+          </a:prstGeom>
+        </p:spPr>
+        <p:style>
+          <a:lnRef idx="2">
+            <a:schemeClr val="accent2">
+              <a:shade val="50000"/>
+            </a:schemeClr>
+          </a:lnRef>
+          <a:fillRef idx="1">
+            <a:schemeClr val="accent2"/>
+          </a:fillRef>
+          <a:effectRef idx="0">
+            <a:schemeClr val="accent2"/>
+          </a:effectRef>
+          <a:fontRef idx="minor">
+            <a:schemeClr val="lt1"/>
+          </a:fontRef>
+        </p:style>
+        <p:txBody>
+          <a:bodyPr rtlCol="0" anchor="ctr"/>
+          <a:lstStyle/>
+          <a:p>
+            <a:pPr algn="ctr"/>
+            <a:r>
+              <a:rPr lang="tr-TR" sz="2400" dirty="0"/>
+              <a:t>Application B </a:t>
+            </a:r>
+            <a:r>
+              <a:rPr lang="tr-TR" dirty="0"/>
+              <a:t>(Process B)</a:t>
+            </a:r>
+            <a:endParaRPr lang="en-US" dirty="0"/>
+          </a:p>
+        </p:txBody>
+      </p:sp>
+      <p:sp>
+        <p:nvSpPr>
+          <p:cNvPr id="9" name="Oval 8">
+            <a:extLst>
+              <a:ext uri="{FF2B5EF4-FFF2-40B4-BE49-F238E27FC236}">
+                <a16:creationId xmlns:a16="http://schemas.microsoft.com/office/drawing/2014/main" id="{9AFF7528-70F3-142E-74D7-BBFD6509C248}"/>
+              </a:ext>
+            </a:extLst>
+          </p:cNvPr>
+          <p:cNvSpPr/>
+          <p:nvPr/>
+        </p:nvSpPr>
+        <p:spPr>
+          <a:xfrm>
+            <a:off x="7678923" y="4123042"/>
+            <a:ext cx="2902226" cy="890548"/>
+          </a:xfrm>
+          <a:prstGeom prst="ellipse">
+            <a:avLst/>
+          </a:prstGeom>
+        </p:spPr>
+        <p:style>
+          <a:lnRef idx="2">
+            <a:schemeClr val="dk1">
+              <a:shade val="50000"/>
+            </a:schemeClr>
+          </a:lnRef>
+          <a:fillRef idx="1">
+            <a:schemeClr val="dk1"/>
+          </a:fillRef>
+          <a:effectRef idx="0">
+            <a:schemeClr val="dk1"/>
+          </a:effectRef>
+          <a:fontRef idx="minor">
+            <a:schemeClr val="lt1"/>
+          </a:fontRef>
+        </p:style>
+        <p:txBody>
+          <a:bodyPr rtlCol="0" anchor="ctr"/>
+          <a:lstStyle/>
+          <a:p>
+            <a:pPr algn="ctr"/>
+            <a:r>
+              <a:rPr lang="tr-TR" dirty="0"/>
+              <a:t>Shared Resource</a:t>
+            </a:r>
+            <a:endParaRPr lang="en-US" dirty="0"/>
+          </a:p>
+        </p:txBody>
+      </p:sp>
+      <p:cxnSp>
+        <p:nvCxnSpPr>
+          <p:cNvPr id="12" name="Straight Arrow Connector 11">
+            <a:extLst>
+              <a:ext uri="{FF2B5EF4-FFF2-40B4-BE49-F238E27FC236}">
+                <a16:creationId xmlns:a16="http://schemas.microsoft.com/office/drawing/2014/main" id="{86BA80F4-08E5-1662-5255-E606B14A567B}"/>
+              </a:ext>
+            </a:extLst>
+          </p:cNvPr>
+          <p:cNvCxnSpPr>
+            <a:stCxn id="6" idx="2"/>
+            <a:endCxn id="9" idx="1"/>
+          </p:cNvCxnSpPr>
+          <p:nvPr/>
+        </p:nvCxnSpPr>
+        <p:spPr>
+          <a:xfrm>
+            <a:off x="7812108" y="3434694"/>
+            <a:ext cx="291836" cy="818766"/>
+          </a:xfrm>
+          <a:prstGeom prst="straightConnector1">
+            <a:avLst/>
+          </a:prstGeom>
+          <a:ln>
+            <a:tailEnd type="triangle"/>
+          </a:ln>
+        </p:spPr>
+        <p:style>
+          <a:lnRef idx="1">
+            <a:schemeClr val="accent1"/>
+          </a:lnRef>
+          <a:fillRef idx="0">
+            <a:schemeClr val="accent1"/>
+          </a:fillRef>
+          <a:effectRef idx="0">
+            <a:schemeClr val="accent1"/>
+          </a:effectRef>
+          <a:fontRef idx="minor">
+            <a:schemeClr val="tx1"/>
+          </a:fontRef>
+        </p:style>
+      </p:cxnSp>
+      <p:cxnSp>
+        <p:nvCxnSpPr>
+          <p:cNvPr id="14" name="Straight Arrow Connector 13">
+            <a:extLst>
+              <a:ext uri="{FF2B5EF4-FFF2-40B4-BE49-F238E27FC236}">
+                <a16:creationId xmlns:a16="http://schemas.microsoft.com/office/drawing/2014/main" id="{A77A6AEC-20C4-81CA-77B5-084047F1ACA5}"/>
+              </a:ext>
+            </a:extLst>
+          </p:cNvPr>
+          <p:cNvCxnSpPr>
+            <a:stCxn id="7" idx="2"/>
+            <a:endCxn id="9" idx="7"/>
+          </p:cNvCxnSpPr>
+          <p:nvPr/>
+        </p:nvCxnSpPr>
+        <p:spPr>
+          <a:xfrm flipH="1">
+            <a:off x="10156128" y="3434694"/>
+            <a:ext cx="358760" cy="818766"/>
+          </a:xfrm>
+          <a:prstGeom prst="straightConnector1">
+            <a:avLst/>
+          </a:prstGeom>
+          <a:ln>
+            <a:tailEnd type="triangle"/>
+          </a:ln>
+        </p:spPr>
+        <p:style>
+          <a:lnRef idx="1">
+            <a:schemeClr val="accent1"/>
+          </a:lnRef>
+          <a:fillRef idx="0">
+            <a:schemeClr val="accent1"/>
+          </a:fillRef>
+          <a:effectRef idx="0">
+            <a:schemeClr val="accent1"/>
+          </a:effectRef>
+          <a:fontRef idx="minor">
+            <a:schemeClr val="tx1"/>
+          </a:fontRef>
+        </p:style>
+      </p:cxnSp>
+      <p:sp>
+        <p:nvSpPr>
+          <p:cNvPr id="17" name="Content Placeholder 2">
+            <a:extLst>
+              <a:ext uri="{FF2B5EF4-FFF2-40B4-BE49-F238E27FC236}">
+                <a16:creationId xmlns:a16="http://schemas.microsoft.com/office/drawing/2014/main" id="{61DDBAA4-3850-8C0E-DE5B-7E0AF4985A2F}"/>
               </a:ext>
             </a:extLst>
           </p:cNvPr>
@@ -6933,7 +7269,12 @@
             <p:ph idx="1"/>
           </p:nvPr>
         </p:nvSpPr>
-        <p:spPr/>
+        <p:spPr>
+          <a:xfrm>
+            <a:off x="838200" y="1825625"/>
+            <a:ext cx="5750069" cy="4351338"/>
+          </a:xfrm>
+        </p:spPr>
         <p:txBody>
           <a:bodyPr/>
           <a:lstStyle/>
@@ -6943,31 +7284,37 @@
                 <a:latin typeface="Euclid Circular B" panose="020B0504000000000000" pitchFamily="34" charset="0"/>
                 <a:ea typeface="Euclid Circular B" panose="020B0504000000000000" pitchFamily="34" charset="0"/>
               </a:rPr>
-              <a:t>Local (unnamed) mutexes: Thread synchronization</a:t>
-            </a:r>
-          </a:p>
-          <a:p>
-            <a:pPr marL="0" indent="0">
-              <a:buNone/>
-            </a:pPr>
-            <a:br>
+              <a:t>Synchronize access to resources in the </a:t>
+            </a:r>
+            <a:r>
+              <a:rPr lang="tr-TR" b="1" dirty="0">
+                <a:latin typeface="Euclid Circular B" panose="020B0504000000000000" pitchFamily="34" charset="0"/>
+                <a:ea typeface="Euclid Circular B" panose="020B0504000000000000" pitchFamily="34" charset="0"/>
+              </a:rPr>
+              <a:t>same computer</a:t>
+            </a:r>
+            <a:r>
               <a:rPr lang="tr-TR" dirty="0">
                 <a:latin typeface="Euclid Circular B" panose="020B0504000000000000" pitchFamily="34" charset="0"/>
                 <a:ea typeface="Euclid Circular B" panose="020B0504000000000000" pitchFamily="34" charset="0"/>
               </a:rPr>
-            </a:br>
-            <a:endParaRPr lang="tr-TR" dirty="0">
-              <a:latin typeface="Euclid Circular B" panose="020B0504000000000000" pitchFamily="34" charset="0"/>
-              <a:ea typeface="Euclid Circular B" panose="020B0504000000000000" pitchFamily="34" charset="0"/>
-            </a:endParaRPr>
-          </a:p>
-          <a:p>
+              <a:t>.</a:t>
+            </a:r>
+          </a:p>
+          <a:p>
+            <a:r>
+              <a:rPr lang="tr-TR" b="1" dirty="0">
+                <a:latin typeface="Euclid Circular B" panose="020B0504000000000000" pitchFamily="34" charset="0"/>
+                <a:ea typeface="Euclid Circular B" panose="020B0504000000000000" pitchFamily="34" charset="0"/>
+              </a:rPr>
+              <a:t>Resource:</a:t>
+            </a:r>
             <a:r>
               <a:rPr lang="tr-TR" dirty="0">
                 <a:latin typeface="Euclid Circular B" panose="020B0504000000000000" pitchFamily="34" charset="0"/>
                 <a:ea typeface="Euclid Circular B" panose="020B0504000000000000" pitchFamily="34" charset="0"/>
               </a:rPr>
-              <a:t>Named system mutexes: Process synchronization</a:t>
+              <a:t> Shared files, databases, sockets, and other processes.</a:t>
             </a:r>
             <a:endParaRPr lang="en-US" dirty="0">
               <a:latin typeface="Euclid Circular B" panose="020B0504000000000000" pitchFamily="34" charset="0"/>
@@ -6976,70 +7323,55 @@
           </a:p>
         </p:txBody>
       </p:sp>
-      <p:pic>
-        <p:nvPicPr>
-          <p:cNvPr id="5" name="Picture 4">
-            <a:extLst>
-              <a:ext uri="{FF2B5EF4-FFF2-40B4-BE49-F238E27FC236}">
-                <a16:creationId xmlns:a16="http://schemas.microsoft.com/office/drawing/2014/main" id="{BC02ECA3-77CB-4921-8C01-D217B068AB81}"/>
-              </a:ext>
-            </a:extLst>
-          </p:cNvPr>
-          <p:cNvPicPr>
-            <a:picLocks noChangeAspect="1"/>
-          </p:cNvPicPr>
+      <p:sp>
+        <p:nvSpPr>
+          <p:cNvPr id="18" name="TextBox 17">
+            <a:extLst>
+              <a:ext uri="{FF2B5EF4-FFF2-40B4-BE49-F238E27FC236}">
+                <a16:creationId xmlns:a16="http://schemas.microsoft.com/office/drawing/2014/main" id="{CD04B120-373E-942A-46EB-5961FEDE0030}"/>
+              </a:ext>
+            </a:extLst>
+          </p:cNvPr>
+          <p:cNvSpPr txBox="1"/>
           <p:nvPr/>
-        </p:nvPicPr>
-        <p:blipFill>
-          <a:blip r:embed="rId3"/>
-          <a:stretch>
-            <a:fillRect/>
-          </a:stretch>
-        </p:blipFill>
+        </p:nvSpPr>
         <p:spPr>
           <a:xfrm>
-            <a:off x="1163496" y="2452297"/>
-            <a:ext cx="4545000" cy="561247"/>
+            <a:off x="6718803" y="1830640"/>
+            <a:ext cx="4889389" cy="369332"/>
           </a:xfrm>
           <a:prstGeom prst="rect">
             <a:avLst/>
           </a:prstGeom>
+          <a:noFill/>
         </p:spPr>
-      </p:pic>
-      <p:pic>
-        <p:nvPicPr>
-          <p:cNvPr id="7" name="Picture 6">
-            <a:extLst>
-              <a:ext uri="{FF2B5EF4-FFF2-40B4-BE49-F238E27FC236}">
-                <a16:creationId xmlns:a16="http://schemas.microsoft.com/office/drawing/2014/main" id="{174D2937-6B5D-1105-7775-194779219942}"/>
-              </a:ext>
-            </a:extLst>
-          </p:cNvPr>
-          <p:cNvPicPr>
-            <a:picLocks noChangeAspect="1"/>
-          </p:cNvPicPr>
-          <p:nvPr/>
-        </p:nvPicPr>
-        <p:blipFill>
-          <a:blip r:embed="rId4"/>
-          <a:stretch>
-            <a:fillRect/>
-          </a:stretch>
-        </p:blipFill>
-        <p:spPr>
-          <a:xfrm>
-            <a:off x="1163496" y="3844457"/>
-            <a:ext cx="5667375" cy="571500"/>
-          </a:xfrm>
-          <a:prstGeom prst="rect">
-            <a:avLst/>
-          </a:prstGeom>
-        </p:spPr>
-      </p:pic>
+        <p:txBody>
+          <a:bodyPr wrap="square" rtlCol="0">
+            <a:spAutoFit/>
+          </a:bodyPr>
+          <a:lstStyle/>
+          <a:p>
+            <a:pPr algn="ctr"/>
+            <a:r>
+              <a:rPr lang="tr-TR" dirty="0"/>
+              <a:t>Same Server (and same </a:t>
+            </a:r>
+            <a:r>
+              <a:rPr lang="tr-TR" i="1" dirty="0"/>
+              <a:t>Operating System</a:t>
+            </a:r>
+            <a:r>
+              <a:rPr lang="tr-TR" dirty="0"/>
+              <a:t>)</a:t>
+            </a:r>
+            <a:endParaRPr lang="en-US" dirty="0"/>
+          </a:p>
+        </p:txBody>
+      </p:sp>
     </p:spTree>
     <p:extLst>
       <p:ext uri="{BB962C8B-B14F-4D97-AF65-F5344CB8AC3E}">
-        <p14:creationId xmlns:p14="http://schemas.microsoft.com/office/powerpoint/2010/main" val="1760477952"/>
+        <p14:creationId xmlns:p14="http://schemas.microsoft.com/office/powerpoint/2010/main" val="2007334137"/>
       </p:ext>
     </p:extLst>
   </p:cSld>
@@ -7080,7 +7412,7 @@
                                           </p:stCondLst>
                                         </p:cTn>
                                         <p:tgtEl>
-                                          <p:spTgt spid="3">
+                                          <p:spTgt spid="17">
                                             <p:txEl>
                                               <p:pRg st="0" end="0"/>
                                             </p:txEl>
@@ -7098,7 +7430,7 @@
                                       <p:cBhvr>
                                         <p:cTn id="7" dur="500"/>
                                         <p:tgtEl>
-                                          <p:spTgt spid="3">
+                                          <p:spTgt spid="17">
                                             <p:txEl>
                                               <p:pRg st="0" end="0"/>
                                             </p:txEl>
@@ -7141,7 +7473,11 @@
                                           </p:stCondLst>
                                         </p:cTn>
                                         <p:tgtEl>
-                                          <p:spTgt spid="5"/>
+                                          <p:spTgt spid="17">
+                                            <p:txEl>
+                                              <p:pRg st="1" end="1"/>
+                                            </p:txEl>
+                                          </p:spTgt>
                                         </p:tgtEl>
                                         <p:attrNameLst>
                                           <p:attrName>style.visibility</p:attrName>
@@ -7155,121 +7491,11 @@
                                       <p:cBhvr>
                                         <p:cTn id="12" dur="500"/>
                                         <p:tgtEl>
-                                          <p:spTgt spid="5"/>
-                                        </p:tgtEl>
-                                      </p:cBhvr>
-                                    </p:animEffect>
-                                  </p:childTnLst>
-                                </p:cTn>
-                              </p:par>
-                            </p:childTnLst>
-                          </p:cTn>
-                        </p:par>
-                      </p:childTnLst>
-                    </p:cTn>
-                  </p:par>
-                  <p:par>
-                    <p:cTn id="13" fill="hold">
-                      <p:stCondLst>
-                        <p:cond delay="indefinite"/>
-                      </p:stCondLst>
-                      <p:childTnLst>
-                        <p:par>
-                          <p:cTn id="14" fill="hold">
-                            <p:stCondLst>
-                              <p:cond delay="0"/>
-                            </p:stCondLst>
-                            <p:childTnLst>
-                              <p:par>
-                                <p:cTn id="15" presetID="10" presetClass="entr" presetSubtype="0" fill="hold" nodeType="clickEffect">
-                                  <p:stCondLst>
-                                    <p:cond delay="0"/>
-                                  </p:stCondLst>
-                                  <p:childTnLst>
-                                    <p:set>
-                                      <p:cBhvr>
-                                        <p:cTn id="16" dur="1" fill="hold">
-                                          <p:stCondLst>
-                                            <p:cond delay="0"/>
-                                          </p:stCondLst>
-                                        </p:cTn>
-                                        <p:tgtEl>
-                                          <p:spTgt spid="3">
+                                          <p:spTgt spid="17">
                                             <p:txEl>
-                                              <p:pRg st="2" end="2"/>
+                                              <p:pRg st="1" end="1"/>
                                             </p:txEl>
                                           </p:spTgt>
-                                        </p:tgtEl>
-                                        <p:attrNameLst>
-                                          <p:attrName>style.visibility</p:attrName>
-                                        </p:attrNameLst>
-                                      </p:cBhvr>
-                                      <p:to>
-                                        <p:strVal val="visible"/>
-                                      </p:to>
-                                    </p:set>
-                                    <p:animEffect transition="in" filter="fade">
-                                      <p:cBhvr>
-                                        <p:cTn id="17" dur="500"/>
-                                        <p:tgtEl>
-                                          <p:spTgt spid="3">
-                                            <p:txEl>
-                                              <p:pRg st="2" end="2"/>
-                                            </p:txEl>
-                                          </p:spTgt>
-                                        </p:tgtEl>
-                                      </p:cBhvr>
-                                    </p:animEffect>
-                                  </p:childTnLst>
-                                </p:cTn>
-                              </p:par>
-                            </p:childTnLst>
-                          </p:cTn>
-                        </p:par>
-                      </p:childTnLst>
-                    </p:cTn>
-                  </p:par>
-                  <p:par>
-                    <p:cTn id="18" fill="hold">
-                      <p:stCondLst>
-                        <p:cond delay="indefinite"/>
-                      </p:stCondLst>
-                      <p:childTnLst>
-                        <p:par>
-                          <p:cTn id="19" fill="hold">
-                            <p:stCondLst>
-                              <p:cond delay="0"/>
-                            </p:stCondLst>
-                            <p:childTnLst>
-                              <p:par>
-                                <p:cTn id="20" presetID="10" presetClass="entr" presetSubtype="0" fill="hold" nodeType="clickEffect">
-                                  <p:stCondLst>
-                                    <p:cond delay="0"/>
-                                  </p:stCondLst>
-                                  <p:childTnLst>
-                                    <p:set>
-                                      <p:cBhvr>
-                                        <p:cTn id="21" dur="1" fill="hold">
-                                          <p:stCondLst>
-                                            <p:cond delay="0"/>
-                                          </p:stCondLst>
-                                        </p:cTn>
-                                        <p:tgtEl>
-                                          <p:spTgt spid="7"/>
-                                        </p:tgtEl>
-                                        <p:attrNameLst>
-                                          <p:attrName>style.visibility</p:attrName>
-                                        </p:attrNameLst>
-                                      </p:cBhvr>
-                                      <p:to>
-                                        <p:strVal val="visible"/>
-                                      </p:to>
-                                    </p:set>
-                                    <p:animEffect transition="in" filter="fade">
-                                      <p:cBhvr>
-                                        <p:cTn id="22" dur="500"/>
-                                        <p:tgtEl>
-                                          <p:spTgt spid="7"/>
                                         </p:tgtEl>
                                       </p:cBhvr>
                                     </p:animEffect>
@@ -7367,7 +7593,7 @@
                 <a:latin typeface="Euclid Circular B" panose="020B0504000000000000" pitchFamily="34" charset="0"/>
                 <a:ea typeface="Euclid Circular B" panose="020B0504000000000000" pitchFamily="34" charset="0"/>
               </a:rPr>
-              <a:t>Mutex: Interprocess Locking</a:t>
+              <a:t>Mutex (mutual exclusion)</a:t>
             </a:r>
             <a:endParaRPr lang="en-US" b="1" dirty="0">
               <a:solidFill>
@@ -7379,12 +7605,71 @@
           </a:p>
         </p:txBody>
       </p:sp>
+      <p:sp>
+        <p:nvSpPr>
+          <p:cNvPr id="3" name="Content Placeholder 2">
+            <a:extLst>
+              <a:ext uri="{FF2B5EF4-FFF2-40B4-BE49-F238E27FC236}">
+                <a16:creationId xmlns:a16="http://schemas.microsoft.com/office/drawing/2014/main" id="{891C7693-D3DF-4635-96F4-97F3B4136FDF}"/>
+              </a:ext>
+            </a:extLst>
+          </p:cNvPr>
+          <p:cNvSpPr>
+            <a:spLocks noGrp="1"/>
+          </p:cNvSpPr>
+          <p:nvPr>
+            <p:ph idx="1"/>
+          </p:nvPr>
+        </p:nvSpPr>
+        <p:spPr/>
+        <p:txBody>
+          <a:bodyPr/>
+          <a:lstStyle/>
+          <a:p>
+            <a:r>
+              <a:rPr lang="tr-TR" dirty="0">
+                <a:latin typeface="Euclid Circular B" panose="020B0504000000000000" pitchFamily="34" charset="0"/>
+                <a:ea typeface="Euclid Circular B" panose="020B0504000000000000" pitchFamily="34" charset="0"/>
+              </a:rPr>
+              <a:t>Local (unnamed) mutexes: Thread synchronization</a:t>
+            </a:r>
+          </a:p>
+          <a:p>
+            <a:pPr marL="0" indent="0">
+              <a:buNone/>
+            </a:pPr>
+            <a:br>
+              <a:rPr lang="tr-TR" dirty="0">
+                <a:latin typeface="Euclid Circular B" panose="020B0504000000000000" pitchFamily="34" charset="0"/>
+                <a:ea typeface="Euclid Circular B" panose="020B0504000000000000" pitchFamily="34" charset="0"/>
+              </a:rPr>
+            </a:br>
+            <a:endParaRPr lang="tr-TR" dirty="0">
+              <a:latin typeface="Euclid Circular B" panose="020B0504000000000000" pitchFamily="34" charset="0"/>
+              <a:ea typeface="Euclid Circular B" panose="020B0504000000000000" pitchFamily="34" charset="0"/>
+            </a:endParaRPr>
+          </a:p>
+          <a:p>
+            <a:r>
+              <a:rPr lang="tr-TR" dirty="0">
+                <a:latin typeface="Euclid Circular B" panose="020B0504000000000000" pitchFamily="34" charset="0"/>
+                <a:ea typeface="Euclid Circular B" panose="020B0504000000000000" pitchFamily="34" charset="0"/>
+              </a:rPr>
+              <a:t>Named system mutexes: Process synchronization</a:t>
+            </a:r>
+            <a:endParaRPr lang="en-US" dirty="0">
+              <a:latin typeface="Euclid Circular B" panose="020B0504000000000000" pitchFamily="34" charset="0"/>
+              <a:ea typeface="Euclid Circular B" panose="020B0504000000000000" pitchFamily="34" charset="0"/>
+            </a:endParaRPr>
+          </a:p>
+        </p:txBody>
+      </p:sp>
       <p:pic>
         <p:nvPicPr>
-          <p:cNvPr id="7" name="Picture 6">
-            <a:extLst>
-              <a:ext uri="{FF2B5EF4-FFF2-40B4-BE49-F238E27FC236}">
-                <a16:creationId xmlns:a16="http://schemas.microsoft.com/office/drawing/2014/main" id="{F00C7C6D-EE32-2464-579F-BF622104C7BE}"/>
+          <p:cNvPr id="5" name="Picture 4">
+            <a:extLst>
+              <a:ext uri="{FF2B5EF4-FFF2-40B4-BE49-F238E27FC236}">
+                <a16:creationId xmlns:a16="http://schemas.microsoft.com/office/drawing/2014/main" id="{BC02ECA3-77CB-4921-8C01-D217B068AB81}"/>
               </a:ext>
             </a:extLst>
           </p:cNvPr>
@@ -7401,8 +7686,38 @@
         </p:blipFill>
         <p:spPr>
           <a:xfrm>
-            <a:off x="838200" y="1690687"/>
-            <a:ext cx="10146288" cy="4802187"/>
+            <a:off x="1163496" y="2452297"/>
+            <a:ext cx="4545000" cy="561247"/>
+          </a:xfrm>
+          <a:prstGeom prst="rect">
+            <a:avLst/>
+          </a:prstGeom>
+        </p:spPr>
+      </p:pic>
+      <p:pic>
+        <p:nvPicPr>
+          <p:cNvPr id="7" name="Picture 6">
+            <a:extLst>
+              <a:ext uri="{FF2B5EF4-FFF2-40B4-BE49-F238E27FC236}">
+                <a16:creationId xmlns:a16="http://schemas.microsoft.com/office/drawing/2014/main" id="{174D2937-6B5D-1105-7775-194779219942}"/>
+              </a:ext>
+            </a:extLst>
+          </p:cNvPr>
+          <p:cNvPicPr>
+            <a:picLocks noChangeAspect="1"/>
+          </p:cNvPicPr>
+          <p:nvPr/>
+        </p:nvPicPr>
+        <p:blipFill>
+          <a:blip r:embed="rId4"/>
+          <a:stretch>
+            <a:fillRect/>
+          </a:stretch>
+        </p:blipFill>
+        <p:spPr>
+          <a:xfrm>
+            <a:off x="1163496" y="3844457"/>
+            <a:ext cx="5667375" cy="571500"/>
           </a:xfrm>
           <a:prstGeom prst="rect">
             <a:avLst/>
@@ -7412,13 +7727,271 @@
     </p:spTree>
     <p:extLst>
       <p:ext uri="{BB962C8B-B14F-4D97-AF65-F5344CB8AC3E}">
-        <p14:creationId xmlns:p14="http://schemas.microsoft.com/office/powerpoint/2010/main" val="2298145414"/>
+        <p14:creationId xmlns:p14="http://schemas.microsoft.com/office/powerpoint/2010/main" val="1760477952"/>
       </p:ext>
     </p:extLst>
   </p:cSld>
   <p:clrMapOvr>
     <a:masterClrMapping/>
   </p:clrMapOvr>
+  <p:timing>
+    <p:tnLst>
+      <p:par>
+        <p:cTn id="1" dur="indefinite" restart="never" nodeType="tmRoot">
+          <p:childTnLst>
+            <p:seq concurrent="1" nextAc="seek">
+              <p:cTn id="2" dur="indefinite" nodeType="mainSeq">
+                <p:childTnLst>
+                  <p:par>
+                    <p:cTn id="3" fill="hold">
+                      <p:stCondLst>
+                        <p:cond delay="indefinite"/>
+                      </p:stCondLst>
+                      <p:childTnLst>
+                        <p:par>
+                          <p:cTn id="4" fill="hold">
+                            <p:stCondLst>
+                              <p:cond delay="0"/>
+                            </p:stCondLst>
+                            <p:childTnLst>
+                              <p:par>
+                                <p:cTn id="5" presetID="10" presetClass="entr" presetSubtype="0" fill="hold" nodeType="clickEffect">
+                                  <p:stCondLst>
+                                    <p:cond delay="0"/>
+                                  </p:stCondLst>
+                                  <p:childTnLst>
+                                    <p:set>
+                                      <p:cBhvr>
+                                        <p:cTn id="6" dur="1" fill="hold">
+                                          <p:stCondLst>
+                                            <p:cond delay="0"/>
+                                          </p:stCondLst>
+                                        </p:cTn>
+                                        <p:tgtEl>
+                                          <p:spTgt spid="3">
+                                            <p:txEl>
+                                              <p:pRg st="0" end="0"/>
+                                            </p:txEl>
+                                          </p:spTgt>
+                                        </p:tgtEl>
+                                        <p:attrNameLst>
+                                          <p:attrName>style.visibility</p:attrName>
+                                        </p:attrNameLst>
+                                      </p:cBhvr>
+                                      <p:to>
+                                        <p:strVal val="visible"/>
+                                      </p:to>
+                                    </p:set>
+                                    <p:animEffect transition="in" filter="fade">
+                                      <p:cBhvr>
+                                        <p:cTn id="7" dur="500"/>
+                                        <p:tgtEl>
+                                          <p:spTgt spid="3">
+                                            <p:txEl>
+                                              <p:pRg st="0" end="0"/>
+                                            </p:txEl>
+                                          </p:spTgt>
+                                        </p:tgtEl>
+                                      </p:cBhvr>
+                                    </p:animEffect>
+                                  </p:childTnLst>
+                                </p:cTn>
+                              </p:par>
+                            </p:childTnLst>
+                          </p:cTn>
+                        </p:par>
+                      </p:childTnLst>
+                    </p:cTn>
+                  </p:par>
+                  <p:par>
+                    <p:cTn id="8" fill="hold">
+                      <p:stCondLst>
+                        <p:cond delay="indefinite"/>
+                      </p:stCondLst>
+                      <p:childTnLst>
+                        <p:par>
+                          <p:cTn id="9" fill="hold">
+                            <p:stCondLst>
+                              <p:cond delay="0"/>
+                            </p:stCondLst>
+                            <p:childTnLst>
+                              <p:par>
+                                <p:cTn id="10" presetID="10" presetClass="entr" presetSubtype="0" fill="hold" nodeType="clickEffect">
+                                  <p:stCondLst>
+                                    <p:cond delay="0"/>
+                                  </p:stCondLst>
+                                  <p:childTnLst>
+                                    <p:set>
+                                      <p:cBhvr>
+                                        <p:cTn id="11" dur="1" fill="hold">
+                                          <p:stCondLst>
+                                            <p:cond delay="0"/>
+                                          </p:stCondLst>
+                                        </p:cTn>
+                                        <p:tgtEl>
+                                          <p:spTgt spid="5"/>
+                                        </p:tgtEl>
+                                        <p:attrNameLst>
+                                          <p:attrName>style.visibility</p:attrName>
+                                        </p:attrNameLst>
+                                      </p:cBhvr>
+                                      <p:to>
+                                        <p:strVal val="visible"/>
+                                      </p:to>
+                                    </p:set>
+                                    <p:animEffect transition="in" filter="fade">
+                                      <p:cBhvr>
+                                        <p:cTn id="12" dur="500"/>
+                                        <p:tgtEl>
+                                          <p:spTgt spid="5"/>
+                                        </p:tgtEl>
+                                      </p:cBhvr>
+                                    </p:animEffect>
+                                  </p:childTnLst>
+                                </p:cTn>
+                              </p:par>
+                            </p:childTnLst>
+                          </p:cTn>
+                        </p:par>
+                      </p:childTnLst>
+                    </p:cTn>
+                  </p:par>
+                  <p:par>
+                    <p:cTn id="13" fill="hold">
+                      <p:stCondLst>
+                        <p:cond delay="indefinite"/>
+                      </p:stCondLst>
+                      <p:childTnLst>
+                        <p:par>
+                          <p:cTn id="14" fill="hold">
+                            <p:stCondLst>
+                              <p:cond delay="0"/>
+                            </p:stCondLst>
+                            <p:childTnLst>
+                              <p:par>
+                                <p:cTn id="15" presetID="10" presetClass="entr" presetSubtype="0" fill="hold" nodeType="clickEffect">
+                                  <p:stCondLst>
+                                    <p:cond delay="0"/>
+                                  </p:stCondLst>
+                                  <p:childTnLst>
+                                    <p:set>
+                                      <p:cBhvr>
+                                        <p:cTn id="16" dur="1" fill="hold">
+                                          <p:stCondLst>
+                                            <p:cond delay="0"/>
+                                          </p:stCondLst>
+                                        </p:cTn>
+                                        <p:tgtEl>
+                                          <p:spTgt spid="3">
+                                            <p:txEl>
+                                              <p:pRg st="2" end="2"/>
+                                            </p:txEl>
+                                          </p:spTgt>
+                                        </p:tgtEl>
+                                        <p:attrNameLst>
+                                          <p:attrName>style.visibility</p:attrName>
+                                        </p:attrNameLst>
+                                      </p:cBhvr>
+                                      <p:to>
+                                        <p:strVal val="visible"/>
+                                      </p:to>
+                                    </p:set>
+                                    <p:animEffect transition="in" filter="fade">
+                                      <p:cBhvr>
+                                        <p:cTn id="17" dur="500"/>
+                                        <p:tgtEl>
+                                          <p:spTgt spid="3">
+                                            <p:txEl>
+                                              <p:pRg st="2" end="2"/>
+                                            </p:txEl>
+                                          </p:spTgt>
+                                        </p:tgtEl>
+                                      </p:cBhvr>
+                                    </p:animEffect>
+                                  </p:childTnLst>
+                                </p:cTn>
+                              </p:par>
+                            </p:childTnLst>
+                          </p:cTn>
+                        </p:par>
+                      </p:childTnLst>
+                    </p:cTn>
+                  </p:par>
+                  <p:par>
+                    <p:cTn id="18" fill="hold">
+                      <p:stCondLst>
+                        <p:cond delay="indefinite"/>
+                      </p:stCondLst>
+                      <p:childTnLst>
+                        <p:par>
+                          <p:cTn id="19" fill="hold">
+                            <p:stCondLst>
+                              <p:cond delay="0"/>
+                            </p:stCondLst>
+                            <p:childTnLst>
+                              <p:par>
+                                <p:cTn id="20" presetID="10" presetClass="entr" presetSubtype="0" fill="hold" nodeType="clickEffect">
+                                  <p:stCondLst>
+                                    <p:cond delay="0"/>
+                                  </p:stCondLst>
+                                  <p:childTnLst>
+                                    <p:set>
+                                      <p:cBhvr>
+                                        <p:cTn id="21" dur="1" fill="hold">
+                                          <p:stCondLst>
+                                            <p:cond delay="0"/>
+                                          </p:stCondLst>
+                                        </p:cTn>
+                                        <p:tgtEl>
+                                          <p:spTgt spid="7"/>
+                                        </p:tgtEl>
+                                        <p:attrNameLst>
+                                          <p:attrName>style.visibility</p:attrName>
+                                        </p:attrNameLst>
+                                      </p:cBhvr>
+                                      <p:to>
+                                        <p:strVal val="visible"/>
+                                      </p:to>
+                                    </p:set>
+                                    <p:animEffect transition="in" filter="fade">
+                                      <p:cBhvr>
+                                        <p:cTn id="22" dur="500"/>
+                                        <p:tgtEl>
+                                          <p:spTgt spid="7"/>
+                                        </p:tgtEl>
+                                      </p:cBhvr>
+                                    </p:animEffect>
+                                  </p:childTnLst>
+                                </p:cTn>
+                              </p:par>
+                            </p:childTnLst>
+                          </p:cTn>
+                        </p:par>
+                      </p:childTnLst>
+                    </p:cTn>
+                  </p:par>
+                </p:childTnLst>
+              </p:cTn>
+              <p:prevCondLst>
+                <p:cond evt="onPrev" delay="0">
+                  <p:tgtEl>
+                    <p:sldTgt/>
+                  </p:tgtEl>
+                </p:cond>
+              </p:prevCondLst>
+              <p:nextCondLst>
+                <p:cond evt="onNext" delay="0">
+                  <p:tgtEl>
+                    <p:sldTgt/>
+                  </p:tgtEl>
+                </p:cond>
+              </p:nextCondLst>
+            </p:seq>
+          </p:childTnLst>
+        </p:cTn>
+      </p:par>
+    </p:tnLst>
+  </p:timing>
 </p:sld>
 </file>
 
@@ -7482,7 +8055,7 @@
                 <a:latin typeface="Euclid Circular B" panose="020B0504000000000000" pitchFamily="34" charset="0"/>
                 <a:ea typeface="Euclid Circular B" panose="020B0504000000000000" pitchFamily="34" charset="0"/>
               </a:rPr>
-              <a:t>Distributed Locking</a:t>
+              <a:t>Mutex: Interprocess Locking</a:t>
             </a:r>
             <a:endParaRPr lang="en-US" b="1" dirty="0">
               <a:solidFill>
@@ -7494,609 +8067,46 @@
           </a:p>
         </p:txBody>
       </p:sp>
-      <p:sp>
-        <p:nvSpPr>
-          <p:cNvPr id="3" name="Content Placeholder 2">
-            <a:extLst>
-              <a:ext uri="{FF2B5EF4-FFF2-40B4-BE49-F238E27FC236}">
-                <a16:creationId xmlns:a16="http://schemas.microsoft.com/office/drawing/2014/main" id="{891C7693-D3DF-4635-96F4-97F3B4136FDF}"/>
-              </a:ext>
-            </a:extLst>
-          </p:cNvPr>
-          <p:cNvSpPr>
-            <a:spLocks noGrp="1"/>
-          </p:cNvSpPr>
-          <p:nvPr>
-            <p:ph idx="1"/>
-          </p:nvPr>
-        </p:nvSpPr>
-        <p:spPr/>
-        <p:txBody>
-          <a:bodyPr/>
-          <a:lstStyle/>
-          <a:p>
-            <a:pPr marL="0" indent="0">
-              <a:buNone/>
-            </a:pPr>
-            <a:r>
-              <a:rPr lang="tr-TR" dirty="0">
-                <a:latin typeface="Euclid Circular B" panose="020B0504000000000000" pitchFamily="34" charset="0"/>
-                <a:ea typeface="Euclid Circular B" panose="020B0504000000000000" pitchFamily="34" charset="0"/>
-              </a:rPr>
-              <a:t>Create locks to synchronize </a:t>
-            </a:r>
-            <a:r>
-              <a:rPr lang="tr-TR" b="1" dirty="0">
-                <a:latin typeface="Euclid Circular B" panose="020B0504000000000000" pitchFamily="34" charset="0"/>
-                <a:ea typeface="Euclid Circular B" panose="020B0504000000000000" pitchFamily="34" charset="0"/>
-              </a:rPr>
-              <a:t>multiple processes </a:t>
-            </a:r>
-            <a:r>
-              <a:rPr lang="tr-TR" dirty="0">
-                <a:latin typeface="Euclid Circular B" panose="020B0504000000000000" pitchFamily="34" charset="0"/>
-                <a:ea typeface="Euclid Circular B" panose="020B0504000000000000" pitchFamily="34" charset="0"/>
-              </a:rPr>
-              <a:t>running in </a:t>
-            </a:r>
-            <a:r>
-              <a:rPr lang="tr-TR" b="1" dirty="0">
-                <a:latin typeface="Euclid Circular B" panose="020B0504000000000000" pitchFamily="34" charset="0"/>
-                <a:ea typeface="Euclid Circular B" panose="020B0504000000000000" pitchFamily="34" charset="0"/>
-              </a:rPr>
-              <a:t>different servers</a:t>
-            </a:r>
-            <a:r>
-              <a:rPr lang="tr-TR" dirty="0">
-                <a:latin typeface="Euclid Circular B" panose="020B0504000000000000" pitchFamily="34" charset="0"/>
-                <a:ea typeface="Euclid Circular B" panose="020B0504000000000000" pitchFamily="34" charset="0"/>
-              </a:rPr>
-              <a:t>.</a:t>
-            </a:r>
-          </a:p>
-          <a:p>
-            <a:endParaRPr lang="tr-TR" dirty="0">
-              <a:latin typeface="Euclid Circular B" panose="020B0504000000000000" pitchFamily="34" charset="0"/>
-              <a:ea typeface="Euclid Circular B" panose="020B0504000000000000" pitchFamily="34" charset="0"/>
-            </a:endParaRPr>
-          </a:p>
-          <a:p>
-            <a:pPr marL="0" indent="0">
-              <a:buNone/>
-            </a:pPr>
-            <a:r>
-              <a:rPr lang="tr-TR" b="1" dirty="0">
-                <a:latin typeface="Euclid Circular B" panose="020B0504000000000000" pitchFamily="34" charset="0"/>
-                <a:ea typeface="Euclid Circular B" panose="020B0504000000000000" pitchFamily="34" charset="0"/>
-              </a:rPr>
-              <a:t>Why </a:t>
-            </a:r>
-            <a:r>
-              <a:rPr lang="tr-TR" dirty="0">
-                <a:latin typeface="Euclid Circular B" panose="020B0504000000000000" pitchFamily="34" charset="0"/>
-                <a:ea typeface="Euclid Circular B" panose="020B0504000000000000" pitchFamily="34" charset="0"/>
-              </a:rPr>
-              <a:t>we need it? Some examples:</a:t>
-            </a:r>
-          </a:p>
-          <a:p>
-            <a:r>
-              <a:rPr lang="tr-TR" dirty="0">
-                <a:latin typeface="Euclid Circular B" panose="020B0504000000000000" pitchFamily="34" charset="0"/>
-                <a:ea typeface="Euclid Circular B" panose="020B0504000000000000" pitchFamily="34" charset="0"/>
-              </a:rPr>
-              <a:t>To process a background </a:t>
-            </a:r>
-            <a:r>
-              <a:rPr lang="tr-TR" b="1" dirty="0">
-                <a:latin typeface="Euclid Circular B" panose="020B0504000000000000" pitchFamily="34" charset="0"/>
-                <a:ea typeface="Euclid Circular B" panose="020B0504000000000000" pitchFamily="34" charset="0"/>
-              </a:rPr>
-              <a:t>job </a:t>
-            </a:r>
-            <a:r>
-              <a:rPr lang="tr-TR" dirty="0">
-                <a:latin typeface="Euclid Circular B" panose="020B0504000000000000" pitchFamily="34" charset="0"/>
-                <a:ea typeface="Euclid Circular B" panose="020B0504000000000000" pitchFamily="34" charset="0"/>
-              </a:rPr>
-              <a:t>or </a:t>
-            </a:r>
-            <a:r>
-              <a:rPr lang="tr-TR" b="1" dirty="0">
-                <a:latin typeface="Euclid Circular B" panose="020B0504000000000000" pitchFamily="34" charset="0"/>
-                <a:ea typeface="Euclid Circular B" panose="020B0504000000000000" pitchFamily="34" charset="0"/>
-              </a:rPr>
-              <a:t>message queue</a:t>
-            </a:r>
-          </a:p>
-          <a:p>
-            <a:r>
-              <a:rPr lang="tr-TR" dirty="0">
-                <a:latin typeface="Euclid Circular B" panose="020B0504000000000000" pitchFamily="34" charset="0"/>
-                <a:ea typeface="Euclid Circular B" panose="020B0504000000000000" pitchFamily="34" charset="0"/>
-              </a:rPr>
-              <a:t>To synchronize access to a </a:t>
-            </a:r>
-            <a:r>
-              <a:rPr lang="tr-TR" b="1" dirty="0">
-                <a:latin typeface="Euclid Circular B" panose="020B0504000000000000" pitchFamily="34" charset="0"/>
-                <a:ea typeface="Euclid Circular B" panose="020B0504000000000000" pitchFamily="34" charset="0"/>
-              </a:rPr>
-              <a:t>shared resource</a:t>
-            </a:r>
-          </a:p>
-          <a:p>
-            <a:r>
-              <a:rPr lang="tr-TR" dirty="0">
-                <a:latin typeface="Euclid Circular B" panose="020B0504000000000000" pitchFamily="34" charset="0"/>
-                <a:ea typeface="Euclid Circular B" panose="020B0504000000000000" pitchFamily="34" charset="0"/>
-              </a:rPr>
-              <a:t>Apply </a:t>
-            </a:r>
-            <a:r>
-              <a:rPr lang="tr-TR" b="1" dirty="0">
-                <a:latin typeface="Euclid Circular B" panose="020B0504000000000000" pitchFamily="34" charset="0"/>
-                <a:ea typeface="Euclid Circular B" panose="020B0504000000000000" pitchFamily="34" charset="0"/>
-              </a:rPr>
-              <a:t>database migration </a:t>
-            </a:r>
-            <a:r>
-              <a:rPr lang="tr-TR" dirty="0">
-                <a:latin typeface="Euclid Circular B" panose="020B0504000000000000" pitchFamily="34" charset="0"/>
-                <a:ea typeface="Euclid Circular B" panose="020B0504000000000000" pitchFamily="34" charset="0"/>
-              </a:rPr>
-              <a:t>scripts / seed initial data</a:t>
-            </a:r>
-          </a:p>
-          <a:p>
-            <a:r>
-              <a:rPr lang="tr-TR" dirty="0">
-                <a:latin typeface="Euclid Circular B" panose="020B0504000000000000" pitchFamily="34" charset="0"/>
-                <a:ea typeface="Euclid Circular B" panose="020B0504000000000000" pitchFamily="34" charset="0"/>
-              </a:rPr>
-              <a:t>To </a:t>
-            </a:r>
-            <a:r>
-              <a:rPr lang="tr-TR" b="1" dirty="0">
-                <a:latin typeface="Euclid Circular B" panose="020B0504000000000000" pitchFamily="34" charset="0"/>
-                <a:ea typeface="Euclid Circular B" panose="020B0504000000000000" pitchFamily="34" charset="0"/>
-              </a:rPr>
-              <a:t>populate </a:t>
-            </a:r>
-            <a:r>
-              <a:rPr lang="tr-TR" dirty="0">
-                <a:latin typeface="Euclid Circular B" panose="020B0504000000000000" pitchFamily="34" charset="0"/>
-                <a:ea typeface="Euclid Circular B" panose="020B0504000000000000" pitchFamily="34" charset="0"/>
-              </a:rPr>
-              <a:t>a </a:t>
-            </a:r>
-            <a:r>
-              <a:rPr lang="tr-TR" b="1" dirty="0">
-                <a:latin typeface="Euclid Circular B" panose="020B0504000000000000" pitchFamily="34" charset="0"/>
-                <a:ea typeface="Euclid Circular B" panose="020B0504000000000000" pitchFamily="34" charset="0"/>
-              </a:rPr>
-              <a:t>cache </a:t>
-            </a:r>
-            <a:r>
-              <a:rPr lang="tr-TR" dirty="0">
-                <a:latin typeface="Euclid Circular B" panose="020B0504000000000000" pitchFamily="34" charset="0"/>
-                <a:ea typeface="Euclid Circular B" panose="020B0504000000000000" pitchFamily="34" charset="0"/>
-              </a:rPr>
-              <a:t>object</a:t>
-            </a:r>
-            <a:endParaRPr lang="en-US" dirty="0">
-              <a:latin typeface="Euclid Circular B" panose="020B0504000000000000" pitchFamily="34" charset="0"/>
-              <a:ea typeface="Euclid Circular B" panose="020B0504000000000000" pitchFamily="34" charset="0"/>
-            </a:endParaRPr>
-          </a:p>
-        </p:txBody>
-      </p:sp>
+      <p:pic>
+        <p:nvPicPr>
+          <p:cNvPr id="7" name="Picture 6">
+            <a:extLst>
+              <a:ext uri="{FF2B5EF4-FFF2-40B4-BE49-F238E27FC236}">
+                <a16:creationId xmlns:a16="http://schemas.microsoft.com/office/drawing/2014/main" id="{F00C7C6D-EE32-2464-579F-BF622104C7BE}"/>
+              </a:ext>
+            </a:extLst>
+          </p:cNvPr>
+          <p:cNvPicPr>
+            <a:picLocks noChangeAspect="1"/>
+          </p:cNvPicPr>
+          <p:nvPr/>
+        </p:nvPicPr>
+        <p:blipFill>
+          <a:blip r:embed="rId3"/>
+          <a:stretch>
+            <a:fillRect/>
+          </a:stretch>
+        </p:blipFill>
+        <p:spPr>
+          <a:xfrm>
+            <a:off x="838200" y="1690687"/>
+            <a:ext cx="10146288" cy="4802187"/>
+          </a:xfrm>
+          <a:prstGeom prst="rect">
+            <a:avLst/>
+          </a:prstGeom>
+        </p:spPr>
+      </p:pic>
     </p:spTree>
     <p:extLst>
       <p:ext uri="{BB962C8B-B14F-4D97-AF65-F5344CB8AC3E}">
-        <p14:creationId xmlns:p14="http://schemas.microsoft.com/office/powerpoint/2010/main" val="2730902364"/>
+        <p14:creationId xmlns:p14="http://schemas.microsoft.com/office/powerpoint/2010/main" val="2298145414"/>
       </p:ext>
     </p:extLst>
   </p:cSld>
   <p:clrMapOvr>
     <a:masterClrMapping/>
   </p:clrMapOvr>
-  <p:timing>
-    <p:tnLst>
-      <p:par>
-        <p:cTn id="1" dur="indefinite" restart="never" nodeType="tmRoot">
-          <p:childTnLst>
-            <p:seq concurrent="1" nextAc="seek">
-              <p:cTn id="2" dur="indefinite" nodeType="mainSeq">
-                <p:childTnLst>
-                  <p:par>
-                    <p:cTn id="3" fill="hold">
-                      <p:stCondLst>
-                        <p:cond delay="indefinite"/>
-                      </p:stCondLst>
-                      <p:childTnLst>
-                        <p:par>
-                          <p:cTn id="4" fill="hold">
-                            <p:stCondLst>
-                              <p:cond delay="0"/>
-                            </p:stCondLst>
-                            <p:childTnLst>
-                              <p:par>
-                                <p:cTn id="5" presetID="10" presetClass="entr" presetSubtype="0" fill="hold" nodeType="clickEffect">
-                                  <p:stCondLst>
-                                    <p:cond delay="0"/>
-                                  </p:stCondLst>
-                                  <p:childTnLst>
-                                    <p:set>
-                                      <p:cBhvr>
-                                        <p:cTn id="6" dur="1" fill="hold">
-                                          <p:stCondLst>
-                                            <p:cond delay="0"/>
-                                          </p:stCondLst>
-                                        </p:cTn>
-                                        <p:tgtEl>
-                                          <p:spTgt spid="3">
-                                            <p:txEl>
-                                              <p:pRg st="0" end="0"/>
-                                            </p:txEl>
-                                          </p:spTgt>
-                                        </p:tgtEl>
-                                        <p:attrNameLst>
-                                          <p:attrName>style.visibility</p:attrName>
-                                        </p:attrNameLst>
-                                      </p:cBhvr>
-                                      <p:to>
-                                        <p:strVal val="visible"/>
-                                      </p:to>
-                                    </p:set>
-                                    <p:animEffect transition="in" filter="fade">
-                                      <p:cBhvr>
-                                        <p:cTn id="7" dur="500"/>
-                                        <p:tgtEl>
-                                          <p:spTgt spid="3">
-                                            <p:txEl>
-                                              <p:pRg st="0" end="0"/>
-                                            </p:txEl>
-                                          </p:spTgt>
-                                        </p:tgtEl>
-                                      </p:cBhvr>
-                                    </p:animEffect>
-                                  </p:childTnLst>
-                                </p:cTn>
-                              </p:par>
-                            </p:childTnLst>
-                          </p:cTn>
-                        </p:par>
-                      </p:childTnLst>
-                    </p:cTn>
-                  </p:par>
-                  <p:par>
-                    <p:cTn id="8" fill="hold">
-                      <p:stCondLst>
-                        <p:cond delay="indefinite"/>
-                      </p:stCondLst>
-                      <p:childTnLst>
-                        <p:par>
-                          <p:cTn id="9" fill="hold">
-                            <p:stCondLst>
-                              <p:cond delay="0"/>
-                            </p:stCondLst>
-                            <p:childTnLst>
-                              <p:par>
-                                <p:cTn id="10" presetID="10" presetClass="entr" presetSubtype="0" fill="hold" nodeType="clickEffect">
-                                  <p:stCondLst>
-                                    <p:cond delay="0"/>
-                                  </p:stCondLst>
-                                  <p:childTnLst>
-                                    <p:set>
-                                      <p:cBhvr>
-                                        <p:cTn id="11" dur="1" fill="hold">
-                                          <p:stCondLst>
-                                            <p:cond delay="0"/>
-                                          </p:stCondLst>
-                                        </p:cTn>
-                                        <p:tgtEl>
-                                          <p:spTgt spid="3">
-                                            <p:txEl>
-                                              <p:pRg st="2" end="2"/>
-                                            </p:txEl>
-                                          </p:spTgt>
-                                        </p:tgtEl>
-                                        <p:attrNameLst>
-                                          <p:attrName>style.visibility</p:attrName>
-                                        </p:attrNameLst>
-                                      </p:cBhvr>
-                                      <p:to>
-                                        <p:strVal val="visible"/>
-                                      </p:to>
-                                    </p:set>
-                                    <p:animEffect transition="in" filter="fade">
-                                      <p:cBhvr>
-                                        <p:cTn id="12" dur="500"/>
-                                        <p:tgtEl>
-                                          <p:spTgt spid="3">
-                                            <p:txEl>
-                                              <p:pRg st="2" end="2"/>
-                                            </p:txEl>
-                                          </p:spTgt>
-                                        </p:tgtEl>
-                                      </p:cBhvr>
-                                    </p:animEffect>
-                                  </p:childTnLst>
-                                </p:cTn>
-                              </p:par>
-                            </p:childTnLst>
-                          </p:cTn>
-                        </p:par>
-                      </p:childTnLst>
-                    </p:cTn>
-                  </p:par>
-                  <p:par>
-                    <p:cTn id="13" fill="hold">
-                      <p:stCondLst>
-                        <p:cond delay="indefinite"/>
-                      </p:stCondLst>
-                      <p:childTnLst>
-                        <p:par>
-                          <p:cTn id="14" fill="hold">
-                            <p:stCondLst>
-                              <p:cond delay="0"/>
-                            </p:stCondLst>
-                            <p:childTnLst>
-                              <p:par>
-                                <p:cTn id="15" presetID="10" presetClass="entr" presetSubtype="0" fill="hold" nodeType="clickEffect">
-                                  <p:stCondLst>
-                                    <p:cond delay="0"/>
-                                  </p:stCondLst>
-                                  <p:childTnLst>
-                                    <p:set>
-                                      <p:cBhvr>
-                                        <p:cTn id="16" dur="1" fill="hold">
-                                          <p:stCondLst>
-                                            <p:cond delay="0"/>
-                                          </p:stCondLst>
-                                        </p:cTn>
-                                        <p:tgtEl>
-                                          <p:spTgt spid="3">
-                                            <p:txEl>
-                                              <p:pRg st="3" end="3"/>
-                                            </p:txEl>
-                                          </p:spTgt>
-                                        </p:tgtEl>
-                                        <p:attrNameLst>
-                                          <p:attrName>style.visibility</p:attrName>
-                                        </p:attrNameLst>
-                                      </p:cBhvr>
-                                      <p:to>
-                                        <p:strVal val="visible"/>
-                                      </p:to>
-                                    </p:set>
-                                    <p:animEffect transition="in" filter="fade">
-                                      <p:cBhvr>
-                                        <p:cTn id="17" dur="500"/>
-                                        <p:tgtEl>
-                                          <p:spTgt spid="3">
-                                            <p:txEl>
-                                              <p:pRg st="3" end="3"/>
-                                            </p:txEl>
-                                          </p:spTgt>
-                                        </p:tgtEl>
-                                      </p:cBhvr>
-                                    </p:animEffect>
-                                  </p:childTnLst>
-                                </p:cTn>
-                              </p:par>
-                            </p:childTnLst>
-                          </p:cTn>
-                        </p:par>
-                      </p:childTnLst>
-                    </p:cTn>
-                  </p:par>
-                  <p:par>
-                    <p:cTn id="18" fill="hold">
-                      <p:stCondLst>
-                        <p:cond delay="indefinite"/>
-                      </p:stCondLst>
-                      <p:childTnLst>
-                        <p:par>
-                          <p:cTn id="19" fill="hold">
-                            <p:stCondLst>
-                              <p:cond delay="0"/>
-                            </p:stCondLst>
-                            <p:childTnLst>
-                              <p:par>
-                                <p:cTn id="20" presetID="10" presetClass="entr" presetSubtype="0" fill="hold" nodeType="clickEffect">
-                                  <p:stCondLst>
-                                    <p:cond delay="0"/>
-                                  </p:stCondLst>
-                                  <p:childTnLst>
-                                    <p:set>
-                                      <p:cBhvr>
-                                        <p:cTn id="21" dur="1" fill="hold">
-                                          <p:stCondLst>
-                                            <p:cond delay="0"/>
-                                          </p:stCondLst>
-                                        </p:cTn>
-                                        <p:tgtEl>
-                                          <p:spTgt spid="3">
-                                            <p:txEl>
-                                              <p:pRg st="4" end="4"/>
-                                            </p:txEl>
-                                          </p:spTgt>
-                                        </p:tgtEl>
-                                        <p:attrNameLst>
-                                          <p:attrName>style.visibility</p:attrName>
-                                        </p:attrNameLst>
-                                      </p:cBhvr>
-                                      <p:to>
-                                        <p:strVal val="visible"/>
-                                      </p:to>
-                                    </p:set>
-                                    <p:animEffect transition="in" filter="fade">
-                                      <p:cBhvr>
-                                        <p:cTn id="22" dur="500"/>
-                                        <p:tgtEl>
-                                          <p:spTgt spid="3">
-                                            <p:txEl>
-                                              <p:pRg st="4" end="4"/>
-                                            </p:txEl>
-                                          </p:spTgt>
-                                        </p:tgtEl>
-                                      </p:cBhvr>
-                                    </p:animEffect>
-                                  </p:childTnLst>
-                                </p:cTn>
-                              </p:par>
-                            </p:childTnLst>
-                          </p:cTn>
-                        </p:par>
-                      </p:childTnLst>
-                    </p:cTn>
-                  </p:par>
-                  <p:par>
-                    <p:cTn id="23" fill="hold">
-                      <p:stCondLst>
-                        <p:cond delay="indefinite"/>
-                      </p:stCondLst>
-                      <p:childTnLst>
-                        <p:par>
-                          <p:cTn id="24" fill="hold">
-                            <p:stCondLst>
-                              <p:cond delay="0"/>
-                            </p:stCondLst>
-                            <p:childTnLst>
-                              <p:par>
-                                <p:cTn id="25" presetID="10" presetClass="entr" presetSubtype="0" fill="hold" nodeType="clickEffect">
-                                  <p:stCondLst>
-                                    <p:cond delay="0"/>
-                                  </p:stCondLst>
-                                  <p:childTnLst>
-                                    <p:set>
-                                      <p:cBhvr>
-                                        <p:cTn id="26" dur="1" fill="hold">
-                                          <p:stCondLst>
-                                            <p:cond delay="0"/>
-                                          </p:stCondLst>
-                                        </p:cTn>
-                                        <p:tgtEl>
-                                          <p:spTgt spid="3">
-                                            <p:txEl>
-                                              <p:pRg st="5" end="5"/>
-                                            </p:txEl>
-                                          </p:spTgt>
-                                        </p:tgtEl>
-                                        <p:attrNameLst>
-                                          <p:attrName>style.visibility</p:attrName>
-                                        </p:attrNameLst>
-                                      </p:cBhvr>
-                                      <p:to>
-                                        <p:strVal val="visible"/>
-                                      </p:to>
-                                    </p:set>
-                                    <p:animEffect transition="in" filter="fade">
-                                      <p:cBhvr>
-                                        <p:cTn id="27" dur="500"/>
-                                        <p:tgtEl>
-                                          <p:spTgt spid="3">
-                                            <p:txEl>
-                                              <p:pRg st="5" end="5"/>
-                                            </p:txEl>
-                                          </p:spTgt>
-                                        </p:tgtEl>
-                                      </p:cBhvr>
-                                    </p:animEffect>
-                                  </p:childTnLst>
-                                </p:cTn>
-                              </p:par>
-                            </p:childTnLst>
-                          </p:cTn>
-                        </p:par>
-                      </p:childTnLst>
-                    </p:cTn>
-                  </p:par>
-                  <p:par>
-                    <p:cTn id="28" fill="hold">
-                      <p:stCondLst>
-                        <p:cond delay="indefinite"/>
-                      </p:stCondLst>
-                      <p:childTnLst>
-                        <p:par>
-                          <p:cTn id="29" fill="hold">
-                            <p:stCondLst>
-                              <p:cond delay="0"/>
-                            </p:stCondLst>
-                            <p:childTnLst>
-                              <p:par>
-                                <p:cTn id="30" presetID="10" presetClass="entr" presetSubtype="0" fill="hold" nodeType="clickEffect">
-                                  <p:stCondLst>
-                                    <p:cond delay="0"/>
-                                  </p:stCondLst>
-                                  <p:childTnLst>
-                                    <p:set>
-                                      <p:cBhvr>
-                                        <p:cTn id="31" dur="1" fill="hold">
-                                          <p:stCondLst>
-                                            <p:cond delay="0"/>
-                                          </p:stCondLst>
-                                        </p:cTn>
-                                        <p:tgtEl>
-                                          <p:spTgt spid="3">
-                                            <p:txEl>
-                                              <p:pRg st="6" end="6"/>
-                                            </p:txEl>
-                                          </p:spTgt>
-                                        </p:tgtEl>
-                                        <p:attrNameLst>
-                                          <p:attrName>style.visibility</p:attrName>
-                                        </p:attrNameLst>
-                                      </p:cBhvr>
-                                      <p:to>
-                                        <p:strVal val="visible"/>
-                                      </p:to>
-                                    </p:set>
-                                    <p:animEffect transition="in" filter="fade">
-                                      <p:cBhvr>
-                                        <p:cTn id="32" dur="500"/>
-                                        <p:tgtEl>
-                                          <p:spTgt spid="3">
-                                            <p:txEl>
-                                              <p:pRg st="6" end="6"/>
-                                            </p:txEl>
-                                          </p:spTgt>
-                                        </p:tgtEl>
-                                      </p:cBhvr>
-                                    </p:animEffect>
-                                  </p:childTnLst>
-                                </p:cTn>
-                              </p:par>
-                            </p:childTnLst>
-                          </p:cTn>
-                        </p:par>
-                      </p:childTnLst>
-                    </p:cTn>
-                  </p:par>
-                </p:childTnLst>
-              </p:cTn>
-              <p:prevCondLst>
-                <p:cond evt="onPrev" delay="0">
-                  <p:tgtEl>
-                    <p:sldTgt/>
-                  </p:tgtEl>
-                </p:cond>
-              </p:prevCondLst>
-              <p:nextCondLst>
-                <p:cond evt="onNext" delay="0">
-                  <p:tgtEl>
-                    <p:sldTgt/>
-                  </p:tgtEl>
-                </p:cond>
-              </p:nextCondLst>
-            </p:seq>
-          </p:childTnLst>
-        </p:cTn>
-      </p:par>
-    </p:tnLst>
-  </p:timing>
 </p:sld>
 </file>
 
@@ -8160,7 +8170,7 @@
                 <a:latin typeface="Euclid Circular B" panose="020B0504000000000000" pitchFamily="34" charset="0"/>
                 <a:ea typeface="Euclid Circular B" panose="020B0504000000000000" pitchFamily="34" charset="0"/>
               </a:rPr>
-              <a:t>What is Multi-Threading?</a:t>
+              <a:t>Agenda</a:t>
             </a:r>
             <a:endParaRPr lang="en-US" b="1" dirty="0">
               <a:solidFill>
@@ -8191,77 +8201,189 @@
         <p:spPr/>
         <p:txBody>
           <a:bodyPr>
-            <a:normAutofit/>
+            <a:normAutofit lnSpcReduction="10000"/>
           </a:bodyPr>
           <a:lstStyle/>
           <a:p>
-            <a:pPr marL="0" indent="0" algn="ctr">
-              <a:buNone/>
-            </a:pPr>
-            <a:endParaRPr lang="tr-TR" sz="3600" dirty="0">
+            <a:r>
+              <a:rPr lang="en-US" sz="3200" b="1" dirty="0">
+                <a:latin typeface="Euclid Circular B" panose="020B0504000000000000" pitchFamily="34" charset="0"/>
+                <a:ea typeface="Euclid Circular B" panose="020B0504000000000000" pitchFamily="34" charset="0"/>
+              </a:rPr>
+              <a:t>What </a:t>
+            </a:r>
+            <a:r>
+              <a:rPr lang="en-US" sz="3200" dirty="0">
+                <a:latin typeface="Euclid Circular B" panose="020B0504000000000000" pitchFamily="34" charset="0"/>
+                <a:ea typeface="Euclid Circular B" panose="020B0504000000000000" pitchFamily="34" charset="0"/>
+              </a:rPr>
+              <a:t>and why </a:t>
+            </a:r>
+            <a:r>
+              <a:rPr lang="en-US" sz="3200" b="1" dirty="0">
+                <a:latin typeface="Euclid Circular B" panose="020B0504000000000000" pitchFamily="34" charset="0"/>
+                <a:ea typeface="Euclid Circular B" panose="020B0504000000000000" pitchFamily="34" charset="0"/>
+              </a:rPr>
+              <a:t>multi-threading</a:t>
+            </a:r>
+            <a:r>
+              <a:rPr lang="en-US" sz="3200" dirty="0">
+                <a:latin typeface="Euclid Circular B" panose="020B0504000000000000" pitchFamily="34" charset="0"/>
+                <a:ea typeface="Euclid Circular B" panose="020B0504000000000000" pitchFamily="34" charset="0"/>
+              </a:rPr>
+              <a:t>?</a:t>
+            </a:r>
+          </a:p>
+          <a:p>
+            <a:r>
+              <a:rPr lang="en-US" sz="3200" dirty="0">
+                <a:latin typeface="Euclid Circular B" panose="020B0504000000000000" pitchFamily="34" charset="0"/>
+                <a:ea typeface="Euclid Circular B" panose="020B0504000000000000" pitchFamily="34" charset="0"/>
+              </a:rPr>
+              <a:t>Creating and </a:t>
+            </a:r>
+            <a:r>
+              <a:rPr lang="en-US" sz="3200" b="1" dirty="0">
+                <a:latin typeface="Euclid Circular B" panose="020B0504000000000000" pitchFamily="34" charset="0"/>
+                <a:ea typeface="Euclid Circular B" panose="020B0504000000000000" pitchFamily="34" charset="0"/>
+              </a:rPr>
+              <a:t>starting threads</a:t>
+            </a:r>
+          </a:p>
+          <a:p>
+            <a:r>
+              <a:rPr lang="en-US" sz="3200" b="1" dirty="0">
+                <a:latin typeface="Euclid Circular B" panose="020B0504000000000000" pitchFamily="34" charset="0"/>
+                <a:ea typeface="Euclid Circular B" panose="020B0504000000000000" pitchFamily="34" charset="0"/>
+              </a:rPr>
+              <a:t>Sharing state </a:t>
+            </a:r>
+            <a:r>
+              <a:rPr lang="en-US" sz="3200" dirty="0">
+                <a:latin typeface="Euclid Circular B" panose="020B0504000000000000" pitchFamily="34" charset="0"/>
+                <a:ea typeface="Euclid Circular B" panose="020B0504000000000000" pitchFamily="34" charset="0"/>
+              </a:rPr>
+              <a:t>between threads</a:t>
+            </a:r>
+          </a:p>
+          <a:p>
+            <a:r>
+              <a:rPr lang="en-US" sz="3200" dirty="0">
+                <a:latin typeface="Euclid Circular B" panose="020B0504000000000000" pitchFamily="34" charset="0"/>
+                <a:ea typeface="Euclid Circular B" panose="020B0504000000000000" pitchFamily="34" charset="0"/>
+              </a:rPr>
+              <a:t>The </a:t>
+            </a:r>
+            <a:r>
+              <a:rPr lang="en-US" sz="3200" b="1" dirty="0">
+                <a:latin typeface="Euclid Circular B" panose="020B0504000000000000" pitchFamily="34" charset="0"/>
+                <a:ea typeface="Euclid Circular B" panose="020B0504000000000000" pitchFamily="34" charset="0"/>
+              </a:rPr>
+              <a:t>producer-consumer </a:t>
+            </a:r>
+            <a:r>
+              <a:rPr lang="en-US" sz="3200" dirty="0">
+                <a:latin typeface="Euclid Circular B" panose="020B0504000000000000" pitchFamily="34" charset="0"/>
+                <a:ea typeface="Euclid Circular B" panose="020B0504000000000000" pitchFamily="34" charset="0"/>
+              </a:rPr>
+              <a:t>pattern</a:t>
+            </a:r>
+          </a:p>
+          <a:p>
+            <a:r>
+              <a:rPr lang="en-US" sz="3200" dirty="0">
+                <a:latin typeface="Euclid Circular B" panose="020B0504000000000000" pitchFamily="34" charset="0"/>
+                <a:ea typeface="Euclid Circular B" panose="020B0504000000000000" pitchFamily="34" charset="0"/>
+              </a:rPr>
+              <a:t>Task, Semaphore, </a:t>
+            </a:r>
+            <a:r>
+              <a:rPr lang="en-US" sz="3200" dirty="0" err="1">
+                <a:latin typeface="Euclid Circular B" panose="020B0504000000000000" pitchFamily="34" charset="0"/>
+                <a:ea typeface="Euclid Circular B" panose="020B0504000000000000" pitchFamily="34" charset="0"/>
+              </a:rPr>
+              <a:t>ThreadLocal</a:t>
+            </a:r>
+            <a:r>
+              <a:rPr lang="tr-TR" sz="3200" dirty="0">
+                <a:latin typeface="Euclid Circular B" panose="020B0504000000000000" pitchFamily="34" charset="0"/>
+                <a:ea typeface="Euclid Circular B" panose="020B0504000000000000" pitchFamily="34" charset="0"/>
+              </a:rPr>
+              <a:t> and</a:t>
+            </a:r>
+            <a:r>
+              <a:rPr lang="en-US" sz="3200" dirty="0">
+                <a:latin typeface="Euclid Circular B" panose="020B0504000000000000" pitchFamily="34" charset="0"/>
+                <a:ea typeface="Euclid Circular B" panose="020B0504000000000000" pitchFamily="34" charset="0"/>
+              </a:rPr>
+              <a:t> </a:t>
+            </a:r>
+            <a:r>
+              <a:rPr lang="en-US" sz="3200" dirty="0" err="1">
+                <a:latin typeface="Euclid Circular B" panose="020B0504000000000000" pitchFamily="34" charset="0"/>
+                <a:ea typeface="Euclid Circular B" panose="020B0504000000000000" pitchFamily="34" charset="0"/>
+              </a:rPr>
+              <a:t>AsyncLocal</a:t>
+            </a:r>
+            <a:r>
+              <a:rPr lang="tr-TR" sz="3200" dirty="0">
+                <a:latin typeface="Euclid Circular B" panose="020B0504000000000000" pitchFamily="34" charset="0"/>
+                <a:ea typeface="Euclid Circular B" panose="020B0504000000000000" pitchFamily="34" charset="0"/>
+              </a:rPr>
+              <a:t> classes</a:t>
+            </a:r>
+            <a:endParaRPr lang="en-US" sz="3200" dirty="0">
               <a:latin typeface="Euclid Circular B" panose="020B0504000000000000" pitchFamily="34" charset="0"/>
               <a:ea typeface="Euclid Circular B" panose="020B0504000000000000" pitchFamily="34" charset="0"/>
             </a:endParaRPr>
           </a:p>
           <a:p>
-            <a:pPr marL="0" indent="0" algn="ctr">
-              <a:buNone/>
-            </a:pPr>
-            <a:endParaRPr lang="tr-TR" sz="3600" dirty="0">
-              <a:latin typeface="Euclid Circular B" panose="020B0504000000000000" pitchFamily="34" charset="0"/>
-              <a:ea typeface="Euclid Circular B" panose="020B0504000000000000" pitchFamily="34" charset="0"/>
-            </a:endParaRPr>
-          </a:p>
-          <a:p>
-            <a:pPr marL="0" indent="0" algn="ctr">
-              <a:buNone/>
-            </a:pPr>
-            <a:r>
-              <a:rPr lang="tr-TR" sz="3600" dirty="0">
+            <a:r>
+              <a:rPr lang="en-US" sz="3200" dirty="0">
                 <a:latin typeface="Euclid Circular B" panose="020B0504000000000000" pitchFamily="34" charset="0"/>
                 <a:ea typeface="Euclid Circular B" panose="020B0504000000000000" pitchFamily="34" charset="0"/>
               </a:rPr>
-              <a:t>Executing </a:t>
-            </a:r>
-            <a:r>
-              <a:rPr lang="tr-TR" sz="3600" b="1" dirty="0">
+              <a:t>Inter-process locking &amp; </a:t>
+            </a:r>
+            <a:r>
+              <a:rPr lang="en-US" sz="3200" b="1" dirty="0">
                 <a:latin typeface="Euclid Circular B" panose="020B0504000000000000" pitchFamily="34" charset="0"/>
                 <a:ea typeface="Euclid Circular B" panose="020B0504000000000000" pitchFamily="34" charset="0"/>
               </a:rPr>
-              <a:t>different parts </a:t>
-            </a:r>
-            <a:r>
-              <a:rPr lang="tr-TR" sz="3600" dirty="0">
+              <a:t>Mutex</a:t>
+            </a:r>
+          </a:p>
+          <a:p>
+            <a:r>
+              <a:rPr lang="en-US" sz="3200" b="1" dirty="0">
                 <a:latin typeface="Euclid Circular B" panose="020B0504000000000000" pitchFamily="34" charset="0"/>
                 <a:ea typeface="Euclid Circular B" panose="020B0504000000000000" pitchFamily="34" charset="0"/>
               </a:rPr>
-              <a:t>of your application code </a:t>
-            </a:r>
-            <a:r>
-              <a:rPr lang="tr-TR" sz="3600" b="1" dirty="0">
+              <a:t>Distributed locking</a:t>
+            </a:r>
+          </a:p>
+          <a:p>
+            <a:r>
+              <a:rPr lang="en-US" sz="3200" dirty="0">
                 <a:latin typeface="Euclid Circular B" panose="020B0504000000000000" pitchFamily="34" charset="0"/>
                 <a:ea typeface="Euclid Circular B" panose="020B0504000000000000" pitchFamily="34" charset="0"/>
               </a:rPr>
-              <a:t>simultaneously</a:t>
-            </a:r>
-            <a:r>
-              <a:rPr lang="tr-TR" sz="3600" dirty="0">
+              <a:t>Nested locks &amp; </a:t>
+            </a:r>
+            <a:r>
+              <a:rPr lang="en-US" sz="3200" b="1" dirty="0">
                 <a:latin typeface="Euclid Circular B" panose="020B0504000000000000" pitchFamily="34" charset="0"/>
                 <a:ea typeface="Euclid Circular B" panose="020B0504000000000000" pitchFamily="34" charset="0"/>
               </a:rPr>
-              <a:t>.</a:t>
-            </a:r>
-            <a:endParaRPr lang="en-US" sz="3600" dirty="0">
-              <a:latin typeface="Euclid Circular B" panose="020B0504000000000000" pitchFamily="34" charset="0"/>
-              <a:ea typeface="Euclid Circular B" panose="020B0504000000000000" pitchFamily="34" charset="0"/>
-            </a:endParaRPr>
+              <a:t>deadlocks</a:t>
+            </a:r>
           </a:p>
         </p:txBody>
       </p:sp>
     </p:spTree>
     <p:extLst>
       <p:ext uri="{BB962C8B-B14F-4D97-AF65-F5344CB8AC3E}">
-        <p14:creationId xmlns:p14="http://schemas.microsoft.com/office/powerpoint/2010/main" val="3116958821"/>
+        <p14:creationId xmlns:p14="http://schemas.microsoft.com/office/powerpoint/2010/main" val="2748917773"/>
       </p:ext>
     </p:extLst>
   </p:cSld>
@@ -8331,7 +8453,7 @@
                 <a:latin typeface="Euclid Circular B" panose="020B0504000000000000" pitchFamily="34" charset="0"/>
                 <a:ea typeface="Euclid Circular B" panose="020B0504000000000000" pitchFamily="34" charset="0"/>
               </a:rPr>
-              <a:t>The DistributedLock Library</a:t>
+              <a:t>Distributed Locking</a:t>
             </a:r>
             <a:endParaRPr lang="en-US" b="1" dirty="0">
               <a:solidFill>
@@ -8343,70 +8465,207 @@
           </a:p>
         </p:txBody>
       </p:sp>
-      <p:pic>
-        <p:nvPicPr>
-          <p:cNvPr id="11" name="Picture 10">
-            <a:extLst>
-              <a:ext uri="{FF2B5EF4-FFF2-40B4-BE49-F238E27FC236}">
-                <a16:creationId xmlns:a16="http://schemas.microsoft.com/office/drawing/2014/main" id="{E498F3F1-E18C-0898-FF80-2D3E8A91E7DA}"/>
-              </a:ext>
-            </a:extLst>
-          </p:cNvPr>
-          <p:cNvPicPr>
-            <a:picLocks noChangeAspect="1"/>
-          </p:cNvPicPr>
-          <p:nvPr/>
-        </p:nvPicPr>
-        <p:blipFill>
-          <a:blip r:embed="rId3"/>
-          <a:stretch>
-            <a:fillRect/>
-          </a:stretch>
-        </p:blipFill>
-        <p:spPr>
-          <a:xfrm>
-            <a:off x="838200" y="1690688"/>
-            <a:ext cx="3590925" cy="942975"/>
-          </a:xfrm>
-          <a:prstGeom prst="rect">
-            <a:avLst/>
-          </a:prstGeom>
-        </p:spPr>
-      </p:pic>
-      <p:pic>
-        <p:nvPicPr>
-          <p:cNvPr id="13" name="Picture 12">
-            <a:extLst>
-              <a:ext uri="{FF2B5EF4-FFF2-40B4-BE49-F238E27FC236}">
-                <a16:creationId xmlns:a16="http://schemas.microsoft.com/office/drawing/2014/main" id="{E727D0CB-DC49-56AA-B69F-3DD6435293A3}"/>
-              </a:ext>
-            </a:extLst>
-          </p:cNvPr>
-          <p:cNvPicPr>
-            <a:picLocks noChangeAspect="1"/>
-          </p:cNvPicPr>
-          <p:nvPr/>
-        </p:nvPicPr>
-        <p:blipFill>
-          <a:blip r:embed="rId4"/>
-          <a:stretch>
-            <a:fillRect/>
-          </a:stretch>
-        </p:blipFill>
-        <p:spPr>
-          <a:xfrm>
-            <a:off x="838200" y="3016250"/>
-            <a:ext cx="8997017" cy="3337415"/>
-          </a:xfrm>
-          <a:prstGeom prst="rect">
-            <a:avLst/>
-          </a:prstGeom>
-        </p:spPr>
-      </p:pic>
+      <p:sp>
+        <p:nvSpPr>
+          <p:cNvPr id="3" name="Content Placeholder 2">
+            <a:extLst>
+              <a:ext uri="{FF2B5EF4-FFF2-40B4-BE49-F238E27FC236}">
+                <a16:creationId xmlns:a16="http://schemas.microsoft.com/office/drawing/2014/main" id="{891C7693-D3DF-4635-96F4-97F3B4136FDF}"/>
+              </a:ext>
+            </a:extLst>
+          </p:cNvPr>
+          <p:cNvSpPr>
+            <a:spLocks noGrp="1"/>
+          </p:cNvSpPr>
+          <p:nvPr>
+            <p:ph idx="1"/>
+          </p:nvPr>
+        </p:nvSpPr>
+        <p:spPr/>
+        <p:txBody>
+          <a:bodyPr/>
+          <a:lstStyle/>
+          <a:p>
+            <a:pPr marL="0" indent="0">
+              <a:buNone/>
+            </a:pPr>
+            <a:r>
+              <a:rPr lang="tr-TR" dirty="0">
+                <a:latin typeface="Euclid Circular B" panose="020B0504000000000000" pitchFamily="34" charset="0"/>
+                <a:ea typeface="Euclid Circular B" panose="020B0504000000000000" pitchFamily="34" charset="0"/>
+              </a:rPr>
+              <a:t>Create locks to synchronize </a:t>
+            </a:r>
+            <a:r>
+              <a:rPr lang="tr-TR" b="1" dirty="0">
+                <a:latin typeface="Euclid Circular B" panose="020B0504000000000000" pitchFamily="34" charset="0"/>
+                <a:ea typeface="Euclid Circular B" panose="020B0504000000000000" pitchFamily="34" charset="0"/>
+              </a:rPr>
+              <a:t>multiple processes </a:t>
+            </a:r>
+            <a:r>
+              <a:rPr lang="tr-TR" dirty="0">
+                <a:latin typeface="Euclid Circular B" panose="020B0504000000000000" pitchFamily="34" charset="0"/>
+                <a:ea typeface="Euclid Circular B" panose="020B0504000000000000" pitchFamily="34" charset="0"/>
+              </a:rPr>
+              <a:t>running in </a:t>
+            </a:r>
+            <a:r>
+              <a:rPr lang="tr-TR" b="1" dirty="0">
+                <a:latin typeface="Euclid Circular B" panose="020B0504000000000000" pitchFamily="34" charset="0"/>
+                <a:ea typeface="Euclid Circular B" panose="020B0504000000000000" pitchFamily="34" charset="0"/>
+              </a:rPr>
+              <a:t>different servers</a:t>
+            </a:r>
+            <a:r>
+              <a:rPr lang="tr-TR" dirty="0">
+                <a:latin typeface="Euclid Circular B" panose="020B0504000000000000" pitchFamily="34" charset="0"/>
+                <a:ea typeface="Euclid Circular B" panose="020B0504000000000000" pitchFamily="34" charset="0"/>
+              </a:rPr>
+              <a:t>.</a:t>
+            </a:r>
+          </a:p>
+          <a:p>
+            <a:endParaRPr lang="tr-TR" dirty="0">
+              <a:latin typeface="Euclid Circular B" panose="020B0504000000000000" pitchFamily="34" charset="0"/>
+              <a:ea typeface="Euclid Circular B" panose="020B0504000000000000" pitchFamily="34" charset="0"/>
+            </a:endParaRPr>
+          </a:p>
+          <a:p>
+            <a:pPr marL="0" indent="0">
+              <a:buNone/>
+            </a:pPr>
+            <a:r>
+              <a:rPr lang="tr-TR" b="1" dirty="0">
+                <a:latin typeface="Euclid Circular B" panose="020B0504000000000000" pitchFamily="34" charset="0"/>
+                <a:ea typeface="Euclid Circular B" panose="020B0504000000000000" pitchFamily="34" charset="0"/>
+              </a:rPr>
+              <a:t>Why </a:t>
+            </a:r>
+            <a:r>
+              <a:rPr lang="tr-TR" dirty="0">
+                <a:latin typeface="Euclid Circular B" panose="020B0504000000000000" pitchFamily="34" charset="0"/>
+                <a:ea typeface="Euclid Circular B" panose="020B0504000000000000" pitchFamily="34" charset="0"/>
+              </a:rPr>
+              <a:t>we need it? Some examples:</a:t>
+            </a:r>
+          </a:p>
+          <a:p>
+            <a:r>
+              <a:rPr lang="tr-TR" dirty="0">
+                <a:latin typeface="Euclid Circular B" panose="020B0504000000000000" pitchFamily="34" charset="0"/>
+                <a:ea typeface="Euclid Circular B" panose="020B0504000000000000" pitchFamily="34" charset="0"/>
+              </a:rPr>
+              <a:t>To process a background </a:t>
+            </a:r>
+            <a:r>
+              <a:rPr lang="tr-TR" b="1" dirty="0">
+                <a:latin typeface="Euclid Circular B" panose="020B0504000000000000" pitchFamily="34" charset="0"/>
+                <a:ea typeface="Euclid Circular B" panose="020B0504000000000000" pitchFamily="34" charset="0"/>
+              </a:rPr>
+              <a:t>job </a:t>
+            </a:r>
+            <a:r>
+              <a:rPr lang="tr-TR" dirty="0">
+                <a:latin typeface="Euclid Circular B" panose="020B0504000000000000" pitchFamily="34" charset="0"/>
+                <a:ea typeface="Euclid Circular B" panose="020B0504000000000000" pitchFamily="34" charset="0"/>
+              </a:rPr>
+              <a:t>or </a:t>
+            </a:r>
+            <a:r>
+              <a:rPr lang="tr-TR" b="1" dirty="0">
+                <a:latin typeface="Euclid Circular B" panose="020B0504000000000000" pitchFamily="34" charset="0"/>
+                <a:ea typeface="Euclid Circular B" panose="020B0504000000000000" pitchFamily="34" charset="0"/>
+              </a:rPr>
+              <a:t>message queue</a:t>
+            </a:r>
+          </a:p>
+          <a:p>
+            <a:r>
+              <a:rPr lang="tr-TR" dirty="0">
+                <a:latin typeface="Euclid Circular B" panose="020B0504000000000000" pitchFamily="34" charset="0"/>
+                <a:ea typeface="Euclid Circular B" panose="020B0504000000000000" pitchFamily="34" charset="0"/>
+              </a:rPr>
+              <a:t>To synchronize access to a </a:t>
+            </a:r>
+            <a:r>
+              <a:rPr lang="tr-TR" b="1" dirty="0">
+                <a:latin typeface="Euclid Circular B" panose="020B0504000000000000" pitchFamily="34" charset="0"/>
+                <a:ea typeface="Euclid Circular B" panose="020B0504000000000000" pitchFamily="34" charset="0"/>
+              </a:rPr>
+              <a:t>shared resource</a:t>
+            </a:r>
+          </a:p>
+          <a:p>
+            <a:r>
+              <a:rPr lang="tr-TR" dirty="0">
+                <a:latin typeface="Euclid Circular B" panose="020B0504000000000000" pitchFamily="34" charset="0"/>
+                <a:ea typeface="Euclid Circular B" panose="020B0504000000000000" pitchFamily="34" charset="0"/>
+              </a:rPr>
+              <a:t>Apply </a:t>
+            </a:r>
+            <a:r>
+              <a:rPr lang="tr-TR" b="1" dirty="0">
+                <a:latin typeface="Euclid Circular B" panose="020B0504000000000000" pitchFamily="34" charset="0"/>
+                <a:ea typeface="Euclid Circular B" panose="020B0504000000000000" pitchFamily="34" charset="0"/>
+              </a:rPr>
+              <a:t>database migration </a:t>
+            </a:r>
+            <a:r>
+              <a:rPr lang="tr-TR" dirty="0">
+                <a:latin typeface="Euclid Circular B" panose="020B0504000000000000" pitchFamily="34" charset="0"/>
+                <a:ea typeface="Euclid Circular B" panose="020B0504000000000000" pitchFamily="34" charset="0"/>
+              </a:rPr>
+              <a:t>scripts / seed initial data</a:t>
+            </a:r>
+          </a:p>
+          <a:p>
+            <a:r>
+              <a:rPr lang="tr-TR" dirty="0">
+                <a:latin typeface="Euclid Circular B" panose="020B0504000000000000" pitchFamily="34" charset="0"/>
+                <a:ea typeface="Euclid Circular B" panose="020B0504000000000000" pitchFamily="34" charset="0"/>
+              </a:rPr>
+              <a:t>To </a:t>
+            </a:r>
+            <a:r>
+              <a:rPr lang="tr-TR" b="1" dirty="0">
+                <a:latin typeface="Euclid Circular B" panose="020B0504000000000000" pitchFamily="34" charset="0"/>
+                <a:ea typeface="Euclid Circular B" panose="020B0504000000000000" pitchFamily="34" charset="0"/>
+              </a:rPr>
+              <a:t>populate </a:t>
+            </a:r>
+            <a:r>
+              <a:rPr lang="tr-TR" dirty="0">
+                <a:latin typeface="Euclid Circular B" panose="020B0504000000000000" pitchFamily="34" charset="0"/>
+                <a:ea typeface="Euclid Circular B" panose="020B0504000000000000" pitchFamily="34" charset="0"/>
+              </a:rPr>
+              <a:t>a </a:t>
+            </a:r>
+            <a:r>
+              <a:rPr lang="tr-TR" b="1" dirty="0">
+                <a:latin typeface="Euclid Circular B" panose="020B0504000000000000" pitchFamily="34" charset="0"/>
+                <a:ea typeface="Euclid Circular B" panose="020B0504000000000000" pitchFamily="34" charset="0"/>
+              </a:rPr>
+              <a:t>cache </a:t>
+            </a:r>
+            <a:r>
+              <a:rPr lang="tr-TR" dirty="0">
+                <a:latin typeface="Euclid Circular B" panose="020B0504000000000000" pitchFamily="34" charset="0"/>
+                <a:ea typeface="Euclid Circular B" panose="020B0504000000000000" pitchFamily="34" charset="0"/>
+              </a:rPr>
+              <a:t>object</a:t>
+            </a:r>
+            <a:endParaRPr lang="en-US" dirty="0">
+              <a:latin typeface="Euclid Circular B" panose="020B0504000000000000" pitchFamily="34" charset="0"/>
+              <a:ea typeface="Euclid Circular B" panose="020B0504000000000000" pitchFamily="34" charset="0"/>
+            </a:endParaRPr>
+          </a:p>
+        </p:txBody>
+      </p:sp>
     </p:spTree>
     <p:extLst>
       <p:ext uri="{BB962C8B-B14F-4D97-AF65-F5344CB8AC3E}">
-        <p14:creationId xmlns:p14="http://schemas.microsoft.com/office/powerpoint/2010/main" val="3882208743"/>
+        <p14:creationId xmlns:p14="http://schemas.microsoft.com/office/powerpoint/2010/main" val="2730902364"/>
       </p:ext>
     </p:extLst>
   </p:cSld>
@@ -8447,7 +8706,11 @@
                                           </p:stCondLst>
                                         </p:cTn>
                                         <p:tgtEl>
-                                          <p:spTgt spid="11"/>
+                                          <p:spTgt spid="3">
+                                            <p:txEl>
+                                              <p:pRg st="0" end="0"/>
+                                            </p:txEl>
+                                          </p:spTgt>
                                         </p:tgtEl>
                                         <p:attrNameLst>
                                           <p:attrName>style.visibility</p:attrName>
@@ -8461,7 +8724,11 @@
                                       <p:cBhvr>
                                         <p:cTn id="7" dur="500"/>
                                         <p:tgtEl>
-                                          <p:spTgt spid="11"/>
+                                          <p:spTgt spid="3">
+                                            <p:txEl>
+                                              <p:pRg st="0" end="0"/>
+                                            </p:txEl>
+                                          </p:spTgt>
                                         </p:tgtEl>
                                       </p:cBhvr>
                                     </p:animEffect>
@@ -8500,7 +8767,11 @@
                                           </p:stCondLst>
                                         </p:cTn>
                                         <p:tgtEl>
-                                          <p:spTgt spid="13"/>
+                                          <p:spTgt spid="3">
+                                            <p:txEl>
+                                              <p:pRg st="2" end="2"/>
+                                            </p:txEl>
+                                          </p:spTgt>
                                         </p:tgtEl>
                                         <p:attrNameLst>
                                           <p:attrName>style.visibility</p:attrName>
@@ -8514,7 +8785,255 @@
                                       <p:cBhvr>
                                         <p:cTn id="12" dur="500"/>
                                         <p:tgtEl>
-                                          <p:spTgt spid="13"/>
+                                          <p:spTgt spid="3">
+                                            <p:txEl>
+                                              <p:pRg st="2" end="2"/>
+                                            </p:txEl>
+                                          </p:spTgt>
+                                        </p:tgtEl>
+                                      </p:cBhvr>
+                                    </p:animEffect>
+                                  </p:childTnLst>
+                                </p:cTn>
+                              </p:par>
+                            </p:childTnLst>
+                          </p:cTn>
+                        </p:par>
+                      </p:childTnLst>
+                    </p:cTn>
+                  </p:par>
+                  <p:par>
+                    <p:cTn id="13" fill="hold">
+                      <p:stCondLst>
+                        <p:cond delay="indefinite"/>
+                      </p:stCondLst>
+                      <p:childTnLst>
+                        <p:par>
+                          <p:cTn id="14" fill="hold">
+                            <p:stCondLst>
+                              <p:cond delay="0"/>
+                            </p:stCondLst>
+                            <p:childTnLst>
+                              <p:par>
+                                <p:cTn id="15" presetID="10" presetClass="entr" presetSubtype="0" fill="hold" nodeType="clickEffect">
+                                  <p:stCondLst>
+                                    <p:cond delay="0"/>
+                                  </p:stCondLst>
+                                  <p:childTnLst>
+                                    <p:set>
+                                      <p:cBhvr>
+                                        <p:cTn id="16" dur="1" fill="hold">
+                                          <p:stCondLst>
+                                            <p:cond delay="0"/>
+                                          </p:stCondLst>
+                                        </p:cTn>
+                                        <p:tgtEl>
+                                          <p:spTgt spid="3">
+                                            <p:txEl>
+                                              <p:pRg st="3" end="3"/>
+                                            </p:txEl>
+                                          </p:spTgt>
+                                        </p:tgtEl>
+                                        <p:attrNameLst>
+                                          <p:attrName>style.visibility</p:attrName>
+                                        </p:attrNameLst>
+                                      </p:cBhvr>
+                                      <p:to>
+                                        <p:strVal val="visible"/>
+                                      </p:to>
+                                    </p:set>
+                                    <p:animEffect transition="in" filter="fade">
+                                      <p:cBhvr>
+                                        <p:cTn id="17" dur="500"/>
+                                        <p:tgtEl>
+                                          <p:spTgt spid="3">
+                                            <p:txEl>
+                                              <p:pRg st="3" end="3"/>
+                                            </p:txEl>
+                                          </p:spTgt>
+                                        </p:tgtEl>
+                                      </p:cBhvr>
+                                    </p:animEffect>
+                                  </p:childTnLst>
+                                </p:cTn>
+                              </p:par>
+                            </p:childTnLst>
+                          </p:cTn>
+                        </p:par>
+                      </p:childTnLst>
+                    </p:cTn>
+                  </p:par>
+                  <p:par>
+                    <p:cTn id="18" fill="hold">
+                      <p:stCondLst>
+                        <p:cond delay="indefinite"/>
+                      </p:stCondLst>
+                      <p:childTnLst>
+                        <p:par>
+                          <p:cTn id="19" fill="hold">
+                            <p:stCondLst>
+                              <p:cond delay="0"/>
+                            </p:stCondLst>
+                            <p:childTnLst>
+                              <p:par>
+                                <p:cTn id="20" presetID="10" presetClass="entr" presetSubtype="0" fill="hold" nodeType="clickEffect">
+                                  <p:stCondLst>
+                                    <p:cond delay="0"/>
+                                  </p:stCondLst>
+                                  <p:childTnLst>
+                                    <p:set>
+                                      <p:cBhvr>
+                                        <p:cTn id="21" dur="1" fill="hold">
+                                          <p:stCondLst>
+                                            <p:cond delay="0"/>
+                                          </p:stCondLst>
+                                        </p:cTn>
+                                        <p:tgtEl>
+                                          <p:spTgt spid="3">
+                                            <p:txEl>
+                                              <p:pRg st="4" end="4"/>
+                                            </p:txEl>
+                                          </p:spTgt>
+                                        </p:tgtEl>
+                                        <p:attrNameLst>
+                                          <p:attrName>style.visibility</p:attrName>
+                                        </p:attrNameLst>
+                                      </p:cBhvr>
+                                      <p:to>
+                                        <p:strVal val="visible"/>
+                                      </p:to>
+                                    </p:set>
+                                    <p:animEffect transition="in" filter="fade">
+                                      <p:cBhvr>
+                                        <p:cTn id="22" dur="500"/>
+                                        <p:tgtEl>
+                                          <p:spTgt spid="3">
+                                            <p:txEl>
+                                              <p:pRg st="4" end="4"/>
+                                            </p:txEl>
+                                          </p:spTgt>
+                                        </p:tgtEl>
+                                      </p:cBhvr>
+                                    </p:animEffect>
+                                  </p:childTnLst>
+                                </p:cTn>
+                              </p:par>
+                            </p:childTnLst>
+                          </p:cTn>
+                        </p:par>
+                      </p:childTnLst>
+                    </p:cTn>
+                  </p:par>
+                  <p:par>
+                    <p:cTn id="23" fill="hold">
+                      <p:stCondLst>
+                        <p:cond delay="indefinite"/>
+                      </p:stCondLst>
+                      <p:childTnLst>
+                        <p:par>
+                          <p:cTn id="24" fill="hold">
+                            <p:stCondLst>
+                              <p:cond delay="0"/>
+                            </p:stCondLst>
+                            <p:childTnLst>
+                              <p:par>
+                                <p:cTn id="25" presetID="10" presetClass="entr" presetSubtype="0" fill="hold" nodeType="clickEffect">
+                                  <p:stCondLst>
+                                    <p:cond delay="0"/>
+                                  </p:stCondLst>
+                                  <p:childTnLst>
+                                    <p:set>
+                                      <p:cBhvr>
+                                        <p:cTn id="26" dur="1" fill="hold">
+                                          <p:stCondLst>
+                                            <p:cond delay="0"/>
+                                          </p:stCondLst>
+                                        </p:cTn>
+                                        <p:tgtEl>
+                                          <p:spTgt spid="3">
+                                            <p:txEl>
+                                              <p:pRg st="5" end="5"/>
+                                            </p:txEl>
+                                          </p:spTgt>
+                                        </p:tgtEl>
+                                        <p:attrNameLst>
+                                          <p:attrName>style.visibility</p:attrName>
+                                        </p:attrNameLst>
+                                      </p:cBhvr>
+                                      <p:to>
+                                        <p:strVal val="visible"/>
+                                      </p:to>
+                                    </p:set>
+                                    <p:animEffect transition="in" filter="fade">
+                                      <p:cBhvr>
+                                        <p:cTn id="27" dur="500"/>
+                                        <p:tgtEl>
+                                          <p:spTgt spid="3">
+                                            <p:txEl>
+                                              <p:pRg st="5" end="5"/>
+                                            </p:txEl>
+                                          </p:spTgt>
+                                        </p:tgtEl>
+                                      </p:cBhvr>
+                                    </p:animEffect>
+                                  </p:childTnLst>
+                                </p:cTn>
+                              </p:par>
+                            </p:childTnLst>
+                          </p:cTn>
+                        </p:par>
+                      </p:childTnLst>
+                    </p:cTn>
+                  </p:par>
+                  <p:par>
+                    <p:cTn id="28" fill="hold">
+                      <p:stCondLst>
+                        <p:cond delay="indefinite"/>
+                      </p:stCondLst>
+                      <p:childTnLst>
+                        <p:par>
+                          <p:cTn id="29" fill="hold">
+                            <p:stCondLst>
+                              <p:cond delay="0"/>
+                            </p:stCondLst>
+                            <p:childTnLst>
+                              <p:par>
+                                <p:cTn id="30" presetID="10" presetClass="entr" presetSubtype="0" fill="hold" nodeType="clickEffect">
+                                  <p:stCondLst>
+                                    <p:cond delay="0"/>
+                                  </p:stCondLst>
+                                  <p:childTnLst>
+                                    <p:set>
+                                      <p:cBhvr>
+                                        <p:cTn id="31" dur="1" fill="hold">
+                                          <p:stCondLst>
+                                            <p:cond delay="0"/>
+                                          </p:stCondLst>
+                                        </p:cTn>
+                                        <p:tgtEl>
+                                          <p:spTgt spid="3">
+                                            <p:txEl>
+                                              <p:pRg st="6" end="6"/>
+                                            </p:txEl>
+                                          </p:spTgt>
+                                        </p:tgtEl>
+                                        <p:attrNameLst>
+                                          <p:attrName>style.visibility</p:attrName>
+                                        </p:attrNameLst>
+                                      </p:cBhvr>
+                                      <p:to>
+                                        <p:strVal val="visible"/>
+                                      </p:to>
+                                    </p:set>
+                                    <p:animEffect transition="in" filter="fade">
+                                      <p:cBhvr>
+                                        <p:cTn id="32" dur="500"/>
+                                        <p:tgtEl>
+                                          <p:spTgt spid="3">
+                                            <p:txEl>
+                                              <p:pRg st="6" end="6"/>
+                                            </p:txEl>
+                                          </p:spTgt>
                                         </p:tgtEl>
                                       </p:cBhvr>
                                     </p:animEffect>
@@ -8626,6 +9145,287 @@
       </p:sp>
       <p:pic>
         <p:nvPicPr>
+          <p:cNvPr id="11" name="Picture 10">
+            <a:extLst>
+              <a:ext uri="{FF2B5EF4-FFF2-40B4-BE49-F238E27FC236}">
+                <a16:creationId xmlns:a16="http://schemas.microsoft.com/office/drawing/2014/main" id="{E498F3F1-E18C-0898-FF80-2D3E8A91E7DA}"/>
+              </a:ext>
+            </a:extLst>
+          </p:cNvPr>
+          <p:cNvPicPr>
+            <a:picLocks noChangeAspect="1"/>
+          </p:cNvPicPr>
+          <p:nvPr/>
+        </p:nvPicPr>
+        <p:blipFill>
+          <a:blip r:embed="rId3"/>
+          <a:stretch>
+            <a:fillRect/>
+          </a:stretch>
+        </p:blipFill>
+        <p:spPr>
+          <a:xfrm>
+            <a:off x="838200" y="1690688"/>
+            <a:ext cx="3590925" cy="942975"/>
+          </a:xfrm>
+          <a:prstGeom prst="rect">
+            <a:avLst/>
+          </a:prstGeom>
+        </p:spPr>
+      </p:pic>
+      <p:pic>
+        <p:nvPicPr>
+          <p:cNvPr id="13" name="Picture 12">
+            <a:extLst>
+              <a:ext uri="{FF2B5EF4-FFF2-40B4-BE49-F238E27FC236}">
+                <a16:creationId xmlns:a16="http://schemas.microsoft.com/office/drawing/2014/main" id="{E727D0CB-DC49-56AA-B69F-3DD6435293A3}"/>
+              </a:ext>
+            </a:extLst>
+          </p:cNvPr>
+          <p:cNvPicPr>
+            <a:picLocks noChangeAspect="1"/>
+          </p:cNvPicPr>
+          <p:nvPr/>
+        </p:nvPicPr>
+        <p:blipFill>
+          <a:blip r:embed="rId4"/>
+          <a:stretch>
+            <a:fillRect/>
+          </a:stretch>
+        </p:blipFill>
+        <p:spPr>
+          <a:xfrm>
+            <a:off x="838200" y="3016250"/>
+            <a:ext cx="8997017" cy="3337415"/>
+          </a:xfrm>
+          <a:prstGeom prst="rect">
+            <a:avLst/>
+          </a:prstGeom>
+        </p:spPr>
+      </p:pic>
+    </p:spTree>
+    <p:extLst>
+      <p:ext uri="{BB962C8B-B14F-4D97-AF65-F5344CB8AC3E}">
+        <p14:creationId xmlns:p14="http://schemas.microsoft.com/office/powerpoint/2010/main" val="3882208743"/>
+      </p:ext>
+    </p:extLst>
+  </p:cSld>
+  <p:clrMapOvr>
+    <a:masterClrMapping/>
+  </p:clrMapOvr>
+  <p:timing>
+    <p:tnLst>
+      <p:par>
+        <p:cTn id="1" dur="indefinite" restart="never" nodeType="tmRoot">
+          <p:childTnLst>
+            <p:seq concurrent="1" nextAc="seek">
+              <p:cTn id="2" dur="indefinite" nodeType="mainSeq">
+                <p:childTnLst>
+                  <p:par>
+                    <p:cTn id="3" fill="hold">
+                      <p:stCondLst>
+                        <p:cond delay="indefinite"/>
+                      </p:stCondLst>
+                      <p:childTnLst>
+                        <p:par>
+                          <p:cTn id="4" fill="hold">
+                            <p:stCondLst>
+                              <p:cond delay="0"/>
+                            </p:stCondLst>
+                            <p:childTnLst>
+                              <p:par>
+                                <p:cTn id="5" presetID="10" presetClass="entr" presetSubtype="0" fill="hold" nodeType="clickEffect">
+                                  <p:stCondLst>
+                                    <p:cond delay="0"/>
+                                  </p:stCondLst>
+                                  <p:childTnLst>
+                                    <p:set>
+                                      <p:cBhvr>
+                                        <p:cTn id="6" dur="1" fill="hold">
+                                          <p:stCondLst>
+                                            <p:cond delay="0"/>
+                                          </p:stCondLst>
+                                        </p:cTn>
+                                        <p:tgtEl>
+                                          <p:spTgt spid="11"/>
+                                        </p:tgtEl>
+                                        <p:attrNameLst>
+                                          <p:attrName>style.visibility</p:attrName>
+                                        </p:attrNameLst>
+                                      </p:cBhvr>
+                                      <p:to>
+                                        <p:strVal val="visible"/>
+                                      </p:to>
+                                    </p:set>
+                                    <p:animEffect transition="in" filter="fade">
+                                      <p:cBhvr>
+                                        <p:cTn id="7" dur="500"/>
+                                        <p:tgtEl>
+                                          <p:spTgt spid="11"/>
+                                        </p:tgtEl>
+                                      </p:cBhvr>
+                                    </p:animEffect>
+                                  </p:childTnLst>
+                                </p:cTn>
+                              </p:par>
+                            </p:childTnLst>
+                          </p:cTn>
+                        </p:par>
+                      </p:childTnLst>
+                    </p:cTn>
+                  </p:par>
+                  <p:par>
+                    <p:cTn id="8" fill="hold">
+                      <p:stCondLst>
+                        <p:cond delay="indefinite"/>
+                      </p:stCondLst>
+                      <p:childTnLst>
+                        <p:par>
+                          <p:cTn id="9" fill="hold">
+                            <p:stCondLst>
+                              <p:cond delay="0"/>
+                            </p:stCondLst>
+                            <p:childTnLst>
+                              <p:par>
+                                <p:cTn id="10" presetID="10" presetClass="entr" presetSubtype="0" fill="hold" nodeType="clickEffect">
+                                  <p:stCondLst>
+                                    <p:cond delay="0"/>
+                                  </p:stCondLst>
+                                  <p:childTnLst>
+                                    <p:set>
+                                      <p:cBhvr>
+                                        <p:cTn id="11" dur="1" fill="hold">
+                                          <p:stCondLst>
+                                            <p:cond delay="0"/>
+                                          </p:stCondLst>
+                                        </p:cTn>
+                                        <p:tgtEl>
+                                          <p:spTgt spid="13"/>
+                                        </p:tgtEl>
+                                        <p:attrNameLst>
+                                          <p:attrName>style.visibility</p:attrName>
+                                        </p:attrNameLst>
+                                      </p:cBhvr>
+                                      <p:to>
+                                        <p:strVal val="visible"/>
+                                      </p:to>
+                                    </p:set>
+                                    <p:animEffect transition="in" filter="fade">
+                                      <p:cBhvr>
+                                        <p:cTn id="12" dur="500"/>
+                                        <p:tgtEl>
+                                          <p:spTgt spid="13"/>
+                                        </p:tgtEl>
+                                      </p:cBhvr>
+                                    </p:animEffect>
+                                  </p:childTnLst>
+                                </p:cTn>
+                              </p:par>
+                            </p:childTnLst>
+                          </p:cTn>
+                        </p:par>
+                      </p:childTnLst>
+                    </p:cTn>
+                  </p:par>
+                </p:childTnLst>
+              </p:cTn>
+              <p:prevCondLst>
+                <p:cond evt="onPrev" delay="0">
+                  <p:tgtEl>
+                    <p:sldTgt/>
+                  </p:tgtEl>
+                </p:cond>
+              </p:prevCondLst>
+              <p:nextCondLst>
+                <p:cond evt="onNext" delay="0">
+                  <p:tgtEl>
+                    <p:sldTgt/>
+                  </p:tgtEl>
+                </p:cond>
+              </p:nextCondLst>
+            </p:seq>
+          </p:childTnLst>
+        </p:cTn>
+      </p:par>
+    </p:tnLst>
+  </p:timing>
+</p:sld>
+</file>
+
+<file path=ppt/slides/slide22.xml><?xml version="1.0" encoding="utf-8"?>
+<p:sld xmlns:a="http://schemas.openxmlformats.org/drawingml/2006/main" xmlns:r="http://schemas.openxmlformats.org/officeDocument/2006/relationships" xmlns:p="http://schemas.openxmlformats.org/presentationml/2006/main">
+  <p:cSld>
+    <p:bg>
+      <p:bgPr>
+        <a:blipFill dpi="0" rotWithShape="1">
+          <a:blip r:embed="rId2">
+            <a:lum/>
+          </a:blip>
+          <a:srcRect/>
+          <a:stretch>
+            <a:fillRect/>
+          </a:stretch>
+        </a:blipFill>
+        <a:effectLst/>
+      </p:bgPr>
+    </p:bg>
+    <p:spTree>
+      <p:nvGrpSpPr>
+        <p:cNvPr id="1" name=""/>
+        <p:cNvGrpSpPr/>
+        <p:nvPr/>
+      </p:nvGrpSpPr>
+      <p:grpSpPr>
+        <a:xfrm>
+          <a:off x="0" y="0"/>
+          <a:ext cx="0" cy="0"/>
+          <a:chOff x="0" y="0"/>
+          <a:chExt cx="0" cy="0"/>
+        </a:xfrm>
+      </p:grpSpPr>
+      <p:sp>
+        <p:nvSpPr>
+          <p:cNvPr id="2" name="Title 1">
+            <a:extLst>
+              <a:ext uri="{FF2B5EF4-FFF2-40B4-BE49-F238E27FC236}">
+                <a16:creationId xmlns:a16="http://schemas.microsoft.com/office/drawing/2014/main" id="{55E11F08-6CA0-48F1-AD67-97430DDA07F0}"/>
+              </a:ext>
+            </a:extLst>
+          </p:cNvPr>
+          <p:cNvSpPr>
+            <a:spLocks noGrp="1"/>
+          </p:cNvSpPr>
+          <p:nvPr>
+            <p:ph type="title"/>
+          </p:nvPr>
+        </p:nvSpPr>
+        <p:spPr/>
+        <p:txBody>
+          <a:bodyPr/>
+          <a:lstStyle/>
+          <a:p>
+            <a:r>
+              <a:rPr lang="tr-TR" b="1" dirty="0">
+                <a:solidFill>
+                  <a:srgbClr val="292D33"/>
+                </a:solidFill>
+                <a:latin typeface="Euclid Circular B" panose="020B0504000000000000" pitchFamily="34" charset="0"/>
+                <a:ea typeface="Euclid Circular B" panose="020B0504000000000000" pitchFamily="34" charset="0"/>
+              </a:rPr>
+              <a:t>The DistributedLock Library</a:t>
+            </a:r>
+            <a:endParaRPr lang="en-US" b="1" dirty="0">
+              <a:solidFill>
+                <a:srgbClr val="292D33"/>
+              </a:solidFill>
+              <a:latin typeface="Euclid Circular B" panose="020B0504000000000000" pitchFamily="34" charset="0"/>
+              <a:ea typeface="Euclid Circular B" panose="020B0504000000000000" pitchFamily="34" charset="0"/>
+            </a:endParaRPr>
+          </a:p>
+        </p:txBody>
+      </p:sp>
+      <p:pic>
+        <p:nvPicPr>
           <p:cNvPr id="9" name="Picture 8">
             <a:extLst>
               <a:ext uri="{FF2B5EF4-FFF2-40B4-BE49-F238E27FC236}">
@@ -8667,7 +9467,7 @@
 </p:sld>
 </file>
 
-<file path=ppt/slides/slide22.xml><?xml version="1.0" encoding="utf-8"?>
+<file path=ppt/slides/slide23.xml><?xml version="1.0" encoding="utf-8"?>
 <p:sld xmlns:a="http://schemas.openxmlformats.org/drawingml/2006/main" xmlns:r="http://schemas.openxmlformats.org/officeDocument/2006/relationships" xmlns:p="http://schemas.openxmlformats.org/presentationml/2006/main">
   <p:cSld>
     <p:bg>
@@ -9031,7 +9831,7 @@
 </p:sld>
 </file>
 
-<file path=ppt/slides/slide23.xml><?xml version="1.0" encoding="utf-8"?>
+<file path=ppt/slides/slide24.xml><?xml version="1.0" encoding="utf-8"?>
 <p:sld xmlns:a="http://schemas.openxmlformats.org/drawingml/2006/main" xmlns:r="http://schemas.openxmlformats.org/officeDocument/2006/relationships" xmlns:p="http://schemas.openxmlformats.org/presentationml/2006/main">
   <p:cSld>
     <p:bg>
@@ -9386,6 +10186,177 @@
                 <a:latin typeface="Euclid Circular B" panose="020B0504000000000000" pitchFamily="34" charset="0"/>
                 <a:ea typeface="Euclid Circular B" panose="020B0504000000000000" pitchFamily="34" charset="0"/>
               </a:rPr>
+              <a:t>What is Multi-Threading?</a:t>
+            </a:r>
+            <a:endParaRPr lang="en-US" b="1" dirty="0">
+              <a:solidFill>
+                <a:srgbClr val="292D33"/>
+              </a:solidFill>
+              <a:latin typeface="Euclid Circular B" panose="020B0504000000000000" pitchFamily="34" charset="0"/>
+              <a:ea typeface="Euclid Circular B" panose="020B0504000000000000" pitchFamily="34" charset="0"/>
+            </a:endParaRPr>
+          </a:p>
+        </p:txBody>
+      </p:sp>
+      <p:sp>
+        <p:nvSpPr>
+          <p:cNvPr id="3" name="Content Placeholder 2">
+            <a:extLst>
+              <a:ext uri="{FF2B5EF4-FFF2-40B4-BE49-F238E27FC236}">
+                <a16:creationId xmlns:a16="http://schemas.microsoft.com/office/drawing/2014/main" id="{891C7693-D3DF-4635-96F4-97F3B4136FDF}"/>
+              </a:ext>
+            </a:extLst>
+          </p:cNvPr>
+          <p:cNvSpPr>
+            <a:spLocks noGrp="1"/>
+          </p:cNvSpPr>
+          <p:nvPr>
+            <p:ph idx="1"/>
+          </p:nvPr>
+        </p:nvSpPr>
+        <p:spPr/>
+        <p:txBody>
+          <a:bodyPr>
+            <a:normAutofit/>
+          </a:bodyPr>
+          <a:lstStyle/>
+          <a:p>
+            <a:pPr marL="0" indent="0" algn="ctr">
+              <a:buNone/>
+            </a:pPr>
+            <a:endParaRPr lang="tr-TR" sz="3600" dirty="0">
+              <a:latin typeface="Euclid Circular B" panose="020B0504000000000000" pitchFamily="34" charset="0"/>
+              <a:ea typeface="Euclid Circular B" panose="020B0504000000000000" pitchFamily="34" charset="0"/>
+            </a:endParaRPr>
+          </a:p>
+          <a:p>
+            <a:pPr marL="0" indent="0" algn="ctr">
+              <a:buNone/>
+            </a:pPr>
+            <a:endParaRPr lang="tr-TR" sz="3600" dirty="0">
+              <a:latin typeface="Euclid Circular B" panose="020B0504000000000000" pitchFamily="34" charset="0"/>
+              <a:ea typeface="Euclid Circular B" panose="020B0504000000000000" pitchFamily="34" charset="0"/>
+            </a:endParaRPr>
+          </a:p>
+          <a:p>
+            <a:pPr marL="0" indent="0" algn="ctr">
+              <a:buNone/>
+            </a:pPr>
+            <a:r>
+              <a:rPr lang="tr-TR" sz="3600" dirty="0">
+                <a:latin typeface="Euclid Circular B" panose="020B0504000000000000" pitchFamily="34" charset="0"/>
+                <a:ea typeface="Euclid Circular B" panose="020B0504000000000000" pitchFamily="34" charset="0"/>
+              </a:rPr>
+              <a:t>Executing </a:t>
+            </a:r>
+            <a:r>
+              <a:rPr lang="tr-TR" sz="3600" b="1" dirty="0">
+                <a:latin typeface="Euclid Circular B" panose="020B0504000000000000" pitchFamily="34" charset="0"/>
+                <a:ea typeface="Euclid Circular B" panose="020B0504000000000000" pitchFamily="34" charset="0"/>
+              </a:rPr>
+              <a:t>different parts </a:t>
+            </a:r>
+            <a:r>
+              <a:rPr lang="tr-TR" sz="3600" dirty="0">
+                <a:latin typeface="Euclid Circular B" panose="020B0504000000000000" pitchFamily="34" charset="0"/>
+                <a:ea typeface="Euclid Circular B" panose="020B0504000000000000" pitchFamily="34" charset="0"/>
+              </a:rPr>
+              <a:t>of your application code </a:t>
+            </a:r>
+            <a:r>
+              <a:rPr lang="tr-TR" sz="3600" b="1" dirty="0">
+                <a:latin typeface="Euclid Circular B" panose="020B0504000000000000" pitchFamily="34" charset="0"/>
+                <a:ea typeface="Euclid Circular B" panose="020B0504000000000000" pitchFamily="34" charset="0"/>
+              </a:rPr>
+              <a:t>simultaneously</a:t>
+            </a:r>
+            <a:r>
+              <a:rPr lang="tr-TR" sz="3600" dirty="0">
+                <a:latin typeface="Euclid Circular B" panose="020B0504000000000000" pitchFamily="34" charset="0"/>
+                <a:ea typeface="Euclid Circular B" panose="020B0504000000000000" pitchFamily="34" charset="0"/>
+              </a:rPr>
+              <a:t>.</a:t>
+            </a:r>
+            <a:endParaRPr lang="en-US" sz="3600" dirty="0">
+              <a:latin typeface="Euclid Circular B" panose="020B0504000000000000" pitchFamily="34" charset="0"/>
+              <a:ea typeface="Euclid Circular B" panose="020B0504000000000000" pitchFamily="34" charset="0"/>
+            </a:endParaRPr>
+          </a:p>
+        </p:txBody>
+      </p:sp>
+    </p:spTree>
+    <p:extLst>
+      <p:ext uri="{BB962C8B-B14F-4D97-AF65-F5344CB8AC3E}">
+        <p14:creationId xmlns:p14="http://schemas.microsoft.com/office/powerpoint/2010/main" val="3116958821"/>
+      </p:ext>
+    </p:extLst>
+  </p:cSld>
+  <p:clrMapOvr>
+    <a:masterClrMapping/>
+  </p:clrMapOvr>
+</p:sld>
+</file>
+
+<file path=ppt/slides/slide4.xml><?xml version="1.0" encoding="utf-8"?>
+<p:sld xmlns:a="http://schemas.openxmlformats.org/drawingml/2006/main" xmlns:r="http://schemas.openxmlformats.org/officeDocument/2006/relationships" xmlns:p="http://schemas.openxmlformats.org/presentationml/2006/main">
+  <p:cSld>
+    <p:bg>
+      <p:bgPr>
+        <a:blipFill dpi="0" rotWithShape="1">
+          <a:blip r:embed="rId2">
+            <a:lum/>
+          </a:blip>
+          <a:srcRect/>
+          <a:stretch>
+            <a:fillRect/>
+          </a:stretch>
+        </a:blipFill>
+        <a:effectLst/>
+      </p:bgPr>
+    </p:bg>
+    <p:spTree>
+      <p:nvGrpSpPr>
+        <p:cNvPr id="1" name=""/>
+        <p:cNvGrpSpPr/>
+        <p:nvPr/>
+      </p:nvGrpSpPr>
+      <p:grpSpPr>
+        <a:xfrm>
+          <a:off x="0" y="0"/>
+          <a:ext cx="0" cy="0"/>
+          <a:chOff x="0" y="0"/>
+          <a:chExt cx="0" cy="0"/>
+        </a:xfrm>
+      </p:grpSpPr>
+      <p:sp>
+        <p:nvSpPr>
+          <p:cNvPr id="2" name="Title 1">
+            <a:extLst>
+              <a:ext uri="{FF2B5EF4-FFF2-40B4-BE49-F238E27FC236}">
+                <a16:creationId xmlns:a16="http://schemas.microsoft.com/office/drawing/2014/main" id="{55E11F08-6CA0-48F1-AD67-97430DDA07F0}"/>
+              </a:ext>
+            </a:extLst>
+          </p:cNvPr>
+          <p:cNvSpPr>
+            <a:spLocks noGrp="1"/>
+          </p:cNvSpPr>
+          <p:nvPr>
+            <p:ph type="title"/>
+          </p:nvPr>
+        </p:nvSpPr>
+        <p:spPr/>
+        <p:txBody>
+          <a:bodyPr/>
+          <a:lstStyle/>
+          <a:p>
+            <a:r>
+              <a:rPr lang="tr-TR" b="1" dirty="0">
+                <a:solidFill>
+                  <a:srgbClr val="292D33"/>
+                </a:solidFill>
+                <a:latin typeface="Euclid Circular B" panose="020B0504000000000000" pitchFamily="34" charset="0"/>
+                <a:ea typeface="Euclid Circular B" panose="020B0504000000000000" pitchFamily="34" charset="0"/>
+              </a:rPr>
               <a:t>Why Multi-Threading?</a:t>
             </a:r>
             <a:endParaRPr lang="en-US" b="1" dirty="0">
@@ -9756,7 +10727,7 @@
 </p:sld>
 </file>
 
-<file path=ppt/slides/slide4.xml><?xml version="1.0" encoding="utf-8"?>
+<file path=ppt/slides/slide5.xml><?xml version="1.0" encoding="utf-8"?>
 <p:sld xmlns:a="http://schemas.openxmlformats.org/drawingml/2006/main" xmlns:r="http://schemas.openxmlformats.org/officeDocument/2006/relationships" xmlns:p="http://schemas.openxmlformats.org/presentationml/2006/main">
   <p:cSld>
     <p:bg>
@@ -12203,7 +13174,7 @@
 </p:sld>
 </file>
 
-<file path=ppt/slides/slide5.xml><?xml version="1.0" encoding="utf-8"?>
+<file path=ppt/slides/slide6.xml><?xml version="1.0" encoding="utf-8"?>
 <p:sld xmlns:a="http://schemas.openxmlformats.org/drawingml/2006/main" xmlns:r="http://schemas.openxmlformats.org/officeDocument/2006/relationships" xmlns:p="http://schemas.openxmlformats.org/presentationml/2006/main">
   <p:cSld>
     <p:bg>
@@ -16049,7 +17020,7 @@
 </p:sld>
 </file>
 
-<file path=ppt/slides/slide6.xml><?xml version="1.0" encoding="utf-8"?>
+<file path=ppt/slides/slide7.xml><?xml version="1.0" encoding="utf-8"?>
 <p:sld xmlns:a="http://schemas.openxmlformats.org/drawingml/2006/main" xmlns:r="http://schemas.openxmlformats.org/officeDocument/2006/relationships" xmlns:p="http://schemas.openxmlformats.org/presentationml/2006/main">
   <p:cSld>
     <p:bg>
@@ -16210,204 +17181,6 @@
                                         <p:cTn id="7" dur="500"/>
                                         <p:tgtEl>
                                           <p:spTgt spid="5"/>
-                                        </p:tgtEl>
-                                      </p:cBhvr>
-                                    </p:animEffect>
-                                  </p:childTnLst>
-                                </p:cTn>
-                              </p:par>
-                            </p:childTnLst>
-                          </p:cTn>
-                        </p:par>
-                      </p:childTnLst>
-                    </p:cTn>
-                  </p:par>
-                </p:childTnLst>
-              </p:cTn>
-              <p:prevCondLst>
-                <p:cond evt="onPrev" delay="0">
-                  <p:tgtEl>
-                    <p:sldTgt/>
-                  </p:tgtEl>
-                </p:cond>
-              </p:prevCondLst>
-              <p:nextCondLst>
-                <p:cond evt="onNext" delay="0">
-                  <p:tgtEl>
-                    <p:sldTgt/>
-                  </p:tgtEl>
-                </p:cond>
-              </p:nextCondLst>
-            </p:seq>
-          </p:childTnLst>
-        </p:cTn>
-      </p:par>
-    </p:tnLst>
-  </p:timing>
-</p:sld>
-</file>
-
-<file path=ppt/slides/slide7.xml><?xml version="1.0" encoding="utf-8"?>
-<p:sld xmlns:a="http://schemas.openxmlformats.org/drawingml/2006/main" xmlns:r="http://schemas.openxmlformats.org/officeDocument/2006/relationships" xmlns:p="http://schemas.openxmlformats.org/presentationml/2006/main">
-  <p:cSld>
-    <p:bg>
-      <p:bgPr>
-        <a:blipFill dpi="0" rotWithShape="1">
-          <a:blip r:embed="rId2">
-            <a:lum/>
-          </a:blip>
-          <a:srcRect/>
-          <a:stretch>
-            <a:fillRect/>
-          </a:stretch>
-        </a:blipFill>
-        <a:effectLst/>
-      </p:bgPr>
-    </p:bg>
-    <p:spTree>
-      <p:nvGrpSpPr>
-        <p:cNvPr id="1" name=""/>
-        <p:cNvGrpSpPr/>
-        <p:nvPr/>
-      </p:nvGrpSpPr>
-      <p:grpSpPr>
-        <a:xfrm>
-          <a:off x="0" y="0"/>
-          <a:ext cx="0" cy="0"/>
-          <a:chOff x="0" y="0"/>
-          <a:chExt cx="0" cy="0"/>
-        </a:xfrm>
-      </p:grpSpPr>
-      <p:sp>
-        <p:nvSpPr>
-          <p:cNvPr id="2" name="Title 1">
-            <a:extLst>
-              <a:ext uri="{FF2B5EF4-FFF2-40B4-BE49-F238E27FC236}">
-                <a16:creationId xmlns:a16="http://schemas.microsoft.com/office/drawing/2014/main" id="{55E11F08-6CA0-48F1-AD67-97430DDA07F0}"/>
-              </a:ext>
-            </a:extLst>
-          </p:cNvPr>
-          <p:cNvSpPr>
-            <a:spLocks noGrp="1"/>
-          </p:cNvSpPr>
-          <p:nvPr>
-            <p:ph type="title"/>
-          </p:nvPr>
-        </p:nvSpPr>
-        <p:spPr/>
-        <p:txBody>
-          <a:bodyPr/>
-          <a:lstStyle/>
-          <a:p>
-            <a:r>
-              <a:rPr lang="tr-TR" b="1" dirty="0">
-                <a:solidFill>
-                  <a:srgbClr val="292D33"/>
-                </a:solidFill>
-                <a:latin typeface="Euclid Circular B" panose="020B0504000000000000" pitchFamily="34" charset="0"/>
-                <a:ea typeface="Euclid Circular B" panose="020B0504000000000000" pitchFamily="34" charset="0"/>
-              </a:rPr>
-              <a:t>Multiple Thread: Start / Join</a:t>
-            </a:r>
-            <a:endParaRPr lang="en-US" b="1" dirty="0">
-              <a:solidFill>
-                <a:srgbClr val="292D33"/>
-              </a:solidFill>
-              <a:latin typeface="Euclid Circular B" panose="020B0504000000000000" pitchFamily="34" charset="0"/>
-              <a:ea typeface="Euclid Circular B" panose="020B0504000000000000" pitchFamily="34" charset="0"/>
-            </a:endParaRPr>
-          </a:p>
-        </p:txBody>
-      </p:sp>
-      <p:pic>
-        <p:nvPicPr>
-          <p:cNvPr id="4" name="Picture 3">
-            <a:extLst>
-              <a:ext uri="{FF2B5EF4-FFF2-40B4-BE49-F238E27FC236}">
-                <a16:creationId xmlns:a16="http://schemas.microsoft.com/office/drawing/2014/main" id="{A891E595-3D05-22D6-EB9F-AA8D4FDEDC45}"/>
-              </a:ext>
-            </a:extLst>
-          </p:cNvPr>
-          <p:cNvPicPr>
-            <a:picLocks noChangeAspect="1"/>
-          </p:cNvPicPr>
-          <p:nvPr/>
-        </p:nvPicPr>
-        <p:blipFill>
-          <a:blip r:embed="rId3"/>
-          <a:stretch>
-            <a:fillRect/>
-          </a:stretch>
-        </p:blipFill>
-        <p:spPr>
-          <a:xfrm>
-            <a:off x="838200" y="1690688"/>
-            <a:ext cx="4801219" cy="4615844"/>
-          </a:xfrm>
-          <a:prstGeom prst="rect">
-            <a:avLst/>
-          </a:prstGeom>
-        </p:spPr>
-      </p:pic>
-    </p:spTree>
-    <p:extLst>
-      <p:ext uri="{BB962C8B-B14F-4D97-AF65-F5344CB8AC3E}">
-        <p14:creationId xmlns:p14="http://schemas.microsoft.com/office/powerpoint/2010/main" val="3542777870"/>
-      </p:ext>
-    </p:extLst>
-  </p:cSld>
-  <p:clrMapOvr>
-    <a:masterClrMapping/>
-  </p:clrMapOvr>
-  <p:timing>
-    <p:tnLst>
-      <p:par>
-        <p:cTn id="1" dur="indefinite" restart="never" nodeType="tmRoot">
-          <p:childTnLst>
-            <p:seq concurrent="1" nextAc="seek">
-              <p:cTn id="2" dur="indefinite" nodeType="mainSeq">
-                <p:childTnLst>
-                  <p:par>
-                    <p:cTn id="3" fill="hold">
-                      <p:stCondLst>
-                        <p:cond delay="indefinite"/>
-                      </p:stCondLst>
-                      <p:childTnLst>
-                        <p:par>
-                          <p:cTn id="4" fill="hold">
-                            <p:stCondLst>
-                              <p:cond delay="0"/>
-                            </p:stCondLst>
-                            <p:childTnLst>
-                              <p:par>
-                                <p:cTn id="5" presetID="10" presetClass="entr" presetSubtype="0" fill="hold" nodeType="clickEffect">
-                                  <p:stCondLst>
-                                    <p:cond delay="0"/>
-                                  </p:stCondLst>
-                                  <p:childTnLst>
-                                    <p:set>
-                                      <p:cBhvr>
-                                        <p:cTn id="6" dur="1" fill="hold">
-                                          <p:stCondLst>
-                                            <p:cond delay="0"/>
-                                          </p:stCondLst>
-                                        </p:cTn>
-                                        <p:tgtEl>
-                                          <p:spTgt spid="4"/>
-                                        </p:tgtEl>
-                                        <p:attrNameLst>
-                                          <p:attrName>style.visibility</p:attrName>
-                                        </p:attrNameLst>
-                                      </p:cBhvr>
-                                      <p:to>
-                                        <p:strVal val="visible"/>
-                                      </p:to>
-                                    </p:set>
-                                    <p:animEffect transition="in" filter="fade">
-                                      <p:cBhvr>
-                                        <p:cTn id="7" dur="500"/>
-                                        <p:tgtEl>
-                                          <p:spTgt spid="4"/>
                                         </p:tgtEl>
                                       </p:cBhvr>
                                     </p:animEffect>
@@ -16505,6 +17278,204 @@
                 <a:latin typeface="Euclid Circular B" panose="020B0504000000000000" pitchFamily="34" charset="0"/>
                 <a:ea typeface="Euclid Circular B" panose="020B0504000000000000" pitchFamily="34" charset="0"/>
               </a:rPr>
+              <a:t>Multiple Thread: Start / Join</a:t>
+            </a:r>
+            <a:endParaRPr lang="en-US" b="1" dirty="0">
+              <a:solidFill>
+                <a:srgbClr val="292D33"/>
+              </a:solidFill>
+              <a:latin typeface="Euclid Circular B" panose="020B0504000000000000" pitchFamily="34" charset="0"/>
+              <a:ea typeface="Euclid Circular B" panose="020B0504000000000000" pitchFamily="34" charset="0"/>
+            </a:endParaRPr>
+          </a:p>
+        </p:txBody>
+      </p:sp>
+      <p:pic>
+        <p:nvPicPr>
+          <p:cNvPr id="4" name="Picture 3">
+            <a:extLst>
+              <a:ext uri="{FF2B5EF4-FFF2-40B4-BE49-F238E27FC236}">
+                <a16:creationId xmlns:a16="http://schemas.microsoft.com/office/drawing/2014/main" id="{A891E595-3D05-22D6-EB9F-AA8D4FDEDC45}"/>
+              </a:ext>
+            </a:extLst>
+          </p:cNvPr>
+          <p:cNvPicPr>
+            <a:picLocks noChangeAspect="1"/>
+          </p:cNvPicPr>
+          <p:nvPr/>
+        </p:nvPicPr>
+        <p:blipFill>
+          <a:blip r:embed="rId3"/>
+          <a:stretch>
+            <a:fillRect/>
+          </a:stretch>
+        </p:blipFill>
+        <p:spPr>
+          <a:xfrm>
+            <a:off x="838200" y="1690688"/>
+            <a:ext cx="4801219" cy="4615844"/>
+          </a:xfrm>
+          <a:prstGeom prst="rect">
+            <a:avLst/>
+          </a:prstGeom>
+        </p:spPr>
+      </p:pic>
+    </p:spTree>
+    <p:extLst>
+      <p:ext uri="{BB962C8B-B14F-4D97-AF65-F5344CB8AC3E}">
+        <p14:creationId xmlns:p14="http://schemas.microsoft.com/office/powerpoint/2010/main" val="3542777870"/>
+      </p:ext>
+    </p:extLst>
+  </p:cSld>
+  <p:clrMapOvr>
+    <a:masterClrMapping/>
+  </p:clrMapOvr>
+  <p:timing>
+    <p:tnLst>
+      <p:par>
+        <p:cTn id="1" dur="indefinite" restart="never" nodeType="tmRoot">
+          <p:childTnLst>
+            <p:seq concurrent="1" nextAc="seek">
+              <p:cTn id="2" dur="indefinite" nodeType="mainSeq">
+                <p:childTnLst>
+                  <p:par>
+                    <p:cTn id="3" fill="hold">
+                      <p:stCondLst>
+                        <p:cond delay="indefinite"/>
+                      </p:stCondLst>
+                      <p:childTnLst>
+                        <p:par>
+                          <p:cTn id="4" fill="hold">
+                            <p:stCondLst>
+                              <p:cond delay="0"/>
+                            </p:stCondLst>
+                            <p:childTnLst>
+                              <p:par>
+                                <p:cTn id="5" presetID="10" presetClass="entr" presetSubtype="0" fill="hold" nodeType="clickEffect">
+                                  <p:stCondLst>
+                                    <p:cond delay="0"/>
+                                  </p:stCondLst>
+                                  <p:childTnLst>
+                                    <p:set>
+                                      <p:cBhvr>
+                                        <p:cTn id="6" dur="1" fill="hold">
+                                          <p:stCondLst>
+                                            <p:cond delay="0"/>
+                                          </p:stCondLst>
+                                        </p:cTn>
+                                        <p:tgtEl>
+                                          <p:spTgt spid="4"/>
+                                        </p:tgtEl>
+                                        <p:attrNameLst>
+                                          <p:attrName>style.visibility</p:attrName>
+                                        </p:attrNameLst>
+                                      </p:cBhvr>
+                                      <p:to>
+                                        <p:strVal val="visible"/>
+                                      </p:to>
+                                    </p:set>
+                                    <p:animEffect transition="in" filter="fade">
+                                      <p:cBhvr>
+                                        <p:cTn id="7" dur="500"/>
+                                        <p:tgtEl>
+                                          <p:spTgt spid="4"/>
+                                        </p:tgtEl>
+                                      </p:cBhvr>
+                                    </p:animEffect>
+                                  </p:childTnLst>
+                                </p:cTn>
+                              </p:par>
+                            </p:childTnLst>
+                          </p:cTn>
+                        </p:par>
+                      </p:childTnLst>
+                    </p:cTn>
+                  </p:par>
+                </p:childTnLst>
+              </p:cTn>
+              <p:prevCondLst>
+                <p:cond evt="onPrev" delay="0">
+                  <p:tgtEl>
+                    <p:sldTgt/>
+                  </p:tgtEl>
+                </p:cond>
+              </p:prevCondLst>
+              <p:nextCondLst>
+                <p:cond evt="onNext" delay="0">
+                  <p:tgtEl>
+                    <p:sldTgt/>
+                  </p:tgtEl>
+                </p:cond>
+              </p:nextCondLst>
+            </p:seq>
+          </p:childTnLst>
+        </p:cTn>
+      </p:par>
+    </p:tnLst>
+  </p:timing>
+</p:sld>
+</file>
+
+<file path=ppt/slides/slide9.xml><?xml version="1.0" encoding="utf-8"?>
+<p:sld xmlns:a="http://schemas.openxmlformats.org/drawingml/2006/main" xmlns:r="http://schemas.openxmlformats.org/officeDocument/2006/relationships" xmlns:p="http://schemas.openxmlformats.org/presentationml/2006/main">
+  <p:cSld>
+    <p:bg>
+      <p:bgPr>
+        <a:blipFill dpi="0" rotWithShape="1">
+          <a:blip r:embed="rId2">
+            <a:lum/>
+          </a:blip>
+          <a:srcRect/>
+          <a:stretch>
+            <a:fillRect/>
+          </a:stretch>
+        </a:blipFill>
+        <a:effectLst/>
+      </p:bgPr>
+    </p:bg>
+    <p:spTree>
+      <p:nvGrpSpPr>
+        <p:cNvPr id="1" name=""/>
+        <p:cNvGrpSpPr/>
+        <p:nvPr/>
+      </p:nvGrpSpPr>
+      <p:grpSpPr>
+        <a:xfrm>
+          <a:off x="0" y="0"/>
+          <a:ext cx="0" cy="0"/>
+          <a:chOff x="0" y="0"/>
+          <a:chExt cx="0" cy="0"/>
+        </a:xfrm>
+      </p:grpSpPr>
+      <p:sp>
+        <p:nvSpPr>
+          <p:cNvPr id="2" name="Title 1">
+            <a:extLst>
+              <a:ext uri="{FF2B5EF4-FFF2-40B4-BE49-F238E27FC236}">
+                <a16:creationId xmlns:a16="http://schemas.microsoft.com/office/drawing/2014/main" id="{55E11F08-6CA0-48F1-AD67-97430DDA07F0}"/>
+              </a:ext>
+            </a:extLst>
+          </p:cNvPr>
+          <p:cNvSpPr>
+            <a:spLocks noGrp="1"/>
+          </p:cNvSpPr>
+          <p:nvPr>
+            <p:ph type="title"/>
+          </p:nvPr>
+        </p:nvSpPr>
+        <p:spPr/>
+        <p:txBody>
+          <a:bodyPr/>
+          <a:lstStyle/>
+          <a:p>
+            <a:r>
+              <a:rPr lang="tr-TR" b="1" dirty="0">
+                <a:solidFill>
+                  <a:srgbClr val="292D33"/>
+                </a:solidFill>
+                <a:latin typeface="Euclid Circular B" panose="020B0504000000000000" pitchFamily="34" charset="0"/>
+                <a:ea typeface="Euclid Circular B" panose="020B0504000000000000" pitchFamily="34" charset="0"/>
+              </a:rPr>
               <a:t>Parameterized Thread: Start / Join</a:t>
             </a:r>
             <a:endParaRPr lang="en-US" b="1" dirty="0">
@@ -16753,693 +17724,6 @@
     </p:tnLst>
     <p:bldLst>
       <p:bldP spid="8" grpId="0" build="p"/>
-    </p:bldLst>
-  </p:timing>
-</p:sld>
-</file>
-
-<file path=ppt/slides/slide9.xml><?xml version="1.0" encoding="utf-8"?>
-<p:sld xmlns:a="http://schemas.openxmlformats.org/drawingml/2006/main" xmlns:r="http://schemas.openxmlformats.org/officeDocument/2006/relationships" xmlns:p="http://schemas.openxmlformats.org/presentationml/2006/main">
-  <p:cSld>
-    <p:bg>
-      <p:bgPr>
-        <a:blipFill dpi="0" rotWithShape="1">
-          <a:blip r:embed="rId2">
-            <a:lum/>
-          </a:blip>
-          <a:srcRect/>
-          <a:stretch>
-            <a:fillRect/>
-          </a:stretch>
-        </a:blipFill>
-        <a:effectLst/>
-      </p:bgPr>
-    </p:bg>
-    <p:spTree>
-      <p:nvGrpSpPr>
-        <p:cNvPr id="1" name=""/>
-        <p:cNvGrpSpPr/>
-        <p:nvPr/>
-      </p:nvGrpSpPr>
-      <p:grpSpPr>
-        <a:xfrm>
-          <a:off x="0" y="0"/>
-          <a:ext cx="0" cy="0"/>
-          <a:chOff x="0" y="0"/>
-          <a:chExt cx="0" cy="0"/>
-        </a:xfrm>
-      </p:grpSpPr>
-      <p:sp>
-        <p:nvSpPr>
-          <p:cNvPr id="2" name="Title 1">
-            <a:extLst>
-              <a:ext uri="{FF2B5EF4-FFF2-40B4-BE49-F238E27FC236}">
-                <a16:creationId xmlns:a16="http://schemas.microsoft.com/office/drawing/2014/main" id="{55E11F08-6CA0-48F1-AD67-97430DDA07F0}"/>
-              </a:ext>
-            </a:extLst>
-          </p:cNvPr>
-          <p:cNvSpPr>
-            <a:spLocks noGrp="1"/>
-          </p:cNvSpPr>
-          <p:nvPr>
-            <p:ph type="title"/>
-          </p:nvPr>
-        </p:nvSpPr>
-        <p:spPr/>
-        <p:txBody>
-          <a:bodyPr/>
-          <a:lstStyle/>
-          <a:p>
-            <a:r>
-              <a:rPr lang="en-US" b="1" dirty="0">
-                <a:solidFill>
-                  <a:srgbClr val="292D33"/>
-                </a:solidFill>
-                <a:latin typeface="Euclid Circular B" panose="020B0504000000000000" pitchFamily="34" charset="0"/>
-                <a:ea typeface="Euclid Circular B" panose="020B0504000000000000" pitchFamily="34" charset="0"/>
-              </a:rPr>
-              <a:t>Sharing State Between Threads</a:t>
-            </a:r>
-          </a:p>
-        </p:txBody>
-      </p:sp>
-      <p:sp>
-        <p:nvSpPr>
-          <p:cNvPr id="3" name="Content Placeholder 2">
-            <a:extLst>
-              <a:ext uri="{FF2B5EF4-FFF2-40B4-BE49-F238E27FC236}">
-                <a16:creationId xmlns:a16="http://schemas.microsoft.com/office/drawing/2014/main" id="{891C7693-D3DF-4635-96F4-97F3B4136FDF}"/>
-              </a:ext>
-            </a:extLst>
-          </p:cNvPr>
-          <p:cNvSpPr>
-            <a:spLocks noGrp="1"/>
-          </p:cNvSpPr>
-          <p:nvPr>
-            <p:ph idx="1"/>
-          </p:nvPr>
-        </p:nvSpPr>
-        <p:spPr>
-          <a:xfrm>
-            <a:off x="838200" y="1825625"/>
-            <a:ext cx="10515600" cy="1856578"/>
-          </a:xfrm>
-        </p:spPr>
-        <p:txBody>
-          <a:bodyPr/>
-          <a:lstStyle/>
-          <a:p>
-            <a:r>
-              <a:rPr lang="en-US" dirty="0">
-                <a:latin typeface="Euclid Circular B" panose="020B0504000000000000" pitchFamily="34" charset="0"/>
-                <a:ea typeface="Euclid Circular B" panose="020B0504000000000000" pitchFamily="34" charset="0"/>
-              </a:rPr>
-              <a:t>All threads in a process </a:t>
-            </a:r>
-            <a:r>
-              <a:rPr lang="en-US" b="1" dirty="0">
-                <a:latin typeface="Euclid Circular B" panose="020B0504000000000000" pitchFamily="34" charset="0"/>
-                <a:ea typeface="Euclid Circular B" panose="020B0504000000000000" pitchFamily="34" charset="0"/>
-              </a:rPr>
-              <a:t>share </a:t>
-            </a:r>
-            <a:r>
-              <a:rPr lang="en-US" dirty="0">
-                <a:latin typeface="Euclid Circular B" panose="020B0504000000000000" pitchFamily="34" charset="0"/>
-                <a:ea typeface="Euclid Circular B" panose="020B0504000000000000" pitchFamily="34" charset="0"/>
-              </a:rPr>
-              <a:t>the same application </a:t>
-            </a:r>
-            <a:r>
-              <a:rPr lang="en-US" b="1" dirty="0">
-                <a:latin typeface="Euclid Circular B" panose="020B0504000000000000" pitchFamily="34" charset="0"/>
-                <a:ea typeface="Euclid Circular B" panose="020B0504000000000000" pitchFamily="34" charset="0"/>
-              </a:rPr>
-              <a:t>state</a:t>
-            </a:r>
-            <a:r>
-              <a:rPr lang="en-US" dirty="0">
-                <a:latin typeface="Euclid Circular B" panose="020B0504000000000000" pitchFamily="34" charset="0"/>
-                <a:ea typeface="Euclid Circular B" panose="020B0504000000000000" pitchFamily="34" charset="0"/>
-              </a:rPr>
-              <a:t>.</a:t>
-            </a:r>
-          </a:p>
-          <a:p>
-            <a:r>
-              <a:rPr lang="en-US" dirty="0">
-                <a:latin typeface="Euclid Circular B" panose="020B0504000000000000" pitchFamily="34" charset="0"/>
-                <a:ea typeface="Euclid Circular B" panose="020B0504000000000000" pitchFamily="34" charset="0"/>
-              </a:rPr>
-              <a:t>Should </a:t>
-            </a:r>
-            <a:r>
-              <a:rPr lang="en-US" b="1" dirty="0">
-                <a:latin typeface="Euclid Circular B" panose="020B0504000000000000" pitchFamily="34" charset="0"/>
-                <a:ea typeface="Euclid Circular B" panose="020B0504000000000000" pitchFamily="34" charset="0"/>
-              </a:rPr>
-              <a:t>care </a:t>
-            </a:r>
-            <a:r>
-              <a:rPr lang="en-US" dirty="0">
-                <a:latin typeface="Euclid Circular B" panose="020B0504000000000000" pitchFamily="34" charset="0"/>
-                <a:ea typeface="Euclid Circular B" panose="020B0504000000000000" pitchFamily="34" charset="0"/>
-              </a:rPr>
-              <a:t>while accessing a </a:t>
-            </a:r>
-            <a:r>
-              <a:rPr lang="en-US" b="1" dirty="0">
-                <a:latin typeface="Euclid Circular B" panose="020B0504000000000000" pitchFamily="34" charset="0"/>
-                <a:ea typeface="Euclid Circular B" panose="020B0504000000000000" pitchFamily="34" charset="0"/>
-              </a:rPr>
-              <a:t>shared state</a:t>
-            </a:r>
-            <a:r>
-              <a:rPr lang="en-US" dirty="0">
-                <a:latin typeface="Euclid Circular B" panose="020B0504000000000000" pitchFamily="34" charset="0"/>
-                <a:ea typeface="Euclid Circular B" panose="020B0504000000000000" pitchFamily="34" charset="0"/>
-              </a:rPr>
-              <a:t>/variable/field.</a:t>
-            </a:r>
-          </a:p>
-          <a:p>
-            <a:r>
-              <a:rPr lang="en-US" dirty="0">
-                <a:latin typeface="Euclid Circular B" panose="020B0504000000000000" pitchFamily="34" charset="0"/>
-                <a:ea typeface="Euclid Circular B" panose="020B0504000000000000" pitchFamily="34" charset="0"/>
-              </a:rPr>
-              <a:t>Can use </a:t>
-            </a:r>
-            <a:r>
-              <a:rPr lang="en-US" b="1" dirty="0">
-                <a:latin typeface="Euclid Circular B" panose="020B0504000000000000" pitchFamily="34" charset="0"/>
-                <a:ea typeface="Euclid Circular B" panose="020B0504000000000000" pitchFamily="34" charset="0"/>
-              </a:rPr>
-              <a:t>exclusive locks </a:t>
-            </a:r>
-            <a:r>
-              <a:rPr lang="en-US" dirty="0">
-                <a:latin typeface="Euclid Circular B" panose="020B0504000000000000" pitchFamily="34" charset="0"/>
-                <a:ea typeface="Euclid Circular B" panose="020B0504000000000000" pitchFamily="34" charset="0"/>
-              </a:rPr>
-              <a:t>to regulate concurrent access</a:t>
-            </a:r>
-          </a:p>
-        </p:txBody>
-      </p:sp>
-      <p:sp>
-        <p:nvSpPr>
-          <p:cNvPr id="4" name="Content Placeholder 2">
-            <a:extLst>
-              <a:ext uri="{FF2B5EF4-FFF2-40B4-BE49-F238E27FC236}">
-                <a16:creationId xmlns:a16="http://schemas.microsoft.com/office/drawing/2014/main" id="{3780E134-2315-442C-D3DC-DA11CFC7D305}"/>
-              </a:ext>
-            </a:extLst>
-          </p:cNvPr>
-          <p:cNvSpPr txBox="1">
-            <a:spLocks/>
-          </p:cNvSpPr>
-          <p:nvPr/>
-        </p:nvSpPr>
-        <p:spPr>
-          <a:xfrm>
-            <a:off x="838200" y="3473080"/>
-            <a:ext cx="10515600" cy="2959525"/>
-          </a:xfrm>
-          <a:prstGeom prst="rect">
-            <a:avLst/>
-          </a:prstGeom>
-        </p:spPr>
-        <p:txBody>
-          <a:bodyPr vert="horz" lIns="91440" tIns="45720" rIns="91440" bIns="45720" rtlCol="0" anchor="ctr">
-            <a:normAutofit/>
-          </a:bodyPr>
-          <a:lstStyle>
-            <a:lvl1pPr marL="228600" indent="-228600" algn="l" defTabSz="914400" rtl="0" eaLnBrk="1" latinLnBrk="0" hangingPunct="1">
-              <a:lnSpc>
-                <a:spcPct val="90000"/>
-              </a:lnSpc>
-              <a:spcBef>
-                <a:spcPts val="1000"/>
-              </a:spcBef>
-              <a:buFont typeface="Arial" panose="020B0604020202020204" pitchFamily="34" charset="0"/>
-              <a:buChar char="•"/>
-              <a:defRPr sz="2800" kern="1200">
-                <a:solidFill>
-                  <a:schemeClr val="tx1"/>
-                </a:solidFill>
-                <a:latin typeface="+mn-lt"/>
-                <a:ea typeface="+mn-ea"/>
-                <a:cs typeface="+mn-cs"/>
-              </a:defRPr>
-            </a:lvl1pPr>
-            <a:lvl2pPr marL="685800" indent="-228600" algn="l" defTabSz="914400" rtl="0" eaLnBrk="1" latinLnBrk="0" hangingPunct="1">
-              <a:lnSpc>
-                <a:spcPct val="90000"/>
-              </a:lnSpc>
-              <a:spcBef>
-                <a:spcPts val="500"/>
-              </a:spcBef>
-              <a:buFont typeface="Arial" panose="020B0604020202020204" pitchFamily="34" charset="0"/>
-              <a:buChar char="•"/>
-              <a:defRPr sz="2400" kern="1200">
-                <a:solidFill>
-                  <a:schemeClr val="tx1"/>
-                </a:solidFill>
-                <a:latin typeface="+mn-lt"/>
-                <a:ea typeface="+mn-ea"/>
-                <a:cs typeface="+mn-cs"/>
-              </a:defRPr>
-            </a:lvl2pPr>
-            <a:lvl3pPr marL="1143000" indent="-228600" algn="l" defTabSz="914400" rtl="0" eaLnBrk="1" latinLnBrk="0" hangingPunct="1">
-              <a:lnSpc>
-                <a:spcPct val="90000"/>
-              </a:lnSpc>
-              <a:spcBef>
-                <a:spcPts val="500"/>
-              </a:spcBef>
-              <a:buFont typeface="Arial" panose="020B0604020202020204" pitchFamily="34" charset="0"/>
-              <a:buChar char="•"/>
-              <a:defRPr sz="2000" kern="1200">
-                <a:solidFill>
-                  <a:schemeClr val="tx1"/>
-                </a:solidFill>
-                <a:latin typeface="+mn-lt"/>
-                <a:ea typeface="+mn-ea"/>
-                <a:cs typeface="+mn-cs"/>
-              </a:defRPr>
-            </a:lvl3pPr>
-            <a:lvl4pPr marL="1600200" indent="-228600" algn="l" defTabSz="914400" rtl="0" eaLnBrk="1" latinLnBrk="0" hangingPunct="1">
-              <a:lnSpc>
-                <a:spcPct val="90000"/>
-              </a:lnSpc>
-              <a:spcBef>
-                <a:spcPts val="500"/>
-              </a:spcBef>
-              <a:buFont typeface="Arial" panose="020B0604020202020204" pitchFamily="34" charset="0"/>
-              <a:buChar char="•"/>
-              <a:defRPr sz="1800" kern="1200">
-                <a:solidFill>
-                  <a:schemeClr val="tx1"/>
-                </a:solidFill>
-                <a:latin typeface="+mn-lt"/>
-                <a:ea typeface="+mn-ea"/>
-                <a:cs typeface="+mn-cs"/>
-              </a:defRPr>
-            </a:lvl4pPr>
-            <a:lvl5pPr marL="2057400" indent="-228600" algn="l" defTabSz="914400" rtl="0" eaLnBrk="1" latinLnBrk="0" hangingPunct="1">
-              <a:lnSpc>
-                <a:spcPct val="90000"/>
-              </a:lnSpc>
-              <a:spcBef>
-                <a:spcPts val="500"/>
-              </a:spcBef>
-              <a:buFont typeface="Arial" panose="020B0604020202020204" pitchFamily="34" charset="0"/>
-              <a:buChar char="•"/>
-              <a:defRPr sz="1800" kern="1200">
-                <a:solidFill>
-                  <a:schemeClr val="tx1"/>
-                </a:solidFill>
-                <a:latin typeface="+mn-lt"/>
-                <a:ea typeface="+mn-ea"/>
-                <a:cs typeface="+mn-cs"/>
-              </a:defRPr>
-            </a:lvl5pPr>
-            <a:lvl6pPr marL="2514600" indent="-228600" algn="l" defTabSz="914400" rtl="0" eaLnBrk="1" latinLnBrk="0" hangingPunct="1">
-              <a:lnSpc>
-                <a:spcPct val="90000"/>
-              </a:lnSpc>
-              <a:spcBef>
-                <a:spcPts val="500"/>
-              </a:spcBef>
-              <a:buFont typeface="Arial" panose="020B0604020202020204" pitchFamily="34" charset="0"/>
-              <a:buChar char="•"/>
-              <a:defRPr sz="1800" kern="1200">
-                <a:solidFill>
-                  <a:schemeClr val="tx1"/>
-                </a:solidFill>
-                <a:latin typeface="+mn-lt"/>
-                <a:ea typeface="+mn-ea"/>
-                <a:cs typeface="+mn-cs"/>
-              </a:defRPr>
-            </a:lvl6pPr>
-            <a:lvl7pPr marL="2971800" indent="-228600" algn="l" defTabSz="914400" rtl="0" eaLnBrk="1" latinLnBrk="0" hangingPunct="1">
-              <a:lnSpc>
-                <a:spcPct val="90000"/>
-              </a:lnSpc>
-              <a:spcBef>
-                <a:spcPts val="500"/>
-              </a:spcBef>
-              <a:buFont typeface="Arial" panose="020B0604020202020204" pitchFamily="34" charset="0"/>
-              <a:buChar char="•"/>
-              <a:defRPr sz="1800" kern="1200">
-                <a:solidFill>
-                  <a:schemeClr val="tx1"/>
-                </a:solidFill>
-                <a:latin typeface="+mn-lt"/>
-                <a:ea typeface="+mn-ea"/>
-                <a:cs typeface="+mn-cs"/>
-              </a:defRPr>
-            </a:lvl7pPr>
-            <a:lvl8pPr marL="3429000" indent="-228600" algn="l" defTabSz="914400" rtl="0" eaLnBrk="1" latinLnBrk="0" hangingPunct="1">
-              <a:lnSpc>
-                <a:spcPct val="90000"/>
-              </a:lnSpc>
-              <a:spcBef>
-                <a:spcPts val="500"/>
-              </a:spcBef>
-              <a:buFont typeface="Arial" panose="020B0604020202020204" pitchFamily="34" charset="0"/>
-              <a:buChar char="•"/>
-              <a:defRPr sz="1800" kern="1200">
-                <a:solidFill>
-                  <a:schemeClr val="tx1"/>
-                </a:solidFill>
-                <a:latin typeface="+mn-lt"/>
-                <a:ea typeface="+mn-ea"/>
-                <a:cs typeface="+mn-cs"/>
-              </a:defRPr>
-            </a:lvl8pPr>
-            <a:lvl9pPr marL="3886200" indent="-228600" algn="l" defTabSz="914400" rtl="0" eaLnBrk="1" latinLnBrk="0" hangingPunct="1">
-              <a:lnSpc>
-                <a:spcPct val="90000"/>
-              </a:lnSpc>
-              <a:spcBef>
-                <a:spcPts val="500"/>
-              </a:spcBef>
-              <a:buFont typeface="Arial" panose="020B0604020202020204" pitchFamily="34" charset="0"/>
-              <a:buChar char="•"/>
-              <a:defRPr sz="1800" kern="1200">
-                <a:solidFill>
-                  <a:schemeClr val="tx1"/>
-                </a:solidFill>
-                <a:latin typeface="+mn-lt"/>
-                <a:ea typeface="+mn-ea"/>
-                <a:cs typeface="+mn-cs"/>
-              </a:defRPr>
-            </a:lvl9pPr>
-          </a:lstStyle>
-          <a:p>
-            <a:pPr marL="0" indent="0" algn="ctr">
-              <a:buFont typeface="Arial" panose="020B0604020202020204" pitchFamily="34" charset="0"/>
-              <a:buNone/>
-            </a:pPr>
-            <a:r>
-              <a:rPr lang="tr-TR" sz="8800" dirty="0">
-                <a:solidFill>
-                  <a:srgbClr val="FF0000"/>
-                </a:solidFill>
-                <a:latin typeface="Euclid Circular B" panose="020B0504000000000000" pitchFamily="34" charset="0"/>
-                <a:ea typeface="Euclid Circular B" panose="020B0504000000000000" pitchFamily="34" charset="0"/>
-              </a:rPr>
-              <a:t>DEMO</a:t>
-            </a:r>
-            <a:endParaRPr lang="en-US" sz="8800" dirty="0">
-              <a:solidFill>
-                <a:srgbClr val="FF0000"/>
-              </a:solidFill>
-              <a:latin typeface="Euclid Circular B" panose="020B0504000000000000" pitchFamily="34" charset="0"/>
-              <a:ea typeface="Euclid Circular B" panose="020B0504000000000000" pitchFamily="34" charset="0"/>
-            </a:endParaRPr>
-          </a:p>
-        </p:txBody>
-      </p:sp>
-    </p:spTree>
-    <p:extLst>
-      <p:ext uri="{BB962C8B-B14F-4D97-AF65-F5344CB8AC3E}">
-        <p14:creationId xmlns:p14="http://schemas.microsoft.com/office/powerpoint/2010/main" val="463893482"/>
-      </p:ext>
-    </p:extLst>
-  </p:cSld>
-  <p:clrMapOvr>
-    <a:masterClrMapping/>
-  </p:clrMapOvr>
-  <p:timing>
-    <p:tnLst>
-      <p:par>
-        <p:cTn id="1" dur="indefinite" restart="never" nodeType="tmRoot">
-          <p:childTnLst>
-            <p:seq concurrent="1" nextAc="seek">
-              <p:cTn id="2" dur="indefinite" nodeType="mainSeq">
-                <p:childTnLst>
-                  <p:par>
-                    <p:cTn id="3" fill="hold">
-                      <p:stCondLst>
-                        <p:cond delay="indefinite"/>
-                      </p:stCondLst>
-                      <p:childTnLst>
-                        <p:par>
-                          <p:cTn id="4" fill="hold">
-                            <p:stCondLst>
-                              <p:cond delay="0"/>
-                            </p:stCondLst>
-                            <p:childTnLst>
-                              <p:par>
-                                <p:cTn id="5" presetID="10" presetClass="entr" presetSubtype="0" fill="hold" nodeType="clickEffect">
-                                  <p:stCondLst>
-                                    <p:cond delay="0"/>
-                                  </p:stCondLst>
-                                  <p:childTnLst>
-                                    <p:set>
-                                      <p:cBhvr>
-                                        <p:cTn id="6" dur="1" fill="hold">
-                                          <p:stCondLst>
-                                            <p:cond delay="0"/>
-                                          </p:stCondLst>
-                                        </p:cTn>
-                                        <p:tgtEl>
-                                          <p:spTgt spid="3">
-                                            <p:txEl>
-                                              <p:pRg st="0" end="0"/>
-                                            </p:txEl>
-                                          </p:spTgt>
-                                        </p:tgtEl>
-                                        <p:attrNameLst>
-                                          <p:attrName>style.visibility</p:attrName>
-                                        </p:attrNameLst>
-                                      </p:cBhvr>
-                                      <p:to>
-                                        <p:strVal val="visible"/>
-                                      </p:to>
-                                    </p:set>
-                                    <p:animEffect transition="in" filter="fade">
-                                      <p:cBhvr>
-                                        <p:cTn id="7" dur="500"/>
-                                        <p:tgtEl>
-                                          <p:spTgt spid="3">
-                                            <p:txEl>
-                                              <p:pRg st="0" end="0"/>
-                                            </p:txEl>
-                                          </p:spTgt>
-                                        </p:tgtEl>
-                                      </p:cBhvr>
-                                    </p:animEffect>
-                                  </p:childTnLst>
-                                </p:cTn>
-                              </p:par>
-                            </p:childTnLst>
-                          </p:cTn>
-                        </p:par>
-                      </p:childTnLst>
-                    </p:cTn>
-                  </p:par>
-                  <p:par>
-                    <p:cTn id="8" fill="hold">
-                      <p:stCondLst>
-                        <p:cond delay="indefinite"/>
-                      </p:stCondLst>
-                      <p:childTnLst>
-                        <p:par>
-                          <p:cTn id="9" fill="hold">
-                            <p:stCondLst>
-                              <p:cond delay="0"/>
-                            </p:stCondLst>
-                            <p:childTnLst>
-                              <p:par>
-                                <p:cTn id="10" presetID="10" presetClass="entr" presetSubtype="0" fill="hold" nodeType="clickEffect">
-                                  <p:stCondLst>
-                                    <p:cond delay="0"/>
-                                  </p:stCondLst>
-                                  <p:childTnLst>
-                                    <p:set>
-                                      <p:cBhvr>
-                                        <p:cTn id="11" dur="1" fill="hold">
-                                          <p:stCondLst>
-                                            <p:cond delay="0"/>
-                                          </p:stCondLst>
-                                        </p:cTn>
-                                        <p:tgtEl>
-                                          <p:spTgt spid="3">
-                                            <p:txEl>
-                                              <p:pRg st="1" end="1"/>
-                                            </p:txEl>
-                                          </p:spTgt>
-                                        </p:tgtEl>
-                                        <p:attrNameLst>
-                                          <p:attrName>style.visibility</p:attrName>
-                                        </p:attrNameLst>
-                                      </p:cBhvr>
-                                      <p:to>
-                                        <p:strVal val="visible"/>
-                                      </p:to>
-                                    </p:set>
-                                    <p:animEffect transition="in" filter="fade">
-                                      <p:cBhvr>
-                                        <p:cTn id="12" dur="500"/>
-                                        <p:tgtEl>
-                                          <p:spTgt spid="3">
-                                            <p:txEl>
-                                              <p:pRg st="1" end="1"/>
-                                            </p:txEl>
-                                          </p:spTgt>
-                                        </p:tgtEl>
-                                      </p:cBhvr>
-                                    </p:animEffect>
-                                  </p:childTnLst>
-                                </p:cTn>
-                              </p:par>
-                            </p:childTnLst>
-                          </p:cTn>
-                        </p:par>
-                      </p:childTnLst>
-                    </p:cTn>
-                  </p:par>
-                  <p:par>
-                    <p:cTn id="13" fill="hold">
-                      <p:stCondLst>
-                        <p:cond delay="indefinite"/>
-                      </p:stCondLst>
-                      <p:childTnLst>
-                        <p:par>
-                          <p:cTn id="14" fill="hold">
-                            <p:stCondLst>
-                              <p:cond delay="0"/>
-                            </p:stCondLst>
-                            <p:childTnLst>
-                              <p:par>
-                                <p:cTn id="15" presetID="10" presetClass="entr" presetSubtype="0" fill="hold" nodeType="clickEffect">
-                                  <p:stCondLst>
-                                    <p:cond delay="0"/>
-                                  </p:stCondLst>
-                                  <p:childTnLst>
-                                    <p:set>
-                                      <p:cBhvr>
-                                        <p:cTn id="16" dur="1" fill="hold">
-                                          <p:stCondLst>
-                                            <p:cond delay="0"/>
-                                          </p:stCondLst>
-                                        </p:cTn>
-                                        <p:tgtEl>
-                                          <p:spTgt spid="3">
-                                            <p:txEl>
-                                              <p:pRg st="2" end="2"/>
-                                            </p:txEl>
-                                          </p:spTgt>
-                                        </p:tgtEl>
-                                        <p:attrNameLst>
-                                          <p:attrName>style.visibility</p:attrName>
-                                        </p:attrNameLst>
-                                      </p:cBhvr>
-                                      <p:to>
-                                        <p:strVal val="visible"/>
-                                      </p:to>
-                                    </p:set>
-                                    <p:animEffect transition="in" filter="fade">
-                                      <p:cBhvr>
-                                        <p:cTn id="17" dur="500"/>
-                                        <p:tgtEl>
-                                          <p:spTgt spid="3">
-                                            <p:txEl>
-                                              <p:pRg st="2" end="2"/>
-                                            </p:txEl>
-                                          </p:spTgt>
-                                        </p:tgtEl>
-                                      </p:cBhvr>
-                                    </p:animEffect>
-                                  </p:childTnLst>
-                                </p:cTn>
-                              </p:par>
-                            </p:childTnLst>
-                          </p:cTn>
-                        </p:par>
-                      </p:childTnLst>
-                    </p:cTn>
-                  </p:par>
-                  <p:par>
-                    <p:cTn id="18" fill="hold">
-                      <p:stCondLst>
-                        <p:cond delay="indefinite"/>
-                      </p:stCondLst>
-                      <p:childTnLst>
-                        <p:par>
-                          <p:cTn id="19" fill="hold">
-                            <p:stCondLst>
-                              <p:cond delay="0"/>
-                            </p:stCondLst>
-                            <p:childTnLst>
-                              <p:par>
-                                <p:cTn id="20" presetID="10" presetClass="entr" presetSubtype="0" fill="hold" grpId="0" nodeType="clickEffect">
-                                  <p:stCondLst>
-                                    <p:cond delay="0"/>
-                                  </p:stCondLst>
-                                  <p:childTnLst>
-                                    <p:set>
-                                      <p:cBhvr>
-                                        <p:cTn id="21" dur="1" fill="hold">
-                                          <p:stCondLst>
-                                            <p:cond delay="0"/>
-                                          </p:stCondLst>
-                                        </p:cTn>
-                                        <p:tgtEl>
-                                          <p:spTgt spid="4"/>
-                                        </p:tgtEl>
-                                        <p:attrNameLst>
-                                          <p:attrName>style.visibility</p:attrName>
-                                        </p:attrNameLst>
-                                      </p:cBhvr>
-                                      <p:to>
-                                        <p:strVal val="visible"/>
-                                      </p:to>
-                                    </p:set>
-                                    <p:animEffect transition="in" filter="fade">
-                                      <p:cBhvr>
-                                        <p:cTn id="22" dur="500"/>
-                                        <p:tgtEl>
-                                          <p:spTgt spid="4"/>
-                                        </p:tgtEl>
-                                      </p:cBhvr>
-                                    </p:animEffect>
-                                  </p:childTnLst>
-                                </p:cTn>
-                              </p:par>
-                            </p:childTnLst>
-                          </p:cTn>
-                        </p:par>
-                      </p:childTnLst>
-                    </p:cTn>
-                  </p:par>
-                </p:childTnLst>
-              </p:cTn>
-              <p:prevCondLst>
-                <p:cond evt="onPrev" delay="0">
-                  <p:tgtEl>
-                    <p:sldTgt/>
-                  </p:tgtEl>
-                </p:cond>
-              </p:prevCondLst>
-              <p:nextCondLst>
-                <p:cond evt="onNext" delay="0">
-                  <p:tgtEl>
-                    <p:sldTgt/>
-                  </p:tgtEl>
-                </p:cond>
-              </p:nextCondLst>
-            </p:seq>
-          </p:childTnLst>
-        </p:cTn>
-      </p:par>
-    </p:tnLst>
-    <p:bldLst>
-      <p:bldP spid="4" grpId="0"/>
     </p:bldLst>
   </p:timing>
 </p:sld>

--- a/2023-06-01 Dealing with Concurrency - Multi-Threading in Dotnet/Dotnet-Multi-Threading.pptx
+++ b/2023-06-01 Dealing with Concurrency - Multi-Threading in Dotnet/Dotnet-Multi-Threading.pptx
@@ -282,7 +282,7 @@
           <a:p>
             <a:fld id="{2A14C9FE-EBC3-45D3-899C-58AAF4F8AF71}" type="datetimeFigureOut">
               <a:rPr lang="en-US" smtClean="0"/>
-              <a:t>5/28/2023</a:t>
+              <a:t>5/30/2023</a:t>
             </a:fld>
             <a:endParaRPr lang="en-US"/>
           </a:p>
@@ -480,7 +480,7 @@
           <a:p>
             <a:fld id="{2A14C9FE-EBC3-45D3-899C-58AAF4F8AF71}" type="datetimeFigureOut">
               <a:rPr lang="en-US" smtClean="0"/>
-              <a:t>5/28/2023</a:t>
+              <a:t>5/30/2023</a:t>
             </a:fld>
             <a:endParaRPr lang="en-US"/>
           </a:p>
@@ -688,7 +688,7 @@
           <a:p>
             <a:fld id="{2A14C9FE-EBC3-45D3-899C-58AAF4F8AF71}" type="datetimeFigureOut">
               <a:rPr lang="en-US" smtClean="0"/>
-              <a:t>5/28/2023</a:t>
+              <a:t>5/30/2023</a:t>
             </a:fld>
             <a:endParaRPr lang="en-US"/>
           </a:p>
@@ -886,7 +886,7 @@
           <a:p>
             <a:fld id="{2A14C9FE-EBC3-45D3-899C-58AAF4F8AF71}" type="datetimeFigureOut">
               <a:rPr lang="en-US" smtClean="0"/>
-              <a:t>5/28/2023</a:t>
+              <a:t>5/30/2023</a:t>
             </a:fld>
             <a:endParaRPr lang="en-US"/>
           </a:p>
@@ -1161,7 +1161,7 @@
           <a:p>
             <a:fld id="{2A14C9FE-EBC3-45D3-899C-58AAF4F8AF71}" type="datetimeFigureOut">
               <a:rPr lang="en-US" smtClean="0"/>
-              <a:t>5/28/2023</a:t>
+              <a:t>5/30/2023</a:t>
             </a:fld>
             <a:endParaRPr lang="en-US"/>
           </a:p>
@@ -1426,7 +1426,7 @@
           <a:p>
             <a:fld id="{2A14C9FE-EBC3-45D3-899C-58AAF4F8AF71}" type="datetimeFigureOut">
               <a:rPr lang="en-US" smtClean="0"/>
-              <a:t>5/28/2023</a:t>
+              <a:t>5/30/2023</a:t>
             </a:fld>
             <a:endParaRPr lang="en-US"/>
           </a:p>
@@ -1838,7 +1838,7 @@
           <a:p>
             <a:fld id="{2A14C9FE-EBC3-45D3-899C-58AAF4F8AF71}" type="datetimeFigureOut">
               <a:rPr lang="en-US" smtClean="0"/>
-              <a:t>5/28/2023</a:t>
+              <a:t>5/30/2023</a:t>
             </a:fld>
             <a:endParaRPr lang="en-US"/>
           </a:p>
@@ -1979,7 +1979,7 @@
           <a:p>
             <a:fld id="{2A14C9FE-EBC3-45D3-899C-58AAF4F8AF71}" type="datetimeFigureOut">
               <a:rPr lang="en-US" smtClean="0"/>
-              <a:t>5/28/2023</a:t>
+              <a:t>5/30/2023</a:t>
             </a:fld>
             <a:endParaRPr lang="en-US"/>
           </a:p>
@@ -2092,7 +2092,7 @@
           <a:p>
             <a:fld id="{2A14C9FE-EBC3-45D3-899C-58AAF4F8AF71}" type="datetimeFigureOut">
               <a:rPr lang="en-US" smtClean="0"/>
-              <a:t>5/28/2023</a:t>
+              <a:t>5/30/2023</a:t>
             </a:fld>
             <a:endParaRPr lang="en-US"/>
           </a:p>
@@ -2403,7 +2403,7 @@
           <a:p>
             <a:fld id="{2A14C9FE-EBC3-45D3-899C-58AAF4F8AF71}" type="datetimeFigureOut">
               <a:rPr lang="en-US" smtClean="0"/>
-              <a:t>5/28/2023</a:t>
+              <a:t>5/30/2023</a:t>
             </a:fld>
             <a:endParaRPr lang="en-US"/>
           </a:p>
@@ -2691,7 +2691,7 @@
           <a:p>
             <a:fld id="{2A14C9FE-EBC3-45D3-899C-58AAF4F8AF71}" type="datetimeFigureOut">
               <a:rPr lang="en-US" smtClean="0"/>
-              <a:t>5/28/2023</a:t>
+              <a:t>5/30/2023</a:t>
             </a:fld>
             <a:endParaRPr lang="en-US"/>
           </a:p>
@@ -2932,7 +2932,7 @@
           <a:p>
             <a:fld id="{2A14C9FE-EBC3-45D3-899C-58AAF4F8AF71}" type="datetimeFigureOut">
               <a:rPr lang="en-US" smtClean="0"/>
-              <a:t>5/28/2023</a:t>
+              <a:t>5/30/2023</a:t>
             </a:fld>
             <a:endParaRPr lang="en-US"/>
           </a:p>
@@ -4342,8 +4342,8 @@
         </p:nvSpPr>
         <p:spPr>
           <a:xfrm>
-            <a:off x="765075" y="3616657"/>
-            <a:ext cx="6572871" cy="2692594"/>
+            <a:off x="765075" y="3892989"/>
+            <a:ext cx="6572871" cy="2416261"/>
           </a:xfrm>
         </p:spPr>
         <p:txBody>
@@ -4715,33 +4715,15 @@
                                   </p:childTnLst>
                                 </p:cTn>
                               </p:par>
-                            </p:childTnLst>
-                          </p:cTn>
-                        </p:par>
-                      </p:childTnLst>
-                    </p:cTn>
-                  </p:par>
-                  <p:par>
-                    <p:cTn id="21" fill="hold">
-                      <p:stCondLst>
-                        <p:cond delay="indefinite"/>
-                      </p:stCondLst>
-                      <p:childTnLst>
-                        <p:par>
-                          <p:cTn id="22" fill="hold">
-                            <p:stCondLst>
-                              <p:cond delay="0"/>
-                            </p:stCondLst>
-                            <p:childTnLst>
                               <p:par>
-                                <p:cTn id="23" presetID="10" presetClass="entr" presetSubtype="0" fill="hold" nodeType="clickEffect">
+                                <p:cTn id="21" presetID="10" presetClass="entr" presetSubtype="0" fill="hold" nodeType="withEffect">
                                   <p:stCondLst>
                                     <p:cond delay="0"/>
                                   </p:stCondLst>
                                   <p:childTnLst>
                                     <p:set>
                                       <p:cBhvr>
-                                        <p:cTn id="24" dur="1" fill="hold">
+                                        <p:cTn id="22" dur="1" fill="hold">
                                           <p:stCondLst>
                                             <p:cond delay="0"/>
                                           </p:stCondLst>
@@ -4763,7 +4745,7 @@
                                     </p:set>
                                     <p:animEffect transition="in" filter="fade">
                                       <p:cBhvr>
-                                        <p:cTn id="25" dur="500"/>
+                                        <p:cTn id="23" dur="500"/>
                                         <p:tgtEl>
                                           <p:spTgt spid="14">
                                             <p:txEl>
@@ -4776,33 +4758,15 @@
                                   </p:childTnLst>
                                 </p:cTn>
                               </p:par>
-                            </p:childTnLst>
-                          </p:cTn>
-                        </p:par>
-                      </p:childTnLst>
-                    </p:cTn>
-                  </p:par>
-                  <p:par>
-                    <p:cTn id="26" fill="hold">
-                      <p:stCondLst>
-                        <p:cond delay="indefinite"/>
-                      </p:stCondLst>
-                      <p:childTnLst>
-                        <p:par>
-                          <p:cTn id="27" fill="hold">
-                            <p:stCondLst>
-                              <p:cond delay="0"/>
-                            </p:stCondLst>
-                            <p:childTnLst>
                               <p:par>
-                                <p:cTn id="28" presetID="10" presetClass="entr" presetSubtype="0" fill="hold" nodeType="clickEffect">
+                                <p:cTn id="24" presetID="10" presetClass="entr" presetSubtype="0" fill="hold" nodeType="withEffect">
                                   <p:stCondLst>
                                     <p:cond delay="0"/>
                                   </p:stCondLst>
                                   <p:childTnLst>
                                     <p:set>
                                       <p:cBhvr>
-                                        <p:cTn id="29" dur="1" fill="hold">
+                                        <p:cTn id="25" dur="1" fill="hold">
                                           <p:stCondLst>
                                             <p:cond delay="0"/>
                                           </p:stCondLst>
@@ -4824,7 +4788,7 @@
                                     </p:set>
                                     <p:animEffect transition="in" filter="fade">
                                       <p:cBhvr>
-                                        <p:cTn id="30" dur="500"/>
+                                        <p:cTn id="26" dur="500"/>
                                         <p:tgtEl>
                                           <p:spTgt spid="14">
                                             <p:txEl>
@@ -4837,33 +4801,15 @@
                                   </p:childTnLst>
                                 </p:cTn>
                               </p:par>
-                            </p:childTnLst>
-                          </p:cTn>
-                        </p:par>
-                      </p:childTnLst>
-                    </p:cTn>
-                  </p:par>
-                  <p:par>
-                    <p:cTn id="31" fill="hold">
-                      <p:stCondLst>
-                        <p:cond delay="indefinite"/>
-                      </p:stCondLst>
-                      <p:childTnLst>
-                        <p:par>
-                          <p:cTn id="32" fill="hold">
-                            <p:stCondLst>
-                              <p:cond delay="0"/>
-                            </p:stCondLst>
-                            <p:childTnLst>
                               <p:par>
-                                <p:cTn id="33" presetID="10" presetClass="entr" presetSubtype="0" fill="hold" nodeType="clickEffect">
+                                <p:cTn id="27" presetID="10" presetClass="entr" presetSubtype="0" fill="hold" nodeType="withEffect">
                                   <p:stCondLst>
                                     <p:cond delay="0"/>
                                   </p:stCondLst>
                                   <p:childTnLst>
                                     <p:set>
                                       <p:cBhvr>
-                                        <p:cTn id="34" dur="1" fill="hold">
+                                        <p:cTn id="28" dur="1" fill="hold">
                                           <p:stCondLst>
                                             <p:cond delay="0"/>
                                           </p:stCondLst>
@@ -4885,7 +4831,7 @@
                                     </p:set>
                                     <p:animEffect transition="in" filter="fade">
                                       <p:cBhvr>
-                                        <p:cTn id="35" dur="500"/>
+                                        <p:cTn id="29" dur="500"/>
                                         <p:tgtEl>
                                           <p:spTgt spid="14">
                                             <p:txEl>
@@ -5623,7 +5569,7 @@
                             </p:stCondLst>
                             <p:childTnLst>
                               <p:par>
-                                <p:cTn id="20" presetID="10" presetClass="entr" presetSubtype="0" fill="hold" nodeType="clickEffect">
+                                <p:cTn id="20" presetID="10" presetClass="entr" presetSubtype="0" fill="hold" grpId="0" nodeType="clickEffect">
                                   <p:stCondLst>
                                     <p:cond delay="0"/>
                                   </p:stCondLst>
@@ -5631,59 +5577,6 @@
                                     <p:set>
                                       <p:cBhvr>
                                         <p:cTn id="21" dur="1" fill="hold">
-                                          <p:stCondLst>
-                                            <p:cond delay="0"/>
-                                          </p:stCondLst>
-                                        </p:cTn>
-                                        <p:tgtEl>
-                                          <p:spTgt spid="1028"/>
-                                        </p:tgtEl>
-                                        <p:attrNameLst>
-                                          <p:attrName>style.visibility</p:attrName>
-                                        </p:attrNameLst>
-                                      </p:cBhvr>
-                                      <p:to>
-                                        <p:strVal val="visible"/>
-                                      </p:to>
-                                    </p:set>
-                                    <p:animEffect transition="in" filter="fade">
-                                      <p:cBhvr>
-                                        <p:cTn id="22" dur="500"/>
-                                        <p:tgtEl>
-                                          <p:spTgt spid="1028"/>
-                                        </p:tgtEl>
-                                      </p:cBhvr>
-                                    </p:animEffect>
-                                  </p:childTnLst>
-                                </p:cTn>
-                              </p:par>
-                            </p:childTnLst>
-                          </p:cTn>
-                        </p:par>
-                      </p:childTnLst>
-                    </p:cTn>
-                  </p:par>
-                  <p:par>
-                    <p:cTn id="23" fill="hold">
-                      <p:stCondLst>
-                        <p:cond delay="indefinite"/>
-                      </p:stCondLst>
-                      <p:childTnLst>
-                        <p:par>
-                          <p:cTn id="24" fill="hold">
-                            <p:stCondLst>
-                              <p:cond delay="0"/>
-                            </p:stCondLst>
-                            <p:childTnLst>
-                              <p:par>
-                                <p:cTn id="25" presetID="10" presetClass="entr" presetSubtype="0" fill="hold" grpId="0" nodeType="clickEffect">
-                                  <p:stCondLst>
-                                    <p:cond delay="0"/>
-                                  </p:stCondLst>
-                                  <p:childTnLst>
-                                    <p:set>
-                                      <p:cBhvr>
-                                        <p:cTn id="26" dur="1" fill="hold">
                                           <p:stCondLst>
                                             <p:cond delay="0"/>
                                           </p:stCondLst>
@@ -5701,7 +5594,7 @@
                                     </p:set>
                                     <p:animEffect transition="in" filter="fade">
                                       <p:cBhvr>
-                                        <p:cTn id="27" dur="500"/>
+                                        <p:cTn id="22" dur="500"/>
                                         <p:tgtEl>
                                           <p:spTgt spid="3"/>
                                         </p:tgtEl>
@@ -6268,6 +6161,93 @@
           </a:prstGeom>
         </p:spPr>
       </p:pic>
+      <p:sp>
+        <p:nvSpPr>
+          <p:cNvPr id="3" name="Content Placeholder 2">
+            <a:extLst>
+              <a:ext uri="{FF2B5EF4-FFF2-40B4-BE49-F238E27FC236}">
+                <a16:creationId xmlns:a16="http://schemas.microsoft.com/office/drawing/2014/main" id="{234856D3-198A-F814-8F83-4E9585A12B17}"/>
+              </a:ext>
+            </a:extLst>
+          </p:cNvPr>
+          <p:cNvSpPr>
+            <a:spLocks noGrp="1"/>
+          </p:cNvSpPr>
+          <p:nvPr>
+            <p:ph idx="1"/>
+          </p:nvPr>
+        </p:nvSpPr>
+        <p:spPr>
+          <a:xfrm>
+            <a:off x="5603731" y="3087232"/>
+            <a:ext cx="5750069" cy="3531310"/>
+          </a:xfrm>
+        </p:spPr>
+        <p:txBody>
+          <a:bodyPr/>
+          <a:lstStyle/>
+          <a:p>
+            <a:pPr marL="0" indent="0">
+              <a:buNone/>
+            </a:pPr>
+            <a:r>
+              <a:rPr lang="tr-TR" sz="2400" u="sng" dirty="0">
+                <a:latin typeface="Euclid Circular B" panose="020B0504000000000000" pitchFamily="34" charset="0"/>
+                <a:ea typeface="Euclid Circular B" panose="020B0504000000000000" pitchFamily="34" charset="0"/>
+              </a:rPr>
+              <a:t>Some other synchronization primitives:</a:t>
+            </a:r>
+          </a:p>
+          <a:p>
+            <a:r>
+              <a:rPr lang="tr-TR" dirty="0">
+                <a:latin typeface="Euclid Circular B" panose="020B0504000000000000" pitchFamily="34" charset="0"/>
+                <a:ea typeface="Euclid Circular B" panose="020B0504000000000000" pitchFamily="34" charset="0"/>
+              </a:rPr>
+              <a:t>Barrier</a:t>
+            </a:r>
+          </a:p>
+          <a:p>
+            <a:r>
+              <a:rPr lang="en-US" dirty="0" err="1">
+                <a:latin typeface="Euclid Circular B" panose="020B0504000000000000" pitchFamily="34" charset="0"/>
+                <a:ea typeface="Euclid Circular B" panose="020B0504000000000000" pitchFamily="34" charset="0"/>
+              </a:rPr>
+              <a:t>CountdownEvent</a:t>
+            </a:r>
+            <a:endParaRPr lang="tr-TR" dirty="0">
+              <a:latin typeface="Euclid Circular B" panose="020B0504000000000000" pitchFamily="34" charset="0"/>
+              <a:ea typeface="Euclid Circular B" panose="020B0504000000000000" pitchFamily="34" charset="0"/>
+            </a:endParaRPr>
+          </a:p>
+          <a:p>
+            <a:r>
+              <a:rPr lang="en-US" dirty="0" err="1">
+                <a:latin typeface="Euclid Circular B" panose="020B0504000000000000" pitchFamily="34" charset="0"/>
+                <a:ea typeface="Euclid Circular B" panose="020B0504000000000000" pitchFamily="34" charset="0"/>
+              </a:rPr>
+              <a:t>EventWaitHandle</a:t>
+            </a:r>
+            <a:endParaRPr lang="tr-TR" dirty="0">
+              <a:latin typeface="Euclid Circular B" panose="020B0504000000000000" pitchFamily="34" charset="0"/>
+              <a:ea typeface="Euclid Circular B" panose="020B0504000000000000" pitchFamily="34" charset="0"/>
+            </a:endParaRPr>
+          </a:p>
+          <a:p>
+            <a:r>
+              <a:rPr lang="tr-TR" dirty="0">
+                <a:latin typeface="Euclid Circular B" panose="020B0504000000000000" pitchFamily="34" charset="0"/>
+                <a:ea typeface="Euclid Circular B" panose="020B0504000000000000" pitchFamily="34" charset="0"/>
+              </a:rPr>
+              <a:t>...</a:t>
+            </a:r>
+            <a:endParaRPr lang="en-US" dirty="0">
+              <a:latin typeface="Euclid Circular B" panose="020B0504000000000000" pitchFamily="34" charset="0"/>
+              <a:ea typeface="Euclid Circular B" panose="020B0504000000000000" pitchFamily="34" charset="0"/>
+            </a:endParaRPr>
+          </a:p>
+        </p:txBody>
+      </p:sp>
     </p:spTree>
     <p:extLst>
       <p:ext uri="{BB962C8B-B14F-4D97-AF65-F5344CB8AC3E}">
@@ -6380,6 +6360,239 @@
                                         <p:cTn id="12" dur="500"/>
                                         <p:tgtEl>
                                           <p:spTgt spid="15"/>
+                                        </p:tgtEl>
+                                      </p:cBhvr>
+                                    </p:animEffect>
+                                  </p:childTnLst>
+                                </p:cTn>
+                              </p:par>
+                            </p:childTnLst>
+                          </p:cTn>
+                        </p:par>
+                      </p:childTnLst>
+                    </p:cTn>
+                  </p:par>
+                  <p:par>
+                    <p:cTn id="13" fill="hold">
+                      <p:stCondLst>
+                        <p:cond delay="indefinite"/>
+                      </p:stCondLst>
+                      <p:childTnLst>
+                        <p:par>
+                          <p:cTn id="14" fill="hold">
+                            <p:stCondLst>
+                              <p:cond delay="0"/>
+                            </p:stCondLst>
+                            <p:childTnLst>
+                              <p:par>
+                                <p:cTn id="15" presetID="10" presetClass="entr" presetSubtype="0" fill="hold" nodeType="clickEffect">
+                                  <p:stCondLst>
+                                    <p:cond delay="0"/>
+                                  </p:stCondLst>
+                                  <p:childTnLst>
+                                    <p:set>
+                                      <p:cBhvr>
+                                        <p:cTn id="16" dur="1" fill="hold">
+                                          <p:stCondLst>
+                                            <p:cond delay="0"/>
+                                          </p:stCondLst>
+                                        </p:cTn>
+                                        <p:tgtEl>
+                                          <p:spTgt spid="3">
+                                            <p:txEl>
+                                              <p:pRg st="0" end="0"/>
+                                            </p:txEl>
+                                          </p:spTgt>
+                                        </p:tgtEl>
+                                        <p:attrNameLst>
+                                          <p:attrName>style.visibility</p:attrName>
+                                        </p:attrNameLst>
+                                      </p:cBhvr>
+                                      <p:to>
+                                        <p:strVal val="visible"/>
+                                      </p:to>
+                                    </p:set>
+                                    <p:animEffect transition="in" filter="fade">
+                                      <p:cBhvr>
+                                        <p:cTn id="17" dur="500"/>
+                                        <p:tgtEl>
+                                          <p:spTgt spid="3">
+                                            <p:txEl>
+                                              <p:pRg st="0" end="0"/>
+                                            </p:txEl>
+                                          </p:spTgt>
+                                        </p:tgtEl>
+                                      </p:cBhvr>
+                                    </p:animEffect>
+                                  </p:childTnLst>
+                                </p:cTn>
+                              </p:par>
+                              <p:par>
+                                <p:cTn id="18" presetID="10" presetClass="entr" presetSubtype="0" fill="hold" nodeType="withEffect">
+                                  <p:stCondLst>
+                                    <p:cond delay="0"/>
+                                  </p:stCondLst>
+                                  <p:childTnLst>
+                                    <p:set>
+                                      <p:cBhvr>
+                                        <p:cTn id="19" dur="1" fill="hold">
+                                          <p:stCondLst>
+                                            <p:cond delay="0"/>
+                                          </p:stCondLst>
+                                        </p:cTn>
+                                        <p:tgtEl>
+                                          <p:spTgt spid="3">
+                                            <p:txEl>
+                                              <p:pRg st="1" end="1"/>
+                                            </p:txEl>
+                                          </p:spTgt>
+                                        </p:tgtEl>
+                                        <p:attrNameLst>
+                                          <p:attrName>style.visibility</p:attrName>
+                                        </p:attrNameLst>
+                                      </p:cBhvr>
+                                      <p:to>
+                                        <p:strVal val="visible"/>
+                                      </p:to>
+                                    </p:set>
+                                    <p:animEffect transition="in" filter="fade">
+                                      <p:cBhvr>
+                                        <p:cTn id="20" dur="500"/>
+                                        <p:tgtEl>
+                                          <p:spTgt spid="3">
+                                            <p:txEl>
+                                              <p:pRg st="1" end="1"/>
+                                            </p:txEl>
+                                          </p:spTgt>
+                                        </p:tgtEl>
+                                      </p:cBhvr>
+                                    </p:animEffect>
+                                  </p:childTnLst>
+                                </p:cTn>
+                              </p:par>
+                              <p:par>
+                                <p:cTn id="21" presetID="10" presetClass="entr" presetSubtype="0" fill="hold" nodeType="withEffect">
+                                  <p:stCondLst>
+                                    <p:cond delay="0"/>
+                                  </p:stCondLst>
+                                  <p:childTnLst>
+                                    <p:set>
+                                      <p:cBhvr>
+                                        <p:cTn id="22" dur="1" fill="hold">
+                                          <p:stCondLst>
+                                            <p:cond delay="0"/>
+                                          </p:stCondLst>
+                                        </p:cTn>
+                                        <p:tgtEl>
+                                          <p:spTgt spid="3">
+                                            <p:txEl>
+                                              <p:pRg st="2" end="2"/>
+                                            </p:txEl>
+                                          </p:spTgt>
+                                        </p:tgtEl>
+                                        <p:attrNameLst>
+                                          <p:attrName>style.visibility</p:attrName>
+                                        </p:attrNameLst>
+                                      </p:cBhvr>
+                                      <p:to>
+                                        <p:strVal val="visible"/>
+                                      </p:to>
+                                    </p:set>
+                                    <p:animEffect transition="in" filter="fade">
+                                      <p:cBhvr>
+                                        <p:cTn id="23" dur="500"/>
+                                        <p:tgtEl>
+                                          <p:spTgt spid="3">
+                                            <p:txEl>
+                                              <p:pRg st="2" end="2"/>
+                                            </p:txEl>
+                                          </p:spTgt>
+                                        </p:tgtEl>
+                                      </p:cBhvr>
+                                    </p:animEffect>
+                                  </p:childTnLst>
+                                </p:cTn>
+                              </p:par>
+                              <p:par>
+                                <p:cTn id="24" presetID="10" presetClass="entr" presetSubtype="0" fill="hold" nodeType="withEffect">
+                                  <p:stCondLst>
+                                    <p:cond delay="0"/>
+                                  </p:stCondLst>
+                                  <p:childTnLst>
+                                    <p:set>
+                                      <p:cBhvr>
+                                        <p:cTn id="25" dur="1" fill="hold">
+                                          <p:stCondLst>
+                                            <p:cond delay="0"/>
+                                          </p:stCondLst>
+                                        </p:cTn>
+                                        <p:tgtEl>
+                                          <p:spTgt spid="3">
+                                            <p:txEl>
+                                              <p:pRg st="3" end="3"/>
+                                            </p:txEl>
+                                          </p:spTgt>
+                                        </p:tgtEl>
+                                        <p:attrNameLst>
+                                          <p:attrName>style.visibility</p:attrName>
+                                        </p:attrNameLst>
+                                      </p:cBhvr>
+                                      <p:to>
+                                        <p:strVal val="visible"/>
+                                      </p:to>
+                                    </p:set>
+                                    <p:animEffect transition="in" filter="fade">
+                                      <p:cBhvr>
+                                        <p:cTn id="26" dur="500"/>
+                                        <p:tgtEl>
+                                          <p:spTgt spid="3">
+                                            <p:txEl>
+                                              <p:pRg st="3" end="3"/>
+                                            </p:txEl>
+                                          </p:spTgt>
+                                        </p:tgtEl>
+                                      </p:cBhvr>
+                                    </p:animEffect>
+                                  </p:childTnLst>
+                                </p:cTn>
+                              </p:par>
+                              <p:par>
+                                <p:cTn id="27" presetID="10" presetClass="entr" presetSubtype="0" fill="hold" nodeType="withEffect">
+                                  <p:stCondLst>
+                                    <p:cond delay="0"/>
+                                  </p:stCondLst>
+                                  <p:childTnLst>
+                                    <p:set>
+                                      <p:cBhvr>
+                                        <p:cTn id="28" dur="1" fill="hold">
+                                          <p:stCondLst>
+                                            <p:cond delay="0"/>
+                                          </p:stCondLst>
+                                        </p:cTn>
+                                        <p:tgtEl>
+                                          <p:spTgt spid="3">
+                                            <p:txEl>
+                                              <p:pRg st="4" end="4"/>
+                                            </p:txEl>
+                                          </p:spTgt>
+                                        </p:tgtEl>
+                                        <p:attrNameLst>
+                                          <p:attrName>style.visibility</p:attrName>
+                                        </p:attrNameLst>
+                                      </p:cBhvr>
+                                      <p:to>
+                                        <p:strVal val="visible"/>
+                                      </p:to>
+                                    </p:set>
+                                    <p:animEffect transition="in" filter="fade">
+                                      <p:cBhvr>
+                                        <p:cTn id="29" dur="500"/>
+                                        <p:tgtEl>
+                                          <p:spTgt spid="3">
+                                            <p:txEl>
+                                              <p:pRg st="4" end="4"/>
+                                            </p:txEl>
+                                          </p:spTgt>
                                         </p:tgtEl>
                                       </p:cBhvr>
                                     </p:animEffect>
@@ -8586,60 +8799,44 @@
                 <a:latin typeface="Euclid Circular B" panose="020B0504000000000000" pitchFamily="34" charset="0"/>
                 <a:ea typeface="Euclid Circular B" panose="020B0504000000000000" pitchFamily="34" charset="0"/>
               </a:rPr>
-              <a:t>To synchronize access to a </a:t>
+              <a:t>Apply </a:t>
             </a:r>
             <a:r>
               <a:rPr lang="tr-TR" b="1" dirty="0">
                 <a:latin typeface="Euclid Circular B" panose="020B0504000000000000" pitchFamily="34" charset="0"/>
                 <a:ea typeface="Euclid Circular B" panose="020B0504000000000000" pitchFamily="34" charset="0"/>
               </a:rPr>
-              <a:t>shared resource</a:t>
-            </a:r>
-          </a:p>
-          <a:p>
+              <a:t>database migration </a:t>
+            </a:r>
             <a:r>
               <a:rPr lang="tr-TR" dirty="0">
                 <a:latin typeface="Euclid Circular B" panose="020B0504000000000000" pitchFamily="34" charset="0"/>
                 <a:ea typeface="Euclid Circular B" panose="020B0504000000000000" pitchFamily="34" charset="0"/>
               </a:rPr>
-              <a:t>Apply </a:t>
+              <a:t>scripts / seed initial data</a:t>
+            </a:r>
+          </a:p>
+          <a:p>
+            <a:r>
+              <a:rPr lang="tr-TR" dirty="0">
+                <a:latin typeface="Euclid Circular B" panose="020B0504000000000000" pitchFamily="34" charset="0"/>
+                <a:ea typeface="Euclid Circular B" panose="020B0504000000000000" pitchFamily="34" charset="0"/>
+              </a:rPr>
+              <a:t>To </a:t>
             </a:r>
             <a:r>
               <a:rPr lang="tr-TR" b="1" dirty="0">
                 <a:latin typeface="Euclid Circular B" panose="020B0504000000000000" pitchFamily="34" charset="0"/>
                 <a:ea typeface="Euclid Circular B" panose="020B0504000000000000" pitchFamily="34" charset="0"/>
               </a:rPr>
-              <a:t>database migration </a:t>
+              <a:t>populate </a:t>
             </a:r>
             <a:r>
               <a:rPr lang="tr-TR" dirty="0">
                 <a:latin typeface="Euclid Circular B" panose="020B0504000000000000" pitchFamily="34" charset="0"/>
                 <a:ea typeface="Euclid Circular B" panose="020B0504000000000000" pitchFamily="34" charset="0"/>
               </a:rPr>
-              <a:t>scripts / seed initial data</a:t>
-            </a:r>
-          </a:p>
-          <a:p>
-            <a:r>
-              <a:rPr lang="tr-TR" dirty="0">
-                <a:latin typeface="Euclid Circular B" panose="020B0504000000000000" pitchFamily="34" charset="0"/>
-                <a:ea typeface="Euclid Circular B" panose="020B0504000000000000" pitchFamily="34" charset="0"/>
-              </a:rPr>
-              <a:t>To </a:t>
-            </a:r>
-            <a:r>
-              <a:rPr lang="tr-TR" b="1" dirty="0">
-                <a:latin typeface="Euclid Circular B" panose="020B0504000000000000" pitchFamily="34" charset="0"/>
-                <a:ea typeface="Euclid Circular B" panose="020B0504000000000000" pitchFamily="34" charset="0"/>
-              </a:rPr>
-              <a:t>populate </a:t>
-            </a:r>
-            <a:r>
-              <a:rPr lang="tr-TR" dirty="0">
-                <a:latin typeface="Euclid Circular B" panose="020B0504000000000000" pitchFamily="34" charset="0"/>
-                <a:ea typeface="Euclid Circular B" panose="020B0504000000000000" pitchFamily="34" charset="0"/>
-              </a:rPr>
-              <a:t>a </a:t>
+              <a:t>a large </a:t>
             </a:r>
             <a:r>
               <a:rPr lang="tr-TR" b="1" dirty="0">
@@ -8985,67 +9182,6 @@
                       </p:childTnLst>
                     </p:cTn>
                   </p:par>
-                  <p:par>
-                    <p:cTn id="28" fill="hold">
-                      <p:stCondLst>
-                        <p:cond delay="indefinite"/>
-                      </p:stCondLst>
-                      <p:childTnLst>
-                        <p:par>
-                          <p:cTn id="29" fill="hold">
-                            <p:stCondLst>
-                              <p:cond delay="0"/>
-                            </p:stCondLst>
-                            <p:childTnLst>
-                              <p:par>
-                                <p:cTn id="30" presetID="10" presetClass="entr" presetSubtype="0" fill="hold" nodeType="clickEffect">
-                                  <p:stCondLst>
-                                    <p:cond delay="0"/>
-                                  </p:stCondLst>
-                                  <p:childTnLst>
-                                    <p:set>
-                                      <p:cBhvr>
-                                        <p:cTn id="31" dur="1" fill="hold">
-                                          <p:stCondLst>
-                                            <p:cond delay="0"/>
-                                          </p:stCondLst>
-                                        </p:cTn>
-                                        <p:tgtEl>
-                                          <p:spTgt spid="3">
-                                            <p:txEl>
-                                              <p:pRg st="6" end="6"/>
-                                            </p:txEl>
-                                          </p:spTgt>
-                                        </p:tgtEl>
-                                        <p:attrNameLst>
-                                          <p:attrName>style.visibility</p:attrName>
-                                        </p:attrNameLst>
-                                      </p:cBhvr>
-                                      <p:to>
-                                        <p:strVal val="visible"/>
-                                      </p:to>
-                                    </p:set>
-                                    <p:animEffect transition="in" filter="fade">
-                                      <p:cBhvr>
-                                        <p:cTn id="32" dur="500"/>
-                                        <p:tgtEl>
-                                          <p:spTgt spid="3">
-                                            <p:txEl>
-                                              <p:pRg st="6" end="6"/>
-                                            </p:txEl>
-                                          </p:spTgt>
-                                        </p:tgtEl>
-                                      </p:cBhvr>
-                                    </p:animEffect>
-                                  </p:childTnLst>
-                                </p:cTn>
-                              </p:par>
-                            </p:childTnLst>
-                          </p:cTn>
-                        </p:par>
-                      </p:childTnLst>
-                    </p:cTn>
-                  </p:par>
                 </p:childTnLst>
               </p:cTn>
               <p:prevCondLst>
@@ -9426,10 +9562,10 @@
       </p:sp>
       <p:pic>
         <p:nvPicPr>
-          <p:cNvPr id="9" name="Picture 8">
-            <a:extLst>
-              <a:ext uri="{FF2B5EF4-FFF2-40B4-BE49-F238E27FC236}">
-                <a16:creationId xmlns:a16="http://schemas.microsoft.com/office/drawing/2014/main" id="{C8761C51-67A8-3E85-17D9-D53356423459}"/>
+          <p:cNvPr id="4" name="Picture 3">
+            <a:extLst>
+              <a:ext uri="{FF2B5EF4-FFF2-40B4-BE49-F238E27FC236}">
+                <a16:creationId xmlns:a16="http://schemas.microsoft.com/office/drawing/2014/main" id="{25EEC549-70FB-BC1C-B4E2-59DBA7880E51}"/>
               </a:ext>
             </a:extLst>
           </p:cNvPr>
@@ -9446,8 +9582,8 @@
         </p:blipFill>
         <p:spPr>
           <a:xfrm>
-            <a:off x="581074" y="2002914"/>
-            <a:ext cx="11225213" cy="3180328"/>
+            <a:off x="838200" y="2067543"/>
+            <a:ext cx="10976572" cy="3109563"/>
           </a:xfrm>
           <a:prstGeom prst="rect">
             <a:avLst/>
@@ -10760,6 +10896,63 @@
       </p:grpSpPr>
       <p:sp>
         <p:nvSpPr>
+          <p:cNvPr id="3" name="Rectangle 2">
+            <a:extLst>
+              <a:ext uri="{FF2B5EF4-FFF2-40B4-BE49-F238E27FC236}">
+                <a16:creationId xmlns:a16="http://schemas.microsoft.com/office/drawing/2014/main" id="{D84DAAFD-1339-DD11-04E2-12797E9FE1CB}"/>
+              </a:ext>
+            </a:extLst>
+          </p:cNvPr>
+          <p:cNvSpPr/>
+          <p:nvPr/>
+        </p:nvSpPr>
+        <p:spPr>
+          <a:xfrm>
+            <a:off x="6798364" y="2439985"/>
+            <a:ext cx="4158219" cy="705362"/>
+          </a:xfrm>
+          <a:prstGeom prst="rect">
+            <a:avLst/>
+          </a:prstGeom>
+        </p:spPr>
+        <p:style>
+          <a:lnRef idx="2">
+            <a:schemeClr val="accent4">
+              <a:shade val="50000"/>
+            </a:schemeClr>
+          </a:lnRef>
+          <a:fillRef idx="1">
+            <a:schemeClr val="accent4"/>
+          </a:fillRef>
+          <a:effectRef idx="0">
+            <a:schemeClr val="accent4"/>
+          </a:effectRef>
+          <a:fontRef idx="minor">
+            <a:schemeClr val="lt1"/>
+          </a:fontRef>
+        </p:style>
+        <p:txBody>
+          <a:bodyPr rtlCol="0" anchor="ctr"/>
+          <a:lstStyle/>
+          <a:p>
+            <a:r>
+              <a:rPr lang="tr-TR" b="1" dirty="0">
+                <a:solidFill>
+                  <a:schemeClr val="tx1"/>
+                </a:solidFill>
+              </a:rPr>
+              <a:t>RAM</a:t>
+            </a:r>
+            <a:endParaRPr lang="en-US" b="1" dirty="0">
+              <a:solidFill>
+                <a:schemeClr val="tx1"/>
+              </a:solidFill>
+            </a:endParaRPr>
+          </a:p>
+        </p:txBody>
+      </p:sp>
+      <p:sp>
+        <p:nvSpPr>
           <p:cNvPr id="14" name="Rectangle 13">
             <a:extLst>
               <a:ext uri="{FF2B5EF4-FFF2-40B4-BE49-F238E27FC236}">
@@ -10839,7 +11032,7 @@
                 <a:latin typeface="Euclid Circular B" panose="020B0504000000000000" pitchFamily="34" charset="0"/>
                 <a:ea typeface="Euclid Circular B" panose="020B0504000000000000" pitchFamily="34" charset="0"/>
               </a:rPr>
-              <a:t>Process Execution</a:t>
+              <a:t>Process Execution by CPU</a:t>
             </a:r>
             <a:endParaRPr lang="en-US" b="1" dirty="0">
               <a:solidFill>
@@ -12189,988 +12382,6 @@
   <p:clrMapOvr>
     <a:masterClrMapping/>
   </p:clrMapOvr>
-  <p:timing>
-    <p:tnLst>
-      <p:par>
-        <p:cTn id="1" dur="indefinite" restart="never" nodeType="tmRoot">
-          <p:childTnLst>
-            <p:seq concurrent="1" nextAc="seek">
-              <p:cTn id="2" dur="indefinite" nodeType="mainSeq">
-                <p:childTnLst>
-                  <p:par>
-                    <p:cTn id="3" fill="hold">
-                      <p:stCondLst>
-                        <p:cond delay="indefinite"/>
-                      </p:stCondLst>
-                      <p:childTnLst>
-                        <p:par>
-                          <p:cTn id="4" fill="hold">
-                            <p:stCondLst>
-                              <p:cond delay="0"/>
-                            </p:stCondLst>
-                            <p:childTnLst>
-                              <p:par>
-                                <p:cTn id="5" presetID="10" presetClass="entr" presetSubtype="0" fill="hold" grpId="0" nodeType="clickEffect">
-                                  <p:stCondLst>
-                                    <p:cond delay="0"/>
-                                  </p:stCondLst>
-                                  <p:childTnLst>
-                                    <p:set>
-                                      <p:cBhvr>
-                                        <p:cTn id="6" dur="1" fill="hold">
-                                          <p:stCondLst>
-                                            <p:cond delay="0"/>
-                                          </p:stCondLst>
-                                        </p:cTn>
-                                        <p:tgtEl>
-                                          <p:spTgt spid="55"/>
-                                        </p:tgtEl>
-                                        <p:attrNameLst>
-                                          <p:attrName>style.visibility</p:attrName>
-                                        </p:attrNameLst>
-                                      </p:cBhvr>
-                                      <p:to>
-                                        <p:strVal val="visible"/>
-                                      </p:to>
-                                    </p:set>
-                                    <p:animEffect transition="in" filter="fade">
-                                      <p:cBhvr>
-                                        <p:cTn id="7" dur="500"/>
-                                        <p:tgtEl>
-                                          <p:spTgt spid="55"/>
-                                        </p:tgtEl>
-                                      </p:cBhvr>
-                                    </p:animEffect>
-                                  </p:childTnLst>
-                                </p:cTn>
-                              </p:par>
-                              <p:par>
-                                <p:cTn id="8" presetID="10" presetClass="entr" presetSubtype="0" fill="hold" grpId="0" nodeType="withEffect">
-                                  <p:stCondLst>
-                                    <p:cond delay="0"/>
-                                  </p:stCondLst>
-                                  <p:childTnLst>
-                                    <p:set>
-                                      <p:cBhvr>
-                                        <p:cTn id="9" dur="1" fill="hold">
-                                          <p:stCondLst>
-                                            <p:cond delay="0"/>
-                                          </p:stCondLst>
-                                        </p:cTn>
-                                        <p:tgtEl>
-                                          <p:spTgt spid="56"/>
-                                        </p:tgtEl>
-                                        <p:attrNameLst>
-                                          <p:attrName>style.visibility</p:attrName>
-                                        </p:attrNameLst>
-                                      </p:cBhvr>
-                                      <p:to>
-                                        <p:strVal val="visible"/>
-                                      </p:to>
-                                    </p:set>
-                                    <p:animEffect transition="in" filter="fade">
-                                      <p:cBhvr>
-                                        <p:cTn id="10" dur="500"/>
-                                        <p:tgtEl>
-                                          <p:spTgt spid="56"/>
-                                        </p:tgtEl>
-                                      </p:cBhvr>
-                                    </p:animEffect>
-                                  </p:childTnLst>
-                                </p:cTn>
-                              </p:par>
-                              <p:par>
-                                <p:cTn id="11" presetID="10" presetClass="entr" presetSubtype="0" fill="hold" grpId="0" nodeType="withEffect">
-                                  <p:stCondLst>
-                                    <p:cond delay="0"/>
-                                  </p:stCondLst>
-                                  <p:childTnLst>
-                                    <p:set>
-                                      <p:cBhvr>
-                                        <p:cTn id="12" dur="1" fill="hold">
-                                          <p:stCondLst>
-                                            <p:cond delay="0"/>
-                                          </p:stCondLst>
-                                        </p:cTn>
-                                        <p:tgtEl>
-                                          <p:spTgt spid="57"/>
-                                        </p:tgtEl>
-                                        <p:attrNameLst>
-                                          <p:attrName>style.visibility</p:attrName>
-                                        </p:attrNameLst>
-                                      </p:cBhvr>
-                                      <p:to>
-                                        <p:strVal val="visible"/>
-                                      </p:to>
-                                    </p:set>
-                                    <p:animEffect transition="in" filter="fade">
-                                      <p:cBhvr>
-                                        <p:cTn id="13" dur="500"/>
-                                        <p:tgtEl>
-                                          <p:spTgt spid="57"/>
-                                        </p:tgtEl>
-                                      </p:cBhvr>
-                                    </p:animEffect>
-                                  </p:childTnLst>
-                                </p:cTn>
-                              </p:par>
-                              <p:par>
-                                <p:cTn id="14" presetID="10" presetClass="entr" presetSubtype="0" fill="hold" grpId="0" nodeType="withEffect">
-                                  <p:stCondLst>
-                                    <p:cond delay="0"/>
-                                  </p:stCondLst>
-                                  <p:childTnLst>
-                                    <p:set>
-                                      <p:cBhvr>
-                                        <p:cTn id="15" dur="1" fill="hold">
-                                          <p:stCondLst>
-                                            <p:cond delay="0"/>
-                                          </p:stCondLst>
-                                        </p:cTn>
-                                        <p:tgtEl>
-                                          <p:spTgt spid="58"/>
-                                        </p:tgtEl>
-                                        <p:attrNameLst>
-                                          <p:attrName>style.visibility</p:attrName>
-                                        </p:attrNameLst>
-                                      </p:cBhvr>
-                                      <p:to>
-                                        <p:strVal val="visible"/>
-                                      </p:to>
-                                    </p:set>
-                                    <p:animEffect transition="in" filter="fade">
-                                      <p:cBhvr>
-                                        <p:cTn id="16" dur="500"/>
-                                        <p:tgtEl>
-                                          <p:spTgt spid="58"/>
-                                        </p:tgtEl>
-                                      </p:cBhvr>
-                                    </p:animEffect>
-                                  </p:childTnLst>
-                                </p:cTn>
-                              </p:par>
-                              <p:par>
-                                <p:cTn id="17" presetID="10" presetClass="entr" presetSubtype="0" fill="hold" grpId="0" nodeType="withEffect">
-                                  <p:stCondLst>
-                                    <p:cond delay="0"/>
-                                  </p:stCondLst>
-                                  <p:childTnLst>
-                                    <p:set>
-                                      <p:cBhvr>
-                                        <p:cTn id="18" dur="1" fill="hold">
-                                          <p:stCondLst>
-                                            <p:cond delay="0"/>
-                                          </p:stCondLst>
-                                        </p:cTn>
-                                        <p:tgtEl>
-                                          <p:spTgt spid="59"/>
-                                        </p:tgtEl>
-                                        <p:attrNameLst>
-                                          <p:attrName>style.visibility</p:attrName>
-                                        </p:attrNameLst>
-                                      </p:cBhvr>
-                                      <p:to>
-                                        <p:strVal val="visible"/>
-                                      </p:to>
-                                    </p:set>
-                                    <p:animEffect transition="in" filter="fade">
-                                      <p:cBhvr>
-                                        <p:cTn id="19" dur="500"/>
-                                        <p:tgtEl>
-                                          <p:spTgt spid="59"/>
-                                        </p:tgtEl>
-                                      </p:cBhvr>
-                                    </p:animEffect>
-                                  </p:childTnLst>
-                                </p:cTn>
-                              </p:par>
-                              <p:par>
-                                <p:cTn id="20" presetID="10" presetClass="entr" presetSubtype="0" fill="hold" grpId="0" nodeType="withEffect">
-                                  <p:stCondLst>
-                                    <p:cond delay="0"/>
-                                  </p:stCondLst>
-                                  <p:childTnLst>
-                                    <p:set>
-                                      <p:cBhvr>
-                                        <p:cTn id="21" dur="1" fill="hold">
-                                          <p:stCondLst>
-                                            <p:cond delay="0"/>
-                                          </p:stCondLst>
-                                        </p:cTn>
-                                        <p:tgtEl>
-                                          <p:spTgt spid="60"/>
-                                        </p:tgtEl>
-                                        <p:attrNameLst>
-                                          <p:attrName>style.visibility</p:attrName>
-                                        </p:attrNameLst>
-                                      </p:cBhvr>
-                                      <p:to>
-                                        <p:strVal val="visible"/>
-                                      </p:to>
-                                    </p:set>
-                                    <p:animEffect transition="in" filter="fade">
-                                      <p:cBhvr>
-                                        <p:cTn id="22" dur="500"/>
-                                        <p:tgtEl>
-                                          <p:spTgt spid="60"/>
-                                        </p:tgtEl>
-                                      </p:cBhvr>
-                                    </p:animEffect>
-                                  </p:childTnLst>
-                                </p:cTn>
-                              </p:par>
-                              <p:par>
-                                <p:cTn id="23" presetID="10" presetClass="entr" presetSubtype="0" fill="hold" grpId="0" nodeType="withEffect">
-                                  <p:stCondLst>
-                                    <p:cond delay="0"/>
-                                  </p:stCondLst>
-                                  <p:childTnLst>
-                                    <p:set>
-                                      <p:cBhvr>
-                                        <p:cTn id="24" dur="1" fill="hold">
-                                          <p:stCondLst>
-                                            <p:cond delay="0"/>
-                                          </p:stCondLst>
-                                        </p:cTn>
-                                        <p:tgtEl>
-                                          <p:spTgt spid="61"/>
-                                        </p:tgtEl>
-                                        <p:attrNameLst>
-                                          <p:attrName>style.visibility</p:attrName>
-                                        </p:attrNameLst>
-                                      </p:cBhvr>
-                                      <p:to>
-                                        <p:strVal val="visible"/>
-                                      </p:to>
-                                    </p:set>
-                                    <p:animEffect transition="in" filter="fade">
-                                      <p:cBhvr>
-                                        <p:cTn id="25" dur="500"/>
-                                        <p:tgtEl>
-                                          <p:spTgt spid="61"/>
-                                        </p:tgtEl>
-                                      </p:cBhvr>
-                                    </p:animEffect>
-                                  </p:childTnLst>
-                                </p:cTn>
-                              </p:par>
-                              <p:par>
-                                <p:cTn id="26" presetID="10" presetClass="entr" presetSubtype="0" fill="hold" grpId="0" nodeType="withEffect">
-                                  <p:stCondLst>
-                                    <p:cond delay="0"/>
-                                  </p:stCondLst>
-                                  <p:childTnLst>
-                                    <p:set>
-                                      <p:cBhvr>
-                                        <p:cTn id="27" dur="1" fill="hold">
-                                          <p:stCondLst>
-                                            <p:cond delay="0"/>
-                                          </p:stCondLst>
-                                        </p:cTn>
-                                        <p:tgtEl>
-                                          <p:spTgt spid="62"/>
-                                        </p:tgtEl>
-                                        <p:attrNameLst>
-                                          <p:attrName>style.visibility</p:attrName>
-                                        </p:attrNameLst>
-                                      </p:cBhvr>
-                                      <p:to>
-                                        <p:strVal val="visible"/>
-                                      </p:to>
-                                    </p:set>
-                                    <p:animEffect transition="in" filter="fade">
-                                      <p:cBhvr>
-                                        <p:cTn id="28" dur="500"/>
-                                        <p:tgtEl>
-                                          <p:spTgt spid="62"/>
-                                        </p:tgtEl>
-                                      </p:cBhvr>
-                                    </p:animEffect>
-                                  </p:childTnLst>
-                                </p:cTn>
-                              </p:par>
-                              <p:par>
-                                <p:cTn id="29" presetID="10" presetClass="entr" presetSubtype="0" fill="hold" grpId="0" nodeType="withEffect">
-                                  <p:stCondLst>
-                                    <p:cond delay="0"/>
-                                  </p:stCondLst>
-                                  <p:childTnLst>
-                                    <p:set>
-                                      <p:cBhvr>
-                                        <p:cTn id="30" dur="1" fill="hold">
-                                          <p:stCondLst>
-                                            <p:cond delay="0"/>
-                                          </p:stCondLst>
-                                        </p:cTn>
-                                        <p:tgtEl>
-                                          <p:spTgt spid="63"/>
-                                        </p:tgtEl>
-                                        <p:attrNameLst>
-                                          <p:attrName>style.visibility</p:attrName>
-                                        </p:attrNameLst>
-                                      </p:cBhvr>
-                                      <p:to>
-                                        <p:strVal val="visible"/>
-                                      </p:to>
-                                    </p:set>
-                                    <p:animEffect transition="in" filter="fade">
-                                      <p:cBhvr>
-                                        <p:cTn id="31" dur="500"/>
-                                        <p:tgtEl>
-                                          <p:spTgt spid="63"/>
-                                        </p:tgtEl>
-                                      </p:cBhvr>
-                                    </p:animEffect>
-                                  </p:childTnLst>
-                                </p:cTn>
-                              </p:par>
-                              <p:par>
-                                <p:cTn id="32" presetID="10" presetClass="entr" presetSubtype="0" fill="hold" nodeType="withEffect">
-                                  <p:stCondLst>
-                                    <p:cond delay="0"/>
-                                  </p:stCondLst>
-                                  <p:childTnLst>
-                                    <p:set>
-                                      <p:cBhvr>
-                                        <p:cTn id="33" dur="1" fill="hold">
-                                          <p:stCondLst>
-                                            <p:cond delay="0"/>
-                                          </p:stCondLst>
-                                        </p:cTn>
-                                        <p:tgtEl>
-                                          <p:spTgt spid="54"/>
-                                        </p:tgtEl>
-                                        <p:attrNameLst>
-                                          <p:attrName>style.visibility</p:attrName>
-                                        </p:attrNameLst>
-                                      </p:cBhvr>
-                                      <p:to>
-                                        <p:strVal val="visible"/>
-                                      </p:to>
-                                    </p:set>
-                                    <p:animEffect transition="in" filter="fade">
-                                      <p:cBhvr>
-                                        <p:cTn id="34" dur="500"/>
-                                        <p:tgtEl>
-                                          <p:spTgt spid="54"/>
-                                        </p:tgtEl>
-                                      </p:cBhvr>
-                                    </p:animEffect>
-                                  </p:childTnLst>
-                                </p:cTn>
-                              </p:par>
-                            </p:childTnLst>
-                          </p:cTn>
-                        </p:par>
-                      </p:childTnLst>
-                    </p:cTn>
-                  </p:par>
-                  <p:par>
-                    <p:cTn id="35" fill="hold">
-                      <p:stCondLst>
-                        <p:cond delay="indefinite"/>
-                      </p:stCondLst>
-                      <p:childTnLst>
-                        <p:par>
-                          <p:cTn id="36" fill="hold">
-                            <p:stCondLst>
-                              <p:cond delay="0"/>
-                            </p:stCondLst>
-                            <p:childTnLst>
-                              <p:par>
-                                <p:cTn id="37" presetID="10" presetClass="entr" presetSubtype="0" fill="hold" grpId="0" nodeType="clickEffect">
-                                  <p:stCondLst>
-                                    <p:cond delay="0"/>
-                                  </p:stCondLst>
-                                  <p:childTnLst>
-                                    <p:set>
-                                      <p:cBhvr>
-                                        <p:cTn id="38" dur="1" fill="hold">
-                                          <p:stCondLst>
-                                            <p:cond delay="0"/>
-                                          </p:stCondLst>
-                                        </p:cTn>
-                                        <p:tgtEl>
-                                          <p:spTgt spid="52"/>
-                                        </p:tgtEl>
-                                        <p:attrNameLst>
-                                          <p:attrName>style.visibility</p:attrName>
-                                        </p:attrNameLst>
-                                      </p:cBhvr>
-                                      <p:to>
-                                        <p:strVal val="visible"/>
-                                      </p:to>
-                                    </p:set>
-                                    <p:animEffect transition="in" filter="fade">
-                                      <p:cBhvr>
-                                        <p:cTn id="39" dur="500"/>
-                                        <p:tgtEl>
-                                          <p:spTgt spid="52"/>
-                                        </p:tgtEl>
-                                      </p:cBhvr>
-                                    </p:animEffect>
-                                  </p:childTnLst>
-                                </p:cTn>
-                              </p:par>
-                              <p:par>
-                                <p:cTn id="40" presetID="10" presetClass="entr" presetSubtype="0" fill="hold" nodeType="withEffect">
-                                  <p:stCondLst>
-                                    <p:cond delay="0"/>
-                                  </p:stCondLst>
-                                  <p:childTnLst>
-                                    <p:set>
-                                      <p:cBhvr>
-                                        <p:cTn id="41" dur="1" fill="hold">
-                                          <p:stCondLst>
-                                            <p:cond delay="0"/>
-                                          </p:stCondLst>
-                                        </p:cTn>
-                                        <p:tgtEl>
-                                          <p:spTgt spid="65"/>
-                                        </p:tgtEl>
-                                        <p:attrNameLst>
-                                          <p:attrName>style.visibility</p:attrName>
-                                        </p:attrNameLst>
-                                      </p:cBhvr>
-                                      <p:to>
-                                        <p:strVal val="visible"/>
-                                      </p:to>
-                                    </p:set>
-                                    <p:animEffect transition="in" filter="fade">
-                                      <p:cBhvr>
-                                        <p:cTn id="42" dur="500"/>
-                                        <p:tgtEl>
-                                          <p:spTgt spid="65"/>
-                                        </p:tgtEl>
-                                      </p:cBhvr>
-                                    </p:animEffect>
-                                  </p:childTnLst>
-                                </p:cTn>
-                              </p:par>
-                              <p:par>
-                                <p:cTn id="43" presetID="10" presetClass="entr" presetSubtype="0" fill="hold" grpId="0" nodeType="withEffect">
-                                  <p:stCondLst>
-                                    <p:cond delay="0"/>
-                                  </p:stCondLst>
-                                  <p:childTnLst>
-                                    <p:set>
-                                      <p:cBhvr>
-                                        <p:cTn id="44" dur="1" fill="hold">
-                                          <p:stCondLst>
-                                            <p:cond delay="0"/>
-                                          </p:stCondLst>
-                                        </p:cTn>
-                                        <p:tgtEl>
-                                          <p:spTgt spid="68"/>
-                                        </p:tgtEl>
-                                        <p:attrNameLst>
-                                          <p:attrName>style.visibility</p:attrName>
-                                        </p:attrNameLst>
-                                      </p:cBhvr>
-                                      <p:to>
-                                        <p:strVal val="visible"/>
-                                      </p:to>
-                                    </p:set>
-                                    <p:animEffect transition="in" filter="fade">
-                                      <p:cBhvr>
-                                        <p:cTn id="45" dur="500"/>
-                                        <p:tgtEl>
-                                          <p:spTgt spid="68"/>
-                                        </p:tgtEl>
-                                      </p:cBhvr>
-                                    </p:animEffect>
-                                  </p:childTnLst>
-                                </p:cTn>
-                              </p:par>
-                              <p:par>
-                                <p:cTn id="46" presetID="10" presetClass="entr" presetSubtype="0" fill="hold" grpId="0" nodeType="withEffect">
-                                  <p:stCondLst>
-                                    <p:cond delay="0"/>
-                                  </p:stCondLst>
-                                  <p:childTnLst>
-                                    <p:set>
-                                      <p:cBhvr>
-                                        <p:cTn id="47" dur="1" fill="hold">
-                                          <p:stCondLst>
-                                            <p:cond delay="0"/>
-                                          </p:stCondLst>
-                                        </p:cTn>
-                                        <p:tgtEl>
-                                          <p:spTgt spid="6"/>
-                                        </p:tgtEl>
-                                        <p:attrNameLst>
-                                          <p:attrName>style.visibility</p:attrName>
-                                        </p:attrNameLst>
-                                      </p:cBhvr>
-                                      <p:to>
-                                        <p:strVal val="visible"/>
-                                      </p:to>
-                                    </p:set>
-                                    <p:animEffect transition="in" filter="fade">
-                                      <p:cBhvr>
-                                        <p:cTn id="48" dur="500"/>
-                                        <p:tgtEl>
-                                          <p:spTgt spid="6"/>
-                                        </p:tgtEl>
-                                      </p:cBhvr>
-                                    </p:animEffect>
-                                  </p:childTnLst>
-                                </p:cTn>
-                              </p:par>
-                              <p:par>
-                                <p:cTn id="49" presetID="10" presetClass="entr" presetSubtype="0" fill="hold" grpId="0" nodeType="withEffect">
-                                  <p:stCondLst>
-                                    <p:cond delay="0"/>
-                                  </p:stCondLst>
-                                  <p:childTnLst>
-                                    <p:set>
-                                      <p:cBhvr>
-                                        <p:cTn id="50" dur="1" fill="hold">
-                                          <p:stCondLst>
-                                            <p:cond delay="0"/>
-                                          </p:stCondLst>
-                                        </p:cTn>
-                                        <p:tgtEl>
-                                          <p:spTgt spid="7"/>
-                                        </p:tgtEl>
-                                        <p:attrNameLst>
-                                          <p:attrName>style.visibility</p:attrName>
-                                        </p:attrNameLst>
-                                      </p:cBhvr>
-                                      <p:to>
-                                        <p:strVal val="visible"/>
-                                      </p:to>
-                                    </p:set>
-                                    <p:animEffect transition="in" filter="fade">
-                                      <p:cBhvr>
-                                        <p:cTn id="51" dur="500"/>
-                                        <p:tgtEl>
-                                          <p:spTgt spid="7"/>
-                                        </p:tgtEl>
-                                      </p:cBhvr>
-                                    </p:animEffect>
-                                  </p:childTnLst>
-                                </p:cTn>
-                              </p:par>
-                              <p:par>
-                                <p:cTn id="52" presetID="10" presetClass="entr" presetSubtype="0" fill="hold" grpId="0" nodeType="withEffect">
-                                  <p:stCondLst>
-                                    <p:cond delay="0"/>
-                                  </p:stCondLst>
-                                  <p:childTnLst>
-                                    <p:set>
-                                      <p:cBhvr>
-                                        <p:cTn id="53" dur="1" fill="hold">
-                                          <p:stCondLst>
-                                            <p:cond delay="0"/>
-                                          </p:stCondLst>
-                                        </p:cTn>
-                                        <p:tgtEl>
-                                          <p:spTgt spid="8"/>
-                                        </p:tgtEl>
-                                        <p:attrNameLst>
-                                          <p:attrName>style.visibility</p:attrName>
-                                        </p:attrNameLst>
-                                      </p:cBhvr>
-                                      <p:to>
-                                        <p:strVal val="visible"/>
-                                      </p:to>
-                                    </p:set>
-                                    <p:animEffect transition="in" filter="fade">
-                                      <p:cBhvr>
-                                        <p:cTn id="54" dur="500"/>
-                                        <p:tgtEl>
-                                          <p:spTgt spid="8"/>
-                                        </p:tgtEl>
-                                      </p:cBhvr>
-                                    </p:animEffect>
-                                  </p:childTnLst>
-                                </p:cTn>
-                              </p:par>
-                              <p:par>
-                                <p:cTn id="55" presetID="10" presetClass="entr" presetSubtype="0" fill="hold" grpId="0" nodeType="withEffect">
-                                  <p:stCondLst>
-                                    <p:cond delay="0"/>
-                                  </p:stCondLst>
-                                  <p:childTnLst>
-                                    <p:set>
-                                      <p:cBhvr>
-                                        <p:cTn id="56" dur="1" fill="hold">
-                                          <p:stCondLst>
-                                            <p:cond delay="0"/>
-                                          </p:stCondLst>
-                                        </p:cTn>
-                                        <p:tgtEl>
-                                          <p:spTgt spid="9"/>
-                                        </p:tgtEl>
-                                        <p:attrNameLst>
-                                          <p:attrName>style.visibility</p:attrName>
-                                        </p:attrNameLst>
-                                      </p:cBhvr>
-                                      <p:to>
-                                        <p:strVal val="visible"/>
-                                      </p:to>
-                                    </p:set>
-                                    <p:animEffect transition="in" filter="fade">
-                                      <p:cBhvr>
-                                        <p:cTn id="57" dur="500"/>
-                                        <p:tgtEl>
-                                          <p:spTgt spid="9"/>
-                                        </p:tgtEl>
-                                      </p:cBhvr>
-                                    </p:animEffect>
-                                  </p:childTnLst>
-                                </p:cTn>
-                              </p:par>
-                              <p:par>
-                                <p:cTn id="58" presetID="10" presetClass="entr" presetSubtype="0" fill="hold" grpId="0" nodeType="withEffect">
-                                  <p:stCondLst>
-                                    <p:cond delay="0"/>
-                                  </p:stCondLst>
-                                  <p:childTnLst>
-                                    <p:set>
-                                      <p:cBhvr>
-                                        <p:cTn id="59" dur="1" fill="hold">
-                                          <p:stCondLst>
-                                            <p:cond delay="0"/>
-                                          </p:stCondLst>
-                                        </p:cTn>
-                                        <p:tgtEl>
-                                          <p:spTgt spid="10"/>
-                                        </p:tgtEl>
-                                        <p:attrNameLst>
-                                          <p:attrName>style.visibility</p:attrName>
-                                        </p:attrNameLst>
-                                      </p:cBhvr>
-                                      <p:to>
-                                        <p:strVal val="visible"/>
-                                      </p:to>
-                                    </p:set>
-                                    <p:animEffect transition="in" filter="fade">
-                                      <p:cBhvr>
-                                        <p:cTn id="60" dur="500"/>
-                                        <p:tgtEl>
-                                          <p:spTgt spid="10"/>
-                                        </p:tgtEl>
-                                      </p:cBhvr>
-                                    </p:animEffect>
-                                  </p:childTnLst>
-                                </p:cTn>
-                              </p:par>
-                              <p:par>
-                                <p:cTn id="61" presetID="10" presetClass="entr" presetSubtype="0" fill="hold" grpId="0" nodeType="withEffect">
-                                  <p:stCondLst>
-                                    <p:cond delay="0"/>
-                                  </p:stCondLst>
-                                  <p:childTnLst>
-                                    <p:set>
-                                      <p:cBhvr>
-                                        <p:cTn id="62" dur="1" fill="hold">
-                                          <p:stCondLst>
-                                            <p:cond delay="0"/>
-                                          </p:stCondLst>
-                                        </p:cTn>
-                                        <p:tgtEl>
-                                          <p:spTgt spid="11"/>
-                                        </p:tgtEl>
-                                        <p:attrNameLst>
-                                          <p:attrName>style.visibility</p:attrName>
-                                        </p:attrNameLst>
-                                      </p:cBhvr>
-                                      <p:to>
-                                        <p:strVal val="visible"/>
-                                      </p:to>
-                                    </p:set>
-                                    <p:animEffect transition="in" filter="fade">
-                                      <p:cBhvr>
-                                        <p:cTn id="63" dur="500"/>
-                                        <p:tgtEl>
-                                          <p:spTgt spid="11"/>
-                                        </p:tgtEl>
-                                      </p:cBhvr>
-                                    </p:animEffect>
-                                  </p:childTnLst>
-                                </p:cTn>
-                              </p:par>
-                              <p:par>
-                                <p:cTn id="64" presetID="10" presetClass="entr" presetSubtype="0" fill="hold" grpId="0" nodeType="withEffect">
-                                  <p:stCondLst>
-                                    <p:cond delay="0"/>
-                                  </p:stCondLst>
-                                  <p:childTnLst>
-                                    <p:set>
-                                      <p:cBhvr>
-                                        <p:cTn id="65" dur="1" fill="hold">
-                                          <p:stCondLst>
-                                            <p:cond delay="0"/>
-                                          </p:stCondLst>
-                                        </p:cTn>
-                                        <p:tgtEl>
-                                          <p:spTgt spid="12"/>
-                                        </p:tgtEl>
-                                        <p:attrNameLst>
-                                          <p:attrName>style.visibility</p:attrName>
-                                        </p:attrNameLst>
-                                      </p:cBhvr>
-                                      <p:to>
-                                        <p:strVal val="visible"/>
-                                      </p:to>
-                                    </p:set>
-                                    <p:animEffect transition="in" filter="fade">
-                                      <p:cBhvr>
-                                        <p:cTn id="66" dur="500"/>
-                                        <p:tgtEl>
-                                          <p:spTgt spid="12"/>
-                                        </p:tgtEl>
-                                      </p:cBhvr>
-                                    </p:animEffect>
-                                  </p:childTnLst>
-                                </p:cTn>
-                              </p:par>
-                              <p:par>
-                                <p:cTn id="67" presetID="10" presetClass="entr" presetSubtype="0" fill="hold" grpId="0" nodeType="withEffect">
-                                  <p:stCondLst>
-                                    <p:cond delay="0"/>
-                                  </p:stCondLst>
-                                  <p:childTnLst>
-                                    <p:set>
-                                      <p:cBhvr>
-                                        <p:cTn id="68" dur="1" fill="hold">
-                                          <p:stCondLst>
-                                            <p:cond delay="0"/>
-                                          </p:stCondLst>
-                                        </p:cTn>
-                                        <p:tgtEl>
-                                          <p:spTgt spid="13"/>
-                                        </p:tgtEl>
-                                        <p:attrNameLst>
-                                          <p:attrName>style.visibility</p:attrName>
-                                        </p:attrNameLst>
-                                      </p:cBhvr>
-                                      <p:to>
-                                        <p:strVal val="visible"/>
-                                      </p:to>
-                                    </p:set>
-                                    <p:animEffect transition="in" filter="fade">
-                                      <p:cBhvr>
-                                        <p:cTn id="69" dur="500"/>
-                                        <p:tgtEl>
-                                          <p:spTgt spid="13"/>
-                                        </p:tgtEl>
-                                      </p:cBhvr>
-                                    </p:animEffect>
-                                  </p:childTnLst>
-                                </p:cTn>
-                              </p:par>
-                            </p:childTnLst>
-                          </p:cTn>
-                        </p:par>
-                      </p:childTnLst>
-                    </p:cTn>
-                  </p:par>
-                  <p:par>
-                    <p:cTn id="70" fill="hold">
-                      <p:stCondLst>
-                        <p:cond delay="indefinite"/>
-                      </p:stCondLst>
-                      <p:childTnLst>
-                        <p:par>
-                          <p:cTn id="71" fill="hold">
-                            <p:stCondLst>
-                              <p:cond delay="0"/>
-                            </p:stCondLst>
-                            <p:childTnLst>
-                              <p:par>
-                                <p:cTn id="72" presetID="10" presetClass="entr" presetSubtype="0" fill="hold" grpId="0" nodeType="clickEffect">
-                                  <p:stCondLst>
-                                    <p:cond delay="0"/>
-                                  </p:stCondLst>
-                                  <p:childTnLst>
-                                    <p:set>
-                                      <p:cBhvr>
-                                        <p:cTn id="73" dur="1" fill="hold">
-                                          <p:stCondLst>
-                                            <p:cond delay="0"/>
-                                          </p:stCondLst>
-                                        </p:cTn>
-                                        <p:tgtEl>
-                                          <p:spTgt spid="15"/>
-                                        </p:tgtEl>
-                                        <p:attrNameLst>
-                                          <p:attrName>style.visibility</p:attrName>
-                                        </p:attrNameLst>
-                                      </p:cBhvr>
-                                      <p:to>
-                                        <p:strVal val="visible"/>
-                                      </p:to>
-                                    </p:set>
-                                    <p:animEffect transition="in" filter="fade">
-                                      <p:cBhvr>
-                                        <p:cTn id="74" dur="500"/>
-                                        <p:tgtEl>
-                                          <p:spTgt spid="15"/>
-                                        </p:tgtEl>
-                                      </p:cBhvr>
-                                    </p:animEffect>
-                                  </p:childTnLst>
-                                </p:cTn>
-                              </p:par>
-                              <p:par>
-                                <p:cTn id="75" presetID="10" presetClass="entr" presetSubtype="0" fill="hold" nodeType="withEffect">
-                                  <p:stCondLst>
-                                    <p:cond delay="0"/>
-                                  </p:stCondLst>
-                                  <p:childTnLst>
-                                    <p:set>
-                                      <p:cBhvr>
-                                        <p:cTn id="76" dur="1" fill="hold">
-                                          <p:stCondLst>
-                                            <p:cond delay="0"/>
-                                          </p:stCondLst>
-                                        </p:cTn>
-                                        <p:tgtEl>
-                                          <p:spTgt spid="17"/>
-                                        </p:tgtEl>
-                                        <p:attrNameLst>
-                                          <p:attrName>style.visibility</p:attrName>
-                                        </p:attrNameLst>
-                                      </p:cBhvr>
-                                      <p:to>
-                                        <p:strVal val="visible"/>
-                                      </p:to>
-                                    </p:set>
-                                    <p:animEffect transition="in" filter="fade">
-                                      <p:cBhvr>
-                                        <p:cTn id="77" dur="500"/>
-                                        <p:tgtEl>
-                                          <p:spTgt spid="17"/>
-                                        </p:tgtEl>
-                                      </p:cBhvr>
-                                    </p:animEffect>
-                                  </p:childTnLst>
-                                </p:cTn>
-                              </p:par>
-                              <p:par>
-                                <p:cTn id="78" presetID="10" presetClass="entr" presetSubtype="0" fill="hold" nodeType="withEffect">
-                                  <p:stCondLst>
-                                    <p:cond delay="0"/>
-                                  </p:stCondLst>
-                                  <p:childTnLst>
-                                    <p:set>
-                                      <p:cBhvr>
-                                        <p:cTn id="79" dur="1" fill="hold">
-                                          <p:stCondLst>
-                                            <p:cond delay="0"/>
-                                          </p:stCondLst>
-                                        </p:cTn>
-                                        <p:tgtEl>
-                                          <p:spTgt spid="48"/>
-                                        </p:tgtEl>
-                                        <p:attrNameLst>
-                                          <p:attrName>style.visibility</p:attrName>
-                                        </p:attrNameLst>
-                                      </p:cBhvr>
-                                      <p:to>
-                                        <p:strVal val="visible"/>
-                                      </p:to>
-                                    </p:set>
-                                    <p:animEffect transition="in" filter="fade">
-                                      <p:cBhvr>
-                                        <p:cTn id="80" dur="500"/>
-                                        <p:tgtEl>
-                                          <p:spTgt spid="48"/>
-                                        </p:tgtEl>
-                                      </p:cBhvr>
-                                    </p:animEffect>
-                                  </p:childTnLst>
-                                </p:cTn>
-                              </p:par>
-                              <p:par>
-                                <p:cTn id="81" presetID="10" presetClass="entr" presetSubtype="0" fill="hold" grpId="0" nodeType="withEffect">
-                                  <p:stCondLst>
-                                    <p:cond delay="0"/>
-                                  </p:stCondLst>
-                                  <p:childTnLst>
-                                    <p:set>
-                                      <p:cBhvr>
-                                        <p:cTn id="82" dur="1" fill="hold">
-                                          <p:stCondLst>
-                                            <p:cond delay="0"/>
-                                          </p:stCondLst>
-                                        </p:cTn>
-                                        <p:tgtEl>
-                                          <p:spTgt spid="14"/>
-                                        </p:tgtEl>
-                                        <p:attrNameLst>
-                                          <p:attrName>style.visibility</p:attrName>
-                                        </p:attrNameLst>
-                                      </p:cBhvr>
-                                      <p:to>
-                                        <p:strVal val="visible"/>
-                                      </p:to>
-                                    </p:set>
-                                    <p:animEffect transition="in" filter="fade">
-                                      <p:cBhvr>
-                                        <p:cTn id="83" dur="500"/>
-                                        <p:tgtEl>
-                                          <p:spTgt spid="14"/>
-                                        </p:tgtEl>
-                                      </p:cBhvr>
-                                    </p:animEffect>
-                                  </p:childTnLst>
-                                </p:cTn>
-                              </p:par>
-                            </p:childTnLst>
-                          </p:cTn>
-                        </p:par>
-                      </p:childTnLst>
-                    </p:cTn>
-                  </p:par>
-                </p:childTnLst>
-              </p:cTn>
-              <p:prevCondLst>
-                <p:cond evt="onPrev" delay="0">
-                  <p:tgtEl>
-                    <p:sldTgt/>
-                  </p:tgtEl>
-                </p:cond>
-              </p:prevCondLst>
-              <p:nextCondLst>
-                <p:cond evt="onNext" delay="0">
-                  <p:tgtEl>
-                    <p:sldTgt/>
-                  </p:tgtEl>
-                </p:cond>
-              </p:nextCondLst>
-            </p:seq>
-          </p:childTnLst>
-        </p:cTn>
-      </p:par>
-    </p:tnLst>
-    <p:bldLst>
-      <p:bldP spid="14" grpId="0" animBg="1"/>
-      <p:bldP spid="6" grpId="0" animBg="1"/>
-      <p:bldP spid="7" grpId="0" animBg="1"/>
-      <p:bldP spid="8" grpId="0" animBg="1"/>
-      <p:bldP spid="9" grpId="0" animBg="1"/>
-      <p:bldP spid="10" grpId="0" animBg="1"/>
-      <p:bldP spid="11" grpId="0" animBg="1"/>
-      <p:bldP spid="12" grpId="0" animBg="1"/>
-      <p:bldP spid="13" grpId="0" animBg="1"/>
-      <p:bldP spid="15" grpId="0" animBg="1"/>
-      <p:bldP spid="52" grpId="0"/>
-      <p:bldP spid="55" grpId="0"/>
-      <p:bldP spid="56" grpId="0"/>
-      <p:bldP spid="57" grpId="0"/>
-      <p:bldP spid="58" grpId="0"/>
-      <p:bldP spid="59" grpId="0"/>
-      <p:bldP spid="60" grpId="0"/>
-      <p:bldP spid="61" grpId="0"/>
-      <p:bldP spid="62" grpId="0"/>
-      <p:bldP spid="63" grpId="0"/>
-      <p:bldP spid="68" grpId="0"/>
-    </p:bldLst>
-  </p:timing>
 </p:sld>
 </file>
 
@@ -13207,6 +12418,120 @@
       </p:grpSpPr>
       <p:sp>
         <p:nvSpPr>
+          <p:cNvPr id="14" name="Rectangle 13">
+            <a:extLst>
+              <a:ext uri="{FF2B5EF4-FFF2-40B4-BE49-F238E27FC236}">
+                <a16:creationId xmlns:a16="http://schemas.microsoft.com/office/drawing/2014/main" id="{68DBE123-5415-D387-88BA-D044E29F5A80}"/>
+              </a:ext>
+            </a:extLst>
+          </p:cNvPr>
+          <p:cNvSpPr/>
+          <p:nvPr/>
+        </p:nvSpPr>
+        <p:spPr>
+          <a:xfrm>
+            <a:off x="760904" y="2288585"/>
+            <a:ext cx="4158219" cy="705362"/>
+          </a:xfrm>
+          <a:prstGeom prst="rect">
+            <a:avLst/>
+          </a:prstGeom>
+        </p:spPr>
+        <p:style>
+          <a:lnRef idx="2">
+            <a:schemeClr val="accent4">
+              <a:shade val="50000"/>
+            </a:schemeClr>
+          </a:lnRef>
+          <a:fillRef idx="1">
+            <a:schemeClr val="accent4"/>
+          </a:fillRef>
+          <a:effectRef idx="0">
+            <a:schemeClr val="accent4"/>
+          </a:effectRef>
+          <a:fontRef idx="minor">
+            <a:schemeClr val="lt1"/>
+          </a:fontRef>
+        </p:style>
+        <p:txBody>
+          <a:bodyPr rtlCol="0" anchor="ctr"/>
+          <a:lstStyle/>
+          <a:p>
+            <a:r>
+              <a:rPr lang="tr-TR" b="1" dirty="0">
+                <a:solidFill>
+                  <a:schemeClr val="tx1"/>
+                </a:solidFill>
+              </a:rPr>
+              <a:t>RAM</a:t>
+            </a:r>
+            <a:endParaRPr lang="en-US" b="1" dirty="0">
+              <a:solidFill>
+                <a:schemeClr val="tx1"/>
+              </a:solidFill>
+            </a:endParaRPr>
+          </a:p>
+        </p:txBody>
+      </p:sp>
+      <p:sp>
+        <p:nvSpPr>
+          <p:cNvPr id="3" name="Rectangle 2">
+            <a:extLst>
+              <a:ext uri="{FF2B5EF4-FFF2-40B4-BE49-F238E27FC236}">
+                <a16:creationId xmlns:a16="http://schemas.microsoft.com/office/drawing/2014/main" id="{BA0BA62A-7A4A-7B84-4A84-69A7BD636C86}"/>
+              </a:ext>
+            </a:extLst>
+          </p:cNvPr>
+          <p:cNvSpPr/>
+          <p:nvPr/>
+        </p:nvSpPr>
+        <p:spPr>
+          <a:xfrm>
+            <a:off x="6014745" y="2302678"/>
+            <a:ext cx="4158219" cy="705362"/>
+          </a:xfrm>
+          <a:prstGeom prst="rect">
+            <a:avLst/>
+          </a:prstGeom>
+        </p:spPr>
+        <p:style>
+          <a:lnRef idx="2">
+            <a:schemeClr val="accent4">
+              <a:shade val="50000"/>
+            </a:schemeClr>
+          </a:lnRef>
+          <a:fillRef idx="1">
+            <a:schemeClr val="accent4"/>
+          </a:fillRef>
+          <a:effectRef idx="0">
+            <a:schemeClr val="accent4"/>
+          </a:effectRef>
+          <a:fontRef idx="minor">
+            <a:schemeClr val="lt1"/>
+          </a:fontRef>
+        </p:style>
+        <p:txBody>
+          <a:bodyPr rtlCol="0" anchor="ctr"/>
+          <a:lstStyle/>
+          <a:p>
+            <a:r>
+              <a:rPr lang="tr-TR" b="1" dirty="0">
+                <a:solidFill>
+                  <a:schemeClr val="tx1"/>
+                </a:solidFill>
+              </a:rPr>
+              <a:t>RAM</a:t>
+            </a:r>
+            <a:endParaRPr lang="en-US" b="1" dirty="0">
+              <a:solidFill>
+                <a:schemeClr val="tx1"/>
+              </a:solidFill>
+            </a:endParaRPr>
+          </a:p>
+        </p:txBody>
+      </p:sp>
+      <p:sp>
+        <p:nvSpPr>
           <p:cNvPr id="2" name="Title 1">
             <a:extLst>
               <a:ext uri="{FF2B5EF4-FFF2-40B4-BE49-F238E27FC236}">
@@ -13234,7 +12559,7 @@
                 <a:latin typeface="Euclid Circular B" panose="020B0504000000000000" pitchFamily="34" charset="0"/>
                 <a:ea typeface="Euclid Circular B" panose="020B0504000000000000" pitchFamily="34" charset="0"/>
               </a:rPr>
-              <a:t>Multi-Tasking</a:t>
+              <a:t>Multi-Tasking (with Single Core-CPU)</a:t>
             </a:r>
             <a:endParaRPr lang="en-US" b="1" dirty="0">
               <a:solidFill>
@@ -15457,7 +14782,7 @@
                                           </p:stCondLst>
                                         </p:cTn>
                                         <p:tgtEl>
-                                          <p:spTgt spid="6"/>
+                                          <p:spTgt spid="30"/>
                                         </p:tgtEl>
                                         <p:attrNameLst>
                                           <p:attrName>style.visibility</p:attrName>
@@ -15471,7 +14796,7 @@
                                       <p:cBhvr>
                                         <p:cTn id="7" dur="500"/>
                                         <p:tgtEl>
-                                          <p:spTgt spid="6"/>
+                                          <p:spTgt spid="30"/>
                                         </p:tgtEl>
                                       </p:cBhvr>
                                     </p:animEffect>
@@ -15492,7 +14817,7 @@
                                           </p:stCondLst>
                                         </p:cTn>
                                         <p:tgtEl>
-                                          <p:spTgt spid="7"/>
+                                          <p:spTgt spid="31"/>
                                         </p:tgtEl>
                                         <p:attrNameLst>
                                           <p:attrName>style.visibility</p:attrName>
@@ -15506,7 +14831,7 @@
                                       <p:cBhvr>
                                         <p:cTn id="10" dur="500"/>
                                         <p:tgtEl>
-                                          <p:spTgt spid="7"/>
+                                          <p:spTgt spid="31"/>
                                         </p:tgtEl>
                                       </p:cBhvr>
                                     </p:animEffect>
@@ -15527,7 +14852,7 @@
                                           </p:stCondLst>
                                         </p:cTn>
                                         <p:tgtEl>
-                                          <p:spTgt spid="8"/>
+                                          <p:spTgt spid="32"/>
                                         </p:tgtEl>
                                         <p:attrNameLst>
                                           <p:attrName>style.visibility</p:attrName>
@@ -15541,7 +14866,7 @@
                                       <p:cBhvr>
                                         <p:cTn id="13" dur="500"/>
                                         <p:tgtEl>
-                                          <p:spTgt spid="8"/>
+                                          <p:spTgt spid="32"/>
                                         </p:tgtEl>
                                       </p:cBhvr>
                                     </p:animEffect>
@@ -15562,7 +14887,7 @@
                                           </p:stCondLst>
                                         </p:cTn>
                                         <p:tgtEl>
-                                          <p:spTgt spid="9"/>
+                                          <p:spTgt spid="33"/>
                                         </p:tgtEl>
                                         <p:attrNameLst>
                                           <p:attrName>style.visibility</p:attrName>
@@ -15576,7 +14901,7 @@
                                       <p:cBhvr>
                                         <p:cTn id="16" dur="500"/>
                                         <p:tgtEl>
-                                          <p:spTgt spid="9"/>
+                                          <p:spTgt spid="33"/>
                                         </p:tgtEl>
                                       </p:cBhvr>
                                     </p:animEffect>
@@ -15597,7 +14922,7 @@
                                           </p:stCondLst>
                                         </p:cTn>
                                         <p:tgtEl>
-                                          <p:spTgt spid="10"/>
+                                          <p:spTgt spid="34"/>
                                         </p:tgtEl>
                                         <p:attrNameLst>
                                           <p:attrName>style.visibility</p:attrName>
@@ -15611,7 +14936,7 @@
                                       <p:cBhvr>
                                         <p:cTn id="19" dur="500"/>
                                         <p:tgtEl>
-                                          <p:spTgt spid="10"/>
+                                          <p:spTgt spid="34"/>
                                         </p:tgtEl>
                                       </p:cBhvr>
                                     </p:animEffect>
@@ -15632,7 +14957,7 @@
                                           </p:stCondLst>
                                         </p:cTn>
                                         <p:tgtEl>
-                                          <p:spTgt spid="11"/>
+                                          <p:spTgt spid="35"/>
                                         </p:tgtEl>
                                         <p:attrNameLst>
                                           <p:attrName>style.visibility</p:attrName>
@@ -15646,7 +14971,7 @@
                                       <p:cBhvr>
                                         <p:cTn id="22" dur="500"/>
                                         <p:tgtEl>
-                                          <p:spTgt spid="11"/>
+                                          <p:spTgt spid="35"/>
                                         </p:tgtEl>
                                       </p:cBhvr>
                                     </p:animEffect>
@@ -15667,7 +14992,7 @@
                                           </p:stCondLst>
                                         </p:cTn>
                                         <p:tgtEl>
-                                          <p:spTgt spid="12"/>
+                                          <p:spTgt spid="36"/>
                                         </p:tgtEl>
                                         <p:attrNameLst>
                                           <p:attrName>style.visibility</p:attrName>
@@ -15681,7 +15006,7 @@
                                       <p:cBhvr>
                                         <p:cTn id="25" dur="500"/>
                                         <p:tgtEl>
-                                          <p:spTgt spid="12"/>
+                                          <p:spTgt spid="36"/>
                                         </p:tgtEl>
                                       </p:cBhvr>
                                     </p:animEffect>
@@ -15702,7 +15027,7 @@
                                           </p:stCondLst>
                                         </p:cTn>
                                         <p:tgtEl>
-                                          <p:spTgt spid="13"/>
+                                          <p:spTgt spid="37"/>
                                         </p:tgtEl>
                                         <p:attrNameLst>
                                           <p:attrName>style.visibility</p:attrName>
@@ -15716,7 +15041,7 @@
                                       <p:cBhvr>
                                         <p:cTn id="28" dur="500"/>
                                         <p:tgtEl>
-                                          <p:spTgt spid="13"/>
+                                          <p:spTgt spid="37"/>
                                         </p:tgtEl>
                                       </p:cBhvr>
                                     </p:animEffect>
@@ -15737,7 +15062,7 @@
                                           </p:stCondLst>
                                         </p:cTn>
                                         <p:tgtEl>
-                                          <p:spTgt spid="21"/>
+                                          <p:spTgt spid="40"/>
                                         </p:tgtEl>
                                         <p:attrNameLst>
                                           <p:attrName>style.visibility</p:attrName>
@@ -15751,7 +15076,7 @@
                                       <p:cBhvr>
                                         <p:cTn id="31" dur="500"/>
                                         <p:tgtEl>
-                                          <p:spTgt spid="21"/>
+                                          <p:spTgt spid="40"/>
                                         </p:tgtEl>
                                       </p:cBhvr>
                                     </p:animEffect>
@@ -15772,7 +15097,7 @@
                                           </p:stCondLst>
                                         </p:cTn>
                                         <p:tgtEl>
-                                          <p:spTgt spid="22"/>
+                                          <p:spTgt spid="41"/>
                                         </p:tgtEl>
                                         <p:attrNameLst>
                                           <p:attrName>style.visibility</p:attrName>
@@ -15786,7 +15111,7 @@
                                       <p:cBhvr>
                                         <p:cTn id="34" dur="500"/>
                                         <p:tgtEl>
-                                          <p:spTgt spid="22"/>
+                                          <p:spTgt spid="41"/>
                                         </p:tgtEl>
                                       </p:cBhvr>
                                     </p:animEffect>
@@ -15807,7 +15132,7 @@
                                           </p:stCondLst>
                                         </p:cTn>
                                         <p:tgtEl>
-                                          <p:spTgt spid="23"/>
+                                          <p:spTgt spid="42"/>
                                         </p:tgtEl>
                                         <p:attrNameLst>
                                           <p:attrName>style.visibility</p:attrName>
@@ -15821,7 +15146,7 @@
                                       <p:cBhvr>
                                         <p:cTn id="37" dur="500"/>
                                         <p:tgtEl>
-                                          <p:spTgt spid="23"/>
+                                          <p:spTgt spid="42"/>
                                         </p:tgtEl>
                                       </p:cBhvr>
                                     </p:animEffect>
@@ -15842,7 +15167,7 @@
                                           </p:stCondLst>
                                         </p:cTn>
                                         <p:tgtEl>
-                                          <p:spTgt spid="24"/>
+                                          <p:spTgt spid="43"/>
                                         </p:tgtEl>
                                         <p:attrNameLst>
                                           <p:attrName>style.visibility</p:attrName>
@@ -15856,7 +15181,7 @@
                                       <p:cBhvr>
                                         <p:cTn id="40" dur="500"/>
                                         <p:tgtEl>
-                                          <p:spTgt spid="24"/>
+                                          <p:spTgt spid="43"/>
                                         </p:tgtEl>
                                       </p:cBhvr>
                                     </p:animEffect>
@@ -15877,7 +15202,7 @@
                                           </p:stCondLst>
                                         </p:cTn>
                                         <p:tgtEl>
-                                          <p:spTgt spid="25"/>
+                                          <p:spTgt spid="44"/>
                                         </p:tgtEl>
                                         <p:attrNameLst>
                                           <p:attrName>style.visibility</p:attrName>
@@ -15891,7 +15216,7 @@
                                       <p:cBhvr>
                                         <p:cTn id="43" dur="500"/>
                                         <p:tgtEl>
-                                          <p:spTgt spid="25"/>
+                                          <p:spTgt spid="44"/>
                                         </p:tgtEl>
                                       </p:cBhvr>
                                     </p:animEffect>
@@ -15912,7 +15237,7 @@
                                           </p:stCondLst>
                                         </p:cTn>
                                         <p:tgtEl>
-                                          <p:spTgt spid="26"/>
+                                          <p:spTgt spid="45"/>
                                         </p:tgtEl>
                                         <p:attrNameLst>
                                           <p:attrName>style.visibility</p:attrName>
@@ -15926,7 +15251,7 @@
                                       <p:cBhvr>
                                         <p:cTn id="46" dur="500"/>
                                         <p:tgtEl>
-                                          <p:spTgt spid="26"/>
+                                          <p:spTgt spid="45"/>
                                         </p:tgtEl>
                                       </p:cBhvr>
                                     </p:animEffect>
@@ -15947,7 +15272,7 @@
                                           </p:stCondLst>
                                         </p:cTn>
                                         <p:tgtEl>
-                                          <p:spTgt spid="27"/>
+                                          <p:spTgt spid="46"/>
                                         </p:tgtEl>
                                         <p:attrNameLst>
                                           <p:attrName>style.visibility</p:attrName>
@@ -15961,7 +15286,7 @@
                                       <p:cBhvr>
                                         <p:cTn id="49" dur="500"/>
                                         <p:tgtEl>
-                                          <p:spTgt spid="27"/>
+                                          <p:spTgt spid="46"/>
                                         </p:tgtEl>
                                       </p:cBhvr>
                                     </p:animEffect>
@@ -15982,7 +15307,7 @@
                                           </p:stCondLst>
                                         </p:cTn>
                                         <p:tgtEl>
-                                          <p:spTgt spid="28"/>
+                                          <p:spTgt spid="47"/>
                                         </p:tgtEl>
                                         <p:attrNameLst>
                                           <p:attrName>style.visibility</p:attrName>
@@ -15996,654 +15321,6 @@
                                       <p:cBhvr>
                                         <p:cTn id="52" dur="500"/>
                                         <p:tgtEl>
-                                          <p:spTgt spid="28"/>
-                                        </p:tgtEl>
-                                      </p:cBhvr>
-                                    </p:animEffect>
-                                  </p:childTnLst>
-                                </p:cTn>
-                              </p:par>
-                              <p:par>
-                                <p:cTn id="53" presetID="10" presetClass="entr" presetSubtype="0" fill="hold" grpId="0" nodeType="withEffect">
-                                  <p:stCondLst>
-                                    <p:cond delay="0"/>
-                                  </p:stCondLst>
-                                  <p:childTnLst>
-                                    <p:set>
-                                      <p:cBhvr>
-                                        <p:cTn id="54" dur="1" fill="hold">
-                                          <p:stCondLst>
-                                            <p:cond delay="0"/>
-                                          </p:stCondLst>
-                                        </p:cTn>
-                                        <p:tgtEl>
-                                          <p:spTgt spid="4"/>
-                                        </p:tgtEl>
-                                        <p:attrNameLst>
-                                          <p:attrName>style.visibility</p:attrName>
-                                        </p:attrNameLst>
-                                      </p:cBhvr>
-                                      <p:to>
-                                        <p:strVal val="visible"/>
-                                      </p:to>
-                                    </p:set>
-                                    <p:animEffect transition="in" filter="fade">
-                                      <p:cBhvr>
-                                        <p:cTn id="55" dur="500"/>
-                                        <p:tgtEl>
-                                          <p:spTgt spid="4"/>
-                                        </p:tgtEl>
-                                      </p:cBhvr>
-                                    </p:animEffect>
-                                  </p:childTnLst>
-                                </p:cTn>
-                              </p:par>
-                              <p:par>
-                                <p:cTn id="56" presetID="10" presetClass="entr" presetSubtype="0" fill="hold" grpId="0" nodeType="withEffect">
-                                  <p:stCondLst>
-                                    <p:cond delay="0"/>
-                                  </p:stCondLst>
-                                  <p:childTnLst>
-                                    <p:set>
-                                      <p:cBhvr>
-                                        <p:cTn id="57" dur="1" fill="hold">
-                                          <p:stCondLst>
-                                            <p:cond delay="0"/>
-                                          </p:stCondLst>
-                                        </p:cTn>
-                                        <p:tgtEl>
-                                          <p:spTgt spid="5"/>
-                                        </p:tgtEl>
-                                        <p:attrNameLst>
-                                          <p:attrName>style.visibility</p:attrName>
-                                        </p:attrNameLst>
-                                      </p:cBhvr>
-                                      <p:to>
-                                        <p:strVal val="visible"/>
-                                      </p:to>
-                                    </p:set>
-                                    <p:animEffect transition="in" filter="fade">
-                                      <p:cBhvr>
-                                        <p:cTn id="58" dur="500"/>
-                                        <p:tgtEl>
-                                          <p:spTgt spid="5"/>
-                                        </p:tgtEl>
-                                      </p:cBhvr>
-                                    </p:animEffect>
-                                  </p:childTnLst>
-                                </p:cTn>
-                              </p:par>
-                            </p:childTnLst>
-                          </p:cTn>
-                        </p:par>
-                      </p:childTnLst>
-                    </p:cTn>
-                  </p:par>
-                  <p:par>
-                    <p:cTn id="59" fill="hold">
-                      <p:stCondLst>
-                        <p:cond delay="indefinite"/>
-                      </p:stCondLst>
-                      <p:childTnLst>
-                        <p:par>
-                          <p:cTn id="60" fill="hold">
-                            <p:stCondLst>
-                              <p:cond delay="0"/>
-                            </p:stCondLst>
-                            <p:childTnLst>
-                              <p:par>
-                                <p:cTn id="61" presetID="10" presetClass="entr" presetSubtype="0" fill="hold" grpId="0" nodeType="clickEffect">
-                                  <p:stCondLst>
-                                    <p:cond delay="0"/>
-                                  </p:stCondLst>
-                                  <p:childTnLst>
-                                    <p:set>
-                                      <p:cBhvr>
-                                        <p:cTn id="62" dur="1" fill="hold">
-                                          <p:stCondLst>
-                                            <p:cond delay="0"/>
-                                          </p:stCondLst>
-                                        </p:cTn>
-                                        <p:tgtEl>
-                                          <p:spTgt spid="30"/>
-                                        </p:tgtEl>
-                                        <p:attrNameLst>
-                                          <p:attrName>style.visibility</p:attrName>
-                                        </p:attrNameLst>
-                                      </p:cBhvr>
-                                      <p:to>
-                                        <p:strVal val="visible"/>
-                                      </p:to>
-                                    </p:set>
-                                    <p:animEffect transition="in" filter="fade">
-                                      <p:cBhvr>
-                                        <p:cTn id="63" dur="500"/>
-                                        <p:tgtEl>
-                                          <p:spTgt spid="30"/>
-                                        </p:tgtEl>
-                                      </p:cBhvr>
-                                    </p:animEffect>
-                                  </p:childTnLst>
-                                </p:cTn>
-                              </p:par>
-                              <p:par>
-                                <p:cTn id="64" presetID="10" presetClass="entr" presetSubtype="0" fill="hold" grpId="0" nodeType="withEffect">
-                                  <p:stCondLst>
-                                    <p:cond delay="0"/>
-                                  </p:stCondLst>
-                                  <p:childTnLst>
-                                    <p:set>
-                                      <p:cBhvr>
-                                        <p:cTn id="65" dur="1" fill="hold">
-                                          <p:stCondLst>
-                                            <p:cond delay="0"/>
-                                          </p:stCondLst>
-                                        </p:cTn>
-                                        <p:tgtEl>
-                                          <p:spTgt spid="31"/>
-                                        </p:tgtEl>
-                                        <p:attrNameLst>
-                                          <p:attrName>style.visibility</p:attrName>
-                                        </p:attrNameLst>
-                                      </p:cBhvr>
-                                      <p:to>
-                                        <p:strVal val="visible"/>
-                                      </p:to>
-                                    </p:set>
-                                    <p:animEffect transition="in" filter="fade">
-                                      <p:cBhvr>
-                                        <p:cTn id="66" dur="500"/>
-                                        <p:tgtEl>
-                                          <p:spTgt spid="31"/>
-                                        </p:tgtEl>
-                                      </p:cBhvr>
-                                    </p:animEffect>
-                                  </p:childTnLst>
-                                </p:cTn>
-                              </p:par>
-                              <p:par>
-                                <p:cTn id="67" presetID="10" presetClass="entr" presetSubtype="0" fill="hold" grpId="0" nodeType="withEffect">
-                                  <p:stCondLst>
-                                    <p:cond delay="0"/>
-                                  </p:stCondLst>
-                                  <p:childTnLst>
-                                    <p:set>
-                                      <p:cBhvr>
-                                        <p:cTn id="68" dur="1" fill="hold">
-                                          <p:stCondLst>
-                                            <p:cond delay="0"/>
-                                          </p:stCondLst>
-                                        </p:cTn>
-                                        <p:tgtEl>
-                                          <p:spTgt spid="32"/>
-                                        </p:tgtEl>
-                                        <p:attrNameLst>
-                                          <p:attrName>style.visibility</p:attrName>
-                                        </p:attrNameLst>
-                                      </p:cBhvr>
-                                      <p:to>
-                                        <p:strVal val="visible"/>
-                                      </p:to>
-                                    </p:set>
-                                    <p:animEffect transition="in" filter="fade">
-                                      <p:cBhvr>
-                                        <p:cTn id="69" dur="500"/>
-                                        <p:tgtEl>
-                                          <p:spTgt spid="32"/>
-                                        </p:tgtEl>
-                                      </p:cBhvr>
-                                    </p:animEffect>
-                                  </p:childTnLst>
-                                </p:cTn>
-                              </p:par>
-                              <p:par>
-                                <p:cTn id="70" presetID="10" presetClass="entr" presetSubtype="0" fill="hold" grpId="0" nodeType="withEffect">
-                                  <p:stCondLst>
-                                    <p:cond delay="0"/>
-                                  </p:stCondLst>
-                                  <p:childTnLst>
-                                    <p:set>
-                                      <p:cBhvr>
-                                        <p:cTn id="71" dur="1" fill="hold">
-                                          <p:stCondLst>
-                                            <p:cond delay="0"/>
-                                          </p:stCondLst>
-                                        </p:cTn>
-                                        <p:tgtEl>
-                                          <p:spTgt spid="33"/>
-                                        </p:tgtEl>
-                                        <p:attrNameLst>
-                                          <p:attrName>style.visibility</p:attrName>
-                                        </p:attrNameLst>
-                                      </p:cBhvr>
-                                      <p:to>
-                                        <p:strVal val="visible"/>
-                                      </p:to>
-                                    </p:set>
-                                    <p:animEffect transition="in" filter="fade">
-                                      <p:cBhvr>
-                                        <p:cTn id="72" dur="500"/>
-                                        <p:tgtEl>
-                                          <p:spTgt spid="33"/>
-                                        </p:tgtEl>
-                                      </p:cBhvr>
-                                    </p:animEffect>
-                                  </p:childTnLst>
-                                </p:cTn>
-                              </p:par>
-                              <p:par>
-                                <p:cTn id="73" presetID="10" presetClass="entr" presetSubtype="0" fill="hold" grpId="0" nodeType="withEffect">
-                                  <p:stCondLst>
-                                    <p:cond delay="0"/>
-                                  </p:stCondLst>
-                                  <p:childTnLst>
-                                    <p:set>
-                                      <p:cBhvr>
-                                        <p:cTn id="74" dur="1" fill="hold">
-                                          <p:stCondLst>
-                                            <p:cond delay="0"/>
-                                          </p:stCondLst>
-                                        </p:cTn>
-                                        <p:tgtEl>
-                                          <p:spTgt spid="34"/>
-                                        </p:tgtEl>
-                                        <p:attrNameLst>
-                                          <p:attrName>style.visibility</p:attrName>
-                                        </p:attrNameLst>
-                                      </p:cBhvr>
-                                      <p:to>
-                                        <p:strVal val="visible"/>
-                                      </p:to>
-                                    </p:set>
-                                    <p:animEffect transition="in" filter="fade">
-                                      <p:cBhvr>
-                                        <p:cTn id="75" dur="500"/>
-                                        <p:tgtEl>
-                                          <p:spTgt spid="34"/>
-                                        </p:tgtEl>
-                                      </p:cBhvr>
-                                    </p:animEffect>
-                                  </p:childTnLst>
-                                </p:cTn>
-                              </p:par>
-                              <p:par>
-                                <p:cTn id="76" presetID="10" presetClass="entr" presetSubtype="0" fill="hold" grpId="0" nodeType="withEffect">
-                                  <p:stCondLst>
-                                    <p:cond delay="0"/>
-                                  </p:stCondLst>
-                                  <p:childTnLst>
-                                    <p:set>
-                                      <p:cBhvr>
-                                        <p:cTn id="77" dur="1" fill="hold">
-                                          <p:stCondLst>
-                                            <p:cond delay="0"/>
-                                          </p:stCondLst>
-                                        </p:cTn>
-                                        <p:tgtEl>
-                                          <p:spTgt spid="35"/>
-                                        </p:tgtEl>
-                                        <p:attrNameLst>
-                                          <p:attrName>style.visibility</p:attrName>
-                                        </p:attrNameLst>
-                                      </p:cBhvr>
-                                      <p:to>
-                                        <p:strVal val="visible"/>
-                                      </p:to>
-                                    </p:set>
-                                    <p:animEffect transition="in" filter="fade">
-                                      <p:cBhvr>
-                                        <p:cTn id="78" dur="500"/>
-                                        <p:tgtEl>
-                                          <p:spTgt spid="35"/>
-                                        </p:tgtEl>
-                                      </p:cBhvr>
-                                    </p:animEffect>
-                                  </p:childTnLst>
-                                </p:cTn>
-                              </p:par>
-                              <p:par>
-                                <p:cTn id="79" presetID="10" presetClass="entr" presetSubtype="0" fill="hold" grpId="0" nodeType="withEffect">
-                                  <p:stCondLst>
-                                    <p:cond delay="0"/>
-                                  </p:stCondLst>
-                                  <p:childTnLst>
-                                    <p:set>
-                                      <p:cBhvr>
-                                        <p:cTn id="80" dur="1" fill="hold">
-                                          <p:stCondLst>
-                                            <p:cond delay="0"/>
-                                          </p:stCondLst>
-                                        </p:cTn>
-                                        <p:tgtEl>
-                                          <p:spTgt spid="36"/>
-                                        </p:tgtEl>
-                                        <p:attrNameLst>
-                                          <p:attrName>style.visibility</p:attrName>
-                                        </p:attrNameLst>
-                                      </p:cBhvr>
-                                      <p:to>
-                                        <p:strVal val="visible"/>
-                                      </p:to>
-                                    </p:set>
-                                    <p:animEffect transition="in" filter="fade">
-                                      <p:cBhvr>
-                                        <p:cTn id="81" dur="500"/>
-                                        <p:tgtEl>
-                                          <p:spTgt spid="36"/>
-                                        </p:tgtEl>
-                                      </p:cBhvr>
-                                    </p:animEffect>
-                                  </p:childTnLst>
-                                </p:cTn>
-                              </p:par>
-                              <p:par>
-                                <p:cTn id="82" presetID="10" presetClass="entr" presetSubtype="0" fill="hold" grpId="0" nodeType="withEffect">
-                                  <p:stCondLst>
-                                    <p:cond delay="0"/>
-                                  </p:stCondLst>
-                                  <p:childTnLst>
-                                    <p:set>
-                                      <p:cBhvr>
-                                        <p:cTn id="83" dur="1" fill="hold">
-                                          <p:stCondLst>
-                                            <p:cond delay="0"/>
-                                          </p:stCondLst>
-                                        </p:cTn>
-                                        <p:tgtEl>
-                                          <p:spTgt spid="37"/>
-                                        </p:tgtEl>
-                                        <p:attrNameLst>
-                                          <p:attrName>style.visibility</p:attrName>
-                                        </p:attrNameLst>
-                                      </p:cBhvr>
-                                      <p:to>
-                                        <p:strVal val="visible"/>
-                                      </p:to>
-                                    </p:set>
-                                    <p:animEffect transition="in" filter="fade">
-                                      <p:cBhvr>
-                                        <p:cTn id="84" dur="500"/>
-                                        <p:tgtEl>
-                                          <p:spTgt spid="37"/>
-                                        </p:tgtEl>
-                                      </p:cBhvr>
-                                    </p:animEffect>
-                                  </p:childTnLst>
-                                </p:cTn>
-                              </p:par>
-                              <p:par>
-                                <p:cTn id="85" presetID="10" presetClass="entr" presetSubtype="0" fill="hold" grpId="0" nodeType="withEffect">
-                                  <p:stCondLst>
-                                    <p:cond delay="0"/>
-                                  </p:stCondLst>
-                                  <p:childTnLst>
-                                    <p:set>
-                                      <p:cBhvr>
-                                        <p:cTn id="86" dur="1" fill="hold">
-                                          <p:stCondLst>
-                                            <p:cond delay="0"/>
-                                          </p:stCondLst>
-                                        </p:cTn>
-                                        <p:tgtEl>
-                                          <p:spTgt spid="40"/>
-                                        </p:tgtEl>
-                                        <p:attrNameLst>
-                                          <p:attrName>style.visibility</p:attrName>
-                                        </p:attrNameLst>
-                                      </p:cBhvr>
-                                      <p:to>
-                                        <p:strVal val="visible"/>
-                                      </p:to>
-                                    </p:set>
-                                    <p:animEffect transition="in" filter="fade">
-                                      <p:cBhvr>
-                                        <p:cTn id="87" dur="500"/>
-                                        <p:tgtEl>
-                                          <p:spTgt spid="40"/>
-                                        </p:tgtEl>
-                                      </p:cBhvr>
-                                    </p:animEffect>
-                                  </p:childTnLst>
-                                </p:cTn>
-                              </p:par>
-                              <p:par>
-                                <p:cTn id="88" presetID="10" presetClass="entr" presetSubtype="0" fill="hold" grpId="0" nodeType="withEffect">
-                                  <p:stCondLst>
-                                    <p:cond delay="0"/>
-                                  </p:stCondLst>
-                                  <p:childTnLst>
-                                    <p:set>
-                                      <p:cBhvr>
-                                        <p:cTn id="89" dur="1" fill="hold">
-                                          <p:stCondLst>
-                                            <p:cond delay="0"/>
-                                          </p:stCondLst>
-                                        </p:cTn>
-                                        <p:tgtEl>
-                                          <p:spTgt spid="41"/>
-                                        </p:tgtEl>
-                                        <p:attrNameLst>
-                                          <p:attrName>style.visibility</p:attrName>
-                                        </p:attrNameLst>
-                                      </p:cBhvr>
-                                      <p:to>
-                                        <p:strVal val="visible"/>
-                                      </p:to>
-                                    </p:set>
-                                    <p:animEffect transition="in" filter="fade">
-                                      <p:cBhvr>
-                                        <p:cTn id="90" dur="500"/>
-                                        <p:tgtEl>
-                                          <p:spTgt spid="41"/>
-                                        </p:tgtEl>
-                                      </p:cBhvr>
-                                    </p:animEffect>
-                                  </p:childTnLst>
-                                </p:cTn>
-                              </p:par>
-                              <p:par>
-                                <p:cTn id="91" presetID="10" presetClass="entr" presetSubtype="0" fill="hold" grpId="0" nodeType="withEffect">
-                                  <p:stCondLst>
-                                    <p:cond delay="0"/>
-                                  </p:stCondLst>
-                                  <p:childTnLst>
-                                    <p:set>
-                                      <p:cBhvr>
-                                        <p:cTn id="92" dur="1" fill="hold">
-                                          <p:stCondLst>
-                                            <p:cond delay="0"/>
-                                          </p:stCondLst>
-                                        </p:cTn>
-                                        <p:tgtEl>
-                                          <p:spTgt spid="42"/>
-                                        </p:tgtEl>
-                                        <p:attrNameLst>
-                                          <p:attrName>style.visibility</p:attrName>
-                                        </p:attrNameLst>
-                                      </p:cBhvr>
-                                      <p:to>
-                                        <p:strVal val="visible"/>
-                                      </p:to>
-                                    </p:set>
-                                    <p:animEffect transition="in" filter="fade">
-                                      <p:cBhvr>
-                                        <p:cTn id="93" dur="500"/>
-                                        <p:tgtEl>
-                                          <p:spTgt spid="42"/>
-                                        </p:tgtEl>
-                                      </p:cBhvr>
-                                    </p:animEffect>
-                                  </p:childTnLst>
-                                </p:cTn>
-                              </p:par>
-                              <p:par>
-                                <p:cTn id="94" presetID="10" presetClass="entr" presetSubtype="0" fill="hold" grpId="0" nodeType="withEffect">
-                                  <p:stCondLst>
-                                    <p:cond delay="0"/>
-                                  </p:stCondLst>
-                                  <p:childTnLst>
-                                    <p:set>
-                                      <p:cBhvr>
-                                        <p:cTn id="95" dur="1" fill="hold">
-                                          <p:stCondLst>
-                                            <p:cond delay="0"/>
-                                          </p:stCondLst>
-                                        </p:cTn>
-                                        <p:tgtEl>
-                                          <p:spTgt spid="43"/>
-                                        </p:tgtEl>
-                                        <p:attrNameLst>
-                                          <p:attrName>style.visibility</p:attrName>
-                                        </p:attrNameLst>
-                                      </p:cBhvr>
-                                      <p:to>
-                                        <p:strVal val="visible"/>
-                                      </p:to>
-                                    </p:set>
-                                    <p:animEffect transition="in" filter="fade">
-                                      <p:cBhvr>
-                                        <p:cTn id="96" dur="500"/>
-                                        <p:tgtEl>
-                                          <p:spTgt spid="43"/>
-                                        </p:tgtEl>
-                                      </p:cBhvr>
-                                    </p:animEffect>
-                                  </p:childTnLst>
-                                </p:cTn>
-                              </p:par>
-                              <p:par>
-                                <p:cTn id="97" presetID="10" presetClass="entr" presetSubtype="0" fill="hold" grpId="0" nodeType="withEffect">
-                                  <p:stCondLst>
-                                    <p:cond delay="0"/>
-                                  </p:stCondLst>
-                                  <p:childTnLst>
-                                    <p:set>
-                                      <p:cBhvr>
-                                        <p:cTn id="98" dur="1" fill="hold">
-                                          <p:stCondLst>
-                                            <p:cond delay="0"/>
-                                          </p:stCondLst>
-                                        </p:cTn>
-                                        <p:tgtEl>
-                                          <p:spTgt spid="44"/>
-                                        </p:tgtEl>
-                                        <p:attrNameLst>
-                                          <p:attrName>style.visibility</p:attrName>
-                                        </p:attrNameLst>
-                                      </p:cBhvr>
-                                      <p:to>
-                                        <p:strVal val="visible"/>
-                                      </p:to>
-                                    </p:set>
-                                    <p:animEffect transition="in" filter="fade">
-                                      <p:cBhvr>
-                                        <p:cTn id="99" dur="500"/>
-                                        <p:tgtEl>
-                                          <p:spTgt spid="44"/>
-                                        </p:tgtEl>
-                                      </p:cBhvr>
-                                    </p:animEffect>
-                                  </p:childTnLst>
-                                </p:cTn>
-                              </p:par>
-                              <p:par>
-                                <p:cTn id="100" presetID="10" presetClass="entr" presetSubtype="0" fill="hold" grpId="0" nodeType="withEffect">
-                                  <p:stCondLst>
-                                    <p:cond delay="0"/>
-                                  </p:stCondLst>
-                                  <p:childTnLst>
-                                    <p:set>
-                                      <p:cBhvr>
-                                        <p:cTn id="101" dur="1" fill="hold">
-                                          <p:stCondLst>
-                                            <p:cond delay="0"/>
-                                          </p:stCondLst>
-                                        </p:cTn>
-                                        <p:tgtEl>
-                                          <p:spTgt spid="45"/>
-                                        </p:tgtEl>
-                                        <p:attrNameLst>
-                                          <p:attrName>style.visibility</p:attrName>
-                                        </p:attrNameLst>
-                                      </p:cBhvr>
-                                      <p:to>
-                                        <p:strVal val="visible"/>
-                                      </p:to>
-                                    </p:set>
-                                    <p:animEffect transition="in" filter="fade">
-                                      <p:cBhvr>
-                                        <p:cTn id="102" dur="500"/>
-                                        <p:tgtEl>
-                                          <p:spTgt spid="45"/>
-                                        </p:tgtEl>
-                                      </p:cBhvr>
-                                    </p:animEffect>
-                                  </p:childTnLst>
-                                </p:cTn>
-                              </p:par>
-                              <p:par>
-                                <p:cTn id="103" presetID="10" presetClass="entr" presetSubtype="0" fill="hold" grpId="0" nodeType="withEffect">
-                                  <p:stCondLst>
-                                    <p:cond delay="0"/>
-                                  </p:stCondLst>
-                                  <p:childTnLst>
-                                    <p:set>
-                                      <p:cBhvr>
-                                        <p:cTn id="104" dur="1" fill="hold">
-                                          <p:stCondLst>
-                                            <p:cond delay="0"/>
-                                          </p:stCondLst>
-                                        </p:cTn>
-                                        <p:tgtEl>
-                                          <p:spTgt spid="46"/>
-                                        </p:tgtEl>
-                                        <p:attrNameLst>
-                                          <p:attrName>style.visibility</p:attrName>
-                                        </p:attrNameLst>
-                                      </p:cBhvr>
-                                      <p:to>
-                                        <p:strVal val="visible"/>
-                                      </p:to>
-                                    </p:set>
-                                    <p:animEffect transition="in" filter="fade">
-                                      <p:cBhvr>
-                                        <p:cTn id="105" dur="500"/>
-                                        <p:tgtEl>
-                                          <p:spTgt spid="46"/>
-                                        </p:tgtEl>
-                                      </p:cBhvr>
-                                    </p:animEffect>
-                                  </p:childTnLst>
-                                </p:cTn>
-                              </p:par>
-                              <p:par>
-                                <p:cTn id="106" presetID="10" presetClass="entr" presetSubtype="0" fill="hold" grpId="0" nodeType="withEffect">
-                                  <p:stCondLst>
-                                    <p:cond delay="0"/>
-                                  </p:stCondLst>
-                                  <p:childTnLst>
-                                    <p:set>
-                                      <p:cBhvr>
-                                        <p:cTn id="107" dur="1" fill="hold">
-                                          <p:stCondLst>
-                                            <p:cond delay="0"/>
-                                          </p:stCondLst>
-                                        </p:cTn>
-                                        <p:tgtEl>
-                                          <p:spTgt spid="47"/>
-                                        </p:tgtEl>
-                                        <p:attrNameLst>
-                                          <p:attrName>style.visibility</p:attrName>
-                                        </p:attrNameLst>
-                                      </p:cBhvr>
-                                      <p:to>
-                                        <p:strVal val="visible"/>
-                                      </p:to>
-                                    </p:set>
-                                    <p:animEffect transition="in" filter="fade">
-                                      <p:cBhvr>
-                                        <p:cTn id="108" dur="500"/>
-                                        <p:tgtEl>
                                           <p:spTgt spid="47"/>
                                         </p:tgtEl>
                                       </p:cBhvr>
@@ -16652,14 +15329,14 @@
                                 </p:cTn>
                               </p:par>
                               <p:par>
-                                <p:cTn id="109" presetID="10" presetClass="entr" presetSubtype="0" fill="hold" nodeType="withEffect">
+                                <p:cTn id="53" presetID="10" presetClass="entr" presetSubtype="0" fill="hold" nodeType="withEffect">
                                   <p:stCondLst>
                                     <p:cond delay="0"/>
                                   </p:stCondLst>
                                   <p:childTnLst>
                                     <p:set>
                                       <p:cBhvr>
-                                        <p:cTn id="110" dur="1" fill="hold">
+                                        <p:cTn id="54" dur="1" fill="hold">
                                           <p:stCondLst>
                                             <p:cond delay="0"/>
                                           </p:stCondLst>
@@ -16677,7 +15354,7 @@
                                     </p:set>
                                     <p:animEffect transition="in" filter="fade">
                                       <p:cBhvr>
-                                        <p:cTn id="111" dur="500"/>
+                                        <p:cTn id="55" dur="500"/>
                                         <p:tgtEl>
                                           <p:spTgt spid="18"/>
                                         </p:tgtEl>
@@ -16687,14 +15364,14 @@
                                 </p:cTn>
                               </p:par>
                               <p:par>
-                                <p:cTn id="112" presetID="10" presetClass="entr" presetSubtype="0" fill="hold" nodeType="withEffect">
+                                <p:cTn id="56" presetID="10" presetClass="entr" presetSubtype="0" fill="hold" nodeType="withEffect">
                                   <p:stCondLst>
                                     <p:cond delay="0"/>
                                   </p:stCondLst>
                                   <p:childTnLst>
                                     <p:set>
                                       <p:cBhvr>
-                                        <p:cTn id="113" dur="1" fill="hold">
+                                        <p:cTn id="57" dur="1" fill="hold">
                                           <p:stCondLst>
                                             <p:cond delay="0"/>
                                           </p:stCondLst>
@@ -16712,7 +15389,7 @@
                                     </p:set>
                                     <p:animEffect transition="in" filter="fade">
                                       <p:cBhvr>
-                                        <p:cTn id="114" dur="500"/>
+                                        <p:cTn id="58" dur="500"/>
                                         <p:tgtEl>
                                           <p:spTgt spid="19"/>
                                         </p:tgtEl>
@@ -16722,14 +15399,14 @@
                                 </p:cTn>
                               </p:par>
                               <p:par>
-                                <p:cTn id="115" presetID="10" presetClass="entr" presetSubtype="0" fill="hold" grpId="0" nodeType="withEffect">
+                                <p:cTn id="59" presetID="10" presetClass="entr" presetSubtype="0" fill="hold" grpId="0" nodeType="withEffect">
                                   <p:stCondLst>
                                     <p:cond delay="0"/>
                                   </p:stCondLst>
                                   <p:childTnLst>
                                     <p:set>
                                       <p:cBhvr>
-                                        <p:cTn id="116" dur="1" fill="hold">
+                                        <p:cTn id="60" dur="1" fill="hold">
                                           <p:stCondLst>
                                             <p:cond delay="0"/>
                                           </p:stCondLst>
@@ -16747,7 +15424,7 @@
                                     </p:set>
                                     <p:animEffect transition="in" filter="fade">
                                       <p:cBhvr>
-                                        <p:cTn id="117" dur="500"/>
+                                        <p:cTn id="61" dur="500"/>
                                         <p:tgtEl>
                                           <p:spTgt spid="48"/>
                                         </p:tgtEl>
@@ -16757,14 +15434,14 @@
                                 </p:cTn>
                               </p:par>
                               <p:par>
-                                <p:cTn id="118" presetID="10" presetClass="entr" presetSubtype="0" fill="hold" grpId="0" nodeType="withEffect">
+                                <p:cTn id="62" presetID="10" presetClass="entr" presetSubtype="0" fill="hold" grpId="0" nodeType="withEffect">
                                   <p:stCondLst>
                                     <p:cond delay="0"/>
                                   </p:stCondLst>
                                   <p:childTnLst>
                                     <p:set>
                                       <p:cBhvr>
-                                        <p:cTn id="119" dur="1" fill="hold">
+                                        <p:cTn id="63" dur="1" fill="hold">
                                           <p:stCondLst>
                                             <p:cond delay="0"/>
                                           </p:stCondLst>
@@ -16782,7 +15459,7 @@
                                     </p:set>
                                     <p:animEffect transition="in" filter="fade">
                                       <p:cBhvr>
-                                        <p:cTn id="120" dur="500"/>
+                                        <p:cTn id="64" dur="500"/>
                                         <p:tgtEl>
                                           <p:spTgt spid="49"/>
                                         </p:tgtEl>
@@ -16791,33 +15468,15 @@
                                   </p:childTnLst>
                                 </p:cTn>
                               </p:par>
-                            </p:childTnLst>
-                          </p:cTn>
-                        </p:par>
-                      </p:childTnLst>
-                    </p:cTn>
-                  </p:par>
-                  <p:par>
-                    <p:cTn id="121" fill="hold">
-                      <p:stCondLst>
-                        <p:cond delay="indefinite"/>
-                      </p:stCondLst>
-                      <p:childTnLst>
-                        <p:par>
-                          <p:cTn id="122" fill="hold">
-                            <p:stCondLst>
-                              <p:cond delay="0"/>
-                            </p:stCondLst>
-                            <p:childTnLst>
                               <p:par>
-                                <p:cTn id="123" presetID="10" presetClass="entr" presetSubtype="0" fill="hold" nodeType="clickEffect">
+                                <p:cTn id="65" presetID="10" presetClass="entr" presetSubtype="0" fill="hold" nodeType="withEffect">
                                   <p:stCondLst>
                                     <p:cond delay="0"/>
                                   </p:stCondLst>
                                   <p:childTnLst>
                                     <p:set>
                                       <p:cBhvr>
-                                        <p:cTn id="124" dur="1" fill="hold">
+                                        <p:cTn id="66" dur="1" fill="hold">
                                           <p:stCondLst>
                                             <p:cond delay="0"/>
                                           </p:stCondLst>
@@ -16835,7 +15494,7 @@
                                     </p:set>
                                     <p:animEffect transition="in" filter="fade">
                                       <p:cBhvr>
-                                        <p:cTn id="125" dur="500"/>
+                                        <p:cTn id="67" dur="500"/>
                                         <p:tgtEl>
                                           <p:spTgt spid="39"/>
                                         </p:tgtEl>
@@ -16845,14 +15504,14 @@
                                 </p:cTn>
                               </p:par>
                               <p:par>
-                                <p:cTn id="126" presetID="10" presetClass="entr" presetSubtype="0" fill="hold" grpId="0" nodeType="withEffect">
+                                <p:cTn id="68" presetID="10" presetClass="entr" presetSubtype="0" fill="hold" grpId="0" nodeType="withEffect">
                                   <p:stCondLst>
                                     <p:cond delay="0"/>
                                   </p:stCondLst>
                                   <p:childTnLst>
                                     <p:set>
                                       <p:cBhvr>
-                                        <p:cTn id="127" dur="1" fill="hold">
+                                        <p:cTn id="69" dur="1" fill="hold">
                                           <p:stCondLst>
                                             <p:cond delay="0"/>
                                           </p:stCondLst>
@@ -16870,7 +15529,7 @@
                                     </p:set>
                                     <p:animEffect transition="in" filter="fade">
                                       <p:cBhvr>
-                                        <p:cTn id="128" dur="500"/>
+                                        <p:cTn id="70" dur="500"/>
                                         <p:tgtEl>
                                           <p:spTgt spid="50"/>
                                         </p:tgtEl>
@@ -16880,14 +15539,14 @@
                                 </p:cTn>
                               </p:par>
                               <p:par>
-                                <p:cTn id="129" presetID="10" presetClass="entr" presetSubtype="0" fill="hold" nodeType="withEffect">
+                                <p:cTn id="71" presetID="10" presetClass="entr" presetSubtype="0" fill="hold" nodeType="withEffect">
                                   <p:stCondLst>
                                     <p:cond delay="0"/>
                                   </p:stCondLst>
                                   <p:childTnLst>
                                     <p:set>
                                       <p:cBhvr>
-                                        <p:cTn id="130" dur="1" fill="hold">
+                                        <p:cTn id="72" dur="1" fill="hold">
                                           <p:stCondLst>
                                             <p:cond delay="0"/>
                                           </p:stCondLst>
@@ -16905,7 +15564,7 @@
                                     </p:set>
                                     <p:animEffect transition="in" filter="fade">
                                       <p:cBhvr>
-                                        <p:cTn id="131" dur="500"/>
+                                        <p:cTn id="73" dur="500"/>
                                         <p:tgtEl>
                                           <p:spTgt spid="51"/>
                                         </p:tgtEl>
@@ -16915,14 +15574,14 @@
                                 </p:cTn>
                               </p:par>
                               <p:par>
-                                <p:cTn id="132" presetID="10" presetClass="entr" presetSubtype="0" fill="hold" grpId="0" nodeType="withEffect">
+                                <p:cTn id="74" presetID="10" presetClass="entr" presetSubtype="0" fill="hold" grpId="0" nodeType="withEffect">
                                   <p:stCondLst>
                                     <p:cond delay="0"/>
                                   </p:stCondLst>
                                   <p:childTnLst>
                                     <p:set>
                                       <p:cBhvr>
-                                        <p:cTn id="133" dur="1" fill="hold">
+                                        <p:cTn id="75" dur="1" fill="hold">
                                           <p:stCondLst>
                                             <p:cond delay="0"/>
                                           </p:stCondLst>
@@ -16940,7 +15599,7 @@
                                     </p:set>
                                     <p:animEffect transition="in" filter="fade">
                                       <p:cBhvr>
-                                        <p:cTn id="134" dur="500"/>
+                                        <p:cTn id="76" dur="500"/>
                                         <p:tgtEl>
                                           <p:spTgt spid="29"/>
                                         </p:tgtEl>
@@ -16977,22 +15636,6 @@
       </p:par>
     </p:tnLst>
     <p:bldLst>
-      <p:bldP spid="6" grpId="0" animBg="1"/>
-      <p:bldP spid="7" grpId="0" animBg="1"/>
-      <p:bldP spid="8" grpId="0" animBg="1"/>
-      <p:bldP spid="9" grpId="0" animBg="1"/>
-      <p:bldP spid="10" grpId="0" animBg="1"/>
-      <p:bldP spid="11" grpId="0" animBg="1"/>
-      <p:bldP spid="12" grpId="0" animBg="1"/>
-      <p:bldP spid="13" grpId="0" animBg="1"/>
-      <p:bldP spid="21" grpId="0" animBg="1"/>
-      <p:bldP spid="22" grpId="0" animBg="1"/>
-      <p:bldP spid="23" grpId="0" animBg="1"/>
-      <p:bldP spid="24" grpId="0" animBg="1"/>
-      <p:bldP spid="25" grpId="0" animBg="1"/>
-      <p:bldP spid="26" grpId="0" animBg="1"/>
-      <p:bldP spid="27" grpId="0" animBg="1"/>
-      <p:bldP spid="28" grpId="0" animBg="1"/>
       <p:bldP spid="29" grpId="0" animBg="1"/>
       <p:bldP spid="30" grpId="0" animBg="1"/>
       <p:bldP spid="31" grpId="0" animBg="1"/>
@@ -17010,8 +15653,6 @@
       <p:bldP spid="45" grpId="0" animBg="1"/>
       <p:bldP spid="46" grpId="0" animBg="1"/>
       <p:bldP spid="47" grpId="0" animBg="1"/>
-      <p:bldP spid="4" grpId="0"/>
-      <p:bldP spid="5" grpId="0"/>
       <p:bldP spid="48" grpId="0"/>
       <p:bldP spid="49" grpId="0"/>
       <p:bldP spid="50" grpId="0" animBg="1"/>

--- a/2023-06-01 Dealing with Concurrency - Multi-Threading in Dotnet/Dotnet-Multi-Threading.pptx
+++ b/2023-06-01 Dealing with Concurrency - Multi-Threading in Dotnet/Dotnet-Multi-Threading.pptx
@@ -282,7 +282,7 @@
           <a:p>
             <a:fld id="{2A14C9FE-EBC3-45D3-899C-58AAF4F8AF71}" type="datetimeFigureOut">
               <a:rPr lang="en-US" smtClean="0"/>
-              <a:t>5/30/2023</a:t>
+              <a:t>5/31/2023</a:t>
             </a:fld>
             <a:endParaRPr lang="en-US"/>
           </a:p>
@@ -480,7 +480,7 @@
           <a:p>
             <a:fld id="{2A14C9FE-EBC3-45D3-899C-58AAF4F8AF71}" type="datetimeFigureOut">
               <a:rPr lang="en-US" smtClean="0"/>
-              <a:t>5/30/2023</a:t>
+              <a:t>5/31/2023</a:t>
             </a:fld>
             <a:endParaRPr lang="en-US"/>
           </a:p>
@@ -688,7 +688,7 @@
           <a:p>
             <a:fld id="{2A14C9FE-EBC3-45D3-899C-58AAF4F8AF71}" type="datetimeFigureOut">
               <a:rPr lang="en-US" smtClean="0"/>
-              <a:t>5/30/2023</a:t>
+              <a:t>5/31/2023</a:t>
             </a:fld>
             <a:endParaRPr lang="en-US"/>
           </a:p>
@@ -886,7 +886,7 @@
           <a:p>
             <a:fld id="{2A14C9FE-EBC3-45D3-899C-58AAF4F8AF71}" type="datetimeFigureOut">
               <a:rPr lang="en-US" smtClean="0"/>
-              <a:t>5/30/2023</a:t>
+              <a:t>5/31/2023</a:t>
             </a:fld>
             <a:endParaRPr lang="en-US"/>
           </a:p>
@@ -1161,7 +1161,7 @@
           <a:p>
             <a:fld id="{2A14C9FE-EBC3-45D3-899C-58AAF4F8AF71}" type="datetimeFigureOut">
               <a:rPr lang="en-US" smtClean="0"/>
-              <a:t>5/30/2023</a:t>
+              <a:t>5/31/2023</a:t>
             </a:fld>
             <a:endParaRPr lang="en-US"/>
           </a:p>
@@ -1426,7 +1426,7 @@
           <a:p>
             <a:fld id="{2A14C9FE-EBC3-45D3-899C-58AAF4F8AF71}" type="datetimeFigureOut">
               <a:rPr lang="en-US" smtClean="0"/>
-              <a:t>5/30/2023</a:t>
+              <a:t>5/31/2023</a:t>
             </a:fld>
             <a:endParaRPr lang="en-US"/>
           </a:p>
@@ -1838,7 +1838,7 @@
           <a:p>
             <a:fld id="{2A14C9FE-EBC3-45D3-899C-58AAF4F8AF71}" type="datetimeFigureOut">
               <a:rPr lang="en-US" smtClean="0"/>
-              <a:t>5/30/2023</a:t>
+              <a:t>5/31/2023</a:t>
             </a:fld>
             <a:endParaRPr lang="en-US"/>
           </a:p>
@@ -1979,7 +1979,7 @@
           <a:p>
             <a:fld id="{2A14C9FE-EBC3-45D3-899C-58AAF4F8AF71}" type="datetimeFigureOut">
               <a:rPr lang="en-US" smtClean="0"/>
-              <a:t>5/30/2023</a:t>
+              <a:t>5/31/2023</a:t>
             </a:fld>
             <a:endParaRPr lang="en-US"/>
           </a:p>
@@ -2092,7 +2092,7 @@
           <a:p>
             <a:fld id="{2A14C9FE-EBC3-45D3-899C-58AAF4F8AF71}" type="datetimeFigureOut">
               <a:rPr lang="en-US" smtClean="0"/>
-              <a:t>5/30/2023</a:t>
+              <a:t>5/31/2023</a:t>
             </a:fld>
             <a:endParaRPr lang="en-US"/>
           </a:p>
@@ -2403,7 +2403,7 @@
           <a:p>
             <a:fld id="{2A14C9FE-EBC3-45D3-899C-58AAF4F8AF71}" type="datetimeFigureOut">
               <a:rPr lang="en-US" smtClean="0"/>
-              <a:t>5/30/2023</a:t>
+              <a:t>5/31/2023</a:t>
             </a:fld>
             <a:endParaRPr lang="en-US"/>
           </a:p>
@@ -2691,7 +2691,7 @@
           <a:p>
             <a:fld id="{2A14C9FE-EBC3-45D3-899C-58AAF4F8AF71}" type="datetimeFigureOut">
               <a:rPr lang="en-US" smtClean="0"/>
-              <a:t>5/30/2023</a:t>
+              <a:t>5/31/2023</a:t>
             </a:fld>
             <a:endParaRPr lang="en-US"/>
           </a:p>
@@ -2932,7 +2932,7 @@
           <a:p>
             <a:fld id="{2A14C9FE-EBC3-45D3-899C-58AAF4F8AF71}" type="datetimeFigureOut">
               <a:rPr lang="en-US" smtClean="0"/>
-              <a:t>5/30/2023</a:t>
+              <a:t>5/31/2023</a:t>
             </a:fld>
             <a:endParaRPr lang="en-US"/>
           </a:p>
@@ -7840,11 +7840,46 @@
           <a:lstStyle/>
           <a:p>
             <a:r>
+              <a:rPr lang="tr-TR" b="1" dirty="0">
+                <a:latin typeface="Euclid Circular B" panose="020B0504000000000000" pitchFamily="34" charset="0"/>
+                <a:ea typeface="Euclid Circular B" panose="020B0504000000000000" pitchFamily="34" charset="0"/>
+              </a:rPr>
+              <a:t>Unnamed </a:t>
+            </a:r>
+            <a:r>
               <a:rPr lang="tr-TR" dirty="0">
                 <a:latin typeface="Euclid Circular B" panose="020B0504000000000000" pitchFamily="34" charset="0"/>
                 <a:ea typeface="Euclid Circular B" panose="020B0504000000000000" pitchFamily="34" charset="0"/>
               </a:rPr>
-              <a:t>Local (unnamed) mutexes: Thread synchronization</a:t>
+              <a:t>(local) mutexes </a:t>
+            </a:r>
+            <a:r>
+              <a:rPr lang="tr-TR" i="1" dirty="0">
+                <a:latin typeface="Euclid Circular B" panose="020B0504000000000000" pitchFamily="34" charset="0"/>
+                <a:ea typeface="Euclid Circular B" panose="020B0504000000000000" pitchFamily="34" charset="0"/>
+              </a:rPr>
+              <a:t>for</a:t>
+            </a:r>
+            <a:r>
+              <a:rPr lang="tr-TR" dirty="0">
+                <a:latin typeface="Euclid Circular B" panose="020B0504000000000000" pitchFamily="34" charset="0"/>
+                <a:ea typeface="Euclid Circular B" panose="020B0504000000000000" pitchFamily="34" charset="0"/>
+              </a:rPr>
+              <a:t> </a:t>
+            </a:r>
+            <a:r>
+              <a:rPr lang="tr-TR" b="1" dirty="0">
+                <a:latin typeface="Euclid Circular B" panose="020B0504000000000000" pitchFamily="34" charset="0"/>
+                <a:ea typeface="Euclid Circular B" panose="020B0504000000000000" pitchFamily="34" charset="0"/>
+              </a:rPr>
+              <a:t>Thread </a:t>
+            </a:r>
+            <a:r>
+              <a:rPr lang="tr-TR" dirty="0">
+                <a:latin typeface="Euclid Circular B" panose="020B0504000000000000" pitchFamily="34" charset="0"/>
+                <a:ea typeface="Euclid Circular B" panose="020B0504000000000000" pitchFamily="34" charset="0"/>
+              </a:rPr>
+              <a:t>synchronization</a:t>
             </a:r>
           </a:p>
           <a:p>
@@ -7864,11 +7899,46 @@
           </a:p>
           <a:p>
             <a:r>
+              <a:rPr lang="tr-TR" b="1" dirty="0">
+                <a:latin typeface="Euclid Circular B" panose="020B0504000000000000" pitchFamily="34" charset="0"/>
+                <a:ea typeface="Euclid Circular B" panose="020B0504000000000000" pitchFamily="34" charset="0"/>
+              </a:rPr>
+              <a:t>Named </a:t>
+            </a:r>
+            <a:r>
               <a:rPr lang="tr-TR" dirty="0">
                 <a:latin typeface="Euclid Circular B" panose="020B0504000000000000" pitchFamily="34" charset="0"/>
                 <a:ea typeface="Euclid Circular B" panose="020B0504000000000000" pitchFamily="34" charset="0"/>
               </a:rPr>
-              <a:t>Named system mutexes: Process synchronization</a:t>
+              <a:t>system mutexes </a:t>
+            </a:r>
+            <a:r>
+              <a:rPr lang="tr-TR" i="1" dirty="0">
+                <a:latin typeface="Euclid Circular B" panose="020B0504000000000000" pitchFamily="34" charset="0"/>
+                <a:ea typeface="Euclid Circular B" panose="020B0504000000000000" pitchFamily="34" charset="0"/>
+              </a:rPr>
+              <a:t>for</a:t>
+            </a:r>
+            <a:r>
+              <a:rPr lang="tr-TR" dirty="0">
+                <a:latin typeface="Euclid Circular B" panose="020B0504000000000000" pitchFamily="34" charset="0"/>
+                <a:ea typeface="Euclid Circular B" panose="020B0504000000000000" pitchFamily="34" charset="0"/>
+              </a:rPr>
+              <a:t> </a:t>
+            </a:r>
+            <a:r>
+              <a:rPr lang="tr-TR" b="1" dirty="0">
+                <a:latin typeface="Euclid Circular B" panose="020B0504000000000000" pitchFamily="34" charset="0"/>
+                <a:ea typeface="Euclid Circular B" panose="020B0504000000000000" pitchFamily="34" charset="0"/>
+              </a:rPr>
+              <a:t>Process</a:t>
+            </a:r>
+            <a:r>
+              <a:rPr lang="tr-TR" dirty="0">
+                <a:latin typeface="Euclid Circular B" panose="020B0504000000000000" pitchFamily="34" charset="0"/>
+                <a:ea typeface="Euclid Circular B" panose="020B0504000000000000" pitchFamily="34" charset="0"/>
+              </a:rPr>
+              <a:t> synchronization</a:t>
             </a:r>
             <a:endParaRPr lang="en-US" dirty="0">
               <a:latin typeface="Euclid Circular B" panose="020B0504000000000000" pitchFamily="34" charset="0"/>

--- a/2023-06-01 Dealing with Concurrency - Multi-Threading in Dotnet/Dotnet-Multi-Threading.pptx
+++ b/2023-06-01 Dealing with Concurrency - Multi-Threading in Dotnet/Dotnet-Multi-Threading.pptx
@@ -20,15 +20,13 @@
     <p:sldId id="299" r:id="rId14"/>
     <p:sldId id="300" r:id="rId15"/>
     <p:sldId id="301" r:id="rId16"/>
-    <p:sldId id="302" r:id="rId17"/>
-    <p:sldId id="305" r:id="rId18"/>
-    <p:sldId id="303" r:id="rId19"/>
-    <p:sldId id="314" r:id="rId20"/>
-    <p:sldId id="304" r:id="rId21"/>
-    <p:sldId id="310" r:id="rId22"/>
-    <p:sldId id="311" r:id="rId23"/>
-    <p:sldId id="313" r:id="rId24"/>
-    <p:sldId id="289" r:id="rId25"/>
+    <p:sldId id="305" r:id="rId17"/>
+    <p:sldId id="314" r:id="rId18"/>
+    <p:sldId id="304" r:id="rId19"/>
+    <p:sldId id="310" r:id="rId20"/>
+    <p:sldId id="311" r:id="rId21"/>
+    <p:sldId id="313" r:id="rId22"/>
+    <p:sldId id="289" r:id="rId23"/>
   </p:sldIdLst>
   <p:sldSz cx="12192000" cy="6858000"/>
   <p:notesSz cx="6858000" cy="9144000"/>
@@ -6663,473 +6661,6 @@
       </p:grpSpPr>
       <p:sp>
         <p:nvSpPr>
-          <p:cNvPr id="2" name="Title 1">
-            <a:extLst>
-              <a:ext uri="{FF2B5EF4-FFF2-40B4-BE49-F238E27FC236}">
-                <a16:creationId xmlns:a16="http://schemas.microsoft.com/office/drawing/2014/main" id="{55E11F08-6CA0-48F1-AD67-97430DDA07F0}"/>
-              </a:ext>
-            </a:extLst>
-          </p:cNvPr>
-          <p:cNvSpPr>
-            <a:spLocks noGrp="1"/>
-          </p:cNvSpPr>
-          <p:nvPr>
-            <p:ph type="title"/>
-          </p:nvPr>
-        </p:nvSpPr>
-        <p:spPr/>
-        <p:txBody>
-          <a:bodyPr/>
-          <a:lstStyle/>
-          <a:p>
-            <a:r>
-              <a:rPr lang="en-US" b="1" dirty="0" err="1">
-                <a:solidFill>
-                  <a:srgbClr val="292D33"/>
-                </a:solidFill>
-                <a:latin typeface="Euclid Circular B" panose="020B0504000000000000" pitchFamily="34" charset="0"/>
-                <a:ea typeface="Euclid Circular B" panose="020B0504000000000000" pitchFamily="34" charset="0"/>
-              </a:rPr>
-              <a:t>ThreadLocal</a:t>
-            </a:r>
-            <a:r>
-              <a:rPr lang="en-US" b="1" dirty="0">
-                <a:solidFill>
-                  <a:srgbClr val="292D33"/>
-                </a:solidFill>
-                <a:latin typeface="Euclid Circular B" panose="020B0504000000000000" pitchFamily="34" charset="0"/>
-                <a:ea typeface="Euclid Circular B" panose="020B0504000000000000" pitchFamily="34" charset="0"/>
-              </a:rPr>
-              <a:t> &amp; </a:t>
-            </a:r>
-            <a:r>
-              <a:rPr lang="en-US" b="1" dirty="0" err="1">
-                <a:solidFill>
-                  <a:srgbClr val="292D33"/>
-                </a:solidFill>
-                <a:latin typeface="Euclid Circular B" panose="020B0504000000000000" pitchFamily="34" charset="0"/>
-                <a:ea typeface="Euclid Circular B" panose="020B0504000000000000" pitchFamily="34" charset="0"/>
-              </a:rPr>
-              <a:t>AsyncLocal</a:t>
-            </a:r>
-            <a:endParaRPr lang="en-US" b="1" dirty="0">
-              <a:solidFill>
-                <a:srgbClr val="292D33"/>
-              </a:solidFill>
-              <a:latin typeface="Euclid Circular B" panose="020B0504000000000000" pitchFamily="34" charset="0"/>
-              <a:ea typeface="Euclid Circular B" panose="020B0504000000000000" pitchFamily="34" charset="0"/>
-            </a:endParaRPr>
-          </a:p>
-        </p:txBody>
-      </p:sp>
-      <p:pic>
-        <p:nvPicPr>
-          <p:cNvPr id="9" name="Picture 8">
-            <a:extLst>
-              <a:ext uri="{FF2B5EF4-FFF2-40B4-BE49-F238E27FC236}">
-                <a16:creationId xmlns:a16="http://schemas.microsoft.com/office/drawing/2014/main" id="{7B8081A8-8949-4284-6C2F-C606AC833895}"/>
-              </a:ext>
-            </a:extLst>
-          </p:cNvPr>
-          <p:cNvPicPr>
-            <a:picLocks noChangeAspect="1"/>
-          </p:cNvPicPr>
-          <p:nvPr/>
-        </p:nvPicPr>
-        <p:blipFill>
-          <a:blip r:embed="rId3"/>
-          <a:stretch>
-            <a:fillRect/>
-          </a:stretch>
-        </p:blipFill>
-        <p:spPr>
-          <a:xfrm>
-            <a:off x="838200" y="1690688"/>
-            <a:ext cx="9052082" cy="468081"/>
-          </a:xfrm>
-          <a:prstGeom prst="rect">
-            <a:avLst/>
-          </a:prstGeom>
-        </p:spPr>
-      </p:pic>
-      <p:pic>
-        <p:nvPicPr>
-          <p:cNvPr id="11" name="Picture 10">
-            <a:extLst>
-              <a:ext uri="{FF2B5EF4-FFF2-40B4-BE49-F238E27FC236}">
-                <a16:creationId xmlns:a16="http://schemas.microsoft.com/office/drawing/2014/main" id="{5CF41F01-18A3-4636-EF0E-3F9DF0400796}"/>
-              </a:ext>
-            </a:extLst>
-          </p:cNvPr>
-          <p:cNvPicPr>
-            <a:picLocks noChangeAspect="1"/>
-          </p:cNvPicPr>
-          <p:nvPr/>
-        </p:nvPicPr>
-        <p:blipFill>
-          <a:blip r:embed="rId4"/>
-          <a:stretch>
-            <a:fillRect/>
-          </a:stretch>
-        </p:blipFill>
-        <p:spPr>
-          <a:xfrm>
-            <a:off x="838200" y="2328863"/>
-            <a:ext cx="3638859" cy="1349240"/>
-          </a:xfrm>
-          <a:prstGeom prst="rect">
-            <a:avLst/>
-          </a:prstGeom>
-        </p:spPr>
-      </p:pic>
-      <p:pic>
-        <p:nvPicPr>
-          <p:cNvPr id="13" name="Picture 12">
-            <a:extLst>
-              <a:ext uri="{FF2B5EF4-FFF2-40B4-BE49-F238E27FC236}">
-                <a16:creationId xmlns:a16="http://schemas.microsoft.com/office/drawing/2014/main" id="{0BDA0407-9374-7632-0078-5E165010206E}"/>
-              </a:ext>
-            </a:extLst>
-          </p:cNvPr>
-          <p:cNvPicPr>
-            <a:picLocks noChangeAspect="1"/>
-          </p:cNvPicPr>
-          <p:nvPr/>
-        </p:nvPicPr>
-        <p:blipFill>
-          <a:blip r:embed="rId5"/>
-          <a:stretch>
-            <a:fillRect/>
-          </a:stretch>
-        </p:blipFill>
-        <p:spPr>
-          <a:xfrm>
-            <a:off x="838200" y="4117777"/>
-            <a:ext cx="9052082" cy="435784"/>
-          </a:xfrm>
-          <a:prstGeom prst="rect">
-            <a:avLst/>
-          </a:prstGeom>
-        </p:spPr>
-      </p:pic>
-      <p:pic>
-        <p:nvPicPr>
-          <p:cNvPr id="15" name="Picture 14">
-            <a:extLst>
-              <a:ext uri="{FF2B5EF4-FFF2-40B4-BE49-F238E27FC236}">
-                <a16:creationId xmlns:a16="http://schemas.microsoft.com/office/drawing/2014/main" id="{9DAE2881-41EF-EB92-27F5-BAADFF3FFC02}"/>
-              </a:ext>
-            </a:extLst>
-          </p:cNvPr>
-          <p:cNvPicPr>
-            <a:picLocks noChangeAspect="1"/>
-          </p:cNvPicPr>
-          <p:nvPr/>
-        </p:nvPicPr>
-        <p:blipFill>
-          <a:blip r:embed="rId6"/>
-          <a:stretch>
-            <a:fillRect/>
-          </a:stretch>
-        </p:blipFill>
-        <p:spPr>
-          <a:xfrm>
-            <a:off x="838200" y="4730808"/>
-            <a:ext cx="3641251" cy="1346055"/>
-          </a:xfrm>
-          <a:prstGeom prst="rect">
-            <a:avLst/>
-          </a:prstGeom>
-        </p:spPr>
-      </p:pic>
-    </p:spTree>
-    <p:extLst>
-      <p:ext uri="{BB962C8B-B14F-4D97-AF65-F5344CB8AC3E}">
-        <p14:creationId xmlns:p14="http://schemas.microsoft.com/office/powerpoint/2010/main" val="3240347231"/>
-      </p:ext>
-    </p:extLst>
-  </p:cSld>
-  <p:clrMapOvr>
-    <a:masterClrMapping/>
-  </p:clrMapOvr>
-  <p:timing>
-    <p:tnLst>
-      <p:par>
-        <p:cTn id="1" dur="indefinite" restart="never" nodeType="tmRoot">
-          <p:childTnLst>
-            <p:seq concurrent="1" nextAc="seek">
-              <p:cTn id="2" dur="indefinite" nodeType="mainSeq">
-                <p:childTnLst>
-                  <p:par>
-                    <p:cTn id="3" fill="hold">
-                      <p:stCondLst>
-                        <p:cond delay="indefinite"/>
-                      </p:stCondLst>
-                      <p:childTnLst>
-                        <p:par>
-                          <p:cTn id="4" fill="hold">
-                            <p:stCondLst>
-                              <p:cond delay="0"/>
-                            </p:stCondLst>
-                            <p:childTnLst>
-                              <p:par>
-                                <p:cTn id="5" presetID="10" presetClass="entr" presetSubtype="0" fill="hold" nodeType="clickEffect">
-                                  <p:stCondLst>
-                                    <p:cond delay="0"/>
-                                  </p:stCondLst>
-                                  <p:childTnLst>
-                                    <p:set>
-                                      <p:cBhvr>
-                                        <p:cTn id="6" dur="1" fill="hold">
-                                          <p:stCondLst>
-                                            <p:cond delay="0"/>
-                                          </p:stCondLst>
-                                        </p:cTn>
-                                        <p:tgtEl>
-                                          <p:spTgt spid="9"/>
-                                        </p:tgtEl>
-                                        <p:attrNameLst>
-                                          <p:attrName>style.visibility</p:attrName>
-                                        </p:attrNameLst>
-                                      </p:cBhvr>
-                                      <p:to>
-                                        <p:strVal val="visible"/>
-                                      </p:to>
-                                    </p:set>
-                                    <p:animEffect transition="in" filter="fade">
-                                      <p:cBhvr>
-                                        <p:cTn id="7" dur="500"/>
-                                        <p:tgtEl>
-                                          <p:spTgt spid="9"/>
-                                        </p:tgtEl>
-                                      </p:cBhvr>
-                                    </p:animEffect>
-                                  </p:childTnLst>
-                                </p:cTn>
-                              </p:par>
-                            </p:childTnLst>
-                          </p:cTn>
-                        </p:par>
-                      </p:childTnLst>
-                    </p:cTn>
-                  </p:par>
-                  <p:par>
-                    <p:cTn id="8" fill="hold">
-                      <p:stCondLst>
-                        <p:cond delay="indefinite"/>
-                      </p:stCondLst>
-                      <p:childTnLst>
-                        <p:par>
-                          <p:cTn id="9" fill="hold">
-                            <p:stCondLst>
-                              <p:cond delay="0"/>
-                            </p:stCondLst>
-                            <p:childTnLst>
-                              <p:par>
-                                <p:cTn id="10" presetID="10" presetClass="entr" presetSubtype="0" fill="hold" nodeType="clickEffect">
-                                  <p:stCondLst>
-                                    <p:cond delay="0"/>
-                                  </p:stCondLst>
-                                  <p:childTnLst>
-                                    <p:set>
-                                      <p:cBhvr>
-                                        <p:cTn id="11" dur="1" fill="hold">
-                                          <p:stCondLst>
-                                            <p:cond delay="0"/>
-                                          </p:stCondLst>
-                                        </p:cTn>
-                                        <p:tgtEl>
-                                          <p:spTgt spid="11"/>
-                                        </p:tgtEl>
-                                        <p:attrNameLst>
-                                          <p:attrName>style.visibility</p:attrName>
-                                        </p:attrNameLst>
-                                      </p:cBhvr>
-                                      <p:to>
-                                        <p:strVal val="visible"/>
-                                      </p:to>
-                                    </p:set>
-                                    <p:animEffect transition="in" filter="fade">
-                                      <p:cBhvr>
-                                        <p:cTn id="12" dur="500"/>
-                                        <p:tgtEl>
-                                          <p:spTgt spid="11"/>
-                                        </p:tgtEl>
-                                      </p:cBhvr>
-                                    </p:animEffect>
-                                  </p:childTnLst>
-                                </p:cTn>
-                              </p:par>
-                            </p:childTnLst>
-                          </p:cTn>
-                        </p:par>
-                      </p:childTnLst>
-                    </p:cTn>
-                  </p:par>
-                  <p:par>
-                    <p:cTn id="13" fill="hold">
-                      <p:stCondLst>
-                        <p:cond delay="indefinite"/>
-                      </p:stCondLst>
-                      <p:childTnLst>
-                        <p:par>
-                          <p:cTn id="14" fill="hold">
-                            <p:stCondLst>
-                              <p:cond delay="0"/>
-                            </p:stCondLst>
-                            <p:childTnLst>
-                              <p:par>
-                                <p:cTn id="15" presetID="10" presetClass="entr" presetSubtype="0" fill="hold" nodeType="clickEffect">
-                                  <p:stCondLst>
-                                    <p:cond delay="0"/>
-                                  </p:stCondLst>
-                                  <p:childTnLst>
-                                    <p:set>
-                                      <p:cBhvr>
-                                        <p:cTn id="16" dur="1" fill="hold">
-                                          <p:stCondLst>
-                                            <p:cond delay="0"/>
-                                          </p:stCondLst>
-                                        </p:cTn>
-                                        <p:tgtEl>
-                                          <p:spTgt spid="13"/>
-                                        </p:tgtEl>
-                                        <p:attrNameLst>
-                                          <p:attrName>style.visibility</p:attrName>
-                                        </p:attrNameLst>
-                                      </p:cBhvr>
-                                      <p:to>
-                                        <p:strVal val="visible"/>
-                                      </p:to>
-                                    </p:set>
-                                    <p:animEffect transition="in" filter="fade">
-                                      <p:cBhvr>
-                                        <p:cTn id="17" dur="500"/>
-                                        <p:tgtEl>
-                                          <p:spTgt spid="13"/>
-                                        </p:tgtEl>
-                                      </p:cBhvr>
-                                    </p:animEffect>
-                                  </p:childTnLst>
-                                </p:cTn>
-                              </p:par>
-                            </p:childTnLst>
-                          </p:cTn>
-                        </p:par>
-                      </p:childTnLst>
-                    </p:cTn>
-                  </p:par>
-                  <p:par>
-                    <p:cTn id="18" fill="hold">
-                      <p:stCondLst>
-                        <p:cond delay="indefinite"/>
-                      </p:stCondLst>
-                      <p:childTnLst>
-                        <p:par>
-                          <p:cTn id="19" fill="hold">
-                            <p:stCondLst>
-                              <p:cond delay="0"/>
-                            </p:stCondLst>
-                            <p:childTnLst>
-                              <p:par>
-                                <p:cTn id="20" presetID="10" presetClass="entr" presetSubtype="0" fill="hold" nodeType="clickEffect">
-                                  <p:stCondLst>
-                                    <p:cond delay="0"/>
-                                  </p:stCondLst>
-                                  <p:childTnLst>
-                                    <p:set>
-                                      <p:cBhvr>
-                                        <p:cTn id="21" dur="1" fill="hold">
-                                          <p:stCondLst>
-                                            <p:cond delay="0"/>
-                                          </p:stCondLst>
-                                        </p:cTn>
-                                        <p:tgtEl>
-                                          <p:spTgt spid="15"/>
-                                        </p:tgtEl>
-                                        <p:attrNameLst>
-                                          <p:attrName>style.visibility</p:attrName>
-                                        </p:attrNameLst>
-                                      </p:cBhvr>
-                                      <p:to>
-                                        <p:strVal val="visible"/>
-                                      </p:to>
-                                    </p:set>
-                                    <p:animEffect transition="in" filter="fade">
-                                      <p:cBhvr>
-                                        <p:cTn id="22" dur="500"/>
-                                        <p:tgtEl>
-                                          <p:spTgt spid="15"/>
-                                        </p:tgtEl>
-                                      </p:cBhvr>
-                                    </p:animEffect>
-                                  </p:childTnLst>
-                                </p:cTn>
-                              </p:par>
-                            </p:childTnLst>
-                          </p:cTn>
-                        </p:par>
-                      </p:childTnLst>
-                    </p:cTn>
-                  </p:par>
-                </p:childTnLst>
-              </p:cTn>
-              <p:prevCondLst>
-                <p:cond evt="onPrev" delay="0">
-                  <p:tgtEl>
-                    <p:sldTgt/>
-                  </p:tgtEl>
-                </p:cond>
-              </p:prevCondLst>
-              <p:nextCondLst>
-                <p:cond evt="onNext" delay="0">
-                  <p:tgtEl>
-                    <p:sldTgt/>
-                  </p:tgtEl>
-                </p:cond>
-              </p:nextCondLst>
-            </p:seq>
-          </p:childTnLst>
-        </p:cTn>
-      </p:par>
-    </p:tnLst>
-  </p:timing>
-</p:sld>
-</file>
-
-<file path=ppt/slides/slide17.xml><?xml version="1.0" encoding="utf-8"?>
-<p:sld xmlns:a="http://schemas.openxmlformats.org/drawingml/2006/main" xmlns:r="http://schemas.openxmlformats.org/officeDocument/2006/relationships" xmlns:p="http://schemas.openxmlformats.org/presentationml/2006/main">
-  <p:cSld>
-    <p:bg>
-      <p:bgPr>
-        <a:blipFill dpi="0" rotWithShape="1">
-          <a:blip r:embed="rId2">
-            <a:lum/>
-          </a:blip>
-          <a:srcRect/>
-          <a:stretch>
-            <a:fillRect/>
-          </a:stretch>
-        </a:blipFill>
-        <a:effectLst/>
-      </p:bgPr>
-    </p:bg>
-    <p:spTree>
-      <p:nvGrpSpPr>
-        <p:cNvPr id="1" name=""/>
-        <p:cNvGrpSpPr/>
-        <p:nvPr/>
-      </p:nvGrpSpPr>
-      <p:grpSpPr>
-        <a:xfrm>
-          <a:off x="0" y="0"/>
-          <a:ext cx="0" cy="0"/>
-          <a:chOff x="0" y="0"/>
-          <a:chExt cx="0" cy="0"/>
-        </a:xfrm>
-      </p:grpSpPr>
-      <p:sp>
-        <p:nvSpPr>
           <p:cNvPr id="10" name="Rectangle 9">
             <a:extLst>
               <a:ext uri="{FF2B5EF4-FFF2-40B4-BE49-F238E27FC236}">
@@ -7746,7 +7277,7 @@
 </p:sld>
 </file>
 
-<file path=ppt/slides/slide18.xml><?xml version="1.0" encoding="utf-8"?>
+<file path=ppt/slides/slide17.xml><?xml version="1.0" encoding="utf-8"?>
 <p:sld xmlns:a="http://schemas.openxmlformats.org/drawingml/2006/main" xmlns:r="http://schemas.openxmlformats.org/officeDocument/2006/relationships" xmlns:p="http://schemas.openxmlformats.org/presentationml/2006/main">
   <p:cSld>
     <p:bg>
@@ -7806,539 +7337,7 @@
                 <a:latin typeface="Euclid Circular B" panose="020B0504000000000000" pitchFamily="34" charset="0"/>
                 <a:ea typeface="Euclid Circular B" panose="020B0504000000000000" pitchFamily="34" charset="0"/>
               </a:rPr>
-              <a:t>Mutex (mutual exclusion)</a:t>
-            </a:r>
-            <a:endParaRPr lang="en-US" b="1" dirty="0">
-              <a:solidFill>
-                <a:srgbClr val="292D33"/>
-              </a:solidFill>
-              <a:latin typeface="Euclid Circular B" panose="020B0504000000000000" pitchFamily="34" charset="0"/>
-              <a:ea typeface="Euclid Circular B" panose="020B0504000000000000" pitchFamily="34" charset="0"/>
-            </a:endParaRPr>
-          </a:p>
-        </p:txBody>
-      </p:sp>
-      <p:sp>
-        <p:nvSpPr>
-          <p:cNvPr id="3" name="Content Placeholder 2">
-            <a:extLst>
-              <a:ext uri="{FF2B5EF4-FFF2-40B4-BE49-F238E27FC236}">
-                <a16:creationId xmlns:a16="http://schemas.microsoft.com/office/drawing/2014/main" id="{891C7693-D3DF-4635-96F4-97F3B4136FDF}"/>
-              </a:ext>
-            </a:extLst>
-          </p:cNvPr>
-          <p:cNvSpPr>
-            <a:spLocks noGrp="1"/>
-          </p:cNvSpPr>
-          <p:nvPr>
-            <p:ph idx="1"/>
-          </p:nvPr>
-        </p:nvSpPr>
-        <p:spPr/>
-        <p:txBody>
-          <a:bodyPr/>
-          <a:lstStyle/>
-          <a:p>
-            <a:r>
-              <a:rPr lang="tr-TR" b="1" dirty="0">
-                <a:latin typeface="Euclid Circular B" panose="020B0504000000000000" pitchFamily="34" charset="0"/>
-                <a:ea typeface="Euclid Circular B" panose="020B0504000000000000" pitchFamily="34" charset="0"/>
-              </a:rPr>
-              <a:t>Unnamed </a:t>
-            </a:r>
-            <a:r>
-              <a:rPr lang="tr-TR" dirty="0">
-                <a:latin typeface="Euclid Circular B" panose="020B0504000000000000" pitchFamily="34" charset="0"/>
-                <a:ea typeface="Euclid Circular B" panose="020B0504000000000000" pitchFamily="34" charset="0"/>
-              </a:rPr>
-              <a:t>(local) mutexes </a:t>
-            </a:r>
-            <a:r>
-              <a:rPr lang="tr-TR" i="1" dirty="0">
-                <a:latin typeface="Euclid Circular B" panose="020B0504000000000000" pitchFamily="34" charset="0"/>
-                <a:ea typeface="Euclid Circular B" panose="020B0504000000000000" pitchFamily="34" charset="0"/>
-              </a:rPr>
-              <a:t>for</a:t>
-            </a:r>
-            <a:r>
-              <a:rPr lang="tr-TR" dirty="0">
-                <a:latin typeface="Euclid Circular B" panose="020B0504000000000000" pitchFamily="34" charset="0"/>
-                <a:ea typeface="Euclid Circular B" panose="020B0504000000000000" pitchFamily="34" charset="0"/>
-              </a:rPr>
-              <a:t> </a:t>
-            </a:r>
-            <a:r>
-              <a:rPr lang="tr-TR" b="1" dirty="0">
-                <a:latin typeface="Euclid Circular B" panose="020B0504000000000000" pitchFamily="34" charset="0"/>
-                <a:ea typeface="Euclid Circular B" panose="020B0504000000000000" pitchFamily="34" charset="0"/>
-              </a:rPr>
-              <a:t>Thread </a:t>
-            </a:r>
-            <a:r>
-              <a:rPr lang="tr-TR" dirty="0">
-                <a:latin typeface="Euclid Circular B" panose="020B0504000000000000" pitchFamily="34" charset="0"/>
-                <a:ea typeface="Euclid Circular B" panose="020B0504000000000000" pitchFamily="34" charset="0"/>
-              </a:rPr>
-              <a:t>synchronization</a:t>
-            </a:r>
-          </a:p>
-          <a:p>
-            <a:pPr marL="0" indent="0">
-              <a:buNone/>
-            </a:pPr>
-            <a:br>
-              <a:rPr lang="tr-TR" dirty="0">
-                <a:latin typeface="Euclid Circular B" panose="020B0504000000000000" pitchFamily="34" charset="0"/>
-                <a:ea typeface="Euclid Circular B" panose="020B0504000000000000" pitchFamily="34" charset="0"/>
-              </a:rPr>
-            </a:br>
-            <a:endParaRPr lang="tr-TR" dirty="0">
-              <a:latin typeface="Euclid Circular B" panose="020B0504000000000000" pitchFamily="34" charset="0"/>
-              <a:ea typeface="Euclid Circular B" panose="020B0504000000000000" pitchFamily="34" charset="0"/>
-            </a:endParaRPr>
-          </a:p>
-          <a:p>
-            <a:r>
-              <a:rPr lang="tr-TR" b="1" dirty="0">
-                <a:latin typeface="Euclid Circular B" panose="020B0504000000000000" pitchFamily="34" charset="0"/>
-                <a:ea typeface="Euclid Circular B" panose="020B0504000000000000" pitchFamily="34" charset="0"/>
-              </a:rPr>
-              <a:t>Named </a:t>
-            </a:r>
-            <a:r>
-              <a:rPr lang="tr-TR" dirty="0">
-                <a:latin typeface="Euclid Circular B" panose="020B0504000000000000" pitchFamily="34" charset="0"/>
-                <a:ea typeface="Euclid Circular B" panose="020B0504000000000000" pitchFamily="34" charset="0"/>
-              </a:rPr>
-              <a:t>system mutexes </a:t>
-            </a:r>
-            <a:r>
-              <a:rPr lang="tr-TR" i="1" dirty="0">
-                <a:latin typeface="Euclid Circular B" panose="020B0504000000000000" pitchFamily="34" charset="0"/>
-                <a:ea typeface="Euclid Circular B" panose="020B0504000000000000" pitchFamily="34" charset="0"/>
-              </a:rPr>
-              <a:t>for</a:t>
-            </a:r>
-            <a:r>
-              <a:rPr lang="tr-TR" dirty="0">
-                <a:latin typeface="Euclid Circular B" panose="020B0504000000000000" pitchFamily="34" charset="0"/>
-                <a:ea typeface="Euclid Circular B" panose="020B0504000000000000" pitchFamily="34" charset="0"/>
-              </a:rPr>
-              <a:t> </a:t>
-            </a:r>
-            <a:r>
-              <a:rPr lang="tr-TR" b="1" dirty="0">
-                <a:latin typeface="Euclid Circular B" panose="020B0504000000000000" pitchFamily="34" charset="0"/>
-                <a:ea typeface="Euclid Circular B" panose="020B0504000000000000" pitchFamily="34" charset="0"/>
-              </a:rPr>
-              <a:t>Process</a:t>
-            </a:r>
-            <a:r>
-              <a:rPr lang="tr-TR" dirty="0">
-                <a:latin typeface="Euclid Circular B" panose="020B0504000000000000" pitchFamily="34" charset="0"/>
-                <a:ea typeface="Euclid Circular B" panose="020B0504000000000000" pitchFamily="34" charset="0"/>
-              </a:rPr>
-              <a:t> synchronization</a:t>
-            </a:r>
-            <a:endParaRPr lang="en-US" dirty="0">
-              <a:latin typeface="Euclid Circular B" panose="020B0504000000000000" pitchFamily="34" charset="0"/>
-              <a:ea typeface="Euclid Circular B" panose="020B0504000000000000" pitchFamily="34" charset="0"/>
-            </a:endParaRPr>
-          </a:p>
-        </p:txBody>
-      </p:sp>
-      <p:pic>
-        <p:nvPicPr>
-          <p:cNvPr id="5" name="Picture 4">
-            <a:extLst>
-              <a:ext uri="{FF2B5EF4-FFF2-40B4-BE49-F238E27FC236}">
-                <a16:creationId xmlns:a16="http://schemas.microsoft.com/office/drawing/2014/main" id="{BC02ECA3-77CB-4921-8C01-D217B068AB81}"/>
-              </a:ext>
-            </a:extLst>
-          </p:cNvPr>
-          <p:cNvPicPr>
-            <a:picLocks noChangeAspect="1"/>
-          </p:cNvPicPr>
-          <p:nvPr/>
-        </p:nvPicPr>
-        <p:blipFill>
-          <a:blip r:embed="rId3"/>
-          <a:stretch>
-            <a:fillRect/>
-          </a:stretch>
-        </p:blipFill>
-        <p:spPr>
-          <a:xfrm>
-            <a:off x="1163496" y="2452297"/>
-            <a:ext cx="4545000" cy="561247"/>
-          </a:xfrm>
-          <a:prstGeom prst="rect">
-            <a:avLst/>
-          </a:prstGeom>
-        </p:spPr>
-      </p:pic>
-      <p:pic>
-        <p:nvPicPr>
-          <p:cNvPr id="7" name="Picture 6">
-            <a:extLst>
-              <a:ext uri="{FF2B5EF4-FFF2-40B4-BE49-F238E27FC236}">
-                <a16:creationId xmlns:a16="http://schemas.microsoft.com/office/drawing/2014/main" id="{174D2937-6B5D-1105-7775-194779219942}"/>
-              </a:ext>
-            </a:extLst>
-          </p:cNvPr>
-          <p:cNvPicPr>
-            <a:picLocks noChangeAspect="1"/>
-          </p:cNvPicPr>
-          <p:nvPr/>
-        </p:nvPicPr>
-        <p:blipFill>
-          <a:blip r:embed="rId4"/>
-          <a:stretch>
-            <a:fillRect/>
-          </a:stretch>
-        </p:blipFill>
-        <p:spPr>
-          <a:xfrm>
-            <a:off x="1163496" y="3844457"/>
-            <a:ext cx="5667375" cy="571500"/>
-          </a:xfrm>
-          <a:prstGeom prst="rect">
-            <a:avLst/>
-          </a:prstGeom>
-        </p:spPr>
-      </p:pic>
-    </p:spTree>
-    <p:extLst>
-      <p:ext uri="{BB962C8B-B14F-4D97-AF65-F5344CB8AC3E}">
-        <p14:creationId xmlns:p14="http://schemas.microsoft.com/office/powerpoint/2010/main" val="1760477952"/>
-      </p:ext>
-    </p:extLst>
-  </p:cSld>
-  <p:clrMapOvr>
-    <a:masterClrMapping/>
-  </p:clrMapOvr>
-  <p:timing>
-    <p:tnLst>
-      <p:par>
-        <p:cTn id="1" dur="indefinite" restart="never" nodeType="tmRoot">
-          <p:childTnLst>
-            <p:seq concurrent="1" nextAc="seek">
-              <p:cTn id="2" dur="indefinite" nodeType="mainSeq">
-                <p:childTnLst>
-                  <p:par>
-                    <p:cTn id="3" fill="hold">
-                      <p:stCondLst>
-                        <p:cond delay="indefinite"/>
-                      </p:stCondLst>
-                      <p:childTnLst>
-                        <p:par>
-                          <p:cTn id="4" fill="hold">
-                            <p:stCondLst>
-                              <p:cond delay="0"/>
-                            </p:stCondLst>
-                            <p:childTnLst>
-                              <p:par>
-                                <p:cTn id="5" presetID="10" presetClass="entr" presetSubtype="0" fill="hold" nodeType="clickEffect">
-                                  <p:stCondLst>
-                                    <p:cond delay="0"/>
-                                  </p:stCondLst>
-                                  <p:childTnLst>
-                                    <p:set>
-                                      <p:cBhvr>
-                                        <p:cTn id="6" dur="1" fill="hold">
-                                          <p:stCondLst>
-                                            <p:cond delay="0"/>
-                                          </p:stCondLst>
-                                        </p:cTn>
-                                        <p:tgtEl>
-                                          <p:spTgt spid="3">
-                                            <p:txEl>
-                                              <p:pRg st="0" end="0"/>
-                                            </p:txEl>
-                                          </p:spTgt>
-                                        </p:tgtEl>
-                                        <p:attrNameLst>
-                                          <p:attrName>style.visibility</p:attrName>
-                                        </p:attrNameLst>
-                                      </p:cBhvr>
-                                      <p:to>
-                                        <p:strVal val="visible"/>
-                                      </p:to>
-                                    </p:set>
-                                    <p:animEffect transition="in" filter="fade">
-                                      <p:cBhvr>
-                                        <p:cTn id="7" dur="500"/>
-                                        <p:tgtEl>
-                                          <p:spTgt spid="3">
-                                            <p:txEl>
-                                              <p:pRg st="0" end="0"/>
-                                            </p:txEl>
-                                          </p:spTgt>
-                                        </p:tgtEl>
-                                      </p:cBhvr>
-                                    </p:animEffect>
-                                  </p:childTnLst>
-                                </p:cTn>
-                              </p:par>
-                            </p:childTnLst>
-                          </p:cTn>
-                        </p:par>
-                      </p:childTnLst>
-                    </p:cTn>
-                  </p:par>
-                  <p:par>
-                    <p:cTn id="8" fill="hold">
-                      <p:stCondLst>
-                        <p:cond delay="indefinite"/>
-                      </p:stCondLst>
-                      <p:childTnLst>
-                        <p:par>
-                          <p:cTn id="9" fill="hold">
-                            <p:stCondLst>
-                              <p:cond delay="0"/>
-                            </p:stCondLst>
-                            <p:childTnLst>
-                              <p:par>
-                                <p:cTn id="10" presetID="10" presetClass="entr" presetSubtype="0" fill="hold" nodeType="clickEffect">
-                                  <p:stCondLst>
-                                    <p:cond delay="0"/>
-                                  </p:stCondLst>
-                                  <p:childTnLst>
-                                    <p:set>
-                                      <p:cBhvr>
-                                        <p:cTn id="11" dur="1" fill="hold">
-                                          <p:stCondLst>
-                                            <p:cond delay="0"/>
-                                          </p:stCondLst>
-                                        </p:cTn>
-                                        <p:tgtEl>
-                                          <p:spTgt spid="5"/>
-                                        </p:tgtEl>
-                                        <p:attrNameLst>
-                                          <p:attrName>style.visibility</p:attrName>
-                                        </p:attrNameLst>
-                                      </p:cBhvr>
-                                      <p:to>
-                                        <p:strVal val="visible"/>
-                                      </p:to>
-                                    </p:set>
-                                    <p:animEffect transition="in" filter="fade">
-                                      <p:cBhvr>
-                                        <p:cTn id="12" dur="500"/>
-                                        <p:tgtEl>
-                                          <p:spTgt spid="5"/>
-                                        </p:tgtEl>
-                                      </p:cBhvr>
-                                    </p:animEffect>
-                                  </p:childTnLst>
-                                </p:cTn>
-                              </p:par>
-                            </p:childTnLst>
-                          </p:cTn>
-                        </p:par>
-                      </p:childTnLst>
-                    </p:cTn>
-                  </p:par>
-                  <p:par>
-                    <p:cTn id="13" fill="hold">
-                      <p:stCondLst>
-                        <p:cond delay="indefinite"/>
-                      </p:stCondLst>
-                      <p:childTnLst>
-                        <p:par>
-                          <p:cTn id="14" fill="hold">
-                            <p:stCondLst>
-                              <p:cond delay="0"/>
-                            </p:stCondLst>
-                            <p:childTnLst>
-                              <p:par>
-                                <p:cTn id="15" presetID="10" presetClass="entr" presetSubtype="0" fill="hold" nodeType="clickEffect">
-                                  <p:stCondLst>
-                                    <p:cond delay="0"/>
-                                  </p:stCondLst>
-                                  <p:childTnLst>
-                                    <p:set>
-                                      <p:cBhvr>
-                                        <p:cTn id="16" dur="1" fill="hold">
-                                          <p:stCondLst>
-                                            <p:cond delay="0"/>
-                                          </p:stCondLst>
-                                        </p:cTn>
-                                        <p:tgtEl>
-                                          <p:spTgt spid="3">
-                                            <p:txEl>
-                                              <p:pRg st="2" end="2"/>
-                                            </p:txEl>
-                                          </p:spTgt>
-                                        </p:tgtEl>
-                                        <p:attrNameLst>
-                                          <p:attrName>style.visibility</p:attrName>
-                                        </p:attrNameLst>
-                                      </p:cBhvr>
-                                      <p:to>
-                                        <p:strVal val="visible"/>
-                                      </p:to>
-                                    </p:set>
-                                    <p:animEffect transition="in" filter="fade">
-                                      <p:cBhvr>
-                                        <p:cTn id="17" dur="500"/>
-                                        <p:tgtEl>
-                                          <p:spTgt spid="3">
-                                            <p:txEl>
-                                              <p:pRg st="2" end="2"/>
-                                            </p:txEl>
-                                          </p:spTgt>
-                                        </p:tgtEl>
-                                      </p:cBhvr>
-                                    </p:animEffect>
-                                  </p:childTnLst>
-                                </p:cTn>
-                              </p:par>
-                            </p:childTnLst>
-                          </p:cTn>
-                        </p:par>
-                      </p:childTnLst>
-                    </p:cTn>
-                  </p:par>
-                  <p:par>
-                    <p:cTn id="18" fill="hold">
-                      <p:stCondLst>
-                        <p:cond delay="indefinite"/>
-                      </p:stCondLst>
-                      <p:childTnLst>
-                        <p:par>
-                          <p:cTn id="19" fill="hold">
-                            <p:stCondLst>
-                              <p:cond delay="0"/>
-                            </p:stCondLst>
-                            <p:childTnLst>
-                              <p:par>
-                                <p:cTn id="20" presetID="10" presetClass="entr" presetSubtype="0" fill="hold" nodeType="clickEffect">
-                                  <p:stCondLst>
-                                    <p:cond delay="0"/>
-                                  </p:stCondLst>
-                                  <p:childTnLst>
-                                    <p:set>
-                                      <p:cBhvr>
-                                        <p:cTn id="21" dur="1" fill="hold">
-                                          <p:stCondLst>
-                                            <p:cond delay="0"/>
-                                          </p:stCondLst>
-                                        </p:cTn>
-                                        <p:tgtEl>
-                                          <p:spTgt spid="7"/>
-                                        </p:tgtEl>
-                                        <p:attrNameLst>
-                                          <p:attrName>style.visibility</p:attrName>
-                                        </p:attrNameLst>
-                                      </p:cBhvr>
-                                      <p:to>
-                                        <p:strVal val="visible"/>
-                                      </p:to>
-                                    </p:set>
-                                    <p:animEffect transition="in" filter="fade">
-                                      <p:cBhvr>
-                                        <p:cTn id="22" dur="500"/>
-                                        <p:tgtEl>
-                                          <p:spTgt spid="7"/>
-                                        </p:tgtEl>
-                                      </p:cBhvr>
-                                    </p:animEffect>
-                                  </p:childTnLst>
-                                </p:cTn>
-                              </p:par>
-                            </p:childTnLst>
-                          </p:cTn>
-                        </p:par>
-                      </p:childTnLst>
-                    </p:cTn>
-                  </p:par>
-                </p:childTnLst>
-              </p:cTn>
-              <p:prevCondLst>
-                <p:cond evt="onPrev" delay="0">
-                  <p:tgtEl>
-                    <p:sldTgt/>
-                  </p:tgtEl>
-                </p:cond>
-              </p:prevCondLst>
-              <p:nextCondLst>
-                <p:cond evt="onNext" delay="0">
-                  <p:tgtEl>
-                    <p:sldTgt/>
-                  </p:tgtEl>
-                </p:cond>
-              </p:nextCondLst>
-            </p:seq>
-          </p:childTnLst>
-        </p:cTn>
-      </p:par>
-    </p:tnLst>
-  </p:timing>
-</p:sld>
-</file>
-
-<file path=ppt/slides/slide19.xml><?xml version="1.0" encoding="utf-8"?>
-<p:sld xmlns:a="http://schemas.openxmlformats.org/drawingml/2006/main" xmlns:r="http://schemas.openxmlformats.org/officeDocument/2006/relationships" xmlns:p="http://schemas.openxmlformats.org/presentationml/2006/main">
-  <p:cSld>
-    <p:bg>
-      <p:bgPr>
-        <a:blipFill dpi="0" rotWithShape="1">
-          <a:blip r:embed="rId2">
-            <a:lum/>
-          </a:blip>
-          <a:srcRect/>
-          <a:stretch>
-            <a:fillRect/>
-          </a:stretch>
-        </a:blipFill>
-        <a:effectLst/>
-      </p:bgPr>
-    </p:bg>
-    <p:spTree>
-      <p:nvGrpSpPr>
-        <p:cNvPr id="1" name=""/>
-        <p:cNvGrpSpPr/>
-        <p:nvPr/>
-      </p:nvGrpSpPr>
-      <p:grpSpPr>
-        <a:xfrm>
-          <a:off x="0" y="0"/>
-          <a:ext cx="0" cy="0"/>
-          <a:chOff x="0" y="0"/>
-          <a:chExt cx="0" cy="0"/>
-        </a:xfrm>
-      </p:grpSpPr>
-      <p:sp>
-        <p:nvSpPr>
-          <p:cNvPr id="2" name="Title 1">
-            <a:extLst>
-              <a:ext uri="{FF2B5EF4-FFF2-40B4-BE49-F238E27FC236}">
-                <a16:creationId xmlns:a16="http://schemas.microsoft.com/office/drawing/2014/main" id="{55E11F08-6CA0-48F1-AD67-97430DDA07F0}"/>
-              </a:ext>
-            </a:extLst>
-          </p:cNvPr>
-          <p:cNvSpPr>
-            <a:spLocks noGrp="1"/>
-          </p:cNvSpPr>
-          <p:nvPr>
-            <p:ph type="title"/>
-          </p:nvPr>
-        </p:nvSpPr>
-        <p:spPr/>
-        <p:txBody>
-          <a:bodyPr/>
-          <a:lstStyle/>
-          <a:p>
-            <a:r>
-              <a:rPr lang="tr-TR" b="1" dirty="0">
-                <a:solidFill>
-                  <a:srgbClr val="292D33"/>
-                </a:solidFill>
-                <a:latin typeface="Euclid Circular B" panose="020B0504000000000000" pitchFamily="34" charset="0"/>
-                <a:ea typeface="Euclid Circular B" panose="020B0504000000000000" pitchFamily="34" charset="0"/>
-              </a:rPr>
-              <a:t>Mutex: Interprocess Locking</a:t>
+              <a:t>Mutex: Inter-process Locking</a:t>
             </a:r>
             <a:endParaRPr lang="en-US" b="1" dirty="0">
               <a:solidFill>
@@ -8393,290 +7392,7 @@
 </p:sld>
 </file>
 
-<file path=ppt/slides/slide2.xml><?xml version="1.0" encoding="utf-8"?>
-<p:sld xmlns:a="http://schemas.openxmlformats.org/drawingml/2006/main" xmlns:r="http://schemas.openxmlformats.org/officeDocument/2006/relationships" xmlns:p="http://schemas.openxmlformats.org/presentationml/2006/main">
-  <p:cSld>
-    <p:bg>
-      <p:bgPr>
-        <a:blipFill dpi="0" rotWithShape="1">
-          <a:blip r:embed="rId2">
-            <a:lum/>
-          </a:blip>
-          <a:srcRect/>
-          <a:stretch>
-            <a:fillRect/>
-          </a:stretch>
-        </a:blipFill>
-        <a:effectLst/>
-      </p:bgPr>
-    </p:bg>
-    <p:spTree>
-      <p:nvGrpSpPr>
-        <p:cNvPr id="1" name=""/>
-        <p:cNvGrpSpPr/>
-        <p:nvPr/>
-      </p:nvGrpSpPr>
-      <p:grpSpPr>
-        <a:xfrm>
-          <a:off x="0" y="0"/>
-          <a:ext cx="0" cy="0"/>
-          <a:chOff x="0" y="0"/>
-          <a:chExt cx="0" cy="0"/>
-        </a:xfrm>
-      </p:grpSpPr>
-      <p:sp>
-        <p:nvSpPr>
-          <p:cNvPr id="2" name="Title 1">
-            <a:extLst>
-              <a:ext uri="{FF2B5EF4-FFF2-40B4-BE49-F238E27FC236}">
-                <a16:creationId xmlns:a16="http://schemas.microsoft.com/office/drawing/2014/main" id="{55E11F08-6CA0-48F1-AD67-97430DDA07F0}"/>
-              </a:ext>
-            </a:extLst>
-          </p:cNvPr>
-          <p:cNvSpPr>
-            <a:spLocks noGrp="1"/>
-          </p:cNvSpPr>
-          <p:nvPr>
-            <p:ph type="title"/>
-          </p:nvPr>
-        </p:nvSpPr>
-        <p:spPr/>
-        <p:txBody>
-          <a:bodyPr/>
-          <a:lstStyle/>
-          <a:p>
-            <a:r>
-              <a:rPr lang="tr-TR" b="1" dirty="0">
-                <a:solidFill>
-                  <a:srgbClr val="292D33"/>
-                </a:solidFill>
-                <a:latin typeface="Euclid Circular B" panose="020B0504000000000000" pitchFamily="34" charset="0"/>
-                <a:ea typeface="Euclid Circular B" panose="020B0504000000000000" pitchFamily="34" charset="0"/>
-              </a:rPr>
-              <a:t>Agenda</a:t>
-            </a:r>
-            <a:endParaRPr lang="en-US" b="1" dirty="0">
-              <a:solidFill>
-                <a:srgbClr val="292D33"/>
-              </a:solidFill>
-              <a:latin typeface="Euclid Circular B" panose="020B0504000000000000" pitchFamily="34" charset="0"/>
-              <a:ea typeface="Euclid Circular B" panose="020B0504000000000000" pitchFamily="34" charset="0"/>
-            </a:endParaRPr>
-          </a:p>
-        </p:txBody>
-      </p:sp>
-      <p:sp>
-        <p:nvSpPr>
-          <p:cNvPr id="3" name="Content Placeholder 2">
-            <a:extLst>
-              <a:ext uri="{FF2B5EF4-FFF2-40B4-BE49-F238E27FC236}">
-                <a16:creationId xmlns:a16="http://schemas.microsoft.com/office/drawing/2014/main" id="{891C7693-D3DF-4635-96F4-97F3B4136FDF}"/>
-              </a:ext>
-            </a:extLst>
-          </p:cNvPr>
-          <p:cNvSpPr>
-            <a:spLocks noGrp="1"/>
-          </p:cNvSpPr>
-          <p:nvPr>
-            <p:ph idx="1"/>
-          </p:nvPr>
-        </p:nvSpPr>
-        <p:spPr/>
-        <p:txBody>
-          <a:bodyPr>
-            <a:normAutofit lnSpcReduction="10000"/>
-          </a:bodyPr>
-          <a:lstStyle/>
-          <a:p>
-            <a:r>
-              <a:rPr lang="en-US" sz="3200" b="1" dirty="0">
-                <a:latin typeface="Euclid Circular B" panose="020B0504000000000000" pitchFamily="34" charset="0"/>
-                <a:ea typeface="Euclid Circular B" panose="020B0504000000000000" pitchFamily="34" charset="0"/>
-              </a:rPr>
-              <a:t>What </a:t>
-            </a:r>
-            <a:r>
-              <a:rPr lang="en-US" sz="3200" dirty="0">
-                <a:latin typeface="Euclid Circular B" panose="020B0504000000000000" pitchFamily="34" charset="0"/>
-                <a:ea typeface="Euclid Circular B" panose="020B0504000000000000" pitchFamily="34" charset="0"/>
-              </a:rPr>
-              <a:t>and why </a:t>
-            </a:r>
-            <a:r>
-              <a:rPr lang="en-US" sz="3200" b="1" dirty="0">
-                <a:latin typeface="Euclid Circular B" panose="020B0504000000000000" pitchFamily="34" charset="0"/>
-                <a:ea typeface="Euclid Circular B" panose="020B0504000000000000" pitchFamily="34" charset="0"/>
-              </a:rPr>
-              <a:t>multi-threading</a:t>
-            </a:r>
-            <a:r>
-              <a:rPr lang="en-US" sz="3200" dirty="0">
-                <a:latin typeface="Euclid Circular B" panose="020B0504000000000000" pitchFamily="34" charset="0"/>
-                <a:ea typeface="Euclid Circular B" panose="020B0504000000000000" pitchFamily="34" charset="0"/>
-              </a:rPr>
-              <a:t>?</a:t>
-            </a:r>
-          </a:p>
-          <a:p>
-            <a:r>
-              <a:rPr lang="en-US" sz="3200" dirty="0">
-                <a:latin typeface="Euclid Circular B" panose="020B0504000000000000" pitchFamily="34" charset="0"/>
-                <a:ea typeface="Euclid Circular B" panose="020B0504000000000000" pitchFamily="34" charset="0"/>
-              </a:rPr>
-              <a:t>Creating and </a:t>
-            </a:r>
-            <a:r>
-              <a:rPr lang="en-US" sz="3200" b="1" dirty="0">
-                <a:latin typeface="Euclid Circular B" panose="020B0504000000000000" pitchFamily="34" charset="0"/>
-                <a:ea typeface="Euclid Circular B" panose="020B0504000000000000" pitchFamily="34" charset="0"/>
-              </a:rPr>
-              <a:t>starting threads</a:t>
-            </a:r>
-          </a:p>
-          <a:p>
-            <a:r>
-              <a:rPr lang="en-US" sz="3200" b="1" dirty="0">
-                <a:latin typeface="Euclid Circular B" panose="020B0504000000000000" pitchFamily="34" charset="0"/>
-                <a:ea typeface="Euclid Circular B" panose="020B0504000000000000" pitchFamily="34" charset="0"/>
-              </a:rPr>
-              <a:t>Sharing state </a:t>
-            </a:r>
-            <a:r>
-              <a:rPr lang="en-US" sz="3200" dirty="0">
-                <a:latin typeface="Euclid Circular B" panose="020B0504000000000000" pitchFamily="34" charset="0"/>
-                <a:ea typeface="Euclid Circular B" panose="020B0504000000000000" pitchFamily="34" charset="0"/>
-              </a:rPr>
-              <a:t>between threads</a:t>
-            </a:r>
-          </a:p>
-          <a:p>
-            <a:r>
-              <a:rPr lang="en-US" sz="3200" dirty="0">
-                <a:latin typeface="Euclid Circular B" panose="020B0504000000000000" pitchFamily="34" charset="0"/>
-                <a:ea typeface="Euclid Circular B" panose="020B0504000000000000" pitchFamily="34" charset="0"/>
-              </a:rPr>
-              <a:t>The </a:t>
-            </a:r>
-            <a:r>
-              <a:rPr lang="en-US" sz="3200" b="1" dirty="0">
-                <a:latin typeface="Euclid Circular B" panose="020B0504000000000000" pitchFamily="34" charset="0"/>
-                <a:ea typeface="Euclid Circular B" panose="020B0504000000000000" pitchFamily="34" charset="0"/>
-              </a:rPr>
-              <a:t>producer-consumer </a:t>
-            </a:r>
-            <a:r>
-              <a:rPr lang="en-US" sz="3200" dirty="0">
-                <a:latin typeface="Euclid Circular B" panose="020B0504000000000000" pitchFamily="34" charset="0"/>
-                <a:ea typeface="Euclid Circular B" panose="020B0504000000000000" pitchFamily="34" charset="0"/>
-              </a:rPr>
-              <a:t>pattern</a:t>
-            </a:r>
-          </a:p>
-          <a:p>
-            <a:r>
-              <a:rPr lang="en-US" sz="3200" dirty="0">
-                <a:latin typeface="Euclid Circular B" panose="020B0504000000000000" pitchFamily="34" charset="0"/>
-                <a:ea typeface="Euclid Circular B" panose="020B0504000000000000" pitchFamily="34" charset="0"/>
-              </a:rPr>
-              <a:t>Task, Semaphore, </a:t>
-            </a:r>
-            <a:r>
-              <a:rPr lang="en-US" sz="3200" dirty="0" err="1">
-                <a:latin typeface="Euclid Circular B" panose="020B0504000000000000" pitchFamily="34" charset="0"/>
-                <a:ea typeface="Euclid Circular B" panose="020B0504000000000000" pitchFamily="34" charset="0"/>
-              </a:rPr>
-              <a:t>ThreadLocal</a:t>
-            </a:r>
-            <a:r>
-              <a:rPr lang="tr-TR" sz="3200" dirty="0">
-                <a:latin typeface="Euclid Circular B" panose="020B0504000000000000" pitchFamily="34" charset="0"/>
-                <a:ea typeface="Euclid Circular B" panose="020B0504000000000000" pitchFamily="34" charset="0"/>
-              </a:rPr>
-              <a:t> and</a:t>
-            </a:r>
-            <a:r>
-              <a:rPr lang="en-US" sz="3200" dirty="0">
-                <a:latin typeface="Euclid Circular B" panose="020B0504000000000000" pitchFamily="34" charset="0"/>
-                <a:ea typeface="Euclid Circular B" panose="020B0504000000000000" pitchFamily="34" charset="0"/>
-              </a:rPr>
-              <a:t> </a:t>
-            </a:r>
-            <a:r>
-              <a:rPr lang="en-US" sz="3200" dirty="0" err="1">
-                <a:latin typeface="Euclid Circular B" panose="020B0504000000000000" pitchFamily="34" charset="0"/>
-                <a:ea typeface="Euclid Circular B" panose="020B0504000000000000" pitchFamily="34" charset="0"/>
-              </a:rPr>
-              <a:t>AsyncLocal</a:t>
-            </a:r>
-            <a:r>
-              <a:rPr lang="tr-TR" sz="3200" dirty="0">
-                <a:latin typeface="Euclid Circular B" panose="020B0504000000000000" pitchFamily="34" charset="0"/>
-                <a:ea typeface="Euclid Circular B" panose="020B0504000000000000" pitchFamily="34" charset="0"/>
-              </a:rPr>
-              <a:t> classes</a:t>
-            </a:r>
-            <a:endParaRPr lang="en-US" sz="3200" dirty="0">
-              <a:latin typeface="Euclid Circular B" panose="020B0504000000000000" pitchFamily="34" charset="0"/>
-              <a:ea typeface="Euclid Circular B" panose="020B0504000000000000" pitchFamily="34" charset="0"/>
-            </a:endParaRPr>
-          </a:p>
-          <a:p>
-            <a:r>
-              <a:rPr lang="en-US" sz="3200" dirty="0">
-                <a:latin typeface="Euclid Circular B" panose="020B0504000000000000" pitchFamily="34" charset="0"/>
-                <a:ea typeface="Euclid Circular B" panose="020B0504000000000000" pitchFamily="34" charset="0"/>
-              </a:rPr>
-              <a:t>Inter-process locking &amp; </a:t>
-            </a:r>
-            <a:r>
-              <a:rPr lang="en-US" sz="3200" b="1" dirty="0">
-                <a:latin typeface="Euclid Circular B" panose="020B0504000000000000" pitchFamily="34" charset="0"/>
-                <a:ea typeface="Euclid Circular B" panose="020B0504000000000000" pitchFamily="34" charset="0"/>
-              </a:rPr>
-              <a:t>Mutex</a:t>
-            </a:r>
-          </a:p>
-          <a:p>
-            <a:r>
-              <a:rPr lang="en-US" sz="3200" b="1" dirty="0">
-                <a:latin typeface="Euclid Circular B" panose="020B0504000000000000" pitchFamily="34" charset="0"/>
-                <a:ea typeface="Euclid Circular B" panose="020B0504000000000000" pitchFamily="34" charset="0"/>
-              </a:rPr>
-              <a:t>Distributed locking</a:t>
-            </a:r>
-          </a:p>
-          <a:p>
-            <a:r>
-              <a:rPr lang="en-US" sz="3200" dirty="0">
-                <a:latin typeface="Euclid Circular B" panose="020B0504000000000000" pitchFamily="34" charset="0"/>
-                <a:ea typeface="Euclid Circular B" panose="020B0504000000000000" pitchFamily="34" charset="0"/>
-              </a:rPr>
-              <a:t>Nested locks &amp; </a:t>
-            </a:r>
-            <a:r>
-              <a:rPr lang="en-US" sz="3200" b="1" dirty="0">
-                <a:latin typeface="Euclid Circular B" panose="020B0504000000000000" pitchFamily="34" charset="0"/>
-                <a:ea typeface="Euclid Circular B" panose="020B0504000000000000" pitchFamily="34" charset="0"/>
-              </a:rPr>
-              <a:t>deadlocks</a:t>
-            </a:r>
-          </a:p>
-        </p:txBody>
-      </p:sp>
-    </p:spTree>
-    <p:extLst>
-      <p:ext uri="{BB962C8B-B14F-4D97-AF65-F5344CB8AC3E}">
-        <p14:creationId xmlns:p14="http://schemas.microsoft.com/office/powerpoint/2010/main" val="2748917773"/>
-      </p:ext>
-    </p:extLst>
-  </p:cSld>
-  <p:clrMapOvr>
-    <a:masterClrMapping/>
-  </p:clrMapOvr>
-</p:sld>
-</file>
-
-<file path=ppt/slides/slide20.xml><?xml version="1.0" encoding="utf-8"?>
+<file path=ppt/slides/slide18.xml><?xml version="1.0" encoding="utf-8"?>
 <p:sld xmlns:a="http://schemas.openxmlformats.org/drawingml/2006/main" xmlns:r="http://schemas.openxmlformats.org/officeDocument/2006/relationships" xmlns:p="http://schemas.openxmlformats.org/presentationml/2006/main">
   <p:cSld>
     <p:bg>
@@ -9277,7 +7993,7 @@
 </p:sld>
 </file>
 
-<file path=ppt/slides/slide21.xml><?xml version="1.0" encoding="utf-8"?>
+<file path=ppt/slides/slide19.xml><?xml version="1.0" encoding="utf-8"?>
 <p:sld xmlns:a="http://schemas.openxmlformats.org/drawingml/2006/main" xmlns:r="http://schemas.openxmlformats.org/officeDocument/2006/relationships" xmlns:p="http://schemas.openxmlformats.org/presentationml/2006/main">
   <p:cSld>
     <p:bg>
@@ -9558,7 +8274,276 @@
 </p:sld>
 </file>
 
-<file path=ppt/slides/slide22.xml><?xml version="1.0" encoding="utf-8"?>
+<file path=ppt/slides/slide2.xml><?xml version="1.0" encoding="utf-8"?>
+<p:sld xmlns:a="http://schemas.openxmlformats.org/drawingml/2006/main" xmlns:r="http://schemas.openxmlformats.org/officeDocument/2006/relationships" xmlns:p="http://schemas.openxmlformats.org/presentationml/2006/main">
+  <p:cSld>
+    <p:bg>
+      <p:bgPr>
+        <a:blipFill dpi="0" rotWithShape="1">
+          <a:blip r:embed="rId2">
+            <a:lum/>
+          </a:blip>
+          <a:srcRect/>
+          <a:stretch>
+            <a:fillRect/>
+          </a:stretch>
+        </a:blipFill>
+        <a:effectLst/>
+      </p:bgPr>
+    </p:bg>
+    <p:spTree>
+      <p:nvGrpSpPr>
+        <p:cNvPr id="1" name=""/>
+        <p:cNvGrpSpPr/>
+        <p:nvPr/>
+      </p:nvGrpSpPr>
+      <p:grpSpPr>
+        <a:xfrm>
+          <a:off x="0" y="0"/>
+          <a:ext cx="0" cy="0"/>
+          <a:chOff x="0" y="0"/>
+          <a:chExt cx="0" cy="0"/>
+        </a:xfrm>
+      </p:grpSpPr>
+      <p:sp>
+        <p:nvSpPr>
+          <p:cNvPr id="2" name="Title 1">
+            <a:extLst>
+              <a:ext uri="{FF2B5EF4-FFF2-40B4-BE49-F238E27FC236}">
+                <a16:creationId xmlns:a16="http://schemas.microsoft.com/office/drawing/2014/main" id="{55E11F08-6CA0-48F1-AD67-97430DDA07F0}"/>
+              </a:ext>
+            </a:extLst>
+          </p:cNvPr>
+          <p:cNvSpPr>
+            <a:spLocks noGrp="1"/>
+          </p:cNvSpPr>
+          <p:nvPr>
+            <p:ph type="title"/>
+          </p:nvPr>
+        </p:nvSpPr>
+        <p:spPr/>
+        <p:txBody>
+          <a:bodyPr/>
+          <a:lstStyle/>
+          <a:p>
+            <a:r>
+              <a:rPr lang="tr-TR" b="1" dirty="0">
+                <a:solidFill>
+                  <a:srgbClr val="292D33"/>
+                </a:solidFill>
+                <a:latin typeface="Euclid Circular B" panose="020B0504000000000000" pitchFamily="34" charset="0"/>
+                <a:ea typeface="Euclid Circular B" panose="020B0504000000000000" pitchFamily="34" charset="0"/>
+              </a:rPr>
+              <a:t>Agenda</a:t>
+            </a:r>
+            <a:endParaRPr lang="en-US" b="1" dirty="0">
+              <a:solidFill>
+                <a:srgbClr val="292D33"/>
+              </a:solidFill>
+              <a:latin typeface="Euclid Circular B" panose="020B0504000000000000" pitchFamily="34" charset="0"/>
+              <a:ea typeface="Euclid Circular B" panose="020B0504000000000000" pitchFamily="34" charset="0"/>
+            </a:endParaRPr>
+          </a:p>
+        </p:txBody>
+      </p:sp>
+      <p:sp>
+        <p:nvSpPr>
+          <p:cNvPr id="3" name="Content Placeholder 2">
+            <a:extLst>
+              <a:ext uri="{FF2B5EF4-FFF2-40B4-BE49-F238E27FC236}">
+                <a16:creationId xmlns:a16="http://schemas.microsoft.com/office/drawing/2014/main" id="{891C7693-D3DF-4635-96F4-97F3B4136FDF}"/>
+              </a:ext>
+            </a:extLst>
+          </p:cNvPr>
+          <p:cNvSpPr>
+            <a:spLocks noGrp="1"/>
+          </p:cNvSpPr>
+          <p:nvPr>
+            <p:ph idx="1"/>
+          </p:nvPr>
+        </p:nvSpPr>
+        <p:spPr/>
+        <p:txBody>
+          <a:bodyPr>
+            <a:normAutofit lnSpcReduction="10000"/>
+          </a:bodyPr>
+          <a:lstStyle/>
+          <a:p>
+            <a:r>
+              <a:rPr lang="en-US" sz="3200" b="1" dirty="0">
+                <a:latin typeface="Euclid Circular B" panose="020B0504000000000000" pitchFamily="34" charset="0"/>
+                <a:ea typeface="Euclid Circular B" panose="020B0504000000000000" pitchFamily="34" charset="0"/>
+              </a:rPr>
+              <a:t>What </a:t>
+            </a:r>
+            <a:r>
+              <a:rPr lang="en-US" sz="3200" dirty="0">
+                <a:latin typeface="Euclid Circular B" panose="020B0504000000000000" pitchFamily="34" charset="0"/>
+                <a:ea typeface="Euclid Circular B" panose="020B0504000000000000" pitchFamily="34" charset="0"/>
+              </a:rPr>
+              <a:t>and why </a:t>
+            </a:r>
+            <a:r>
+              <a:rPr lang="en-US" sz="3200" b="1" dirty="0">
+                <a:latin typeface="Euclid Circular B" panose="020B0504000000000000" pitchFamily="34" charset="0"/>
+                <a:ea typeface="Euclid Circular B" panose="020B0504000000000000" pitchFamily="34" charset="0"/>
+              </a:rPr>
+              <a:t>multi-threading</a:t>
+            </a:r>
+            <a:r>
+              <a:rPr lang="en-US" sz="3200" dirty="0">
+                <a:latin typeface="Euclid Circular B" panose="020B0504000000000000" pitchFamily="34" charset="0"/>
+                <a:ea typeface="Euclid Circular B" panose="020B0504000000000000" pitchFamily="34" charset="0"/>
+              </a:rPr>
+              <a:t>?</a:t>
+            </a:r>
+          </a:p>
+          <a:p>
+            <a:r>
+              <a:rPr lang="en-US" sz="3200" dirty="0">
+                <a:latin typeface="Euclid Circular B" panose="020B0504000000000000" pitchFamily="34" charset="0"/>
+                <a:ea typeface="Euclid Circular B" panose="020B0504000000000000" pitchFamily="34" charset="0"/>
+              </a:rPr>
+              <a:t>Creating and </a:t>
+            </a:r>
+            <a:r>
+              <a:rPr lang="en-US" sz="3200" b="1" dirty="0">
+                <a:latin typeface="Euclid Circular B" panose="020B0504000000000000" pitchFamily="34" charset="0"/>
+                <a:ea typeface="Euclid Circular B" panose="020B0504000000000000" pitchFamily="34" charset="0"/>
+              </a:rPr>
+              <a:t>starting threads</a:t>
+            </a:r>
+          </a:p>
+          <a:p>
+            <a:r>
+              <a:rPr lang="en-US" sz="3200" b="1" dirty="0">
+                <a:latin typeface="Euclid Circular B" panose="020B0504000000000000" pitchFamily="34" charset="0"/>
+                <a:ea typeface="Euclid Circular B" panose="020B0504000000000000" pitchFamily="34" charset="0"/>
+              </a:rPr>
+              <a:t>Sharing state </a:t>
+            </a:r>
+            <a:r>
+              <a:rPr lang="en-US" sz="3200" dirty="0">
+                <a:latin typeface="Euclid Circular B" panose="020B0504000000000000" pitchFamily="34" charset="0"/>
+                <a:ea typeface="Euclid Circular B" panose="020B0504000000000000" pitchFamily="34" charset="0"/>
+              </a:rPr>
+              <a:t>between threads</a:t>
+            </a:r>
+          </a:p>
+          <a:p>
+            <a:r>
+              <a:rPr lang="en-US" sz="3200" dirty="0">
+                <a:latin typeface="Euclid Circular B" panose="020B0504000000000000" pitchFamily="34" charset="0"/>
+                <a:ea typeface="Euclid Circular B" panose="020B0504000000000000" pitchFamily="34" charset="0"/>
+              </a:rPr>
+              <a:t>The </a:t>
+            </a:r>
+            <a:r>
+              <a:rPr lang="en-US" sz="3200" b="1" dirty="0">
+                <a:latin typeface="Euclid Circular B" panose="020B0504000000000000" pitchFamily="34" charset="0"/>
+                <a:ea typeface="Euclid Circular B" panose="020B0504000000000000" pitchFamily="34" charset="0"/>
+              </a:rPr>
+              <a:t>producer-consumer </a:t>
+            </a:r>
+            <a:r>
+              <a:rPr lang="en-US" sz="3200" dirty="0">
+                <a:latin typeface="Euclid Circular B" panose="020B0504000000000000" pitchFamily="34" charset="0"/>
+                <a:ea typeface="Euclid Circular B" panose="020B0504000000000000" pitchFamily="34" charset="0"/>
+              </a:rPr>
+              <a:t>pattern</a:t>
+            </a:r>
+          </a:p>
+          <a:p>
+            <a:r>
+              <a:rPr lang="en-US" sz="3200" dirty="0">
+                <a:latin typeface="Euclid Circular B" panose="020B0504000000000000" pitchFamily="34" charset="0"/>
+                <a:ea typeface="Euclid Circular B" panose="020B0504000000000000" pitchFamily="34" charset="0"/>
+              </a:rPr>
+              <a:t>Task</a:t>
+            </a:r>
+            <a:r>
+              <a:rPr lang="tr-TR" sz="3200" dirty="0">
+                <a:latin typeface="Euclid Circular B" panose="020B0504000000000000" pitchFamily="34" charset="0"/>
+                <a:ea typeface="Euclid Circular B" panose="020B0504000000000000" pitchFamily="34" charset="0"/>
+              </a:rPr>
+              <a:t> &amp;</a:t>
+            </a:r>
+            <a:r>
+              <a:rPr lang="en-US" sz="3200">
+                <a:latin typeface="Euclid Circular B" panose="020B0504000000000000" pitchFamily="34" charset="0"/>
+                <a:ea typeface="Euclid Circular B" panose="020B0504000000000000" pitchFamily="34" charset="0"/>
+              </a:rPr>
+              <a:t> </a:t>
+            </a:r>
+            <a:r>
+              <a:rPr lang="en-US" sz="3200" dirty="0">
+                <a:latin typeface="Euclid Circular B" panose="020B0504000000000000" pitchFamily="34" charset="0"/>
+                <a:ea typeface="Euclid Circular B" panose="020B0504000000000000" pitchFamily="34" charset="0"/>
+              </a:rPr>
+              <a:t>Semaphore</a:t>
+            </a:r>
+            <a:endParaRPr lang="tr-TR" sz="3200" dirty="0">
+              <a:latin typeface="Euclid Circular B" panose="020B0504000000000000" pitchFamily="34" charset="0"/>
+              <a:ea typeface="Euclid Circular B" panose="020B0504000000000000" pitchFamily="34" charset="0"/>
+            </a:endParaRPr>
+          </a:p>
+          <a:p>
+            <a:r>
+              <a:rPr lang="en-US" sz="3200" dirty="0">
+                <a:latin typeface="Euclid Circular B" panose="020B0504000000000000" pitchFamily="34" charset="0"/>
+                <a:ea typeface="Euclid Circular B" panose="020B0504000000000000" pitchFamily="34" charset="0"/>
+              </a:rPr>
+              <a:t>Inter-process locking &amp; </a:t>
+            </a:r>
+            <a:r>
+              <a:rPr lang="en-US" sz="3200" b="1" dirty="0">
+                <a:latin typeface="Euclid Circular B" panose="020B0504000000000000" pitchFamily="34" charset="0"/>
+                <a:ea typeface="Euclid Circular B" panose="020B0504000000000000" pitchFamily="34" charset="0"/>
+              </a:rPr>
+              <a:t>Mutex</a:t>
+            </a:r>
+          </a:p>
+          <a:p>
+            <a:r>
+              <a:rPr lang="en-US" sz="3200" b="1" dirty="0">
+                <a:latin typeface="Euclid Circular B" panose="020B0504000000000000" pitchFamily="34" charset="0"/>
+                <a:ea typeface="Euclid Circular B" panose="020B0504000000000000" pitchFamily="34" charset="0"/>
+              </a:rPr>
+              <a:t>Distributed locking</a:t>
+            </a:r>
+          </a:p>
+          <a:p>
+            <a:r>
+              <a:rPr lang="en-US" sz="3200" dirty="0">
+                <a:latin typeface="Euclid Circular B" panose="020B0504000000000000" pitchFamily="34" charset="0"/>
+                <a:ea typeface="Euclid Circular B" panose="020B0504000000000000" pitchFamily="34" charset="0"/>
+              </a:rPr>
+              <a:t>Nested locks &amp; </a:t>
+            </a:r>
+            <a:r>
+              <a:rPr lang="en-US" sz="3200" b="1" dirty="0">
+                <a:latin typeface="Euclid Circular B" panose="020B0504000000000000" pitchFamily="34" charset="0"/>
+                <a:ea typeface="Euclid Circular B" panose="020B0504000000000000" pitchFamily="34" charset="0"/>
+              </a:rPr>
+              <a:t>deadlocks</a:t>
+            </a:r>
+          </a:p>
+        </p:txBody>
+      </p:sp>
+    </p:spTree>
+    <p:extLst>
+      <p:ext uri="{BB962C8B-B14F-4D97-AF65-F5344CB8AC3E}">
+        <p14:creationId xmlns:p14="http://schemas.microsoft.com/office/powerpoint/2010/main" val="2748917773"/>
+      </p:ext>
+    </p:extLst>
+  </p:cSld>
+  <p:clrMapOvr>
+    <a:masterClrMapping/>
+  </p:clrMapOvr>
+</p:sld>
+</file>
+
+<file path=ppt/slides/slide20.xml><?xml version="1.0" encoding="utf-8"?>
 <p:sld xmlns:a="http://schemas.openxmlformats.org/drawingml/2006/main" xmlns:r="http://schemas.openxmlformats.org/officeDocument/2006/relationships" xmlns:p="http://schemas.openxmlformats.org/presentationml/2006/main">
   <p:cSld>
     <p:bg>
@@ -9673,7 +8658,7 @@
 </p:sld>
 </file>
 
-<file path=ppt/slides/slide23.xml><?xml version="1.0" encoding="utf-8"?>
+<file path=ppt/slides/slide21.xml><?xml version="1.0" encoding="utf-8"?>
 <p:sld xmlns:a="http://schemas.openxmlformats.org/drawingml/2006/main" xmlns:r="http://schemas.openxmlformats.org/officeDocument/2006/relationships" xmlns:p="http://schemas.openxmlformats.org/presentationml/2006/main">
   <p:cSld>
     <p:bg>
@@ -10037,7 +9022,7 @@
 </p:sld>
 </file>
 
-<file path=ppt/slides/slide24.xml><?xml version="1.0" encoding="utf-8"?>
+<file path=ppt/slides/slide22.xml><?xml version="1.0" encoding="utf-8"?>
 <p:sld xmlns:a="http://schemas.openxmlformats.org/drawingml/2006/main" xmlns:r="http://schemas.openxmlformats.org/officeDocument/2006/relationships" xmlns:p="http://schemas.openxmlformats.org/presentationml/2006/main">
   <p:cSld>
     <p:bg>
